--- a/Android.pptx
+++ b/Android.pptx
@@ -7,7 +7,10 @@
   <p:sldIdLst>
     <p:sldId id="256" r:id="rId2"/>
     <p:sldId id="257" r:id="rId3"/>
-    <p:sldId id="258" r:id="rId4"/>
+    <p:sldId id="259" r:id="rId4"/>
+    <p:sldId id="260" r:id="rId5"/>
+    <p:sldId id="258" r:id="rId6"/>
+    <p:sldId id="261" r:id="rId7"/>
   </p:sldIdLst>
   <p:sldSz cx="12192000" cy="6858000"/>
   <p:notesSz cx="6858000" cy="9144000"/>
@@ -106,7 +109,1013 @@
       </a:defRPr>
     </a:lvl9pPr>
   </p:defaultTextStyle>
+  <p:extLst>
+    <p:ext uri="{EFAFB233-063F-42B5-8137-9DF3F51BA10A}">
+      <p15:sldGuideLst xmlns:p15="http://schemas.microsoft.com/office/powerpoint/2012/main"/>
+    </p:ext>
+  </p:extLst>
 </p:presentation>
+</file>
+
+<file path=ppt/charts/chart1.xml><?xml version="1.0" encoding="utf-8"?>
+<c:chartSpace xmlns:c="http://schemas.openxmlformats.org/drawingml/2006/chart" xmlns:a="http://schemas.openxmlformats.org/drawingml/2006/main" xmlns:r="http://schemas.openxmlformats.org/officeDocument/2006/relationships">
+  <c:date1904 val="0"/>
+  <c:lang val="en-US"/>
+  <c:roundedCorners val="0"/>
+  <mc:AlternateContent xmlns:mc="http://schemas.openxmlformats.org/markup-compatibility/2006">
+    <mc:Choice xmlns:c14="http://schemas.microsoft.com/office/drawing/2007/8/2/chart" Requires="c14">
+      <c14:style val="102"/>
+    </mc:Choice>
+    <mc:Fallback>
+      <c:style val="2"/>
+    </mc:Fallback>
+  </mc:AlternateContent>
+  <c:chart>
+    <c:title>
+      <c:layout/>
+      <c:overlay val="0"/>
+      <c:spPr>
+        <a:noFill/>
+        <a:ln>
+          <a:noFill/>
+        </a:ln>
+        <a:effectLst/>
+      </c:spPr>
+      <c:txPr>
+        <a:bodyPr rot="0" spcFirstLastPara="1" vertOverflow="ellipsis" vert="horz" wrap="square" anchor="ctr" anchorCtr="1"/>
+        <a:lstStyle/>
+        <a:p>
+          <a:pPr>
+            <a:defRPr sz="1600" b="1" i="0" u="none" strike="noStrike" kern="1200" baseline="0">
+              <a:solidFill>
+                <a:schemeClr val="tx1">
+                  <a:lumMod val="65000"/>
+                  <a:lumOff val="35000"/>
+                </a:schemeClr>
+              </a:solidFill>
+              <a:latin typeface="+mn-lt"/>
+              <a:ea typeface="+mn-ea"/>
+              <a:cs typeface="+mn-cs"/>
+            </a:defRPr>
+          </a:pPr>
+          <a:endParaRPr lang="en-US"/>
+        </a:p>
+      </c:txPr>
+    </c:title>
+    <c:autoTitleDeleted val="0"/>
+    <c:plotArea>
+      <c:layout/>
+      <c:pieChart>
+        <c:varyColors val="1"/>
+        <c:ser>
+          <c:idx val="0"/>
+          <c:order val="0"/>
+          <c:tx>
+            <c:strRef>
+              <c:f>Sheet1!$B$1</c:f>
+              <c:strCache>
+                <c:ptCount val="1"/>
+                <c:pt idx="0">
+                  <c:v>Part de Marché</c:v>
+                </c:pt>
+              </c:strCache>
+            </c:strRef>
+          </c:tx>
+          <c:dPt>
+            <c:idx val="0"/>
+            <c:bubble3D val="0"/>
+            <c:spPr>
+              <a:gradFill rotWithShape="1">
+                <a:gsLst>
+                  <a:gs pos="0">
+                    <a:schemeClr val="accent1">
+                      <a:satMod val="103000"/>
+                      <a:lumMod val="102000"/>
+                      <a:tint val="94000"/>
+                    </a:schemeClr>
+                  </a:gs>
+                  <a:gs pos="50000">
+                    <a:schemeClr val="accent1">
+                      <a:satMod val="110000"/>
+                      <a:lumMod val="100000"/>
+                      <a:shade val="100000"/>
+                    </a:schemeClr>
+                  </a:gs>
+                  <a:gs pos="100000">
+                    <a:schemeClr val="accent1">
+                      <a:lumMod val="99000"/>
+                      <a:satMod val="120000"/>
+                      <a:shade val="78000"/>
+                    </a:schemeClr>
+                  </a:gs>
+                </a:gsLst>
+                <a:lin ang="5400000" scaled="0"/>
+              </a:gradFill>
+              <a:ln>
+                <a:noFill/>
+              </a:ln>
+              <a:effectLst>
+                <a:outerShdw blurRad="57150" dist="19050" dir="5400000" algn="ctr" rotWithShape="0">
+                  <a:srgbClr val="000000">
+                    <a:alpha val="63000"/>
+                  </a:srgbClr>
+                </a:outerShdw>
+              </a:effectLst>
+            </c:spPr>
+          </c:dPt>
+          <c:dPt>
+            <c:idx val="1"/>
+            <c:bubble3D val="0"/>
+            <c:spPr>
+              <a:gradFill rotWithShape="1">
+                <a:gsLst>
+                  <a:gs pos="0">
+                    <a:schemeClr val="accent2">
+                      <a:satMod val="103000"/>
+                      <a:lumMod val="102000"/>
+                      <a:tint val="94000"/>
+                    </a:schemeClr>
+                  </a:gs>
+                  <a:gs pos="50000">
+                    <a:schemeClr val="accent2">
+                      <a:satMod val="110000"/>
+                      <a:lumMod val="100000"/>
+                      <a:shade val="100000"/>
+                    </a:schemeClr>
+                  </a:gs>
+                  <a:gs pos="100000">
+                    <a:schemeClr val="accent2">
+                      <a:lumMod val="99000"/>
+                      <a:satMod val="120000"/>
+                      <a:shade val="78000"/>
+                    </a:schemeClr>
+                  </a:gs>
+                </a:gsLst>
+                <a:lin ang="5400000" scaled="0"/>
+              </a:gradFill>
+              <a:ln>
+                <a:noFill/>
+              </a:ln>
+              <a:effectLst>
+                <a:outerShdw blurRad="57150" dist="19050" dir="5400000" algn="ctr" rotWithShape="0">
+                  <a:srgbClr val="000000">
+                    <a:alpha val="63000"/>
+                  </a:srgbClr>
+                </a:outerShdw>
+              </a:effectLst>
+            </c:spPr>
+          </c:dPt>
+          <c:dPt>
+            <c:idx val="2"/>
+            <c:bubble3D val="0"/>
+            <c:spPr>
+              <a:gradFill rotWithShape="1">
+                <a:gsLst>
+                  <a:gs pos="0">
+                    <a:schemeClr val="accent3">
+                      <a:satMod val="103000"/>
+                      <a:lumMod val="102000"/>
+                      <a:tint val="94000"/>
+                    </a:schemeClr>
+                  </a:gs>
+                  <a:gs pos="50000">
+                    <a:schemeClr val="accent3">
+                      <a:satMod val="110000"/>
+                      <a:lumMod val="100000"/>
+                      <a:shade val="100000"/>
+                    </a:schemeClr>
+                  </a:gs>
+                  <a:gs pos="100000">
+                    <a:schemeClr val="accent3">
+                      <a:lumMod val="99000"/>
+                      <a:satMod val="120000"/>
+                      <a:shade val="78000"/>
+                    </a:schemeClr>
+                  </a:gs>
+                </a:gsLst>
+                <a:lin ang="5400000" scaled="0"/>
+              </a:gradFill>
+              <a:ln>
+                <a:noFill/>
+              </a:ln>
+              <a:effectLst>
+                <a:outerShdw blurRad="57150" dist="19050" dir="5400000" algn="ctr" rotWithShape="0">
+                  <a:srgbClr val="000000">
+                    <a:alpha val="63000"/>
+                  </a:srgbClr>
+                </a:outerShdw>
+              </a:effectLst>
+            </c:spPr>
+          </c:dPt>
+          <c:dPt>
+            <c:idx val="3"/>
+            <c:bubble3D val="0"/>
+            <c:spPr>
+              <a:gradFill rotWithShape="1">
+                <a:gsLst>
+                  <a:gs pos="0">
+                    <a:schemeClr val="accent4">
+                      <a:satMod val="103000"/>
+                      <a:lumMod val="102000"/>
+                      <a:tint val="94000"/>
+                    </a:schemeClr>
+                  </a:gs>
+                  <a:gs pos="50000">
+                    <a:schemeClr val="accent4">
+                      <a:satMod val="110000"/>
+                      <a:lumMod val="100000"/>
+                      <a:shade val="100000"/>
+                    </a:schemeClr>
+                  </a:gs>
+                  <a:gs pos="100000">
+                    <a:schemeClr val="accent4">
+                      <a:lumMod val="99000"/>
+                      <a:satMod val="120000"/>
+                      <a:shade val="78000"/>
+                    </a:schemeClr>
+                  </a:gs>
+                </a:gsLst>
+                <a:lin ang="5400000" scaled="0"/>
+              </a:gradFill>
+              <a:ln>
+                <a:noFill/>
+              </a:ln>
+              <a:effectLst>
+                <a:outerShdw blurRad="57150" dist="19050" dir="5400000" algn="ctr" rotWithShape="0">
+                  <a:srgbClr val="000000">
+                    <a:alpha val="63000"/>
+                  </a:srgbClr>
+                </a:outerShdw>
+              </a:effectLst>
+            </c:spPr>
+          </c:dPt>
+          <c:dPt>
+            <c:idx val="4"/>
+            <c:bubble3D val="0"/>
+            <c:spPr>
+              <a:gradFill rotWithShape="1">
+                <a:gsLst>
+                  <a:gs pos="0">
+                    <a:schemeClr val="accent5">
+                      <a:satMod val="103000"/>
+                      <a:lumMod val="102000"/>
+                      <a:tint val="94000"/>
+                    </a:schemeClr>
+                  </a:gs>
+                  <a:gs pos="50000">
+                    <a:schemeClr val="accent5">
+                      <a:satMod val="110000"/>
+                      <a:lumMod val="100000"/>
+                      <a:shade val="100000"/>
+                    </a:schemeClr>
+                  </a:gs>
+                  <a:gs pos="100000">
+                    <a:schemeClr val="accent5">
+                      <a:lumMod val="99000"/>
+                      <a:satMod val="120000"/>
+                      <a:shade val="78000"/>
+                    </a:schemeClr>
+                  </a:gs>
+                </a:gsLst>
+                <a:lin ang="5400000" scaled="0"/>
+              </a:gradFill>
+              <a:ln>
+                <a:noFill/>
+              </a:ln>
+              <a:effectLst>
+                <a:outerShdw blurRad="57150" dist="19050" dir="5400000" algn="ctr" rotWithShape="0">
+                  <a:srgbClr val="000000">
+                    <a:alpha val="63000"/>
+                  </a:srgbClr>
+                </a:outerShdw>
+              </a:effectLst>
+            </c:spPr>
+          </c:dPt>
+          <c:dLbls>
+            <c:spPr>
+              <a:noFill/>
+              <a:ln>
+                <a:noFill/>
+              </a:ln>
+              <a:effectLst/>
+            </c:spPr>
+            <c:txPr>
+              <a:bodyPr rot="0" spcFirstLastPara="1" vertOverflow="ellipsis" vert="horz" wrap="square" lIns="38100" tIns="19050" rIns="38100" bIns="19050" anchor="ctr" anchorCtr="1">
+                <a:spAutoFit/>
+              </a:bodyPr>
+              <a:lstStyle/>
+              <a:p>
+                <a:pPr>
+                  <a:defRPr sz="900" b="0" i="0" u="none" strike="noStrike" kern="1200" baseline="0">
+                    <a:solidFill>
+                      <a:schemeClr val="tx1">
+                        <a:lumMod val="75000"/>
+                        <a:lumOff val="25000"/>
+                      </a:schemeClr>
+                    </a:solidFill>
+                    <a:latin typeface="+mn-lt"/>
+                    <a:ea typeface="+mn-ea"/>
+                    <a:cs typeface="+mn-cs"/>
+                  </a:defRPr>
+                </a:pPr>
+                <a:endParaRPr lang="en-US"/>
+              </a:p>
+            </c:txPr>
+            <c:dLblPos val="bestFit"/>
+            <c:showLegendKey val="0"/>
+            <c:showVal val="1"/>
+            <c:showCatName val="0"/>
+            <c:showSerName val="0"/>
+            <c:showPercent val="0"/>
+            <c:showBubbleSize val="0"/>
+            <c:showLeaderLines val="1"/>
+            <c:leaderLines>
+              <c:spPr>
+                <a:ln w="9525" cap="flat" cmpd="sng" algn="ctr">
+                  <a:solidFill>
+                    <a:schemeClr val="tx1">
+                      <a:lumMod val="35000"/>
+                      <a:lumOff val="65000"/>
+                    </a:schemeClr>
+                  </a:solidFill>
+                  <a:round/>
+                </a:ln>
+                <a:effectLst/>
+              </c:spPr>
+            </c:leaderLines>
+            <c:extLst>
+              <c:ext xmlns:c15="http://schemas.microsoft.com/office/drawing/2012/chart" uri="{CE6537A1-D6FC-4f65-9D91-7224C49458BB}">
+                <c15:layout/>
+              </c:ext>
+            </c:extLst>
+          </c:dLbls>
+          <c:cat>
+            <c:strRef>
+              <c:f>Sheet1!$A$2:$A$6</c:f>
+              <c:strCache>
+                <c:ptCount val="5"/>
+                <c:pt idx="0">
+                  <c:v>Android Google</c:v>
+                </c:pt>
+                <c:pt idx="1">
+                  <c:v>iOS Apple</c:v>
+                </c:pt>
+                <c:pt idx="2">
+                  <c:v>Windows Mobile</c:v>
+                </c:pt>
+                <c:pt idx="3">
+                  <c:v>RIM BlackBerry</c:v>
+                </c:pt>
+                <c:pt idx="4">
+                  <c:v>Autre</c:v>
+                </c:pt>
+              </c:strCache>
+            </c:strRef>
+          </c:cat>
+          <c:val>
+            <c:numRef>
+              <c:f>Sheet1!$B$2:$B$6</c:f>
+              <c:numCache>
+                <c:formatCode>General</c:formatCode>
+                <c:ptCount val="5"/>
+                <c:pt idx="0">
+                  <c:v>81.5</c:v>
+                </c:pt>
+                <c:pt idx="1">
+                  <c:v>14.8</c:v>
+                </c:pt>
+                <c:pt idx="2">
+                  <c:v>2.6</c:v>
+                </c:pt>
+                <c:pt idx="3">
+                  <c:v>0.5</c:v>
+                </c:pt>
+                <c:pt idx="4">
+                  <c:v>0.6</c:v>
+                </c:pt>
+              </c:numCache>
+            </c:numRef>
+          </c:val>
+        </c:ser>
+        <c:dLbls>
+          <c:dLblPos val="bestFit"/>
+          <c:showLegendKey val="0"/>
+          <c:showVal val="1"/>
+          <c:showCatName val="0"/>
+          <c:showSerName val="0"/>
+          <c:showPercent val="0"/>
+          <c:showBubbleSize val="0"/>
+          <c:showLeaderLines val="1"/>
+        </c:dLbls>
+        <c:firstSliceAng val="0"/>
+      </c:pieChart>
+      <c:spPr>
+        <a:noFill/>
+        <a:ln>
+          <a:noFill/>
+        </a:ln>
+        <a:effectLst/>
+      </c:spPr>
+    </c:plotArea>
+    <c:legend>
+      <c:legendPos val="b"/>
+      <c:layout/>
+      <c:overlay val="0"/>
+      <c:spPr>
+        <a:noFill/>
+        <a:ln>
+          <a:noFill/>
+        </a:ln>
+        <a:effectLst/>
+      </c:spPr>
+      <c:txPr>
+        <a:bodyPr rot="0" spcFirstLastPara="1" vertOverflow="ellipsis" vert="horz" wrap="square" anchor="ctr" anchorCtr="1"/>
+        <a:lstStyle/>
+        <a:p>
+          <a:pPr>
+            <a:defRPr sz="900" b="0" i="0" u="none" strike="noStrike" kern="1200" baseline="0">
+              <a:solidFill>
+                <a:schemeClr val="tx1">
+                  <a:lumMod val="65000"/>
+                  <a:lumOff val="35000"/>
+                </a:schemeClr>
+              </a:solidFill>
+              <a:latin typeface="+mn-lt"/>
+              <a:ea typeface="+mn-ea"/>
+              <a:cs typeface="+mn-cs"/>
+            </a:defRPr>
+          </a:pPr>
+          <a:endParaRPr lang="en-US"/>
+        </a:p>
+      </c:txPr>
+    </c:legend>
+    <c:plotVisOnly val="1"/>
+    <c:dispBlanksAs val="gap"/>
+    <c:showDLblsOverMax val="0"/>
+  </c:chart>
+  <c:spPr>
+    <a:noFill/>
+    <a:ln>
+      <a:noFill/>
+    </a:ln>
+    <a:effectLst/>
+  </c:spPr>
+  <c:txPr>
+    <a:bodyPr/>
+    <a:lstStyle/>
+    <a:p>
+      <a:pPr>
+        <a:defRPr/>
+      </a:pPr>
+      <a:endParaRPr lang="en-US"/>
+    </a:p>
+  </c:txPr>
+  <c:externalData r:id="rId3">
+    <c:autoUpdate val="0"/>
+  </c:externalData>
+</c:chartSpace>
+</file>
+
+<file path=ppt/charts/colors1.xml><?xml version="1.0" encoding="utf-8"?>
+<cs:colorStyle xmlns:cs="http://schemas.microsoft.com/office/drawing/2012/chartStyle" xmlns:a="http://schemas.openxmlformats.org/drawingml/2006/main" meth="cycle" id="10">
+  <a:schemeClr val="accent1"/>
+  <a:schemeClr val="accent2"/>
+  <a:schemeClr val="accent3"/>
+  <a:schemeClr val="accent4"/>
+  <a:schemeClr val="accent5"/>
+  <a:schemeClr val="accent6"/>
+  <cs:variation/>
+  <cs:variation>
+    <a:lumMod val="60000"/>
+  </cs:variation>
+  <cs:variation>
+    <a:lumMod val="80000"/>
+    <a:lumOff val="20000"/>
+  </cs:variation>
+  <cs:variation>
+    <a:lumMod val="80000"/>
+  </cs:variation>
+  <cs:variation>
+    <a:lumMod val="60000"/>
+    <a:lumOff val="40000"/>
+  </cs:variation>
+  <cs:variation>
+    <a:lumMod val="50000"/>
+  </cs:variation>
+  <cs:variation>
+    <a:lumMod val="70000"/>
+    <a:lumOff val="30000"/>
+  </cs:variation>
+  <cs:variation>
+    <a:lumMod val="70000"/>
+  </cs:variation>
+  <cs:variation>
+    <a:lumMod val="50000"/>
+    <a:lumOff val="50000"/>
+  </cs:variation>
+</cs:colorStyle>
+</file>
+
+<file path=ppt/charts/style1.xml><?xml version="1.0" encoding="utf-8"?>
+<cs:chartStyle xmlns:cs="http://schemas.microsoft.com/office/drawing/2012/chartStyle" xmlns:a="http://schemas.openxmlformats.org/drawingml/2006/main" id="344">
+  <cs:axisTitle>
+    <cs:lnRef idx="0"/>
+    <cs:fillRef idx="0"/>
+    <cs:effectRef idx="0"/>
+    <cs:fontRef idx="minor">
+      <a:schemeClr val="tx1">
+        <a:lumMod val="65000"/>
+        <a:lumOff val="35000"/>
+      </a:schemeClr>
+    </cs:fontRef>
+    <cs:defRPr sz="900" kern="1200"/>
+  </cs:axisTitle>
+  <cs:categoryAxis>
+    <cs:lnRef idx="0"/>
+    <cs:fillRef idx="0"/>
+    <cs:effectRef idx="0"/>
+    <cs:fontRef idx="minor">
+      <a:schemeClr val="tx1">
+        <a:lumMod val="65000"/>
+        <a:lumOff val="35000"/>
+      </a:schemeClr>
+    </cs:fontRef>
+    <cs:spPr>
+      <a:ln w="12700" cap="flat" cmpd="sng" algn="ctr">
+        <a:solidFill>
+          <a:schemeClr val="tx1">
+            <a:lumMod val="15000"/>
+            <a:lumOff val="85000"/>
+          </a:schemeClr>
+        </a:solidFill>
+        <a:round/>
+      </a:ln>
+    </cs:spPr>
+    <cs:defRPr sz="900" kern="1200"/>
+  </cs:categoryAxis>
+  <cs:chartArea mods="allowNoFillOverride allowNoLineOverride">
+    <cs:lnRef idx="0"/>
+    <cs:fillRef idx="0"/>
+    <cs:effectRef idx="0"/>
+    <cs:fontRef idx="minor">
+      <a:schemeClr val="tx2"/>
+    </cs:fontRef>
+    <cs:spPr>
+      <a:solidFill>
+        <a:schemeClr val="bg1"/>
+      </a:solidFill>
+      <a:ln w="9525" cap="flat" cmpd="sng" algn="ctr">
+        <a:solidFill>
+          <a:schemeClr val="tx1">
+            <a:lumMod val="15000"/>
+            <a:lumOff val="85000"/>
+          </a:schemeClr>
+        </a:solidFill>
+        <a:round/>
+      </a:ln>
+    </cs:spPr>
+    <cs:defRPr sz="900" kern="1200"/>
+  </cs:chartArea>
+  <cs:dataLabel>
+    <cs:lnRef idx="0"/>
+    <cs:fillRef idx="0"/>
+    <cs:effectRef idx="0"/>
+    <cs:fontRef idx="minor">
+      <a:schemeClr val="tx1">
+        <a:lumMod val="75000"/>
+        <a:lumOff val="25000"/>
+      </a:schemeClr>
+    </cs:fontRef>
+    <cs:defRPr sz="900" kern="1200"/>
+  </cs:dataLabel>
+  <cs:dataLabelCallout>
+    <cs:lnRef idx="0"/>
+    <cs:fillRef idx="0"/>
+    <cs:effectRef idx="0"/>
+    <cs:fontRef idx="minor">
+      <a:schemeClr val="dk1">
+        <a:lumMod val="65000"/>
+        <a:lumOff val="35000"/>
+      </a:schemeClr>
+    </cs:fontRef>
+    <cs:spPr>
+      <a:solidFill>
+        <a:schemeClr val="lt1"/>
+      </a:solidFill>
+      <a:ln>
+        <a:solidFill>
+          <a:schemeClr val="dk1">
+            <a:lumMod val="25000"/>
+            <a:lumOff val="75000"/>
+          </a:schemeClr>
+        </a:solidFill>
+      </a:ln>
+    </cs:spPr>
+    <cs:defRPr sz="900" kern="1200"/>
+    <cs:bodyPr rot="0" spcFirstLastPara="1" vertOverflow="clip" horzOverflow="clip" vert="horz" wrap="square" lIns="36576" tIns="18288" rIns="36576" bIns="18288" anchor="ctr" anchorCtr="1">
+      <a:spAutoFit/>
+    </cs:bodyPr>
+  </cs:dataLabelCallout>
+  <cs:dataPoint>
+    <cs:lnRef idx="0"/>
+    <cs:fillRef idx="3">
+      <cs:styleClr val="auto"/>
+    </cs:fillRef>
+    <cs:effectRef idx="3"/>
+    <cs:fontRef idx="minor">
+      <a:schemeClr val="tx1"/>
+    </cs:fontRef>
+  </cs:dataPoint>
+  <cs:dataPoint3D>
+    <cs:lnRef idx="0"/>
+    <cs:fillRef idx="3">
+      <cs:styleClr val="auto"/>
+    </cs:fillRef>
+    <cs:effectRef idx="3"/>
+    <cs:fontRef idx="minor">
+      <a:schemeClr val="tx1"/>
+    </cs:fontRef>
+  </cs:dataPoint3D>
+  <cs:dataPointLine>
+    <cs:lnRef idx="0">
+      <cs:styleClr val="auto"/>
+    </cs:lnRef>
+    <cs:fillRef idx="3"/>
+    <cs:effectRef idx="3"/>
+    <cs:fontRef idx="minor">
+      <a:schemeClr val="tx1"/>
+    </cs:fontRef>
+    <cs:spPr>
+      <a:ln w="34925" cap="rnd">
+        <a:solidFill>
+          <a:schemeClr val="phClr"/>
+        </a:solidFill>
+        <a:round/>
+      </a:ln>
+    </cs:spPr>
+  </cs:dataPointLine>
+  <cs:dataPointMarker>
+    <cs:lnRef idx="0">
+      <cs:styleClr val="auto"/>
+    </cs:lnRef>
+    <cs:fillRef idx="3">
+      <cs:styleClr val="auto"/>
+    </cs:fillRef>
+    <cs:effectRef idx="3"/>
+    <cs:fontRef idx="minor">
+      <a:schemeClr val="tx1"/>
+    </cs:fontRef>
+    <cs:spPr>
+      <a:ln w="9525">
+        <a:solidFill>
+          <a:schemeClr val="phClr"/>
+        </a:solidFill>
+        <a:round/>
+      </a:ln>
+    </cs:spPr>
+  </cs:dataPointMarker>
+  <cs:dataPointMarkerLayout symbol="circle" size="6"/>
+  <cs:dataPointWireframe>
+    <cs:lnRef idx="0">
+      <cs:styleClr val="auto"/>
+    </cs:lnRef>
+    <cs:fillRef idx="3"/>
+    <cs:effectRef idx="3"/>
+    <cs:fontRef idx="minor">
+      <a:schemeClr val="tx1"/>
+    </cs:fontRef>
+    <cs:spPr>
+      <a:ln w="9525" cap="rnd">
+        <a:solidFill>
+          <a:schemeClr val="phClr"/>
+        </a:solidFill>
+        <a:round/>
+      </a:ln>
+    </cs:spPr>
+  </cs:dataPointWireframe>
+  <cs:dataTable>
+    <cs:lnRef idx="0"/>
+    <cs:fillRef idx="0"/>
+    <cs:effectRef idx="0"/>
+    <cs:fontRef idx="minor">
+      <a:schemeClr val="tx1">
+        <a:lumMod val="65000"/>
+        <a:lumOff val="35000"/>
+      </a:schemeClr>
+    </cs:fontRef>
+    <cs:spPr>
+      <a:noFill/>
+      <a:ln w="9525" cap="flat" cmpd="sng" algn="ctr">
+        <a:solidFill>
+          <a:schemeClr val="tx1">
+            <a:lumMod val="15000"/>
+            <a:lumOff val="85000"/>
+          </a:schemeClr>
+        </a:solidFill>
+        <a:round/>
+      </a:ln>
+    </cs:spPr>
+    <cs:defRPr sz="900" kern="1200"/>
+  </cs:dataTable>
+  <cs:downBar>
+    <cs:lnRef idx="0"/>
+    <cs:fillRef idx="0"/>
+    <cs:effectRef idx="0"/>
+    <cs:fontRef idx="minor">
+      <a:schemeClr val="dk1"/>
+    </cs:fontRef>
+    <cs:spPr>
+      <a:solidFill>
+        <a:schemeClr val="dk1">
+          <a:lumMod val="65000"/>
+          <a:lumOff val="35000"/>
+        </a:schemeClr>
+      </a:solidFill>
+      <a:ln w="9525">
+        <a:solidFill>
+          <a:schemeClr val="tx1">
+            <a:lumMod val="65000"/>
+            <a:lumOff val="35000"/>
+          </a:schemeClr>
+        </a:solidFill>
+      </a:ln>
+    </cs:spPr>
+  </cs:downBar>
+  <cs:dropLine>
+    <cs:lnRef idx="0"/>
+    <cs:fillRef idx="0"/>
+    <cs:effectRef idx="0"/>
+    <cs:fontRef idx="minor">
+      <a:schemeClr val="tx1"/>
+    </cs:fontRef>
+    <cs:spPr>
+      <a:ln w="9525" cap="flat" cmpd="sng" algn="ctr">
+        <a:solidFill>
+          <a:schemeClr val="tx1">
+            <a:lumMod val="35000"/>
+            <a:lumOff val="65000"/>
+          </a:schemeClr>
+        </a:solidFill>
+        <a:round/>
+      </a:ln>
+    </cs:spPr>
+  </cs:dropLine>
+  <cs:errorBar>
+    <cs:lnRef idx="0"/>
+    <cs:fillRef idx="0"/>
+    <cs:effectRef idx="0"/>
+    <cs:fontRef idx="minor">
+      <a:schemeClr val="tx1"/>
+    </cs:fontRef>
+    <cs:spPr>
+      <a:ln w="9525" cap="flat" cmpd="sng" algn="ctr">
+        <a:solidFill>
+          <a:schemeClr val="tx1">
+            <a:lumMod val="65000"/>
+            <a:lumOff val="35000"/>
+          </a:schemeClr>
+        </a:solidFill>
+        <a:round/>
+      </a:ln>
+    </cs:spPr>
+  </cs:errorBar>
+  <cs:floor>
+    <cs:lnRef idx="0"/>
+    <cs:fillRef idx="0"/>
+    <cs:effectRef idx="0"/>
+    <cs:fontRef idx="minor">
+      <a:schemeClr val="lt1"/>
+    </cs:fontRef>
+  </cs:floor>
+  <cs:gridlineMajor>
+    <cs:lnRef idx="0"/>
+    <cs:fillRef idx="0"/>
+    <cs:effectRef idx="0"/>
+    <cs:fontRef idx="minor">
+      <a:schemeClr val="tx1"/>
+    </cs:fontRef>
+    <cs:spPr>
+      <a:ln w="9525" cap="flat" cmpd="sng" algn="ctr">
+        <a:solidFill>
+          <a:schemeClr val="tx1">
+            <a:lumMod val="15000"/>
+            <a:lumOff val="85000"/>
+          </a:schemeClr>
+        </a:solidFill>
+        <a:round/>
+      </a:ln>
+    </cs:spPr>
+  </cs:gridlineMajor>
+  <cs:gridlineMinor>
+    <cs:lnRef idx="0"/>
+    <cs:fillRef idx="0"/>
+    <cs:effectRef idx="0"/>
+    <cs:fontRef idx="minor">
+      <a:schemeClr val="tx1"/>
+    </cs:fontRef>
+    <cs:spPr>
+      <a:ln w="9525" cap="flat" cmpd="sng" algn="ctr">
+        <a:solidFill>
+          <a:schemeClr val="tx1">
+            <a:lumMod val="5000"/>
+            <a:lumOff val="95000"/>
+          </a:schemeClr>
+        </a:solidFill>
+        <a:round/>
+      </a:ln>
+    </cs:spPr>
+  </cs:gridlineMinor>
+  <cs:hiLoLine>
+    <cs:lnRef idx="0"/>
+    <cs:fillRef idx="0"/>
+    <cs:effectRef idx="0"/>
+    <cs:fontRef idx="minor">
+      <a:schemeClr val="tx1"/>
+    </cs:fontRef>
+    <cs:spPr>
+      <a:ln w="9525" cap="flat" cmpd="sng" algn="ctr">
+        <a:solidFill>
+          <a:schemeClr val="tx1">
+            <a:lumMod val="75000"/>
+            <a:lumOff val="25000"/>
+          </a:schemeClr>
+        </a:solidFill>
+        <a:round/>
+      </a:ln>
+    </cs:spPr>
+  </cs:hiLoLine>
+  <cs:leaderLine>
+    <cs:lnRef idx="0"/>
+    <cs:fillRef idx="0"/>
+    <cs:effectRef idx="0"/>
+    <cs:fontRef idx="minor">
+      <a:schemeClr val="tx1"/>
+    </cs:fontRef>
+    <cs:spPr>
+      <a:ln w="9525" cap="flat" cmpd="sng" algn="ctr">
+        <a:solidFill>
+          <a:schemeClr val="tx1">
+            <a:lumMod val="35000"/>
+            <a:lumOff val="65000"/>
+          </a:schemeClr>
+        </a:solidFill>
+        <a:round/>
+      </a:ln>
+    </cs:spPr>
+  </cs:leaderLine>
+  <cs:legend>
+    <cs:lnRef idx="0"/>
+    <cs:fillRef idx="0"/>
+    <cs:effectRef idx="0"/>
+    <cs:fontRef idx="minor">
+      <a:schemeClr val="tx1">
+        <a:lumMod val="65000"/>
+        <a:lumOff val="35000"/>
+      </a:schemeClr>
+    </cs:fontRef>
+    <cs:defRPr sz="900" kern="1200"/>
+  </cs:legend>
+  <cs:plotArea>
+    <cs:lnRef idx="0"/>
+    <cs:fillRef idx="0"/>
+    <cs:effectRef idx="0"/>
+    <cs:fontRef idx="minor">
+      <a:schemeClr val="lt1"/>
+    </cs:fontRef>
+  </cs:plotArea>
+  <cs:plotArea3D>
+    <cs:lnRef idx="0"/>
+    <cs:fillRef idx="0"/>
+    <cs:effectRef idx="0"/>
+    <cs:fontRef idx="minor">
+      <a:schemeClr val="lt1"/>
+    </cs:fontRef>
+  </cs:plotArea3D>
+  <cs:seriesAxis>
+    <cs:lnRef idx="0"/>
+    <cs:fillRef idx="0"/>
+    <cs:effectRef idx="0"/>
+    <cs:fontRef idx="minor">
+      <a:schemeClr val="tx1">
+        <a:lumMod val="65000"/>
+        <a:lumOff val="35000"/>
+      </a:schemeClr>
+    </cs:fontRef>
+    <cs:spPr>
+      <a:ln w="12700" cap="flat" cmpd="sng" algn="ctr">
+        <a:solidFill>
+          <a:schemeClr val="tx1">
+            <a:lumMod val="15000"/>
+            <a:lumOff val="85000"/>
+          </a:schemeClr>
+        </a:solidFill>
+        <a:round/>
+      </a:ln>
+    </cs:spPr>
+    <cs:defRPr sz="900" kern="1200"/>
+  </cs:seriesAxis>
+  <cs:seriesLine>
+    <cs:lnRef idx="0"/>
+    <cs:fillRef idx="0"/>
+    <cs:effectRef idx="0"/>
+    <cs:fontRef idx="minor">
+      <a:schemeClr val="tx1"/>
+    </cs:fontRef>
+    <cs:spPr>
+      <a:ln w="9525" cap="flat" cmpd="sng" algn="ctr">
+        <a:solidFill>
+          <a:schemeClr val="tx1">
+            <a:lumMod val="35000"/>
+            <a:lumOff val="65000"/>
+          </a:schemeClr>
+        </a:solidFill>
+        <a:round/>
+      </a:ln>
+    </cs:spPr>
+  </cs:seriesLine>
+  <cs:title>
+    <cs:lnRef idx="0"/>
+    <cs:fillRef idx="0"/>
+    <cs:effectRef idx="0"/>
+    <cs:fontRef idx="minor">
+      <a:schemeClr val="tx1">
+        <a:lumMod val="65000"/>
+        <a:lumOff val="35000"/>
+      </a:schemeClr>
+    </cs:fontRef>
+    <cs:defRPr sz="1600" b="1" kern="1200" baseline="0"/>
+  </cs:title>
+  <cs:trendline>
+    <cs:lnRef idx="0">
+      <cs:styleClr val="auto"/>
+    </cs:lnRef>
+    <cs:fillRef idx="0"/>
+    <cs:effectRef idx="0"/>
+    <cs:fontRef idx="minor">
+      <a:schemeClr val="lt1"/>
+    </cs:fontRef>
+    <cs:spPr>
+      <a:ln w="19050" cap="rnd">
+        <a:solidFill>
+          <a:schemeClr val="phClr"/>
+        </a:solidFill>
+      </a:ln>
+    </cs:spPr>
+  </cs:trendline>
+  <cs:trendlineLabel>
+    <cs:lnRef idx="0"/>
+    <cs:fillRef idx="0"/>
+    <cs:effectRef idx="0"/>
+    <cs:fontRef idx="minor">
+      <a:schemeClr val="tx1">
+        <a:lumMod val="65000"/>
+        <a:lumOff val="35000"/>
+      </a:schemeClr>
+    </cs:fontRef>
+    <cs:defRPr sz="900" kern="1200"/>
+  </cs:trendlineLabel>
+  <cs:upBar>
+    <cs:lnRef idx="0"/>
+    <cs:fillRef idx="0"/>
+    <cs:effectRef idx="0"/>
+    <cs:fontRef idx="minor">
+      <a:schemeClr val="dk1"/>
+    </cs:fontRef>
+    <cs:spPr>
+      <a:solidFill>
+        <a:schemeClr val="lt1"/>
+      </a:solidFill>
+      <a:ln w="9525">
+        <a:solidFill>
+          <a:schemeClr val="tx1">
+            <a:lumMod val="15000"/>
+            <a:lumOff val="85000"/>
+          </a:schemeClr>
+        </a:solidFill>
+      </a:ln>
+    </cs:spPr>
+  </cs:upBar>
+  <cs:valueAxis>
+    <cs:lnRef idx="0"/>
+    <cs:fillRef idx="0"/>
+    <cs:effectRef idx="0"/>
+    <cs:fontRef idx="minor">
+      <a:schemeClr val="tx1">
+        <a:lumMod val="65000"/>
+        <a:lumOff val="35000"/>
+      </a:schemeClr>
+    </cs:fontRef>
+    <cs:defRPr sz="900" kern="1200"/>
+  </cs:valueAxis>
+  <cs:wall>
+    <cs:lnRef idx="0"/>
+    <cs:fillRef idx="0"/>
+    <cs:effectRef idx="0"/>
+    <cs:fontRef idx="minor">
+      <a:schemeClr val="lt1"/>
+    </cs:fontRef>
+  </cs:wall>
+</cs:chartStyle>
 </file>
 
 <file path=ppt/slideLayouts/slideLayout1.xml><?xml version="1.0" encoding="utf-8"?>
@@ -240,7 +1249,7 @@
           <a:p>
             <a:fld id="{955D1F3E-EECD-4B44-A296-0E3E2E580BD7}" type="datetimeFigureOut">
               <a:rPr lang="en-US" smtClean="0"/>
-              <a:t>1/3/2016</a:t>
+              <a:t>1/12/2016</a:t>
             </a:fld>
             <a:endParaRPr lang="en-US"/>
           </a:p>
@@ -410,7 +1419,7 @@
           <a:p>
             <a:fld id="{955D1F3E-EECD-4B44-A296-0E3E2E580BD7}" type="datetimeFigureOut">
               <a:rPr lang="en-US" smtClean="0"/>
-              <a:t>1/3/2016</a:t>
+              <a:t>1/12/2016</a:t>
             </a:fld>
             <a:endParaRPr lang="en-US"/>
           </a:p>
@@ -590,7 +1599,7 @@
           <a:p>
             <a:fld id="{955D1F3E-EECD-4B44-A296-0E3E2E580BD7}" type="datetimeFigureOut">
               <a:rPr lang="en-US" smtClean="0"/>
-              <a:t>1/3/2016</a:t>
+              <a:t>1/12/2016</a:t>
             </a:fld>
             <a:endParaRPr lang="en-US"/>
           </a:p>
@@ -760,7 +1769,7 @@
           <a:p>
             <a:fld id="{955D1F3E-EECD-4B44-A296-0E3E2E580BD7}" type="datetimeFigureOut">
               <a:rPr lang="en-US" smtClean="0"/>
-              <a:t>1/3/2016</a:t>
+              <a:t>1/12/2016</a:t>
             </a:fld>
             <a:endParaRPr lang="en-US"/>
           </a:p>
@@ -1006,7 +2015,7 @@
           <a:p>
             <a:fld id="{955D1F3E-EECD-4B44-A296-0E3E2E580BD7}" type="datetimeFigureOut">
               <a:rPr lang="en-US" smtClean="0"/>
-              <a:t>1/3/2016</a:t>
+              <a:t>1/12/2016</a:t>
             </a:fld>
             <a:endParaRPr lang="en-US"/>
           </a:p>
@@ -1238,7 +2247,7 @@
           <a:p>
             <a:fld id="{955D1F3E-EECD-4B44-A296-0E3E2E580BD7}" type="datetimeFigureOut">
               <a:rPr lang="en-US" smtClean="0"/>
-              <a:t>1/3/2016</a:t>
+              <a:t>1/12/2016</a:t>
             </a:fld>
             <a:endParaRPr lang="en-US"/>
           </a:p>
@@ -1605,7 +2614,7 @@
           <a:p>
             <a:fld id="{955D1F3E-EECD-4B44-A296-0E3E2E580BD7}" type="datetimeFigureOut">
               <a:rPr lang="en-US" smtClean="0"/>
-              <a:t>1/3/2016</a:t>
+              <a:t>1/12/2016</a:t>
             </a:fld>
             <a:endParaRPr lang="en-US"/>
           </a:p>
@@ -1723,7 +2732,7 @@
           <a:p>
             <a:fld id="{955D1F3E-EECD-4B44-A296-0E3E2E580BD7}" type="datetimeFigureOut">
               <a:rPr lang="en-US" smtClean="0"/>
-              <a:t>1/3/2016</a:t>
+              <a:t>1/12/2016</a:t>
             </a:fld>
             <a:endParaRPr lang="en-US"/>
           </a:p>
@@ -1818,7 +2827,7 @@
           <a:p>
             <a:fld id="{955D1F3E-EECD-4B44-A296-0E3E2E580BD7}" type="datetimeFigureOut">
               <a:rPr lang="en-US" smtClean="0"/>
-              <a:t>1/3/2016</a:t>
+              <a:t>1/12/2016</a:t>
             </a:fld>
             <a:endParaRPr lang="en-US"/>
           </a:p>
@@ -2095,7 +3104,7 @@
           <a:p>
             <a:fld id="{955D1F3E-EECD-4B44-A296-0E3E2E580BD7}" type="datetimeFigureOut">
               <a:rPr lang="en-US" smtClean="0"/>
-              <a:t>1/3/2016</a:t>
+              <a:t>1/12/2016</a:t>
             </a:fld>
             <a:endParaRPr lang="en-US"/>
           </a:p>
@@ -2348,7 +3357,7 @@
           <a:p>
             <a:fld id="{955D1F3E-EECD-4B44-A296-0E3E2E580BD7}" type="datetimeFigureOut">
               <a:rPr lang="en-US" smtClean="0"/>
-              <a:t>1/3/2016</a:t>
+              <a:t>1/12/2016</a:t>
             </a:fld>
             <a:endParaRPr lang="en-US"/>
           </a:p>
@@ -2561,7 +3570,7 @@
           <a:p>
             <a:fld id="{955D1F3E-EECD-4B44-A296-0E3E2E580BD7}" type="datetimeFigureOut">
               <a:rPr lang="en-US" smtClean="0"/>
-              <a:t>1/3/2016</a:t>
+              <a:t>1/12/2016</a:t>
             </a:fld>
             <a:endParaRPr lang="en-US"/>
           </a:p>
@@ -3199,6 +4208,202 @@
           <a:lstStyle/>
           <a:p>
             <a:r>
+              <a:rPr lang="en-US" dirty="0" err="1" smtClean="0"/>
+              <a:t>Introdction</a:t>
+            </a:r>
+            <a:endParaRPr lang="en-US" dirty="0"/>
+          </a:p>
+        </p:txBody>
+      </p:sp>
+      <p:sp>
+        <p:nvSpPr>
+          <p:cNvPr id="3" name="Content Placeholder 2"/>
+          <p:cNvSpPr>
+            <a:spLocks noGrp="1"/>
+          </p:cNvSpPr>
+          <p:nvPr>
+            <p:ph idx="1"/>
+          </p:nvPr>
+        </p:nvSpPr>
+        <p:spPr/>
+        <p:txBody>
+          <a:bodyPr/>
+          <a:lstStyle/>
+          <a:p>
+            <a:r>
+              <a:rPr lang="fr-FR" dirty="0"/>
+              <a:t>Un smartphone est un téléphone mobile évolué disposant des fonctions d'un assistant numérique </a:t>
+            </a:r>
+            <a:r>
+              <a:rPr lang="fr-FR" dirty="0" smtClean="0"/>
+              <a:t>personnel.</a:t>
+            </a:r>
+          </a:p>
+          <a:p>
+            <a:r>
+              <a:rPr lang="fr-FR" dirty="0"/>
+              <a:t>il peut exécuter divers logiciels/applications grâce à un système d'exploitation spécialement conçu pour </a:t>
+            </a:r>
+            <a:r>
+              <a:rPr lang="fr-FR" dirty="0" smtClean="0"/>
+              <a:t>mobiles.</a:t>
+            </a:r>
+          </a:p>
+          <a:p>
+            <a:r>
+              <a:rPr lang="fr-FR" dirty="0"/>
+              <a:t>Il </a:t>
+            </a:r>
+            <a:r>
+              <a:rPr lang="fr-FR" dirty="0" smtClean="0"/>
+              <a:t>existe </a:t>
+            </a:r>
+            <a:r>
+              <a:rPr lang="fr-FR" dirty="0"/>
+              <a:t>plusieurs systèmes d’exploitation dédiés aux smartphones</a:t>
+            </a:r>
+            <a:r>
+              <a:rPr lang="fr-FR" dirty="0" smtClean="0"/>
+              <a:t>.</a:t>
+            </a:r>
+          </a:p>
+          <a:p>
+            <a:r>
+              <a:rPr lang="fr-FR" dirty="0"/>
+              <a:t>À partir de fin 2007 </a:t>
+            </a:r>
+            <a:r>
+              <a:rPr lang="fr-FR" dirty="0" smtClean="0"/>
+              <a:t>(lancement </a:t>
+            </a:r>
+            <a:r>
+              <a:rPr lang="fr-FR" dirty="0"/>
+              <a:t>de </a:t>
+            </a:r>
+            <a:r>
+              <a:rPr lang="fr-FR" dirty="0" smtClean="0"/>
+              <a:t>l'iPhone), </a:t>
+            </a:r>
+            <a:r>
+              <a:rPr lang="fr-FR" dirty="0"/>
+              <a:t>ce marché s'étend </a:t>
+            </a:r>
+            <a:r>
+              <a:rPr lang="fr-FR" dirty="0" smtClean="0"/>
+              <a:t>considérablement.</a:t>
+            </a:r>
+          </a:p>
+          <a:p>
+            <a:r>
+              <a:rPr lang="fr-FR" dirty="0" smtClean="0"/>
+              <a:t>En </a:t>
+            </a:r>
+            <a:r>
+              <a:rPr lang="fr-FR" dirty="0"/>
+              <a:t>2014, les ventes mondiales annuelles de smartphones dépassent le milliard.</a:t>
+            </a:r>
+            <a:endParaRPr lang="en-US" dirty="0"/>
+          </a:p>
+        </p:txBody>
+      </p:sp>
+    </p:spTree>
+    <p:extLst>
+      <p:ext uri="{BB962C8B-B14F-4D97-AF65-F5344CB8AC3E}">
+        <p14:creationId xmlns:p14="http://schemas.microsoft.com/office/powerpoint/2010/main" val="1065980922"/>
+      </p:ext>
+    </p:extLst>
+  </p:cSld>
+  <p:clrMapOvr>
+    <a:masterClrMapping/>
+  </p:clrMapOvr>
+</p:sld>
+</file>
+
+<file path=ppt/slides/slide4.xml><?xml version="1.0" encoding="utf-8"?>
+<p:sld xmlns:a="http://schemas.openxmlformats.org/drawingml/2006/main" xmlns:r="http://schemas.openxmlformats.org/officeDocument/2006/relationships" xmlns:p="http://schemas.openxmlformats.org/presentationml/2006/main">
+  <p:cSld>
+    <p:spTree>
+      <p:nvGrpSpPr>
+        <p:cNvPr id="1" name=""/>
+        <p:cNvGrpSpPr/>
+        <p:nvPr/>
+      </p:nvGrpSpPr>
+      <p:grpSpPr>
+        <a:xfrm>
+          <a:off x="0" y="0"/>
+          <a:ext cx="0" cy="0"/>
+          <a:chOff x="0" y="0"/>
+          <a:chExt cx="0" cy="0"/>
+        </a:xfrm>
+      </p:grpSpPr>
+      <p:graphicFrame>
+        <p:nvGraphicFramePr>
+          <p:cNvPr id="4" name="Chart 3"/>
+          <p:cNvGraphicFramePr/>
+          <p:nvPr>
+            <p:extLst>
+              <p:ext uri="{D42A27DB-BD31-4B8C-83A1-F6EECF244321}">
+                <p14:modId xmlns:p14="http://schemas.microsoft.com/office/powerpoint/2010/main" val="4190374881"/>
+              </p:ext>
+            </p:extLst>
+          </p:nvPr>
+        </p:nvGraphicFramePr>
+        <p:xfrm>
+          <a:off x="1275645" y="487538"/>
+          <a:ext cx="9121422" cy="5687484"/>
+        </p:xfrm>
+        <a:graphic>
+          <a:graphicData uri="http://schemas.openxmlformats.org/drawingml/2006/chart">
+            <c:chart xmlns:c="http://schemas.openxmlformats.org/drawingml/2006/chart" xmlns:r="http://schemas.openxmlformats.org/officeDocument/2006/relationships" r:id="rId2"/>
+          </a:graphicData>
+        </a:graphic>
+      </p:graphicFrame>
+    </p:spTree>
+    <p:extLst>
+      <p:ext uri="{BB962C8B-B14F-4D97-AF65-F5344CB8AC3E}">
+        <p14:creationId xmlns:p14="http://schemas.microsoft.com/office/powerpoint/2010/main" val="2781749258"/>
+      </p:ext>
+    </p:extLst>
+  </p:cSld>
+  <p:clrMapOvr>
+    <a:masterClrMapping/>
+  </p:clrMapOvr>
+</p:sld>
+</file>
+
+<file path=ppt/slides/slide5.xml><?xml version="1.0" encoding="utf-8"?>
+<p:sld xmlns:a="http://schemas.openxmlformats.org/drawingml/2006/main" xmlns:r="http://schemas.openxmlformats.org/officeDocument/2006/relationships" xmlns:p="http://schemas.openxmlformats.org/presentationml/2006/main">
+  <p:cSld>
+    <p:spTree>
+      <p:nvGrpSpPr>
+        <p:cNvPr id="1" name=""/>
+        <p:cNvGrpSpPr/>
+        <p:nvPr/>
+      </p:nvGrpSpPr>
+      <p:grpSpPr>
+        <a:xfrm>
+          <a:off x="0" y="0"/>
+          <a:ext cx="0" cy="0"/>
+          <a:chOff x="0" y="0"/>
+          <a:chExt cx="0" cy="0"/>
+        </a:xfrm>
+      </p:grpSpPr>
+      <p:sp>
+        <p:nvSpPr>
+          <p:cNvPr id="2" name="Title 1"/>
+          <p:cNvSpPr>
+            <a:spLocks noGrp="1"/>
+          </p:cNvSpPr>
+          <p:nvPr>
+            <p:ph type="title"/>
+          </p:nvPr>
+        </p:nvSpPr>
+        <p:spPr/>
+        <p:txBody>
+          <a:bodyPr/>
+          <a:lstStyle/>
+          <a:p>
+            <a:r>
               <a:rPr lang="fr-FR" smtClean="0"/>
               <a:t>Historique</a:t>
             </a:r>
@@ -3206,29 +4411,123 @@
           </a:p>
         </p:txBody>
       </p:sp>
-      <p:sp>
-        <p:nvSpPr>
-          <p:cNvPr id="3" name="Content Placeholder 2"/>
-          <p:cNvSpPr>
-            <a:spLocks noGrp="1"/>
-          </p:cNvSpPr>
-          <p:nvPr>
-            <p:ph idx="1"/>
-          </p:nvPr>
-        </p:nvSpPr>
-        <p:spPr/>
-        <p:txBody>
-          <a:bodyPr/>
-          <a:lstStyle/>
-          <a:p>
-            <a:endParaRPr lang="en-US"/>
-          </a:p>
-        </p:txBody>
-      </p:sp>
+      <p:cxnSp>
+        <p:nvCxnSpPr>
+          <p:cNvPr id="5" name="Straight Arrow Connector 4"/>
+          <p:cNvCxnSpPr/>
+          <p:nvPr/>
+        </p:nvCxnSpPr>
+        <p:spPr>
+          <a:xfrm>
+            <a:off x="1117600" y="3431822"/>
+            <a:ext cx="10379635" cy="0"/>
+          </a:xfrm>
+          <a:prstGeom prst="straightConnector1">
+            <a:avLst/>
+          </a:prstGeom>
+          <a:ln w="127000">
+            <a:tailEnd type="triangle"/>
+          </a:ln>
+        </p:spPr>
+        <p:style>
+          <a:lnRef idx="1">
+            <a:schemeClr val="accent1"/>
+          </a:lnRef>
+          <a:fillRef idx="0">
+            <a:schemeClr val="accent1"/>
+          </a:fillRef>
+          <a:effectRef idx="0">
+            <a:schemeClr val="accent1"/>
+          </a:effectRef>
+          <a:fontRef idx="minor">
+            <a:schemeClr val="tx1"/>
+          </a:fontRef>
+        </p:style>
+      </p:cxnSp>
     </p:spTree>
     <p:extLst>
       <p:ext uri="{BB962C8B-B14F-4D97-AF65-F5344CB8AC3E}">
         <p14:creationId xmlns:p14="http://schemas.microsoft.com/office/powerpoint/2010/main" val="187011279"/>
+      </p:ext>
+    </p:extLst>
+  </p:cSld>
+  <p:clrMapOvr>
+    <a:masterClrMapping/>
+  </p:clrMapOvr>
+</p:sld>
+</file>
+
+<file path=ppt/slides/slide6.xml><?xml version="1.0" encoding="utf-8"?>
+<p:sld xmlns:a="http://schemas.openxmlformats.org/drawingml/2006/main" xmlns:r="http://schemas.openxmlformats.org/officeDocument/2006/relationships" xmlns:p="http://schemas.openxmlformats.org/presentationml/2006/main">
+  <p:cSld>
+    <p:spTree>
+      <p:nvGrpSpPr>
+        <p:cNvPr id="1" name=""/>
+        <p:cNvGrpSpPr/>
+        <p:nvPr/>
+      </p:nvGrpSpPr>
+      <p:grpSpPr>
+        <a:xfrm>
+          <a:off x="0" y="0"/>
+          <a:ext cx="0" cy="0"/>
+          <a:chOff x="0" y="0"/>
+          <a:chExt cx="0" cy="0"/>
+        </a:xfrm>
+      </p:grpSpPr>
+      <p:sp>
+        <p:nvSpPr>
+          <p:cNvPr id="2" name="Title 1"/>
+          <p:cNvSpPr>
+            <a:spLocks noGrp="1"/>
+          </p:cNvSpPr>
+          <p:nvPr>
+            <p:ph type="title"/>
+          </p:nvPr>
+        </p:nvSpPr>
+        <p:spPr/>
+        <p:txBody>
+          <a:bodyPr/>
+          <a:lstStyle/>
+          <a:p>
+            <a:r>
+              <a:rPr lang="en-US" dirty="0" err="1"/>
+              <a:t>Quelques</a:t>
+            </a:r>
+            <a:r>
+              <a:rPr lang="en-US" dirty="0"/>
+              <a:t> </a:t>
+            </a:r>
+            <a:r>
+              <a:rPr lang="en-US" dirty="0" err="1" smtClean="0"/>
+              <a:t>Chiffres</a:t>
+            </a:r>
+            <a:endParaRPr lang="en-US" dirty="0"/>
+          </a:p>
+        </p:txBody>
+      </p:sp>
+      <p:sp>
+        <p:nvSpPr>
+          <p:cNvPr id="3" name="Content Placeholder 2"/>
+          <p:cNvSpPr>
+            <a:spLocks noGrp="1"/>
+          </p:cNvSpPr>
+          <p:nvPr>
+            <p:ph idx="1"/>
+          </p:nvPr>
+        </p:nvSpPr>
+        <p:spPr/>
+        <p:txBody>
+          <a:bodyPr/>
+          <a:lstStyle/>
+          <a:p>
+            <a:endParaRPr lang="en-US"/>
+          </a:p>
+        </p:txBody>
+      </p:sp>
+    </p:spTree>
+    <p:extLst>
+      <p:ext uri="{BB962C8B-B14F-4D97-AF65-F5344CB8AC3E}">
+        <p14:creationId xmlns:p14="http://schemas.microsoft.com/office/powerpoint/2010/main" val="4227856211"/>
       </p:ext>
     </p:extLst>
   </p:cSld>

--- a/Android.pptx
+++ b/Android.pptx
@@ -11,6 +11,7 @@
     <p:sldId id="260" r:id="rId5"/>
     <p:sldId id="258" r:id="rId6"/>
     <p:sldId id="261" r:id="rId7"/>
+    <p:sldId id="262" r:id="rId8"/>
   </p:sldIdLst>
   <p:sldSz cx="12192000" cy="6858000"/>
   <p:notesSz cx="6858000" cy="9144000"/>
@@ -1249,7 +1250,7 @@
           <a:p>
             <a:fld id="{955D1F3E-EECD-4B44-A296-0E3E2E580BD7}" type="datetimeFigureOut">
               <a:rPr lang="en-US" smtClean="0"/>
-              <a:t>1/12/2016</a:t>
+              <a:t>1/18/2016</a:t>
             </a:fld>
             <a:endParaRPr lang="en-US"/>
           </a:p>
@@ -1419,7 +1420,7 @@
           <a:p>
             <a:fld id="{955D1F3E-EECD-4B44-A296-0E3E2E580BD7}" type="datetimeFigureOut">
               <a:rPr lang="en-US" smtClean="0"/>
-              <a:t>1/12/2016</a:t>
+              <a:t>1/18/2016</a:t>
             </a:fld>
             <a:endParaRPr lang="en-US"/>
           </a:p>
@@ -1599,7 +1600,7 @@
           <a:p>
             <a:fld id="{955D1F3E-EECD-4B44-A296-0E3E2E580BD7}" type="datetimeFigureOut">
               <a:rPr lang="en-US" smtClean="0"/>
-              <a:t>1/12/2016</a:t>
+              <a:t>1/18/2016</a:t>
             </a:fld>
             <a:endParaRPr lang="en-US"/>
           </a:p>
@@ -1769,7 +1770,7 @@
           <a:p>
             <a:fld id="{955D1F3E-EECD-4B44-A296-0E3E2E580BD7}" type="datetimeFigureOut">
               <a:rPr lang="en-US" smtClean="0"/>
-              <a:t>1/12/2016</a:t>
+              <a:t>1/18/2016</a:t>
             </a:fld>
             <a:endParaRPr lang="en-US"/>
           </a:p>
@@ -2015,7 +2016,7 @@
           <a:p>
             <a:fld id="{955D1F3E-EECD-4B44-A296-0E3E2E580BD7}" type="datetimeFigureOut">
               <a:rPr lang="en-US" smtClean="0"/>
-              <a:t>1/12/2016</a:t>
+              <a:t>1/18/2016</a:t>
             </a:fld>
             <a:endParaRPr lang="en-US"/>
           </a:p>
@@ -2247,7 +2248,7 @@
           <a:p>
             <a:fld id="{955D1F3E-EECD-4B44-A296-0E3E2E580BD7}" type="datetimeFigureOut">
               <a:rPr lang="en-US" smtClean="0"/>
-              <a:t>1/12/2016</a:t>
+              <a:t>1/18/2016</a:t>
             </a:fld>
             <a:endParaRPr lang="en-US"/>
           </a:p>
@@ -2614,7 +2615,7 @@
           <a:p>
             <a:fld id="{955D1F3E-EECD-4B44-A296-0E3E2E580BD7}" type="datetimeFigureOut">
               <a:rPr lang="en-US" smtClean="0"/>
-              <a:t>1/12/2016</a:t>
+              <a:t>1/18/2016</a:t>
             </a:fld>
             <a:endParaRPr lang="en-US"/>
           </a:p>
@@ -2732,7 +2733,7 @@
           <a:p>
             <a:fld id="{955D1F3E-EECD-4B44-A296-0E3E2E580BD7}" type="datetimeFigureOut">
               <a:rPr lang="en-US" smtClean="0"/>
-              <a:t>1/12/2016</a:t>
+              <a:t>1/18/2016</a:t>
             </a:fld>
             <a:endParaRPr lang="en-US"/>
           </a:p>
@@ -2827,7 +2828,7 @@
           <a:p>
             <a:fld id="{955D1F3E-EECD-4B44-A296-0E3E2E580BD7}" type="datetimeFigureOut">
               <a:rPr lang="en-US" smtClean="0"/>
-              <a:t>1/12/2016</a:t>
+              <a:t>1/18/2016</a:t>
             </a:fld>
             <a:endParaRPr lang="en-US"/>
           </a:p>
@@ -3104,7 +3105,7 @@
           <a:p>
             <a:fld id="{955D1F3E-EECD-4B44-A296-0E3E2E580BD7}" type="datetimeFigureOut">
               <a:rPr lang="en-US" smtClean="0"/>
-              <a:t>1/12/2016</a:t>
+              <a:t>1/18/2016</a:t>
             </a:fld>
             <a:endParaRPr lang="en-US"/>
           </a:p>
@@ -3357,7 +3358,7 @@
           <a:p>
             <a:fld id="{955D1F3E-EECD-4B44-A296-0E3E2E580BD7}" type="datetimeFigureOut">
               <a:rPr lang="en-US" smtClean="0"/>
-              <a:t>1/12/2016</a:t>
+              <a:t>1/18/2016</a:t>
             </a:fld>
             <a:endParaRPr lang="en-US"/>
           </a:p>
@@ -3570,7 +3571,7 @@
           <a:p>
             <a:fld id="{955D1F3E-EECD-4B44-A296-0E3E2E580BD7}" type="datetimeFigureOut">
               <a:rPr lang="en-US" smtClean="0"/>
-              <a:t>1/12/2016</a:t>
+              <a:t>1/18/2016</a:t>
             </a:fld>
             <a:endParaRPr lang="en-US"/>
           </a:p>
@@ -4537,6 +4538,78 @@
 </p:sld>
 </file>
 
+<file path=ppt/slides/slide7.xml><?xml version="1.0" encoding="utf-8"?>
+<p:sld xmlns:a="http://schemas.openxmlformats.org/drawingml/2006/main" xmlns:r="http://schemas.openxmlformats.org/officeDocument/2006/relationships" xmlns:p="http://schemas.openxmlformats.org/presentationml/2006/main">
+  <p:cSld>
+    <p:spTree>
+      <p:nvGrpSpPr>
+        <p:cNvPr id="1" name=""/>
+        <p:cNvGrpSpPr/>
+        <p:nvPr/>
+      </p:nvGrpSpPr>
+      <p:grpSpPr>
+        <a:xfrm>
+          <a:off x="0" y="0"/>
+          <a:ext cx="0" cy="0"/>
+          <a:chOff x="0" y="0"/>
+          <a:chExt cx="0" cy="0"/>
+        </a:xfrm>
+      </p:grpSpPr>
+      <p:sp>
+        <p:nvSpPr>
+          <p:cNvPr id="2" name="Title 1"/>
+          <p:cNvSpPr>
+            <a:spLocks noGrp="1"/>
+          </p:cNvSpPr>
+          <p:nvPr>
+            <p:ph type="title"/>
+          </p:nvPr>
+        </p:nvSpPr>
+        <p:spPr/>
+        <p:txBody>
+          <a:bodyPr/>
+          <a:lstStyle/>
+          <a:p>
+            <a:r>
+              <a:rPr lang="en-US" smtClean="0"/>
+              <a:t>Architecture</a:t>
+            </a:r>
+            <a:endParaRPr lang="en-US"/>
+          </a:p>
+        </p:txBody>
+      </p:sp>
+      <p:sp>
+        <p:nvSpPr>
+          <p:cNvPr id="3" name="Content Placeholder 2"/>
+          <p:cNvSpPr>
+            <a:spLocks noGrp="1"/>
+          </p:cNvSpPr>
+          <p:nvPr>
+            <p:ph idx="1"/>
+          </p:nvPr>
+        </p:nvSpPr>
+        <p:spPr/>
+        <p:txBody>
+          <a:bodyPr/>
+          <a:lstStyle/>
+          <a:p>
+            <a:endParaRPr lang="en-US"/>
+          </a:p>
+        </p:txBody>
+      </p:sp>
+    </p:spTree>
+    <p:extLst>
+      <p:ext uri="{BB962C8B-B14F-4D97-AF65-F5344CB8AC3E}">
+        <p14:creationId xmlns:p14="http://schemas.microsoft.com/office/powerpoint/2010/main" val="3964933128"/>
+      </p:ext>
+    </p:extLst>
+  </p:cSld>
+  <p:clrMapOvr>
+    <a:masterClrMapping/>
+  </p:clrMapOvr>
+</p:sld>
+</file>
+
 <file path=ppt/theme/theme1.xml><?xml version="1.0" encoding="utf-8"?>
 <a:theme xmlns:a="http://schemas.openxmlformats.org/drawingml/2006/main" name="Office Theme">
   <a:themeElements>

--- a/Android.pptx
+++ b/Android.pptx
@@ -132,7 +132,7 @@
 </file>
 
 <file path=ppt/charts/chart1.xml><?xml version="1.0" encoding="utf-8"?>
-<c:chartSpace xmlns:c="http://schemas.openxmlformats.org/drawingml/2006/chart" xmlns:a="http://schemas.openxmlformats.org/drawingml/2006/main" xmlns:r="http://schemas.openxmlformats.org/officeDocument/2006/relationships">
+<c:chartSpace xmlns:c="http://schemas.openxmlformats.org/drawingml/2006/chart" xmlns:a="http://schemas.openxmlformats.org/drawingml/2006/main" xmlns:r="http://schemas.openxmlformats.org/officeDocument/2006/relationships" xmlns:c16r2="http://schemas.microsoft.com/office/drawing/2015/06/chart">
   <c:date1904 val="0"/>
   <c:lang val="en-US"/>
   <c:roundedCorners val="0"/>
@@ -205,6 +205,11 @@
                 <a:bevelT w="0" h="0"/>
               </a:sp3d>
             </c:spPr>
+            <c:extLst>
+              <c:ext xmlns:c16="http://schemas.microsoft.com/office/drawing/2014/chart" uri="{C3380CC4-5D6E-409C-BE32-E72D297353CC}">
+                <c16:uniqueId val="{00000001-ECB3-4B98-889B-84336AD89E2A}"/>
+              </c:ext>
+            </c:extLst>
           </c:dPt>
           <c:dPt>
             <c:idx val="1"/>
@@ -247,6 +252,11 @@
                 <a:bevelT w="0" h="0"/>
               </a:sp3d>
             </c:spPr>
+            <c:extLst>
+              <c:ext xmlns:c16="http://schemas.microsoft.com/office/drawing/2014/chart" uri="{C3380CC4-5D6E-409C-BE32-E72D297353CC}">
+                <c16:uniqueId val="{00000003-ECB3-4B98-889B-84336AD89E2A}"/>
+              </c:ext>
+            </c:extLst>
           </c:dPt>
           <c:dPt>
             <c:idx val="2"/>
@@ -289,6 +299,11 @@
                 <a:bevelT w="0" h="0"/>
               </a:sp3d>
             </c:spPr>
+            <c:extLst>
+              <c:ext xmlns:c16="http://schemas.microsoft.com/office/drawing/2014/chart" uri="{C3380CC4-5D6E-409C-BE32-E72D297353CC}">
+                <c16:uniqueId val="{00000005-ECB3-4B98-889B-84336AD89E2A}"/>
+              </c:ext>
+            </c:extLst>
           </c:dPt>
           <c:dPt>
             <c:idx val="3"/>
@@ -331,6 +346,11 @@
                 <a:bevelT w="0" h="0"/>
               </a:sp3d>
             </c:spPr>
+            <c:extLst>
+              <c:ext xmlns:c16="http://schemas.microsoft.com/office/drawing/2014/chart" uri="{C3380CC4-5D6E-409C-BE32-E72D297353CC}">
+                <c16:uniqueId val="{00000007-ECB3-4B98-889B-84336AD89E2A}"/>
+              </c:ext>
+            </c:extLst>
           </c:dPt>
           <c:dPt>
             <c:idx val="4"/>
@@ -373,6 +393,11 @@
                 <a:bevelT w="0" h="0"/>
               </a:sp3d>
             </c:spPr>
+            <c:extLst>
+              <c:ext xmlns:c16="http://schemas.microsoft.com/office/drawing/2014/chart" uri="{C3380CC4-5D6E-409C-BE32-E72D297353CC}">
+                <c16:uniqueId val="{00000009-ECB3-4B98-889B-84336AD89E2A}"/>
+              </c:ext>
+            </c:extLst>
           </c:dPt>
           <c:dLbls>
             <c:spPr>
@@ -427,9 +452,7 @@
               </c:spPr>
             </c:leaderLines>
             <c:extLst>
-              <c:ext xmlns:c15="http://schemas.microsoft.com/office/drawing/2012/chart" uri="{CE6537A1-D6FC-4f65-9D91-7224C49458BB}">
-                <c15:layout/>
-              </c:ext>
+              <c:ext xmlns:c15="http://schemas.microsoft.com/office/drawing/2012/chart" uri="{CE6537A1-D6FC-4f65-9D91-7224C49458BB}"/>
             </c:extLst>
           </c:dLbls>
           <c:cat>
@@ -479,6 +502,11 @@
               </c:numCache>
             </c:numRef>
           </c:val>
+          <c:extLst>
+            <c:ext xmlns:c16="http://schemas.microsoft.com/office/drawing/2014/chart" uri="{C3380CC4-5D6E-409C-BE32-E72D297353CC}">
+              <c16:uniqueId val="{0000000A-ECB3-4B98-889B-84336AD89E2A}"/>
+            </c:ext>
+          </c:extLst>
         </c:ser>
         <c:dLbls>
           <c:dLblPos val="bestFit"/>
@@ -502,7 +530,6 @@
     </c:plotArea>
     <c:legend>
       <c:legendPos val="b"/>
-      <c:layout/>
       <c:overlay val="0"/>
       <c:spPr>
         <a:noFill/>
@@ -1102,11 +1129,11 @@
 </file>
 
 <file path=ppt/diagrams/colors1.xml><?xml version="1.0" encoding="utf-8"?>
-<dgm:colorsDef xmlns:dgm="http://schemas.openxmlformats.org/drawingml/2006/diagram" xmlns:a="http://schemas.openxmlformats.org/drawingml/2006/main" uniqueId="urn:microsoft.com/office/officeart/2005/8/colors/accent1_2">
+<dgm:colorsDef xmlns:dgm="http://schemas.openxmlformats.org/drawingml/2006/diagram" xmlns:a="http://schemas.openxmlformats.org/drawingml/2006/main" uniqueId="urn:microsoft.com/office/officeart/2005/8/colors/colorful1">
   <dgm:title val=""/>
   <dgm:desc val=""/>
   <dgm:catLst>
-    <dgm:cat type="accent1" pri="11200"/>
+    <dgm:cat type="colorful" pri="10100"/>
   </dgm:catLst>
   <dgm:styleLbl name="node0">
     <dgm:fillClrLst meth="repeat">
@@ -1120,21 +1147,13 @@
     <dgm:txFillClrLst/>
     <dgm:txEffectClrLst/>
   </dgm:styleLbl>
-  <dgm:styleLbl name="alignNode1">
-    <dgm:fillClrLst meth="repeat">
-      <a:schemeClr val="accent1"/>
-    </dgm:fillClrLst>
-    <dgm:linClrLst meth="repeat">
-      <a:schemeClr val="accent1"/>
-    </dgm:linClrLst>
-    <dgm:effectClrLst/>
-    <dgm:txLinClrLst/>
-    <dgm:txFillClrLst/>
-    <dgm:txEffectClrLst/>
-  </dgm:styleLbl>
   <dgm:styleLbl name="node1">
     <dgm:fillClrLst meth="repeat">
-      <a:schemeClr val="accent1"/>
+      <a:schemeClr val="accent2"/>
+      <a:schemeClr val="accent3"/>
+      <a:schemeClr val="accent4"/>
+      <a:schemeClr val="accent5"/>
+      <a:schemeClr val="accent6"/>
     </dgm:fillClrLst>
     <dgm:linClrLst meth="repeat">
       <a:schemeClr val="lt1"/>
@@ -1144,9 +1163,33 @@
     <dgm:txFillClrLst/>
     <dgm:txEffectClrLst/>
   </dgm:styleLbl>
+  <dgm:styleLbl name="alignNode1">
+    <dgm:fillClrLst meth="repeat">
+      <a:schemeClr val="accent2"/>
+      <a:schemeClr val="accent3"/>
+      <a:schemeClr val="accent4"/>
+      <a:schemeClr val="accent5"/>
+      <a:schemeClr val="accent6"/>
+    </dgm:fillClrLst>
+    <dgm:linClrLst meth="repeat">
+      <a:schemeClr val="accent2"/>
+      <a:schemeClr val="accent3"/>
+      <a:schemeClr val="accent4"/>
+      <a:schemeClr val="accent5"/>
+      <a:schemeClr val="accent6"/>
+    </dgm:linClrLst>
+    <dgm:effectClrLst/>
+    <dgm:txLinClrLst/>
+    <dgm:txFillClrLst/>
+    <dgm:txEffectClrLst/>
+  </dgm:styleLbl>
   <dgm:styleLbl name="lnNode1">
     <dgm:fillClrLst meth="repeat">
-      <a:schemeClr val="accent1"/>
+      <a:schemeClr val="accent2"/>
+      <a:schemeClr val="accent3"/>
+      <a:schemeClr val="accent4"/>
+      <a:schemeClr val="accent5"/>
+      <a:schemeClr val="accent6"/>
     </dgm:fillClrLst>
     <dgm:linClrLst meth="repeat">
       <a:schemeClr val="lt1"/>
@@ -1158,7 +1201,19 @@
   </dgm:styleLbl>
   <dgm:styleLbl name="vennNode1">
     <dgm:fillClrLst meth="repeat">
-      <a:schemeClr val="accent1">
+      <a:schemeClr val="accent2">
+        <a:alpha val="50000"/>
+      </a:schemeClr>
+      <a:schemeClr val="accent3">
+        <a:alpha val="50000"/>
+      </a:schemeClr>
+      <a:schemeClr val="accent4">
+        <a:alpha val="50000"/>
+      </a:schemeClr>
+      <a:schemeClr val="accent5">
+        <a:alpha val="50000"/>
+      </a:schemeClr>
+      <a:schemeClr val="accent6">
         <a:alpha val="50000"/>
       </a:schemeClr>
     </dgm:fillClrLst>
@@ -1171,8 +1226,8 @@
     <dgm:txEffectClrLst/>
   </dgm:styleLbl>
   <dgm:styleLbl name="node2">
-    <dgm:fillClrLst meth="repeat">
-      <a:schemeClr val="accent1"/>
+    <dgm:fillClrLst>
+      <a:schemeClr val="accent2"/>
     </dgm:fillClrLst>
     <dgm:linClrLst meth="repeat">
       <a:schemeClr val="lt1"/>
@@ -1183,8 +1238,8 @@
     <dgm:txEffectClrLst/>
   </dgm:styleLbl>
   <dgm:styleLbl name="node3">
-    <dgm:fillClrLst meth="repeat">
-      <a:schemeClr val="accent1"/>
+    <dgm:fillClrLst>
+      <a:schemeClr val="accent3"/>
     </dgm:fillClrLst>
     <dgm:linClrLst meth="repeat">
       <a:schemeClr val="lt1"/>
@@ -1195,8 +1250,8 @@
     <dgm:txEffectClrLst/>
   </dgm:styleLbl>
   <dgm:styleLbl name="node4">
-    <dgm:fillClrLst meth="repeat">
-      <a:schemeClr val="accent1"/>
+    <dgm:fillClrLst>
+      <a:schemeClr val="accent4"/>
     </dgm:fillClrLst>
     <dgm:linClrLst meth="repeat">
       <a:schemeClr val="lt1"/>
@@ -1208,7 +1263,19 @@
   </dgm:styleLbl>
   <dgm:styleLbl name="fgImgPlace1">
     <dgm:fillClrLst meth="repeat">
-      <a:schemeClr val="accent1">
+      <a:schemeClr val="accent2">
+        <a:tint val="50000"/>
+      </a:schemeClr>
+      <a:schemeClr val="accent3">
+        <a:tint val="50000"/>
+      </a:schemeClr>
+      <a:schemeClr val="accent4">
+        <a:tint val="50000"/>
+      </a:schemeClr>
+      <a:schemeClr val="accent5">
+        <a:tint val="50000"/>
+      </a:schemeClr>
+      <a:schemeClr val="accent6">
         <a:tint val="50000"/>
       </a:schemeClr>
     </dgm:fillClrLst>
@@ -1223,9 +1290,12 @@
     <dgm:txEffectClrLst/>
   </dgm:styleLbl>
   <dgm:styleLbl name="alignImgPlace1">
-    <dgm:fillClrLst meth="repeat">
+    <dgm:fillClrLst>
       <a:schemeClr val="accent1">
         <a:tint val="50000"/>
+      </a:schemeClr>
+      <a:schemeClr val="accent2">
+        <a:tint val="20000"/>
       </a:schemeClr>
     </dgm:fillClrLst>
     <dgm:linClrLst meth="repeat">
@@ -1239,9 +1309,12 @@
     <dgm:txEffectClrLst/>
   </dgm:styleLbl>
   <dgm:styleLbl name="bgImgPlace1">
-    <dgm:fillClrLst meth="repeat">
+    <dgm:fillClrLst>
       <a:schemeClr val="accent1">
         <a:tint val="50000"/>
+      </a:schemeClr>
+      <a:schemeClr val="accent2">
+        <a:tint val="20000"/>
       </a:schemeClr>
     </dgm:fillClrLst>
     <dgm:linClrLst meth="repeat">
@@ -1256,14 +1329,14 @@
   </dgm:styleLbl>
   <dgm:styleLbl name="sibTrans2D1">
     <dgm:fillClrLst meth="repeat">
-      <a:schemeClr val="accent1">
-        <a:tint val="60000"/>
-      </a:schemeClr>
+      <a:schemeClr val="accent2"/>
+      <a:schemeClr val="accent3"/>
+      <a:schemeClr val="accent4"/>
+      <a:schemeClr val="accent5"/>
+      <a:schemeClr val="accent6"/>
     </dgm:fillClrLst>
-    <dgm:linClrLst meth="repeat">
-      <a:schemeClr val="accent1">
-        <a:tint val="60000"/>
-      </a:schemeClr>
+    <dgm:linClrLst meth="cycle">
+      <a:schemeClr val="lt1"/>
     </dgm:linClrLst>
     <dgm:effectClrLst/>
     <dgm:txLinClrLst/>
@@ -1272,42 +1345,54 @@
   </dgm:styleLbl>
   <dgm:styleLbl name="fgSibTrans2D1">
     <dgm:fillClrLst meth="repeat">
-      <a:schemeClr val="accent1">
-        <a:tint val="60000"/>
-      </a:schemeClr>
+      <a:schemeClr val="accent2"/>
+      <a:schemeClr val="accent3"/>
+      <a:schemeClr val="accent4"/>
+      <a:schemeClr val="accent5"/>
+      <a:schemeClr val="accent6"/>
     </dgm:fillClrLst>
-    <dgm:linClrLst meth="repeat">
-      <a:schemeClr val="accent1">
-        <a:tint val="60000"/>
-      </a:schemeClr>
+    <dgm:linClrLst meth="cycle">
+      <a:schemeClr val="lt1"/>
     </dgm:linClrLst>
     <dgm:effectClrLst/>
     <dgm:txLinClrLst/>
-    <dgm:txFillClrLst/>
+    <dgm:txFillClrLst meth="repeat">
+      <a:schemeClr val="lt1"/>
+    </dgm:txFillClrLst>
     <dgm:txEffectClrLst/>
   </dgm:styleLbl>
   <dgm:styleLbl name="bgSibTrans2D1">
     <dgm:fillClrLst meth="repeat">
-      <a:schemeClr val="accent1">
-        <a:tint val="60000"/>
-      </a:schemeClr>
+      <a:schemeClr val="accent2"/>
+      <a:schemeClr val="accent3"/>
+      <a:schemeClr val="accent4"/>
+      <a:schemeClr val="accent5"/>
+      <a:schemeClr val="accent6"/>
     </dgm:fillClrLst>
-    <dgm:linClrLst meth="repeat">
-      <a:schemeClr val="accent1">
-        <a:tint val="60000"/>
-      </a:schemeClr>
+    <dgm:linClrLst meth="cycle">
+      <a:schemeClr val="lt1"/>
     </dgm:linClrLst>
     <dgm:effectClrLst/>
     <dgm:txLinClrLst/>
-    <dgm:txFillClrLst/>
+    <dgm:txFillClrLst meth="repeat">
+      <a:schemeClr val="lt1"/>
+    </dgm:txFillClrLst>
     <dgm:txEffectClrLst/>
   </dgm:styleLbl>
   <dgm:styleLbl name="sibTrans1D1">
     <dgm:fillClrLst meth="repeat">
-      <a:schemeClr val="accent1"/>
+      <a:schemeClr val="accent2"/>
+      <a:schemeClr val="accent3"/>
+      <a:schemeClr val="accent4"/>
+      <a:schemeClr val="accent5"/>
+      <a:schemeClr val="accent6"/>
     </dgm:fillClrLst>
     <dgm:linClrLst meth="repeat">
-      <a:schemeClr val="accent1"/>
+      <a:schemeClr val="accent2"/>
+      <a:schemeClr val="accent3"/>
+      <a:schemeClr val="accent4"/>
+      <a:schemeClr val="accent5"/>
+      <a:schemeClr val="accent6"/>
     </dgm:linClrLst>
     <dgm:effectClrLst/>
     <dgm:txLinClrLst/>
@@ -1318,10 +1403,10 @@
   </dgm:styleLbl>
   <dgm:styleLbl name="callout">
     <dgm:fillClrLst meth="repeat">
-      <a:schemeClr val="accent1"/>
+      <a:schemeClr val="accent2"/>
     </dgm:fillClrLst>
     <dgm:linClrLst meth="repeat">
-      <a:schemeClr val="accent1">
+      <a:schemeClr val="accent2">
         <a:tint val="50000"/>
       </a:schemeClr>
     </dgm:linClrLst>
@@ -1346,7 +1431,7 @@
   </dgm:styleLbl>
   <dgm:styleLbl name="asst1">
     <dgm:fillClrLst meth="repeat">
-      <a:schemeClr val="accent1"/>
+      <a:schemeClr val="accent2"/>
     </dgm:fillClrLst>
     <dgm:linClrLst meth="repeat">
       <a:schemeClr val="lt1"/>
@@ -1357,8 +1442,8 @@
     <dgm:txEffectClrLst/>
   </dgm:styleLbl>
   <dgm:styleLbl name="asst2">
-    <dgm:fillClrLst meth="repeat">
-      <a:schemeClr val="accent1"/>
+    <dgm:fillClrLst>
+      <a:schemeClr val="accent3"/>
     </dgm:fillClrLst>
     <dgm:linClrLst meth="repeat">
       <a:schemeClr val="lt1"/>
@@ -1369,8 +1454,8 @@
     <dgm:txEffectClrLst/>
   </dgm:styleLbl>
   <dgm:styleLbl name="asst3">
-    <dgm:fillClrLst meth="repeat">
-      <a:schemeClr val="accent1"/>
+    <dgm:fillClrLst>
+      <a:schemeClr val="accent4"/>
     </dgm:fillClrLst>
     <dgm:linClrLst meth="repeat">
       <a:schemeClr val="lt1"/>
@@ -1381,8 +1466,8 @@
     <dgm:txEffectClrLst/>
   </dgm:styleLbl>
   <dgm:styleLbl name="asst4">
-    <dgm:fillClrLst meth="repeat">
-      <a:schemeClr val="accent1"/>
+    <dgm:fillClrLst>
+      <a:schemeClr val="accent5"/>
     </dgm:fillClrLst>
     <dgm:linClrLst meth="repeat">
       <a:schemeClr val="lt1"/>
@@ -1394,14 +1479,10 @@
   </dgm:styleLbl>
   <dgm:styleLbl name="parChTrans2D1">
     <dgm:fillClrLst meth="repeat">
-      <a:schemeClr val="accent1">
-        <a:tint val="60000"/>
-      </a:schemeClr>
+      <a:schemeClr val="accent2"/>
     </dgm:fillClrLst>
     <dgm:linClrLst meth="repeat">
-      <a:schemeClr val="accent1">
-        <a:tint val="60000"/>
-      </a:schemeClr>
+      <a:schemeClr val="lt1"/>
     </dgm:linClrLst>
     <dgm:effectClrLst/>
     <dgm:txLinClrLst/>
@@ -1412,7 +1493,45 @@
   </dgm:styleLbl>
   <dgm:styleLbl name="parChTrans2D2">
     <dgm:fillClrLst meth="repeat">
-      <a:schemeClr val="accent1"/>
+      <a:schemeClr val="accent3"/>
+    </dgm:fillClrLst>
+    <dgm:linClrLst meth="repeat">
+      <a:schemeClr val="lt1"/>
+    </dgm:linClrLst>
+    <dgm:effectClrLst/>
+    <dgm:txLinClrLst/>
+    <dgm:txFillClrLst/>
+    <dgm:txEffectClrLst/>
+  </dgm:styleLbl>
+  <dgm:styleLbl name="parChTrans2D3">
+    <dgm:fillClrLst meth="repeat">
+      <a:schemeClr val="accent4"/>
+    </dgm:fillClrLst>
+    <dgm:linClrLst meth="repeat">
+      <a:schemeClr val="lt1"/>
+    </dgm:linClrLst>
+    <dgm:effectClrLst/>
+    <dgm:txLinClrLst/>
+    <dgm:txFillClrLst/>
+    <dgm:txEffectClrLst/>
+  </dgm:styleLbl>
+  <dgm:styleLbl name="parChTrans2D4">
+    <dgm:fillClrLst meth="repeat">
+      <a:schemeClr val="accent5"/>
+    </dgm:fillClrLst>
+    <dgm:linClrLst meth="repeat">
+      <a:schemeClr val="lt1"/>
+    </dgm:linClrLst>
+    <dgm:effectClrLst/>
+    <dgm:txLinClrLst/>
+    <dgm:txFillClrLst meth="repeat">
+      <a:schemeClr val="lt1"/>
+    </dgm:txFillClrLst>
+    <dgm:txEffectClrLst/>
+  </dgm:styleLbl>
+  <dgm:styleLbl name="parChTrans1D1">
+    <dgm:fillClrLst meth="repeat">
+      <a:schemeClr val="accent2"/>
     </dgm:fillClrLst>
     <dgm:linClrLst meth="repeat">
       <a:schemeClr val="accent1"/>
@@ -1420,46 +1539,18 @@
     <dgm:effectClrLst/>
     <dgm:txLinClrLst/>
     <dgm:txFillClrLst meth="repeat">
-      <a:schemeClr val="lt1"/>
+      <a:schemeClr val="tx1"/>
     </dgm:txFillClrLst>
     <dgm:txEffectClrLst/>
   </dgm:styleLbl>
-  <dgm:styleLbl name="parChTrans2D3">
+  <dgm:styleLbl name="parChTrans1D2">
     <dgm:fillClrLst meth="repeat">
-      <a:schemeClr val="accent1"/>
+      <a:schemeClr val="accent3">
+        <a:tint val="90000"/>
+      </a:schemeClr>
     </dgm:fillClrLst>
     <dgm:linClrLst meth="repeat">
-      <a:schemeClr val="accent1"/>
-    </dgm:linClrLst>
-    <dgm:effectClrLst/>
-    <dgm:txLinClrLst/>
-    <dgm:txFillClrLst meth="repeat">
-      <a:schemeClr val="lt1"/>
-    </dgm:txFillClrLst>
-    <dgm:txEffectClrLst/>
-  </dgm:styleLbl>
-  <dgm:styleLbl name="parChTrans2D4">
-    <dgm:fillClrLst meth="repeat">
-      <a:schemeClr val="accent1"/>
-    </dgm:fillClrLst>
-    <dgm:linClrLst meth="repeat">
-      <a:schemeClr val="accent1"/>
-    </dgm:linClrLst>
-    <dgm:effectClrLst/>
-    <dgm:txLinClrLst/>
-    <dgm:txFillClrLst meth="repeat">
-      <a:schemeClr val="lt1"/>
-    </dgm:txFillClrLst>
-    <dgm:txEffectClrLst/>
-  </dgm:styleLbl>
-  <dgm:styleLbl name="parChTrans1D1">
-    <dgm:fillClrLst meth="repeat">
-      <a:schemeClr val="accent1"/>
-    </dgm:fillClrLst>
-    <dgm:linClrLst meth="repeat">
-      <a:schemeClr val="accent1">
-        <a:shade val="60000"/>
-      </a:schemeClr>
+      <a:schemeClr val="accent2"/>
     </dgm:linClrLst>
     <dgm:effectClrLst/>
     <dgm:txLinClrLst/>
@@ -1468,14 +1559,14 @@
     </dgm:txFillClrLst>
     <dgm:txEffectClrLst/>
   </dgm:styleLbl>
-  <dgm:styleLbl name="parChTrans1D2">
+  <dgm:styleLbl name="parChTrans1D3">
     <dgm:fillClrLst meth="repeat">
-      <a:schemeClr val="accent1"/>
+      <a:schemeClr val="accent4">
+        <a:tint val="70000"/>
+      </a:schemeClr>
     </dgm:fillClrLst>
     <dgm:linClrLst meth="repeat">
-      <a:schemeClr val="accent1">
-        <a:shade val="60000"/>
-      </a:schemeClr>
+      <a:schemeClr val="accent3"/>
     </dgm:linClrLst>
     <dgm:effectClrLst/>
     <dgm:txLinClrLst/>
@@ -1484,14 +1575,14 @@
     </dgm:txFillClrLst>
     <dgm:txEffectClrLst/>
   </dgm:styleLbl>
-  <dgm:styleLbl name="parChTrans1D3">
+  <dgm:styleLbl name="parChTrans1D4">
     <dgm:fillClrLst meth="repeat">
-      <a:schemeClr val="accent1"/>
+      <a:schemeClr val="accent5">
+        <a:tint val="50000"/>
+      </a:schemeClr>
     </dgm:fillClrLst>
     <dgm:linClrLst meth="repeat">
-      <a:schemeClr val="accent1">
-        <a:shade val="80000"/>
-      </a:schemeClr>
+      <a:schemeClr val="accent4"/>
     </dgm:linClrLst>
     <dgm:effectClrLst/>
     <dgm:txLinClrLst/>
@@ -1500,22 +1591,6 @@
     </dgm:txFillClrLst>
     <dgm:txEffectClrLst/>
   </dgm:styleLbl>
-  <dgm:styleLbl name="parChTrans1D4">
-    <dgm:fillClrLst meth="repeat">
-      <a:schemeClr val="accent1"/>
-    </dgm:fillClrLst>
-    <dgm:linClrLst meth="repeat">
-      <a:schemeClr val="accent1">
-        <a:shade val="80000"/>
-      </a:schemeClr>
-    </dgm:linClrLst>
-    <dgm:effectClrLst/>
-    <dgm:txLinClrLst/>
-    <dgm:txFillClrLst meth="repeat">
-      <a:schemeClr val="tx1"/>
-    </dgm:txFillClrLst>
-    <dgm:txEffectClrLst/>
-  </dgm:styleLbl>
   <dgm:styleLbl name="fgAcc1">
     <dgm:fillClrLst meth="repeat">
       <a:schemeClr val="lt1">
@@ -1523,7 +1598,11 @@
       </a:schemeClr>
     </dgm:fillClrLst>
     <dgm:linClrLst meth="repeat">
-      <a:schemeClr val="accent1"/>
+      <a:schemeClr val="accent2"/>
+      <a:schemeClr val="accent3"/>
+      <a:schemeClr val="accent4"/>
+      <a:schemeClr val="accent5"/>
+      <a:schemeClr val="accent6"/>
     </dgm:linClrLst>
     <dgm:effectClrLst/>
     <dgm:txLinClrLst/>
@@ -1539,7 +1618,11 @@
       </a:schemeClr>
     </dgm:fillClrLst>
     <dgm:linClrLst meth="repeat">
-      <a:schemeClr val="accent1"/>
+      <a:schemeClr val="accent2"/>
+      <a:schemeClr val="accent3"/>
+      <a:schemeClr val="accent4"/>
+      <a:schemeClr val="accent5"/>
+      <a:schemeClr val="accent6"/>
     </dgm:linClrLst>
     <dgm:effectClrLst/>
     <dgm:txLinClrLst/>
@@ -1555,7 +1638,11 @@
       </a:schemeClr>
     </dgm:fillClrLst>
     <dgm:linClrLst meth="repeat">
-      <a:schemeClr val="accent1"/>
+      <a:schemeClr val="accent2"/>
+      <a:schemeClr val="accent3"/>
+      <a:schemeClr val="accent4"/>
+      <a:schemeClr val="accent5"/>
+      <a:schemeClr val="accent6"/>
     </dgm:linClrLst>
     <dgm:effectClrLst/>
     <dgm:txLinClrLst/>
@@ -1587,6 +1674,236 @@
       </a:schemeClr>
     </dgm:fillClrLst>
     <dgm:linClrLst meth="repeat">
+      <a:schemeClr val="accent2"/>
+      <a:schemeClr val="accent3"/>
+      <a:schemeClr val="accent4"/>
+      <a:schemeClr val="accent5"/>
+      <a:schemeClr val="accent6"/>
+    </dgm:linClrLst>
+    <dgm:effectClrLst/>
+    <dgm:txLinClrLst/>
+    <dgm:txFillClrLst meth="repeat">
+      <a:schemeClr val="dk1"/>
+    </dgm:txFillClrLst>
+    <dgm:txEffectClrLst/>
+  </dgm:styleLbl>
+  <dgm:styleLbl name="solidFgAcc1">
+    <dgm:fillClrLst meth="repeat">
+      <a:schemeClr val="lt1"/>
+    </dgm:fillClrLst>
+    <dgm:linClrLst meth="repeat">
+      <a:schemeClr val="accent2"/>
+      <a:schemeClr val="accent3"/>
+      <a:schemeClr val="accent4"/>
+      <a:schemeClr val="accent5"/>
+      <a:schemeClr val="accent6"/>
+    </dgm:linClrLst>
+    <dgm:effectClrLst/>
+    <dgm:txLinClrLst/>
+    <dgm:txFillClrLst meth="repeat">
+      <a:schemeClr val="dk1"/>
+    </dgm:txFillClrLst>
+    <dgm:txEffectClrLst/>
+  </dgm:styleLbl>
+  <dgm:styleLbl name="solidAlignAcc1">
+    <dgm:fillClrLst meth="repeat">
+      <a:schemeClr val="lt1"/>
+    </dgm:fillClrLst>
+    <dgm:linClrLst meth="repeat">
+      <a:schemeClr val="accent2"/>
+      <a:schemeClr val="accent3"/>
+      <a:schemeClr val="accent4"/>
+      <a:schemeClr val="accent5"/>
+      <a:schemeClr val="accent6"/>
+    </dgm:linClrLst>
+    <dgm:effectClrLst/>
+    <dgm:txLinClrLst/>
+    <dgm:txFillClrLst meth="repeat">
+      <a:schemeClr val="dk1"/>
+    </dgm:txFillClrLst>
+    <dgm:txEffectClrLst/>
+  </dgm:styleLbl>
+  <dgm:styleLbl name="solidBgAcc1">
+    <dgm:fillClrLst meth="repeat">
+      <a:schemeClr val="lt1"/>
+    </dgm:fillClrLst>
+    <dgm:linClrLst meth="repeat">
+      <a:schemeClr val="accent2"/>
+      <a:schemeClr val="accent3"/>
+      <a:schemeClr val="accent4"/>
+      <a:schemeClr val="accent5"/>
+      <a:schemeClr val="accent6"/>
+    </dgm:linClrLst>
+    <dgm:effectClrLst/>
+    <dgm:txLinClrLst/>
+    <dgm:txFillClrLst meth="repeat">
+      <a:schemeClr val="dk1"/>
+    </dgm:txFillClrLst>
+    <dgm:txEffectClrLst/>
+  </dgm:styleLbl>
+  <dgm:styleLbl name="fgAccFollowNode1">
+    <dgm:fillClrLst meth="repeat">
+      <a:schemeClr val="accent2">
+        <a:tint val="40000"/>
+        <a:alpha val="90000"/>
+      </a:schemeClr>
+      <a:schemeClr val="accent3">
+        <a:tint val="40000"/>
+        <a:alpha val="90000"/>
+      </a:schemeClr>
+      <a:schemeClr val="accent4">
+        <a:tint val="40000"/>
+        <a:alpha val="90000"/>
+      </a:schemeClr>
+      <a:schemeClr val="accent5">
+        <a:tint val="40000"/>
+        <a:alpha val="90000"/>
+      </a:schemeClr>
+      <a:schemeClr val="accent6">
+        <a:tint val="40000"/>
+        <a:alpha val="90000"/>
+      </a:schemeClr>
+    </dgm:fillClrLst>
+    <dgm:linClrLst meth="repeat">
+      <a:schemeClr val="accent2">
+        <a:tint val="40000"/>
+        <a:alpha val="90000"/>
+      </a:schemeClr>
+      <a:schemeClr val="accent3">
+        <a:tint val="40000"/>
+        <a:alpha val="90000"/>
+      </a:schemeClr>
+      <a:schemeClr val="accent4">
+        <a:tint val="40000"/>
+        <a:alpha val="90000"/>
+      </a:schemeClr>
+      <a:schemeClr val="accent5">
+        <a:tint val="40000"/>
+        <a:alpha val="90000"/>
+      </a:schemeClr>
+      <a:schemeClr val="accent6">
+        <a:tint val="40000"/>
+        <a:alpha val="90000"/>
+      </a:schemeClr>
+    </dgm:linClrLst>
+    <dgm:effectClrLst/>
+    <dgm:txLinClrLst/>
+    <dgm:txFillClrLst meth="repeat">
+      <a:schemeClr val="dk1"/>
+    </dgm:txFillClrLst>
+    <dgm:txEffectClrLst/>
+  </dgm:styleLbl>
+  <dgm:styleLbl name="alignAccFollowNode1">
+    <dgm:fillClrLst meth="repeat">
+      <a:schemeClr val="accent2">
+        <a:tint val="40000"/>
+        <a:alpha val="90000"/>
+      </a:schemeClr>
+      <a:schemeClr val="accent3">
+        <a:tint val="40000"/>
+        <a:alpha val="90000"/>
+      </a:schemeClr>
+      <a:schemeClr val="accent4">
+        <a:tint val="40000"/>
+        <a:alpha val="90000"/>
+      </a:schemeClr>
+      <a:schemeClr val="accent5">
+        <a:tint val="40000"/>
+        <a:alpha val="90000"/>
+      </a:schemeClr>
+      <a:schemeClr val="accent6">
+        <a:tint val="40000"/>
+        <a:alpha val="90000"/>
+      </a:schemeClr>
+    </dgm:fillClrLst>
+    <dgm:linClrLst meth="repeat">
+      <a:schemeClr val="accent2">
+        <a:tint val="40000"/>
+        <a:alpha val="90000"/>
+      </a:schemeClr>
+      <a:schemeClr val="accent3">
+        <a:tint val="40000"/>
+        <a:alpha val="90000"/>
+      </a:schemeClr>
+      <a:schemeClr val="accent4">
+        <a:tint val="40000"/>
+        <a:alpha val="90000"/>
+      </a:schemeClr>
+      <a:schemeClr val="accent5">
+        <a:tint val="40000"/>
+        <a:alpha val="90000"/>
+      </a:schemeClr>
+      <a:schemeClr val="accent6">
+        <a:tint val="40000"/>
+        <a:alpha val="90000"/>
+      </a:schemeClr>
+    </dgm:linClrLst>
+    <dgm:effectClrLst/>
+    <dgm:txLinClrLst/>
+    <dgm:txFillClrLst meth="repeat">
+      <a:schemeClr val="dk1"/>
+    </dgm:txFillClrLst>
+    <dgm:txEffectClrLst/>
+  </dgm:styleLbl>
+  <dgm:styleLbl name="bgAccFollowNode1">
+    <dgm:fillClrLst meth="repeat">
+      <a:schemeClr val="accent2">
+        <a:tint val="40000"/>
+        <a:alpha val="90000"/>
+      </a:schemeClr>
+      <a:schemeClr val="accent3">
+        <a:tint val="40000"/>
+        <a:alpha val="90000"/>
+      </a:schemeClr>
+      <a:schemeClr val="accent4">
+        <a:tint val="40000"/>
+        <a:alpha val="90000"/>
+      </a:schemeClr>
+      <a:schemeClr val="accent5">
+        <a:tint val="40000"/>
+        <a:alpha val="90000"/>
+      </a:schemeClr>
+      <a:schemeClr val="accent6">
+        <a:tint val="40000"/>
+        <a:alpha val="90000"/>
+      </a:schemeClr>
+    </dgm:fillClrLst>
+    <dgm:linClrLst meth="repeat">
+      <a:schemeClr val="accent2">
+        <a:tint val="40000"/>
+        <a:alpha val="90000"/>
+      </a:schemeClr>
+      <a:schemeClr val="accent3">
+        <a:tint val="40000"/>
+        <a:alpha val="90000"/>
+      </a:schemeClr>
+      <a:schemeClr val="accent4">
+        <a:tint val="40000"/>
+        <a:alpha val="90000"/>
+      </a:schemeClr>
+      <a:schemeClr val="accent5">
+        <a:tint val="40000"/>
+        <a:alpha val="90000"/>
+      </a:schemeClr>
+      <a:schemeClr val="accent6">
+        <a:tint val="40000"/>
+        <a:alpha val="90000"/>
+      </a:schemeClr>
+    </dgm:linClrLst>
+    <dgm:effectClrLst/>
+    <dgm:txLinClrLst/>
+    <dgm:txFillClrLst meth="repeat">
+      <a:schemeClr val="dk1"/>
+    </dgm:txFillClrLst>
+    <dgm:txEffectClrLst/>
+  </dgm:styleLbl>
+  <dgm:styleLbl name="fgAcc0">
+    <dgm:fillClrLst meth="repeat">
+      <a:schemeClr val="lt1">
+        <a:alpha val="90000"/>
+      </a:schemeClr>
+    </dgm:fillClrLst>
+    <dgm:linClrLst>
       <a:schemeClr val="accent1"/>
     </dgm:linClrLst>
     <dgm:effectClrLst/>
@@ -1596,12 +1913,14 @@
     </dgm:txFillClrLst>
     <dgm:txEffectClrLst/>
   </dgm:styleLbl>
-  <dgm:styleLbl name="solidFgAcc1">
+  <dgm:styleLbl name="fgAcc2">
     <dgm:fillClrLst meth="repeat">
-      <a:schemeClr val="lt1"/>
+      <a:schemeClr val="lt1">
+        <a:alpha val="90000"/>
+      </a:schemeClr>
     </dgm:fillClrLst>
-    <dgm:linClrLst meth="repeat">
-      <a:schemeClr val="accent1"/>
+    <dgm:linClrLst>
+      <a:schemeClr val="accent2"/>
     </dgm:linClrLst>
     <dgm:effectClrLst/>
     <dgm:txLinClrLst/>
@@ -1610,12 +1929,14 @@
     </dgm:txFillClrLst>
     <dgm:txEffectClrLst/>
   </dgm:styleLbl>
-  <dgm:styleLbl name="solidAlignAcc1">
+  <dgm:styleLbl name="fgAcc3">
     <dgm:fillClrLst meth="repeat">
-      <a:schemeClr val="lt1"/>
+      <a:schemeClr val="lt1">
+        <a:alpha val="90000"/>
+      </a:schemeClr>
     </dgm:fillClrLst>
-    <dgm:linClrLst meth="repeat">
-      <a:schemeClr val="accent1"/>
+    <dgm:linClrLst>
+      <a:schemeClr val="accent3"/>
     </dgm:linClrLst>
     <dgm:effectClrLst/>
     <dgm:txLinClrLst/>
@@ -1624,12 +1945,14 @@
     </dgm:txFillClrLst>
     <dgm:txEffectClrLst/>
   </dgm:styleLbl>
-  <dgm:styleLbl name="solidBgAcc1">
+  <dgm:styleLbl name="fgAcc4">
     <dgm:fillClrLst meth="repeat">
-      <a:schemeClr val="lt1"/>
+      <a:schemeClr val="lt1">
+        <a:alpha val="90000"/>
+      </a:schemeClr>
     </dgm:fillClrLst>
-    <dgm:linClrLst meth="repeat">
-      <a:schemeClr val="accent1"/>
+    <dgm:linClrLst>
+      <a:schemeClr val="accent4"/>
     </dgm:linClrLst>
     <dgm:effectClrLst/>
     <dgm:txLinClrLst/>
@@ -1638,18 +1961,14 @@
     </dgm:txFillClrLst>
     <dgm:txEffectClrLst/>
   </dgm:styleLbl>
-  <dgm:styleLbl name="fgAccFollowNode1">
+  <dgm:styleLbl name="bgShp">
     <dgm:fillClrLst meth="repeat">
-      <a:schemeClr val="accent1">
-        <a:alpha val="90000"/>
+      <a:schemeClr val="accent2">
         <a:tint val="40000"/>
       </a:schemeClr>
     </dgm:fillClrLst>
     <dgm:linClrLst meth="repeat">
-      <a:schemeClr val="accent1">
-        <a:alpha val="90000"/>
-        <a:tint val="40000"/>
-      </a:schemeClr>
+      <a:schemeClr val="dk1"/>
     </dgm:linClrLst>
     <dgm:effectClrLst/>
     <dgm:txLinClrLst/>
@@ -1658,134 +1977,14 @@
     </dgm:txFillClrLst>
     <dgm:txEffectClrLst/>
   </dgm:styleLbl>
-  <dgm:styleLbl name="alignAccFollowNode1">
+  <dgm:styleLbl name="dkBgShp">
     <dgm:fillClrLst meth="repeat">
-      <a:schemeClr val="accent1">
-        <a:alpha val="90000"/>
-        <a:tint val="40000"/>
+      <a:schemeClr val="accent2">
+        <a:shade val="90000"/>
       </a:schemeClr>
     </dgm:fillClrLst>
     <dgm:linClrLst meth="repeat">
-      <a:schemeClr val="accent1">
-        <a:alpha val="90000"/>
-        <a:tint val="40000"/>
-      </a:schemeClr>
-    </dgm:linClrLst>
-    <dgm:effectClrLst/>
-    <dgm:txLinClrLst/>
-    <dgm:txFillClrLst meth="repeat">
       <a:schemeClr val="dk1"/>
-    </dgm:txFillClrLst>
-    <dgm:txEffectClrLst/>
-  </dgm:styleLbl>
-  <dgm:styleLbl name="bgAccFollowNode1">
-    <dgm:fillClrLst meth="repeat">
-      <a:schemeClr val="accent1">
-        <a:alpha val="90000"/>
-        <a:tint val="40000"/>
-      </a:schemeClr>
-    </dgm:fillClrLst>
-    <dgm:linClrLst meth="repeat">
-      <a:schemeClr val="accent1">
-        <a:alpha val="90000"/>
-        <a:tint val="40000"/>
-      </a:schemeClr>
-    </dgm:linClrLst>
-    <dgm:effectClrLst/>
-    <dgm:txLinClrLst/>
-    <dgm:txFillClrLst meth="repeat">
-      <a:schemeClr val="dk1"/>
-    </dgm:txFillClrLst>
-    <dgm:txEffectClrLst/>
-  </dgm:styleLbl>
-  <dgm:styleLbl name="fgAcc0">
-    <dgm:fillClrLst meth="repeat">
-      <a:schemeClr val="lt1">
-        <a:alpha val="90000"/>
-      </a:schemeClr>
-    </dgm:fillClrLst>
-    <dgm:linClrLst meth="repeat">
-      <a:schemeClr val="accent1"/>
-    </dgm:linClrLst>
-    <dgm:effectClrLst/>
-    <dgm:txLinClrLst/>
-    <dgm:txFillClrLst meth="repeat">
-      <a:schemeClr val="dk1"/>
-    </dgm:txFillClrLst>
-    <dgm:txEffectClrLst/>
-  </dgm:styleLbl>
-  <dgm:styleLbl name="fgAcc2">
-    <dgm:fillClrLst meth="repeat">
-      <a:schemeClr val="lt1">
-        <a:alpha val="90000"/>
-      </a:schemeClr>
-    </dgm:fillClrLst>
-    <dgm:linClrLst meth="repeat">
-      <a:schemeClr val="accent1"/>
-    </dgm:linClrLst>
-    <dgm:effectClrLst/>
-    <dgm:txLinClrLst/>
-    <dgm:txFillClrLst meth="repeat">
-      <a:schemeClr val="dk1"/>
-    </dgm:txFillClrLst>
-    <dgm:txEffectClrLst/>
-  </dgm:styleLbl>
-  <dgm:styleLbl name="fgAcc3">
-    <dgm:fillClrLst meth="repeat">
-      <a:schemeClr val="lt1">
-        <a:alpha val="90000"/>
-      </a:schemeClr>
-    </dgm:fillClrLst>
-    <dgm:linClrLst meth="repeat">
-      <a:schemeClr val="accent1"/>
-    </dgm:linClrLst>
-    <dgm:effectClrLst/>
-    <dgm:txLinClrLst/>
-    <dgm:txFillClrLst meth="repeat">
-      <a:schemeClr val="dk1"/>
-    </dgm:txFillClrLst>
-    <dgm:txEffectClrLst/>
-  </dgm:styleLbl>
-  <dgm:styleLbl name="fgAcc4">
-    <dgm:fillClrLst meth="repeat">
-      <a:schemeClr val="lt1">
-        <a:alpha val="90000"/>
-      </a:schemeClr>
-    </dgm:fillClrLst>
-    <dgm:linClrLst meth="repeat">
-      <a:schemeClr val="accent1"/>
-    </dgm:linClrLst>
-    <dgm:effectClrLst/>
-    <dgm:txLinClrLst/>
-    <dgm:txFillClrLst meth="repeat">
-      <a:schemeClr val="dk1"/>
-    </dgm:txFillClrLst>
-    <dgm:txEffectClrLst/>
-  </dgm:styleLbl>
-  <dgm:styleLbl name="bgShp">
-    <dgm:fillClrLst meth="repeat">
-      <a:schemeClr val="accent1">
-        <a:tint val="40000"/>
-      </a:schemeClr>
-    </dgm:fillClrLst>
-    <dgm:linClrLst meth="repeat">
-      <a:schemeClr val="accent1"/>
-    </dgm:linClrLst>
-    <dgm:effectClrLst/>
-    <dgm:txLinClrLst/>
-    <dgm:txFillClrLst meth="repeat">
-      <a:schemeClr val="dk1"/>
-    </dgm:txFillClrLst>
-    <dgm:txEffectClrLst/>
-  </dgm:styleLbl>
-  <dgm:styleLbl name="dkBgShp">
-    <dgm:fillClrLst meth="repeat">
-      <a:schemeClr val="accent1">
-        <a:shade val="80000"/>
-      </a:schemeClr>
-    </dgm:fillClrLst>
-    <dgm:linClrLst meth="repeat">
-      <a:schemeClr val="accent1"/>
     </dgm:linClrLst>
     <dgm:effectClrLst/>
     <dgm:txLinClrLst/>
@@ -1802,7 +2001,7 @@
       </a:schemeClr>
     </dgm:fillClrLst>
     <dgm:linClrLst meth="repeat">
-      <a:schemeClr val="accent1"/>
+      <a:schemeClr val="accent2"/>
     </dgm:linClrLst>
     <dgm:effectClrLst/>
     <dgm:txLinClrLst/>
@@ -1813,8 +2012,8 @@
   </dgm:styleLbl>
   <dgm:styleLbl name="fgShp">
     <dgm:fillClrLst meth="repeat">
-      <a:schemeClr val="accent1">
-        <a:tint val="60000"/>
+      <a:schemeClr val="accent2">
+        <a:tint val="40000"/>
       </a:schemeClr>
     </dgm:fillClrLst>
     <dgm:linClrLst meth="repeat">
@@ -2596,6 +2795,753 @@
 </file>
 
 <file path=ppt/diagrams/colors3.xml><?xml version="1.0" encoding="utf-8"?>
+<dgm:colorsDef xmlns:dgm="http://schemas.openxmlformats.org/drawingml/2006/diagram" xmlns:a="http://schemas.openxmlformats.org/drawingml/2006/main" uniqueId="urn:microsoft.com/office/officeart/2005/8/colors/accent1_2">
+  <dgm:title val=""/>
+  <dgm:desc val=""/>
+  <dgm:catLst>
+    <dgm:cat type="accent1" pri="11200"/>
+  </dgm:catLst>
+  <dgm:styleLbl name="node0">
+    <dgm:fillClrLst meth="repeat">
+      <a:schemeClr val="accent1"/>
+    </dgm:fillClrLst>
+    <dgm:linClrLst meth="repeat">
+      <a:schemeClr val="lt1"/>
+    </dgm:linClrLst>
+    <dgm:effectClrLst/>
+    <dgm:txLinClrLst/>
+    <dgm:txFillClrLst/>
+    <dgm:txEffectClrLst/>
+  </dgm:styleLbl>
+  <dgm:styleLbl name="alignNode1">
+    <dgm:fillClrLst meth="repeat">
+      <a:schemeClr val="accent1"/>
+    </dgm:fillClrLst>
+    <dgm:linClrLst meth="repeat">
+      <a:schemeClr val="accent1"/>
+    </dgm:linClrLst>
+    <dgm:effectClrLst/>
+    <dgm:txLinClrLst/>
+    <dgm:txFillClrLst/>
+    <dgm:txEffectClrLst/>
+  </dgm:styleLbl>
+  <dgm:styleLbl name="node1">
+    <dgm:fillClrLst meth="repeat">
+      <a:schemeClr val="accent1"/>
+    </dgm:fillClrLst>
+    <dgm:linClrLst meth="repeat">
+      <a:schemeClr val="lt1"/>
+    </dgm:linClrLst>
+    <dgm:effectClrLst/>
+    <dgm:txLinClrLst/>
+    <dgm:txFillClrLst/>
+    <dgm:txEffectClrLst/>
+  </dgm:styleLbl>
+  <dgm:styleLbl name="lnNode1">
+    <dgm:fillClrLst meth="repeat">
+      <a:schemeClr val="accent1"/>
+    </dgm:fillClrLst>
+    <dgm:linClrLst meth="repeat">
+      <a:schemeClr val="lt1"/>
+    </dgm:linClrLst>
+    <dgm:effectClrLst/>
+    <dgm:txLinClrLst/>
+    <dgm:txFillClrLst/>
+    <dgm:txEffectClrLst/>
+  </dgm:styleLbl>
+  <dgm:styleLbl name="vennNode1">
+    <dgm:fillClrLst meth="repeat">
+      <a:schemeClr val="accent1">
+        <a:alpha val="50000"/>
+      </a:schemeClr>
+    </dgm:fillClrLst>
+    <dgm:linClrLst meth="repeat">
+      <a:schemeClr val="lt1"/>
+    </dgm:linClrLst>
+    <dgm:effectClrLst/>
+    <dgm:txLinClrLst/>
+    <dgm:txFillClrLst/>
+    <dgm:txEffectClrLst/>
+  </dgm:styleLbl>
+  <dgm:styleLbl name="node2">
+    <dgm:fillClrLst meth="repeat">
+      <a:schemeClr val="accent1"/>
+    </dgm:fillClrLst>
+    <dgm:linClrLst meth="repeat">
+      <a:schemeClr val="lt1"/>
+    </dgm:linClrLst>
+    <dgm:effectClrLst/>
+    <dgm:txLinClrLst/>
+    <dgm:txFillClrLst/>
+    <dgm:txEffectClrLst/>
+  </dgm:styleLbl>
+  <dgm:styleLbl name="node3">
+    <dgm:fillClrLst meth="repeat">
+      <a:schemeClr val="accent1"/>
+    </dgm:fillClrLst>
+    <dgm:linClrLst meth="repeat">
+      <a:schemeClr val="lt1"/>
+    </dgm:linClrLst>
+    <dgm:effectClrLst/>
+    <dgm:txLinClrLst/>
+    <dgm:txFillClrLst/>
+    <dgm:txEffectClrLst/>
+  </dgm:styleLbl>
+  <dgm:styleLbl name="node4">
+    <dgm:fillClrLst meth="repeat">
+      <a:schemeClr val="accent1"/>
+    </dgm:fillClrLst>
+    <dgm:linClrLst meth="repeat">
+      <a:schemeClr val="lt1"/>
+    </dgm:linClrLst>
+    <dgm:effectClrLst/>
+    <dgm:txLinClrLst/>
+    <dgm:txFillClrLst/>
+    <dgm:txEffectClrLst/>
+  </dgm:styleLbl>
+  <dgm:styleLbl name="fgImgPlace1">
+    <dgm:fillClrLst meth="repeat">
+      <a:schemeClr val="accent1">
+        <a:tint val="50000"/>
+      </a:schemeClr>
+    </dgm:fillClrLst>
+    <dgm:linClrLst meth="repeat">
+      <a:schemeClr val="lt1"/>
+    </dgm:linClrLst>
+    <dgm:effectClrLst/>
+    <dgm:txLinClrLst/>
+    <dgm:txFillClrLst meth="repeat">
+      <a:schemeClr val="lt1"/>
+    </dgm:txFillClrLst>
+    <dgm:txEffectClrLst/>
+  </dgm:styleLbl>
+  <dgm:styleLbl name="alignImgPlace1">
+    <dgm:fillClrLst meth="repeat">
+      <a:schemeClr val="accent1">
+        <a:tint val="50000"/>
+      </a:schemeClr>
+    </dgm:fillClrLst>
+    <dgm:linClrLst meth="repeat">
+      <a:schemeClr val="lt1"/>
+    </dgm:linClrLst>
+    <dgm:effectClrLst/>
+    <dgm:txLinClrLst/>
+    <dgm:txFillClrLst meth="repeat">
+      <a:schemeClr val="lt1"/>
+    </dgm:txFillClrLst>
+    <dgm:txEffectClrLst/>
+  </dgm:styleLbl>
+  <dgm:styleLbl name="bgImgPlace1">
+    <dgm:fillClrLst meth="repeat">
+      <a:schemeClr val="accent1">
+        <a:tint val="50000"/>
+      </a:schemeClr>
+    </dgm:fillClrLst>
+    <dgm:linClrLst meth="repeat">
+      <a:schemeClr val="lt1"/>
+    </dgm:linClrLst>
+    <dgm:effectClrLst/>
+    <dgm:txLinClrLst/>
+    <dgm:txFillClrLst meth="repeat">
+      <a:schemeClr val="lt1"/>
+    </dgm:txFillClrLst>
+    <dgm:txEffectClrLst/>
+  </dgm:styleLbl>
+  <dgm:styleLbl name="sibTrans2D1">
+    <dgm:fillClrLst meth="repeat">
+      <a:schemeClr val="accent1">
+        <a:tint val="60000"/>
+      </a:schemeClr>
+    </dgm:fillClrLst>
+    <dgm:linClrLst meth="repeat">
+      <a:schemeClr val="accent1">
+        <a:tint val="60000"/>
+      </a:schemeClr>
+    </dgm:linClrLst>
+    <dgm:effectClrLst/>
+    <dgm:txLinClrLst/>
+    <dgm:txFillClrLst/>
+    <dgm:txEffectClrLst/>
+  </dgm:styleLbl>
+  <dgm:styleLbl name="fgSibTrans2D1">
+    <dgm:fillClrLst meth="repeat">
+      <a:schemeClr val="accent1">
+        <a:tint val="60000"/>
+      </a:schemeClr>
+    </dgm:fillClrLst>
+    <dgm:linClrLst meth="repeat">
+      <a:schemeClr val="accent1">
+        <a:tint val="60000"/>
+      </a:schemeClr>
+    </dgm:linClrLst>
+    <dgm:effectClrLst/>
+    <dgm:txLinClrLst/>
+    <dgm:txFillClrLst/>
+    <dgm:txEffectClrLst/>
+  </dgm:styleLbl>
+  <dgm:styleLbl name="bgSibTrans2D1">
+    <dgm:fillClrLst meth="repeat">
+      <a:schemeClr val="accent1">
+        <a:tint val="60000"/>
+      </a:schemeClr>
+    </dgm:fillClrLst>
+    <dgm:linClrLst meth="repeat">
+      <a:schemeClr val="accent1">
+        <a:tint val="60000"/>
+      </a:schemeClr>
+    </dgm:linClrLst>
+    <dgm:effectClrLst/>
+    <dgm:txLinClrLst/>
+    <dgm:txFillClrLst/>
+    <dgm:txEffectClrLst/>
+  </dgm:styleLbl>
+  <dgm:styleLbl name="sibTrans1D1">
+    <dgm:fillClrLst meth="repeat">
+      <a:schemeClr val="accent1"/>
+    </dgm:fillClrLst>
+    <dgm:linClrLst meth="repeat">
+      <a:schemeClr val="accent1"/>
+    </dgm:linClrLst>
+    <dgm:effectClrLst/>
+    <dgm:txLinClrLst/>
+    <dgm:txFillClrLst meth="repeat">
+      <a:schemeClr val="tx1"/>
+    </dgm:txFillClrLst>
+    <dgm:txEffectClrLst/>
+  </dgm:styleLbl>
+  <dgm:styleLbl name="callout">
+    <dgm:fillClrLst meth="repeat">
+      <a:schemeClr val="accent1"/>
+    </dgm:fillClrLst>
+    <dgm:linClrLst meth="repeat">
+      <a:schemeClr val="accent1">
+        <a:tint val="50000"/>
+      </a:schemeClr>
+    </dgm:linClrLst>
+    <dgm:effectClrLst/>
+    <dgm:txLinClrLst/>
+    <dgm:txFillClrLst meth="repeat">
+      <a:schemeClr val="tx1"/>
+    </dgm:txFillClrLst>
+    <dgm:txEffectClrLst/>
+  </dgm:styleLbl>
+  <dgm:styleLbl name="asst0">
+    <dgm:fillClrLst meth="repeat">
+      <a:schemeClr val="accent1"/>
+    </dgm:fillClrLst>
+    <dgm:linClrLst meth="repeat">
+      <a:schemeClr val="lt1"/>
+    </dgm:linClrLst>
+    <dgm:effectClrLst/>
+    <dgm:txLinClrLst/>
+    <dgm:txFillClrLst/>
+    <dgm:txEffectClrLst/>
+  </dgm:styleLbl>
+  <dgm:styleLbl name="asst1">
+    <dgm:fillClrLst meth="repeat">
+      <a:schemeClr val="accent1"/>
+    </dgm:fillClrLst>
+    <dgm:linClrLst meth="repeat">
+      <a:schemeClr val="lt1"/>
+    </dgm:linClrLst>
+    <dgm:effectClrLst/>
+    <dgm:txLinClrLst/>
+    <dgm:txFillClrLst/>
+    <dgm:txEffectClrLst/>
+  </dgm:styleLbl>
+  <dgm:styleLbl name="asst2">
+    <dgm:fillClrLst meth="repeat">
+      <a:schemeClr val="accent1"/>
+    </dgm:fillClrLst>
+    <dgm:linClrLst meth="repeat">
+      <a:schemeClr val="lt1"/>
+    </dgm:linClrLst>
+    <dgm:effectClrLst/>
+    <dgm:txLinClrLst/>
+    <dgm:txFillClrLst/>
+    <dgm:txEffectClrLst/>
+  </dgm:styleLbl>
+  <dgm:styleLbl name="asst3">
+    <dgm:fillClrLst meth="repeat">
+      <a:schemeClr val="accent1"/>
+    </dgm:fillClrLst>
+    <dgm:linClrLst meth="repeat">
+      <a:schemeClr val="lt1"/>
+    </dgm:linClrLst>
+    <dgm:effectClrLst/>
+    <dgm:txLinClrLst/>
+    <dgm:txFillClrLst/>
+    <dgm:txEffectClrLst/>
+  </dgm:styleLbl>
+  <dgm:styleLbl name="asst4">
+    <dgm:fillClrLst meth="repeat">
+      <a:schemeClr val="accent1"/>
+    </dgm:fillClrLst>
+    <dgm:linClrLst meth="repeat">
+      <a:schemeClr val="lt1"/>
+    </dgm:linClrLst>
+    <dgm:effectClrLst/>
+    <dgm:txLinClrLst/>
+    <dgm:txFillClrLst/>
+    <dgm:txEffectClrLst/>
+  </dgm:styleLbl>
+  <dgm:styleLbl name="parChTrans2D1">
+    <dgm:fillClrLst meth="repeat">
+      <a:schemeClr val="accent1">
+        <a:tint val="60000"/>
+      </a:schemeClr>
+    </dgm:fillClrLst>
+    <dgm:linClrLst meth="repeat">
+      <a:schemeClr val="accent1">
+        <a:tint val="60000"/>
+      </a:schemeClr>
+    </dgm:linClrLst>
+    <dgm:effectClrLst/>
+    <dgm:txLinClrLst/>
+    <dgm:txFillClrLst meth="repeat">
+      <a:schemeClr val="lt1"/>
+    </dgm:txFillClrLst>
+    <dgm:txEffectClrLst/>
+  </dgm:styleLbl>
+  <dgm:styleLbl name="parChTrans2D2">
+    <dgm:fillClrLst meth="repeat">
+      <a:schemeClr val="accent1"/>
+    </dgm:fillClrLst>
+    <dgm:linClrLst meth="repeat">
+      <a:schemeClr val="accent1"/>
+    </dgm:linClrLst>
+    <dgm:effectClrLst/>
+    <dgm:txLinClrLst/>
+    <dgm:txFillClrLst meth="repeat">
+      <a:schemeClr val="lt1"/>
+    </dgm:txFillClrLst>
+    <dgm:txEffectClrLst/>
+  </dgm:styleLbl>
+  <dgm:styleLbl name="parChTrans2D3">
+    <dgm:fillClrLst meth="repeat">
+      <a:schemeClr val="accent1"/>
+    </dgm:fillClrLst>
+    <dgm:linClrLst meth="repeat">
+      <a:schemeClr val="accent1"/>
+    </dgm:linClrLst>
+    <dgm:effectClrLst/>
+    <dgm:txLinClrLst/>
+    <dgm:txFillClrLst meth="repeat">
+      <a:schemeClr val="lt1"/>
+    </dgm:txFillClrLst>
+    <dgm:txEffectClrLst/>
+  </dgm:styleLbl>
+  <dgm:styleLbl name="parChTrans2D4">
+    <dgm:fillClrLst meth="repeat">
+      <a:schemeClr val="accent1"/>
+    </dgm:fillClrLst>
+    <dgm:linClrLst meth="repeat">
+      <a:schemeClr val="accent1"/>
+    </dgm:linClrLst>
+    <dgm:effectClrLst/>
+    <dgm:txLinClrLst/>
+    <dgm:txFillClrLst meth="repeat">
+      <a:schemeClr val="lt1"/>
+    </dgm:txFillClrLst>
+    <dgm:txEffectClrLst/>
+  </dgm:styleLbl>
+  <dgm:styleLbl name="parChTrans1D1">
+    <dgm:fillClrLst meth="repeat">
+      <a:schemeClr val="accent1"/>
+    </dgm:fillClrLst>
+    <dgm:linClrLst meth="repeat">
+      <a:schemeClr val="accent1">
+        <a:shade val="60000"/>
+      </a:schemeClr>
+    </dgm:linClrLst>
+    <dgm:effectClrLst/>
+    <dgm:txLinClrLst/>
+    <dgm:txFillClrLst meth="repeat">
+      <a:schemeClr val="tx1"/>
+    </dgm:txFillClrLst>
+    <dgm:txEffectClrLst/>
+  </dgm:styleLbl>
+  <dgm:styleLbl name="parChTrans1D2">
+    <dgm:fillClrLst meth="repeat">
+      <a:schemeClr val="accent1"/>
+    </dgm:fillClrLst>
+    <dgm:linClrLst meth="repeat">
+      <a:schemeClr val="accent1">
+        <a:shade val="60000"/>
+      </a:schemeClr>
+    </dgm:linClrLst>
+    <dgm:effectClrLst/>
+    <dgm:txLinClrLst/>
+    <dgm:txFillClrLst meth="repeat">
+      <a:schemeClr val="tx1"/>
+    </dgm:txFillClrLst>
+    <dgm:txEffectClrLst/>
+  </dgm:styleLbl>
+  <dgm:styleLbl name="parChTrans1D3">
+    <dgm:fillClrLst meth="repeat">
+      <a:schemeClr val="accent1"/>
+    </dgm:fillClrLst>
+    <dgm:linClrLst meth="repeat">
+      <a:schemeClr val="accent1">
+        <a:shade val="80000"/>
+      </a:schemeClr>
+    </dgm:linClrLst>
+    <dgm:effectClrLst/>
+    <dgm:txLinClrLst/>
+    <dgm:txFillClrLst meth="repeat">
+      <a:schemeClr val="tx1"/>
+    </dgm:txFillClrLst>
+    <dgm:txEffectClrLst/>
+  </dgm:styleLbl>
+  <dgm:styleLbl name="parChTrans1D4">
+    <dgm:fillClrLst meth="repeat">
+      <a:schemeClr val="accent1"/>
+    </dgm:fillClrLst>
+    <dgm:linClrLst meth="repeat">
+      <a:schemeClr val="accent1">
+        <a:shade val="80000"/>
+      </a:schemeClr>
+    </dgm:linClrLst>
+    <dgm:effectClrLst/>
+    <dgm:txLinClrLst/>
+    <dgm:txFillClrLst meth="repeat">
+      <a:schemeClr val="tx1"/>
+    </dgm:txFillClrLst>
+    <dgm:txEffectClrLst/>
+  </dgm:styleLbl>
+  <dgm:styleLbl name="fgAcc1">
+    <dgm:fillClrLst meth="repeat">
+      <a:schemeClr val="lt1">
+        <a:alpha val="90000"/>
+      </a:schemeClr>
+    </dgm:fillClrLst>
+    <dgm:linClrLst meth="repeat">
+      <a:schemeClr val="accent1"/>
+    </dgm:linClrLst>
+    <dgm:effectClrLst/>
+    <dgm:txLinClrLst/>
+    <dgm:txFillClrLst meth="repeat">
+      <a:schemeClr val="dk1"/>
+    </dgm:txFillClrLst>
+    <dgm:txEffectClrLst/>
+  </dgm:styleLbl>
+  <dgm:styleLbl name="conFgAcc1">
+    <dgm:fillClrLst meth="repeat">
+      <a:schemeClr val="lt1">
+        <a:alpha val="90000"/>
+      </a:schemeClr>
+    </dgm:fillClrLst>
+    <dgm:linClrLst meth="repeat">
+      <a:schemeClr val="accent1"/>
+    </dgm:linClrLst>
+    <dgm:effectClrLst/>
+    <dgm:txLinClrLst/>
+    <dgm:txFillClrLst meth="repeat">
+      <a:schemeClr val="dk1"/>
+    </dgm:txFillClrLst>
+    <dgm:txEffectClrLst/>
+  </dgm:styleLbl>
+  <dgm:styleLbl name="alignAcc1">
+    <dgm:fillClrLst meth="repeat">
+      <a:schemeClr val="lt1">
+        <a:alpha val="90000"/>
+      </a:schemeClr>
+    </dgm:fillClrLst>
+    <dgm:linClrLst meth="repeat">
+      <a:schemeClr val="accent1"/>
+    </dgm:linClrLst>
+    <dgm:effectClrLst/>
+    <dgm:txLinClrLst/>
+    <dgm:txFillClrLst meth="repeat">
+      <a:schemeClr val="dk1"/>
+    </dgm:txFillClrLst>
+    <dgm:txEffectClrLst/>
+  </dgm:styleLbl>
+  <dgm:styleLbl name="trAlignAcc1">
+    <dgm:fillClrLst meth="repeat">
+      <a:schemeClr val="lt1">
+        <a:alpha val="40000"/>
+      </a:schemeClr>
+    </dgm:fillClrLst>
+    <dgm:linClrLst meth="repeat">
+      <a:schemeClr val="accent1"/>
+    </dgm:linClrLst>
+    <dgm:effectClrLst/>
+    <dgm:txLinClrLst/>
+    <dgm:txFillClrLst meth="repeat">
+      <a:schemeClr val="dk1"/>
+    </dgm:txFillClrLst>
+    <dgm:txEffectClrLst/>
+  </dgm:styleLbl>
+  <dgm:styleLbl name="bgAcc1">
+    <dgm:fillClrLst meth="repeat">
+      <a:schemeClr val="lt1">
+        <a:alpha val="90000"/>
+      </a:schemeClr>
+    </dgm:fillClrLst>
+    <dgm:linClrLst meth="repeat">
+      <a:schemeClr val="accent1"/>
+    </dgm:linClrLst>
+    <dgm:effectClrLst/>
+    <dgm:txLinClrLst/>
+    <dgm:txFillClrLst meth="repeat">
+      <a:schemeClr val="dk1"/>
+    </dgm:txFillClrLst>
+    <dgm:txEffectClrLst/>
+  </dgm:styleLbl>
+  <dgm:styleLbl name="solidFgAcc1">
+    <dgm:fillClrLst meth="repeat">
+      <a:schemeClr val="lt1"/>
+    </dgm:fillClrLst>
+    <dgm:linClrLst meth="repeat">
+      <a:schemeClr val="accent1"/>
+    </dgm:linClrLst>
+    <dgm:effectClrLst/>
+    <dgm:txLinClrLst/>
+    <dgm:txFillClrLst meth="repeat">
+      <a:schemeClr val="dk1"/>
+    </dgm:txFillClrLst>
+    <dgm:txEffectClrLst/>
+  </dgm:styleLbl>
+  <dgm:styleLbl name="solidAlignAcc1">
+    <dgm:fillClrLst meth="repeat">
+      <a:schemeClr val="lt1"/>
+    </dgm:fillClrLst>
+    <dgm:linClrLst meth="repeat">
+      <a:schemeClr val="accent1"/>
+    </dgm:linClrLst>
+    <dgm:effectClrLst/>
+    <dgm:txLinClrLst/>
+    <dgm:txFillClrLst meth="repeat">
+      <a:schemeClr val="dk1"/>
+    </dgm:txFillClrLst>
+    <dgm:txEffectClrLst/>
+  </dgm:styleLbl>
+  <dgm:styleLbl name="solidBgAcc1">
+    <dgm:fillClrLst meth="repeat">
+      <a:schemeClr val="lt1"/>
+    </dgm:fillClrLst>
+    <dgm:linClrLst meth="repeat">
+      <a:schemeClr val="accent1"/>
+    </dgm:linClrLst>
+    <dgm:effectClrLst/>
+    <dgm:txLinClrLst/>
+    <dgm:txFillClrLst meth="repeat">
+      <a:schemeClr val="dk1"/>
+    </dgm:txFillClrLst>
+    <dgm:txEffectClrLst/>
+  </dgm:styleLbl>
+  <dgm:styleLbl name="fgAccFollowNode1">
+    <dgm:fillClrLst meth="repeat">
+      <a:schemeClr val="accent1">
+        <a:alpha val="90000"/>
+        <a:tint val="40000"/>
+      </a:schemeClr>
+    </dgm:fillClrLst>
+    <dgm:linClrLst meth="repeat">
+      <a:schemeClr val="accent1">
+        <a:alpha val="90000"/>
+        <a:tint val="40000"/>
+      </a:schemeClr>
+    </dgm:linClrLst>
+    <dgm:effectClrLst/>
+    <dgm:txLinClrLst/>
+    <dgm:txFillClrLst meth="repeat">
+      <a:schemeClr val="dk1"/>
+    </dgm:txFillClrLst>
+    <dgm:txEffectClrLst/>
+  </dgm:styleLbl>
+  <dgm:styleLbl name="alignAccFollowNode1">
+    <dgm:fillClrLst meth="repeat">
+      <a:schemeClr val="accent1">
+        <a:alpha val="90000"/>
+        <a:tint val="40000"/>
+      </a:schemeClr>
+    </dgm:fillClrLst>
+    <dgm:linClrLst meth="repeat">
+      <a:schemeClr val="accent1">
+        <a:alpha val="90000"/>
+        <a:tint val="40000"/>
+      </a:schemeClr>
+    </dgm:linClrLst>
+    <dgm:effectClrLst/>
+    <dgm:txLinClrLst/>
+    <dgm:txFillClrLst meth="repeat">
+      <a:schemeClr val="dk1"/>
+    </dgm:txFillClrLst>
+    <dgm:txEffectClrLst/>
+  </dgm:styleLbl>
+  <dgm:styleLbl name="bgAccFollowNode1">
+    <dgm:fillClrLst meth="repeat">
+      <a:schemeClr val="accent1">
+        <a:alpha val="90000"/>
+        <a:tint val="40000"/>
+      </a:schemeClr>
+    </dgm:fillClrLst>
+    <dgm:linClrLst meth="repeat">
+      <a:schemeClr val="accent1">
+        <a:alpha val="90000"/>
+        <a:tint val="40000"/>
+      </a:schemeClr>
+    </dgm:linClrLst>
+    <dgm:effectClrLst/>
+    <dgm:txLinClrLst/>
+    <dgm:txFillClrLst meth="repeat">
+      <a:schemeClr val="dk1"/>
+    </dgm:txFillClrLst>
+    <dgm:txEffectClrLst/>
+  </dgm:styleLbl>
+  <dgm:styleLbl name="fgAcc0">
+    <dgm:fillClrLst meth="repeat">
+      <a:schemeClr val="lt1">
+        <a:alpha val="90000"/>
+      </a:schemeClr>
+    </dgm:fillClrLst>
+    <dgm:linClrLst meth="repeat">
+      <a:schemeClr val="accent1"/>
+    </dgm:linClrLst>
+    <dgm:effectClrLst/>
+    <dgm:txLinClrLst/>
+    <dgm:txFillClrLst meth="repeat">
+      <a:schemeClr val="dk1"/>
+    </dgm:txFillClrLst>
+    <dgm:txEffectClrLst/>
+  </dgm:styleLbl>
+  <dgm:styleLbl name="fgAcc2">
+    <dgm:fillClrLst meth="repeat">
+      <a:schemeClr val="lt1">
+        <a:alpha val="90000"/>
+      </a:schemeClr>
+    </dgm:fillClrLst>
+    <dgm:linClrLst meth="repeat">
+      <a:schemeClr val="accent1"/>
+    </dgm:linClrLst>
+    <dgm:effectClrLst/>
+    <dgm:txLinClrLst/>
+    <dgm:txFillClrLst meth="repeat">
+      <a:schemeClr val="dk1"/>
+    </dgm:txFillClrLst>
+    <dgm:txEffectClrLst/>
+  </dgm:styleLbl>
+  <dgm:styleLbl name="fgAcc3">
+    <dgm:fillClrLst meth="repeat">
+      <a:schemeClr val="lt1">
+        <a:alpha val="90000"/>
+      </a:schemeClr>
+    </dgm:fillClrLst>
+    <dgm:linClrLst meth="repeat">
+      <a:schemeClr val="accent1"/>
+    </dgm:linClrLst>
+    <dgm:effectClrLst/>
+    <dgm:txLinClrLst/>
+    <dgm:txFillClrLst meth="repeat">
+      <a:schemeClr val="dk1"/>
+    </dgm:txFillClrLst>
+    <dgm:txEffectClrLst/>
+  </dgm:styleLbl>
+  <dgm:styleLbl name="fgAcc4">
+    <dgm:fillClrLst meth="repeat">
+      <a:schemeClr val="lt1">
+        <a:alpha val="90000"/>
+      </a:schemeClr>
+    </dgm:fillClrLst>
+    <dgm:linClrLst meth="repeat">
+      <a:schemeClr val="accent1"/>
+    </dgm:linClrLst>
+    <dgm:effectClrLst/>
+    <dgm:txLinClrLst/>
+    <dgm:txFillClrLst meth="repeat">
+      <a:schemeClr val="dk1"/>
+    </dgm:txFillClrLst>
+    <dgm:txEffectClrLst/>
+  </dgm:styleLbl>
+  <dgm:styleLbl name="bgShp">
+    <dgm:fillClrLst meth="repeat">
+      <a:schemeClr val="accent1">
+        <a:tint val="40000"/>
+      </a:schemeClr>
+    </dgm:fillClrLst>
+    <dgm:linClrLst meth="repeat">
+      <a:schemeClr val="accent1"/>
+    </dgm:linClrLst>
+    <dgm:effectClrLst/>
+    <dgm:txLinClrLst/>
+    <dgm:txFillClrLst meth="repeat">
+      <a:schemeClr val="dk1"/>
+    </dgm:txFillClrLst>
+    <dgm:txEffectClrLst/>
+  </dgm:styleLbl>
+  <dgm:styleLbl name="dkBgShp">
+    <dgm:fillClrLst meth="repeat">
+      <a:schemeClr val="accent1">
+        <a:shade val="80000"/>
+      </a:schemeClr>
+    </dgm:fillClrLst>
+    <dgm:linClrLst meth="repeat">
+      <a:schemeClr val="accent1"/>
+    </dgm:linClrLst>
+    <dgm:effectClrLst/>
+    <dgm:txLinClrLst/>
+    <dgm:txFillClrLst meth="repeat">
+      <a:schemeClr val="lt1"/>
+    </dgm:txFillClrLst>
+    <dgm:txEffectClrLst/>
+  </dgm:styleLbl>
+  <dgm:styleLbl name="trBgShp">
+    <dgm:fillClrLst meth="repeat">
+      <a:schemeClr val="accent1">
+        <a:tint val="50000"/>
+        <a:alpha val="40000"/>
+      </a:schemeClr>
+    </dgm:fillClrLst>
+    <dgm:linClrLst meth="repeat">
+      <a:schemeClr val="accent1"/>
+    </dgm:linClrLst>
+    <dgm:effectClrLst/>
+    <dgm:txLinClrLst/>
+    <dgm:txFillClrLst meth="repeat">
+      <a:schemeClr val="lt1"/>
+    </dgm:txFillClrLst>
+    <dgm:txEffectClrLst/>
+  </dgm:styleLbl>
+  <dgm:styleLbl name="fgShp">
+    <dgm:fillClrLst meth="repeat">
+      <a:schemeClr val="accent1">
+        <a:tint val="60000"/>
+      </a:schemeClr>
+    </dgm:fillClrLst>
+    <dgm:linClrLst meth="repeat">
+      <a:schemeClr val="lt1"/>
+    </dgm:linClrLst>
+    <dgm:effectClrLst/>
+    <dgm:txLinClrLst/>
+    <dgm:txFillClrLst meth="repeat">
+      <a:schemeClr val="dk1"/>
+    </dgm:txFillClrLst>
+    <dgm:txEffectClrLst/>
+  </dgm:styleLbl>
+  <dgm:styleLbl name="revTx">
+    <dgm:fillClrLst meth="repeat">
+      <a:schemeClr val="lt1">
+        <a:alpha val="0"/>
+      </a:schemeClr>
+    </dgm:fillClrLst>
+    <dgm:linClrLst meth="repeat">
+      <a:schemeClr val="dk1">
+        <a:alpha val="0"/>
+      </a:schemeClr>
+    </dgm:linClrLst>
+    <dgm:effectClrLst/>
+    <dgm:txLinClrLst/>
+    <dgm:txFillClrLst meth="repeat">
+      <a:schemeClr val="tx1"/>
+    </dgm:txFillClrLst>
+    <dgm:txEffectClrLst/>
+  </dgm:styleLbl>
+</dgm:colorsDef>
+</file>
+
+<file path=ppt/diagrams/colors4.xml><?xml version="1.0" encoding="utf-8"?>
 <dgm:colorsDef xmlns:dgm="http://schemas.openxmlformats.org/drawingml/2006/diagram" xmlns:a="http://schemas.openxmlformats.org/drawingml/2006/main" uniqueId="urn:microsoft.com/office/officeart/2005/8/colors/colorful2">
   <dgm:title val=""/>
   <dgm:desc val=""/>
@@ -3377,7 +4323,7 @@
 </dgm:colorsDef>
 </file>
 
-<file path=ppt/diagrams/colors4.xml><?xml version="1.0" encoding="utf-8"?>
+<file path=ppt/diagrams/colors5.xml><?xml version="1.0" encoding="utf-8"?>
 <dgm:colorsDef xmlns:dgm="http://schemas.openxmlformats.org/drawingml/2006/diagram" xmlns:a="http://schemas.openxmlformats.org/drawingml/2006/main" uniqueId="urn:microsoft.com/office/officeart/2005/8/colors/colorful2">
   <dgm:title val=""/>
   <dgm:desc val=""/>
@@ -4162,6 +5108,230 @@
 <file path=ppt/diagrams/data1.xml><?xml version="1.0" encoding="utf-8"?>
 <dgm:dataModel xmlns:dgm="http://schemas.openxmlformats.org/drawingml/2006/diagram" xmlns:a="http://schemas.openxmlformats.org/drawingml/2006/main">
   <dgm:ptLst>
+    <dgm:pt modelId="{BED20E75-DB05-44A3-BC01-F382088C9089}" type="doc">
+      <dgm:prSet loTypeId="urn:microsoft.com/office/officeart/2005/8/layout/vList3" loCatId="list" qsTypeId="urn:microsoft.com/office/officeart/2005/8/quickstyle/simple1" qsCatId="simple" csTypeId="urn:microsoft.com/office/officeart/2005/8/colors/colorful1" csCatId="colorful"/>
+      <dgm:spPr/>
+      <dgm:t>
+        <a:bodyPr/>
+        <a:lstStyle/>
+        <a:p>
+          <a:endParaRPr lang="en-US"/>
+        </a:p>
+      </dgm:t>
+    </dgm:pt>
+    <dgm:pt modelId="{AF895CA6-48C3-42EF-9ABE-60524650B8C8}">
+      <dgm:prSet/>
+      <dgm:spPr/>
+      <dgm:t>
+        <a:bodyPr/>
+        <a:lstStyle/>
+        <a:p>
+          <a:pPr rtl="0"/>
+          <a:r>
+            <a:rPr lang="fr-FR"/>
+            <a:t>Pile logicielle</a:t>
+          </a:r>
+          <a:endParaRPr lang="en-US"/>
+        </a:p>
+      </dgm:t>
+    </dgm:pt>
+    <dgm:pt modelId="{EA0FDE2B-F352-4D16-B808-9012253B6AD9}" type="parTrans" cxnId="{7B1F795F-06EB-4B92-8C2A-21291EA159B1}">
+      <dgm:prSet/>
+      <dgm:spPr/>
+      <dgm:t>
+        <a:bodyPr/>
+        <a:lstStyle/>
+        <a:p>
+          <a:endParaRPr lang="en-US"/>
+        </a:p>
+      </dgm:t>
+    </dgm:pt>
+    <dgm:pt modelId="{B8FB4E6C-3DA2-47E8-B277-4B04973A62B7}" type="sibTrans" cxnId="{7B1F795F-06EB-4B92-8C2A-21291EA159B1}">
+      <dgm:prSet/>
+      <dgm:spPr/>
+      <dgm:t>
+        <a:bodyPr/>
+        <a:lstStyle/>
+        <a:p>
+          <a:endParaRPr lang="en-US"/>
+        </a:p>
+      </dgm:t>
+    </dgm:pt>
+    <dgm:pt modelId="{89045BC4-9CD8-4966-AD82-1945CB683BB6}">
+      <dgm:prSet/>
+      <dgm:spPr/>
+      <dgm:t>
+        <a:bodyPr/>
+        <a:lstStyle/>
+        <a:p>
+          <a:pPr rtl="0"/>
+          <a:r>
+            <a:rPr lang="fr-FR"/>
+            <a:t>Android et Java</a:t>
+          </a:r>
+          <a:endParaRPr lang="en-US"/>
+        </a:p>
+      </dgm:t>
+    </dgm:pt>
+    <dgm:pt modelId="{96428B42-D879-4D28-BCCA-946DD33472F9}" type="parTrans" cxnId="{EF13F98C-F74E-4A1C-98D3-2B87D4156623}">
+      <dgm:prSet/>
+      <dgm:spPr/>
+      <dgm:t>
+        <a:bodyPr/>
+        <a:lstStyle/>
+        <a:p>
+          <a:endParaRPr lang="en-US"/>
+        </a:p>
+      </dgm:t>
+    </dgm:pt>
+    <dgm:pt modelId="{C2DC6117-5697-46C4-9044-7912B3BA0507}" type="sibTrans" cxnId="{EF13F98C-F74E-4A1C-98D3-2B87D4156623}">
+      <dgm:prSet/>
+      <dgm:spPr/>
+      <dgm:t>
+        <a:bodyPr/>
+        <a:lstStyle/>
+        <a:p>
+          <a:endParaRPr lang="en-US"/>
+        </a:p>
+      </dgm:t>
+    </dgm:pt>
+    <dgm:pt modelId="{D03FB548-A18A-49C9-BECF-F63DA56C8DB4}">
+      <dgm:prSet/>
+      <dgm:spPr/>
+      <dgm:t>
+        <a:bodyPr/>
+        <a:lstStyle/>
+        <a:p>
+          <a:pPr rtl="0"/>
+          <a:r>
+            <a:rPr lang="fr-FR"/>
+            <a:t>Application Android</a:t>
+          </a:r>
+          <a:endParaRPr lang="en-US"/>
+        </a:p>
+      </dgm:t>
+    </dgm:pt>
+    <dgm:pt modelId="{693512E0-8463-456D-81A8-EBB8ECE0CC6E}" type="parTrans" cxnId="{FCF5A0E7-0B98-4801-B8F4-0374B4A98D8B}">
+      <dgm:prSet/>
+      <dgm:spPr/>
+      <dgm:t>
+        <a:bodyPr/>
+        <a:lstStyle/>
+        <a:p>
+          <a:endParaRPr lang="en-US"/>
+        </a:p>
+      </dgm:t>
+    </dgm:pt>
+    <dgm:pt modelId="{D80071A0-644E-42EA-AC12-B9F8221DD7BB}" type="sibTrans" cxnId="{FCF5A0E7-0B98-4801-B8F4-0374B4A98D8B}">
+      <dgm:prSet/>
+      <dgm:spPr/>
+      <dgm:t>
+        <a:bodyPr/>
+        <a:lstStyle/>
+        <a:p>
+          <a:endParaRPr lang="en-US"/>
+        </a:p>
+      </dgm:t>
+    </dgm:pt>
+    <dgm:pt modelId="{3003A9D8-87B6-495B-9142-E0C08F7E848B}" type="pres">
+      <dgm:prSet presAssocID="{BED20E75-DB05-44A3-BC01-F382088C9089}" presName="linearFlow" presStyleCnt="0">
+        <dgm:presLayoutVars>
+          <dgm:dir/>
+          <dgm:resizeHandles val="exact"/>
+        </dgm:presLayoutVars>
+      </dgm:prSet>
+      <dgm:spPr/>
+    </dgm:pt>
+    <dgm:pt modelId="{DCCEF952-673E-458E-9FF0-27E20E061C41}" type="pres">
+      <dgm:prSet presAssocID="{AF895CA6-48C3-42EF-9ABE-60524650B8C8}" presName="composite" presStyleCnt="0"/>
+      <dgm:spPr/>
+    </dgm:pt>
+    <dgm:pt modelId="{E7D59945-3994-40FE-B76A-07CBB227F618}" type="pres">
+      <dgm:prSet presAssocID="{AF895CA6-48C3-42EF-9ABE-60524650B8C8}" presName="imgShp" presStyleLbl="fgImgPlace1" presStyleIdx="0" presStyleCnt="3"/>
+      <dgm:spPr/>
+    </dgm:pt>
+    <dgm:pt modelId="{3B2BF4FD-C391-45DA-8EEC-50B3D5A7D33A}" type="pres">
+      <dgm:prSet presAssocID="{AF895CA6-48C3-42EF-9ABE-60524650B8C8}" presName="txShp" presStyleLbl="node1" presStyleIdx="0" presStyleCnt="3">
+        <dgm:presLayoutVars>
+          <dgm:bulletEnabled val="1"/>
+        </dgm:presLayoutVars>
+      </dgm:prSet>
+      <dgm:spPr/>
+    </dgm:pt>
+    <dgm:pt modelId="{E05E0A43-DDD3-41B5-A074-3C466B2BE50D}" type="pres">
+      <dgm:prSet presAssocID="{B8FB4E6C-3DA2-47E8-B277-4B04973A62B7}" presName="spacing" presStyleCnt="0"/>
+      <dgm:spPr/>
+    </dgm:pt>
+    <dgm:pt modelId="{0BD85D2C-EA19-4B25-86C9-5FD74EB245C9}" type="pres">
+      <dgm:prSet presAssocID="{89045BC4-9CD8-4966-AD82-1945CB683BB6}" presName="composite" presStyleCnt="0"/>
+      <dgm:spPr/>
+    </dgm:pt>
+    <dgm:pt modelId="{F56982A3-92F7-4949-B7DF-633EDAF18C81}" type="pres">
+      <dgm:prSet presAssocID="{89045BC4-9CD8-4966-AD82-1945CB683BB6}" presName="imgShp" presStyleLbl="fgImgPlace1" presStyleIdx="1" presStyleCnt="3"/>
+      <dgm:spPr/>
+    </dgm:pt>
+    <dgm:pt modelId="{A81435B0-AE1C-4F25-A77B-12766F8CD31A}" type="pres">
+      <dgm:prSet presAssocID="{89045BC4-9CD8-4966-AD82-1945CB683BB6}" presName="txShp" presStyleLbl="node1" presStyleIdx="1" presStyleCnt="3">
+        <dgm:presLayoutVars>
+          <dgm:bulletEnabled val="1"/>
+        </dgm:presLayoutVars>
+      </dgm:prSet>
+      <dgm:spPr/>
+    </dgm:pt>
+    <dgm:pt modelId="{A10BE980-3B4B-46B2-9DB1-EE46F518398A}" type="pres">
+      <dgm:prSet presAssocID="{C2DC6117-5697-46C4-9044-7912B3BA0507}" presName="spacing" presStyleCnt="0"/>
+      <dgm:spPr/>
+    </dgm:pt>
+    <dgm:pt modelId="{2368AE9A-CF75-438D-945D-EF0278EFC5CD}" type="pres">
+      <dgm:prSet presAssocID="{D03FB548-A18A-49C9-BECF-F63DA56C8DB4}" presName="composite" presStyleCnt="0"/>
+      <dgm:spPr/>
+    </dgm:pt>
+    <dgm:pt modelId="{A7862A87-9EA8-4E2E-BB86-39F60F8EEA5F}" type="pres">
+      <dgm:prSet presAssocID="{D03FB548-A18A-49C9-BECF-F63DA56C8DB4}" presName="imgShp" presStyleLbl="fgImgPlace1" presStyleIdx="2" presStyleCnt="3"/>
+      <dgm:spPr/>
+    </dgm:pt>
+    <dgm:pt modelId="{BA045687-1389-48F5-B145-7E2B66C12323}" type="pres">
+      <dgm:prSet presAssocID="{D03FB548-A18A-49C9-BECF-F63DA56C8DB4}" presName="txShp" presStyleLbl="node1" presStyleIdx="2" presStyleCnt="3">
+        <dgm:presLayoutVars>
+          <dgm:bulletEnabled val="1"/>
+        </dgm:presLayoutVars>
+      </dgm:prSet>
+      <dgm:spPr/>
+    </dgm:pt>
+  </dgm:ptLst>
+  <dgm:cxnLst>
+    <dgm:cxn modelId="{EF13F98C-F74E-4A1C-98D3-2B87D4156623}" srcId="{BED20E75-DB05-44A3-BC01-F382088C9089}" destId="{89045BC4-9CD8-4966-AD82-1945CB683BB6}" srcOrd="1" destOrd="0" parTransId="{96428B42-D879-4D28-BCCA-946DD33472F9}" sibTransId="{C2DC6117-5697-46C4-9044-7912B3BA0507}"/>
+    <dgm:cxn modelId="{B9372BDD-43AB-4D81-B7F3-45E05A5836A9}" type="presOf" srcId="{BED20E75-DB05-44A3-BC01-F382088C9089}" destId="{3003A9D8-87B6-495B-9142-E0C08F7E848B}" srcOrd="0" destOrd="0" presId="urn:microsoft.com/office/officeart/2005/8/layout/vList3"/>
+    <dgm:cxn modelId="{243E44FC-1E03-4E30-8B54-A3D7CFDE75CE}" type="presOf" srcId="{AF895CA6-48C3-42EF-9ABE-60524650B8C8}" destId="{3B2BF4FD-C391-45DA-8EEC-50B3D5A7D33A}" srcOrd="0" destOrd="0" presId="urn:microsoft.com/office/officeart/2005/8/layout/vList3"/>
+    <dgm:cxn modelId="{31AEF055-A906-4259-B92A-EBC8F0FBEE95}" type="presOf" srcId="{89045BC4-9CD8-4966-AD82-1945CB683BB6}" destId="{A81435B0-AE1C-4F25-A77B-12766F8CD31A}" srcOrd="0" destOrd="0" presId="urn:microsoft.com/office/officeart/2005/8/layout/vList3"/>
+    <dgm:cxn modelId="{FCF5A0E7-0B98-4801-B8F4-0374B4A98D8B}" srcId="{BED20E75-DB05-44A3-BC01-F382088C9089}" destId="{D03FB548-A18A-49C9-BECF-F63DA56C8DB4}" srcOrd="2" destOrd="0" parTransId="{693512E0-8463-456D-81A8-EBB8ECE0CC6E}" sibTransId="{D80071A0-644E-42EA-AC12-B9F8221DD7BB}"/>
+    <dgm:cxn modelId="{1A3F1B35-582B-4541-8C1A-6C21F6CEF8D9}" type="presOf" srcId="{D03FB548-A18A-49C9-BECF-F63DA56C8DB4}" destId="{BA045687-1389-48F5-B145-7E2B66C12323}" srcOrd="0" destOrd="0" presId="urn:microsoft.com/office/officeart/2005/8/layout/vList3"/>
+    <dgm:cxn modelId="{7B1F795F-06EB-4B92-8C2A-21291EA159B1}" srcId="{BED20E75-DB05-44A3-BC01-F382088C9089}" destId="{AF895CA6-48C3-42EF-9ABE-60524650B8C8}" srcOrd="0" destOrd="0" parTransId="{EA0FDE2B-F352-4D16-B808-9012253B6AD9}" sibTransId="{B8FB4E6C-3DA2-47E8-B277-4B04973A62B7}"/>
+    <dgm:cxn modelId="{6E668E4E-4194-4B71-8EBA-4599602B25BC}" type="presParOf" srcId="{3003A9D8-87B6-495B-9142-E0C08F7E848B}" destId="{DCCEF952-673E-458E-9FF0-27E20E061C41}" srcOrd="0" destOrd="0" presId="urn:microsoft.com/office/officeart/2005/8/layout/vList3"/>
+    <dgm:cxn modelId="{B0D0B7C4-03C4-4238-BCCF-F9283F1B0E81}" type="presParOf" srcId="{DCCEF952-673E-458E-9FF0-27E20E061C41}" destId="{E7D59945-3994-40FE-B76A-07CBB227F618}" srcOrd="0" destOrd="0" presId="urn:microsoft.com/office/officeart/2005/8/layout/vList3"/>
+    <dgm:cxn modelId="{60FBF1D1-8FE8-4E53-8EA1-9159F053EDF8}" type="presParOf" srcId="{DCCEF952-673E-458E-9FF0-27E20E061C41}" destId="{3B2BF4FD-C391-45DA-8EEC-50B3D5A7D33A}" srcOrd="1" destOrd="0" presId="urn:microsoft.com/office/officeart/2005/8/layout/vList3"/>
+    <dgm:cxn modelId="{95517672-3B0B-4657-988C-5F4FCED7F560}" type="presParOf" srcId="{3003A9D8-87B6-495B-9142-E0C08F7E848B}" destId="{E05E0A43-DDD3-41B5-A074-3C466B2BE50D}" srcOrd="1" destOrd="0" presId="urn:microsoft.com/office/officeart/2005/8/layout/vList3"/>
+    <dgm:cxn modelId="{341E80ED-EB91-4CD7-90BB-EEC6CC1BCCE2}" type="presParOf" srcId="{3003A9D8-87B6-495B-9142-E0C08F7E848B}" destId="{0BD85D2C-EA19-4B25-86C9-5FD74EB245C9}" srcOrd="2" destOrd="0" presId="urn:microsoft.com/office/officeart/2005/8/layout/vList3"/>
+    <dgm:cxn modelId="{15017AB7-4605-4203-8AB3-FA265EE4BAAA}" type="presParOf" srcId="{0BD85D2C-EA19-4B25-86C9-5FD74EB245C9}" destId="{F56982A3-92F7-4949-B7DF-633EDAF18C81}" srcOrd="0" destOrd="0" presId="urn:microsoft.com/office/officeart/2005/8/layout/vList3"/>
+    <dgm:cxn modelId="{39FA9BFC-7CCB-4EDF-B3B6-A43AD4F9D64C}" type="presParOf" srcId="{0BD85D2C-EA19-4B25-86C9-5FD74EB245C9}" destId="{A81435B0-AE1C-4F25-A77B-12766F8CD31A}" srcOrd="1" destOrd="0" presId="urn:microsoft.com/office/officeart/2005/8/layout/vList3"/>
+    <dgm:cxn modelId="{B008C55F-32F8-4B98-A206-CEE62078DEC5}" type="presParOf" srcId="{3003A9D8-87B6-495B-9142-E0C08F7E848B}" destId="{A10BE980-3B4B-46B2-9DB1-EE46F518398A}" srcOrd="3" destOrd="0" presId="urn:microsoft.com/office/officeart/2005/8/layout/vList3"/>
+    <dgm:cxn modelId="{7096C7D6-8A2C-4326-8B44-E0C4A48A2F44}" type="presParOf" srcId="{3003A9D8-87B6-495B-9142-E0C08F7E848B}" destId="{2368AE9A-CF75-438D-945D-EF0278EFC5CD}" srcOrd="4" destOrd="0" presId="urn:microsoft.com/office/officeart/2005/8/layout/vList3"/>
+    <dgm:cxn modelId="{26CB4A3B-950C-44CE-8E82-2BE6997401CB}" type="presParOf" srcId="{2368AE9A-CF75-438D-945D-EF0278EFC5CD}" destId="{A7862A87-9EA8-4E2E-BB86-39F60F8EEA5F}" srcOrd="0" destOrd="0" presId="urn:microsoft.com/office/officeart/2005/8/layout/vList3"/>
+    <dgm:cxn modelId="{BEABE955-A06C-4688-ADE4-CBCCB41F9A31}" type="presParOf" srcId="{2368AE9A-CF75-438D-945D-EF0278EFC5CD}" destId="{BA045687-1389-48F5-B145-7E2B66C12323}" srcOrd="1" destOrd="0" presId="urn:microsoft.com/office/officeart/2005/8/layout/vList3"/>
+  </dgm:cxnLst>
+  <dgm:bg/>
+  <dgm:whole/>
+  <dgm:extLst>
+    <a:ext uri="http://schemas.microsoft.com/office/drawing/2008/diagram">
+      <dsp:dataModelExt xmlns:dsp="http://schemas.microsoft.com/office/drawing/2008/diagram" relId="rId6" minVer="http://schemas.openxmlformats.org/drawingml/2006/diagram"/>
+    </a:ext>
+  </dgm:extLst>
+</dgm:dataModel>
+</file>
+
+<file path=ppt/diagrams/data2.xml><?xml version="1.0" encoding="utf-8"?>
+<dgm:dataModel xmlns:dgm="http://schemas.openxmlformats.org/drawingml/2006/diagram" xmlns:a="http://schemas.openxmlformats.org/drawingml/2006/main">
+  <dgm:ptLst>
     <dgm:pt modelId="{FE657698-FE88-4070-86AE-98811D8B98BE}" type="doc">
       <dgm:prSet loTypeId="urn:microsoft.com/office/officeart/2005/8/layout/vList5" loCatId="list" qsTypeId="urn:microsoft.com/office/officeart/2005/8/quickstyle/simple1" qsCatId="simple" csTypeId="urn:microsoft.com/office/officeart/2005/8/colors/accent1_2" csCatId="accent1" phldr="1"/>
       <dgm:spPr/>
@@ -4181,10 +5351,9 @@
         <a:lstStyle/>
         <a:p>
           <a:r>
-            <a:rPr lang="fr-FR" noProof="0" dirty="0" smtClean="0"/>
+            <a:rPr lang="fr-FR" noProof="0" dirty="0"/>
             <a:t>Application Framework</a:t>
           </a:r>
-          <a:endParaRPr lang="fr-FR" noProof="0" dirty="0"/>
         </a:p>
       </dgm:t>
     </dgm:pt>
@@ -4218,10 +5387,9 @@
         <a:lstStyle/>
         <a:p>
           <a:r>
-            <a:rPr lang="fr-FR" noProof="0" dirty="0" smtClean="0"/>
+            <a:rPr lang="fr-FR" noProof="0" dirty="0"/>
             <a:t>Gestion des activités – Gestion des fenêtres</a:t>
           </a:r>
-          <a:endParaRPr lang="fr-FR" noProof="0" dirty="0"/>
         </a:p>
       </dgm:t>
     </dgm:pt>
@@ -4255,10 +5423,9 @@
         <a:lstStyle/>
         <a:p>
           <a:r>
-            <a:rPr lang="fr-FR" noProof="0" dirty="0" smtClean="0"/>
+            <a:rPr lang="fr-FR" noProof="0" dirty="0"/>
             <a:t>Gestion des technologie/ Téléphonie / Location / Ressources / Notifications  …</a:t>
           </a:r>
-          <a:endParaRPr lang="fr-FR" noProof="0" dirty="0"/>
         </a:p>
       </dgm:t>
     </dgm:pt>
@@ -4292,10 +5459,9 @@
         <a:lstStyle/>
         <a:p>
           <a:r>
-            <a:rPr lang="fr-FR" noProof="0" dirty="0" smtClean="0"/>
+            <a:rPr lang="fr-FR" noProof="0" dirty="0"/>
             <a:t>Librairies</a:t>
           </a:r>
-          <a:endParaRPr lang="fr-FR" noProof="0" dirty="0"/>
         </a:p>
       </dgm:t>
     </dgm:pt>
@@ -4329,18 +5495,17 @@
         <a:lstStyle/>
         <a:p>
           <a:r>
-            <a:rPr lang="fr-FR" noProof="0" dirty="0" smtClean="0"/>
+            <a:rPr lang="fr-FR" noProof="0" dirty="0"/>
             <a:t>SSL - </a:t>
           </a:r>
           <a:r>
-            <a:rPr lang="fr-FR" noProof="0" dirty="0" err="1" smtClean="0"/>
+            <a:rPr lang="fr-FR" noProof="0" dirty="0" err="1"/>
             <a:t>SQLite</a:t>
           </a:r>
           <a:r>
-            <a:rPr lang="fr-FR" noProof="0" dirty="0" smtClean="0"/>
+            <a:rPr lang="fr-FR" noProof="0" dirty="0"/>
             <a:t> - OpenGL</a:t>
           </a:r>
-          <a:endParaRPr lang="fr-FR" noProof="0" dirty="0"/>
         </a:p>
       </dgm:t>
     </dgm:pt>
@@ -4374,14 +5539,13 @@
         <a:lstStyle/>
         <a:p>
           <a:r>
-            <a:rPr lang="fr-FR" noProof="0" dirty="0" err="1" smtClean="0"/>
+            <a:rPr lang="fr-FR" noProof="0" dirty="0" err="1"/>
             <a:t>WebKit</a:t>
           </a:r>
           <a:r>
-            <a:rPr lang="fr-FR" noProof="0" dirty="0" smtClean="0"/>
+            <a:rPr lang="fr-FR" noProof="0" dirty="0"/>
             <a:t> – SGL – Media Framework</a:t>
           </a:r>
-          <a:endParaRPr lang="fr-FR" noProof="0" dirty="0"/>
         </a:p>
       </dgm:t>
     </dgm:pt>
@@ -4415,10 +5579,9 @@
         <a:lstStyle/>
         <a:p>
           <a:r>
-            <a:rPr lang="fr-FR" noProof="0" dirty="0" smtClean="0"/>
+            <a:rPr lang="fr-FR" noProof="0" dirty="0"/>
             <a:t>Noyau Linux</a:t>
           </a:r>
-          <a:endParaRPr lang="fr-FR" noProof="0" dirty="0"/>
         </a:p>
       </dgm:t>
     </dgm:pt>
@@ -4452,18 +5615,17 @@
         <a:lstStyle/>
         <a:p>
           <a:r>
-            <a:rPr lang="fr-FR" noProof="0" dirty="0" smtClean="0"/>
+            <a:rPr lang="fr-FR" noProof="0" dirty="0"/>
             <a:t>Pilote</a:t>
           </a:r>
           <a:r>
-            <a:rPr lang="en-US" noProof="0" dirty="0" smtClean="0"/>
+            <a:rPr lang="en-US" noProof="0" dirty="0"/>
             <a:t> audio - </a:t>
           </a:r>
           <a:r>
-            <a:rPr lang="fr-FR" noProof="0" dirty="0" smtClean="0"/>
+            <a:rPr lang="fr-FR" noProof="0" dirty="0"/>
             <a:t>Pilote camera - Pilote Wifi …</a:t>
           </a:r>
-          <a:endParaRPr lang="fr-FR" noProof="0" dirty="0"/>
         </a:p>
       </dgm:t>
     </dgm:pt>
@@ -4497,10 +5659,9 @@
         <a:lstStyle/>
         <a:p>
           <a:r>
-            <a:rPr lang="fr-FR" noProof="0" dirty="0" smtClean="0"/>
+            <a:rPr lang="fr-FR" noProof="0" dirty="0"/>
             <a:t>Applications</a:t>
           </a:r>
-          <a:endParaRPr lang="fr-FR" noProof="0" dirty="0"/>
         </a:p>
       </dgm:t>
     </dgm:pt>
@@ -4534,10 +5695,9 @@
         <a:lstStyle/>
         <a:p>
           <a:r>
-            <a:rPr lang="fr-FR" noProof="0" dirty="0" smtClean="0"/>
+            <a:rPr lang="fr-FR" noProof="0" dirty="0"/>
             <a:t>Home / Contact / Phone / Browser …</a:t>
           </a:r>
-          <a:endParaRPr lang="fr-FR" noProof="0" dirty="0"/>
         </a:p>
       </dgm:t>
     </dgm:pt>
@@ -4571,10 +5731,9 @@
         <a:lstStyle/>
         <a:p>
           <a:r>
-            <a:rPr lang="fr-FR" noProof="0" dirty="0" smtClean="0"/>
+            <a:rPr lang="fr-FR" noProof="0" dirty="0"/>
             <a:t>Pilote d’affichage – Pilote du tactile …</a:t>
           </a:r>
-          <a:endParaRPr lang="fr-FR" noProof="0" dirty="0"/>
         </a:p>
       </dgm:t>
     </dgm:pt>
@@ -4609,10 +5768,9 @@
         <a:p>
           <a:pPr rtl="0"/>
           <a:r>
-            <a:rPr lang="fr-FR" dirty="0" smtClean="0"/>
+            <a:rPr lang="fr-FR" dirty="0"/>
             <a:t>Gestion de l'alimentation</a:t>
           </a:r>
-          <a:endParaRPr lang="fr-FR" dirty="0"/>
         </a:p>
       </dgm:t>
     </dgm:pt>
@@ -4646,7 +5804,7 @@
         <a:lstStyle/>
         <a:p>
           <a:r>
-            <a:rPr lang="fr-FR" noProof="0" dirty="0" smtClean="0">
+            <a:rPr lang="fr-FR" noProof="0" dirty="0">
               <a:solidFill>
                 <a:srgbClr val="FF0000"/>
               </a:solidFill>
@@ -4654,7 +5812,7 @@
             <a:t>Android </a:t>
           </a:r>
           <a:r>
-            <a:rPr lang="fr-FR" noProof="0" dirty="0" err="1" smtClean="0">
+            <a:rPr lang="fr-FR" noProof="0" dirty="0" err="1">
               <a:solidFill>
                 <a:srgbClr val="FF0000"/>
               </a:solidFill>
@@ -4662,23 +5820,23 @@
             <a:t>Runtime</a:t>
           </a:r>
           <a:r>
-            <a:rPr lang="fr-FR" noProof="0" dirty="0" smtClean="0"/>
+            <a:rPr lang="fr-FR" noProof="0" dirty="0"/>
             <a:t>: </a:t>
           </a:r>
           <a:r>
-            <a:rPr lang="en-US" noProof="0" dirty="0" err="1" smtClean="0"/>
+            <a:rPr lang="en-US" noProof="0" dirty="0" err="1"/>
             <a:t>Dalvik</a:t>
           </a:r>
           <a:r>
-            <a:rPr lang="en-US" noProof="0" dirty="0" smtClean="0"/>
+            <a:rPr lang="en-US" noProof="0" dirty="0"/>
             <a:t> - Code </a:t>
           </a:r>
           <a:r>
-            <a:rPr lang="en-US" noProof="0" dirty="0" err="1" smtClean="0"/>
+            <a:rPr lang="en-US" noProof="0" dirty="0" err="1"/>
             <a:t>spécifique</a:t>
           </a:r>
           <a:r>
-            <a:rPr lang="en-US" noProof="0" dirty="0" smtClean="0"/>
+            <a:rPr lang="en-US" noProof="0" dirty="0"/>
             <a:t> Android</a:t>
           </a:r>
           <a:endParaRPr lang="fr-FR" noProof="0" dirty="0"/>
@@ -4715,10 +5873,9 @@
         <a:lstStyle/>
         <a:p>
           <a:r>
-            <a:rPr lang="fr-FR" noProof="0" dirty="0" smtClean="0"/>
+            <a:rPr lang="fr-FR" noProof="0" dirty="0"/>
             <a:t>Votre Applications</a:t>
           </a:r>
-          <a:endParaRPr lang="fr-FR" noProof="0" dirty="0"/>
         </a:p>
       </dgm:t>
     </dgm:pt>
@@ -4753,13 +5910,6 @@
         </dgm:presLayoutVars>
       </dgm:prSet>
       <dgm:spPr/>
-      <dgm:t>
-        <a:bodyPr/>
-        <a:lstStyle/>
-        <a:p>
-          <a:endParaRPr lang="en-US"/>
-        </a:p>
-      </dgm:t>
     </dgm:pt>
     <dgm:pt modelId="{18AB99B8-D386-4F5A-B1CC-611DAAD4341E}" type="pres">
       <dgm:prSet presAssocID="{CB252C2C-5761-4695-A82B-367250A74513}" presName="linNode" presStyleCnt="0"/>
@@ -4773,13 +5923,6 @@
         </dgm:presLayoutVars>
       </dgm:prSet>
       <dgm:spPr/>
-      <dgm:t>
-        <a:bodyPr/>
-        <a:lstStyle/>
-        <a:p>
-          <a:endParaRPr lang="en-US"/>
-        </a:p>
-      </dgm:t>
     </dgm:pt>
     <dgm:pt modelId="{45892DBC-23C5-458D-9963-AAD8D108AB8F}" type="pres">
       <dgm:prSet presAssocID="{CB252C2C-5761-4695-A82B-367250A74513}" presName="descendantText" presStyleLbl="alignAccFollowNode1" presStyleIdx="0" presStyleCnt="4">
@@ -4788,13 +5931,6 @@
         </dgm:presLayoutVars>
       </dgm:prSet>
       <dgm:spPr/>
-      <dgm:t>
-        <a:bodyPr/>
-        <a:lstStyle/>
-        <a:p>
-          <a:endParaRPr lang="en-US"/>
-        </a:p>
-      </dgm:t>
     </dgm:pt>
     <dgm:pt modelId="{60CBBA37-8EFB-428B-915D-0A615D98F1BD}" type="pres">
       <dgm:prSet presAssocID="{2A33BB62-DB6D-4E44-9968-AE2DF6140D5E}" presName="sp" presStyleCnt="0"/>
@@ -4812,13 +5948,6 @@
         </dgm:presLayoutVars>
       </dgm:prSet>
       <dgm:spPr/>
-      <dgm:t>
-        <a:bodyPr/>
-        <a:lstStyle/>
-        <a:p>
-          <a:endParaRPr lang="en-US"/>
-        </a:p>
-      </dgm:t>
     </dgm:pt>
     <dgm:pt modelId="{B6E5413A-9C0B-4117-B1EF-A46F74315146}" type="pres">
       <dgm:prSet presAssocID="{89C5E63D-F24B-4357-8662-2B09D989998C}" presName="descendantText" presStyleLbl="alignAccFollowNode1" presStyleIdx="1" presStyleCnt="4">
@@ -4827,13 +5956,6 @@
         </dgm:presLayoutVars>
       </dgm:prSet>
       <dgm:spPr/>
-      <dgm:t>
-        <a:bodyPr/>
-        <a:lstStyle/>
-        <a:p>
-          <a:endParaRPr lang="en-US"/>
-        </a:p>
-      </dgm:t>
     </dgm:pt>
     <dgm:pt modelId="{CC77CD17-0BAA-407F-AA97-9F5B34A91D57}" type="pres">
       <dgm:prSet presAssocID="{68B02113-1390-4D04-BD19-B7BD8B95508E}" presName="sp" presStyleCnt="0"/>
@@ -4851,13 +5973,6 @@
         </dgm:presLayoutVars>
       </dgm:prSet>
       <dgm:spPr/>
-      <dgm:t>
-        <a:bodyPr/>
-        <a:lstStyle/>
-        <a:p>
-          <a:endParaRPr lang="en-US"/>
-        </a:p>
-      </dgm:t>
     </dgm:pt>
     <dgm:pt modelId="{5D5393A5-0B83-4997-B094-35A6490653E6}" type="pres">
       <dgm:prSet presAssocID="{997897C6-AEF4-4F3B-BC92-15A7B8A4D776}" presName="descendantText" presStyleLbl="alignAccFollowNode1" presStyleIdx="2" presStyleCnt="4">
@@ -4866,13 +5981,6 @@
         </dgm:presLayoutVars>
       </dgm:prSet>
       <dgm:spPr/>
-      <dgm:t>
-        <a:bodyPr/>
-        <a:lstStyle/>
-        <a:p>
-          <a:endParaRPr lang="en-US"/>
-        </a:p>
-      </dgm:t>
     </dgm:pt>
     <dgm:pt modelId="{3999A060-6D36-44BE-85BC-E205C260C3D5}" type="pres">
       <dgm:prSet presAssocID="{76A5C43D-EB2D-4EB7-8C44-99DAA456A486}" presName="sp" presStyleCnt="0"/>
@@ -4890,13 +5998,6 @@
         </dgm:presLayoutVars>
       </dgm:prSet>
       <dgm:spPr/>
-      <dgm:t>
-        <a:bodyPr/>
-        <a:lstStyle/>
-        <a:p>
-          <a:endParaRPr lang="en-US"/>
-        </a:p>
-      </dgm:t>
     </dgm:pt>
     <dgm:pt modelId="{F9CEEAC5-1FDE-4BC2-94C3-8065F85F24FB}" type="pres">
       <dgm:prSet presAssocID="{16672317-758E-4223-BDCE-AF8645204F39}" presName="descendantText" presStyleLbl="alignAccFollowNode1" presStyleIdx="3" presStyleCnt="4">
@@ -4905,13 +6006,6 @@
         </dgm:presLayoutVars>
       </dgm:prSet>
       <dgm:spPr/>
-      <dgm:t>
-        <a:bodyPr/>
-        <a:lstStyle/>
-        <a:p>
-          <a:endParaRPr lang="en-US"/>
-        </a:p>
-      </dgm:t>
     </dgm:pt>
   </dgm:ptLst>
   <dgm:cxnLst>
@@ -4970,7 +6064,7 @@
 </dgm:dataModel>
 </file>
 
-<file path=ppt/diagrams/data2.xml><?xml version="1.0" encoding="utf-8"?>
+<file path=ppt/diagrams/data3.xml><?xml version="1.0" encoding="utf-8"?>
 <dgm:dataModel xmlns:dgm="http://schemas.openxmlformats.org/drawingml/2006/diagram" xmlns:a="http://schemas.openxmlformats.org/drawingml/2006/main">
   <dgm:ptLst>
     <dgm:pt modelId="{AD2DAA3B-D2D0-4E2C-A8A5-E0AF8379C4CB}" type="doc">
@@ -4992,10 +6086,9 @@
         <a:lstStyle/>
         <a:p>
           <a:r>
-            <a:rPr lang="fr-FR" noProof="0" dirty="0" smtClean="0"/>
+            <a:rPr lang="fr-FR" noProof="0" dirty="0"/>
             <a:t>Développement</a:t>
           </a:r>
-          <a:endParaRPr lang="fr-FR" noProof="0" dirty="0"/>
         </a:p>
       </dgm:t>
     </dgm:pt>
@@ -5029,11 +6122,11 @@
         <a:lstStyle/>
         <a:p>
           <a:r>
-            <a:rPr lang="fr-FR" noProof="0" dirty="0" smtClean="0"/>
+            <a:rPr lang="fr-FR" noProof="0" dirty="0"/>
             <a:t>Code </a:t>
           </a:r>
           <a:r>
-            <a:rPr lang="fr-FR" noProof="0" smtClean="0"/>
+            <a:rPr lang="fr-FR" noProof="0"/>
             <a:t>source Java</a:t>
           </a:r>
           <a:endParaRPr lang="fr-FR" noProof="0" dirty="0"/>
@@ -5070,10 +6163,9 @@
         <a:lstStyle/>
         <a:p>
           <a:r>
-            <a:rPr lang="fr-FR" noProof="0" dirty="0" smtClean="0"/>
+            <a:rPr lang="fr-FR" noProof="0" dirty="0"/>
             <a:t>Compilation</a:t>
           </a:r>
-          <a:endParaRPr lang="fr-FR" noProof="0" dirty="0"/>
         </a:p>
       </dgm:t>
     </dgm:pt>
@@ -5107,14 +6199,13 @@
         <a:lstStyle/>
         <a:p>
           <a:r>
-            <a:rPr lang="fr-FR" noProof="0" dirty="0" err="1" smtClean="0"/>
+            <a:rPr lang="fr-FR" noProof="0" dirty="0" err="1"/>
             <a:t>Bytecode</a:t>
           </a:r>
           <a:r>
-            <a:rPr lang="fr-FR" noProof="0" dirty="0" smtClean="0"/>
+            <a:rPr lang="fr-FR" noProof="0" dirty="0"/>
             <a:t> Java</a:t>
           </a:r>
-          <a:endParaRPr lang="fr-FR" noProof="0" dirty="0"/>
         </a:p>
       </dgm:t>
     </dgm:pt>
@@ -5148,10 +6239,9 @@
         <a:lstStyle/>
         <a:p>
           <a:r>
-            <a:rPr lang="fr-FR" noProof="0" dirty="0" smtClean="0"/>
+            <a:rPr lang="fr-FR" noProof="0" dirty="0"/>
             <a:t>Exécution</a:t>
           </a:r>
-          <a:endParaRPr lang="fr-FR" noProof="0" dirty="0"/>
         </a:p>
       </dgm:t>
     </dgm:pt>
@@ -5185,10 +6275,9 @@
         <a:lstStyle/>
         <a:p>
           <a:r>
-            <a:rPr lang="fr-FR" noProof="0" dirty="0" smtClean="0"/>
+            <a:rPr lang="fr-FR" noProof="0" dirty="0"/>
             <a:t>Binaire</a:t>
           </a:r>
-          <a:endParaRPr lang="fr-FR" noProof="0" dirty="0"/>
         </a:p>
       </dgm:t>
     </dgm:pt>
@@ -5222,10 +6311,9 @@
         <a:lstStyle/>
         <a:p>
           <a:r>
-            <a:rPr lang="fr-FR" noProof="0" dirty="0" smtClean="0"/>
+            <a:rPr lang="fr-FR" noProof="0" dirty="0"/>
             <a:t>.class</a:t>
           </a:r>
-          <a:endParaRPr lang="fr-FR" noProof="0" dirty="0"/>
         </a:p>
       </dgm:t>
     </dgm:pt>
@@ -5259,10 +6347,9 @@
         <a:lstStyle/>
         <a:p>
           <a:r>
-            <a:rPr lang="fr-FR" noProof="0" dirty="0" smtClean="0"/>
+            <a:rPr lang="fr-FR" noProof="0" dirty="0"/>
             <a:t>.jar</a:t>
           </a:r>
-          <a:endParaRPr lang="fr-FR" noProof="0" dirty="0"/>
         </a:p>
       </dgm:t>
     </dgm:pt>
@@ -5296,10 +6383,9 @@
         <a:lstStyle/>
         <a:p>
           <a:r>
-            <a:rPr lang="fr-FR" noProof="0" dirty="0" smtClean="0"/>
+            <a:rPr lang="fr-FR" noProof="0" dirty="0"/>
             <a:t>Application</a:t>
           </a:r>
-          <a:endParaRPr lang="fr-FR" noProof="0" dirty="0"/>
         </a:p>
       </dgm:t>
     </dgm:pt>
@@ -5333,10 +6419,9 @@
         <a:lstStyle/>
         <a:p>
           <a:r>
-            <a:rPr lang="fr-FR" noProof="0" dirty="0" smtClean="0"/>
+            <a:rPr lang="fr-FR" noProof="0" dirty="0"/>
             <a:t>.java</a:t>
           </a:r>
-          <a:endParaRPr lang="fr-FR" noProof="0" dirty="0"/>
         </a:p>
       </dgm:t>
     </dgm:pt>
@@ -5371,13 +6456,6 @@
         </dgm:presLayoutVars>
       </dgm:prSet>
       <dgm:spPr/>
-      <dgm:t>
-        <a:bodyPr/>
-        <a:lstStyle/>
-        <a:p>
-          <a:endParaRPr lang="en-US"/>
-        </a:p>
-      </dgm:t>
     </dgm:pt>
     <dgm:pt modelId="{E24215ED-E5BB-4E15-9D67-A315DCF1FCBD}" type="pres">
       <dgm:prSet presAssocID="{007A08F5-7D5D-4BC6-A96C-8CA1764CC482}" presName="composite" presStyleCnt="0"/>
@@ -5392,24 +6470,10 @@
         </dgm:presLayoutVars>
       </dgm:prSet>
       <dgm:spPr/>
-      <dgm:t>
-        <a:bodyPr/>
-        <a:lstStyle/>
-        <a:p>
-          <a:endParaRPr lang="en-US"/>
-        </a:p>
-      </dgm:t>
     </dgm:pt>
     <dgm:pt modelId="{49A976C0-37E2-4AB1-A0B7-9CAC5B1D3388}" type="pres">
       <dgm:prSet presAssocID="{007A08F5-7D5D-4BC6-A96C-8CA1764CC482}" presName="parSh" presStyleLbl="node1" presStyleIdx="0" presStyleCnt="3"/>
       <dgm:spPr/>
-      <dgm:t>
-        <a:bodyPr/>
-        <a:lstStyle/>
-        <a:p>
-          <a:endParaRPr lang="en-US"/>
-        </a:p>
-      </dgm:t>
     </dgm:pt>
     <dgm:pt modelId="{4046AAED-832E-4761-970F-67A5DF72C9FE}" type="pres">
       <dgm:prSet presAssocID="{007A08F5-7D5D-4BC6-A96C-8CA1764CC482}" presName="desTx" presStyleLbl="fgAcc1" presStyleIdx="0" presStyleCnt="3">
@@ -5418,35 +6482,14 @@
         </dgm:presLayoutVars>
       </dgm:prSet>
       <dgm:spPr/>
-      <dgm:t>
-        <a:bodyPr/>
-        <a:lstStyle/>
-        <a:p>
-          <a:endParaRPr lang="en-US"/>
-        </a:p>
-      </dgm:t>
     </dgm:pt>
     <dgm:pt modelId="{14468B1F-8770-4156-A9EB-6CBFFCFC1858}" type="pres">
       <dgm:prSet presAssocID="{0CFC5D00-D0D0-4460-B1A4-E9A4012ABBC5}" presName="sibTrans" presStyleLbl="sibTrans2D1" presStyleIdx="0" presStyleCnt="2"/>
       <dgm:spPr/>
-      <dgm:t>
-        <a:bodyPr/>
-        <a:lstStyle/>
-        <a:p>
-          <a:endParaRPr lang="en-US"/>
-        </a:p>
-      </dgm:t>
     </dgm:pt>
     <dgm:pt modelId="{6ACFC307-1105-4A3F-8726-E70F27D160F6}" type="pres">
       <dgm:prSet presAssocID="{0CFC5D00-D0D0-4460-B1A4-E9A4012ABBC5}" presName="connTx" presStyleLbl="sibTrans2D1" presStyleIdx="0" presStyleCnt="2"/>
       <dgm:spPr/>
-      <dgm:t>
-        <a:bodyPr/>
-        <a:lstStyle/>
-        <a:p>
-          <a:endParaRPr lang="en-US"/>
-        </a:p>
-      </dgm:t>
     </dgm:pt>
     <dgm:pt modelId="{6D04D15E-B11F-49B5-B7C3-FA4950B8FDA6}" type="pres">
       <dgm:prSet presAssocID="{1BE0D5AE-8CF3-4743-B467-828A6E383530}" presName="composite" presStyleCnt="0"/>
@@ -5461,24 +6504,10 @@
         </dgm:presLayoutVars>
       </dgm:prSet>
       <dgm:spPr/>
-      <dgm:t>
-        <a:bodyPr/>
-        <a:lstStyle/>
-        <a:p>
-          <a:endParaRPr lang="en-US"/>
-        </a:p>
-      </dgm:t>
     </dgm:pt>
     <dgm:pt modelId="{5267FB51-82F9-43FC-BB6D-1B6D1660DC40}" type="pres">
       <dgm:prSet presAssocID="{1BE0D5AE-8CF3-4743-B467-828A6E383530}" presName="parSh" presStyleLbl="node1" presStyleIdx="1" presStyleCnt="3"/>
       <dgm:spPr/>
-      <dgm:t>
-        <a:bodyPr/>
-        <a:lstStyle/>
-        <a:p>
-          <a:endParaRPr lang="en-US"/>
-        </a:p>
-      </dgm:t>
     </dgm:pt>
     <dgm:pt modelId="{9DA9E502-2CA3-4237-8A88-6DB0128687F9}" type="pres">
       <dgm:prSet presAssocID="{1BE0D5AE-8CF3-4743-B467-828A6E383530}" presName="desTx" presStyleLbl="fgAcc1" presStyleIdx="1" presStyleCnt="3">
@@ -5487,35 +6516,14 @@
         </dgm:presLayoutVars>
       </dgm:prSet>
       <dgm:spPr/>
-      <dgm:t>
-        <a:bodyPr/>
-        <a:lstStyle/>
-        <a:p>
-          <a:endParaRPr lang="en-US"/>
-        </a:p>
-      </dgm:t>
     </dgm:pt>
     <dgm:pt modelId="{CB36CFE3-018F-4949-8AA6-7AFE02443A3C}" type="pres">
       <dgm:prSet presAssocID="{03A386FE-4032-4E16-8861-BF233FAEE2D4}" presName="sibTrans" presStyleLbl="sibTrans2D1" presStyleIdx="1" presStyleCnt="2"/>
       <dgm:spPr/>
-      <dgm:t>
-        <a:bodyPr/>
-        <a:lstStyle/>
-        <a:p>
-          <a:endParaRPr lang="en-US"/>
-        </a:p>
-      </dgm:t>
     </dgm:pt>
     <dgm:pt modelId="{1102E8AA-84B0-43D9-9F5A-99973A13109C}" type="pres">
       <dgm:prSet presAssocID="{03A386FE-4032-4E16-8861-BF233FAEE2D4}" presName="connTx" presStyleLbl="sibTrans2D1" presStyleIdx="1" presStyleCnt="2"/>
       <dgm:spPr/>
-      <dgm:t>
-        <a:bodyPr/>
-        <a:lstStyle/>
-        <a:p>
-          <a:endParaRPr lang="en-US"/>
-        </a:p>
-      </dgm:t>
     </dgm:pt>
     <dgm:pt modelId="{AEF91F4B-7D9B-41CC-86F9-9EB3832C93BD}" type="pres">
       <dgm:prSet presAssocID="{179DC6D8-6CC5-4AF0-8170-33C38C5EF392}" presName="composite" presStyleCnt="0"/>
@@ -5530,24 +6538,10 @@
         </dgm:presLayoutVars>
       </dgm:prSet>
       <dgm:spPr/>
-      <dgm:t>
-        <a:bodyPr/>
-        <a:lstStyle/>
-        <a:p>
-          <a:endParaRPr lang="en-US"/>
-        </a:p>
-      </dgm:t>
     </dgm:pt>
     <dgm:pt modelId="{E01D554E-B99A-49FC-A031-46652F1EF411}" type="pres">
       <dgm:prSet presAssocID="{179DC6D8-6CC5-4AF0-8170-33C38C5EF392}" presName="parSh" presStyleLbl="node1" presStyleIdx="2" presStyleCnt="3"/>
       <dgm:spPr/>
-      <dgm:t>
-        <a:bodyPr/>
-        <a:lstStyle/>
-        <a:p>
-          <a:endParaRPr lang="en-US"/>
-        </a:p>
-      </dgm:t>
     </dgm:pt>
     <dgm:pt modelId="{25F85575-7A30-4E5D-970B-AEBD55A72732}" type="pres">
       <dgm:prSet presAssocID="{179DC6D8-6CC5-4AF0-8170-33C38C5EF392}" presName="desTx" presStyleLbl="fgAcc1" presStyleIdx="2" presStyleCnt="3">
@@ -5556,13 +6550,6 @@
         </dgm:presLayoutVars>
       </dgm:prSet>
       <dgm:spPr/>
-      <dgm:t>
-        <a:bodyPr/>
-        <a:lstStyle/>
-        <a:p>
-          <a:endParaRPr lang="en-US"/>
-        </a:p>
-      </dgm:t>
     </dgm:pt>
   </dgm:ptLst>
   <dgm:cxnLst>
@@ -5621,7 +6608,7 @@
 </dgm:dataModel>
 </file>
 
-<file path=ppt/diagrams/data3.xml><?xml version="1.0" encoding="utf-8"?>
+<file path=ppt/diagrams/data4.xml><?xml version="1.0" encoding="utf-8"?>
 <dgm:dataModel xmlns:dgm="http://schemas.openxmlformats.org/drawingml/2006/diagram" xmlns:a="http://schemas.openxmlformats.org/drawingml/2006/main">
   <dgm:ptLst>
     <dgm:pt modelId="{F2C0795F-262F-4FBF-87DD-63A8D5A68E21}" type="doc">
@@ -5643,25 +6630,24 @@
         <a:lstStyle/>
         <a:p>
           <a:r>
-            <a:rPr lang="fr-FR" noProof="0" dirty="0" smtClean="0"/>
+            <a:rPr lang="fr-FR" noProof="0" dirty="0"/>
             <a:t>JDK</a:t>
           </a:r>
           <a:br>
-            <a:rPr lang="fr-FR" noProof="0" dirty="0" smtClean="0"/>
+            <a:rPr lang="fr-FR" noProof="0" dirty="0"/>
           </a:br>
           <a:r>
-            <a:rPr lang="fr-FR" noProof="0" dirty="0" smtClean="0"/>
+            <a:rPr lang="fr-FR" noProof="0" dirty="0"/>
             <a:t>(</a:t>
           </a:r>
           <a:r>
-            <a:rPr lang="en-US" b="1" dirty="0" smtClean="0"/>
+            <a:rPr lang="en-US" b="1" dirty="0"/>
             <a:t>Java Development Kit</a:t>
           </a:r>
           <a:r>
-            <a:rPr lang="fr-FR" noProof="0" dirty="0" smtClean="0"/>
+            <a:rPr lang="fr-FR" noProof="0" dirty="0"/>
             <a:t>)</a:t>
           </a:r>
-          <a:endParaRPr lang="fr-FR" noProof="0" dirty="0"/>
         </a:p>
       </dgm:t>
     </dgm:pt>
@@ -5695,25 +6681,24 @@
         <a:lstStyle/>
         <a:p>
           <a:r>
-            <a:rPr lang="fr-FR" noProof="0" dirty="0" smtClean="0"/>
+            <a:rPr lang="fr-FR" noProof="0" dirty="0"/>
             <a:t>JRE</a:t>
           </a:r>
           <a:br>
-            <a:rPr lang="fr-FR" noProof="0" dirty="0" smtClean="0"/>
+            <a:rPr lang="fr-FR" noProof="0" dirty="0"/>
           </a:br>
           <a:r>
-            <a:rPr lang="fr-FR" noProof="0" dirty="0" smtClean="0"/>
+            <a:rPr lang="fr-FR" noProof="0" dirty="0"/>
             <a:t>(</a:t>
           </a:r>
           <a:r>
-            <a:rPr lang="en-US" noProof="0" dirty="0" smtClean="0"/>
+            <a:rPr lang="en-US" noProof="0" dirty="0"/>
             <a:t>Java Runtime Environment</a:t>
           </a:r>
           <a:r>
-            <a:rPr lang="fr-FR" noProof="0" dirty="0" smtClean="0"/>
+            <a:rPr lang="fr-FR" noProof="0" dirty="0"/>
             <a:t>)</a:t>
           </a:r>
-          <a:endParaRPr lang="fr-FR" noProof="0" dirty="0"/>
         </a:p>
       </dgm:t>
     </dgm:pt>
@@ -5747,10 +6732,9 @@
         <a:lstStyle/>
         <a:p>
           <a:r>
-            <a:rPr lang="fr-FR" noProof="0" dirty="0" smtClean="0"/>
+            <a:rPr lang="fr-FR" noProof="0" dirty="0"/>
             <a:t>Bibliothèques standards</a:t>
           </a:r>
-          <a:endParaRPr lang="fr-FR" noProof="0" dirty="0"/>
         </a:p>
       </dgm:t>
     </dgm:pt>
@@ -5784,17 +6768,16 @@
         <a:lstStyle/>
         <a:p>
           <a:r>
-            <a:rPr lang="fr-FR" noProof="0" dirty="0" smtClean="0"/>
+            <a:rPr lang="fr-FR" noProof="0" dirty="0"/>
             <a:t>JVM</a:t>
           </a:r>
           <a:br>
-            <a:rPr lang="fr-FR" noProof="0" dirty="0" smtClean="0"/>
+            <a:rPr lang="fr-FR" noProof="0" dirty="0"/>
           </a:br>
           <a:r>
-            <a:rPr lang="fr-FR" noProof="0" dirty="0" smtClean="0"/>
+            <a:rPr lang="fr-FR" noProof="0" dirty="0"/>
             <a:t>(Java Virtual Machine)</a:t>
           </a:r>
-          <a:endParaRPr lang="fr-FR" noProof="0" dirty="0"/>
         </a:p>
       </dgm:t>
     </dgm:pt>
@@ -5828,7 +6811,7 @@
         <a:lstStyle/>
         <a:p>
           <a:r>
-            <a:rPr lang="fr-FR" noProof="0" dirty="0" err="1" smtClean="0"/>
+            <a:rPr lang="fr-FR" noProof="0" dirty="0" err="1"/>
             <a:t>javac</a:t>
           </a:r>
           <a:endParaRPr lang="fr-FR" noProof="0" dirty="0"/>
@@ -5868,13 +6851,6 @@
         </dgm:presLayoutVars>
       </dgm:prSet>
       <dgm:spPr/>
-      <dgm:t>
-        <a:bodyPr/>
-        <a:lstStyle/>
-        <a:p>
-          <a:endParaRPr lang="en-US"/>
-        </a:p>
-      </dgm:t>
     </dgm:pt>
     <dgm:pt modelId="{DC2CBA4B-071D-4C23-A1E9-32BBBD60D240}" type="pres">
       <dgm:prSet presAssocID="{8C86EA6D-3F3E-46C1-9E72-6E0E8EEF081B}" presName="vertOne" presStyleCnt="0"/>
@@ -5887,13 +6863,6 @@
         </dgm:presLayoutVars>
       </dgm:prSet>
       <dgm:spPr/>
-      <dgm:t>
-        <a:bodyPr/>
-        <a:lstStyle/>
-        <a:p>
-          <a:endParaRPr lang="en-US"/>
-        </a:p>
-      </dgm:t>
     </dgm:pt>
     <dgm:pt modelId="{4F2D9108-09AC-47CB-B9BA-2B080E7B7974}" type="pres">
       <dgm:prSet presAssocID="{8C86EA6D-3F3E-46C1-9E72-6E0E8EEF081B}" presName="parTransOne" presStyleCnt="0"/>
@@ -5914,13 +6883,6 @@
         </dgm:presLayoutVars>
       </dgm:prSet>
       <dgm:spPr/>
-      <dgm:t>
-        <a:bodyPr/>
-        <a:lstStyle/>
-        <a:p>
-          <a:endParaRPr lang="en-US"/>
-        </a:p>
-      </dgm:t>
     </dgm:pt>
     <dgm:pt modelId="{30363470-ABAD-4043-A762-3EBEFC51908E}" type="pres">
       <dgm:prSet presAssocID="{02AC44B6-2E9F-4B38-BAB9-4C58492FFF0E}" presName="parTransTwo" presStyleCnt="0"/>
@@ -5941,13 +6903,6 @@
         </dgm:presLayoutVars>
       </dgm:prSet>
       <dgm:spPr/>
-      <dgm:t>
-        <a:bodyPr/>
-        <a:lstStyle/>
-        <a:p>
-          <a:endParaRPr lang="en-US"/>
-        </a:p>
-      </dgm:t>
     </dgm:pt>
     <dgm:pt modelId="{4EE17F35-6D45-4DBD-9AA0-F02343D892B2}" type="pres">
       <dgm:prSet presAssocID="{A25A7D83-D9A0-4035-B1C8-22F8BAC3C6DD}" presName="horzThree" presStyleCnt="0"/>
@@ -5968,13 +6923,6 @@
         </dgm:presLayoutVars>
       </dgm:prSet>
       <dgm:spPr/>
-      <dgm:t>
-        <a:bodyPr/>
-        <a:lstStyle/>
-        <a:p>
-          <a:endParaRPr lang="en-US"/>
-        </a:p>
-      </dgm:t>
     </dgm:pt>
     <dgm:pt modelId="{91EE4DF6-C650-4683-9977-63FAF061605E}" type="pres">
       <dgm:prSet presAssocID="{A063A456-FD67-43F0-A946-AB0A7FB7F796}" presName="horzThree" presStyleCnt="0"/>
@@ -5995,13 +6943,6 @@
         </dgm:presLayoutVars>
       </dgm:prSet>
       <dgm:spPr/>
-      <dgm:t>
-        <a:bodyPr/>
-        <a:lstStyle/>
-        <a:p>
-          <a:endParaRPr lang="en-US"/>
-        </a:p>
-      </dgm:t>
     </dgm:pt>
     <dgm:pt modelId="{7ADB9DA7-5389-44D1-ADC4-A7518B444110}" type="pres">
       <dgm:prSet presAssocID="{5F950102-5C52-4AB1-B29C-EFFEEC8C146A}" presName="horzTwo" presStyleCnt="0"/>
@@ -6050,7 +6991,7 @@
 </dgm:dataModel>
 </file>
 
-<file path=ppt/diagrams/data4.xml><?xml version="1.0" encoding="utf-8"?>
+<file path=ppt/diagrams/data5.xml><?xml version="1.0" encoding="utf-8"?>
 <dgm:dataModel xmlns:dgm="http://schemas.openxmlformats.org/drawingml/2006/diagram" xmlns:a="http://schemas.openxmlformats.org/drawingml/2006/main">
   <dgm:ptLst>
     <dgm:pt modelId="{C6F9AC7F-94A8-44D0-8F8A-2924CFE23692}" type="doc">
@@ -6072,10 +7013,9 @@
         <a:lstStyle/>
         <a:p>
           <a:r>
-            <a:rPr lang="en-US" dirty="0" smtClean="0"/>
+            <a:rPr lang="en-US" dirty="0"/>
             <a:t>View</a:t>
           </a:r>
-          <a:endParaRPr lang="en-US" dirty="0"/>
         </a:p>
       </dgm:t>
     </dgm:pt>
@@ -6109,10 +7049,9 @@
         <a:lstStyle/>
         <a:p>
           <a:r>
-            <a:rPr lang="en-US" dirty="0" smtClean="0"/>
+            <a:rPr lang="en-US" dirty="0"/>
             <a:t>View Group</a:t>
           </a:r>
-          <a:endParaRPr lang="en-US" dirty="0"/>
         </a:p>
       </dgm:t>
     </dgm:pt>
@@ -6146,7 +7085,7 @@
         <a:lstStyle/>
         <a:p>
           <a:r>
-            <a:rPr lang="en-US" dirty="0" err="1" smtClean="0"/>
+            <a:rPr lang="en-US" dirty="0" err="1"/>
             <a:t>TextView</a:t>
           </a:r>
           <a:endParaRPr lang="en-US" dirty="0"/>
@@ -6183,7 +7122,7 @@
         <a:lstStyle/>
         <a:p>
           <a:r>
-            <a:rPr lang="en-US" dirty="0" err="1" smtClean="0"/>
+            <a:rPr lang="en-US" dirty="0" err="1"/>
             <a:t>ImageView</a:t>
           </a:r>
           <a:endParaRPr lang="en-US" dirty="0"/>
@@ -6220,7 +7159,7 @@
         <a:lstStyle/>
         <a:p>
           <a:r>
-            <a:rPr lang="en-US" dirty="0" err="1" smtClean="0"/>
+            <a:rPr lang="en-US" dirty="0" err="1"/>
             <a:t>LinearLayout</a:t>
           </a:r>
           <a:endParaRPr lang="en-US" dirty="0"/>
@@ -6257,7 +7196,7 @@
         <a:lstStyle/>
         <a:p>
           <a:r>
-            <a:rPr lang="en-US" dirty="0" err="1" smtClean="0"/>
+            <a:rPr lang="en-US" dirty="0" err="1"/>
             <a:t>RelativeLayout</a:t>
           </a:r>
           <a:endParaRPr lang="en-US" dirty="0"/>
@@ -6294,10 +7233,9 @@
         <a:lstStyle/>
         <a:p>
           <a:r>
-            <a:rPr lang="en-US" dirty="0" smtClean="0"/>
+            <a:rPr lang="en-US" dirty="0"/>
             <a:t>…</a:t>
           </a:r>
-          <a:endParaRPr lang="en-US" dirty="0"/>
         </a:p>
       </dgm:t>
     </dgm:pt>
@@ -6331,10 +7269,9 @@
         <a:lstStyle/>
         <a:p>
           <a:r>
-            <a:rPr lang="en-US" dirty="0" smtClean="0"/>
+            <a:rPr lang="en-US" dirty="0"/>
             <a:t>…</a:t>
           </a:r>
-          <a:endParaRPr lang="en-US" dirty="0"/>
         </a:p>
       </dgm:t>
     </dgm:pt>
@@ -6371,13 +7308,6 @@
         </dgm:presLayoutVars>
       </dgm:prSet>
       <dgm:spPr/>
-      <dgm:t>
-        <a:bodyPr/>
-        <a:lstStyle/>
-        <a:p>
-          <a:endParaRPr lang="en-US"/>
-        </a:p>
-      </dgm:t>
     </dgm:pt>
     <dgm:pt modelId="{EB4477F0-DE9D-43F7-ACCA-80D81B062FAD}" type="pres">
       <dgm:prSet presAssocID="{FD1AD46B-F643-4E11-949C-C609F979FAD1}" presName="root1" presStyleCnt="0"/>
@@ -6390,13 +7320,6 @@
         </dgm:presLayoutVars>
       </dgm:prSet>
       <dgm:spPr/>
-      <dgm:t>
-        <a:bodyPr/>
-        <a:lstStyle/>
-        <a:p>
-          <a:endParaRPr lang="en-US"/>
-        </a:p>
-      </dgm:t>
     </dgm:pt>
     <dgm:pt modelId="{CAC2C14E-E967-4369-B869-400E141C0319}" type="pres">
       <dgm:prSet presAssocID="{FD1AD46B-F643-4E11-949C-C609F979FAD1}" presName="level2hierChild" presStyleCnt="0"/>
@@ -6405,24 +7328,10 @@
     <dgm:pt modelId="{8C4DEBDB-85ED-4AAF-8FBF-934A1C3BAF42}" type="pres">
       <dgm:prSet presAssocID="{2E6743D0-082A-4D42-AEA8-4CD7193CE359}" presName="conn2-1" presStyleLbl="parChTrans1D2" presStyleIdx="0" presStyleCnt="4"/>
       <dgm:spPr/>
-      <dgm:t>
-        <a:bodyPr/>
-        <a:lstStyle/>
-        <a:p>
-          <a:endParaRPr lang="en-US"/>
-        </a:p>
-      </dgm:t>
     </dgm:pt>
     <dgm:pt modelId="{042F7E97-2947-4E00-A3D8-201E01F9AE5A}" type="pres">
       <dgm:prSet presAssocID="{2E6743D0-082A-4D42-AEA8-4CD7193CE359}" presName="connTx" presStyleLbl="parChTrans1D2" presStyleIdx="0" presStyleCnt="4"/>
       <dgm:spPr/>
-      <dgm:t>
-        <a:bodyPr/>
-        <a:lstStyle/>
-        <a:p>
-          <a:endParaRPr lang="en-US"/>
-        </a:p>
-      </dgm:t>
     </dgm:pt>
     <dgm:pt modelId="{8201AC1F-E742-4DB8-BD64-E8A72A64106C}" type="pres">
       <dgm:prSet presAssocID="{F21A850E-0DD9-44E3-A767-8CD974DF2A1E}" presName="root2" presStyleCnt="0"/>
@@ -6435,13 +7344,6 @@
         </dgm:presLayoutVars>
       </dgm:prSet>
       <dgm:spPr/>
-      <dgm:t>
-        <a:bodyPr/>
-        <a:lstStyle/>
-        <a:p>
-          <a:endParaRPr lang="en-US"/>
-        </a:p>
-      </dgm:t>
     </dgm:pt>
     <dgm:pt modelId="{FFB179F6-E550-41A4-A41B-5DEB962F9E30}" type="pres">
       <dgm:prSet presAssocID="{F21A850E-0DD9-44E3-A767-8CD974DF2A1E}" presName="level3hierChild" presStyleCnt="0"/>
@@ -6450,24 +7352,10 @@
     <dgm:pt modelId="{B6D41A57-FDD2-40EF-B162-9B0C8FD33B08}" type="pres">
       <dgm:prSet presAssocID="{550A32C1-D77C-4E7D-BC3B-0CF934E8D37A}" presName="conn2-1" presStyleLbl="parChTrans1D3" presStyleIdx="0" presStyleCnt="3"/>
       <dgm:spPr/>
-      <dgm:t>
-        <a:bodyPr/>
-        <a:lstStyle/>
-        <a:p>
-          <a:endParaRPr lang="en-US"/>
-        </a:p>
-      </dgm:t>
     </dgm:pt>
     <dgm:pt modelId="{EA090945-D445-429B-BA09-B88203EAA57A}" type="pres">
       <dgm:prSet presAssocID="{550A32C1-D77C-4E7D-BC3B-0CF934E8D37A}" presName="connTx" presStyleLbl="parChTrans1D3" presStyleIdx="0" presStyleCnt="3"/>
       <dgm:spPr/>
-      <dgm:t>
-        <a:bodyPr/>
-        <a:lstStyle/>
-        <a:p>
-          <a:endParaRPr lang="en-US"/>
-        </a:p>
-      </dgm:t>
     </dgm:pt>
     <dgm:pt modelId="{F1D4890A-AAF9-4964-9C7B-07E32FA0CA39}" type="pres">
       <dgm:prSet presAssocID="{B3CC39BD-41C6-4D6E-BD7E-1131851FFDC7}" presName="root2" presStyleCnt="0"/>
@@ -6480,13 +7368,6 @@
         </dgm:presLayoutVars>
       </dgm:prSet>
       <dgm:spPr/>
-      <dgm:t>
-        <a:bodyPr/>
-        <a:lstStyle/>
-        <a:p>
-          <a:endParaRPr lang="en-US"/>
-        </a:p>
-      </dgm:t>
     </dgm:pt>
     <dgm:pt modelId="{D8388BB8-5E9E-4C23-98D3-DD32D2532AAA}" type="pres">
       <dgm:prSet presAssocID="{B3CC39BD-41C6-4D6E-BD7E-1131851FFDC7}" presName="level3hierChild" presStyleCnt="0"/>
@@ -6495,24 +7376,10 @@
     <dgm:pt modelId="{F2C3AAC2-66C9-4162-A6A9-6AB69BB340FE}" type="pres">
       <dgm:prSet presAssocID="{3E4A2067-EA2D-44B2-BFA8-02CD7F477106}" presName="conn2-1" presStyleLbl="parChTrans1D3" presStyleIdx="1" presStyleCnt="3"/>
       <dgm:spPr/>
-      <dgm:t>
-        <a:bodyPr/>
-        <a:lstStyle/>
-        <a:p>
-          <a:endParaRPr lang="en-US"/>
-        </a:p>
-      </dgm:t>
     </dgm:pt>
     <dgm:pt modelId="{168B1280-23EE-4DE8-A504-C3A6856BE8A4}" type="pres">
       <dgm:prSet presAssocID="{3E4A2067-EA2D-44B2-BFA8-02CD7F477106}" presName="connTx" presStyleLbl="parChTrans1D3" presStyleIdx="1" presStyleCnt="3"/>
       <dgm:spPr/>
-      <dgm:t>
-        <a:bodyPr/>
-        <a:lstStyle/>
-        <a:p>
-          <a:endParaRPr lang="en-US"/>
-        </a:p>
-      </dgm:t>
     </dgm:pt>
     <dgm:pt modelId="{12265358-CA1B-4DF4-A528-0AB7EB264C9A}" type="pres">
       <dgm:prSet presAssocID="{1DD5A0D7-5730-45A5-8597-7FC35322116C}" presName="root2" presStyleCnt="0"/>
@@ -6525,13 +7392,6 @@
         </dgm:presLayoutVars>
       </dgm:prSet>
       <dgm:spPr/>
-      <dgm:t>
-        <a:bodyPr/>
-        <a:lstStyle/>
-        <a:p>
-          <a:endParaRPr lang="en-US"/>
-        </a:p>
-      </dgm:t>
     </dgm:pt>
     <dgm:pt modelId="{2B9D3A68-296F-4F3E-8CBB-F1A3E5434063}" type="pres">
       <dgm:prSet presAssocID="{1DD5A0D7-5730-45A5-8597-7FC35322116C}" presName="level3hierChild" presStyleCnt="0"/>
@@ -6540,24 +7400,10 @@
     <dgm:pt modelId="{B47DDCC4-2419-4633-A5C9-DB3DA98AE107}" type="pres">
       <dgm:prSet presAssocID="{A352B864-68E4-4FE9-A601-F9F534C87384}" presName="conn2-1" presStyleLbl="parChTrans1D3" presStyleIdx="2" presStyleCnt="3"/>
       <dgm:spPr/>
-      <dgm:t>
-        <a:bodyPr/>
-        <a:lstStyle/>
-        <a:p>
-          <a:endParaRPr lang="en-US"/>
-        </a:p>
-      </dgm:t>
     </dgm:pt>
     <dgm:pt modelId="{BCBE4B51-B96B-42DB-BC1A-8B37D0A882A8}" type="pres">
       <dgm:prSet presAssocID="{A352B864-68E4-4FE9-A601-F9F534C87384}" presName="connTx" presStyleLbl="parChTrans1D3" presStyleIdx="2" presStyleCnt="3"/>
       <dgm:spPr/>
-      <dgm:t>
-        <a:bodyPr/>
-        <a:lstStyle/>
-        <a:p>
-          <a:endParaRPr lang="en-US"/>
-        </a:p>
-      </dgm:t>
     </dgm:pt>
     <dgm:pt modelId="{34A89749-16F0-4525-80F0-6DFBD4336CEA}" type="pres">
       <dgm:prSet presAssocID="{29295356-A898-4492-8BC8-C4D711D5229B}" presName="root2" presStyleCnt="0"/>
@@ -6570,13 +7416,6 @@
         </dgm:presLayoutVars>
       </dgm:prSet>
       <dgm:spPr/>
-      <dgm:t>
-        <a:bodyPr/>
-        <a:lstStyle/>
-        <a:p>
-          <a:endParaRPr lang="en-US"/>
-        </a:p>
-      </dgm:t>
     </dgm:pt>
     <dgm:pt modelId="{322D4B2A-D0BE-429B-9ED3-3365FF9941FF}" type="pres">
       <dgm:prSet presAssocID="{29295356-A898-4492-8BC8-C4D711D5229B}" presName="level3hierChild" presStyleCnt="0"/>
@@ -6585,24 +7424,10 @@
     <dgm:pt modelId="{445EB945-6292-46AA-ADEA-2DECDA4ACE30}" type="pres">
       <dgm:prSet presAssocID="{F2828FB3-E619-4A25-8C2E-1E33866CBDDB}" presName="conn2-1" presStyleLbl="parChTrans1D2" presStyleIdx="1" presStyleCnt="4"/>
       <dgm:spPr/>
-      <dgm:t>
-        <a:bodyPr/>
-        <a:lstStyle/>
-        <a:p>
-          <a:endParaRPr lang="en-US"/>
-        </a:p>
-      </dgm:t>
     </dgm:pt>
     <dgm:pt modelId="{70FE2570-81AF-4A82-9886-9F2B4391BB2F}" type="pres">
       <dgm:prSet presAssocID="{F2828FB3-E619-4A25-8C2E-1E33866CBDDB}" presName="connTx" presStyleLbl="parChTrans1D2" presStyleIdx="1" presStyleCnt="4"/>
       <dgm:spPr/>
-      <dgm:t>
-        <a:bodyPr/>
-        <a:lstStyle/>
-        <a:p>
-          <a:endParaRPr lang="en-US"/>
-        </a:p>
-      </dgm:t>
     </dgm:pt>
     <dgm:pt modelId="{4A582503-DB6C-4367-BB14-F65623E76609}" type="pres">
       <dgm:prSet presAssocID="{5F469D40-B644-4E74-AE17-D23F95AB727C}" presName="root2" presStyleCnt="0"/>
@@ -6615,13 +7440,6 @@
         </dgm:presLayoutVars>
       </dgm:prSet>
       <dgm:spPr/>
-      <dgm:t>
-        <a:bodyPr/>
-        <a:lstStyle/>
-        <a:p>
-          <a:endParaRPr lang="en-US"/>
-        </a:p>
-      </dgm:t>
     </dgm:pt>
     <dgm:pt modelId="{614F84D4-B252-48DB-8D54-F95E75ABF9C8}" type="pres">
       <dgm:prSet presAssocID="{5F469D40-B644-4E74-AE17-D23F95AB727C}" presName="level3hierChild" presStyleCnt="0"/>
@@ -6630,24 +7448,10 @@
     <dgm:pt modelId="{032F76D0-A9C4-4415-B4BE-CC56A7854780}" type="pres">
       <dgm:prSet presAssocID="{8AEB22C9-A924-4BC1-8DA5-23B72891EDAD}" presName="conn2-1" presStyleLbl="parChTrans1D2" presStyleIdx="2" presStyleCnt="4"/>
       <dgm:spPr/>
-      <dgm:t>
-        <a:bodyPr/>
-        <a:lstStyle/>
-        <a:p>
-          <a:endParaRPr lang="en-US"/>
-        </a:p>
-      </dgm:t>
     </dgm:pt>
     <dgm:pt modelId="{87710CAD-A8AC-4B2F-821E-8D96F32D1150}" type="pres">
       <dgm:prSet presAssocID="{8AEB22C9-A924-4BC1-8DA5-23B72891EDAD}" presName="connTx" presStyleLbl="parChTrans1D2" presStyleIdx="2" presStyleCnt="4"/>
       <dgm:spPr/>
-      <dgm:t>
-        <a:bodyPr/>
-        <a:lstStyle/>
-        <a:p>
-          <a:endParaRPr lang="en-US"/>
-        </a:p>
-      </dgm:t>
     </dgm:pt>
     <dgm:pt modelId="{70F7CC41-19B6-4573-AF9A-0CD4C95CAABE}" type="pres">
       <dgm:prSet presAssocID="{CE4CFA20-21AC-44F8-9509-0B0D8BC01EE9}" presName="root2" presStyleCnt="0"/>
@@ -6660,13 +7464,6 @@
         </dgm:presLayoutVars>
       </dgm:prSet>
       <dgm:spPr/>
-      <dgm:t>
-        <a:bodyPr/>
-        <a:lstStyle/>
-        <a:p>
-          <a:endParaRPr lang="en-US"/>
-        </a:p>
-      </dgm:t>
     </dgm:pt>
     <dgm:pt modelId="{53A67B4C-C900-49B6-8D5A-934CEA786F12}" type="pres">
       <dgm:prSet presAssocID="{CE4CFA20-21AC-44F8-9509-0B0D8BC01EE9}" presName="level3hierChild" presStyleCnt="0"/>
@@ -6675,24 +7472,10 @@
     <dgm:pt modelId="{B10E92D4-BAEB-4C93-BC85-E78C2AC6A403}" type="pres">
       <dgm:prSet presAssocID="{210B14E7-91AF-4274-A25F-A9BFEB9C33E5}" presName="conn2-1" presStyleLbl="parChTrans1D2" presStyleIdx="3" presStyleCnt="4"/>
       <dgm:spPr/>
-      <dgm:t>
-        <a:bodyPr/>
-        <a:lstStyle/>
-        <a:p>
-          <a:endParaRPr lang="en-US"/>
-        </a:p>
-      </dgm:t>
     </dgm:pt>
     <dgm:pt modelId="{6853F976-B46A-4D27-94B0-C008AD55FE83}" type="pres">
       <dgm:prSet presAssocID="{210B14E7-91AF-4274-A25F-A9BFEB9C33E5}" presName="connTx" presStyleLbl="parChTrans1D2" presStyleIdx="3" presStyleCnt="4"/>
       <dgm:spPr/>
-      <dgm:t>
-        <a:bodyPr/>
-        <a:lstStyle/>
-        <a:p>
-          <a:endParaRPr lang="en-US"/>
-        </a:p>
-      </dgm:t>
     </dgm:pt>
     <dgm:pt modelId="{68CEAAD0-6442-4785-843C-9926A50DCBB0}" type="pres">
       <dgm:prSet presAssocID="{4FC1FB38-5DA1-4208-956D-2642D909AEE6}" presName="root2" presStyleCnt="0"/>
@@ -6705,13 +7488,6 @@
         </dgm:presLayoutVars>
       </dgm:prSet>
       <dgm:spPr/>
-      <dgm:t>
-        <a:bodyPr/>
-        <a:lstStyle/>
-        <a:p>
-          <a:endParaRPr lang="en-US"/>
-        </a:p>
-      </dgm:t>
     </dgm:pt>
     <dgm:pt modelId="{8BBA2E2F-9905-463C-B3CE-2703CABB8D02}" type="pres">
       <dgm:prSet presAssocID="{4FC1FB38-5DA1-4208-956D-2642D909AEE6}" presName="level3hierChild" presStyleCnt="0"/>
@@ -6719,37 +7495,37 @@
     </dgm:pt>
   </dgm:ptLst>
   <dgm:cxnLst>
+    <dgm:cxn modelId="{BEF6CF03-B8EF-4F1F-8596-D7C1DACD0493}" type="presOf" srcId="{F2828FB3-E619-4A25-8C2E-1E33866CBDDB}" destId="{445EB945-6292-46AA-ADEA-2DECDA4ACE30}" srcOrd="0" destOrd="0" presId="urn:microsoft.com/office/officeart/2008/layout/HorizontalMultiLevelHierarchy"/>
+    <dgm:cxn modelId="{74F01F60-D9E5-4592-BE74-79E59558158F}" srcId="{FD1AD46B-F643-4E11-949C-C609F979FAD1}" destId="{F21A850E-0DD9-44E3-A767-8CD974DF2A1E}" srcOrd="0" destOrd="0" parTransId="{2E6743D0-082A-4D42-AEA8-4CD7193CE359}" sibTransId="{76EC9276-46AD-42BC-BB5B-2B9A4139868A}"/>
+    <dgm:cxn modelId="{3DDEEA07-332D-4438-9607-757C84AF38D3}" type="presOf" srcId="{8AEB22C9-A924-4BC1-8DA5-23B72891EDAD}" destId="{032F76D0-A9C4-4415-B4BE-CC56A7854780}" srcOrd="0" destOrd="0" presId="urn:microsoft.com/office/officeart/2008/layout/HorizontalMultiLevelHierarchy"/>
+    <dgm:cxn modelId="{6D62CCF2-A2DD-4A05-AE60-39AE65F80A82}" type="presOf" srcId="{1DD5A0D7-5730-45A5-8597-7FC35322116C}" destId="{3380806F-B6E5-408D-845D-DE728B63FB42}" srcOrd="0" destOrd="0" presId="urn:microsoft.com/office/officeart/2008/layout/HorizontalMultiLevelHierarchy"/>
+    <dgm:cxn modelId="{F2247B68-627A-4E02-B250-CA25A4089F1C}" srcId="{C6F9AC7F-94A8-44D0-8F8A-2924CFE23692}" destId="{FD1AD46B-F643-4E11-949C-C609F979FAD1}" srcOrd="0" destOrd="0" parTransId="{9E684401-EC61-4124-8A03-7A65E3049121}" sibTransId="{4BD8E67F-9856-47B2-89A3-62D7A2AFAA33}"/>
+    <dgm:cxn modelId="{9241EE98-43EF-4969-A2AB-91249C4B6BAA}" srcId="{F21A850E-0DD9-44E3-A767-8CD974DF2A1E}" destId="{1DD5A0D7-5730-45A5-8597-7FC35322116C}" srcOrd="1" destOrd="0" parTransId="{3E4A2067-EA2D-44B2-BFA8-02CD7F477106}" sibTransId="{CA1C2455-2D67-4C8B-B590-A2204CFEBAEC}"/>
+    <dgm:cxn modelId="{E193B8CD-C0AE-45A3-827F-5227C45D2674}" srcId="{F21A850E-0DD9-44E3-A767-8CD974DF2A1E}" destId="{29295356-A898-4492-8BC8-C4D711D5229B}" srcOrd="2" destOrd="0" parTransId="{A352B864-68E4-4FE9-A601-F9F534C87384}" sibTransId="{96DDB421-D30B-47D7-96E1-D726420A8075}"/>
+    <dgm:cxn modelId="{2D07E3CA-EE76-480E-9B75-046DBC41C0C9}" type="presOf" srcId="{4FC1FB38-5DA1-4208-956D-2642D909AEE6}" destId="{0D89CFC2-94FE-46A4-BDC5-2A07DB7635CF}" srcOrd="0" destOrd="0" presId="urn:microsoft.com/office/officeart/2008/layout/HorizontalMultiLevelHierarchy"/>
+    <dgm:cxn modelId="{9A349EC0-66E0-4866-AECE-AB16DC1DCF16}" type="presOf" srcId="{2E6743D0-082A-4D42-AEA8-4CD7193CE359}" destId="{8C4DEBDB-85ED-4AAF-8FBF-934A1C3BAF42}" srcOrd="0" destOrd="0" presId="urn:microsoft.com/office/officeart/2008/layout/HorizontalMultiLevelHierarchy"/>
+    <dgm:cxn modelId="{AB4E9439-82F2-4485-8A4E-28B04BEA78A2}" type="presOf" srcId="{550A32C1-D77C-4E7D-BC3B-0CF934E8D37A}" destId="{B6D41A57-FDD2-40EF-B162-9B0C8FD33B08}" srcOrd="0" destOrd="0" presId="urn:microsoft.com/office/officeart/2008/layout/HorizontalMultiLevelHierarchy"/>
+    <dgm:cxn modelId="{016F7BAF-721A-4A8D-A32B-E86D7D61A6A1}" srcId="{FD1AD46B-F643-4E11-949C-C609F979FAD1}" destId="{CE4CFA20-21AC-44F8-9509-0B0D8BC01EE9}" srcOrd="2" destOrd="0" parTransId="{8AEB22C9-A924-4BC1-8DA5-23B72891EDAD}" sibTransId="{978D5151-D69A-49E2-B27C-7C0F4C9F93C8}"/>
+    <dgm:cxn modelId="{C2377F37-BE5A-4C66-88CB-48890D456611}" type="presOf" srcId="{B3CC39BD-41C6-4D6E-BD7E-1131851FFDC7}" destId="{72ED187F-12AC-4ADA-8EAF-6F4E3A38B3BF}" srcOrd="0" destOrd="0" presId="urn:microsoft.com/office/officeart/2008/layout/HorizontalMultiLevelHierarchy"/>
+    <dgm:cxn modelId="{F2C40C15-F030-4C12-BF2A-47A9B13D9BE1}" type="presOf" srcId="{210B14E7-91AF-4274-A25F-A9BFEB9C33E5}" destId="{B10E92D4-BAEB-4C93-BC85-E78C2AC6A403}" srcOrd="0" destOrd="0" presId="urn:microsoft.com/office/officeart/2008/layout/HorizontalMultiLevelHierarchy"/>
+    <dgm:cxn modelId="{50495648-EB28-425D-B6F9-B9955B6F79FC}" type="presOf" srcId="{2E6743D0-082A-4D42-AEA8-4CD7193CE359}" destId="{042F7E97-2947-4E00-A3D8-201E01F9AE5A}" srcOrd="1" destOrd="0" presId="urn:microsoft.com/office/officeart/2008/layout/HorizontalMultiLevelHierarchy"/>
+    <dgm:cxn modelId="{901D2E3B-93AF-4F3A-8CA9-A40F88DD1DF6}" type="presOf" srcId="{29295356-A898-4492-8BC8-C4D711D5229B}" destId="{8638F3BF-712C-4A62-8FAE-4B2CEFC08465}" srcOrd="0" destOrd="0" presId="urn:microsoft.com/office/officeart/2008/layout/HorizontalMultiLevelHierarchy"/>
+    <dgm:cxn modelId="{30832181-E36F-4E15-9CB1-2C78741CCACE}" type="presOf" srcId="{A352B864-68E4-4FE9-A601-F9F534C87384}" destId="{BCBE4B51-B96B-42DB-BC1A-8B37D0A882A8}" srcOrd="1" destOrd="0" presId="urn:microsoft.com/office/officeart/2008/layout/HorizontalMultiLevelHierarchy"/>
+    <dgm:cxn modelId="{B93FCC10-A892-4A9B-ACAF-097E1B5F0314}" type="presOf" srcId="{3E4A2067-EA2D-44B2-BFA8-02CD7F477106}" destId="{168B1280-23EE-4DE8-A504-C3A6856BE8A4}" srcOrd="1" destOrd="0" presId="urn:microsoft.com/office/officeart/2008/layout/HorizontalMultiLevelHierarchy"/>
+    <dgm:cxn modelId="{4706725E-09AC-46B0-8688-44AE9C088DB9}" type="presOf" srcId="{F21A850E-0DD9-44E3-A767-8CD974DF2A1E}" destId="{3CEEDF71-AA45-448D-8467-37C8ED938BB1}" srcOrd="0" destOrd="0" presId="urn:microsoft.com/office/officeart/2008/layout/HorizontalMultiLevelHierarchy"/>
     <dgm:cxn modelId="{FC555F2E-FCAC-42AD-8A86-B376FA668031}" type="presOf" srcId="{CE4CFA20-21AC-44F8-9509-0B0D8BC01EE9}" destId="{2FB45036-180A-48E0-8D33-F7A387503C57}" srcOrd="0" destOrd="0" presId="urn:microsoft.com/office/officeart/2008/layout/HorizontalMultiLevelHierarchy"/>
-    <dgm:cxn modelId="{2D07E3CA-EE76-480E-9B75-046DBC41C0C9}" type="presOf" srcId="{4FC1FB38-5DA1-4208-956D-2642D909AEE6}" destId="{0D89CFC2-94FE-46A4-BDC5-2A07DB7635CF}" srcOrd="0" destOrd="0" presId="urn:microsoft.com/office/officeart/2008/layout/HorizontalMultiLevelHierarchy"/>
-    <dgm:cxn modelId="{6D62CCF2-A2DD-4A05-AE60-39AE65F80A82}" type="presOf" srcId="{1DD5A0D7-5730-45A5-8597-7FC35322116C}" destId="{3380806F-B6E5-408D-845D-DE728B63FB42}" srcOrd="0" destOrd="0" presId="urn:microsoft.com/office/officeart/2008/layout/HorizontalMultiLevelHierarchy"/>
+    <dgm:cxn modelId="{7BDD4973-E237-4C71-ABCB-A669221DD2DF}" type="presOf" srcId="{3E4A2067-EA2D-44B2-BFA8-02CD7F477106}" destId="{F2C3AAC2-66C9-4162-A6A9-6AB69BB340FE}" srcOrd="0" destOrd="0" presId="urn:microsoft.com/office/officeart/2008/layout/HorizontalMultiLevelHierarchy"/>
+    <dgm:cxn modelId="{321B5480-3F92-4E80-A900-DC76B49ACDEF}" type="presOf" srcId="{FD1AD46B-F643-4E11-949C-C609F979FAD1}" destId="{BB1265DB-72B7-449C-BDAA-9AB89A25FBE3}" srcOrd="0" destOrd="0" presId="urn:microsoft.com/office/officeart/2008/layout/HorizontalMultiLevelHierarchy"/>
+    <dgm:cxn modelId="{158F620A-C201-4626-845E-89895ACC2FD0}" type="presOf" srcId="{C6F9AC7F-94A8-44D0-8F8A-2924CFE23692}" destId="{9CC7B817-7D99-4DEC-B18D-CC366A58AF26}" srcOrd="0" destOrd="0" presId="urn:microsoft.com/office/officeart/2008/layout/HorizontalMultiLevelHierarchy"/>
+    <dgm:cxn modelId="{97CBCBD2-739D-407C-8DB8-2992A5FE1329}" type="presOf" srcId="{A352B864-68E4-4FE9-A601-F9F534C87384}" destId="{B47DDCC4-2419-4633-A5C9-DB3DA98AE107}" srcOrd="0" destOrd="0" presId="urn:microsoft.com/office/officeart/2008/layout/HorizontalMultiLevelHierarchy"/>
+    <dgm:cxn modelId="{D0035941-D0FB-4A76-A0EA-EAEDD82168DB}" type="presOf" srcId="{550A32C1-D77C-4E7D-BC3B-0CF934E8D37A}" destId="{EA090945-D445-429B-BA09-B88203EAA57A}" srcOrd="1" destOrd="0" presId="urn:microsoft.com/office/officeart/2008/layout/HorizontalMultiLevelHierarchy"/>
+    <dgm:cxn modelId="{3ABBED4B-3B47-4E71-A130-9AA64E5A0CE1}" type="presOf" srcId="{8AEB22C9-A924-4BC1-8DA5-23B72891EDAD}" destId="{87710CAD-A8AC-4B2F-821E-8D96F32D1150}" srcOrd="1" destOrd="0" presId="urn:microsoft.com/office/officeart/2008/layout/HorizontalMultiLevelHierarchy"/>
     <dgm:cxn modelId="{23AA0C82-0408-4552-AD48-72D65A46E0A7}" srcId="{F21A850E-0DD9-44E3-A767-8CD974DF2A1E}" destId="{B3CC39BD-41C6-4D6E-BD7E-1131851FFDC7}" srcOrd="0" destOrd="0" parTransId="{550A32C1-D77C-4E7D-BC3B-0CF934E8D37A}" sibTransId="{99759810-05A0-4EF0-9F99-3DC22EBD50DA}"/>
-    <dgm:cxn modelId="{9241EE98-43EF-4969-A2AB-91249C4B6BAA}" srcId="{F21A850E-0DD9-44E3-A767-8CD974DF2A1E}" destId="{1DD5A0D7-5730-45A5-8597-7FC35322116C}" srcOrd="1" destOrd="0" parTransId="{3E4A2067-EA2D-44B2-BFA8-02CD7F477106}" sibTransId="{CA1C2455-2D67-4C8B-B590-A2204CFEBAEC}"/>
+    <dgm:cxn modelId="{50409F25-8E07-4BC9-822B-71A767DB73CA}" type="presOf" srcId="{5F469D40-B644-4E74-AE17-D23F95AB727C}" destId="{D982A34C-A626-4A28-ADCA-6CAFB1454098}" srcOrd="0" destOrd="0" presId="urn:microsoft.com/office/officeart/2008/layout/HorizontalMultiLevelHierarchy"/>
+    <dgm:cxn modelId="{F49970EA-3EBB-4C7B-9D19-DAFA15C9FA44}" srcId="{FD1AD46B-F643-4E11-949C-C609F979FAD1}" destId="{5F469D40-B644-4E74-AE17-D23F95AB727C}" srcOrd="1" destOrd="0" parTransId="{F2828FB3-E619-4A25-8C2E-1E33866CBDDB}" sibTransId="{37239603-2798-44AC-B88B-3A9F010DC862}"/>
+    <dgm:cxn modelId="{0A66F095-F79B-4600-ABE2-AE7156A2CFBB}" type="presOf" srcId="{F2828FB3-E619-4A25-8C2E-1E33866CBDDB}" destId="{70FE2570-81AF-4A82-9886-9F2B4391BB2F}" srcOrd="1" destOrd="0" presId="urn:microsoft.com/office/officeart/2008/layout/HorizontalMultiLevelHierarchy"/>
+    <dgm:cxn modelId="{FB3BF359-D3CF-43F8-9DC8-78D2E5C88D93}" type="presOf" srcId="{210B14E7-91AF-4274-A25F-A9BFEB9C33E5}" destId="{6853F976-B46A-4D27-94B0-C008AD55FE83}" srcOrd="1" destOrd="0" presId="urn:microsoft.com/office/officeart/2008/layout/HorizontalMultiLevelHierarchy"/>
     <dgm:cxn modelId="{547E4701-6488-4134-A1E1-C5BED083A0B7}" srcId="{FD1AD46B-F643-4E11-949C-C609F979FAD1}" destId="{4FC1FB38-5DA1-4208-956D-2642D909AEE6}" srcOrd="3" destOrd="0" parTransId="{210B14E7-91AF-4274-A25F-A9BFEB9C33E5}" sibTransId="{DCE07D33-B66A-4C47-8BE2-D0F85A539E91}"/>
-    <dgm:cxn modelId="{D0035941-D0FB-4A76-A0EA-EAEDD82168DB}" type="presOf" srcId="{550A32C1-D77C-4E7D-BC3B-0CF934E8D37A}" destId="{EA090945-D445-429B-BA09-B88203EAA57A}" srcOrd="1" destOrd="0" presId="urn:microsoft.com/office/officeart/2008/layout/HorizontalMultiLevelHierarchy"/>
-    <dgm:cxn modelId="{016F7BAF-721A-4A8D-A32B-E86D7D61A6A1}" srcId="{FD1AD46B-F643-4E11-949C-C609F979FAD1}" destId="{CE4CFA20-21AC-44F8-9509-0B0D8BC01EE9}" srcOrd="2" destOrd="0" parTransId="{8AEB22C9-A924-4BC1-8DA5-23B72891EDAD}" sibTransId="{978D5151-D69A-49E2-B27C-7C0F4C9F93C8}"/>
-    <dgm:cxn modelId="{97CBCBD2-739D-407C-8DB8-2992A5FE1329}" type="presOf" srcId="{A352B864-68E4-4FE9-A601-F9F534C87384}" destId="{B47DDCC4-2419-4633-A5C9-DB3DA98AE107}" srcOrd="0" destOrd="0" presId="urn:microsoft.com/office/officeart/2008/layout/HorizontalMultiLevelHierarchy"/>
-    <dgm:cxn modelId="{C2377F37-BE5A-4C66-88CB-48890D456611}" type="presOf" srcId="{B3CC39BD-41C6-4D6E-BD7E-1131851FFDC7}" destId="{72ED187F-12AC-4ADA-8EAF-6F4E3A38B3BF}" srcOrd="0" destOrd="0" presId="urn:microsoft.com/office/officeart/2008/layout/HorizontalMultiLevelHierarchy"/>
-    <dgm:cxn modelId="{9A349EC0-66E0-4866-AECE-AB16DC1DCF16}" type="presOf" srcId="{2E6743D0-082A-4D42-AEA8-4CD7193CE359}" destId="{8C4DEBDB-85ED-4AAF-8FBF-934A1C3BAF42}" srcOrd="0" destOrd="0" presId="urn:microsoft.com/office/officeart/2008/layout/HorizontalMultiLevelHierarchy"/>
-    <dgm:cxn modelId="{F49970EA-3EBB-4C7B-9D19-DAFA15C9FA44}" srcId="{FD1AD46B-F643-4E11-949C-C609F979FAD1}" destId="{5F469D40-B644-4E74-AE17-D23F95AB727C}" srcOrd="1" destOrd="0" parTransId="{F2828FB3-E619-4A25-8C2E-1E33866CBDDB}" sibTransId="{37239603-2798-44AC-B88B-3A9F010DC862}"/>
-    <dgm:cxn modelId="{30832181-E36F-4E15-9CB1-2C78741CCACE}" type="presOf" srcId="{A352B864-68E4-4FE9-A601-F9F534C87384}" destId="{BCBE4B51-B96B-42DB-BC1A-8B37D0A882A8}" srcOrd="1" destOrd="0" presId="urn:microsoft.com/office/officeart/2008/layout/HorizontalMultiLevelHierarchy"/>
-    <dgm:cxn modelId="{F2247B68-627A-4E02-B250-CA25A4089F1C}" srcId="{C6F9AC7F-94A8-44D0-8F8A-2924CFE23692}" destId="{FD1AD46B-F643-4E11-949C-C609F979FAD1}" srcOrd="0" destOrd="0" parTransId="{9E684401-EC61-4124-8A03-7A65E3049121}" sibTransId="{4BD8E67F-9856-47B2-89A3-62D7A2AFAA33}"/>
-    <dgm:cxn modelId="{50409F25-8E07-4BC9-822B-71A767DB73CA}" type="presOf" srcId="{5F469D40-B644-4E74-AE17-D23F95AB727C}" destId="{D982A34C-A626-4A28-ADCA-6CAFB1454098}" srcOrd="0" destOrd="0" presId="urn:microsoft.com/office/officeart/2008/layout/HorizontalMultiLevelHierarchy"/>
-    <dgm:cxn modelId="{3ABBED4B-3B47-4E71-A130-9AA64E5A0CE1}" type="presOf" srcId="{8AEB22C9-A924-4BC1-8DA5-23B72891EDAD}" destId="{87710CAD-A8AC-4B2F-821E-8D96F32D1150}" srcOrd="1" destOrd="0" presId="urn:microsoft.com/office/officeart/2008/layout/HorizontalMultiLevelHierarchy"/>
-    <dgm:cxn modelId="{321B5480-3F92-4E80-A900-DC76B49ACDEF}" type="presOf" srcId="{FD1AD46B-F643-4E11-949C-C609F979FAD1}" destId="{BB1265DB-72B7-449C-BDAA-9AB89A25FBE3}" srcOrd="0" destOrd="0" presId="urn:microsoft.com/office/officeart/2008/layout/HorizontalMultiLevelHierarchy"/>
-    <dgm:cxn modelId="{74F01F60-D9E5-4592-BE74-79E59558158F}" srcId="{FD1AD46B-F643-4E11-949C-C609F979FAD1}" destId="{F21A850E-0DD9-44E3-A767-8CD974DF2A1E}" srcOrd="0" destOrd="0" parTransId="{2E6743D0-082A-4D42-AEA8-4CD7193CE359}" sibTransId="{76EC9276-46AD-42BC-BB5B-2B9A4139868A}"/>
-    <dgm:cxn modelId="{AB4E9439-82F2-4485-8A4E-28B04BEA78A2}" type="presOf" srcId="{550A32C1-D77C-4E7D-BC3B-0CF934E8D37A}" destId="{B6D41A57-FDD2-40EF-B162-9B0C8FD33B08}" srcOrd="0" destOrd="0" presId="urn:microsoft.com/office/officeart/2008/layout/HorizontalMultiLevelHierarchy"/>
-    <dgm:cxn modelId="{F2C40C15-F030-4C12-BF2A-47A9B13D9BE1}" type="presOf" srcId="{210B14E7-91AF-4274-A25F-A9BFEB9C33E5}" destId="{B10E92D4-BAEB-4C93-BC85-E78C2AC6A403}" srcOrd="0" destOrd="0" presId="urn:microsoft.com/office/officeart/2008/layout/HorizontalMultiLevelHierarchy"/>
-    <dgm:cxn modelId="{4706725E-09AC-46B0-8688-44AE9C088DB9}" type="presOf" srcId="{F21A850E-0DD9-44E3-A767-8CD974DF2A1E}" destId="{3CEEDF71-AA45-448D-8467-37C8ED938BB1}" srcOrd="0" destOrd="0" presId="urn:microsoft.com/office/officeart/2008/layout/HorizontalMultiLevelHierarchy"/>
-    <dgm:cxn modelId="{BEF6CF03-B8EF-4F1F-8596-D7C1DACD0493}" type="presOf" srcId="{F2828FB3-E619-4A25-8C2E-1E33866CBDDB}" destId="{445EB945-6292-46AA-ADEA-2DECDA4ACE30}" srcOrd="0" destOrd="0" presId="urn:microsoft.com/office/officeart/2008/layout/HorizontalMultiLevelHierarchy"/>
-    <dgm:cxn modelId="{E193B8CD-C0AE-45A3-827F-5227C45D2674}" srcId="{F21A850E-0DD9-44E3-A767-8CD974DF2A1E}" destId="{29295356-A898-4492-8BC8-C4D711D5229B}" srcOrd="2" destOrd="0" parTransId="{A352B864-68E4-4FE9-A601-F9F534C87384}" sibTransId="{96DDB421-D30B-47D7-96E1-D726420A8075}"/>
-    <dgm:cxn modelId="{3DDEEA07-332D-4438-9607-757C84AF38D3}" type="presOf" srcId="{8AEB22C9-A924-4BC1-8DA5-23B72891EDAD}" destId="{032F76D0-A9C4-4415-B4BE-CC56A7854780}" srcOrd="0" destOrd="0" presId="urn:microsoft.com/office/officeart/2008/layout/HorizontalMultiLevelHierarchy"/>
-    <dgm:cxn modelId="{B93FCC10-A892-4A9B-ACAF-097E1B5F0314}" type="presOf" srcId="{3E4A2067-EA2D-44B2-BFA8-02CD7F477106}" destId="{168B1280-23EE-4DE8-A504-C3A6856BE8A4}" srcOrd="1" destOrd="0" presId="urn:microsoft.com/office/officeart/2008/layout/HorizontalMultiLevelHierarchy"/>
-    <dgm:cxn modelId="{FB3BF359-D3CF-43F8-9DC8-78D2E5C88D93}" type="presOf" srcId="{210B14E7-91AF-4274-A25F-A9BFEB9C33E5}" destId="{6853F976-B46A-4D27-94B0-C008AD55FE83}" srcOrd="1" destOrd="0" presId="urn:microsoft.com/office/officeart/2008/layout/HorizontalMultiLevelHierarchy"/>
-    <dgm:cxn modelId="{158F620A-C201-4626-845E-89895ACC2FD0}" type="presOf" srcId="{C6F9AC7F-94A8-44D0-8F8A-2924CFE23692}" destId="{9CC7B817-7D99-4DEC-B18D-CC366A58AF26}" srcOrd="0" destOrd="0" presId="urn:microsoft.com/office/officeart/2008/layout/HorizontalMultiLevelHierarchy"/>
-    <dgm:cxn modelId="{901D2E3B-93AF-4F3A-8CA9-A40F88DD1DF6}" type="presOf" srcId="{29295356-A898-4492-8BC8-C4D711D5229B}" destId="{8638F3BF-712C-4A62-8FAE-4B2CEFC08465}" srcOrd="0" destOrd="0" presId="urn:microsoft.com/office/officeart/2008/layout/HorizontalMultiLevelHierarchy"/>
-    <dgm:cxn modelId="{0A66F095-F79B-4600-ABE2-AE7156A2CFBB}" type="presOf" srcId="{F2828FB3-E619-4A25-8C2E-1E33866CBDDB}" destId="{70FE2570-81AF-4A82-9886-9F2B4391BB2F}" srcOrd="1" destOrd="0" presId="urn:microsoft.com/office/officeart/2008/layout/HorizontalMultiLevelHierarchy"/>
-    <dgm:cxn modelId="{50495648-EB28-425D-B6F9-B9955B6F79FC}" type="presOf" srcId="{2E6743D0-082A-4D42-AEA8-4CD7193CE359}" destId="{042F7E97-2947-4E00-A3D8-201E01F9AE5A}" srcOrd="1" destOrd="0" presId="urn:microsoft.com/office/officeart/2008/layout/HorizontalMultiLevelHierarchy"/>
-    <dgm:cxn modelId="{7BDD4973-E237-4C71-ABCB-A669221DD2DF}" type="presOf" srcId="{3E4A2067-EA2D-44B2-BFA8-02CD7F477106}" destId="{F2C3AAC2-66C9-4162-A6A9-6AB69BB340FE}" srcOrd="0" destOrd="0" presId="urn:microsoft.com/office/officeart/2008/layout/HorizontalMultiLevelHierarchy"/>
     <dgm:cxn modelId="{5349565F-7BB3-49B5-8255-266B0DA66B8F}" type="presParOf" srcId="{9CC7B817-7D99-4DEC-B18D-CC366A58AF26}" destId="{EB4477F0-DE9D-43F7-ACCA-80D81B062FAD}" srcOrd="0" destOrd="0" presId="urn:microsoft.com/office/officeart/2008/layout/HorizontalMultiLevelHierarchy"/>
     <dgm:cxn modelId="{3EC6F19D-89BE-42EA-8E95-E448F5EC17E4}" type="presParOf" srcId="{EB4477F0-DE9D-43F7-ACCA-80D81B062FAD}" destId="{BB1265DB-72B7-449C-BDAA-9AB89A25FBE3}" srcOrd="0" destOrd="0" presId="urn:microsoft.com/office/officeart/2008/layout/HorizontalMultiLevelHierarchy"/>
     <dgm:cxn modelId="{BDCB4E5D-1E00-49A6-8A55-A7D9E40B8FBA}" type="presParOf" srcId="{EB4477F0-DE9D-43F7-ACCA-80D81B062FAD}" destId="{CAC2C14E-E967-4369-B869-400E141C0319}" srcOrd="1" destOrd="0" presId="urn:microsoft.com/office/officeart/2008/layout/HorizontalMultiLevelHierarchy"/>
@@ -6800,6 +7576,393 @@
 </file>
 
 <file path=ppt/diagrams/drawing1.xml><?xml version="1.0" encoding="utf-8"?>
+<dsp:drawing xmlns:dgm="http://schemas.openxmlformats.org/drawingml/2006/diagram" xmlns:dsp="http://schemas.microsoft.com/office/drawing/2008/diagram" xmlns:a="http://schemas.openxmlformats.org/drawingml/2006/main">
+  <dsp:spTree>
+    <dsp:nvGrpSpPr>
+      <dsp:cNvPr id="0" name=""/>
+      <dsp:cNvGrpSpPr/>
+    </dsp:nvGrpSpPr>
+    <dsp:grpSpPr/>
+    <dsp:sp modelId="{3B2BF4FD-C391-45DA-8EEC-50B3D5A7D33A}">
+      <dsp:nvSpPr>
+        <dsp:cNvPr id="0" name=""/>
+        <dsp:cNvSpPr/>
+      </dsp:nvSpPr>
+      <dsp:spPr>
+        <a:xfrm rot="10800000">
+          <a:off x="1500895" y="151"/>
+          <a:ext cx="4915843" cy="1050778"/>
+        </a:xfrm>
+        <a:prstGeom prst="homePlate">
+          <a:avLst/>
+        </a:prstGeom>
+        <a:solidFill>
+          <a:schemeClr val="accent2">
+            <a:hueOff val="0"/>
+            <a:satOff val="0"/>
+            <a:lumOff val="0"/>
+            <a:alphaOff val="0"/>
+          </a:schemeClr>
+        </a:solidFill>
+        <a:ln w="19050" cap="rnd" cmpd="sng" algn="ctr">
+          <a:solidFill>
+            <a:schemeClr val="lt1">
+              <a:hueOff val="0"/>
+              <a:satOff val="0"/>
+              <a:lumOff val="0"/>
+              <a:alphaOff val="0"/>
+            </a:schemeClr>
+          </a:solidFill>
+          <a:prstDash val="solid"/>
+        </a:ln>
+        <a:effectLst/>
+      </dsp:spPr>
+      <dsp:style>
+        <a:lnRef idx="2">
+          <a:scrgbClr r="0" g="0" b="0"/>
+        </a:lnRef>
+        <a:fillRef idx="1">
+          <a:scrgbClr r="0" g="0" b="0"/>
+        </a:fillRef>
+        <a:effectRef idx="0">
+          <a:scrgbClr r="0" g="0" b="0"/>
+        </a:effectRef>
+        <a:fontRef idx="minor">
+          <a:schemeClr val="lt1"/>
+        </a:fontRef>
+      </dsp:style>
+      <dsp:txBody>
+        <a:bodyPr spcFirstLastPara="0" vert="horz" wrap="square" lIns="463364" tIns="133350" rIns="248920" bIns="133350" numCol="1" spcCol="1270" anchor="ctr" anchorCtr="0">
+          <a:noAutofit/>
+        </a:bodyPr>
+        <a:lstStyle/>
+        <a:p>
+          <a:pPr lvl="0" algn="ctr" defTabSz="1555750" rtl="0">
+            <a:lnSpc>
+              <a:spcPct val="90000"/>
+            </a:lnSpc>
+            <a:spcBef>
+              <a:spcPct val="0"/>
+            </a:spcBef>
+            <a:spcAft>
+              <a:spcPct val="35000"/>
+            </a:spcAft>
+          </a:pPr>
+          <a:r>
+            <a:rPr lang="fr-FR" sz="3500" kern="1200"/>
+            <a:t>Pile logicielle</a:t>
+          </a:r>
+          <a:endParaRPr lang="en-US" sz="3500" kern="1200"/>
+        </a:p>
+      </dsp:txBody>
+      <dsp:txXfrm rot="10800000">
+        <a:off x="1763589" y="151"/>
+        <a:ext cx="4653149" cy="1050778"/>
+      </dsp:txXfrm>
+    </dsp:sp>
+    <dsp:sp modelId="{E7D59945-3994-40FE-B76A-07CBB227F618}">
+      <dsp:nvSpPr>
+        <dsp:cNvPr id="0" name=""/>
+        <dsp:cNvSpPr/>
+      </dsp:nvSpPr>
+      <dsp:spPr>
+        <a:xfrm>
+          <a:off x="975506" y="151"/>
+          <a:ext cx="1050778" cy="1050778"/>
+        </a:xfrm>
+        <a:prstGeom prst="ellipse">
+          <a:avLst/>
+        </a:prstGeom>
+        <a:solidFill>
+          <a:schemeClr val="accent2">
+            <a:tint val="50000"/>
+            <a:hueOff val="0"/>
+            <a:satOff val="0"/>
+            <a:lumOff val="0"/>
+            <a:alphaOff val="0"/>
+          </a:schemeClr>
+        </a:solidFill>
+        <a:ln w="19050" cap="rnd" cmpd="sng" algn="ctr">
+          <a:solidFill>
+            <a:schemeClr val="lt1">
+              <a:hueOff val="0"/>
+              <a:satOff val="0"/>
+              <a:lumOff val="0"/>
+              <a:alphaOff val="0"/>
+            </a:schemeClr>
+          </a:solidFill>
+          <a:prstDash val="solid"/>
+        </a:ln>
+        <a:effectLst/>
+      </dsp:spPr>
+      <dsp:style>
+        <a:lnRef idx="2">
+          <a:scrgbClr r="0" g="0" b="0"/>
+        </a:lnRef>
+        <a:fillRef idx="1">
+          <a:scrgbClr r="0" g="0" b="0"/>
+        </a:fillRef>
+        <a:effectRef idx="0">
+          <a:scrgbClr r="0" g="0" b="0"/>
+        </a:effectRef>
+        <a:fontRef idx="minor"/>
+      </dsp:style>
+    </dsp:sp>
+    <dsp:sp modelId="{A81435B0-AE1C-4F25-A77B-12766F8CD31A}">
+      <dsp:nvSpPr>
+        <dsp:cNvPr id="0" name=""/>
+        <dsp:cNvSpPr/>
+      </dsp:nvSpPr>
+      <dsp:spPr>
+        <a:xfrm rot="10800000">
+          <a:off x="1500895" y="1364594"/>
+          <a:ext cx="4915843" cy="1050778"/>
+        </a:xfrm>
+        <a:prstGeom prst="homePlate">
+          <a:avLst/>
+        </a:prstGeom>
+        <a:solidFill>
+          <a:schemeClr val="accent3">
+            <a:hueOff val="0"/>
+            <a:satOff val="0"/>
+            <a:lumOff val="0"/>
+            <a:alphaOff val="0"/>
+          </a:schemeClr>
+        </a:solidFill>
+        <a:ln w="19050" cap="rnd" cmpd="sng" algn="ctr">
+          <a:solidFill>
+            <a:schemeClr val="lt1">
+              <a:hueOff val="0"/>
+              <a:satOff val="0"/>
+              <a:lumOff val="0"/>
+              <a:alphaOff val="0"/>
+            </a:schemeClr>
+          </a:solidFill>
+          <a:prstDash val="solid"/>
+        </a:ln>
+        <a:effectLst/>
+      </dsp:spPr>
+      <dsp:style>
+        <a:lnRef idx="2">
+          <a:scrgbClr r="0" g="0" b="0"/>
+        </a:lnRef>
+        <a:fillRef idx="1">
+          <a:scrgbClr r="0" g="0" b="0"/>
+        </a:fillRef>
+        <a:effectRef idx="0">
+          <a:scrgbClr r="0" g="0" b="0"/>
+        </a:effectRef>
+        <a:fontRef idx="minor">
+          <a:schemeClr val="lt1"/>
+        </a:fontRef>
+      </dsp:style>
+      <dsp:txBody>
+        <a:bodyPr spcFirstLastPara="0" vert="horz" wrap="square" lIns="463364" tIns="133350" rIns="248920" bIns="133350" numCol="1" spcCol="1270" anchor="ctr" anchorCtr="0">
+          <a:noAutofit/>
+        </a:bodyPr>
+        <a:lstStyle/>
+        <a:p>
+          <a:pPr lvl="0" algn="ctr" defTabSz="1555750" rtl="0">
+            <a:lnSpc>
+              <a:spcPct val="90000"/>
+            </a:lnSpc>
+            <a:spcBef>
+              <a:spcPct val="0"/>
+            </a:spcBef>
+            <a:spcAft>
+              <a:spcPct val="35000"/>
+            </a:spcAft>
+          </a:pPr>
+          <a:r>
+            <a:rPr lang="fr-FR" sz="3500" kern="1200"/>
+            <a:t>Android et Java</a:t>
+          </a:r>
+          <a:endParaRPr lang="en-US" sz="3500" kern="1200"/>
+        </a:p>
+      </dsp:txBody>
+      <dsp:txXfrm rot="10800000">
+        <a:off x="1763589" y="1364594"/>
+        <a:ext cx="4653149" cy="1050778"/>
+      </dsp:txXfrm>
+    </dsp:sp>
+    <dsp:sp modelId="{F56982A3-92F7-4949-B7DF-633EDAF18C81}">
+      <dsp:nvSpPr>
+        <dsp:cNvPr id="0" name=""/>
+        <dsp:cNvSpPr/>
+      </dsp:nvSpPr>
+      <dsp:spPr>
+        <a:xfrm>
+          <a:off x="975506" y="1364594"/>
+          <a:ext cx="1050778" cy="1050778"/>
+        </a:xfrm>
+        <a:prstGeom prst="ellipse">
+          <a:avLst/>
+        </a:prstGeom>
+        <a:solidFill>
+          <a:schemeClr val="accent3">
+            <a:tint val="50000"/>
+            <a:hueOff val="0"/>
+            <a:satOff val="0"/>
+            <a:lumOff val="0"/>
+            <a:alphaOff val="0"/>
+          </a:schemeClr>
+        </a:solidFill>
+        <a:ln w="19050" cap="rnd" cmpd="sng" algn="ctr">
+          <a:solidFill>
+            <a:schemeClr val="lt1">
+              <a:hueOff val="0"/>
+              <a:satOff val="0"/>
+              <a:lumOff val="0"/>
+              <a:alphaOff val="0"/>
+            </a:schemeClr>
+          </a:solidFill>
+          <a:prstDash val="solid"/>
+        </a:ln>
+        <a:effectLst/>
+      </dsp:spPr>
+      <dsp:style>
+        <a:lnRef idx="2">
+          <a:scrgbClr r="0" g="0" b="0"/>
+        </a:lnRef>
+        <a:fillRef idx="1">
+          <a:scrgbClr r="0" g="0" b="0"/>
+        </a:fillRef>
+        <a:effectRef idx="0">
+          <a:scrgbClr r="0" g="0" b="0"/>
+        </a:effectRef>
+        <a:fontRef idx="minor"/>
+      </dsp:style>
+    </dsp:sp>
+    <dsp:sp modelId="{BA045687-1389-48F5-B145-7E2B66C12323}">
+      <dsp:nvSpPr>
+        <dsp:cNvPr id="0" name=""/>
+        <dsp:cNvSpPr/>
+      </dsp:nvSpPr>
+      <dsp:spPr>
+        <a:xfrm rot="10800000">
+          <a:off x="1500895" y="2729037"/>
+          <a:ext cx="4915843" cy="1050778"/>
+        </a:xfrm>
+        <a:prstGeom prst="homePlate">
+          <a:avLst/>
+        </a:prstGeom>
+        <a:solidFill>
+          <a:schemeClr val="accent4">
+            <a:hueOff val="0"/>
+            <a:satOff val="0"/>
+            <a:lumOff val="0"/>
+            <a:alphaOff val="0"/>
+          </a:schemeClr>
+        </a:solidFill>
+        <a:ln w="19050" cap="rnd" cmpd="sng" algn="ctr">
+          <a:solidFill>
+            <a:schemeClr val="lt1">
+              <a:hueOff val="0"/>
+              <a:satOff val="0"/>
+              <a:lumOff val="0"/>
+              <a:alphaOff val="0"/>
+            </a:schemeClr>
+          </a:solidFill>
+          <a:prstDash val="solid"/>
+        </a:ln>
+        <a:effectLst/>
+      </dsp:spPr>
+      <dsp:style>
+        <a:lnRef idx="2">
+          <a:scrgbClr r="0" g="0" b="0"/>
+        </a:lnRef>
+        <a:fillRef idx="1">
+          <a:scrgbClr r="0" g="0" b="0"/>
+        </a:fillRef>
+        <a:effectRef idx="0">
+          <a:scrgbClr r="0" g="0" b="0"/>
+        </a:effectRef>
+        <a:fontRef idx="minor">
+          <a:schemeClr val="lt1"/>
+        </a:fontRef>
+      </dsp:style>
+      <dsp:txBody>
+        <a:bodyPr spcFirstLastPara="0" vert="horz" wrap="square" lIns="463364" tIns="133350" rIns="248920" bIns="133350" numCol="1" spcCol="1270" anchor="ctr" anchorCtr="0">
+          <a:noAutofit/>
+        </a:bodyPr>
+        <a:lstStyle/>
+        <a:p>
+          <a:pPr lvl="0" algn="ctr" defTabSz="1555750" rtl="0">
+            <a:lnSpc>
+              <a:spcPct val="90000"/>
+            </a:lnSpc>
+            <a:spcBef>
+              <a:spcPct val="0"/>
+            </a:spcBef>
+            <a:spcAft>
+              <a:spcPct val="35000"/>
+            </a:spcAft>
+          </a:pPr>
+          <a:r>
+            <a:rPr lang="fr-FR" sz="3500" kern="1200"/>
+            <a:t>Application Android</a:t>
+          </a:r>
+          <a:endParaRPr lang="en-US" sz="3500" kern="1200"/>
+        </a:p>
+      </dsp:txBody>
+      <dsp:txXfrm rot="10800000">
+        <a:off x="1763589" y="2729037"/>
+        <a:ext cx="4653149" cy="1050778"/>
+      </dsp:txXfrm>
+    </dsp:sp>
+    <dsp:sp modelId="{A7862A87-9EA8-4E2E-BB86-39F60F8EEA5F}">
+      <dsp:nvSpPr>
+        <dsp:cNvPr id="0" name=""/>
+        <dsp:cNvSpPr/>
+      </dsp:nvSpPr>
+      <dsp:spPr>
+        <a:xfrm>
+          <a:off x="975506" y="2729037"/>
+          <a:ext cx="1050778" cy="1050778"/>
+        </a:xfrm>
+        <a:prstGeom prst="ellipse">
+          <a:avLst/>
+        </a:prstGeom>
+        <a:solidFill>
+          <a:schemeClr val="accent4">
+            <a:tint val="50000"/>
+            <a:hueOff val="0"/>
+            <a:satOff val="0"/>
+            <a:lumOff val="0"/>
+            <a:alphaOff val="0"/>
+          </a:schemeClr>
+        </a:solidFill>
+        <a:ln w="19050" cap="rnd" cmpd="sng" algn="ctr">
+          <a:solidFill>
+            <a:schemeClr val="lt1">
+              <a:hueOff val="0"/>
+              <a:satOff val="0"/>
+              <a:lumOff val="0"/>
+              <a:alphaOff val="0"/>
+            </a:schemeClr>
+          </a:solidFill>
+          <a:prstDash val="solid"/>
+        </a:ln>
+        <a:effectLst/>
+      </dsp:spPr>
+      <dsp:style>
+        <a:lnRef idx="2">
+          <a:scrgbClr r="0" g="0" b="0"/>
+        </a:lnRef>
+        <a:fillRef idx="1">
+          <a:scrgbClr r="0" g="0" b="0"/>
+        </a:fillRef>
+        <a:effectRef idx="0">
+          <a:scrgbClr r="0" g="0" b="0"/>
+        </a:effectRef>
+        <a:fontRef idx="minor"/>
+      </dsp:style>
+    </dsp:sp>
+  </dsp:spTree>
+</dsp:drawing>
+</file>
+
+<file path=ppt/diagrams/drawing2.xml><?xml version="1.0" encoding="utf-8"?>
 <dsp:drawing xmlns:dgm="http://schemas.openxmlformats.org/drawingml/2006/diagram" xmlns:dsp="http://schemas.microsoft.com/office/drawing/2008/diagram" xmlns:a="http://schemas.openxmlformats.org/drawingml/2006/main">
   <dsp:spTree>
     <dsp:nvGrpSpPr>
@@ -6876,10 +8039,9 @@
             <a:buChar char="••"/>
           </a:pPr>
           <a:r>
-            <a:rPr lang="fr-FR" sz="1600" kern="1200" noProof="0" dirty="0" smtClean="0"/>
+            <a:rPr lang="fr-FR" sz="1600" kern="1200" noProof="0" dirty="0"/>
             <a:t>Home / Contact / Phone / Browser …</a:t>
           </a:r>
-          <a:endParaRPr lang="fr-FR" sz="1600" kern="1200" noProof="0" dirty="0"/>
         </a:p>
         <a:p>
           <a:pPr marL="171450" lvl="1" indent="-171450" algn="l" defTabSz="711200">
@@ -6895,10 +8057,9 @@
             <a:buChar char="••"/>
           </a:pPr>
           <a:r>
-            <a:rPr lang="fr-FR" sz="1600" kern="1200" noProof="0" dirty="0" smtClean="0"/>
+            <a:rPr lang="fr-FR" sz="1600" kern="1200" noProof="0" dirty="0"/>
             <a:t>Votre Applications</a:t>
           </a:r>
-          <a:endParaRPr lang="fr-FR" sz="1600" kern="1200" noProof="0" dirty="0"/>
         </a:p>
       </dsp:txBody>
       <dsp:txXfrm rot="-5400000">
@@ -6972,10 +8133,9 @@
             </a:spcAft>
           </a:pPr>
           <a:r>
-            <a:rPr lang="fr-FR" sz="3300" kern="1200" noProof="0" dirty="0" smtClean="0"/>
+            <a:rPr lang="fr-FR" sz="3300" kern="1200" noProof="0" dirty="0"/>
             <a:t>Applications</a:t>
           </a:r>
-          <a:endParaRPr lang="fr-FR" sz="3300" kern="1200" noProof="0" dirty="0"/>
         </a:p>
       </dsp:txBody>
       <dsp:txXfrm>
@@ -7052,10 +8212,9 @@
             <a:buChar char="••"/>
           </a:pPr>
           <a:r>
-            <a:rPr lang="fr-FR" sz="1600" kern="1200" noProof="0" dirty="0" smtClean="0"/>
+            <a:rPr lang="fr-FR" sz="1600" kern="1200" noProof="0" dirty="0"/>
             <a:t>Gestion des activités – Gestion des fenêtres</a:t>
           </a:r>
-          <a:endParaRPr lang="fr-FR" sz="1600" kern="1200" noProof="0" dirty="0"/>
         </a:p>
         <a:p>
           <a:pPr marL="171450" lvl="1" indent="-171450" algn="l" defTabSz="711200">
@@ -7071,10 +8230,9 @@
             <a:buChar char="••"/>
           </a:pPr>
           <a:r>
-            <a:rPr lang="fr-FR" sz="1600" kern="1200" noProof="0" dirty="0" smtClean="0"/>
+            <a:rPr lang="fr-FR" sz="1600" kern="1200" noProof="0" dirty="0"/>
             <a:t>Gestion des technologie/ Téléphonie / Location / Ressources / Notifications  …</a:t>
           </a:r>
-          <a:endParaRPr lang="fr-FR" sz="1600" kern="1200" noProof="0" dirty="0"/>
         </a:p>
       </dsp:txBody>
       <dsp:txXfrm rot="-5400000">
@@ -7148,10 +8306,9 @@
             </a:spcAft>
           </a:pPr>
           <a:r>
-            <a:rPr lang="fr-FR" sz="3300" kern="1200" noProof="0" dirty="0" smtClean="0"/>
+            <a:rPr lang="fr-FR" sz="3300" kern="1200" noProof="0" dirty="0"/>
             <a:t>Application Framework</a:t>
           </a:r>
-          <a:endParaRPr lang="fr-FR" sz="3300" kern="1200" noProof="0" dirty="0"/>
         </a:p>
       </dsp:txBody>
       <dsp:txXfrm>
@@ -7228,18 +8385,17 @@
             <a:buChar char="••"/>
           </a:pPr>
           <a:r>
-            <a:rPr lang="fr-FR" sz="1600" kern="1200" noProof="0" dirty="0" smtClean="0"/>
+            <a:rPr lang="fr-FR" sz="1600" kern="1200" noProof="0" dirty="0"/>
             <a:t>SSL - </a:t>
           </a:r>
           <a:r>
-            <a:rPr lang="fr-FR" sz="1600" kern="1200" noProof="0" dirty="0" err="1" smtClean="0"/>
+            <a:rPr lang="fr-FR" sz="1600" kern="1200" noProof="0" dirty="0" err="1"/>
             <a:t>SQLite</a:t>
           </a:r>
           <a:r>
-            <a:rPr lang="fr-FR" sz="1600" kern="1200" noProof="0" dirty="0" smtClean="0"/>
+            <a:rPr lang="fr-FR" sz="1600" kern="1200" noProof="0" dirty="0"/>
             <a:t> - OpenGL</a:t>
           </a:r>
-          <a:endParaRPr lang="fr-FR" sz="1600" kern="1200" noProof="0" dirty="0"/>
         </a:p>
         <a:p>
           <a:pPr marL="171450" lvl="1" indent="-171450" algn="l" defTabSz="711200">
@@ -7255,14 +8411,13 @@
             <a:buChar char="••"/>
           </a:pPr>
           <a:r>
-            <a:rPr lang="fr-FR" sz="1600" kern="1200" noProof="0" dirty="0" err="1" smtClean="0"/>
+            <a:rPr lang="fr-FR" sz="1600" kern="1200" noProof="0" dirty="0" err="1"/>
             <a:t>WebKit</a:t>
           </a:r>
           <a:r>
-            <a:rPr lang="fr-FR" sz="1600" kern="1200" noProof="0" dirty="0" smtClean="0"/>
+            <a:rPr lang="fr-FR" sz="1600" kern="1200" noProof="0" dirty="0"/>
             <a:t> – SGL – Media Framework</a:t>
           </a:r>
-          <a:endParaRPr lang="fr-FR" sz="1600" kern="1200" noProof="0" dirty="0"/>
         </a:p>
         <a:p>
           <a:pPr marL="171450" lvl="1" indent="-171450" algn="l" defTabSz="711200">
@@ -7278,7 +8433,7 @@
             <a:buChar char="••"/>
           </a:pPr>
           <a:r>
-            <a:rPr lang="fr-FR" sz="1600" kern="1200" noProof="0" dirty="0" smtClean="0">
+            <a:rPr lang="fr-FR" sz="1600" kern="1200" noProof="0" dirty="0">
               <a:solidFill>
                 <a:srgbClr val="FF0000"/>
               </a:solidFill>
@@ -7286,7 +8441,7 @@
             <a:t>Android </a:t>
           </a:r>
           <a:r>
-            <a:rPr lang="fr-FR" sz="1600" kern="1200" noProof="0" dirty="0" err="1" smtClean="0">
+            <a:rPr lang="fr-FR" sz="1600" kern="1200" noProof="0" dirty="0" err="1">
               <a:solidFill>
                 <a:srgbClr val="FF0000"/>
               </a:solidFill>
@@ -7294,23 +8449,23 @@
             <a:t>Runtime</a:t>
           </a:r>
           <a:r>
-            <a:rPr lang="fr-FR" sz="1600" kern="1200" noProof="0" dirty="0" smtClean="0"/>
+            <a:rPr lang="fr-FR" sz="1600" kern="1200" noProof="0" dirty="0"/>
             <a:t>: </a:t>
           </a:r>
           <a:r>
-            <a:rPr lang="en-US" sz="1600" kern="1200" noProof="0" dirty="0" err="1" smtClean="0"/>
+            <a:rPr lang="en-US" sz="1600" kern="1200" noProof="0" dirty="0" err="1"/>
             <a:t>Dalvik</a:t>
           </a:r>
           <a:r>
-            <a:rPr lang="en-US" sz="1600" kern="1200" noProof="0" dirty="0" smtClean="0"/>
+            <a:rPr lang="en-US" sz="1600" kern="1200" noProof="0" dirty="0"/>
             <a:t> - Code </a:t>
           </a:r>
           <a:r>
-            <a:rPr lang="en-US" sz="1600" kern="1200" noProof="0" dirty="0" err="1" smtClean="0"/>
+            <a:rPr lang="en-US" sz="1600" kern="1200" noProof="0" dirty="0" err="1"/>
             <a:t>spécifique</a:t>
           </a:r>
           <a:r>
-            <a:rPr lang="en-US" sz="1600" kern="1200" noProof="0" dirty="0" smtClean="0"/>
+            <a:rPr lang="en-US" sz="1600" kern="1200" noProof="0" dirty="0"/>
             <a:t> Android</a:t>
           </a:r>
           <a:endParaRPr lang="fr-FR" sz="1600" kern="1200" noProof="0" dirty="0"/>
@@ -7387,10 +8542,9 @@
             </a:spcAft>
           </a:pPr>
           <a:r>
-            <a:rPr lang="fr-FR" sz="3300" kern="1200" noProof="0" dirty="0" smtClean="0"/>
+            <a:rPr lang="fr-FR" sz="3300" kern="1200" noProof="0" dirty="0"/>
             <a:t>Librairies</a:t>
           </a:r>
-          <a:endParaRPr lang="fr-FR" sz="3300" kern="1200" noProof="0" dirty="0"/>
         </a:p>
       </dsp:txBody>
       <dsp:txXfrm>
@@ -7467,18 +8621,17 @@
             <a:buChar char="••"/>
           </a:pPr>
           <a:r>
-            <a:rPr lang="fr-FR" sz="1600" kern="1200" noProof="0" dirty="0" smtClean="0"/>
+            <a:rPr lang="fr-FR" sz="1600" kern="1200" noProof="0" dirty="0"/>
             <a:t>Pilote</a:t>
           </a:r>
           <a:r>
-            <a:rPr lang="en-US" sz="1600" kern="1200" noProof="0" dirty="0" smtClean="0"/>
+            <a:rPr lang="en-US" sz="1600" kern="1200" noProof="0" dirty="0"/>
             <a:t> audio - </a:t>
           </a:r>
           <a:r>
-            <a:rPr lang="fr-FR" sz="1600" kern="1200" noProof="0" dirty="0" smtClean="0"/>
+            <a:rPr lang="fr-FR" sz="1600" kern="1200" noProof="0" dirty="0"/>
             <a:t>Pilote camera - Pilote Wifi …</a:t>
           </a:r>
-          <a:endParaRPr lang="fr-FR" sz="1600" kern="1200" noProof="0" dirty="0"/>
         </a:p>
         <a:p>
           <a:pPr marL="171450" lvl="1" indent="-171450" algn="l" defTabSz="711200">
@@ -7494,10 +8647,9 @@
             <a:buChar char="••"/>
           </a:pPr>
           <a:r>
-            <a:rPr lang="fr-FR" sz="1600" kern="1200" noProof="0" dirty="0" smtClean="0"/>
+            <a:rPr lang="fr-FR" sz="1600" kern="1200" noProof="0" dirty="0"/>
             <a:t>Pilote d’affichage – Pilote du tactile …</a:t>
           </a:r>
-          <a:endParaRPr lang="fr-FR" sz="1600" kern="1200" noProof="0" dirty="0"/>
         </a:p>
         <a:p>
           <a:pPr marL="171450" lvl="1" indent="-171450" algn="l" defTabSz="711200" rtl="0">
@@ -7513,10 +8665,9 @@
             <a:buChar char="••"/>
           </a:pPr>
           <a:r>
-            <a:rPr lang="fr-FR" sz="1600" kern="1200" dirty="0" smtClean="0"/>
+            <a:rPr lang="fr-FR" sz="1600" kern="1200" dirty="0"/>
             <a:t>Gestion de l'alimentation</a:t>
           </a:r>
-          <a:endParaRPr lang="fr-FR" sz="1600" kern="1200" dirty="0"/>
         </a:p>
       </dsp:txBody>
       <dsp:txXfrm rot="-5400000">
@@ -7590,10 +8741,9 @@
             </a:spcAft>
           </a:pPr>
           <a:r>
-            <a:rPr lang="fr-FR" sz="3300" kern="1200" noProof="0" dirty="0" smtClean="0"/>
+            <a:rPr lang="fr-FR" sz="3300" kern="1200" noProof="0" dirty="0"/>
             <a:t>Noyau Linux</a:t>
           </a:r>
-          <a:endParaRPr lang="fr-FR" sz="3300" kern="1200" noProof="0" dirty="0"/>
         </a:p>
       </dsp:txBody>
       <dsp:txXfrm>
@@ -7605,7 +8755,7 @@
 </dsp:drawing>
 </file>
 
-<file path=ppt/diagrams/drawing2.xml><?xml version="1.0" encoding="utf-8"?>
+<file path=ppt/diagrams/drawing3.xml><?xml version="1.0" encoding="utf-8"?>
 <dsp:drawing xmlns:dgm="http://schemas.openxmlformats.org/drawingml/2006/diagram" xmlns:dsp="http://schemas.microsoft.com/office/drawing/2008/diagram" xmlns:a="http://schemas.openxmlformats.org/drawingml/2006/main">
   <dsp:spTree>
     <dsp:nvGrpSpPr>
@@ -7705,10 +8855,9 @@
             </a:spcAft>
           </a:pPr>
           <a:r>
-            <a:rPr lang="fr-FR" sz="1900" kern="1200" noProof="0" dirty="0" smtClean="0"/>
+            <a:rPr lang="fr-FR" sz="1900" kern="1200" noProof="0" dirty="0"/>
             <a:t>Développement</a:t>
           </a:r>
-          <a:endParaRPr lang="fr-FR" sz="1900" kern="1200" noProof="0" dirty="0"/>
         </a:p>
       </dsp:txBody>
       <dsp:txXfrm>
@@ -7790,11 +8939,11 @@
             <a:buChar char="••"/>
           </a:pPr>
           <a:r>
-            <a:rPr lang="fr-FR" sz="1900" kern="1200" noProof="0" dirty="0" smtClean="0"/>
+            <a:rPr lang="fr-FR" sz="1900" kern="1200" noProof="0" dirty="0"/>
             <a:t>Code </a:t>
           </a:r>
           <a:r>
-            <a:rPr lang="fr-FR" sz="1900" kern="1200" noProof="0" smtClean="0"/>
+            <a:rPr lang="fr-FR" sz="1900" kern="1200" noProof="0"/>
             <a:t>source Java</a:t>
           </a:r>
           <a:endParaRPr lang="fr-FR" sz="1900" kern="1200" noProof="0" dirty="0"/>
@@ -7813,10 +8962,9 @@
             <a:buChar char="••"/>
           </a:pPr>
           <a:r>
-            <a:rPr lang="fr-FR" sz="1900" kern="1200" noProof="0" dirty="0" smtClean="0"/>
+            <a:rPr lang="fr-FR" sz="1900" kern="1200" noProof="0" dirty="0"/>
             <a:t>.java</a:t>
           </a:r>
-          <a:endParaRPr lang="fr-FR" sz="1900" kern="1200" noProof="0" dirty="0"/>
         </a:p>
       </dsp:txBody>
       <dsp:txXfrm>
@@ -8018,10 +9166,9 @@
             </a:spcAft>
           </a:pPr>
           <a:r>
-            <a:rPr lang="fr-FR" sz="1900" kern="1200" noProof="0" dirty="0" smtClean="0"/>
+            <a:rPr lang="fr-FR" sz="1900" kern="1200" noProof="0" dirty="0"/>
             <a:t>Compilation</a:t>
           </a:r>
-          <a:endParaRPr lang="fr-FR" sz="1900" kern="1200" noProof="0" dirty="0"/>
         </a:p>
       </dsp:txBody>
       <dsp:txXfrm>
@@ -8103,14 +9250,13 @@
             <a:buChar char="••"/>
           </a:pPr>
           <a:r>
-            <a:rPr lang="fr-FR" sz="1900" kern="1200" noProof="0" dirty="0" err="1" smtClean="0"/>
+            <a:rPr lang="fr-FR" sz="1900" kern="1200" noProof="0" dirty="0" err="1"/>
             <a:t>Bytecode</a:t>
           </a:r>
           <a:r>
-            <a:rPr lang="fr-FR" sz="1900" kern="1200" noProof="0" dirty="0" smtClean="0"/>
+            <a:rPr lang="fr-FR" sz="1900" kern="1200" noProof="0" dirty="0"/>
             <a:t> Java</a:t>
           </a:r>
-          <a:endParaRPr lang="fr-FR" sz="1900" kern="1200" noProof="0" dirty="0"/>
         </a:p>
         <a:p>
           <a:pPr marL="171450" lvl="1" indent="-171450" algn="l" defTabSz="844550">
@@ -8126,10 +9272,9 @@
             <a:buChar char="••"/>
           </a:pPr>
           <a:r>
-            <a:rPr lang="fr-FR" sz="1900" kern="1200" noProof="0" dirty="0" smtClean="0"/>
+            <a:rPr lang="fr-FR" sz="1900" kern="1200" noProof="0" dirty="0"/>
             <a:t>.class</a:t>
           </a:r>
-          <a:endParaRPr lang="fr-FR" sz="1900" kern="1200" noProof="0" dirty="0"/>
         </a:p>
         <a:p>
           <a:pPr marL="171450" lvl="1" indent="-171450" algn="l" defTabSz="844550">
@@ -8145,10 +9290,9 @@
             <a:buChar char="••"/>
           </a:pPr>
           <a:r>
-            <a:rPr lang="fr-FR" sz="1900" kern="1200" noProof="0" dirty="0" smtClean="0"/>
+            <a:rPr lang="fr-FR" sz="1900" kern="1200" noProof="0" dirty="0"/>
             <a:t>.jar</a:t>
           </a:r>
-          <a:endParaRPr lang="fr-FR" sz="1900" kern="1200" noProof="0" dirty="0"/>
         </a:p>
       </dsp:txBody>
       <dsp:txXfrm>
@@ -8350,10 +9494,9 @@
             </a:spcAft>
           </a:pPr>
           <a:r>
-            <a:rPr lang="fr-FR" sz="1900" kern="1200" noProof="0" dirty="0" smtClean="0"/>
+            <a:rPr lang="fr-FR" sz="1900" kern="1200" noProof="0" dirty="0"/>
             <a:t>Exécution</a:t>
           </a:r>
-          <a:endParaRPr lang="fr-FR" sz="1900" kern="1200" noProof="0" dirty="0"/>
         </a:p>
       </dsp:txBody>
       <dsp:txXfrm>
@@ -8435,10 +9578,9 @@
             <a:buChar char="••"/>
           </a:pPr>
           <a:r>
-            <a:rPr lang="fr-FR" sz="1900" kern="1200" noProof="0" dirty="0" smtClean="0"/>
+            <a:rPr lang="fr-FR" sz="1900" kern="1200" noProof="0" dirty="0"/>
             <a:t>Application</a:t>
           </a:r>
-          <a:endParaRPr lang="fr-FR" sz="1900" kern="1200" noProof="0" dirty="0"/>
         </a:p>
         <a:p>
           <a:pPr marL="171450" lvl="1" indent="-171450" algn="l" defTabSz="844550">
@@ -8454,10 +9596,9 @@
             <a:buChar char="••"/>
           </a:pPr>
           <a:r>
-            <a:rPr lang="fr-FR" sz="1900" kern="1200" noProof="0" dirty="0" smtClean="0"/>
+            <a:rPr lang="fr-FR" sz="1900" kern="1200" noProof="0" dirty="0"/>
             <a:t>Binaire</a:t>
           </a:r>
-          <a:endParaRPr lang="fr-FR" sz="1900" kern="1200" noProof="0" dirty="0"/>
         </a:p>
       </dsp:txBody>
       <dsp:txXfrm>
@@ -8469,7 +9610,7 @@
 </dsp:drawing>
 </file>
 
-<file path=ppt/diagrams/drawing3.xml><?xml version="1.0" encoding="utf-8"?>
+<file path=ppt/diagrams/drawing4.xml><?xml version="1.0" encoding="utf-8"?>
 <dsp:drawing xmlns:dgm="http://schemas.openxmlformats.org/drawingml/2006/diagram" xmlns:dsp="http://schemas.microsoft.com/office/drawing/2008/diagram" xmlns:a="http://schemas.openxmlformats.org/drawingml/2006/main">
   <dsp:spTree>
     <dsp:nvGrpSpPr>
@@ -8569,25 +9710,24 @@
             </a:spcAft>
           </a:pPr>
           <a:r>
-            <a:rPr lang="fr-FR" sz="1700" kern="1200" noProof="0" dirty="0" smtClean="0"/>
+            <a:rPr lang="fr-FR" sz="1700" kern="1200" noProof="0" dirty="0"/>
             <a:t>JDK</a:t>
           </a:r>
           <a:br>
-            <a:rPr lang="fr-FR" sz="1700" kern="1200" noProof="0" dirty="0" smtClean="0"/>
+            <a:rPr lang="fr-FR" sz="1700" kern="1200" noProof="0" dirty="0"/>
           </a:br>
           <a:r>
-            <a:rPr lang="fr-FR" sz="1700" kern="1200" noProof="0" dirty="0" smtClean="0"/>
+            <a:rPr lang="fr-FR" sz="1700" kern="1200" noProof="0" dirty="0"/>
             <a:t>(</a:t>
           </a:r>
           <a:r>
-            <a:rPr lang="en-US" sz="1700" b="1" kern="1200" dirty="0" smtClean="0"/>
+            <a:rPr lang="en-US" sz="1700" b="1" kern="1200" dirty="0"/>
             <a:t>Java Development Kit</a:t>
           </a:r>
           <a:r>
-            <a:rPr lang="fr-FR" sz="1700" kern="1200" noProof="0" dirty="0" smtClean="0"/>
+            <a:rPr lang="fr-FR" sz="1700" kern="1200" noProof="0" dirty="0"/>
             <a:t>)</a:t>
           </a:r>
-          <a:endParaRPr lang="fr-FR" sz="1700" kern="1200" noProof="0" dirty="0"/>
         </a:p>
       </dsp:txBody>
       <dsp:txXfrm>
@@ -8687,25 +9827,24 @@
             </a:spcAft>
           </a:pPr>
           <a:r>
-            <a:rPr lang="fr-FR" sz="1700" kern="1200" noProof="0" dirty="0" smtClean="0"/>
+            <a:rPr lang="fr-FR" sz="1700" kern="1200" noProof="0" dirty="0"/>
             <a:t>JRE</a:t>
           </a:r>
           <a:br>
-            <a:rPr lang="fr-FR" sz="1700" kern="1200" noProof="0" dirty="0" smtClean="0"/>
+            <a:rPr lang="fr-FR" sz="1700" kern="1200" noProof="0" dirty="0"/>
           </a:br>
           <a:r>
-            <a:rPr lang="fr-FR" sz="1700" kern="1200" noProof="0" dirty="0" smtClean="0"/>
+            <a:rPr lang="fr-FR" sz="1700" kern="1200" noProof="0" dirty="0"/>
             <a:t>(</a:t>
           </a:r>
           <a:r>
-            <a:rPr lang="en-US" sz="1700" kern="1200" noProof="0" dirty="0" smtClean="0"/>
+            <a:rPr lang="en-US" sz="1700" kern="1200" noProof="0" dirty="0"/>
             <a:t>Java Runtime Environment</a:t>
           </a:r>
           <a:r>
-            <a:rPr lang="fr-FR" sz="1700" kern="1200" noProof="0" dirty="0" smtClean="0"/>
+            <a:rPr lang="fr-FR" sz="1700" kern="1200" noProof="0" dirty="0"/>
             <a:t>)</a:t>
           </a:r>
-          <a:endParaRPr lang="fr-FR" sz="1700" kern="1200" noProof="0" dirty="0"/>
         </a:p>
       </dsp:txBody>
       <dsp:txXfrm>
@@ -8805,10 +9944,9 @@
             </a:spcAft>
           </a:pPr>
           <a:r>
-            <a:rPr lang="fr-FR" sz="1700" kern="1200" noProof="0" dirty="0" smtClean="0"/>
+            <a:rPr lang="fr-FR" sz="1700" kern="1200" noProof="0" dirty="0"/>
             <a:t>Bibliothèques standards</a:t>
           </a:r>
-          <a:endParaRPr lang="fr-FR" sz="1700" kern="1200" noProof="0" dirty="0"/>
         </a:p>
       </dsp:txBody>
       <dsp:txXfrm>
@@ -8908,17 +10046,16 @@
             </a:spcAft>
           </a:pPr>
           <a:r>
-            <a:rPr lang="fr-FR" sz="1700" kern="1200" noProof="0" dirty="0" smtClean="0"/>
+            <a:rPr lang="fr-FR" sz="1700" kern="1200" noProof="0" dirty="0"/>
             <a:t>JVM</a:t>
           </a:r>
           <a:br>
-            <a:rPr lang="fr-FR" sz="1700" kern="1200" noProof="0" dirty="0" smtClean="0"/>
+            <a:rPr lang="fr-FR" sz="1700" kern="1200" noProof="0" dirty="0"/>
           </a:br>
           <a:r>
-            <a:rPr lang="fr-FR" sz="1700" kern="1200" noProof="0" dirty="0" smtClean="0"/>
+            <a:rPr lang="fr-FR" sz="1700" kern="1200" noProof="0" dirty="0"/>
             <a:t>(Java Virtual Machine)</a:t>
           </a:r>
-          <a:endParaRPr lang="fr-FR" sz="1700" kern="1200" noProof="0" dirty="0"/>
         </a:p>
       </dsp:txBody>
       <dsp:txXfrm>
@@ -9018,7 +10155,7 @@
             </a:spcAft>
           </a:pPr>
           <a:r>
-            <a:rPr lang="fr-FR" sz="1700" kern="1200" noProof="0" dirty="0" err="1" smtClean="0"/>
+            <a:rPr lang="fr-FR" sz="1700" kern="1200" noProof="0" dirty="0" err="1"/>
             <a:t>javac</a:t>
           </a:r>
           <a:endParaRPr lang="fr-FR" sz="1700" kern="1200" noProof="0" dirty="0"/>
@@ -9033,7 +10170,7 @@
 </dsp:drawing>
 </file>
 
-<file path=ppt/diagrams/drawing4.xml><?xml version="1.0" encoding="utf-8"?>
+<file path=ppt/diagrams/drawing5.xml><?xml version="1.0" encoding="utf-8"?>
 <dsp:drawing xmlns:dgm="http://schemas.openxmlformats.org/drawingml/2006/diagram" xmlns:dsp="http://schemas.microsoft.com/office/drawing/2008/diagram" xmlns:a="http://schemas.openxmlformats.org/drawingml/2006/main">
   <dsp:spTree>
     <dsp:nvGrpSpPr>
@@ -9704,10 +10841,9 @@
             </a:spcAft>
           </a:pPr>
           <a:r>
-            <a:rPr lang="en-US" sz="4900" kern="1200" dirty="0" smtClean="0"/>
+            <a:rPr lang="en-US" sz="4900" kern="1200" dirty="0"/>
             <a:t>View</a:t>
           </a:r>
-          <a:endParaRPr lang="en-US" sz="4900" kern="1200" dirty="0"/>
         </a:p>
       </dsp:txBody>
       <dsp:txXfrm>
@@ -9796,10 +10932,9 @@
             </a:spcAft>
           </a:pPr>
           <a:r>
-            <a:rPr lang="en-US" sz="2700" kern="1200" dirty="0" smtClean="0"/>
+            <a:rPr lang="en-US" sz="2700" kern="1200" dirty="0"/>
             <a:t>View Group</a:t>
           </a:r>
-          <a:endParaRPr lang="en-US" sz="2700" kern="1200" dirty="0"/>
         </a:p>
       </dsp:txBody>
       <dsp:txXfrm>
@@ -9888,7 +11023,7 @@
             </a:spcAft>
           </a:pPr>
           <a:r>
-            <a:rPr lang="en-US" sz="2700" kern="1200" dirty="0" err="1" smtClean="0"/>
+            <a:rPr lang="en-US" sz="2700" kern="1200" dirty="0" err="1"/>
             <a:t>LinearLayout</a:t>
           </a:r>
           <a:endParaRPr lang="en-US" sz="2700" kern="1200" dirty="0"/>
@@ -9980,7 +11115,7 @@
             </a:spcAft>
           </a:pPr>
           <a:r>
-            <a:rPr lang="en-US" sz="2700" kern="1200" dirty="0" err="1" smtClean="0"/>
+            <a:rPr lang="en-US" sz="2700" kern="1200" dirty="0" err="1"/>
             <a:t>RelativeLayout</a:t>
           </a:r>
           <a:endParaRPr lang="en-US" sz="2700" kern="1200" dirty="0"/>
@@ -10072,10 +11207,9 @@
             </a:spcAft>
           </a:pPr>
           <a:r>
-            <a:rPr lang="en-US" sz="2700" kern="1200" dirty="0" smtClean="0"/>
+            <a:rPr lang="en-US" sz="2700" kern="1200" dirty="0"/>
             <a:t>…</a:t>
           </a:r>
-          <a:endParaRPr lang="en-US" sz="2700" kern="1200" dirty="0"/>
         </a:p>
       </dsp:txBody>
       <dsp:txXfrm>
@@ -10164,7 +11298,7 @@
             </a:spcAft>
           </a:pPr>
           <a:r>
-            <a:rPr lang="en-US" sz="2700" kern="1200" dirty="0" err="1" smtClean="0"/>
+            <a:rPr lang="en-US" sz="2700" kern="1200" dirty="0" err="1"/>
             <a:t>TextView</a:t>
           </a:r>
           <a:endParaRPr lang="en-US" sz="2700" kern="1200" dirty="0"/>
@@ -10256,7 +11390,7 @@
             </a:spcAft>
           </a:pPr>
           <a:r>
-            <a:rPr lang="en-US" sz="2700" kern="1200" dirty="0" err="1" smtClean="0"/>
+            <a:rPr lang="en-US" sz="2700" kern="1200" dirty="0" err="1"/>
             <a:t>ImageView</a:t>
           </a:r>
           <a:endParaRPr lang="en-US" sz="2700" kern="1200" dirty="0"/>
@@ -10348,10 +11482,9 @@
             </a:spcAft>
           </a:pPr>
           <a:r>
-            <a:rPr lang="en-US" sz="2700" kern="1200" dirty="0" smtClean="0"/>
+            <a:rPr lang="en-US" sz="2700" kern="1200" dirty="0"/>
             <a:t>…</a:t>
           </a:r>
-          <a:endParaRPr lang="en-US" sz="2700" kern="1200" dirty="0"/>
         </a:p>
       </dsp:txBody>
       <dsp:txXfrm>
@@ -10364,6 +11497,169 @@
 </file>
 
 <file path=ppt/diagrams/layout1.xml><?xml version="1.0" encoding="utf-8"?>
+<dgm:layoutDef xmlns:dgm="http://schemas.openxmlformats.org/drawingml/2006/diagram" xmlns:a="http://schemas.openxmlformats.org/drawingml/2006/main" uniqueId="urn:microsoft.com/office/officeart/2005/8/layout/vList3">
+  <dgm:title val=""/>
+  <dgm:desc val=""/>
+  <dgm:catLst>
+    <dgm:cat type="list" pri="14000"/>
+    <dgm:cat type="convert" pri="3000"/>
+    <dgm:cat type="picture" pri="27000"/>
+    <dgm:cat type="pictureconvert" pri="27000"/>
+  </dgm:catLst>
+  <dgm:sampData useDef="1">
+    <dgm:dataModel>
+      <dgm:ptLst/>
+      <dgm:bg/>
+      <dgm:whole/>
+    </dgm:dataModel>
+  </dgm:sampData>
+  <dgm:styleData>
+    <dgm:dataModel>
+      <dgm:ptLst>
+        <dgm:pt modelId="0" type="doc"/>
+        <dgm:pt modelId="1"/>
+        <dgm:pt modelId="2"/>
+      </dgm:ptLst>
+      <dgm:cxnLst>
+        <dgm:cxn modelId="3" srcId="0" destId="1" srcOrd="0" destOrd="0"/>
+        <dgm:cxn modelId="4" srcId="0" destId="2" srcOrd="1" destOrd="0"/>
+      </dgm:cxnLst>
+      <dgm:bg/>
+      <dgm:whole/>
+    </dgm:dataModel>
+  </dgm:styleData>
+  <dgm:clrData>
+    <dgm:dataModel>
+      <dgm:ptLst>
+        <dgm:pt modelId="0" type="doc"/>
+        <dgm:pt modelId="1"/>
+        <dgm:pt modelId="2"/>
+        <dgm:pt modelId="3"/>
+        <dgm:pt modelId="4"/>
+      </dgm:ptLst>
+      <dgm:cxnLst>
+        <dgm:cxn modelId="5" srcId="0" destId="1" srcOrd="0" destOrd="0"/>
+        <dgm:cxn modelId="6" srcId="0" destId="2" srcOrd="1" destOrd="0"/>
+        <dgm:cxn modelId="7" srcId="0" destId="3" srcOrd="2" destOrd="0"/>
+        <dgm:cxn modelId="8" srcId="0" destId="4" srcOrd="3" destOrd="0"/>
+      </dgm:cxnLst>
+      <dgm:bg/>
+      <dgm:whole/>
+    </dgm:dataModel>
+  </dgm:clrData>
+  <dgm:layoutNode name="linearFlow">
+    <dgm:varLst>
+      <dgm:dir/>
+      <dgm:resizeHandles val="exact"/>
+    </dgm:varLst>
+    <dgm:alg type="lin">
+      <dgm:param type="linDir" val="fromT"/>
+      <dgm:param type="vertAlign" val="mid"/>
+      <dgm:param type="horzAlign" val="ctr"/>
+    </dgm:alg>
+    <dgm:shape xmlns:r="http://schemas.openxmlformats.org/officeDocument/2006/relationships" r:blip="">
+      <dgm:adjLst/>
+    </dgm:shape>
+    <dgm:presOf/>
+    <dgm:constrLst>
+      <dgm:constr type="w" for="ch" forName="composite" refType="w"/>
+      <dgm:constr type="h" for="ch" forName="composite" refType="h"/>
+      <dgm:constr type="h" for="ch" forName="spacing" refType="h" refFor="ch" refForName="composite" fact="0.25"/>
+      <dgm:constr type="h" for="ch" forName="spacing" refType="w" op="lte" fact="0.1"/>
+      <dgm:constr type="primFontSz" for="des" ptType="node" op="equ" val="65"/>
+    </dgm:constrLst>
+    <dgm:ruleLst/>
+    <dgm:forEach name="Name0" axis="ch" ptType="node">
+      <dgm:layoutNode name="composite">
+        <dgm:alg type="composite"/>
+        <dgm:shape xmlns:r="http://schemas.openxmlformats.org/officeDocument/2006/relationships" r:blip="">
+          <dgm:adjLst/>
+        </dgm:shape>
+        <dgm:presOf/>
+        <dgm:choose name="Name1">
+          <dgm:if name="Name2" func="var" arg="dir" op="equ" val="norm">
+            <dgm:constrLst>
+              <dgm:constr type="w" for="ch" forName="imgShp" refType="w" fact="0.335"/>
+              <dgm:constr type="h" for="ch" forName="imgShp" refType="w" refFor="ch" refForName="imgShp" op="equ"/>
+              <dgm:constr type="h" for="ch" forName="imgShp" refType="h" op="lte"/>
+              <dgm:constr type="ctrY" for="ch" forName="imgShp" refType="h" fact="0.5"/>
+              <dgm:constr type="l" for="ch" forName="imgShp"/>
+              <dgm:constr type="w" for="ch" forName="txShp" refType="w" op="equ" fact="0.665"/>
+              <dgm:constr type="h" for="ch" forName="txShp" refType="h" refFor="ch" refForName="imgShp" op="equ"/>
+              <dgm:constr type="ctrY" for="ch" forName="txShp" refType="h" fact="0.5"/>
+              <dgm:constr type="l" for="ch" forName="txShp" refType="w" refFor="ch" refForName="imgShp" fact="0.5"/>
+              <dgm:constr type="lMarg" for="ch" forName="txShp" refType="w" refFor="ch" refForName="imgShp" fact="1.25"/>
+            </dgm:constrLst>
+          </dgm:if>
+          <dgm:else name="Name3">
+            <dgm:constrLst>
+              <dgm:constr type="w" for="ch" forName="imgShp" refType="w" fact="0.335"/>
+              <dgm:constr type="h" for="ch" forName="imgShp" refType="w" refFor="ch" refForName="imgShp" op="equ"/>
+              <dgm:constr type="h" for="ch" forName="imgShp" refType="h" op="lte"/>
+              <dgm:constr type="ctrY" for="ch" forName="imgShp" refType="h" fact="0.5"/>
+              <dgm:constr type="r" for="ch" forName="imgShp" refType="w"/>
+              <dgm:constr type="w" for="ch" forName="txShp" refType="w" op="equ" fact="0.665"/>
+              <dgm:constr type="h" for="ch" forName="txShp" refType="h" refFor="ch" refForName="imgShp" op="equ"/>
+              <dgm:constr type="ctrY" for="ch" forName="txShp" refType="h" fact="0.5"/>
+              <dgm:constr type="r" for="ch" forName="txShp" refType="ctrX" refFor="ch" refForName="imgShp"/>
+              <dgm:constr type="rMarg" for="ch" forName="txShp" refType="w" refFor="ch" refForName="imgShp" fact="1.25"/>
+            </dgm:constrLst>
+          </dgm:else>
+        </dgm:choose>
+        <dgm:ruleLst/>
+        <dgm:layoutNode name="imgShp" styleLbl="fgImgPlace1">
+          <dgm:alg type="sp"/>
+          <dgm:shape xmlns:r="http://schemas.openxmlformats.org/officeDocument/2006/relationships" type="ellipse" r:blip="" blipPhldr="1">
+            <dgm:adjLst/>
+          </dgm:shape>
+          <dgm:presOf/>
+          <dgm:constrLst/>
+          <dgm:ruleLst/>
+        </dgm:layoutNode>
+        <dgm:layoutNode name="txShp">
+          <dgm:varLst>
+            <dgm:bulletEnabled val="1"/>
+          </dgm:varLst>
+          <dgm:alg type="tx"/>
+          <dgm:choose name="Name4">
+            <dgm:if name="Name5" func="var" arg="dir" op="equ" val="norm">
+              <dgm:shape xmlns:r="http://schemas.openxmlformats.org/officeDocument/2006/relationships" rot="180" type="homePlate" r:blip="" zOrderOff="-1">
+                <dgm:adjLst/>
+              </dgm:shape>
+            </dgm:if>
+            <dgm:else name="Name6">
+              <dgm:shape xmlns:r="http://schemas.openxmlformats.org/officeDocument/2006/relationships" type="homePlate" r:blip="" zOrderOff="-1">
+                <dgm:adjLst/>
+              </dgm:shape>
+            </dgm:else>
+          </dgm:choose>
+          <dgm:presOf axis="desOrSelf" ptType="node"/>
+          <dgm:constrLst>
+            <dgm:constr type="tMarg" refType="primFontSz" fact="0.3"/>
+            <dgm:constr type="bMarg" refType="primFontSz" fact="0.3"/>
+          </dgm:constrLst>
+          <dgm:ruleLst>
+            <dgm:rule type="primFontSz" val="5" fact="NaN" max="NaN"/>
+          </dgm:ruleLst>
+        </dgm:layoutNode>
+      </dgm:layoutNode>
+      <dgm:forEach name="Name7" axis="followSib" ptType="sibTrans" cnt="1">
+        <dgm:layoutNode name="spacing">
+          <dgm:alg type="sp"/>
+          <dgm:shape xmlns:r="http://schemas.openxmlformats.org/officeDocument/2006/relationships" r:blip="">
+            <dgm:adjLst/>
+          </dgm:shape>
+          <dgm:presOf axis="self"/>
+          <dgm:constrLst/>
+          <dgm:ruleLst/>
+        </dgm:layoutNode>
+      </dgm:forEach>
+    </dgm:forEach>
+  </dgm:layoutNode>
+</dgm:layoutDef>
+</file>
+
+<file path=ppt/diagrams/layout2.xml><?xml version="1.0" encoding="utf-8"?>
 <dgm:layoutDef xmlns:dgm="http://schemas.openxmlformats.org/drawingml/2006/diagram" xmlns:a="http://schemas.openxmlformats.org/drawingml/2006/main" uniqueId="urn:microsoft.com/office/officeart/2005/8/layout/vList5">
   <dgm:title val=""/>
   <dgm:desc val=""/>
@@ -10596,7 +11892,7 @@
 </dgm:layoutDef>
 </file>
 
-<file path=ppt/diagrams/layout2.xml><?xml version="1.0" encoding="utf-8"?>
+<file path=ppt/diagrams/layout3.xml><?xml version="1.0" encoding="utf-8"?>
 <dgm:layoutDef xmlns:dgm="http://schemas.openxmlformats.org/drawingml/2006/diagram" xmlns:a="http://schemas.openxmlformats.org/drawingml/2006/main" uniqueId="urn:microsoft.com/office/officeart/2005/8/layout/process3">
   <dgm:title val=""/>
   <dgm:desc val=""/>
@@ -10897,7 +12193,7 @@
 </dgm:layoutDef>
 </file>
 
-<file path=ppt/diagrams/layout3.xml><?xml version="1.0" encoding="utf-8"?>
+<file path=ppt/diagrams/layout4.xml><?xml version="1.0" encoding="utf-8"?>
 <dgm:layoutDef xmlns:dgm="http://schemas.openxmlformats.org/drawingml/2006/diagram" xmlns:a="http://schemas.openxmlformats.org/drawingml/2006/main" uniqueId="urn:microsoft.com/office/officeart/2005/8/layout/hierarchy4">
   <dgm:title val=""/>
   <dgm:desc val=""/>
@@ -11419,7 +12715,7 @@
 </dgm:layoutDef>
 </file>
 
-<file path=ppt/diagrams/layout4.xml><?xml version="1.0" encoding="utf-8"?>
+<file path=ppt/diagrams/layout5.xml><?xml version="1.0" encoding="utf-8"?>
 <dgm:layoutDef xmlns:dgm="http://schemas.openxmlformats.org/drawingml/2006/diagram" xmlns:a="http://schemas.openxmlformats.org/drawingml/2006/main" uniqueId="urn:microsoft.com/office/officeart/2008/layout/HorizontalMultiLevelHierarchy">
   <dgm:title val=""/>
   <dgm:desc val=""/>
@@ -12777,11 +14073,11 @@
 </file>
 
 <file path=ppt/diagrams/quickStyle2.xml><?xml version="1.0" encoding="utf-8"?>
-<dgm:styleDef xmlns:dgm="http://schemas.openxmlformats.org/drawingml/2006/diagram" xmlns:a="http://schemas.openxmlformats.org/drawingml/2006/main" uniqueId="urn:microsoft.com/office/officeart/2005/8/quickstyle/simple5">
+<dgm:styleDef xmlns:dgm="http://schemas.openxmlformats.org/drawingml/2006/diagram" xmlns:a="http://schemas.openxmlformats.org/drawingml/2006/main" uniqueId="urn:microsoft.com/office/officeart/2005/8/quickstyle/simple1">
   <dgm:title val=""/>
   <dgm:desc val=""/>
   <dgm:catLst>
-    <dgm:cat type="simple" pri="10500"/>
+    <dgm:cat type="simple" pri="10100"/>
   </dgm:catLst>
   <dgm:scene3d>
     <a:camera prst="orthographicFront"/>
@@ -12795,13 +14091,13 @@
     <dgm:sp3d/>
     <dgm:txPr/>
     <dgm:style>
-      <a:lnRef idx="0">
+      <a:lnRef idx="2">
         <a:scrgbClr r="0" g="0" b="0"/>
       </a:lnRef>
-      <a:fillRef idx="3">
+      <a:fillRef idx="1">
         <a:scrgbClr r="0" g="0" b="0"/>
       </a:fillRef>
-      <a:effectRef idx="3">
+      <a:effectRef idx="0">
         <a:scrgbClr r="0" g="0" b="0"/>
       </a:effectRef>
       <a:fontRef idx="minor">
@@ -12817,13 +14113,13 @@
     <dgm:sp3d/>
     <dgm:txPr/>
     <dgm:style>
-      <a:lnRef idx="0">
+      <a:lnRef idx="2">
         <a:scrgbClr r="0" g="0" b="0"/>
       </a:lnRef>
-      <a:fillRef idx="3">
+      <a:fillRef idx="1">
         <a:scrgbClr r="0" g="0" b="0"/>
       </a:fillRef>
-      <a:effectRef idx="3">
+      <a:effectRef idx="0">
         <a:scrgbClr r="0" g="0" b="0"/>
       </a:effectRef>
       <a:fontRef idx="minor">
@@ -12839,13 +14135,13 @@
     <dgm:sp3d/>
     <dgm:txPr/>
     <dgm:style>
-      <a:lnRef idx="0">
+      <a:lnRef idx="2">
         <a:scrgbClr r="0" g="0" b="0"/>
       </a:lnRef>
-      <a:fillRef idx="3">
+      <a:fillRef idx="1">
         <a:scrgbClr r="0" g="0" b="0"/>
       </a:fillRef>
-      <a:effectRef idx="3">
+      <a:effectRef idx="0">
         <a:scrgbClr r="0" g="0" b="0"/>
       </a:effectRef>
       <a:fontRef idx="minor">
@@ -12861,13 +14157,13 @@
     <dgm:sp3d/>
     <dgm:txPr/>
     <dgm:style>
-      <a:lnRef idx="1">
+      <a:lnRef idx="2">
         <a:scrgbClr r="0" g="0" b="0"/>
       </a:lnRef>
-      <a:fillRef idx="3">
+      <a:fillRef idx="1">
         <a:scrgbClr r="0" g="0" b="0"/>
       </a:fillRef>
-      <a:effectRef idx="3">
+      <a:effectRef idx="0">
         <a:scrgbClr r="0" g="0" b="0"/>
       </a:effectRef>
       <a:fontRef idx="minor">
@@ -12883,13 +14179,13 @@
     <dgm:sp3d/>
     <dgm:txPr/>
     <dgm:style>
-      <a:lnRef idx="0">
+      <a:lnRef idx="2">
         <a:scrgbClr r="0" g="0" b="0"/>
       </a:lnRef>
-      <a:fillRef idx="3">
+      <a:fillRef idx="1">
         <a:scrgbClr r="0" g="0" b="0"/>
       </a:fillRef>
-      <a:effectRef idx="3">
+      <a:effectRef idx="0">
         <a:scrgbClr r="0" g="0" b="0"/>
       </a:effectRef>
       <a:fontRef idx="minor">
@@ -12905,13 +14201,13 @@
     <dgm:sp3d/>
     <dgm:txPr/>
     <dgm:style>
-      <a:lnRef idx="0">
+      <a:lnRef idx="2">
         <a:scrgbClr r="0" g="0" b="0"/>
       </a:lnRef>
-      <a:fillRef idx="3">
+      <a:fillRef idx="1">
         <a:scrgbClr r="0" g="0" b="0"/>
       </a:fillRef>
-      <a:effectRef idx="3">
+      <a:effectRef idx="0">
         <a:scrgbClr r="0" g="0" b="0"/>
       </a:effectRef>
       <a:fontRef idx="minor">
@@ -12927,13 +14223,13 @@
     <dgm:sp3d/>
     <dgm:txPr/>
     <dgm:style>
-      <a:lnRef idx="0">
+      <a:lnRef idx="2">
         <a:scrgbClr r="0" g="0" b="0"/>
       </a:lnRef>
-      <a:fillRef idx="3">
+      <a:fillRef idx="1">
         <a:scrgbClr r="0" g="0" b="0"/>
       </a:fillRef>
-      <a:effectRef idx="3">
+      <a:effectRef idx="0">
         <a:scrgbClr r="0" g="0" b="0"/>
       </a:effectRef>
       <a:fontRef idx="minor">
@@ -12949,13 +14245,13 @@
     <dgm:sp3d/>
     <dgm:txPr/>
     <dgm:style>
-      <a:lnRef idx="0">
+      <a:lnRef idx="2">
         <a:scrgbClr r="0" g="0" b="0"/>
       </a:lnRef>
-      <a:fillRef idx="3">
+      <a:fillRef idx="1">
         <a:scrgbClr r="0" g="0" b="0"/>
       </a:fillRef>
-      <a:effectRef idx="3">
+      <a:effectRef idx="0">
         <a:scrgbClr r="0" g="0" b="0"/>
       </a:effectRef>
       <a:fontRef idx="minor">
@@ -12971,13 +14267,13 @@
     <dgm:sp3d/>
     <dgm:txPr/>
     <dgm:style>
-      <a:lnRef idx="0">
+      <a:lnRef idx="2">
         <a:scrgbClr r="0" g="0" b="0"/>
       </a:lnRef>
       <a:fillRef idx="1">
         <a:scrgbClr r="0" g="0" b="0"/>
       </a:fillRef>
-      <a:effectRef idx="3">
+      <a:effectRef idx="0">
         <a:scrgbClr r="0" g="0" b="0"/>
       </a:effectRef>
       <a:fontRef idx="minor"/>
@@ -12991,13 +14287,13 @@
     <dgm:sp3d/>
     <dgm:txPr/>
     <dgm:style>
-      <a:lnRef idx="0">
+      <a:lnRef idx="2">
         <a:scrgbClr r="0" g="0" b="0"/>
       </a:lnRef>
       <a:fillRef idx="1">
         <a:scrgbClr r="0" g="0" b="0"/>
       </a:fillRef>
-      <a:effectRef idx="3">
+      <a:effectRef idx="0">
         <a:scrgbClr r="0" g="0" b="0"/>
       </a:effectRef>
       <a:fontRef idx="minor"/>
@@ -13011,13 +14307,13 @@
     <dgm:sp3d/>
     <dgm:txPr/>
     <dgm:style>
-      <a:lnRef idx="0">
+      <a:lnRef idx="2">
         <a:scrgbClr r="0" g="0" b="0"/>
       </a:lnRef>
       <a:fillRef idx="1">
         <a:scrgbClr r="0" g="0" b="0"/>
       </a:fillRef>
-      <a:effectRef idx="3">
+      <a:effectRef idx="0">
         <a:scrgbClr r="0" g="0" b="0"/>
       </a:effectRef>
       <a:fontRef idx="minor"/>
@@ -13034,10 +14330,10 @@
       <a:lnRef idx="0">
         <a:scrgbClr r="0" g="0" b="0"/>
       </a:lnRef>
-      <a:fillRef idx="3">
+      <a:fillRef idx="1">
         <a:scrgbClr r="0" g="0" b="0"/>
       </a:fillRef>
-      <a:effectRef idx="3">
+      <a:effectRef idx="0">
         <a:scrgbClr r="0" g="0" b="0"/>
       </a:effectRef>
       <a:fontRef idx="minor">
@@ -13056,10 +14352,10 @@
       <a:lnRef idx="0">
         <a:scrgbClr r="0" g="0" b="0"/>
       </a:lnRef>
-      <a:fillRef idx="3">
+      <a:fillRef idx="1">
         <a:scrgbClr r="0" g="0" b="0"/>
       </a:fillRef>
-      <a:effectRef idx="3">
+      <a:effectRef idx="0">
         <a:scrgbClr r="0" g="0" b="0"/>
       </a:effectRef>
       <a:fontRef idx="minor">
@@ -13078,10 +14374,10 @@
       <a:lnRef idx="0">
         <a:scrgbClr r="0" g="0" b="0"/>
       </a:lnRef>
-      <a:fillRef idx="3">
+      <a:fillRef idx="1">
         <a:scrgbClr r="0" g="0" b="0"/>
       </a:fillRef>
-      <a:effectRef idx="3">
+      <a:effectRef idx="0">
         <a:scrgbClr r="0" g="0" b="0"/>
       </a:effectRef>
       <a:fontRef idx="minor">
@@ -13117,13 +14413,13 @@
     <dgm:sp3d/>
     <dgm:txPr/>
     <dgm:style>
-      <a:lnRef idx="1">
+      <a:lnRef idx="2">
         <a:scrgbClr r="0" g="0" b="0"/>
       </a:lnRef>
-      <a:fillRef idx="0">
+      <a:fillRef idx="1">
         <a:scrgbClr r="0" g="0" b="0"/>
       </a:fillRef>
-      <a:effectRef idx="1">
+      <a:effectRef idx="0">
         <a:scrgbClr r="0" g="0" b="0"/>
       </a:effectRef>
       <a:fontRef idx="minor"/>
@@ -13137,13 +14433,13 @@
     <dgm:sp3d/>
     <dgm:txPr/>
     <dgm:style>
-      <a:lnRef idx="0">
+      <a:lnRef idx="2">
         <a:scrgbClr r="0" g="0" b="0"/>
       </a:lnRef>
-      <a:fillRef idx="3">
+      <a:fillRef idx="1">
         <a:scrgbClr r="0" g="0" b="0"/>
       </a:fillRef>
-      <a:effectRef idx="3">
+      <a:effectRef idx="0">
         <a:scrgbClr r="0" g="0" b="0"/>
       </a:effectRef>
       <a:fontRef idx="minor">
@@ -13159,13 +14455,13 @@
     <dgm:sp3d/>
     <dgm:txPr/>
     <dgm:style>
-      <a:lnRef idx="0">
+      <a:lnRef idx="2">
         <a:scrgbClr r="0" g="0" b="0"/>
       </a:lnRef>
-      <a:fillRef idx="3">
+      <a:fillRef idx="1">
         <a:scrgbClr r="0" g="0" b="0"/>
       </a:fillRef>
-      <a:effectRef idx="3">
+      <a:effectRef idx="0">
         <a:scrgbClr r="0" g="0" b="0"/>
       </a:effectRef>
       <a:fontRef idx="minor">
@@ -13181,13 +14477,13 @@
     <dgm:sp3d/>
     <dgm:txPr/>
     <dgm:style>
-      <a:lnRef idx="0">
+      <a:lnRef idx="2">
         <a:scrgbClr r="0" g="0" b="0"/>
       </a:lnRef>
-      <a:fillRef idx="3">
+      <a:fillRef idx="1">
         <a:scrgbClr r="0" g="0" b="0"/>
       </a:fillRef>
-      <a:effectRef idx="3">
+      <a:effectRef idx="0">
         <a:scrgbClr r="0" g="0" b="0"/>
       </a:effectRef>
       <a:fontRef idx="minor">
@@ -13203,13 +14499,13 @@
     <dgm:sp3d/>
     <dgm:txPr/>
     <dgm:style>
-      <a:lnRef idx="0">
+      <a:lnRef idx="2">
         <a:scrgbClr r="0" g="0" b="0"/>
       </a:lnRef>
-      <a:fillRef idx="3">
+      <a:fillRef idx="1">
         <a:scrgbClr r="0" g="0" b="0"/>
       </a:fillRef>
-      <a:effectRef idx="3">
+      <a:effectRef idx="0">
         <a:scrgbClr r="0" g="0" b="0"/>
       </a:effectRef>
       <a:fontRef idx="minor">
@@ -13225,13 +14521,13 @@
     <dgm:sp3d/>
     <dgm:txPr/>
     <dgm:style>
-      <a:lnRef idx="0">
+      <a:lnRef idx="2">
         <a:scrgbClr r="0" g="0" b="0"/>
       </a:lnRef>
-      <a:fillRef idx="3">
+      <a:fillRef idx="1">
         <a:scrgbClr r="0" g="0" b="0"/>
       </a:fillRef>
-      <a:effectRef idx="3">
+      <a:effectRef idx="0">
         <a:scrgbClr r="0" g="0" b="0"/>
       </a:effectRef>
       <a:fontRef idx="minor">
@@ -13247,13 +14543,13 @@
     <dgm:sp3d/>
     <dgm:txPr/>
     <dgm:style>
-      <a:lnRef idx="0">
+      <a:lnRef idx="2">
         <a:scrgbClr r="0" g="0" b="0"/>
       </a:lnRef>
-      <a:fillRef idx="3">
+      <a:fillRef idx="1">
         <a:scrgbClr r="0" g="0" b="0"/>
       </a:fillRef>
-      <a:effectRef idx="3">
+      <a:effectRef idx="0">
         <a:scrgbClr r="0" g="0" b="0"/>
       </a:effectRef>
       <a:fontRef idx="minor">
@@ -13269,13 +14565,13 @@
     <dgm:sp3d/>
     <dgm:txPr/>
     <dgm:style>
-      <a:lnRef idx="0">
+      <a:lnRef idx="2">
         <a:scrgbClr r="0" g="0" b="0"/>
       </a:lnRef>
-      <a:fillRef idx="3">
+      <a:fillRef idx="1">
         <a:scrgbClr r="0" g="0" b="0"/>
       </a:fillRef>
-      <a:effectRef idx="3">
+      <a:effectRef idx="0">
         <a:scrgbClr r="0" g="0" b="0"/>
       </a:effectRef>
       <a:fontRef idx="minor">
@@ -13291,13 +14587,13 @@
     <dgm:sp3d/>
     <dgm:txPr/>
     <dgm:style>
-      <a:lnRef idx="0">
+      <a:lnRef idx="2">
         <a:scrgbClr r="0" g="0" b="0"/>
       </a:lnRef>
-      <a:fillRef idx="3">
+      <a:fillRef idx="1">
         <a:scrgbClr r="0" g="0" b="0"/>
       </a:fillRef>
-      <a:effectRef idx="3">
+      <a:effectRef idx="0">
         <a:scrgbClr r="0" g="0" b="0"/>
       </a:effectRef>
       <a:fontRef idx="minor">
@@ -13313,13 +14609,13 @@
     <dgm:sp3d/>
     <dgm:txPr/>
     <dgm:style>
-      <a:lnRef idx="0">
+      <a:lnRef idx="2">
         <a:scrgbClr r="0" g="0" b="0"/>
       </a:lnRef>
-      <a:fillRef idx="3">
+      <a:fillRef idx="1">
         <a:scrgbClr r="0" g="0" b="0"/>
       </a:fillRef>
-      <a:effectRef idx="3">
+      <a:effectRef idx="0">
         <a:scrgbClr r="0" g="0" b="0"/>
       </a:effectRef>
       <a:fontRef idx="minor">
@@ -13415,13 +14711,13 @@
     <dgm:sp3d/>
     <dgm:txPr/>
     <dgm:style>
-      <a:lnRef idx="1">
+      <a:lnRef idx="2">
         <a:scrgbClr r="0" g="0" b="0"/>
       </a:lnRef>
       <a:fillRef idx="1">
         <a:scrgbClr r="0" g="0" b="0"/>
       </a:fillRef>
-      <a:effectRef idx="2">
+      <a:effectRef idx="0">
         <a:scrgbClr r="0" g="0" b="0"/>
       </a:effectRef>
       <a:fontRef idx="minor"/>
@@ -13435,13 +14731,13 @@
     <dgm:sp3d/>
     <dgm:txPr/>
     <dgm:style>
-      <a:lnRef idx="1">
+      <a:lnRef idx="2">
         <a:scrgbClr r="0" g="0" b="0"/>
       </a:lnRef>
       <a:fillRef idx="1">
         <a:scrgbClr r="0" g="0" b="0"/>
       </a:fillRef>
-      <a:effectRef idx="2">
+      <a:effectRef idx="0">
         <a:scrgbClr r="0" g="0" b="0"/>
       </a:effectRef>
       <a:fontRef idx="minor"/>
@@ -13455,13 +14751,13 @@
     <dgm:sp3d/>
     <dgm:txPr/>
     <dgm:style>
-      <a:lnRef idx="1">
+      <a:lnRef idx="2">
         <a:scrgbClr r="0" g="0" b="0"/>
       </a:lnRef>
       <a:fillRef idx="1">
         <a:scrgbClr r="0" g="0" b="0"/>
       </a:fillRef>
-      <a:effectRef idx="2">
+      <a:effectRef idx="0">
         <a:scrgbClr r="0" g="0" b="0"/>
       </a:effectRef>
       <a:fontRef idx="minor"/>
@@ -13495,13 +14791,13 @@
     <dgm:sp3d/>
     <dgm:txPr/>
     <dgm:style>
-      <a:lnRef idx="1">
+      <a:lnRef idx="2">
         <a:scrgbClr r="0" g="0" b="0"/>
       </a:lnRef>
       <a:fillRef idx="1">
         <a:scrgbClr r="0" g="0" b="0"/>
       </a:fillRef>
-      <a:effectRef idx="2">
+      <a:effectRef idx="0">
         <a:scrgbClr r="0" g="0" b="0"/>
       </a:effectRef>
       <a:fontRef idx="minor"/>
@@ -13515,13 +14811,13 @@
     <dgm:sp3d/>
     <dgm:txPr/>
     <dgm:style>
-      <a:lnRef idx="1">
+      <a:lnRef idx="2">
         <a:scrgbClr r="0" g="0" b="0"/>
       </a:lnRef>
       <a:fillRef idx="1">
         <a:scrgbClr r="0" g="0" b="0"/>
       </a:fillRef>
-      <a:effectRef idx="2">
+      <a:effectRef idx="0">
         <a:scrgbClr r="0" g="0" b="0"/>
       </a:effectRef>
       <a:fontRef idx="minor"/>
@@ -13535,13 +14831,13 @@
     <dgm:sp3d/>
     <dgm:txPr/>
     <dgm:style>
-      <a:lnRef idx="1">
+      <a:lnRef idx="2">
         <a:scrgbClr r="0" g="0" b="0"/>
       </a:lnRef>
       <a:fillRef idx="1">
         <a:scrgbClr r="0" g="0" b="0"/>
       </a:fillRef>
-      <a:effectRef idx="3">
+      <a:effectRef idx="0">
         <a:scrgbClr r="0" g="0" b="0"/>
       </a:effectRef>
       <a:fontRef idx="minor"/>
@@ -13555,13 +14851,13 @@
     <dgm:sp3d/>
     <dgm:txPr/>
     <dgm:style>
-      <a:lnRef idx="1">
+      <a:lnRef idx="2">
         <a:scrgbClr r="0" g="0" b="0"/>
       </a:lnRef>
       <a:fillRef idx="1">
         <a:scrgbClr r="0" g="0" b="0"/>
       </a:fillRef>
-      <a:effectRef idx="3">
+      <a:effectRef idx="0">
         <a:scrgbClr r="0" g="0" b="0"/>
       </a:effectRef>
       <a:fontRef idx="minor"/>
@@ -13575,13 +14871,13 @@
     <dgm:sp3d/>
     <dgm:txPr/>
     <dgm:style>
-      <a:lnRef idx="1">
+      <a:lnRef idx="2">
         <a:scrgbClr r="0" g="0" b="0"/>
       </a:lnRef>
       <a:fillRef idx="1">
         <a:scrgbClr r="0" g="0" b="0"/>
       </a:fillRef>
-      <a:effectRef idx="2">
+      <a:effectRef idx="0">
         <a:scrgbClr r="0" g="0" b="0"/>
       </a:effectRef>
       <a:fontRef idx="minor"/>
@@ -13595,13 +14891,13 @@
     <dgm:sp3d/>
     <dgm:txPr/>
     <dgm:style>
-      <a:lnRef idx="1">
+      <a:lnRef idx="2">
         <a:scrgbClr r="0" g="0" b="0"/>
       </a:lnRef>
       <a:fillRef idx="1">
         <a:scrgbClr r="0" g="0" b="0"/>
       </a:fillRef>
-      <a:effectRef idx="2">
+      <a:effectRef idx="0">
         <a:scrgbClr r="0" g="0" b="0"/>
       </a:effectRef>
       <a:fontRef idx="minor"/>
@@ -13615,13 +14911,13 @@
     <dgm:sp3d/>
     <dgm:txPr/>
     <dgm:style>
-      <a:lnRef idx="1">
+      <a:lnRef idx="2">
         <a:scrgbClr r="0" g="0" b="0"/>
       </a:lnRef>
       <a:fillRef idx="1">
         <a:scrgbClr r="0" g="0" b="0"/>
       </a:fillRef>
-      <a:effectRef idx="2">
+      <a:effectRef idx="0">
         <a:scrgbClr r="0" g="0" b="0"/>
       </a:effectRef>
       <a:fontRef idx="minor"/>
@@ -13635,13 +14931,13 @@
     <dgm:sp3d/>
     <dgm:txPr/>
     <dgm:style>
-      <a:lnRef idx="1">
+      <a:lnRef idx="2">
         <a:scrgbClr r="0" g="0" b="0"/>
       </a:lnRef>
       <a:fillRef idx="1">
         <a:scrgbClr r="0" g="0" b="0"/>
       </a:fillRef>
-      <a:effectRef idx="2">
+      <a:effectRef idx="0">
         <a:scrgbClr r="0" g="0" b="0"/>
       </a:effectRef>
       <a:fontRef idx="minor"/>
@@ -13655,13 +14951,13 @@
     <dgm:sp3d/>
     <dgm:txPr/>
     <dgm:style>
-      <a:lnRef idx="1">
+      <a:lnRef idx="2">
         <a:scrgbClr r="0" g="0" b="0"/>
       </a:lnRef>
       <a:fillRef idx="1">
         <a:scrgbClr r="0" g="0" b="0"/>
       </a:fillRef>
-      <a:effectRef idx="2">
+      <a:effectRef idx="0">
         <a:scrgbClr r="0" g="0" b="0"/>
       </a:effectRef>
       <a:fontRef idx="minor"/>
@@ -13675,13 +14971,13 @@
     <dgm:sp3d/>
     <dgm:txPr/>
     <dgm:style>
-      <a:lnRef idx="1">
+      <a:lnRef idx="2">
         <a:scrgbClr r="0" g="0" b="0"/>
       </a:lnRef>
       <a:fillRef idx="1">
         <a:scrgbClr r="0" g="0" b="0"/>
       </a:fillRef>
-      <a:effectRef idx="2">
+      <a:effectRef idx="0">
         <a:scrgbClr r="0" g="0" b="0"/>
       </a:effectRef>
       <a:fontRef idx="minor"/>
@@ -13695,13 +14991,13 @@
     <dgm:sp3d/>
     <dgm:txPr/>
     <dgm:style>
-      <a:lnRef idx="1">
+      <a:lnRef idx="2">
         <a:scrgbClr r="0" g="0" b="0"/>
       </a:lnRef>
       <a:fillRef idx="1">
         <a:scrgbClr r="0" g="0" b="0"/>
       </a:fillRef>
-      <a:effectRef idx="2">
+      <a:effectRef idx="0">
         <a:scrgbClr r="0" g="0" b="0"/>
       </a:effectRef>
       <a:fontRef idx="minor"/>
@@ -13721,7 +15017,7 @@
       <a:fillRef idx="1">
         <a:scrgbClr r="0" g="0" b="0"/>
       </a:fillRef>
-      <a:effectRef idx="2">
+      <a:effectRef idx="0">
         <a:scrgbClr r="0" g="0" b="0"/>
       </a:effectRef>
       <a:fontRef idx="minor"/>
@@ -13741,7 +15037,7 @@
       <a:fillRef idx="1">
         <a:scrgbClr r="0" g="0" b="0"/>
       </a:fillRef>
-      <a:effectRef idx="3">
+      <a:effectRef idx="0">
         <a:scrgbClr r="0" g="0" b="0"/>
       </a:effectRef>
       <a:fontRef idx="minor"/>
@@ -13775,13 +15071,13 @@
     <dgm:sp3d/>
     <dgm:txPr/>
     <dgm:style>
-      <a:lnRef idx="0">
+      <a:lnRef idx="2">
         <a:scrgbClr r="0" g="0" b="0"/>
       </a:lnRef>
-      <a:fillRef idx="3">
+      <a:fillRef idx="1">
         <a:scrgbClr r="0" g="0" b="0"/>
       </a:fillRef>
-      <a:effectRef idx="3">
+      <a:effectRef idx="0">
         <a:scrgbClr r="0" g="0" b="0"/>
       </a:effectRef>
       <a:fontRef idx="minor"/>
@@ -14845,6 +16141,1040 @@
 </file>
 
 <file path=ppt/diagrams/quickStyle4.xml><?xml version="1.0" encoding="utf-8"?>
+<dgm:styleDef xmlns:dgm="http://schemas.openxmlformats.org/drawingml/2006/diagram" xmlns:a="http://schemas.openxmlformats.org/drawingml/2006/main" uniqueId="urn:microsoft.com/office/officeart/2005/8/quickstyle/simple5">
+  <dgm:title val=""/>
+  <dgm:desc val=""/>
+  <dgm:catLst>
+    <dgm:cat type="simple" pri="10500"/>
+  </dgm:catLst>
+  <dgm:scene3d>
+    <a:camera prst="orthographicFront"/>
+    <a:lightRig rig="threePt" dir="t"/>
+  </dgm:scene3d>
+  <dgm:styleLbl name="node0">
+    <dgm:scene3d>
+      <a:camera prst="orthographicFront"/>
+      <a:lightRig rig="threePt" dir="t"/>
+    </dgm:scene3d>
+    <dgm:sp3d/>
+    <dgm:txPr/>
+    <dgm:style>
+      <a:lnRef idx="0">
+        <a:scrgbClr r="0" g="0" b="0"/>
+      </a:lnRef>
+      <a:fillRef idx="3">
+        <a:scrgbClr r="0" g="0" b="0"/>
+      </a:fillRef>
+      <a:effectRef idx="3">
+        <a:scrgbClr r="0" g="0" b="0"/>
+      </a:effectRef>
+      <a:fontRef idx="minor">
+        <a:schemeClr val="lt1"/>
+      </a:fontRef>
+    </dgm:style>
+  </dgm:styleLbl>
+  <dgm:styleLbl name="lnNode1">
+    <dgm:scene3d>
+      <a:camera prst="orthographicFront"/>
+      <a:lightRig rig="threePt" dir="t"/>
+    </dgm:scene3d>
+    <dgm:sp3d/>
+    <dgm:txPr/>
+    <dgm:style>
+      <a:lnRef idx="0">
+        <a:scrgbClr r="0" g="0" b="0"/>
+      </a:lnRef>
+      <a:fillRef idx="3">
+        <a:scrgbClr r="0" g="0" b="0"/>
+      </a:fillRef>
+      <a:effectRef idx="3">
+        <a:scrgbClr r="0" g="0" b="0"/>
+      </a:effectRef>
+      <a:fontRef idx="minor">
+        <a:schemeClr val="lt1"/>
+      </a:fontRef>
+    </dgm:style>
+  </dgm:styleLbl>
+  <dgm:styleLbl name="vennNode1">
+    <dgm:scene3d>
+      <a:camera prst="orthographicFront"/>
+      <a:lightRig rig="threePt" dir="t"/>
+    </dgm:scene3d>
+    <dgm:sp3d/>
+    <dgm:txPr/>
+    <dgm:style>
+      <a:lnRef idx="0">
+        <a:scrgbClr r="0" g="0" b="0"/>
+      </a:lnRef>
+      <a:fillRef idx="3">
+        <a:scrgbClr r="0" g="0" b="0"/>
+      </a:fillRef>
+      <a:effectRef idx="3">
+        <a:scrgbClr r="0" g="0" b="0"/>
+      </a:effectRef>
+      <a:fontRef idx="minor">
+        <a:schemeClr val="tx1"/>
+      </a:fontRef>
+    </dgm:style>
+  </dgm:styleLbl>
+  <dgm:styleLbl name="alignNode1">
+    <dgm:scene3d>
+      <a:camera prst="orthographicFront"/>
+      <a:lightRig rig="threePt" dir="t"/>
+    </dgm:scene3d>
+    <dgm:sp3d/>
+    <dgm:txPr/>
+    <dgm:style>
+      <a:lnRef idx="1">
+        <a:scrgbClr r="0" g="0" b="0"/>
+      </a:lnRef>
+      <a:fillRef idx="3">
+        <a:scrgbClr r="0" g="0" b="0"/>
+      </a:fillRef>
+      <a:effectRef idx="3">
+        <a:scrgbClr r="0" g="0" b="0"/>
+      </a:effectRef>
+      <a:fontRef idx="minor">
+        <a:schemeClr val="lt1"/>
+      </a:fontRef>
+    </dgm:style>
+  </dgm:styleLbl>
+  <dgm:styleLbl name="node1">
+    <dgm:scene3d>
+      <a:camera prst="orthographicFront"/>
+      <a:lightRig rig="threePt" dir="t"/>
+    </dgm:scene3d>
+    <dgm:sp3d/>
+    <dgm:txPr/>
+    <dgm:style>
+      <a:lnRef idx="0">
+        <a:scrgbClr r="0" g="0" b="0"/>
+      </a:lnRef>
+      <a:fillRef idx="3">
+        <a:scrgbClr r="0" g="0" b="0"/>
+      </a:fillRef>
+      <a:effectRef idx="3">
+        <a:scrgbClr r="0" g="0" b="0"/>
+      </a:effectRef>
+      <a:fontRef idx="minor">
+        <a:schemeClr val="lt1"/>
+      </a:fontRef>
+    </dgm:style>
+  </dgm:styleLbl>
+  <dgm:styleLbl name="node2">
+    <dgm:scene3d>
+      <a:camera prst="orthographicFront"/>
+      <a:lightRig rig="threePt" dir="t"/>
+    </dgm:scene3d>
+    <dgm:sp3d/>
+    <dgm:txPr/>
+    <dgm:style>
+      <a:lnRef idx="0">
+        <a:scrgbClr r="0" g="0" b="0"/>
+      </a:lnRef>
+      <a:fillRef idx="3">
+        <a:scrgbClr r="0" g="0" b="0"/>
+      </a:fillRef>
+      <a:effectRef idx="3">
+        <a:scrgbClr r="0" g="0" b="0"/>
+      </a:effectRef>
+      <a:fontRef idx="minor">
+        <a:schemeClr val="lt1"/>
+      </a:fontRef>
+    </dgm:style>
+  </dgm:styleLbl>
+  <dgm:styleLbl name="node3">
+    <dgm:scene3d>
+      <a:camera prst="orthographicFront"/>
+      <a:lightRig rig="threePt" dir="t"/>
+    </dgm:scene3d>
+    <dgm:sp3d/>
+    <dgm:txPr/>
+    <dgm:style>
+      <a:lnRef idx="0">
+        <a:scrgbClr r="0" g="0" b="0"/>
+      </a:lnRef>
+      <a:fillRef idx="3">
+        <a:scrgbClr r="0" g="0" b="0"/>
+      </a:fillRef>
+      <a:effectRef idx="3">
+        <a:scrgbClr r="0" g="0" b="0"/>
+      </a:effectRef>
+      <a:fontRef idx="minor">
+        <a:schemeClr val="lt1"/>
+      </a:fontRef>
+    </dgm:style>
+  </dgm:styleLbl>
+  <dgm:styleLbl name="node4">
+    <dgm:scene3d>
+      <a:camera prst="orthographicFront"/>
+      <a:lightRig rig="threePt" dir="t"/>
+    </dgm:scene3d>
+    <dgm:sp3d/>
+    <dgm:txPr/>
+    <dgm:style>
+      <a:lnRef idx="0">
+        <a:scrgbClr r="0" g="0" b="0"/>
+      </a:lnRef>
+      <a:fillRef idx="3">
+        <a:scrgbClr r="0" g="0" b="0"/>
+      </a:fillRef>
+      <a:effectRef idx="3">
+        <a:scrgbClr r="0" g="0" b="0"/>
+      </a:effectRef>
+      <a:fontRef idx="minor">
+        <a:schemeClr val="lt1"/>
+      </a:fontRef>
+    </dgm:style>
+  </dgm:styleLbl>
+  <dgm:styleLbl name="fgImgPlace1">
+    <dgm:scene3d>
+      <a:camera prst="orthographicFront"/>
+      <a:lightRig rig="threePt" dir="t"/>
+    </dgm:scene3d>
+    <dgm:sp3d/>
+    <dgm:txPr/>
+    <dgm:style>
+      <a:lnRef idx="0">
+        <a:scrgbClr r="0" g="0" b="0"/>
+      </a:lnRef>
+      <a:fillRef idx="1">
+        <a:scrgbClr r="0" g="0" b="0"/>
+      </a:fillRef>
+      <a:effectRef idx="3">
+        <a:scrgbClr r="0" g="0" b="0"/>
+      </a:effectRef>
+      <a:fontRef idx="minor"/>
+    </dgm:style>
+  </dgm:styleLbl>
+  <dgm:styleLbl name="alignImgPlace1">
+    <dgm:scene3d>
+      <a:camera prst="orthographicFront"/>
+      <a:lightRig rig="threePt" dir="t"/>
+    </dgm:scene3d>
+    <dgm:sp3d/>
+    <dgm:txPr/>
+    <dgm:style>
+      <a:lnRef idx="0">
+        <a:scrgbClr r="0" g="0" b="0"/>
+      </a:lnRef>
+      <a:fillRef idx="1">
+        <a:scrgbClr r="0" g="0" b="0"/>
+      </a:fillRef>
+      <a:effectRef idx="3">
+        <a:scrgbClr r="0" g="0" b="0"/>
+      </a:effectRef>
+      <a:fontRef idx="minor"/>
+    </dgm:style>
+  </dgm:styleLbl>
+  <dgm:styleLbl name="bgImgPlace1">
+    <dgm:scene3d>
+      <a:camera prst="orthographicFront"/>
+      <a:lightRig rig="threePt" dir="t"/>
+    </dgm:scene3d>
+    <dgm:sp3d/>
+    <dgm:txPr/>
+    <dgm:style>
+      <a:lnRef idx="0">
+        <a:scrgbClr r="0" g="0" b="0"/>
+      </a:lnRef>
+      <a:fillRef idx="1">
+        <a:scrgbClr r="0" g="0" b="0"/>
+      </a:fillRef>
+      <a:effectRef idx="3">
+        <a:scrgbClr r="0" g="0" b="0"/>
+      </a:effectRef>
+      <a:fontRef idx="minor"/>
+    </dgm:style>
+  </dgm:styleLbl>
+  <dgm:styleLbl name="sibTrans2D1">
+    <dgm:scene3d>
+      <a:camera prst="orthographicFront"/>
+      <a:lightRig rig="threePt" dir="t"/>
+    </dgm:scene3d>
+    <dgm:sp3d/>
+    <dgm:txPr/>
+    <dgm:style>
+      <a:lnRef idx="0">
+        <a:scrgbClr r="0" g="0" b="0"/>
+      </a:lnRef>
+      <a:fillRef idx="3">
+        <a:scrgbClr r="0" g="0" b="0"/>
+      </a:fillRef>
+      <a:effectRef idx="3">
+        <a:scrgbClr r="0" g="0" b="0"/>
+      </a:effectRef>
+      <a:fontRef idx="minor">
+        <a:schemeClr val="lt1"/>
+      </a:fontRef>
+    </dgm:style>
+  </dgm:styleLbl>
+  <dgm:styleLbl name="fgSibTrans2D1">
+    <dgm:scene3d>
+      <a:camera prst="orthographicFront"/>
+      <a:lightRig rig="threePt" dir="t"/>
+    </dgm:scene3d>
+    <dgm:sp3d/>
+    <dgm:txPr/>
+    <dgm:style>
+      <a:lnRef idx="0">
+        <a:scrgbClr r="0" g="0" b="0"/>
+      </a:lnRef>
+      <a:fillRef idx="3">
+        <a:scrgbClr r="0" g="0" b="0"/>
+      </a:fillRef>
+      <a:effectRef idx="3">
+        <a:scrgbClr r="0" g="0" b="0"/>
+      </a:effectRef>
+      <a:fontRef idx="minor">
+        <a:schemeClr val="lt1"/>
+      </a:fontRef>
+    </dgm:style>
+  </dgm:styleLbl>
+  <dgm:styleLbl name="bgSibTrans2D1">
+    <dgm:scene3d>
+      <a:camera prst="orthographicFront"/>
+      <a:lightRig rig="threePt" dir="t"/>
+    </dgm:scene3d>
+    <dgm:sp3d/>
+    <dgm:txPr/>
+    <dgm:style>
+      <a:lnRef idx="0">
+        <a:scrgbClr r="0" g="0" b="0"/>
+      </a:lnRef>
+      <a:fillRef idx="3">
+        <a:scrgbClr r="0" g="0" b="0"/>
+      </a:fillRef>
+      <a:effectRef idx="3">
+        <a:scrgbClr r="0" g="0" b="0"/>
+      </a:effectRef>
+      <a:fontRef idx="minor">
+        <a:schemeClr val="lt1"/>
+      </a:fontRef>
+    </dgm:style>
+  </dgm:styleLbl>
+  <dgm:styleLbl name="sibTrans1D1">
+    <dgm:scene3d>
+      <a:camera prst="orthographicFront"/>
+      <a:lightRig rig="threePt" dir="t"/>
+    </dgm:scene3d>
+    <dgm:sp3d/>
+    <dgm:txPr/>
+    <dgm:style>
+      <a:lnRef idx="1">
+        <a:scrgbClr r="0" g="0" b="0"/>
+      </a:lnRef>
+      <a:fillRef idx="0">
+        <a:scrgbClr r="0" g="0" b="0"/>
+      </a:fillRef>
+      <a:effectRef idx="0">
+        <a:scrgbClr r="0" g="0" b="0"/>
+      </a:effectRef>
+      <a:fontRef idx="minor"/>
+    </dgm:style>
+  </dgm:styleLbl>
+  <dgm:styleLbl name="callout">
+    <dgm:scene3d>
+      <a:camera prst="orthographicFront"/>
+      <a:lightRig rig="threePt" dir="t"/>
+    </dgm:scene3d>
+    <dgm:sp3d/>
+    <dgm:txPr/>
+    <dgm:style>
+      <a:lnRef idx="1">
+        <a:scrgbClr r="0" g="0" b="0"/>
+      </a:lnRef>
+      <a:fillRef idx="0">
+        <a:scrgbClr r="0" g="0" b="0"/>
+      </a:fillRef>
+      <a:effectRef idx="1">
+        <a:scrgbClr r="0" g="0" b="0"/>
+      </a:effectRef>
+      <a:fontRef idx="minor"/>
+    </dgm:style>
+  </dgm:styleLbl>
+  <dgm:styleLbl name="asst0">
+    <dgm:scene3d>
+      <a:camera prst="orthographicFront"/>
+      <a:lightRig rig="threePt" dir="t"/>
+    </dgm:scene3d>
+    <dgm:sp3d/>
+    <dgm:txPr/>
+    <dgm:style>
+      <a:lnRef idx="0">
+        <a:scrgbClr r="0" g="0" b="0"/>
+      </a:lnRef>
+      <a:fillRef idx="3">
+        <a:scrgbClr r="0" g="0" b="0"/>
+      </a:fillRef>
+      <a:effectRef idx="3">
+        <a:scrgbClr r="0" g="0" b="0"/>
+      </a:effectRef>
+      <a:fontRef idx="minor">
+        <a:schemeClr val="lt1"/>
+      </a:fontRef>
+    </dgm:style>
+  </dgm:styleLbl>
+  <dgm:styleLbl name="asst1">
+    <dgm:scene3d>
+      <a:camera prst="orthographicFront"/>
+      <a:lightRig rig="threePt" dir="t"/>
+    </dgm:scene3d>
+    <dgm:sp3d/>
+    <dgm:txPr/>
+    <dgm:style>
+      <a:lnRef idx="0">
+        <a:scrgbClr r="0" g="0" b="0"/>
+      </a:lnRef>
+      <a:fillRef idx="3">
+        <a:scrgbClr r="0" g="0" b="0"/>
+      </a:fillRef>
+      <a:effectRef idx="3">
+        <a:scrgbClr r="0" g="0" b="0"/>
+      </a:effectRef>
+      <a:fontRef idx="minor">
+        <a:schemeClr val="lt1"/>
+      </a:fontRef>
+    </dgm:style>
+  </dgm:styleLbl>
+  <dgm:styleLbl name="asst2">
+    <dgm:scene3d>
+      <a:camera prst="orthographicFront"/>
+      <a:lightRig rig="threePt" dir="t"/>
+    </dgm:scene3d>
+    <dgm:sp3d/>
+    <dgm:txPr/>
+    <dgm:style>
+      <a:lnRef idx="0">
+        <a:scrgbClr r="0" g="0" b="0"/>
+      </a:lnRef>
+      <a:fillRef idx="3">
+        <a:scrgbClr r="0" g="0" b="0"/>
+      </a:fillRef>
+      <a:effectRef idx="3">
+        <a:scrgbClr r="0" g="0" b="0"/>
+      </a:effectRef>
+      <a:fontRef idx="minor">
+        <a:schemeClr val="lt1"/>
+      </a:fontRef>
+    </dgm:style>
+  </dgm:styleLbl>
+  <dgm:styleLbl name="asst3">
+    <dgm:scene3d>
+      <a:camera prst="orthographicFront"/>
+      <a:lightRig rig="threePt" dir="t"/>
+    </dgm:scene3d>
+    <dgm:sp3d/>
+    <dgm:txPr/>
+    <dgm:style>
+      <a:lnRef idx="0">
+        <a:scrgbClr r="0" g="0" b="0"/>
+      </a:lnRef>
+      <a:fillRef idx="3">
+        <a:scrgbClr r="0" g="0" b="0"/>
+      </a:fillRef>
+      <a:effectRef idx="3">
+        <a:scrgbClr r="0" g="0" b="0"/>
+      </a:effectRef>
+      <a:fontRef idx="minor">
+        <a:schemeClr val="lt1"/>
+      </a:fontRef>
+    </dgm:style>
+  </dgm:styleLbl>
+  <dgm:styleLbl name="asst4">
+    <dgm:scene3d>
+      <a:camera prst="orthographicFront"/>
+      <a:lightRig rig="threePt" dir="t"/>
+    </dgm:scene3d>
+    <dgm:sp3d/>
+    <dgm:txPr/>
+    <dgm:style>
+      <a:lnRef idx="0">
+        <a:scrgbClr r="0" g="0" b="0"/>
+      </a:lnRef>
+      <a:fillRef idx="3">
+        <a:scrgbClr r="0" g="0" b="0"/>
+      </a:fillRef>
+      <a:effectRef idx="3">
+        <a:scrgbClr r="0" g="0" b="0"/>
+      </a:effectRef>
+      <a:fontRef idx="minor">
+        <a:schemeClr val="lt1"/>
+      </a:fontRef>
+    </dgm:style>
+  </dgm:styleLbl>
+  <dgm:styleLbl name="parChTrans2D1">
+    <dgm:scene3d>
+      <a:camera prst="orthographicFront"/>
+      <a:lightRig rig="threePt" dir="t"/>
+    </dgm:scene3d>
+    <dgm:sp3d/>
+    <dgm:txPr/>
+    <dgm:style>
+      <a:lnRef idx="0">
+        <a:scrgbClr r="0" g="0" b="0"/>
+      </a:lnRef>
+      <a:fillRef idx="3">
+        <a:scrgbClr r="0" g="0" b="0"/>
+      </a:fillRef>
+      <a:effectRef idx="3">
+        <a:scrgbClr r="0" g="0" b="0"/>
+      </a:effectRef>
+      <a:fontRef idx="minor">
+        <a:schemeClr val="lt1"/>
+      </a:fontRef>
+    </dgm:style>
+  </dgm:styleLbl>
+  <dgm:styleLbl name="parChTrans2D2">
+    <dgm:scene3d>
+      <a:camera prst="orthographicFront"/>
+      <a:lightRig rig="threePt" dir="t"/>
+    </dgm:scene3d>
+    <dgm:sp3d/>
+    <dgm:txPr/>
+    <dgm:style>
+      <a:lnRef idx="0">
+        <a:scrgbClr r="0" g="0" b="0"/>
+      </a:lnRef>
+      <a:fillRef idx="3">
+        <a:scrgbClr r="0" g="0" b="0"/>
+      </a:fillRef>
+      <a:effectRef idx="3">
+        <a:scrgbClr r="0" g="0" b="0"/>
+      </a:effectRef>
+      <a:fontRef idx="minor">
+        <a:schemeClr val="lt1"/>
+      </a:fontRef>
+    </dgm:style>
+  </dgm:styleLbl>
+  <dgm:styleLbl name="parChTrans2D3">
+    <dgm:scene3d>
+      <a:camera prst="orthographicFront"/>
+      <a:lightRig rig="threePt" dir="t"/>
+    </dgm:scene3d>
+    <dgm:sp3d/>
+    <dgm:txPr/>
+    <dgm:style>
+      <a:lnRef idx="0">
+        <a:scrgbClr r="0" g="0" b="0"/>
+      </a:lnRef>
+      <a:fillRef idx="3">
+        <a:scrgbClr r="0" g="0" b="0"/>
+      </a:fillRef>
+      <a:effectRef idx="3">
+        <a:scrgbClr r="0" g="0" b="0"/>
+      </a:effectRef>
+      <a:fontRef idx="minor">
+        <a:schemeClr val="lt1"/>
+      </a:fontRef>
+    </dgm:style>
+  </dgm:styleLbl>
+  <dgm:styleLbl name="parChTrans2D4">
+    <dgm:scene3d>
+      <a:camera prst="orthographicFront"/>
+      <a:lightRig rig="threePt" dir="t"/>
+    </dgm:scene3d>
+    <dgm:sp3d/>
+    <dgm:txPr/>
+    <dgm:style>
+      <a:lnRef idx="0">
+        <a:scrgbClr r="0" g="0" b="0"/>
+      </a:lnRef>
+      <a:fillRef idx="3">
+        <a:scrgbClr r="0" g="0" b="0"/>
+      </a:fillRef>
+      <a:effectRef idx="3">
+        <a:scrgbClr r="0" g="0" b="0"/>
+      </a:effectRef>
+      <a:fontRef idx="minor">
+        <a:schemeClr val="lt1"/>
+      </a:fontRef>
+    </dgm:style>
+  </dgm:styleLbl>
+  <dgm:styleLbl name="parChTrans1D1">
+    <dgm:scene3d>
+      <a:camera prst="orthographicFront"/>
+      <a:lightRig rig="threePt" dir="t"/>
+    </dgm:scene3d>
+    <dgm:sp3d/>
+    <dgm:txPr/>
+    <dgm:style>
+      <a:lnRef idx="2">
+        <a:scrgbClr r="0" g="0" b="0"/>
+      </a:lnRef>
+      <a:fillRef idx="0">
+        <a:scrgbClr r="0" g="0" b="0"/>
+      </a:fillRef>
+      <a:effectRef idx="0">
+        <a:scrgbClr r="0" g="0" b="0"/>
+      </a:effectRef>
+      <a:fontRef idx="minor"/>
+    </dgm:style>
+  </dgm:styleLbl>
+  <dgm:styleLbl name="parChTrans1D2">
+    <dgm:scene3d>
+      <a:camera prst="orthographicFront"/>
+      <a:lightRig rig="threePt" dir="t"/>
+    </dgm:scene3d>
+    <dgm:sp3d/>
+    <dgm:txPr/>
+    <dgm:style>
+      <a:lnRef idx="2">
+        <a:scrgbClr r="0" g="0" b="0"/>
+      </a:lnRef>
+      <a:fillRef idx="0">
+        <a:scrgbClr r="0" g="0" b="0"/>
+      </a:fillRef>
+      <a:effectRef idx="0">
+        <a:scrgbClr r="0" g="0" b="0"/>
+      </a:effectRef>
+      <a:fontRef idx="minor"/>
+    </dgm:style>
+  </dgm:styleLbl>
+  <dgm:styleLbl name="parChTrans1D3">
+    <dgm:scene3d>
+      <a:camera prst="orthographicFront"/>
+      <a:lightRig rig="threePt" dir="t"/>
+    </dgm:scene3d>
+    <dgm:sp3d/>
+    <dgm:txPr/>
+    <dgm:style>
+      <a:lnRef idx="2">
+        <a:scrgbClr r="0" g="0" b="0"/>
+      </a:lnRef>
+      <a:fillRef idx="0">
+        <a:scrgbClr r="0" g="0" b="0"/>
+      </a:fillRef>
+      <a:effectRef idx="0">
+        <a:scrgbClr r="0" g="0" b="0"/>
+      </a:effectRef>
+      <a:fontRef idx="minor"/>
+    </dgm:style>
+  </dgm:styleLbl>
+  <dgm:styleLbl name="parChTrans1D4">
+    <dgm:scene3d>
+      <a:camera prst="orthographicFront"/>
+      <a:lightRig rig="threePt" dir="t"/>
+    </dgm:scene3d>
+    <dgm:sp3d/>
+    <dgm:txPr/>
+    <dgm:style>
+      <a:lnRef idx="2">
+        <a:scrgbClr r="0" g="0" b="0"/>
+      </a:lnRef>
+      <a:fillRef idx="0">
+        <a:scrgbClr r="0" g="0" b="0"/>
+      </a:fillRef>
+      <a:effectRef idx="0">
+        <a:scrgbClr r="0" g="0" b="0"/>
+      </a:effectRef>
+      <a:fontRef idx="minor"/>
+    </dgm:style>
+  </dgm:styleLbl>
+  <dgm:styleLbl name="fgAcc1">
+    <dgm:scene3d>
+      <a:camera prst="orthographicFront"/>
+      <a:lightRig rig="threePt" dir="t"/>
+    </dgm:scene3d>
+    <dgm:sp3d/>
+    <dgm:txPr/>
+    <dgm:style>
+      <a:lnRef idx="1">
+        <a:scrgbClr r="0" g="0" b="0"/>
+      </a:lnRef>
+      <a:fillRef idx="1">
+        <a:scrgbClr r="0" g="0" b="0"/>
+      </a:fillRef>
+      <a:effectRef idx="2">
+        <a:scrgbClr r="0" g="0" b="0"/>
+      </a:effectRef>
+      <a:fontRef idx="minor"/>
+    </dgm:style>
+  </dgm:styleLbl>
+  <dgm:styleLbl name="conFgAcc1">
+    <dgm:scene3d>
+      <a:camera prst="orthographicFront"/>
+      <a:lightRig rig="threePt" dir="t"/>
+    </dgm:scene3d>
+    <dgm:sp3d/>
+    <dgm:txPr/>
+    <dgm:style>
+      <a:lnRef idx="1">
+        <a:scrgbClr r="0" g="0" b="0"/>
+      </a:lnRef>
+      <a:fillRef idx="1">
+        <a:scrgbClr r="0" g="0" b="0"/>
+      </a:fillRef>
+      <a:effectRef idx="2">
+        <a:scrgbClr r="0" g="0" b="0"/>
+      </a:effectRef>
+      <a:fontRef idx="minor"/>
+    </dgm:style>
+  </dgm:styleLbl>
+  <dgm:styleLbl name="alignAcc1">
+    <dgm:scene3d>
+      <a:camera prst="orthographicFront"/>
+      <a:lightRig rig="threePt" dir="t"/>
+    </dgm:scene3d>
+    <dgm:sp3d/>
+    <dgm:txPr/>
+    <dgm:style>
+      <a:lnRef idx="1">
+        <a:scrgbClr r="0" g="0" b="0"/>
+      </a:lnRef>
+      <a:fillRef idx="1">
+        <a:scrgbClr r="0" g="0" b="0"/>
+      </a:fillRef>
+      <a:effectRef idx="2">
+        <a:scrgbClr r="0" g="0" b="0"/>
+      </a:effectRef>
+      <a:fontRef idx="minor"/>
+    </dgm:style>
+  </dgm:styleLbl>
+  <dgm:styleLbl name="trAlignAcc1">
+    <dgm:scene3d>
+      <a:camera prst="orthographicFront"/>
+      <a:lightRig rig="threePt" dir="t"/>
+    </dgm:scene3d>
+    <dgm:sp3d/>
+    <dgm:txPr/>
+    <dgm:style>
+      <a:lnRef idx="1">
+        <a:scrgbClr r="0" g="0" b="0"/>
+      </a:lnRef>
+      <a:fillRef idx="1">
+        <a:scrgbClr r="0" g="0" b="0"/>
+      </a:fillRef>
+      <a:effectRef idx="0">
+        <a:scrgbClr r="0" g="0" b="0"/>
+      </a:effectRef>
+      <a:fontRef idx="minor"/>
+    </dgm:style>
+  </dgm:styleLbl>
+  <dgm:styleLbl name="bgAcc1">
+    <dgm:scene3d>
+      <a:camera prst="orthographicFront"/>
+      <a:lightRig rig="threePt" dir="t"/>
+    </dgm:scene3d>
+    <dgm:sp3d/>
+    <dgm:txPr/>
+    <dgm:style>
+      <a:lnRef idx="1">
+        <a:scrgbClr r="0" g="0" b="0"/>
+      </a:lnRef>
+      <a:fillRef idx="1">
+        <a:scrgbClr r="0" g="0" b="0"/>
+      </a:fillRef>
+      <a:effectRef idx="2">
+        <a:scrgbClr r="0" g="0" b="0"/>
+      </a:effectRef>
+      <a:fontRef idx="minor"/>
+    </dgm:style>
+  </dgm:styleLbl>
+  <dgm:styleLbl name="solidFgAcc1">
+    <dgm:scene3d>
+      <a:camera prst="orthographicFront"/>
+      <a:lightRig rig="threePt" dir="t"/>
+    </dgm:scene3d>
+    <dgm:sp3d/>
+    <dgm:txPr/>
+    <dgm:style>
+      <a:lnRef idx="1">
+        <a:scrgbClr r="0" g="0" b="0"/>
+      </a:lnRef>
+      <a:fillRef idx="1">
+        <a:scrgbClr r="0" g="0" b="0"/>
+      </a:fillRef>
+      <a:effectRef idx="2">
+        <a:scrgbClr r="0" g="0" b="0"/>
+      </a:effectRef>
+      <a:fontRef idx="minor"/>
+    </dgm:style>
+  </dgm:styleLbl>
+  <dgm:styleLbl name="solidAlignAcc1">
+    <dgm:scene3d>
+      <a:camera prst="orthographicFront"/>
+      <a:lightRig rig="threePt" dir="t"/>
+    </dgm:scene3d>
+    <dgm:sp3d/>
+    <dgm:txPr/>
+    <dgm:style>
+      <a:lnRef idx="1">
+        <a:scrgbClr r="0" g="0" b="0"/>
+      </a:lnRef>
+      <a:fillRef idx="1">
+        <a:scrgbClr r="0" g="0" b="0"/>
+      </a:fillRef>
+      <a:effectRef idx="3">
+        <a:scrgbClr r="0" g="0" b="0"/>
+      </a:effectRef>
+      <a:fontRef idx="minor"/>
+    </dgm:style>
+  </dgm:styleLbl>
+  <dgm:styleLbl name="solidBgAcc1">
+    <dgm:scene3d>
+      <a:camera prst="orthographicFront"/>
+      <a:lightRig rig="threePt" dir="t"/>
+    </dgm:scene3d>
+    <dgm:sp3d/>
+    <dgm:txPr/>
+    <dgm:style>
+      <a:lnRef idx="1">
+        <a:scrgbClr r="0" g="0" b="0"/>
+      </a:lnRef>
+      <a:fillRef idx="1">
+        <a:scrgbClr r="0" g="0" b="0"/>
+      </a:fillRef>
+      <a:effectRef idx="3">
+        <a:scrgbClr r="0" g="0" b="0"/>
+      </a:effectRef>
+      <a:fontRef idx="minor"/>
+    </dgm:style>
+  </dgm:styleLbl>
+  <dgm:styleLbl name="fgAccFollowNode1">
+    <dgm:scene3d>
+      <a:camera prst="orthographicFront"/>
+      <a:lightRig rig="threePt" dir="t"/>
+    </dgm:scene3d>
+    <dgm:sp3d/>
+    <dgm:txPr/>
+    <dgm:style>
+      <a:lnRef idx="1">
+        <a:scrgbClr r="0" g="0" b="0"/>
+      </a:lnRef>
+      <a:fillRef idx="1">
+        <a:scrgbClr r="0" g="0" b="0"/>
+      </a:fillRef>
+      <a:effectRef idx="2">
+        <a:scrgbClr r="0" g="0" b="0"/>
+      </a:effectRef>
+      <a:fontRef idx="minor"/>
+    </dgm:style>
+  </dgm:styleLbl>
+  <dgm:styleLbl name="alignAccFollowNode1">
+    <dgm:scene3d>
+      <a:camera prst="orthographicFront"/>
+      <a:lightRig rig="threePt" dir="t"/>
+    </dgm:scene3d>
+    <dgm:sp3d/>
+    <dgm:txPr/>
+    <dgm:style>
+      <a:lnRef idx="1">
+        <a:scrgbClr r="0" g="0" b="0"/>
+      </a:lnRef>
+      <a:fillRef idx="1">
+        <a:scrgbClr r="0" g="0" b="0"/>
+      </a:fillRef>
+      <a:effectRef idx="2">
+        <a:scrgbClr r="0" g="0" b="0"/>
+      </a:effectRef>
+      <a:fontRef idx="minor"/>
+    </dgm:style>
+  </dgm:styleLbl>
+  <dgm:styleLbl name="bgAccFollowNode1">
+    <dgm:scene3d>
+      <a:camera prst="orthographicFront"/>
+      <a:lightRig rig="threePt" dir="t"/>
+    </dgm:scene3d>
+    <dgm:sp3d/>
+    <dgm:txPr/>
+    <dgm:style>
+      <a:lnRef idx="1">
+        <a:scrgbClr r="0" g="0" b="0"/>
+      </a:lnRef>
+      <a:fillRef idx="1">
+        <a:scrgbClr r="0" g="0" b="0"/>
+      </a:fillRef>
+      <a:effectRef idx="2">
+        <a:scrgbClr r="0" g="0" b="0"/>
+      </a:effectRef>
+      <a:fontRef idx="minor"/>
+    </dgm:style>
+  </dgm:styleLbl>
+  <dgm:styleLbl name="fgAcc0">
+    <dgm:scene3d>
+      <a:camera prst="orthographicFront"/>
+      <a:lightRig rig="threePt" dir="t"/>
+    </dgm:scene3d>
+    <dgm:sp3d/>
+    <dgm:txPr/>
+    <dgm:style>
+      <a:lnRef idx="1">
+        <a:scrgbClr r="0" g="0" b="0"/>
+      </a:lnRef>
+      <a:fillRef idx="1">
+        <a:scrgbClr r="0" g="0" b="0"/>
+      </a:fillRef>
+      <a:effectRef idx="2">
+        <a:scrgbClr r="0" g="0" b="0"/>
+      </a:effectRef>
+      <a:fontRef idx="minor"/>
+    </dgm:style>
+  </dgm:styleLbl>
+  <dgm:styleLbl name="fgAcc2">
+    <dgm:scene3d>
+      <a:camera prst="orthographicFront"/>
+      <a:lightRig rig="threePt" dir="t"/>
+    </dgm:scene3d>
+    <dgm:sp3d/>
+    <dgm:txPr/>
+    <dgm:style>
+      <a:lnRef idx="1">
+        <a:scrgbClr r="0" g="0" b="0"/>
+      </a:lnRef>
+      <a:fillRef idx="1">
+        <a:scrgbClr r="0" g="0" b="0"/>
+      </a:fillRef>
+      <a:effectRef idx="2">
+        <a:scrgbClr r="0" g="0" b="0"/>
+      </a:effectRef>
+      <a:fontRef idx="minor"/>
+    </dgm:style>
+  </dgm:styleLbl>
+  <dgm:styleLbl name="fgAcc3">
+    <dgm:scene3d>
+      <a:camera prst="orthographicFront"/>
+      <a:lightRig rig="threePt" dir="t"/>
+    </dgm:scene3d>
+    <dgm:sp3d/>
+    <dgm:txPr/>
+    <dgm:style>
+      <a:lnRef idx="1">
+        <a:scrgbClr r="0" g="0" b="0"/>
+      </a:lnRef>
+      <a:fillRef idx="1">
+        <a:scrgbClr r="0" g="0" b="0"/>
+      </a:fillRef>
+      <a:effectRef idx="2">
+        <a:scrgbClr r="0" g="0" b="0"/>
+      </a:effectRef>
+      <a:fontRef idx="minor"/>
+    </dgm:style>
+  </dgm:styleLbl>
+  <dgm:styleLbl name="fgAcc4">
+    <dgm:scene3d>
+      <a:camera prst="orthographicFront"/>
+      <a:lightRig rig="threePt" dir="t"/>
+    </dgm:scene3d>
+    <dgm:sp3d/>
+    <dgm:txPr/>
+    <dgm:style>
+      <a:lnRef idx="1">
+        <a:scrgbClr r="0" g="0" b="0"/>
+      </a:lnRef>
+      <a:fillRef idx="1">
+        <a:scrgbClr r="0" g="0" b="0"/>
+      </a:fillRef>
+      <a:effectRef idx="2">
+        <a:scrgbClr r="0" g="0" b="0"/>
+      </a:effectRef>
+      <a:fontRef idx="minor"/>
+    </dgm:style>
+  </dgm:styleLbl>
+  <dgm:styleLbl name="bgShp">
+    <dgm:scene3d>
+      <a:camera prst="orthographicFront"/>
+      <a:lightRig rig="threePt" dir="t"/>
+    </dgm:scene3d>
+    <dgm:sp3d/>
+    <dgm:txPr/>
+    <dgm:style>
+      <a:lnRef idx="0">
+        <a:scrgbClr r="0" g="0" b="0"/>
+      </a:lnRef>
+      <a:fillRef idx="1">
+        <a:scrgbClr r="0" g="0" b="0"/>
+      </a:fillRef>
+      <a:effectRef idx="2">
+        <a:scrgbClr r="0" g="0" b="0"/>
+      </a:effectRef>
+      <a:fontRef idx="minor"/>
+    </dgm:style>
+  </dgm:styleLbl>
+  <dgm:styleLbl name="dkBgShp">
+    <dgm:scene3d>
+      <a:camera prst="orthographicFront"/>
+      <a:lightRig rig="threePt" dir="t"/>
+    </dgm:scene3d>
+    <dgm:sp3d/>
+    <dgm:txPr/>
+    <dgm:style>
+      <a:lnRef idx="0">
+        <a:scrgbClr r="0" g="0" b="0"/>
+      </a:lnRef>
+      <a:fillRef idx="1">
+        <a:scrgbClr r="0" g="0" b="0"/>
+      </a:fillRef>
+      <a:effectRef idx="3">
+        <a:scrgbClr r="0" g="0" b="0"/>
+      </a:effectRef>
+      <a:fontRef idx="minor"/>
+    </dgm:style>
+  </dgm:styleLbl>
+  <dgm:styleLbl name="trBgShp">
+    <dgm:scene3d>
+      <a:camera prst="orthographicFront"/>
+      <a:lightRig rig="threePt" dir="t"/>
+    </dgm:scene3d>
+    <dgm:sp3d/>
+    <dgm:txPr/>
+    <dgm:style>
+      <a:lnRef idx="0">
+        <a:scrgbClr r="0" g="0" b="0"/>
+      </a:lnRef>
+      <a:fillRef idx="1">
+        <a:scrgbClr r="0" g="0" b="0"/>
+      </a:fillRef>
+      <a:effectRef idx="0">
+        <a:scrgbClr r="0" g="0" b="0"/>
+      </a:effectRef>
+      <a:fontRef idx="minor"/>
+    </dgm:style>
+  </dgm:styleLbl>
+  <dgm:styleLbl name="fgShp">
+    <dgm:scene3d>
+      <a:camera prst="orthographicFront"/>
+      <a:lightRig rig="threePt" dir="t"/>
+    </dgm:scene3d>
+    <dgm:sp3d/>
+    <dgm:txPr/>
+    <dgm:style>
+      <a:lnRef idx="0">
+        <a:scrgbClr r="0" g="0" b="0"/>
+      </a:lnRef>
+      <a:fillRef idx="3">
+        <a:scrgbClr r="0" g="0" b="0"/>
+      </a:fillRef>
+      <a:effectRef idx="3">
+        <a:scrgbClr r="0" g="0" b="0"/>
+      </a:effectRef>
+      <a:fontRef idx="minor"/>
+    </dgm:style>
+  </dgm:styleLbl>
+  <dgm:styleLbl name="revTx">
+    <dgm:scene3d>
+      <a:camera prst="orthographicFront"/>
+      <a:lightRig rig="threePt" dir="t"/>
+    </dgm:scene3d>
+    <dgm:sp3d/>
+    <dgm:txPr/>
+    <dgm:style>
+      <a:lnRef idx="0">
+        <a:scrgbClr r="0" g="0" b="0"/>
+      </a:lnRef>
+      <a:fillRef idx="0">
+        <a:scrgbClr r="0" g="0" b="0"/>
+      </a:fillRef>
+      <a:effectRef idx="0">
+        <a:scrgbClr r="0" g="0" b="0"/>
+      </a:effectRef>
+      <a:fontRef idx="minor"/>
+    </dgm:style>
+  </dgm:styleLbl>
+</dgm:styleDef>
+</file>
+
+<file path=ppt/diagrams/quickStyle5.xml><?xml version="1.0" encoding="utf-8"?>
 <dgm:styleDef xmlns:dgm="http://schemas.openxmlformats.org/drawingml/2006/diagram" xmlns:a="http://schemas.openxmlformats.org/drawingml/2006/main" uniqueId="urn:microsoft.com/office/officeart/2005/8/quickstyle/simple4">
   <dgm:title val=""/>
   <dgm:desc val=""/>
@@ -15960,7 +18290,7 @@
           <a:p>
             <a:fld id="{FFE4F810-24D6-452B-9812-AA3DC03AE9D7}" type="datetimeFigureOut">
               <a:rPr lang="en-US" smtClean="0"/>
-              <a:t>2/20/2016</a:t>
+              <a:t>3/13/2016</a:t>
             </a:fld>
             <a:endParaRPr lang="en-US"/>
           </a:p>
@@ -16024,38 +18354,37 @@
           <a:p>
             <a:pPr lvl="0"/>
             <a:r>
-              <a:rPr lang="en-US" smtClean="0"/>
+              <a:rPr lang="en-US"/>
               <a:t>Click to edit Master text styles</a:t>
             </a:r>
           </a:p>
           <a:p>
             <a:pPr lvl="1"/>
             <a:r>
-              <a:rPr lang="en-US" smtClean="0"/>
+              <a:rPr lang="en-US"/>
               <a:t>Second level</a:t>
             </a:r>
           </a:p>
           <a:p>
             <a:pPr lvl="2"/>
             <a:r>
-              <a:rPr lang="en-US" smtClean="0"/>
+              <a:rPr lang="en-US"/>
               <a:t>Third level</a:t>
             </a:r>
           </a:p>
           <a:p>
             <a:pPr lvl="3"/>
             <a:r>
-              <a:rPr lang="en-US" smtClean="0"/>
+              <a:rPr lang="en-US"/>
               <a:t>Fourth level</a:t>
             </a:r>
           </a:p>
           <a:p>
             <a:pPr lvl="4"/>
             <a:r>
-              <a:rPr lang="en-US" smtClean="0"/>
+              <a:rPr lang="en-US"/>
               <a:t>Fifth level</a:t>
             </a:r>
-            <a:endParaRPr lang="en-US"/>
           </a:p>
         </p:txBody>
       </p:sp>
@@ -16981,10 +19310,9 @@
           </a:lstStyle>
           <a:p>
             <a:r>
-              <a:rPr lang="en-US" dirty="0" smtClean="0"/>
+              <a:rPr lang="en-US" dirty="0"/>
               <a:t>Click to edit Master title style</a:t>
             </a:r>
-            <a:endParaRPr lang="en-US" dirty="0"/>
           </a:p>
         </p:txBody>
       </p:sp>
@@ -17101,7 +19429,7 @@
           </a:lstStyle>
           <a:p>
             <a:r>
-              <a:rPr lang="en-US" smtClean="0"/>
+              <a:rPr lang="en-US"/>
               <a:t>Click to edit Master subtitle style</a:t>
             </a:r>
             <a:endParaRPr lang="en-US" dirty="0"/>
@@ -17125,7 +19453,7 @@
           <a:p>
             <a:fld id="{B5DD6361-C92D-4C5A-8B9C-FCEBB59FD080}" type="datetime1">
               <a:rPr lang="fr-FR" smtClean="0"/>
-              <a:t>20/02/2016</a:t>
+              <a:t>13/03/2016</a:t>
             </a:fld>
             <a:endParaRPr lang="en-US"/>
           </a:p>
@@ -17147,10 +19475,9 @@
           <a:lstStyle/>
           <a:p>
             <a:r>
-              <a:rPr lang="en-US" smtClean="0"/>
+              <a:rPr lang="en-US"/>
               <a:t>ANDROID – Ihab BERRO</a:t>
             </a:r>
-            <a:endParaRPr lang="en-US"/>
           </a:p>
         </p:txBody>
       </p:sp>
@@ -17187,13 +19514,6 @@
   <p:clrMapOvr>
     <a:masterClrMapping/>
   </p:clrMapOvr>
-  <p:timing>
-    <p:tnLst>
-      <p:par>
-        <p:cTn id="1" dur="indefinite" restart="never" nodeType="tmRoot"/>
-      </p:par>
-    </p:tnLst>
-  </p:timing>
 </p:sldLayout>
 </file>
 
@@ -17241,7 +19561,7 @@
           </a:lstStyle>
           <a:p>
             <a:r>
-              <a:rPr lang="en-US" smtClean="0"/>
+              <a:rPr lang="en-US"/>
               <a:t>Click to edit Master title style</a:t>
             </a:r>
             <a:endParaRPr lang="en-US" dirty="0"/>
@@ -17364,7 +19684,7 @@
           <a:p>
             <a:pPr lvl="0"/>
             <a:r>
-              <a:rPr lang="en-US" smtClean="0"/>
+              <a:rPr lang="en-US"/>
               <a:t>Click to edit Master text styles</a:t>
             </a:r>
           </a:p>
@@ -17387,7 +19707,7 @@
           <a:p>
             <a:fld id="{3B1E6D9C-B5EE-40ED-959D-BE3A5D91F381}" type="datetime1">
               <a:rPr lang="fr-FR" smtClean="0"/>
-              <a:t>20/02/2016</a:t>
+              <a:t>13/03/2016</a:t>
             </a:fld>
             <a:endParaRPr lang="en-US"/>
           </a:p>
@@ -17409,10 +19729,9 @@
           <a:lstStyle/>
           <a:p>
             <a:r>
-              <a:rPr lang="en-US" smtClean="0"/>
+              <a:rPr lang="en-US"/>
               <a:t>ANDROID – Ihab BERRO</a:t>
             </a:r>
-            <a:endParaRPr lang="en-US"/>
           </a:p>
         </p:txBody>
       </p:sp>
@@ -17496,7 +19815,7 @@
           </a:lstStyle>
           <a:p>
             <a:r>
-              <a:rPr lang="en-US" smtClean="0"/>
+              <a:rPr lang="en-US"/>
               <a:t>Click to edit Master title style</a:t>
             </a:r>
             <a:endParaRPr lang="en-US" dirty="0"/>
@@ -17560,7 +19879,7 @@
           <a:p>
             <a:pPr lvl="0"/>
             <a:r>
-              <a:rPr lang="en-US" smtClean="0"/>
+              <a:rPr lang="en-US"/>
               <a:t>Click to edit Master text styles</a:t>
             </a:r>
           </a:p>
@@ -17682,7 +20001,7 @@
           <a:p>
             <a:pPr lvl="0"/>
             <a:r>
-              <a:rPr lang="en-US" smtClean="0"/>
+              <a:rPr lang="en-US"/>
               <a:t>Click to edit Master text styles</a:t>
             </a:r>
           </a:p>
@@ -17705,7 +20024,7 @@
           <a:p>
             <a:fld id="{6E0AD30E-3312-4E9F-8A9B-D0ECAA0451DF}" type="datetime1">
               <a:rPr lang="fr-FR" smtClean="0"/>
-              <a:t>20/02/2016</a:t>
+              <a:t>13/03/2016</a:t>
             </a:fld>
             <a:endParaRPr lang="en-US"/>
           </a:p>
@@ -17727,10 +20046,9 @@
           <a:lstStyle/>
           <a:p>
             <a:r>
-              <a:rPr lang="en-US" smtClean="0"/>
+              <a:rPr lang="en-US"/>
               <a:t>ANDROID – Ihab BERRO</a:t>
             </a:r>
-            <a:endParaRPr lang="en-US"/>
           </a:p>
         </p:txBody>
       </p:sp>
@@ -17904,7 +20222,7 @@
           </a:lstStyle>
           <a:p>
             <a:r>
-              <a:rPr lang="en-US" smtClean="0"/>
+              <a:rPr lang="en-US"/>
               <a:t>Click to edit Master title style</a:t>
             </a:r>
             <a:endParaRPr lang="en-US" dirty="0"/>
@@ -18027,7 +20345,7 @@
           <a:p>
             <a:pPr lvl="0"/>
             <a:r>
-              <a:rPr lang="en-US" smtClean="0"/>
+              <a:rPr lang="en-US"/>
               <a:t>Click to edit Master text styles</a:t>
             </a:r>
           </a:p>
@@ -18050,7 +20368,7 @@
           <a:p>
             <a:fld id="{A89AB6BA-520A-4EBB-9D1F-A279C36AE225}" type="datetime1">
               <a:rPr lang="fr-FR" smtClean="0"/>
-              <a:t>20/02/2016</a:t>
+              <a:t>13/03/2016</a:t>
             </a:fld>
             <a:endParaRPr lang="en-US"/>
           </a:p>
@@ -18072,10 +20390,9 @@
           <a:lstStyle/>
           <a:p>
             <a:r>
-              <a:rPr lang="en-US" smtClean="0"/>
+              <a:rPr lang="en-US"/>
               <a:t>ANDROID – Ihab BERRO</a:t>
             </a:r>
-            <a:endParaRPr lang="en-US"/>
           </a:p>
         </p:txBody>
       </p:sp>
@@ -18112,13 +20429,6 @@
   <p:clrMapOvr>
     <a:masterClrMapping/>
   </p:clrMapOvr>
-  <p:timing>
-    <p:tnLst>
-      <p:par>
-        <p:cTn id="1" dur="indefinite" restart="never" nodeType="tmRoot"/>
-      </p:par>
-    </p:tnLst>
-  </p:timing>
 </p:sldLayout>
 </file>
 
@@ -18166,7 +20476,7 @@
           </a:lstStyle>
           <a:p>
             <a:r>
-              <a:rPr lang="en-US" smtClean="0"/>
+              <a:rPr lang="en-US"/>
               <a:t>Click to edit Master title style</a:t>
             </a:r>
             <a:endParaRPr lang="en-US" dirty="0"/>
@@ -18230,7 +20540,7 @@
           <a:p>
             <a:pPr lvl="0"/>
             <a:r>
-              <a:rPr lang="en-US" smtClean="0"/>
+              <a:rPr lang="en-US"/>
               <a:t>Click to edit Master text styles</a:t>
             </a:r>
           </a:p>
@@ -18352,7 +20662,7 @@
           <a:p>
             <a:pPr lvl="0"/>
             <a:r>
-              <a:rPr lang="en-US" smtClean="0"/>
+              <a:rPr lang="en-US"/>
               <a:t>Click to edit Master text styles</a:t>
             </a:r>
           </a:p>
@@ -18375,7 +20685,7 @@
           <a:p>
             <a:fld id="{61CCE366-E508-4365-A528-81810D997FF5}" type="datetime1">
               <a:rPr lang="fr-FR" smtClean="0"/>
-              <a:t>20/02/2016</a:t>
+              <a:t>13/03/2016</a:t>
             </a:fld>
             <a:endParaRPr lang="en-US"/>
           </a:p>
@@ -18397,10 +20707,9 @@
           <a:lstStyle/>
           <a:p>
             <a:r>
-              <a:rPr lang="en-US" smtClean="0"/>
+              <a:rPr lang="en-US"/>
               <a:t>ANDROID – Ihab BERRO</a:t>
             </a:r>
-            <a:endParaRPr lang="en-US"/>
           </a:p>
         </p:txBody>
       </p:sp>
@@ -18519,13 +20828,6 @@
   <p:clrMapOvr>
     <a:masterClrMapping/>
   </p:clrMapOvr>
-  <p:timing>
-    <p:tnLst>
-      <p:par>
-        <p:cTn id="1" dur="indefinite" restart="never" nodeType="tmRoot"/>
-      </p:par>
-    </p:tnLst>
-  </p:timing>
 </p:sldLayout>
 </file>
 
@@ -18573,7 +20875,7 @@
           </a:lstStyle>
           <a:p>
             <a:r>
-              <a:rPr lang="en-US" smtClean="0"/>
+              <a:rPr lang="en-US"/>
               <a:t>Click to edit Master title style</a:t>
             </a:r>
             <a:endParaRPr lang="en-US" dirty="0"/>
@@ -18634,7 +20936,7 @@
           <a:p>
             <a:pPr lvl="0"/>
             <a:r>
-              <a:rPr lang="en-US" smtClean="0"/>
+              <a:rPr lang="en-US"/>
               <a:t>Click to edit Master text styles</a:t>
             </a:r>
           </a:p>
@@ -18756,7 +21058,7 @@
           <a:p>
             <a:pPr lvl="0"/>
             <a:r>
-              <a:rPr lang="en-US" smtClean="0"/>
+              <a:rPr lang="en-US"/>
               <a:t>Click to edit Master text styles</a:t>
             </a:r>
           </a:p>
@@ -18779,7 +21081,7 @@
           <a:p>
             <a:fld id="{18535201-E68E-4629-B363-B4EC6B079F97}" type="datetime1">
               <a:rPr lang="fr-FR" smtClean="0"/>
-              <a:t>20/02/2016</a:t>
+              <a:t>13/03/2016</a:t>
             </a:fld>
             <a:endParaRPr lang="en-US"/>
           </a:p>
@@ -18801,10 +21103,9 @@
           <a:lstStyle/>
           <a:p>
             <a:r>
-              <a:rPr lang="en-US" smtClean="0"/>
+              <a:rPr lang="en-US"/>
               <a:t>ANDROID – Ihab BERRO</a:t>
             </a:r>
-            <a:endParaRPr lang="en-US"/>
           </a:p>
         </p:txBody>
       </p:sp>
@@ -18877,7 +21178,7 @@
           <a:lstStyle/>
           <a:p>
             <a:r>
-              <a:rPr lang="en-US" smtClean="0"/>
+              <a:rPr lang="en-US"/>
               <a:t>Click to edit Master title style</a:t>
             </a:r>
             <a:endParaRPr lang="en-US" dirty="0"/>
@@ -18901,35 +21202,35 @@
           <a:p>
             <a:pPr lvl="0"/>
             <a:r>
-              <a:rPr lang="en-US" smtClean="0"/>
+              <a:rPr lang="en-US"/>
               <a:t>Click to edit Master text styles</a:t>
             </a:r>
           </a:p>
           <a:p>
             <a:pPr lvl="1"/>
             <a:r>
-              <a:rPr lang="en-US" smtClean="0"/>
+              <a:rPr lang="en-US"/>
               <a:t>Second level</a:t>
             </a:r>
           </a:p>
           <a:p>
             <a:pPr lvl="2"/>
             <a:r>
-              <a:rPr lang="en-US" smtClean="0"/>
+              <a:rPr lang="en-US"/>
               <a:t>Third level</a:t>
             </a:r>
           </a:p>
           <a:p>
             <a:pPr lvl="3"/>
             <a:r>
-              <a:rPr lang="en-US" smtClean="0"/>
+              <a:rPr lang="en-US"/>
               <a:t>Fourth level</a:t>
             </a:r>
           </a:p>
           <a:p>
             <a:pPr lvl="4"/>
             <a:r>
-              <a:rPr lang="en-US" smtClean="0"/>
+              <a:rPr lang="en-US"/>
               <a:t>Fifth level</a:t>
             </a:r>
             <a:endParaRPr lang="en-US" dirty="0"/>
@@ -18953,7 +21254,7 @@
           <a:p>
             <a:fld id="{FAB0AFE1-2E12-4791-9791-6BCCB5973D1A}" type="datetime1">
               <a:rPr lang="fr-FR" smtClean="0"/>
-              <a:t>20/02/2016</a:t>
+              <a:t>13/03/2016</a:t>
             </a:fld>
             <a:endParaRPr lang="en-US"/>
           </a:p>
@@ -18975,10 +21276,9 @@
           <a:lstStyle/>
           <a:p>
             <a:r>
-              <a:rPr lang="en-US" smtClean="0"/>
+              <a:rPr lang="en-US"/>
               <a:t>ANDROID – Ihab BERRO</a:t>
             </a:r>
-            <a:endParaRPr lang="en-US"/>
           </a:p>
         </p:txBody>
       </p:sp>
@@ -19056,7 +21356,7 @@
           <a:lstStyle/>
           <a:p>
             <a:r>
-              <a:rPr lang="en-US" smtClean="0"/>
+              <a:rPr lang="en-US"/>
               <a:t>Click to edit Master title style</a:t>
             </a:r>
             <a:endParaRPr lang="en-US" dirty="0"/>
@@ -19085,35 +21385,35 @@
           <a:p>
             <a:pPr lvl="0"/>
             <a:r>
-              <a:rPr lang="en-US" smtClean="0"/>
+              <a:rPr lang="en-US"/>
               <a:t>Click to edit Master text styles</a:t>
             </a:r>
           </a:p>
           <a:p>
             <a:pPr lvl="1"/>
             <a:r>
-              <a:rPr lang="en-US" smtClean="0"/>
+              <a:rPr lang="en-US"/>
               <a:t>Second level</a:t>
             </a:r>
           </a:p>
           <a:p>
             <a:pPr lvl="2"/>
             <a:r>
-              <a:rPr lang="en-US" smtClean="0"/>
+              <a:rPr lang="en-US"/>
               <a:t>Third level</a:t>
             </a:r>
           </a:p>
           <a:p>
             <a:pPr lvl="3"/>
             <a:r>
-              <a:rPr lang="en-US" smtClean="0"/>
+              <a:rPr lang="en-US"/>
               <a:t>Fourth level</a:t>
             </a:r>
           </a:p>
           <a:p>
             <a:pPr lvl="4"/>
             <a:r>
-              <a:rPr lang="en-US" smtClean="0"/>
+              <a:rPr lang="en-US"/>
               <a:t>Fifth level</a:t>
             </a:r>
             <a:endParaRPr lang="en-US" dirty="0"/>
@@ -19137,7 +21437,7 @@
           <a:p>
             <a:fld id="{32C5EF55-AC71-4705-8FB2-0BF87D33A324}" type="datetime1">
               <a:rPr lang="fr-FR" smtClean="0"/>
-              <a:t>20/02/2016</a:t>
+              <a:t>13/03/2016</a:t>
             </a:fld>
             <a:endParaRPr lang="en-US"/>
           </a:p>
@@ -19159,10 +21459,9 @@
           <a:lstStyle/>
           <a:p>
             <a:r>
-              <a:rPr lang="en-US" smtClean="0"/>
+              <a:rPr lang="en-US"/>
               <a:t>ANDROID – Ihab BERRO</a:t>
             </a:r>
-            <a:endParaRPr lang="en-US"/>
           </a:p>
         </p:txBody>
       </p:sp>
@@ -19254,10 +21553,9 @@
           </a:lstStyle>
           <a:p>
             <a:r>
-              <a:rPr lang="en-US" dirty="0" smtClean="0"/>
+              <a:rPr lang="en-US" dirty="0"/>
               <a:t>Click to edit Master title style</a:t>
             </a:r>
-            <a:endParaRPr lang="en-US" dirty="0"/>
           </a:p>
         </p:txBody>
       </p:sp>
@@ -19283,38 +21581,37 @@
           <a:p>
             <a:pPr lvl="0"/>
             <a:r>
-              <a:rPr lang="en-US" dirty="0" smtClean="0"/>
+              <a:rPr lang="en-US" dirty="0"/>
               <a:t>Click to edit Master text styles</a:t>
             </a:r>
           </a:p>
           <a:p>
             <a:pPr lvl="1"/>
             <a:r>
-              <a:rPr lang="en-US" dirty="0" smtClean="0"/>
+              <a:rPr lang="en-US" dirty="0"/>
               <a:t>Second level</a:t>
             </a:r>
           </a:p>
           <a:p>
             <a:pPr lvl="2"/>
             <a:r>
-              <a:rPr lang="en-US" dirty="0" smtClean="0"/>
+              <a:rPr lang="en-US" dirty="0"/>
               <a:t>Third level</a:t>
             </a:r>
           </a:p>
           <a:p>
             <a:pPr lvl="3"/>
             <a:r>
-              <a:rPr lang="en-US" dirty="0" smtClean="0"/>
+              <a:rPr lang="en-US" dirty="0"/>
               <a:t>Fourth level</a:t>
             </a:r>
           </a:p>
           <a:p>
             <a:pPr lvl="4"/>
             <a:r>
-              <a:rPr lang="en-US" dirty="0" smtClean="0"/>
+              <a:rPr lang="en-US" dirty="0"/>
               <a:t>Fifth level</a:t>
             </a:r>
-            <a:endParaRPr lang="en-US" dirty="0"/>
           </a:p>
         </p:txBody>
       </p:sp>
@@ -19345,7 +21642,7 @@
             <a:fld id="{CD77EECE-1F8F-4EFB-897C-4B2C2CB114C6}" type="datetime1">
               <a:rPr lang="fr-FR" smtClean="0"/>
               <a:pPr/>
-              <a:t>20/02/2016</a:t>
+              <a:t>13/03/2016</a:t>
             </a:fld>
             <a:endParaRPr lang="en-US" dirty="0"/>
           </a:p>
@@ -19371,10 +21668,9 @@
           </a:lstStyle>
           <a:p>
             <a:r>
-              <a:rPr lang="en-US" dirty="0" smtClean="0"/>
+              <a:rPr lang="en-US" dirty="0"/>
               <a:t>ANDROID – Ihab BERRO</a:t>
             </a:r>
-            <a:endParaRPr lang="en-US" dirty="0"/>
           </a:p>
         </p:txBody>
       </p:sp>
@@ -19416,13 +21712,6 @@
   <p:clrMapOvr>
     <a:masterClrMapping/>
   </p:clrMapOvr>
-  <p:timing>
-    <p:tnLst>
-      <p:par>
-        <p:cTn id="1" dur="indefinite" restart="never" nodeType="tmRoot"/>
-      </p:par>
-    </p:tnLst>
-  </p:timing>
 </p:sldLayout>
 </file>
 
@@ -19476,10 +21765,9 @@
           </a:lstStyle>
           <a:p>
             <a:r>
-              <a:rPr lang="en-US" dirty="0" smtClean="0"/>
+              <a:rPr lang="en-US" dirty="0"/>
               <a:t>Click to edit Master title style</a:t>
             </a:r>
-            <a:endParaRPr lang="en-US" dirty="0"/>
           </a:p>
         </p:txBody>
       </p:sp>
@@ -19597,7 +21885,7 @@
           <a:p>
             <a:pPr lvl="0"/>
             <a:r>
-              <a:rPr lang="en-US" smtClean="0"/>
+              <a:rPr lang="en-US"/>
               <a:t>Click to edit Master text styles</a:t>
             </a:r>
           </a:p>
@@ -19630,7 +21918,7 @@
             <a:fld id="{CD52FDE6-6905-49BA-9321-7E2D4D45C25F}" type="datetime1">
               <a:rPr lang="fr-FR" smtClean="0"/>
               <a:pPr/>
-              <a:t>20/02/2016</a:t>
+              <a:t>13/03/2016</a:t>
             </a:fld>
             <a:endParaRPr lang="en-US"/>
           </a:p>
@@ -19656,10 +21944,9 @@
           </a:lstStyle>
           <a:p>
             <a:r>
-              <a:rPr lang="en-US" smtClean="0"/>
+              <a:rPr lang="en-US"/>
               <a:t>ANDROID – Ihab BERRO</a:t>
             </a:r>
-            <a:endParaRPr lang="en-US"/>
           </a:p>
         </p:txBody>
       </p:sp>
@@ -19701,13 +21988,6 @@
   <p:clrMapOvr>
     <a:masterClrMapping/>
   </p:clrMapOvr>
-  <p:timing>
-    <p:tnLst>
-      <p:par>
-        <p:cTn id="1" dur="indefinite" restart="never" nodeType="tmRoot"/>
-      </p:par>
-    </p:tnLst>
-  </p:timing>
 </p:sldLayout>
 </file>
 
@@ -19744,7 +22024,7 @@
           <a:lstStyle/>
           <a:p>
             <a:r>
-              <a:rPr lang="en-US" smtClean="0"/>
+              <a:rPr lang="en-US"/>
               <a:t>Click to edit Master title style</a:t>
             </a:r>
             <a:endParaRPr lang="en-US" dirty="0"/>
@@ -19773,35 +22053,35 @@
           <a:p>
             <a:pPr lvl="0"/>
             <a:r>
-              <a:rPr lang="en-US" smtClean="0"/>
+              <a:rPr lang="en-US"/>
               <a:t>Click to edit Master text styles</a:t>
             </a:r>
           </a:p>
           <a:p>
             <a:pPr lvl="1"/>
             <a:r>
-              <a:rPr lang="en-US" smtClean="0"/>
+              <a:rPr lang="en-US"/>
               <a:t>Second level</a:t>
             </a:r>
           </a:p>
           <a:p>
             <a:pPr lvl="2"/>
             <a:r>
-              <a:rPr lang="en-US" smtClean="0"/>
+              <a:rPr lang="en-US"/>
               <a:t>Third level</a:t>
             </a:r>
           </a:p>
           <a:p>
             <a:pPr lvl="3"/>
             <a:r>
-              <a:rPr lang="en-US" smtClean="0"/>
+              <a:rPr lang="en-US"/>
               <a:t>Fourth level</a:t>
             </a:r>
           </a:p>
           <a:p>
             <a:pPr lvl="4"/>
             <a:r>
-              <a:rPr lang="en-US" smtClean="0"/>
+              <a:rPr lang="en-US"/>
               <a:t>Fifth level</a:t>
             </a:r>
             <a:endParaRPr lang="en-US" dirty="0"/>
@@ -19830,35 +22110,35 @@
           <a:p>
             <a:pPr lvl="0"/>
             <a:r>
-              <a:rPr lang="en-US" smtClean="0"/>
+              <a:rPr lang="en-US"/>
               <a:t>Click to edit Master text styles</a:t>
             </a:r>
           </a:p>
           <a:p>
             <a:pPr lvl="1"/>
             <a:r>
-              <a:rPr lang="en-US" smtClean="0"/>
+              <a:rPr lang="en-US"/>
               <a:t>Second level</a:t>
             </a:r>
           </a:p>
           <a:p>
             <a:pPr lvl="2"/>
             <a:r>
-              <a:rPr lang="en-US" smtClean="0"/>
+              <a:rPr lang="en-US"/>
               <a:t>Third level</a:t>
             </a:r>
           </a:p>
           <a:p>
             <a:pPr lvl="3"/>
             <a:r>
-              <a:rPr lang="en-US" smtClean="0"/>
+              <a:rPr lang="en-US"/>
               <a:t>Fourth level</a:t>
             </a:r>
           </a:p>
           <a:p>
             <a:pPr lvl="4"/>
             <a:r>
-              <a:rPr lang="en-US" smtClean="0"/>
+              <a:rPr lang="en-US"/>
               <a:t>Fifth level</a:t>
             </a:r>
             <a:endParaRPr lang="en-US" dirty="0"/>
@@ -19882,7 +22162,7 @@
           <a:p>
             <a:fld id="{0A86D140-3D2A-4D92-8A3E-2CEF00AB6156}" type="datetime1">
               <a:rPr lang="fr-FR" smtClean="0"/>
-              <a:t>20/02/2016</a:t>
+              <a:t>13/03/2016</a:t>
             </a:fld>
             <a:endParaRPr lang="en-US"/>
           </a:p>
@@ -19904,10 +22184,9 @@
           <a:lstStyle/>
           <a:p>
             <a:r>
-              <a:rPr lang="en-US" smtClean="0"/>
+              <a:rPr lang="en-US"/>
               <a:t>ANDROID – Ihab BERRO</a:t>
             </a:r>
-            <a:endParaRPr lang="en-US"/>
           </a:p>
         </p:txBody>
       </p:sp>
@@ -19944,13 +22223,6 @@
   <p:clrMapOvr>
     <a:masterClrMapping/>
   </p:clrMapOvr>
-  <p:timing>
-    <p:tnLst>
-      <p:par>
-        <p:cTn id="1" dur="indefinite" restart="never" nodeType="tmRoot"/>
-      </p:par>
-    </p:tnLst>
-  </p:timing>
 </p:sldLayout>
 </file>
 
@@ -19991,7 +22263,7 @@
           </a:lstStyle>
           <a:p>
             <a:r>
-              <a:rPr lang="en-US" smtClean="0"/>
+              <a:rPr lang="en-US"/>
               <a:t>Click to edit Master title style</a:t>
             </a:r>
             <a:endParaRPr lang="en-US" dirty="0"/>
@@ -20059,7 +22331,7 @@
           <a:p>
             <a:pPr lvl="0"/>
             <a:r>
-              <a:rPr lang="en-US" smtClean="0"/>
+              <a:rPr lang="en-US"/>
               <a:t>Click to edit Master text styles</a:t>
             </a:r>
           </a:p>
@@ -20089,35 +22361,35 @@
           <a:p>
             <a:pPr lvl="0"/>
             <a:r>
-              <a:rPr lang="en-US" smtClean="0"/>
+              <a:rPr lang="en-US"/>
               <a:t>Click to edit Master text styles</a:t>
             </a:r>
           </a:p>
           <a:p>
             <a:pPr lvl="1"/>
             <a:r>
-              <a:rPr lang="en-US" smtClean="0"/>
+              <a:rPr lang="en-US"/>
               <a:t>Second level</a:t>
             </a:r>
           </a:p>
           <a:p>
             <a:pPr lvl="2"/>
             <a:r>
-              <a:rPr lang="en-US" smtClean="0"/>
+              <a:rPr lang="en-US"/>
               <a:t>Third level</a:t>
             </a:r>
           </a:p>
           <a:p>
             <a:pPr lvl="3"/>
             <a:r>
-              <a:rPr lang="en-US" smtClean="0"/>
+              <a:rPr lang="en-US"/>
               <a:t>Fourth level</a:t>
             </a:r>
           </a:p>
           <a:p>
             <a:pPr lvl="4"/>
             <a:r>
-              <a:rPr lang="en-US" smtClean="0"/>
+              <a:rPr lang="en-US"/>
               <a:t>Fifth level</a:t>
             </a:r>
             <a:endParaRPr lang="en-US" dirty="0"/>
@@ -20185,7 +22457,7 @@
           <a:p>
             <a:pPr lvl="0"/>
             <a:r>
-              <a:rPr lang="en-US" smtClean="0"/>
+              <a:rPr lang="en-US"/>
               <a:t>Click to edit Master text styles</a:t>
             </a:r>
           </a:p>
@@ -20215,35 +22487,35 @@
           <a:p>
             <a:pPr lvl="0"/>
             <a:r>
-              <a:rPr lang="en-US" smtClean="0"/>
+              <a:rPr lang="en-US"/>
               <a:t>Click to edit Master text styles</a:t>
             </a:r>
           </a:p>
           <a:p>
             <a:pPr lvl="1"/>
             <a:r>
-              <a:rPr lang="en-US" smtClean="0"/>
+              <a:rPr lang="en-US"/>
               <a:t>Second level</a:t>
             </a:r>
           </a:p>
           <a:p>
             <a:pPr lvl="2"/>
             <a:r>
-              <a:rPr lang="en-US" smtClean="0"/>
+              <a:rPr lang="en-US"/>
               <a:t>Third level</a:t>
             </a:r>
           </a:p>
           <a:p>
             <a:pPr lvl="3"/>
             <a:r>
-              <a:rPr lang="en-US" smtClean="0"/>
+              <a:rPr lang="en-US"/>
               <a:t>Fourth level</a:t>
             </a:r>
           </a:p>
           <a:p>
             <a:pPr lvl="4"/>
             <a:r>
-              <a:rPr lang="en-US" smtClean="0"/>
+              <a:rPr lang="en-US"/>
               <a:t>Fifth level</a:t>
             </a:r>
             <a:endParaRPr lang="en-US" dirty="0"/>
@@ -20267,7 +22539,7 @@
           <a:p>
             <a:fld id="{66110D82-C8F5-4D4A-9582-3CA0635F9328}" type="datetime1">
               <a:rPr lang="fr-FR" smtClean="0"/>
-              <a:t>20/02/2016</a:t>
+              <a:t>13/03/2016</a:t>
             </a:fld>
             <a:endParaRPr lang="en-US"/>
           </a:p>
@@ -20289,10 +22561,9 @@
           <a:lstStyle/>
           <a:p>
             <a:r>
-              <a:rPr lang="en-US" smtClean="0"/>
+              <a:rPr lang="en-US"/>
               <a:t>ANDROID – Ihab BERRO</a:t>
             </a:r>
-            <a:endParaRPr lang="en-US"/>
           </a:p>
         </p:txBody>
       </p:sp>
@@ -20329,13 +22600,6 @@
   <p:clrMapOvr>
     <a:masterClrMapping/>
   </p:clrMapOvr>
-  <p:timing>
-    <p:tnLst>
-      <p:par>
-        <p:cTn id="1" dur="indefinite" restart="never" nodeType="tmRoot"/>
-      </p:par>
-    </p:tnLst>
-  </p:timing>
 </p:sldLayout>
 </file>
 
@@ -20391,10 +22655,9 @@
           </a:lstStyle>
           <a:p>
             <a:r>
-              <a:rPr lang="en-US" dirty="0" smtClean="0"/>
+              <a:rPr lang="en-US" dirty="0"/>
               <a:t>Click to edit Master title style</a:t>
             </a:r>
-            <a:endParaRPr lang="en-US" dirty="0"/>
           </a:p>
         </p:txBody>
       </p:sp>
@@ -20425,7 +22688,7 @@
             <a:fld id="{AB4809BD-7B7C-4B66-9065-D6920523D394}" type="datetime1">
               <a:rPr lang="fr-FR" smtClean="0"/>
               <a:pPr/>
-              <a:t>20/02/2016</a:t>
+              <a:t>13/03/2016</a:t>
             </a:fld>
             <a:endParaRPr lang="en-US"/>
           </a:p>
@@ -20451,10 +22714,9 @@
           </a:lstStyle>
           <a:p>
             <a:r>
-              <a:rPr lang="en-US" smtClean="0"/>
+              <a:rPr lang="en-US"/>
               <a:t>ANDROID – Ihab BERRO</a:t>
             </a:r>
-            <a:endParaRPr lang="en-US"/>
           </a:p>
         </p:txBody>
       </p:sp>
@@ -20496,13 +22758,6 @@
   <p:clrMapOvr>
     <a:masterClrMapping/>
   </p:clrMapOvr>
-  <p:timing>
-    <p:tnLst>
-      <p:par>
-        <p:cTn id="1" dur="indefinite" restart="never" nodeType="tmRoot"/>
-      </p:par>
-    </p:tnLst>
-  </p:timing>
 </p:sldLayout>
 </file>
 
@@ -20540,7 +22795,7 @@
           <a:p>
             <a:fld id="{16AF6CF5-89ED-4575-91A3-4EB8DEE17208}" type="datetime1">
               <a:rPr lang="fr-FR" smtClean="0"/>
-              <a:t>20/02/2016</a:t>
+              <a:t>13/03/2016</a:t>
             </a:fld>
             <a:endParaRPr lang="en-US"/>
           </a:p>
@@ -20562,10 +22817,9 @@
           <a:lstStyle/>
           <a:p>
             <a:r>
-              <a:rPr lang="en-US" smtClean="0"/>
+              <a:rPr lang="en-US"/>
               <a:t>ANDROID – Ihab BERRO</a:t>
             </a:r>
-            <a:endParaRPr lang="en-US"/>
           </a:p>
         </p:txBody>
       </p:sp>
@@ -20602,13 +22856,6 @@
   <p:clrMapOvr>
     <a:masterClrMapping/>
   </p:clrMapOvr>
-  <p:timing>
-    <p:tnLst>
-      <p:par>
-        <p:cTn id="1" dur="indefinite" restart="never" nodeType="tmRoot"/>
-      </p:par>
-    </p:tnLst>
-  </p:timing>
 </p:sldLayout>
 </file>
 
@@ -20656,7 +22903,7 @@
           </a:lstStyle>
           <a:p>
             <a:r>
-              <a:rPr lang="en-US" smtClean="0"/>
+              <a:rPr lang="en-US"/>
               <a:t>Click to edit Master title style</a:t>
             </a:r>
             <a:endParaRPr lang="en-US" dirty="0"/>
@@ -20687,35 +22934,35 @@
           <a:p>
             <a:pPr lvl="0"/>
             <a:r>
-              <a:rPr lang="en-US" smtClean="0"/>
+              <a:rPr lang="en-US"/>
               <a:t>Click to edit Master text styles</a:t>
             </a:r>
           </a:p>
           <a:p>
             <a:pPr lvl="1"/>
             <a:r>
-              <a:rPr lang="en-US" smtClean="0"/>
+              <a:rPr lang="en-US"/>
               <a:t>Second level</a:t>
             </a:r>
           </a:p>
           <a:p>
             <a:pPr lvl="2"/>
             <a:r>
-              <a:rPr lang="en-US" smtClean="0"/>
+              <a:rPr lang="en-US"/>
               <a:t>Third level</a:t>
             </a:r>
           </a:p>
           <a:p>
             <a:pPr lvl="3"/>
             <a:r>
-              <a:rPr lang="en-US" smtClean="0"/>
+              <a:rPr lang="en-US"/>
               <a:t>Fourth level</a:t>
             </a:r>
           </a:p>
           <a:p>
             <a:pPr lvl="4"/>
             <a:r>
-              <a:rPr lang="en-US" smtClean="0"/>
+              <a:rPr lang="en-US"/>
               <a:t>Fifth level</a:t>
             </a:r>
             <a:endParaRPr lang="en-US" dirty="0"/>
@@ -20783,7 +23030,7 @@
           <a:p>
             <a:pPr lvl="0"/>
             <a:r>
-              <a:rPr lang="en-US" smtClean="0"/>
+              <a:rPr lang="en-US"/>
               <a:t>Click to edit Master text styles</a:t>
             </a:r>
           </a:p>
@@ -20806,7 +23053,7 @@
           <a:p>
             <a:fld id="{05C261E9-2437-42FA-AB8A-1808812EEBCE}" type="datetime1">
               <a:rPr lang="fr-FR" smtClean="0"/>
-              <a:t>20/02/2016</a:t>
+              <a:t>13/03/2016</a:t>
             </a:fld>
             <a:endParaRPr lang="en-US"/>
           </a:p>
@@ -20828,10 +23075,9 @@
           <a:lstStyle/>
           <a:p>
             <a:r>
-              <a:rPr lang="en-US" smtClean="0"/>
+              <a:rPr lang="en-US"/>
               <a:t>ANDROID – Ihab BERRO</a:t>
             </a:r>
-            <a:endParaRPr lang="en-US"/>
           </a:p>
         </p:txBody>
       </p:sp>
@@ -20915,7 +23161,7 @@
           </a:lstStyle>
           <a:p>
             <a:r>
-              <a:rPr lang="en-US" smtClean="0"/>
+              <a:rPr lang="en-US"/>
               <a:t>Click to edit Master title style</a:t>
             </a:r>
             <a:endParaRPr lang="en-US" dirty="0"/>
@@ -20982,7 +23228,7 @@
           </a:lstStyle>
           <a:p>
             <a:r>
-              <a:rPr lang="en-US" smtClean="0"/>
+              <a:rPr lang="en-US"/>
               <a:t>Click icon to add picture</a:t>
             </a:r>
             <a:endParaRPr lang="en-US" dirty="0"/>
@@ -21050,7 +23296,7 @@
           <a:p>
             <a:pPr lvl="0"/>
             <a:r>
-              <a:rPr lang="en-US" smtClean="0"/>
+              <a:rPr lang="en-US"/>
               <a:t>Click to edit Master text styles</a:t>
             </a:r>
           </a:p>
@@ -21073,7 +23319,7 @@
           <a:p>
             <a:fld id="{9D9BB8D0-5CB2-4A74-9917-95E881E38BAB}" type="datetime1">
               <a:rPr lang="fr-FR" smtClean="0"/>
-              <a:t>20/02/2016</a:t>
+              <a:t>13/03/2016</a:t>
             </a:fld>
             <a:endParaRPr lang="en-US"/>
           </a:p>
@@ -21095,10 +23341,9 @@
           <a:lstStyle/>
           <a:p>
             <a:r>
-              <a:rPr lang="en-US" smtClean="0"/>
+              <a:rPr lang="en-US"/>
               <a:t>ANDROID – Ihab BERRO</a:t>
             </a:r>
-            <a:endParaRPr lang="en-US"/>
           </a:p>
         </p:txBody>
       </p:sp>
@@ -21135,13 +23380,6 @@
   <p:clrMapOvr>
     <a:masterClrMapping/>
   </p:clrMapOvr>
-  <p:timing>
-    <p:tnLst>
-      <p:par>
-        <p:cTn id="1" dur="indefinite" restart="never" nodeType="tmRoot"/>
-      </p:par>
-    </p:tnLst>
-  </p:timing>
 </p:sldLayout>
 </file>
 
@@ -21723,7 +23961,7 @@
           <a:lstStyle/>
           <a:p>
             <a:r>
-              <a:rPr lang="en-US" smtClean="0"/>
+              <a:rPr lang="en-US"/>
               <a:t>Click to edit Master title style</a:t>
             </a:r>
             <a:endParaRPr lang="en-US" dirty="0"/>
@@ -21757,35 +23995,35 @@
           <a:p>
             <a:pPr lvl="0"/>
             <a:r>
-              <a:rPr lang="en-US" smtClean="0"/>
+              <a:rPr lang="en-US"/>
               <a:t>Click to edit Master text styles</a:t>
             </a:r>
           </a:p>
           <a:p>
             <a:pPr lvl="1"/>
             <a:r>
-              <a:rPr lang="en-US" smtClean="0"/>
+              <a:rPr lang="en-US"/>
               <a:t>Second level</a:t>
             </a:r>
           </a:p>
           <a:p>
             <a:pPr lvl="2"/>
             <a:r>
-              <a:rPr lang="en-US" smtClean="0"/>
+              <a:rPr lang="en-US"/>
               <a:t>Third level</a:t>
             </a:r>
           </a:p>
           <a:p>
             <a:pPr lvl="3"/>
             <a:r>
-              <a:rPr lang="en-US" smtClean="0"/>
+              <a:rPr lang="en-US"/>
               <a:t>Fourth level</a:t>
             </a:r>
           </a:p>
           <a:p>
             <a:pPr lvl="4"/>
             <a:r>
-              <a:rPr lang="en-US" smtClean="0"/>
+              <a:rPr lang="en-US"/>
               <a:t>Fifth level</a:t>
             </a:r>
             <a:endParaRPr lang="en-US" dirty="0"/>
@@ -21827,7 +24065,7 @@
           <a:p>
             <a:fld id="{7EA18BA9-6328-4E4C-BEBF-327C59209EED}" type="datetime1">
               <a:rPr lang="fr-FR" smtClean="0"/>
-              <a:t>20/02/2016</a:t>
+              <a:t>13/03/2016</a:t>
             </a:fld>
             <a:endParaRPr lang="en-US"/>
           </a:p>
@@ -21867,10 +24105,9 @@
           </a:lstStyle>
           <a:p>
             <a:r>
-              <a:rPr lang="en-US" smtClean="0"/>
+              <a:rPr lang="en-US"/>
               <a:t>ANDROID – Ihab BERRO</a:t>
             </a:r>
-            <a:endParaRPr lang="en-US"/>
           </a:p>
         </p:txBody>
       </p:sp>
@@ -22372,10 +24609,9 @@
           <a:lstStyle/>
           <a:p>
             <a:r>
-              <a:rPr lang="en-US" dirty="0" smtClean="0"/>
+              <a:rPr lang="en-US" dirty="0"/>
               <a:t>ANDROID</a:t>
             </a:r>
-            <a:endParaRPr lang="en-US" dirty="0"/>
           </a:p>
         </p:txBody>
       </p:sp>
@@ -22408,13 +24644,6 @@
   <p:clrMapOvr>
     <a:masterClrMapping/>
   </p:clrMapOvr>
-  <p:timing>
-    <p:tnLst>
-      <p:par>
-        <p:cTn id="1" dur="indefinite" restart="never" nodeType="tmRoot"/>
-      </p:par>
-    </p:tnLst>
-  </p:timing>
 </p:sld>
 </file>
 
@@ -22451,12 +24680,8 @@
           <a:lstStyle/>
           <a:p>
             <a:r>
-              <a:rPr lang="en-US" dirty="0" smtClean="0"/>
-              <a:t>Architecture </a:t>
-            </a:r>
-            <a:r>
               <a:rPr lang="en-US" dirty="0"/>
-              <a:t>- Android et Java</a:t>
+              <a:t>Architecture - Android et Java</a:t>
             </a:r>
           </a:p>
         </p:txBody>
@@ -22478,7 +24703,7 @@
           <a:p>
             <a:fld id="{97A9CFD6-E32B-4B7B-8DA5-04EDA5A7ECDC}" type="datetime1">
               <a:rPr lang="fr-FR" smtClean="0"/>
-              <a:t>20/02/2016</a:t>
+              <a:t>13/03/2016</a:t>
             </a:fld>
             <a:endParaRPr lang="en-US"/>
           </a:p>
@@ -22500,7 +24725,7 @@
           <a:lstStyle/>
           <a:p>
             <a:r>
-              <a:rPr lang="en-US" smtClean="0"/>
+              <a:rPr lang="en-US"/>
               <a:t>ANDROID – Ihab BERRO</a:t>
             </a:r>
             <a:endParaRPr lang="en-US" dirty="0"/>
@@ -22584,13 +24809,6 @@
   <p:clrMapOvr>
     <a:masterClrMapping/>
   </p:clrMapOvr>
-  <p:timing>
-    <p:tnLst>
-      <p:par>
-        <p:cTn id="1" dur="indefinite" restart="never" nodeType="tmRoot"/>
-      </p:par>
-    </p:tnLst>
-  </p:timing>
 </p:sld>
 </file>
 
@@ -22727,7 +24945,7 @@
             <a:fld id="{CD77EECE-1F8F-4EFB-897C-4B2C2CB114C6}" type="datetime1">
               <a:rPr lang="fr-FR" smtClean="0"/>
               <a:pPr/>
-              <a:t>20/02/2016</a:t>
+              <a:t>13/03/2016</a:t>
             </a:fld>
             <a:endParaRPr lang="en-US" dirty="0"/>
           </a:p>
@@ -22749,7 +24967,7 @@
           <a:lstStyle/>
           <a:p>
             <a:r>
-              <a:rPr lang="en-US" smtClean="0"/>
+              <a:rPr lang="en-US"/>
               <a:t>ANDROID – Ihab BERRO</a:t>
             </a:r>
             <a:endParaRPr lang="en-US" dirty="0"/>
@@ -22829,10 +25047,9 @@
           <a:p>
             <a:pPr algn="ctr"/>
             <a:r>
-              <a:rPr lang="en-US" dirty="0" smtClean="0"/>
+              <a:rPr lang="en-US" dirty="0"/>
               <a:t>(.java)</a:t>
             </a:r>
-            <a:endParaRPr lang="en-US" dirty="0"/>
           </a:p>
         </p:txBody>
       </p:sp>
@@ -22879,10 +25096,9 @@
           <a:p>
             <a:pPr algn="ctr"/>
             <a:r>
-              <a:rPr lang="en-US" dirty="0" smtClean="0"/>
+              <a:rPr lang="en-US" dirty="0"/>
               <a:t>(.class)</a:t>
             </a:r>
-            <a:endParaRPr lang="en-US" dirty="0"/>
           </a:p>
         </p:txBody>
       </p:sp>
@@ -22921,15 +25137,15 @@
           <a:p>
             <a:pPr algn="ctr"/>
             <a:r>
-              <a:rPr lang="en-US" dirty="0" err="1" smtClean="0"/>
+              <a:rPr lang="en-US" dirty="0" err="1"/>
               <a:t>Dalvik</a:t>
             </a:r>
             <a:r>
-              <a:rPr lang="en-US" dirty="0" smtClean="0"/>
+              <a:rPr lang="en-US" dirty="0"/>
               <a:t> .</a:t>
             </a:r>
             <a:r>
-              <a:rPr lang="en-US" dirty="0" err="1" smtClean="0"/>
+              <a:rPr lang="en-US" dirty="0" err="1"/>
               <a:t>dex</a:t>
             </a:r>
             <a:endParaRPr lang="en-US" dirty="0"/>
@@ -22978,18 +25194,17 @@
           <a:p>
             <a:pPr algn="ctr"/>
             <a:r>
-              <a:rPr lang="en-US" dirty="0" smtClean="0"/>
+              <a:rPr lang="en-US" dirty="0"/>
               <a:t>(.</a:t>
             </a:r>
             <a:r>
-              <a:rPr lang="en-US" dirty="0" err="1" smtClean="0"/>
+              <a:rPr lang="en-US" dirty="0" err="1"/>
               <a:t>apk</a:t>
             </a:r>
             <a:r>
-              <a:rPr lang="en-US" dirty="0" smtClean="0"/>
+              <a:rPr lang="en-US" dirty="0"/>
               <a:t>)</a:t>
             </a:r>
-            <a:endParaRPr lang="en-US" dirty="0"/>
           </a:p>
         </p:txBody>
       </p:sp>
@@ -23028,7 +25243,7 @@
           <a:p>
             <a:pPr algn="ctr"/>
             <a:r>
-              <a:rPr lang="en-US" dirty="0" smtClean="0"/>
+              <a:rPr lang="en-US" dirty="0"/>
               <a:t>Manifest</a:t>
             </a:r>
             <a:endParaRPr lang="en-US" sz="1600" dirty="0"/>
@@ -23111,10 +25326,9 @@
           <a:p>
             <a:pPr algn="ctr"/>
             <a:r>
-              <a:rPr lang="en-US" dirty="0" smtClean="0"/>
+              <a:rPr lang="en-US" dirty="0"/>
               <a:t>Terminal</a:t>
             </a:r>
-            <a:endParaRPr lang="en-US" dirty="0"/>
           </a:p>
         </p:txBody>
       </p:sp>
@@ -23397,11 +25611,11 @@
           <a:p>
             <a:pPr algn="ctr"/>
             <a:r>
-              <a:rPr lang="fr-FR" dirty="0" smtClean="0"/>
+              <a:rPr lang="fr-FR" dirty="0"/>
               <a:t>Machine Virtuelle </a:t>
             </a:r>
             <a:r>
-              <a:rPr lang="fr-FR" dirty="0" err="1" smtClean="0"/>
+              <a:rPr lang="fr-FR" dirty="0" err="1"/>
               <a:t>Dalvik</a:t>
             </a:r>
             <a:endParaRPr lang="fr-FR" dirty="0"/>
@@ -23494,24 +25708,23 @@
           <a:p>
             <a:pPr algn="ctr"/>
             <a:r>
-              <a:rPr lang="fr-FR" dirty="0" smtClean="0"/>
+              <a:rPr lang="fr-FR" dirty="0"/>
               <a:t>Environnement de développement</a:t>
             </a:r>
           </a:p>
           <a:p>
             <a:pPr algn="ctr"/>
             <a:r>
-              <a:rPr lang="en-US" dirty="0" smtClean="0"/>
+              <a:rPr lang="en-US" dirty="0"/>
               <a:t>+</a:t>
             </a:r>
           </a:p>
           <a:p>
             <a:pPr algn="ctr"/>
             <a:r>
-              <a:rPr lang="en-US" dirty="0" smtClean="0"/>
+              <a:rPr lang="en-US" dirty="0"/>
               <a:t>SDK</a:t>
             </a:r>
-            <a:endParaRPr lang="en-US" dirty="0"/>
           </a:p>
         </p:txBody>
       </p:sp>
@@ -23525,13 +25738,6 @@
   <p:clrMapOvr>
     <a:masterClrMapping/>
   </p:clrMapOvr>
-  <p:timing>
-    <p:tnLst>
-      <p:par>
-        <p:cTn id="1" dur="indefinite" restart="never" nodeType="tmRoot"/>
-      </p:par>
-    </p:tnLst>
-  </p:timing>
 </p:sld>
 </file>
 
@@ -23595,21 +25801,17 @@
             </a:r>
             <a:r>
               <a:rPr lang="en-US" dirty="0"/>
-              <a:t> &amp; </a:t>
+              <a:t> &amp; threads</a:t>
             </a:r>
-            <a:r>
-              <a:rPr lang="en-US" dirty="0" smtClean="0"/>
-              <a:t>threads</a:t>
-            </a:r>
           </a:p>
           <a:p>
             <a:endParaRPr lang="en-US" dirty="0"/>
           </a:p>
           <a:p>
-            <a:endParaRPr lang="en-US" dirty="0" smtClean="0"/>
-          </a:p>
-          <a:p>
-            <a:endParaRPr lang="en-US" dirty="0" smtClean="0"/>
+            <a:endParaRPr lang="en-US" dirty="0"/>
+          </a:p>
+          <a:p>
+            <a:endParaRPr lang="en-US" dirty="0"/>
           </a:p>
           <a:p>
             <a:r>
@@ -23637,7 +25839,7 @@
             <a:fld id="{CD77EECE-1F8F-4EFB-897C-4B2C2CB114C6}" type="datetime1">
               <a:rPr lang="fr-FR" smtClean="0"/>
               <a:pPr/>
-              <a:t>20/02/2016</a:t>
+              <a:t>13/03/2016</a:t>
             </a:fld>
             <a:endParaRPr lang="en-US" dirty="0"/>
           </a:p>
@@ -23659,7 +25861,7 @@
           <a:lstStyle/>
           <a:p>
             <a:r>
-              <a:rPr lang="en-US" smtClean="0"/>
+              <a:rPr lang="en-US"/>
               <a:t>ANDROID – Ihab BERRO</a:t>
             </a:r>
             <a:endParaRPr lang="en-US" dirty="0"/>
@@ -23700,13 +25902,6 @@
   <p:clrMapOvr>
     <a:masterClrMapping/>
   </p:clrMapOvr>
-  <p:timing>
-    <p:tnLst>
-      <p:par>
-        <p:cTn id="1" dur="indefinite" restart="never" nodeType="tmRoot"/>
-      </p:par>
-    </p:tnLst>
-  </p:timing>
 </p:sld>
 </file>
 
@@ -23767,7 +25962,7 @@
             <a:fld id="{CD77EECE-1F8F-4EFB-897C-4B2C2CB114C6}" type="datetime1">
               <a:rPr lang="fr-FR" smtClean="0"/>
               <a:pPr/>
-              <a:t>20/02/2016</a:t>
+              <a:t>13/03/2016</a:t>
             </a:fld>
             <a:endParaRPr lang="en-US" dirty="0"/>
           </a:p>
@@ -23789,7 +25984,7 @@
           <a:lstStyle/>
           <a:p>
             <a:r>
-              <a:rPr lang="en-US" smtClean="0"/>
+              <a:rPr lang="en-US"/>
               <a:t>ANDROID – Ihab BERRO</a:t>
             </a:r>
             <a:endParaRPr lang="en-US" dirty="0"/>
@@ -23934,10 +26129,9 @@
           <a:p>
             <a:pPr algn="ctr"/>
             <a:r>
-              <a:rPr lang="en-US" sz="2400" dirty="0" smtClean="0"/>
+              <a:rPr lang="en-US" sz="2400" dirty="0"/>
               <a:t>Service</a:t>
             </a:r>
-            <a:endParaRPr lang="en-US" sz="2400" dirty="0"/>
           </a:p>
         </p:txBody>
       </p:sp>
@@ -23976,10 +26170,9 @@
           <a:p>
             <a:pPr algn="ctr"/>
             <a:r>
-              <a:rPr lang="en-US" sz="2400" dirty="0" smtClean="0"/>
+              <a:rPr lang="en-US" sz="2400" dirty="0"/>
               <a:t>Content Provider</a:t>
             </a:r>
-            <a:endParaRPr lang="en-US" sz="2400" dirty="0"/>
           </a:p>
         </p:txBody>
       </p:sp>
@@ -24018,10 +26211,9 @@
           <a:p>
             <a:pPr algn="ctr"/>
             <a:r>
-              <a:rPr lang="en-US" sz="2400" dirty="0" smtClean="0"/>
+              <a:rPr lang="en-US" sz="2400" dirty="0"/>
               <a:t>Broadcast Receiver</a:t>
             </a:r>
-            <a:endParaRPr lang="en-US" sz="2400" dirty="0"/>
           </a:p>
         </p:txBody>
       </p:sp>
@@ -24101,10 +26293,9 @@
           <a:p>
             <a:pPr algn="ctr"/>
             <a:r>
-              <a:rPr lang="fr-FR" sz="2400" dirty="0" smtClean="0"/>
+              <a:rPr lang="fr-FR" sz="2400" dirty="0"/>
               <a:t>Interface</a:t>
             </a:r>
-            <a:endParaRPr lang="fr-FR" sz="2400" dirty="0"/>
           </a:p>
         </p:txBody>
       </p:sp>
@@ -24143,10 +26334,9 @@
           <a:p>
             <a:pPr algn="ctr"/>
             <a:r>
-              <a:rPr lang="fr-FR" sz="2400" dirty="0" smtClean="0"/>
+              <a:rPr lang="fr-FR" sz="2400" dirty="0"/>
               <a:t>Programme</a:t>
             </a:r>
-            <a:endParaRPr lang="fr-FR" sz="2400" dirty="0"/>
           </a:p>
         </p:txBody>
       </p:sp>
@@ -24160,13 +26350,6 @@
   <p:clrMapOvr>
     <a:masterClrMapping/>
   </p:clrMapOvr>
-  <p:timing>
-    <p:tnLst>
-      <p:par>
-        <p:cTn id="1" dur="indefinite" restart="never" nodeType="tmRoot"/>
-      </p:par>
-    </p:tnLst>
-  </p:timing>
 </p:sld>
 </file>
 
@@ -24203,10 +26386,9 @@
           <a:lstStyle/>
           <a:p>
             <a:r>
-              <a:rPr lang="fr-FR" dirty="0" smtClean="0"/>
+              <a:rPr lang="fr-FR" dirty="0"/>
               <a:t>Architecture – Interface Graphique</a:t>
             </a:r>
-            <a:endParaRPr lang="fr-FR" dirty="0"/>
           </a:p>
         </p:txBody>
       </p:sp>
@@ -24228,7 +26410,7 @@
             <a:fld id="{CD77EECE-1F8F-4EFB-897C-4B2C2CB114C6}" type="datetime1">
               <a:rPr lang="fr-FR" smtClean="0"/>
               <a:pPr/>
-              <a:t>20/02/2016</a:t>
+              <a:t>13/03/2016</a:t>
             </a:fld>
             <a:endParaRPr lang="en-US" dirty="0"/>
           </a:p>
@@ -24250,7 +26432,7 @@
           <a:lstStyle/>
           <a:p>
             <a:r>
-              <a:rPr lang="en-US" smtClean="0"/>
+              <a:rPr lang="en-US"/>
               <a:t>ANDROID – Ihab BERRO</a:t>
             </a:r>
             <a:endParaRPr lang="en-US" dirty="0"/>
@@ -24338,10 +26520,9 @@
           <a:p>
             <a:pPr algn="ctr"/>
             <a:r>
-              <a:rPr lang="fr-FR" dirty="0" smtClean="0"/>
+              <a:rPr lang="fr-FR" dirty="0"/>
               <a:t>Programme</a:t>
             </a:r>
-            <a:endParaRPr lang="fr-FR" dirty="0"/>
           </a:p>
         </p:txBody>
       </p:sp>
@@ -24380,10 +26561,9 @@
           <a:p>
             <a:pPr algn="ctr"/>
             <a:r>
-              <a:rPr lang="fr-FR" dirty="0" smtClean="0"/>
+              <a:rPr lang="fr-FR" dirty="0"/>
               <a:t>Fichier XML</a:t>
             </a:r>
-            <a:endParaRPr lang="fr-FR" dirty="0"/>
           </a:p>
         </p:txBody>
       </p:sp>
@@ -24434,13 +26614,8 @@
           <a:p>
             <a:r>
               <a:rPr lang="en-US" dirty="0"/>
-              <a:t>Architecture </a:t>
+              <a:t>Architecture – Cycle de vie</a:t>
             </a:r>
-            <a:r>
-              <a:rPr lang="en-US" dirty="0" smtClean="0"/>
-              <a:t>– Cycle de vie</a:t>
-            </a:r>
-            <a:endParaRPr lang="en-US" dirty="0"/>
           </a:p>
         </p:txBody>
       </p:sp>
@@ -24462,7 +26637,7 @@
             <a:fld id="{CD77EECE-1F8F-4EFB-897C-4B2C2CB114C6}" type="datetime1">
               <a:rPr lang="fr-FR" smtClean="0"/>
               <a:pPr/>
-              <a:t>20/02/2016</a:t>
+              <a:t>13/03/2016</a:t>
             </a:fld>
             <a:endParaRPr lang="en-US" dirty="0"/>
           </a:p>
@@ -24484,10 +26659,9 @@
           <a:lstStyle/>
           <a:p>
             <a:r>
-              <a:rPr lang="en-US" dirty="0" smtClean="0"/>
+              <a:rPr lang="en-US" dirty="0"/>
               <a:t>ANDROID – Ihab BERRO</a:t>
             </a:r>
-            <a:endParaRPr lang="en-US" dirty="0"/>
           </a:p>
         </p:txBody>
       </p:sp>
@@ -24840,10 +27014,9 @@
           <a:p>
             <a:pPr algn="ctr"/>
             <a:r>
-              <a:rPr lang="fr-FR" sz="2400" dirty="0" smtClean="0"/>
+              <a:rPr lang="fr-FR" sz="2400" dirty="0"/>
               <a:t>Début</a:t>
             </a:r>
-            <a:endParaRPr lang="fr-FR" sz="2400" dirty="0"/>
           </a:p>
         </p:txBody>
       </p:sp>
@@ -24884,10 +27057,9 @@
           <a:p>
             <a:pPr algn="ctr"/>
             <a:r>
-              <a:rPr lang="fr-FR" sz="2400" dirty="0" smtClean="0"/>
+              <a:rPr lang="fr-FR" sz="2400" dirty="0"/>
               <a:t>Reprendre</a:t>
             </a:r>
-            <a:endParaRPr lang="fr-FR" sz="2400" dirty="0"/>
           </a:p>
         </p:txBody>
       </p:sp>
@@ -24928,10 +27100,9 @@
           <a:p>
             <a:pPr algn="ctr"/>
             <a:r>
-              <a:rPr lang="en-US" sz="2400" dirty="0" smtClean="0"/>
+              <a:rPr lang="en-US" sz="2400" dirty="0"/>
               <a:t>Pause</a:t>
             </a:r>
-            <a:endParaRPr lang="en-US" sz="2400" dirty="0"/>
           </a:p>
         </p:txBody>
       </p:sp>
@@ -24972,10 +27143,9 @@
           <a:p>
             <a:pPr algn="ctr"/>
             <a:r>
-              <a:rPr lang="fr-FR" sz="2400" dirty="0" smtClean="0"/>
+              <a:rPr lang="fr-FR" sz="2400" dirty="0"/>
               <a:t>Arrêter</a:t>
             </a:r>
-            <a:endParaRPr lang="fr-FR" sz="2400" dirty="0"/>
           </a:p>
         </p:txBody>
       </p:sp>
@@ -25016,10 +27186,9 @@
           <a:p>
             <a:pPr algn="ctr"/>
             <a:r>
-              <a:rPr lang="fr-FR" sz="2400" dirty="0" smtClean="0"/>
+              <a:rPr lang="fr-FR" sz="2400" dirty="0"/>
               <a:t>Création</a:t>
             </a:r>
-            <a:endParaRPr lang="fr-FR" sz="2400" dirty="0"/>
           </a:p>
         </p:txBody>
       </p:sp>
@@ -25058,10 +27227,9 @@
           <a:p>
             <a:pPr algn="ctr"/>
             <a:r>
-              <a:rPr lang="en-US" sz="2400" dirty="0" smtClean="0"/>
+              <a:rPr lang="en-US" sz="2400" dirty="0"/>
               <a:t>Lancer</a:t>
             </a:r>
-            <a:endParaRPr lang="en-US" sz="2400" dirty="0"/>
           </a:p>
         </p:txBody>
       </p:sp>
@@ -25102,10 +27270,9 @@
           <a:p>
             <a:pPr algn="ctr"/>
             <a:r>
-              <a:rPr lang="fr-FR" sz="2400" dirty="0" smtClean="0"/>
+              <a:rPr lang="fr-FR" sz="2400" dirty="0"/>
               <a:t>Destruction</a:t>
             </a:r>
-            <a:endParaRPr lang="fr-FR" sz="2400" dirty="0"/>
           </a:p>
         </p:txBody>
       </p:sp>
@@ -25132,14 +27299,13 @@
           <a:lstStyle/>
           <a:p>
             <a:r>
-              <a:rPr lang="en-US" sz="2000" dirty="0" err="1" smtClean="0"/>
+              <a:rPr lang="en-US" sz="2000" dirty="0" err="1"/>
               <a:t>onCreate</a:t>
             </a:r>
             <a:r>
-              <a:rPr lang="en-US" sz="2000" dirty="0" smtClean="0"/>
+              <a:rPr lang="en-US" sz="2000" dirty="0"/>
               <a:t>()</a:t>
             </a:r>
-            <a:endParaRPr lang="en-US" sz="2000" dirty="0"/>
           </a:p>
         </p:txBody>
       </p:sp>
@@ -25166,14 +27332,13 @@
           <a:lstStyle/>
           <a:p>
             <a:r>
-              <a:rPr lang="en-US" sz="2000" dirty="0" err="1" smtClean="0"/>
+              <a:rPr lang="en-US" sz="2000" dirty="0" err="1"/>
               <a:t>onStart</a:t>
             </a:r>
             <a:r>
-              <a:rPr lang="en-US" sz="2000" dirty="0" smtClean="0"/>
+              <a:rPr lang="en-US" sz="2000" dirty="0"/>
               <a:t>()</a:t>
             </a:r>
-            <a:endParaRPr lang="en-US" sz="2000" dirty="0"/>
           </a:p>
         </p:txBody>
       </p:sp>
@@ -25200,14 +27365,13 @@
           <a:lstStyle/>
           <a:p>
             <a:r>
-              <a:rPr lang="en-US" sz="2000" dirty="0" err="1" smtClean="0"/>
+              <a:rPr lang="en-US" sz="2000" dirty="0" err="1"/>
               <a:t>onResume</a:t>
             </a:r>
             <a:r>
-              <a:rPr lang="en-US" sz="2000" dirty="0" smtClean="0"/>
+              <a:rPr lang="en-US" sz="2000" dirty="0"/>
               <a:t>()</a:t>
             </a:r>
-            <a:endParaRPr lang="en-US" sz="2000" dirty="0"/>
           </a:p>
         </p:txBody>
       </p:sp>
@@ -25234,14 +27398,13 @@
           <a:lstStyle/>
           <a:p>
             <a:r>
-              <a:rPr lang="en-US" sz="2000" dirty="0" err="1" smtClean="0"/>
+              <a:rPr lang="en-US" sz="2000" dirty="0" err="1"/>
               <a:t>onRestart</a:t>
             </a:r>
             <a:r>
-              <a:rPr lang="en-US" sz="2000" dirty="0" smtClean="0"/>
+              <a:rPr lang="en-US" sz="2000" dirty="0"/>
               <a:t>()</a:t>
             </a:r>
-            <a:endParaRPr lang="en-US" sz="2000" dirty="0"/>
           </a:p>
         </p:txBody>
       </p:sp>
@@ -25268,14 +27431,13 @@
           <a:lstStyle/>
           <a:p>
             <a:r>
-              <a:rPr lang="en-US" sz="2000" dirty="0" err="1" smtClean="0"/>
+              <a:rPr lang="en-US" sz="2000" dirty="0" err="1"/>
               <a:t>onResume</a:t>
             </a:r>
             <a:r>
-              <a:rPr lang="en-US" sz="2000" dirty="0" smtClean="0"/>
+              <a:rPr lang="en-US" sz="2000" dirty="0"/>
               <a:t>()</a:t>
             </a:r>
-            <a:endParaRPr lang="en-US" sz="2000" dirty="0"/>
           </a:p>
         </p:txBody>
       </p:sp>
@@ -25302,14 +27464,13 @@
           <a:lstStyle/>
           <a:p>
             <a:r>
-              <a:rPr lang="en-US" sz="2000" dirty="0" err="1" smtClean="0"/>
+              <a:rPr lang="en-US" sz="2000" dirty="0" err="1"/>
               <a:t>onPause</a:t>
             </a:r>
             <a:r>
-              <a:rPr lang="en-US" sz="2000" dirty="0" smtClean="0"/>
+              <a:rPr lang="en-US" sz="2000" dirty="0"/>
               <a:t>()</a:t>
             </a:r>
-            <a:endParaRPr lang="en-US" sz="2000" dirty="0"/>
           </a:p>
         </p:txBody>
       </p:sp>
@@ -25336,14 +27497,13 @@
           <a:lstStyle/>
           <a:p>
             <a:r>
-              <a:rPr lang="en-US" sz="2000" dirty="0" err="1" smtClean="0"/>
+              <a:rPr lang="en-US" sz="2000" dirty="0" err="1"/>
               <a:t>onStop</a:t>
             </a:r>
             <a:r>
-              <a:rPr lang="en-US" sz="2000" dirty="0" smtClean="0"/>
+              <a:rPr lang="en-US" sz="2000" dirty="0"/>
               <a:t>()</a:t>
             </a:r>
-            <a:endParaRPr lang="en-US" sz="2000" dirty="0"/>
           </a:p>
         </p:txBody>
       </p:sp>
@@ -25370,14 +27530,13 @@
           <a:lstStyle/>
           <a:p>
             <a:r>
-              <a:rPr lang="en-US" sz="2000" dirty="0" err="1" smtClean="0"/>
+              <a:rPr lang="en-US" sz="2000" dirty="0" err="1"/>
               <a:t>onDestroy</a:t>
             </a:r>
             <a:r>
-              <a:rPr lang="en-US" sz="2000" dirty="0" smtClean="0"/>
+              <a:rPr lang="en-US" sz="2000" dirty="0"/>
               <a:t>()</a:t>
             </a:r>
-            <a:endParaRPr lang="en-US" sz="2000" dirty="0"/>
           </a:p>
         </p:txBody>
       </p:sp>
@@ -25391,13 +27550,6 @@
   <p:clrMapOvr>
     <a:masterClrMapping/>
   </p:clrMapOvr>
-  <p:timing>
-    <p:tnLst>
-      <p:par>
-        <p:cTn id="1" dur="indefinite" restart="never" nodeType="tmRoot"/>
-      </p:par>
-    </p:tnLst>
-  </p:timing>
 </p:sld>
 </file>
 
@@ -25435,13 +27587,8 @@
           <a:p>
             <a:r>
               <a:rPr lang="en-US" dirty="0"/>
-              <a:t>Architecture – </a:t>
+              <a:t>Architecture – Communication</a:t>
             </a:r>
-            <a:r>
-              <a:rPr lang="en-US" dirty="0" smtClean="0"/>
-              <a:t>Communication</a:t>
-            </a:r>
-            <a:endParaRPr lang="en-US" dirty="0"/>
           </a:p>
         </p:txBody>
       </p:sp>
@@ -25463,7 +27610,7 @@
             <a:fld id="{CD77EECE-1F8F-4EFB-897C-4B2C2CB114C6}" type="datetime1">
               <a:rPr lang="fr-FR" smtClean="0"/>
               <a:pPr/>
-              <a:t>20/02/2016</a:t>
+              <a:t>13/03/2016</a:t>
             </a:fld>
             <a:endParaRPr lang="en-US" dirty="0"/>
           </a:p>
@@ -25485,7 +27632,7 @@
           <a:lstStyle/>
           <a:p>
             <a:r>
-              <a:rPr lang="en-US" smtClean="0"/>
+              <a:rPr lang="en-US"/>
               <a:t>ANDROID – Ihab BERRO</a:t>
             </a:r>
             <a:endParaRPr lang="en-US" dirty="0"/>
@@ -25589,10 +27736,9 @@
           <a:p>
             <a:pPr algn="ctr"/>
             <a:r>
-              <a:rPr lang="fr-FR" dirty="0" smtClean="0"/>
+              <a:rPr lang="fr-FR" dirty="0"/>
               <a:t>Activité</a:t>
             </a:r>
-            <a:endParaRPr lang="fr-FR" dirty="0"/>
           </a:p>
         </p:txBody>
       </p:sp>
@@ -25631,10 +27777,9 @@
           <a:p>
             <a:pPr algn="ctr"/>
             <a:r>
-              <a:rPr lang="en-US" dirty="0" smtClean="0"/>
+              <a:rPr lang="en-US" dirty="0"/>
               <a:t>Android</a:t>
             </a:r>
-            <a:endParaRPr lang="en-US" dirty="0"/>
           </a:p>
         </p:txBody>
       </p:sp>
@@ -25673,10 +27818,9 @@
           <a:p>
             <a:pPr algn="ctr"/>
             <a:r>
-              <a:rPr lang="en-US" dirty="0" smtClean="0"/>
+              <a:rPr lang="en-US" dirty="0"/>
               <a:t>Content Resolver</a:t>
             </a:r>
-            <a:endParaRPr lang="en-US" dirty="0"/>
           </a:p>
         </p:txBody>
       </p:sp>
@@ -25753,10 +27897,9 @@
           <a:p>
             <a:pPr algn="ctr"/>
             <a:r>
-              <a:rPr lang="fr-FR" dirty="0" smtClean="0"/>
+              <a:rPr lang="fr-FR" dirty="0"/>
               <a:t>Activité</a:t>
             </a:r>
-            <a:endParaRPr lang="fr-FR" dirty="0"/>
           </a:p>
         </p:txBody>
       </p:sp>
@@ -25795,10 +27938,9 @@
           <a:p>
             <a:pPr algn="ctr"/>
             <a:r>
-              <a:rPr lang="fr-FR" dirty="0" smtClean="0"/>
+              <a:rPr lang="fr-FR" dirty="0"/>
               <a:t>Activité</a:t>
             </a:r>
-            <a:endParaRPr lang="fr-FR" dirty="0"/>
           </a:p>
         </p:txBody>
       </p:sp>
@@ -25837,10 +27979,9 @@
           <a:p>
             <a:pPr algn="ctr"/>
             <a:r>
-              <a:rPr lang="fr-FR" dirty="0" smtClean="0"/>
+              <a:rPr lang="fr-FR" dirty="0"/>
               <a:t>Application</a:t>
             </a:r>
-            <a:endParaRPr lang="fr-FR" dirty="0"/>
           </a:p>
         </p:txBody>
       </p:sp>
@@ -25905,10 +28046,9 @@
           <a:lstStyle/>
           <a:p>
             <a:r>
-              <a:rPr lang="en-US" dirty="0" smtClean="0"/>
+              <a:rPr lang="en-US" dirty="0"/>
               <a:t>Intent</a:t>
             </a:r>
-            <a:endParaRPr lang="en-US" dirty="0"/>
           </a:p>
         </p:txBody>
       </p:sp>
@@ -25935,10 +28075,9 @@
           <a:lstStyle/>
           <a:p>
             <a:r>
-              <a:rPr lang="en-US" dirty="0" smtClean="0"/>
+              <a:rPr lang="en-US" dirty="0"/>
               <a:t>Intent</a:t>
             </a:r>
-            <a:endParaRPr lang="en-US" dirty="0"/>
           </a:p>
         </p:txBody>
       </p:sp>
@@ -26013,10 +28152,9 @@
           <a:p>
             <a:pPr algn="ctr"/>
             <a:r>
-              <a:rPr lang="fr-FR" dirty="0" smtClean="0"/>
+              <a:rPr lang="fr-FR" dirty="0"/>
               <a:t>Application</a:t>
             </a:r>
-            <a:endParaRPr lang="fr-FR" dirty="0"/>
           </a:p>
         </p:txBody>
       </p:sp>
@@ -26055,10 +28193,9 @@
           <a:p>
             <a:pPr algn="ctr"/>
             <a:r>
-              <a:rPr lang="en-US" dirty="0" smtClean="0"/>
+              <a:rPr lang="en-US" dirty="0"/>
               <a:t>Content Provider</a:t>
             </a:r>
-            <a:endParaRPr lang="en-US" dirty="0"/>
           </a:p>
         </p:txBody>
       </p:sp>
@@ -26097,10 +28234,9 @@
           <a:p>
             <a:pPr algn="ctr"/>
             <a:r>
-              <a:rPr lang="fr-FR" dirty="0" smtClean="0"/>
+              <a:rPr lang="fr-FR" dirty="0"/>
               <a:t>Activité</a:t>
             </a:r>
-            <a:endParaRPr lang="fr-FR" dirty="0"/>
           </a:p>
         </p:txBody>
       </p:sp>
@@ -26139,10 +28275,9 @@
           <a:p>
             <a:pPr algn="ctr"/>
             <a:r>
-              <a:rPr lang="fr-FR" dirty="0" smtClean="0"/>
+              <a:rPr lang="fr-FR" dirty="0"/>
               <a:t>Données</a:t>
             </a:r>
-            <a:endParaRPr lang="fr-FR" dirty="0"/>
           </a:p>
         </p:txBody>
       </p:sp>
@@ -26181,10 +28316,9 @@
           <a:p>
             <a:pPr algn="ctr"/>
             <a:r>
-              <a:rPr lang="fr-FR" dirty="0" smtClean="0"/>
+              <a:rPr lang="fr-FR" dirty="0"/>
               <a:t>Service</a:t>
             </a:r>
-            <a:endParaRPr lang="fr-FR" dirty="0"/>
           </a:p>
         </p:txBody>
       </p:sp>
@@ -26223,10 +28357,9 @@
           <a:p>
             <a:pPr algn="ctr"/>
             <a:r>
-              <a:rPr lang="en-US" dirty="0" smtClean="0"/>
+              <a:rPr lang="en-US" dirty="0"/>
               <a:t>CRUD</a:t>
             </a:r>
-            <a:endParaRPr lang="en-US" dirty="0"/>
           </a:p>
         </p:txBody>
       </p:sp>
@@ -26452,10 +28585,9 @@
           <a:lstStyle/>
           <a:p>
             <a:r>
-              <a:rPr lang="fr-FR" dirty="0" smtClean="0"/>
+              <a:rPr lang="fr-FR" dirty="0"/>
               <a:t>Sécurité et confidentialité</a:t>
             </a:r>
-            <a:endParaRPr lang="fr-FR" dirty="0"/>
           </a:p>
         </p:txBody>
       </p:sp>
@@ -26496,7 +28628,7 @@
             <a:fld id="{CD77EECE-1F8F-4EFB-897C-4B2C2CB114C6}" type="datetime1">
               <a:rPr lang="fr-FR" smtClean="0"/>
               <a:pPr/>
-              <a:t>20/02/2016</a:t>
+              <a:t>13/03/2016</a:t>
             </a:fld>
             <a:endParaRPr lang="en-US" dirty="0"/>
           </a:p>
@@ -26518,7 +28650,7 @@
           <a:lstStyle/>
           <a:p>
             <a:r>
-              <a:rPr lang="en-US" smtClean="0"/>
+              <a:rPr lang="en-US"/>
               <a:t>ANDROID – Ihab BERRO</a:t>
             </a:r>
             <a:endParaRPr lang="en-US" dirty="0"/>
@@ -26595,10 +28727,9 @@
           <a:lstStyle/>
           <a:p>
             <a:r>
-              <a:rPr lang="en-US" dirty="0" smtClean="0"/>
+              <a:rPr lang="en-US" dirty="0"/>
               <a:t>Plan</a:t>
             </a:r>
-            <a:endParaRPr lang="en-US" dirty="0"/>
           </a:p>
         </p:txBody>
       </p:sp>
@@ -26620,71 +28751,71 @@
           <a:lstStyle/>
           <a:p>
             <a:r>
-              <a:rPr lang="fr-FR" dirty="0" smtClean="0"/>
+              <a:rPr lang="fr-FR" dirty="0"/>
               <a:t>1. Introduction</a:t>
             </a:r>
           </a:p>
           <a:p>
             <a:r>
-              <a:rPr lang="fr-FR" dirty="0" smtClean="0"/>
+              <a:rPr lang="fr-FR" dirty="0"/>
               <a:t>  1.1. Historique</a:t>
             </a:r>
           </a:p>
           <a:p>
             <a:r>
-              <a:rPr lang="fr-FR" dirty="0" smtClean="0"/>
+              <a:rPr lang="fr-FR" dirty="0"/>
               <a:t>  1.2. Quelques Chiffres</a:t>
             </a:r>
           </a:p>
           <a:p>
             <a:r>
-              <a:rPr lang="fr-FR" dirty="0" smtClean="0"/>
+              <a:rPr lang="fr-FR" dirty="0"/>
               <a:t>2. Architecture d'Android</a:t>
             </a:r>
           </a:p>
           <a:p>
             <a:r>
-              <a:rPr lang="fr-FR" dirty="0" smtClean="0"/>
+              <a:rPr lang="fr-FR" dirty="0"/>
               <a:t>  2.1. Pile logicielle</a:t>
             </a:r>
           </a:p>
           <a:p>
             <a:r>
-              <a:rPr lang="fr-FR" dirty="0" smtClean="0"/>
+              <a:rPr lang="fr-FR" dirty="0"/>
               <a:t>  2.2. Android et Javas</a:t>
             </a:r>
           </a:p>
           <a:p>
             <a:r>
-              <a:rPr lang="fr-FR" dirty="0" smtClean="0"/>
+              <a:rPr lang="fr-FR" dirty="0"/>
               <a:t>  2.3. Application Android</a:t>
             </a:r>
           </a:p>
           <a:p>
             <a:r>
-              <a:rPr lang="fr-FR" dirty="0" smtClean="0"/>
+              <a:rPr lang="fr-FR" dirty="0"/>
               <a:t>3. Sécurité et confidentialité</a:t>
             </a:r>
           </a:p>
           <a:p>
             <a:r>
-              <a:rPr lang="fr-FR" dirty="0" smtClean="0"/>
+              <a:rPr lang="fr-FR" dirty="0"/>
               <a:t>4. Utilisation et support</a:t>
             </a:r>
           </a:p>
           <a:p>
             <a:r>
-              <a:rPr lang="fr-FR" dirty="0" smtClean="0"/>
+              <a:rPr lang="fr-FR" dirty="0"/>
               <a:t>5. Développement</a:t>
             </a:r>
           </a:p>
           <a:p>
             <a:r>
-              <a:rPr lang="fr-FR" dirty="0" smtClean="0"/>
+              <a:rPr lang="fr-FR" dirty="0"/>
               <a:t>  5.1. </a:t>
             </a:r>
             <a:r>
-              <a:rPr lang="fr-FR" dirty="0" smtClean="0">
+              <a:rPr lang="fr-FR" dirty="0">
                 <a:solidFill>
                   <a:srgbClr val="FF0000"/>
                 </a:solidFill>
@@ -26694,7 +28825,7 @@
           </a:p>
           <a:p>
             <a:r>
-              <a:rPr lang="fr-FR" dirty="0" smtClean="0"/>
+              <a:rPr lang="fr-FR" dirty="0"/>
               <a:t>  5.2. Exemple</a:t>
             </a:r>
             <a:endParaRPr lang="en-US" dirty="0"/>
@@ -26718,7 +28849,7 @@
           <a:p>
             <a:fld id="{0AF5EE8B-2B01-44AF-89CC-1E7078A6630F}" type="datetime1">
               <a:rPr lang="fr-FR" smtClean="0"/>
-              <a:t>20/02/2016</a:t>
+              <a:t>13/03/2016</a:t>
             </a:fld>
             <a:endParaRPr lang="en-US"/>
           </a:p>
@@ -26740,7 +28871,7 @@
           <a:lstStyle/>
           <a:p>
             <a:r>
-              <a:rPr lang="en-US" smtClean="0"/>
+              <a:rPr lang="en-US"/>
               <a:t>ANDROID – Ihab BERRO</a:t>
             </a:r>
             <a:endParaRPr lang="en-US" dirty="0"/>
@@ -26780,13 +28911,6 @@
   <p:clrMapOvr>
     <a:masterClrMapping/>
   </p:clrMapOvr>
-  <p:timing>
-    <p:tnLst>
-      <p:par>
-        <p:cTn id="1" dur="indefinite" restart="never" nodeType="tmRoot"/>
-      </p:par>
-    </p:tnLst>
-  </p:timing>
 </p:sld>
 </file>
 
@@ -26823,10 +28947,9 @@
           <a:lstStyle/>
           <a:p>
             <a:r>
-              <a:rPr lang="en-US" dirty="0" smtClean="0"/>
+              <a:rPr lang="en-US" dirty="0"/>
               <a:t>Introduction</a:t>
             </a:r>
-            <a:endParaRPr lang="en-US" dirty="0"/>
           </a:p>
         </p:txBody>
       </p:sp>
@@ -26847,75 +28970,31 @@
           <a:p>
             <a:r>
               <a:rPr lang="fr-FR" dirty="0"/>
-              <a:t>Un smartphone est un téléphone mobile évolué disposant des fonctions d'un assistant numérique </a:t>
-            </a:r>
-            <a:r>
-              <a:rPr lang="fr-FR" dirty="0" smtClean="0"/>
-              <a:t>personnel.</a:t>
+              <a:t>Un smartphone est un téléphone mobile évolué disposant des fonctions d'un assistant numérique personnel.</a:t>
             </a:r>
           </a:p>
           <a:p>
             <a:r>
               <a:rPr lang="fr-FR" dirty="0"/>
-              <a:t>il peut exécuter divers logiciels/applications grâce à un système d'exploitation spécialement conçu pour </a:t>
-            </a:r>
-            <a:r>
-              <a:rPr lang="fr-FR" dirty="0" smtClean="0"/>
-              <a:t>mobiles.</a:t>
+              <a:t>il peut exécuter divers logiciels/applications grâce à un système d'exploitation spécialement conçu pour mobiles.</a:t>
             </a:r>
           </a:p>
           <a:p>
             <a:r>
               <a:rPr lang="fr-FR" dirty="0"/>
-              <a:t>Il </a:t>
+              <a:t>Il existe plusieurs systèmes d’exploitation dédiés aux smartphones.</a:t>
             </a:r>
-            <a:r>
-              <a:rPr lang="fr-FR" dirty="0" smtClean="0"/>
-              <a:t>existe </a:t>
-            </a:r>
+          </a:p>
+          <a:p>
             <a:r>
               <a:rPr lang="fr-FR" dirty="0"/>
-              <a:t>plusieurs systèmes d’exploitation dédiés aux smartphones</a:t>
-            </a:r>
-            <a:r>
-              <a:rPr lang="fr-FR" dirty="0" smtClean="0"/>
-              <a:t>.</a:t>
+              <a:t>À partir de fin 2007 (lancement de l'iPhone), ce marché s'étend considérablement.</a:t>
             </a:r>
           </a:p>
           <a:p>
             <a:r>
               <a:rPr lang="fr-FR" dirty="0"/>
-              <a:t>À partir de fin 2007 </a:t>
-            </a:r>
-            <a:r>
-              <a:rPr lang="fr-FR" dirty="0" smtClean="0"/>
-              <a:t>(lancement </a:t>
-            </a:r>
-            <a:r>
-              <a:rPr lang="fr-FR" dirty="0"/>
-              <a:t>de </a:t>
-            </a:r>
-            <a:r>
-              <a:rPr lang="fr-FR" dirty="0" smtClean="0"/>
-              <a:t>l'iPhone), </a:t>
-            </a:r>
-            <a:r>
-              <a:rPr lang="fr-FR" dirty="0"/>
-              <a:t>ce marché s'étend </a:t>
-            </a:r>
-            <a:r>
-              <a:rPr lang="fr-FR" dirty="0" smtClean="0"/>
-              <a:t>considérablement.</a:t>
-            </a:r>
-          </a:p>
-          <a:p>
-            <a:r>
-              <a:rPr lang="fr-FR" dirty="0" smtClean="0"/>
-              <a:t>En </a:t>
-            </a:r>
-            <a:r>
-              <a:rPr lang="fr-FR" dirty="0"/>
-              <a:t>2014, les ventes mondiales annuelles de smartphones dépassent le milliard.</a:t>
+              <a:t>En 2014, les ventes mondiales annuelles de smartphones dépassent le milliard.</a:t>
             </a:r>
             <a:endParaRPr lang="en-US" dirty="0"/>
           </a:p>
@@ -26938,7 +29017,7 @@
           <a:p>
             <a:fld id="{C1F7EFDE-6FC3-4654-83AA-3BA88544F460}" type="datetime1">
               <a:rPr lang="fr-FR" smtClean="0"/>
-              <a:t>20/02/2016</a:t>
+              <a:t>13/03/2016</a:t>
             </a:fld>
             <a:endParaRPr lang="en-US"/>
           </a:p>
@@ -26960,7 +29039,7 @@
           <a:lstStyle/>
           <a:p>
             <a:r>
-              <a:rPr lang="en-US" smtClean="0"/>
+              <a:rPr lang="en-US"/>
               <a:t>ANDROID – Ihab BERRO</a:t>
             </a:r>
             <a:endParaRPr lang="en-US" dirty="0"/>
@@ -27000,13 +29079,6 @@
   <p:clrMapOvr>
     <a:masterClrMapping/>
   </p:clrMapOvr>
-  <p:timing>
-    <p:tnLst>
-      <p:par>
-        <p:cTn id="1" dur="indefinite" restart="never" nodeType="tmRoot"/>
-      </p:par>
-    </p:tnLst>
-  </p:timing>
 </p:sld>
 </file>
 
@@ -27066,7 +29138,7 @@
           <a:p>
             <a:fld id="{BEEC7EF6-2E67-45C5-AC46-1627D85F803B}" type="datetime1">
               <a:rPr lang="fr-FR" smtClean="0"/>
-              <a:t>20/02/2016</a:t>
+              <a:t>13/03/2016</a:t>
             </a:fld>
             <a:endParaRPr lang="en-US"/>
           </a:p>
@@ -27088,7 +29160,7 @@
           <a:lstStyle/>
           <a:p>
             <a:r>
-              <a:rPr lang="en-US" smtClean="0"/>
+              <a:rPr lang="en-US"/>
               <a:t>ANDROID – Ihab BERRO</a:t>
             </a:r>
             <a:endParaRPr lang="en-US" dirty="0"/>
@@ -27140,13 +29212,8 @@
           <a:p>
             <a:r>
               <a:rPr lang="en-US" dirty="0"/>
-              <a:t>Part de </a:t>
+              <a:t>Part de Marché - 2015</a:t>
             </a:r>
-            <a:r>
-              <a:rPr lang="en-US" dirty="0" smtClean="0"/>
-              <a:t>Marché - 2015</a:t>
-            </a:r>
-            <a:endParaRPr lang="en-US" dirty="0"/>
           </a:p>
         </p:txBody>
       </p:sp>
@@ -27160,13 +29227,6 @@
   <p:clrMapOvr>
     <a:masterClrMapping/>
   </p:clrMapOvr>
-  <p:timing>
-    <p:tnLst>
-      <p:par>
-        <p:cTn id="1" dur="indefinite" restart="never" nodeType="tmRoot"/>
-      </p:par>
-    </p:tnLst>
-  </p:timing>
 </p:sld>
 </file>
 
@@ -27204,13 +29264,8 @@
           <a:p>
             <a:r>
               <a:rPr lang="en-US" dirty="0"/>
-              <a:t>Part de </a:t>
+              <a:t>Part de Marché</a:t>
             </a:r>
-            <a:r>
-              <a:rPr lang="en-US" dirty="0" smtClean="0"/>
-              <a:t>Marché</a:t>
-            </a:r>
-            <a:endParaRPr lang="en-US" dirty="0"/>
           </a:p>
         </p:txBody>
       </p:sp>
@@ -27232,7 +29287,7 @@
             <a:fld id="{CD77EECE-1F8F-4EFB-897C-4B2C2CB114C6}" type="datetime1">
               <a:rPr lang="fr-FR" smtClean="0"/>
               <a:pPr/>
-              <a:t>20/02/2016</a:t>
+              <a:t>13/03/2016</a:t>
             </a:fld>
             <a:endParaRPr lang="en-US" dirty="0"/>
           </a:p>
@@ -27254,7 +29309,7 @@
           <a:lstStyle/>
           <a:p>
             <a:r>
-              <a:rPr lang="en-US" smtClean="0"/>
+              <a:rPr lang="en-US"/>
               <a:t>ANDROID – Ihab BERRO</a:t>
             </a:r>
             <a:endParaRPr lang="en-US" dirty="0"/>
@@ -27331,7 +29386,7 @@
           <a:lstStyle/>
           <a:p>
             <a:r>
-              <a:rPr lang="fr-FR" smtClean="0"/>
+              <a:rPr lang="fr-FR"/>
               <a:t>Historique</a:t>
             </a:r>
             <a:endParaRPr lang="en-US" dirty="0"/>
@@ -27346,7 +29401,7 @@
         </p:nvCxnSpPr>
         <p:spPr>
           <a:xfrm flipV="1">
-            <a:off x="1117600" y="3426106"/>
+            <a:off x="1117600" y="3060346"/>
             <a:ext cx="8554965" cy="0"/>
           </a:xfrm>
           <a:prstGeom prst="straightConnector1">
@@ -27379,7 +29434,7 @@
         </p:nvSpPr>
         <p:spPr>
           <a:xfrm>
-            <a:off x="1871663" y="2966067"/>
+            <a:off x="1657350" y="2594591"/>
             <a:ext cx="214312" cy="931509"/>
           </a:xfrm>
           <a:prstGeom prst="roundRect">
@@ -27419,8 +29474,8 @@
         </p:nvSpPr>
         <p:spPr>
           <a:xfrm>
-            <a:off x="1545291" y="2130982"/>
-            <a:ext cx="652743" cy="369332"/>
+            <a:off x="1443691" y="1765222"/>
+            <a:ext cx="723275" cy="400110"/>
           </a:xfrm>
           <a:prstGeom prst="rect">
             <a:avLst/>
@@ -27434,7 +29489,7 @@
           <a:lstStyle/>
           <a:p>
             <a:r>
-              <a:rPr lang="en-US"/>
+              <a:rPr lang="en-US" sz="2000" dirty="0"/>
               <a:t>1989</a:t>
             </a:r>
             <a:endParaRPr lang="en-US" dirty="0"/>
@@ -27449,8 +29504,8 @@
         </p:nvSpPr>
         <p:spPr>
           <a:xfrm>
-            <a:off x="3025422" y="2130982"/>
-            <a:ext cx="652743" cy="369332"/>
+            <a:off x="2870183" y="1759506"/>
+            <a:ext cx="723275" cy="400110"/>
           </a:xfrm>
           <a:prstGeom prst="rect">
             <a:avLst/>
@@ -27464,10 +29519,9 @@
           <a:lstStyle/>
           <a:p>
             <a:r>
-              <a:rPr lang="en-US"/>
+              <a:rPr lang="en-US" sz="2000" dirty="0"/>
               <a:t>1992</a:t>
             </a:r>
-            <a:endParaRPr lang="en-US" dirty="0"/>
           </a:p>
         </p:txBody>
       </p:sp>
@@ -27479,8 +29533,8 @@
         </p:nvSpPr>
         <p:spPr>
           <a:xfrm>
-            <a:off x="4651022" y="1986844"/>
-            <a:ext cx="652743" cy="369332"/>
+            <a:off x="4292583" y="1759506"/>
+            <a:ext cx="723275" cy="400110"/>
           </a:xfrm>
           <a:prstGeom prst="rect">
             <a:avLst/>
@@ -27494,10 +29548,9 @@
           <a:lstStyle/>
           <a:p>
             <a:r>
-              <a:rPr lang="en-US"/>
+              <a:rPr lang="en-US" sz="2000" dirty="0"/>
               <a:t>1999</a:t>
             </a:r>
-            <a:endParaRPr lang="en-US" dirty="0"/>
           </a:p>
         </p:txBody>
       </p:sp>
@@ -27509,8 +29562,8 @@
         </p:nvSpPr>
         <p:spPr>
           <a:xfrm>
-            <a:off x="6276622" y="1946316"/>
-            <a:ext cx="652743" cy="369332"/>
+            <a:off x="5787618" y="1759506"/>
+            <a:ext cx="723275" cy="400110"/>
           </a:xfrm>
           <a:prstGeom prst="rect">
             <a:avLst/>
@@ -27524,7 +29577,7 @@
           <a:lstStyle/>
           <a:p>
             <a:r>
-              <a:rPr lang="en-US" dirty="0"/>
+              <a:rPr lang="en-US" sz="2000" dirty="0"/>
               <a:t>2002</a:t>
             </a:r>
           </a:p>
@@ -27538,8 +29591,8 @@
         </p:nvSpPr>
         <p:spPr>
           <a:xfrm>
-            <a:off x="7597422" y="1946316"/>
-            <a:ext cx="652743" cy="369332"/>
+            <a:off x="7205133" y="1759506"/>
+            <a:ext cx="723275" cy="400110"/>
           </a:xfrm>
           <a:prstGeom prst="rect">
             <a:avLst/>
@@ -27553,10 +29606,9 @@
           <a:lstStyle/>
           <a:p>
             <a:r>
-              <a:rPr lang="en-US"/>
+              <a:rPr lang="en-US" sz="2000" dirty="0"/>
               <a:t>2003</a:t>
             </a:r>
-            <a:endParaRPr lang="en-US" dirty="0"/>
           </a:p>
         </p:txBody>
       </p:sp>
@@ -27568,8 +29620,8 @@
         </p:nvSpPr>
         <p:spPr>
           <a:xfrm>
-            <a:off x="9019822" y="1986844"/>
-            <a:ext cx="652743" cy="369332"/>
+            <a:off x="8622648" y="1753751"/>
+            <a:ext cx="723275" cy="400110"/>
           </a:xfrm>
           <a:prstGeom prst="rect">
             <a:avLst/>
@@ -27583,10 +29635,9 @@
           <a:lstStyle/>
           <a:p>
             <a:r>
-              <a:rPr lang="en-US"/>
+              <a:rPr lang="en-US" sz="2000" dirty="0"/>
               <a:t>2005</a:t>
             </a:r>
-            <a:endParaRPr lang="en-US" dirty="0"/>
           </a:p>
         </p:txBody>
       </p:sp>
@@ -27607,7 +29658,7 @@
           <a:p>
             <a:fld id="{EE19916E-2104-4ACC-96F4-77E755B75A74}" type="datetime1">
               <a:rPr lang="fr-FR" smtClean="0"/>
-              <a:t>20/02/2016</a:t>
+              <a:t>13/03/2016</a:t>
             </a:fld>
             <a:endParaRPr lang="en-US"/>
           </a:p>
@@ -27629,7 +29680,7 @@
           <a:lstStyle/>
           <a:p>
             <a:r>
-              <a:rPr lang="en-US" smtClean="0"/>
+              <a:rPr lang="en-US"/>
               <a:t>ANDROID – Ihab BERRO</a:t>
             </a:r>
             <a:endParaRPr lang="en-US" dirty="0"/>
@@ -27659,6 +29710,206 @@
           </a:p>
         </p:txBody>
       </p:sp>
+      <p:sp>
+        <p:nvSpPr>
+          <p:cNvPr id="14" name="Rounded Rectangle 13"/>
+          <p:cNvSpPr/>
+          <p:nvPr/>
+        </p:nvSpPr>
+        <p:spPr>
+          <a:xfrm>
+            <a:off x="3089398" y="2587387"/>
+            <a:ext cx="214312" cy="931509"/>
+          </a:xfrm>
+          <a:prstGeom prst="roundRect">
+            <a:avLst/>
+          </a:prstGeom>
+        </p:spPr>
+        <p:style>
+          <a:lnRef idx="2">
+            <a:schemeClr val="accent4">
+              <a:shade val="50000"/>
+            </a:schemeClr>
+          </a:lnRef>
+          <a:fillRef idx="1">
+            <a:schemeClr val="accent4"/>
+          </a:fillRef>
+          <a:effectRef idx="0">
+            <a:schemeClr val="accent4"/>
+          </a:effectRef>
+          <a:fontRef idx="minor">
+            <a:schemeClr val="lt1"/>
+          </a:fontRef>
+        </p:style>
+        <p:txBody>
+          <a:bodyPr rtlCol="0" anchor="ctr"/>
+          <a:lstStyle/>
+          <a:p>
+            <a:pPr algn="ctr"/>
+            <a:endParaRPr lang="en-US"/>
+          </a:p>
+        </p:txBody>
+      </p:sp>
+      <p:sp>
+        <p:nvSpPr>
+          <p:cNvPr id="15" name="Rounded Rectangle 14"/>
+          <p:cNvSpPr/>
+          <p:nvPr/>
+        </p:nvSpPr>
+        <p:spPr>
+          <a:xfrm>
+            <a:off x="4521446" y="2587387"/>
+            <a:ext cx="214312" cy="931509"/>
+          </a:xfrm>
+          <a:prstGeom prst="roundRect">
+            <a:avLst/>
+          </a:prstGeom>
+        </p:spPr>
+        <p:style>
+          <a:lnRef idx="2">
+            <a:schemeClr val="accent4">
+              <a:shade val="50000"/>
+            </a:schemeClr>
+          </a:lnRef>
+          <a:fillRef idx="1">
+            <a:schemeClr val="accent4"/>
+          </a:fillRef>
+          <a:effectRef idx="0">
+            <a:schemeClr val="accent4"/>
+          </a:effectRef>
+          <a:fontRef idx="minor">
+            <a:schemeClr val="lt1"/>
+          </a:fontRef>
+        </p:style>
+        <p:txBody>
+          <a:bodyPr rtlCol="0" anchor="ctr"/>
+          <a:lstStyle/>
+          <a:p>
+            <a:pPr algn="ctr"/>
+            <a:endParaRPr lang="en-US"/>
+          </a:p>
+        </p:txBody>
+      </p:sp>
+      <p:sp>
+        <p:nvSpPr>
+          <p:cNvPr id="16" name="Rounded Rectangle 15"/>
+          <p:cNvSpPr/>
+          <p:nvPr/>
+        </p:nvSpPr>
+        <p:spPr>
+          <a:xfrm>
+            <a:off x="6006833" y="2587386"/>
+            <a:ext cx="214312" cy="931509"/>
+          </a:xfrm>
+          <a:prstGeom prst="roundRect">
+            <a:avLst/>
+          </a:prstGeom>
+        </p:spPr>
+        <p:style>
+          <a:lnRef idx="2">
+            <a:schemeClr val="accent4">
+              <a:shade val="50000"/>
+            </a:schemeClr>
+          </a:lnRef>
+          <a:fillRef idx="1">
+            <a:schemeClr val="accent4"/>
+          </a:fillRef>
+          <a:effectRef idx="0">
+            <a:schemeClr val="accent4"/>
+          </a:effectRef>
+          <a:fontRef idx="minor">
+            <a:schemeClr val="lt1"/>
+          </a:fontRef>
+        </p:style>
+        <p:txBody>
+          <a:bodyPr rtlCol="0" anchor="ctr"/>
+          <a:lstStyle/>
+          <a:p>
+            <a:pPr algn="ctr"/>
+            <a:endParaRPr lang="en-US"/>
+          </a:p>
+        </p:txBody>
+      </p:sp>
+      <p:sp>
+        <p:nvSpPr>
+          <p:cNvPr id="17" name="Rounded Rectangle 16"/>
+          <p:cNvSpPr/>
+          <p:nvPr/>
+        </p:nvSpPr>
+        <p:spPr>
+          <a:xfrm>
+            <a:off x="7438881" y="2594590"/>
+            <a:ext cx="214312" cy="931509"/>
+          </a:xfrm>
+          <a:prstGeom prst="roundRect">
+            <a:avLst/>
+          </a:prstGeom>
+        </p:spPr>
+        <p:style>
+          <a:lnRef idx="2">
+            <a:schemeClr val="accent4">
+              <a:shade val="50000"/>
+            </a:schemeClr>
+          </a:lnRef>
+          <a:fillRef idx="1">
+            <a:schemeClr val="accent4"/>
+          </a:fillRef>
+          <a:effectRef idx="0">
+            <a:schemeClr val="accent4"/>
+          </a:effectRef>
+          <a:fontRef idx="minor">
+            <a:schemeClr val="lt1"/>
+          </a:fontRef>
+        </p:style>
+        <p:txBody>
+          <a:bodyPr rtlCol="0" anchor="ctr"/>
+          <a:lstStyle/>
+          <a:p>
+            <a:pPr algn="ctr"/>
+            <a:endParaRPr lang="en-US"/>
+          </a:p>
+        </p:txBody>
+      </p:sp>
+      <p:sp>
+        <p:nvSpPr>
+          <p:cNvPr id="18" name="Rounded Rectangle 17"/>
+          <p:cNvSpPr/>
+          <p:nvPr/>
+        </p:nvSpPr>
+        <p:spPr>
+          <a:xfrm>
+            <a:off x="8870929" y="2587385"/>
+            <a:ext cx="214312" cy="931509"/>
+          </a:xfrm>
+          <a:prstGeom prst="roundRect">
+            <a:avLst/>
+          </a:prstGeom>
+        </p:spPr>
+        <p:style>
+          <a:lnRef idx="2">
+            <a:schemeClr val="accent4">
+              <a:shade val="50000"/>
+            </a:schemeClr>
+          </a:lnRef>
+          <a:fillRef idx="1">
+            <a:schemeClr val="accent4"/>
+          </a:fillRef>
+          <a:effectRef idx="0">
+            <a:schemeClr val="accent4"/>
+          </a:effectRef>
+          <a:fontRef idx="minor">
+            <a:schemeClr val="lt1"/>
+          </a:fontRef>
+        </p:style>
+        <p:txBody>
+          <a:bodyPr rtlCol="0" anchor="ctr"/>
+          <a:lstStyle/>
+          <a:p>
+            <a:pPr algn="ctr"/>
+            <a:endParaRPr lang="en-US"/>
+          </a:p>
+        </p:txBody>
+      </p:sp>
     </p:spTree>
     <p:extLst>
       <p:ext uri="{BB962C8B-B14F-4D97-AF65-F5344CB8AC3E}">
@@ -27669,13 +29920,6 @@
   <p:clrMapOvr>
     <a:masterClrMapping/>
   </p:clrMapOvr>
-  <p:timing>
-    <p:tnLst>
-      <p:par>
-        <p:cTn id="1" dur="indefinite" restart="never" nodeType="tmRoot"/>
-      </p:par>
-    </p:tnLst>
-  </p:timing>
 </p:sld>
 </file>
 
@@ -27712,10 +29956,9 @@
           <a:lstStyle/>
           <a:p>
             <a:r>
-              <a:rPr lang="fr-FR" dirty="0" smtClean="0"/>
+              <a:rPr lang="fr-FR" dirty="0"/>
               <a:t>Quelques Chiffres</a:t>
             </a:r>
-            <a:endParaRPr lang="fr-FR" dirty="0"/>
           </a:p>
         </p:txBody>
       </p:sp>
@@ -27755,7 +29998,7 @@
           <a:p>
             <a:fld id="{070FCE37-005A-41C1-8FDF-A13600E24672}" type="datetime1">
               <a:rPr lang="fr-FR" smtClean="0"/>
-              <a:t>20/02/2016</a:t>
+              <a:t>13/03/2016</a:t>
             </a:fld>
             <a:endParaRPr lang="en-US"/>
           </a:p>
@@ -27777,7 +30020,7 @@
           <a:lstStyle/>
           <a:p>
             <a:r>
-              <a:rPr lang="en-US" smtClean="0"/>
+              <a:rPr lang="en-US"/>
               <a:t>ANDROID – Ihab BERRO</a:t>
             </a:r>
             <a:endParaRPr lang="en-US" dirty="0"/>
@@ -27817,13 +30060,6 @@
   <p:clrMapOvr>
     <a:masterClrMapping/>
   </p:clrMapOvr>
-  <p:timing>
-    <p:tnLst>
-      <p:par>
-        <p:cTn id="1" dur="indefinite" restart="never" nodeType="tmRoot"/>
-      </p:par>
-    </p:tnLst>
-  </p:timing>
 </p:sld>
 </file>
 
@@ -27860,64 +30096,37 @@
           <a:lstStyle/>
           <a:p>
             <a:r>
-              <a:rPr lang="en-US" dirty="0" smtClean="0"/>
+              <a:rPr lang="en-US" dirty="0"/>
               <a:t>Architecture</a:t>
             </a:r>
-            <a:endParaRPr lang="en-US" dirty="0"/>
           </a:p>
         </p:txBody>
       </p:sp>
-      <p:sp>
-        <p:nvSpPr>
-          <p:cNvPr id="3" name="Content Placeholder 2"/>
-          <p:cNvSpPr>
-            <a:spLocks noGrp="1"/>
-          </p:cNvSpPr>
+      <p:graphicFrame>
+        <p:nvGraphicFramePr>
+          <p:cNvPr id="7" name="Content Placeholder 6"/>
+          <p:cNvGraphicFramePr>
+            <a:graphicFrameLocks noGrp="1"/>
+          </p:cNvGraphicFramePr>
           <p:nvPr>
             <p:ph idx="1"/>
+            <p:extLst>
+              <p:ext uri="{D42A27DB-BD31-4B8C-83A1-F6EECF244321}">
+                <p14:modId xmlns:p14="http://schemas.microsoft.com/office/powerpoint/2010/main" val="159569526"/>
+              </p:ext>
+            </p:extLst>
           </p:nvPr>
-        </p:nvSpPr>
-        <p:spPr/>
-        <p:txBody>
-          <a:bodyPr/>
-          <a:lstStyle/>
-          <a:p>
-            <a:r>
-              <a:rPr lang="fr-FR" dirty="0" smtClean="0"/>
-              <a:t>Pile </a:t>
-            </a:r>
-            <a:r>
-              <a:rPr lang="fr-FR" dirty="0"/>
-              <a:t>logicielle</a:t>
-            </a:r>
-          </a:p>
-          <a:p>
-            <a:r>
-              <a:rPr lang="fr-FR" dirty="0" smtClean="0"/>
-              <a:t>Android </a:t>
-            </a:r>
-            <a:r>
-              <a:rPr lang="fr-FR" dirty="0"/>
-              <a:t>et </a:t>
-            </a:r>
-            <a:r>
-              <a:rPr lang="fr-FR" dirty="0" smtClean="0"/>
-              <a:t>Java</a:t>
-            </a:r>
-          </a:p>
-          <a:p>
-            <a:r>
-              <a:rPr lang="fr-FR" dirty="0" smtClean="0"/>
-              <a:t>Application </a:t>
-            </a:r>
-            <a:r>
-              <a:rPr lang="fr-FR" dirty="0"/>
-              <a:t>Android</a:t>
-            </a:r>
-            <a:endParaRPr lang="en-US" dirty="0"/>
-          </a:p>
-        </p:txBody>
-      </p:sp>
+        </p:nvGraphicFramePr>
+        <p:xfrm>
+          <a:off x="1279545" y="1765398"/>
+          <a:ext cx="7392246" cy="3779967"/>
+        </p:xfrm>
+        <a:graphic>
+          <a:graphicData uri="http://schemas.openxmlformats.org/drawingml/2006/diagram">
+            <dgm:relIds xmlns:dgm="http://schemas.openxmlformats.org/drawingml/2006/diagram" xmlns:r="http://schemas.openxmlformats.org/officeDocument/2006/relationships" r:dm="rId2" r:lo="rId3" r:qs="rId4" r:cs="rId5"/>
+          </a:graphicData>
+        </a:graphic>
+      </p:graphicFrame>
       <p:sp>
         <p:nvSpPr>
           <p:cNvPr id="4" name="Date Placeholder 3"/>
@@ -27935,7 +30144,7 @@
           <a:p>
             <a:fld id="{5441D31A-35F7-4224-85D0-6CA06F077EDF}" type="datetime1">
               <a:rPr lang="fr-FR" smtClean="0"/>
-              <a:t>20/02/2016</a:t>
+              <a:t>13/03/2016</a:t>
             </a:fld>
             <a:endParaRPr lang="en-US"/>
           </a:p>
@@ -27957,7 +30166,7 @@
           <a:lstStyle/>
           <a:p>
             <a:r>
-              <a:rPr lang="en-US" smtClean="0"/>
+              <a:rPr lang="en-US"/>
               <a:t>ANDROID – Ihab BERRO</a:t>
             </a:r>
             <a:endParaRPr lang="en-US" dirty="0"/>
@@ -27997,13 +30206,6 @@
   <p:clrMapOvr>
     <a:masterClrMapping/>
   </p:clrMapOvr>
-  <p:timing>
-    <p:tnLst>
-      <p:par>
-        <p:cTn id="1" dur="indefinite" restart="never" nodeType="tmRoot"/>
-      </p:par>
-    </p:tnLst>
-  </p:timing>
 </p:sld>
 </file>
 
@@ -28040,10 +30242,9 @@
           <a:lstStyle/>
           <a:p>
             <a:r>
-              <a:rPr lang="fr-FR" dirty="0" smtClean="0"/>
+              <a:rPr lang="fr-FR" dirty="0"/>
               <a:t>Architecture - Pile logicielle</a:t>
             </a:r>
-            <a:endParaRPr lang="fr-FR" dirty="0"/>
           </a:p>
         </p:txBody>
       </p:sp>
@@ -28086,7 +30287,7 @@
           <a:p>
             <a:fld id="{062D72EB-0C3F-4CCC-A73C-9A65FD84E9FA}" type="datetime1">
               <a:rPr lang="fr-FR" smtClean="0"/>
-              <a:t>20/02/2016</a:t>
+              <a:t>13/03/2016</a:t>
             </a:fld>
             <a:endParaRPr lang="en-US"/>
           </a:p>
@@ -28108,7 +30309,7 @@
           <a:lstStyle/>
           <a:p>
             <a:r>
-              <a:rPr lang="en-US" smtClean="0"/>
+              <a:rPr lang="en-US"/>
               <a:t>ANDROID – Ihab BERRO</a:t>
             </a:r>
             <a:endParaRPr lang="en-US" dirty="0"/>
@@ -28148,13 +30349,6 @@
   <p:clrMapOvr>
     <a:masterClrMapping/>
   </p:clrMapOvr>
-  <p:timing>
-    <p:tnLst>
-      <p:par>
-        <p:cTn id="1" dur="indefinite" restart="never" nodeType="tmRoot"/>
-      </p:par>
-    </p:tnLst>
-  </p:timing>
 </p:sld>
 </file>
 

--- a/Android.pptx
+++ b/Android.pptx
@@ -5,26 +5,29 @@
     <p:sldMasterId id="2147483832" r:id="rId1"/>
   </p:sldMasterIdLst>
   <p:notesMasterIdLst>
-    <p:notesMasterId r:id="rId19"/>
+    <p:notesMasterId r:id="rId22"/>
   </p:notesMasterIdLst>
   <p:sldIdLst>
     <p:sldId id="256" r:id="rId2"/>
     <p:sldId id="257" r:id="rId3"/>
     <p:sldId id="259" r:id="rId4"/>
     <p:sldId id="270" r:id="rId5"/>
-    <p:sldId id="269" r:id="rId6"/>
-    <p:sldId id="258" r:id="rId7"/>
-    <p:sldId id="261" r:id="rId8"/>
-    <p:sldId id="262" r:id="rId9"/>
-    <p:sldId id="263" r:id="rId10"/>
-    <p:sldId id="264" r:id="rId11"/>
-    <p:sldId id="265" r:id="rId12"/>
-    <p:sldId id="266" r:id="rId13"/>
-    <p:sldId id="268" r:id="rId14"/>
-    <p:sldId id="272" r:id="rId15"/>
-    <p:sldId id="267" r:id="rId16"/>
-    <p:sldId id="271" r:id="rId17"/>
-    <p:sldId id="273" r:id="rId18"/>
+    <p:sldId id="258" r:id="rId6"/>
+    <p:sldId id="261" r:id="rId7"/>
+    <p:sldId id="262" r:id="rId8"/>
+    <p:sldId id="274" r:id="rId9"/>
+    <p:sldId id="275" r:id="rId10"/>
+    <p:sldId id="263" r:id="rId11"/>
+    <p:sldId id="264" r:id="rId12"/>
+    <p:sldId id="265" r:id="rId13"/>
+    <p:sldId id="266" r:id="rId14"/>
+    <p:sldId id="268" r:id="rId15"/>
+    <p:sldId id="272" r:id="rId16"/>
+    <p:sldId id="267" r:id="rId17"/>
+    <p:sldId id="271" r:id="rId18"/>
+    <p:sldId id="277" r:id="rId19"/>
+    <p:sldId id="273" r:id="rId20"/>
+    <p:sldId id="276" r:id="rId21"/>
   </p:sldIdLst>
   <p:sldSz cx="12192000" cy="6858000"/>
   <p:notesSz cx="6858000" cy="9144000"/>
@@ -2048,11 +2051,11 @@
 </file>
 
 <file path=ppt/diagrams/colors2.xml><?xml version="1.0" encoding="utf-8"?>
-<dgm:colorsDef xmlns:dgm="http://schemas.openxmlformats.org/drawingml/2006/diagram" xmlns:a="http://schemas.openxmlformats.org/drawingml/2006/main" uniqueId="urn:microsoft.com/office/officeart/2005/8/colors/accent1_2">
+<dgm:colorsDef xmlns:dgm="http://schemas.openxmlformats.org/drawingml/2006/diagram" xmlns:a="http://schemas.openxmlformats.org/drawingml/2006/main" uniqueId="urn:microsoft.com/office/officeart/2005/8/colors/colorful1">
   <dgm:title val=""/>
   <dgm:desc val=""/>
   <dgm:catLst>
-    <dgm:cat type="accent1" pri="11200"/>
+    <dgm:cat type="colorful" pri="10100"/>
   </dgm:catLst>
   <dgm:styleLbl name="node0">
     <dgm:fillClrLst meth="repeat">
@@ -2066,21 +2069,13 @@
     <dgm:txFillClrLst/>
     <dgm:txEffectClrLst/>
   </dgm:styleLbl>
-  <dgm:styleLbl name="alignNode1">
-    <dgm:fillClrLst meth="repeat">
-      <a:schemeClr val="accent1"/>
-    </dgm:fillClrLst>
-    <dgm:linClrLst meth="repeat">
-      <a:schemeClr val="accent1"/>
-    </dgm:linClrLst>
-    <dgm:effectClrLst/>
-    <dgm:txLinClrLst/>
-    <dgm:txFillClrLst/>
-    <dgm:txEffectClrLst/>
-  </dgm:styleLbl>
   <dgm:styleLbl name="node1">
     <dgm:fillClrLst meth="repeat">
-      <a:schemeClr val="accent1"/>
+      <a:schemeClr val="accent2"/>
+      <a:schemeClr val="accent3"/>
+      <a:schemeClr val="accent4"/>
+      <a:schemeClr val="accent5"/>
+      <a:schemeClr val="accent6"/>
     </dgm:fillClrLst>
     <dgm:linClrLst meth="repeat">
       <a:schemeClr val="lt1"/>
@@ -2090,9 +2085,33 @@
     <dgm:txFillClrLst/>
     <dgm:txEffectClrLst/>
   </dgm:styleLbl>
+  <dgm:styleLbl name="alignNode1">
+    <dgm:fillClrLst meth="repeat">
+      <a:schemeClr val="accent2"/>
+      <a:schemeClr val="accent3"/>
+      <a:schemeClr val="accent4"/>
+      <a:schemeClr val="accent5"/>
+      <a:schemeClr val="accent6"/>
+    </dgm:fillClrLst>
+    <dgm:linClrLst meth="repeat">
+      <a:schemeClr val="accent2"/>
+      <a:schemeClr val="accent3"/>
+      <a:schemeClr val="accent4"/>
+      <a:schemeClr val="accent5"/>
+      <a:schemeClr val="accent6"/>
+    </dgm:linClrLst>
+    <dgm:effectClrLst/>
+    <dgm:txLinClrLst/>
+    <dgm:txFillClrLst/>
+    <dgm:txEffectClrLst/>
+  </dgm:styleLbl>
   <dgm:styleLbl name="lnNode1">
     <dgm:fillClrLst meth="repeat">
-      <a:schemeClr val="accent1"/>
+      <a:schemeClr val="accent2"/>
+      <a:schemeClr val="accent3"/>
+      <a:schemeClr val="accent4"/>
+      <a:schemeClr val="accent5"/>
+      <a:schemeClr val="accent6"/>
     </dgm:fillClrLst>
     <dgm:linClrLst meth="repeat">
       <a:schemeClr val="lt1"/>
@@ -2104,7 +2123,19 @@
   </dgm:styleLbl>
   <dgm:styleLbl name="vennNode1">
     <dgm:fillClrLst meth="repeat">
-      <a:schemeClr val="accent1">
+      <a:schemeClr val="accent2">
+        <a:alpha val="50000"/>
+      </a:schemeClr>
+      <a:schemeClr val="accent3">
+        <a:alpha val="50000"/>
+      </a:schemeClr>
+      <a:schemeClr val="accent4">
+        <a:alpha val="50000"/>
+      </a:schemeClr>
+      <a:schemeClr val="accent5">
+        <a:alpha val="50000"/>
+      </a:schemeClr>
+      <a:schemeClr val="accent6">
         <a:alpha val="50000"/>
       </a:schemeClr>
     </dgm:fillClrLst>
@@ -2117,8 +2148,8 @@
     <dgm:txEffectClrLst/>
   </dgm:styleLbl>
   <dgm:styleLbl name="node2">
-    <dgm:fillClrLst meth="repeat">
-      <a:schemeClr val="accent1"/>
+    <dgm:fillClrLst>
+      <a:schemeClr val="accent2"/>
     </dgm:fillClrLst>
     <dgm:linClrLst meth="repeat">
       <a:schemeClr val="lt1"/>
@@ -2129,8 +2160,8 @@
     <dgm:txEffectClrLst/>
   </dgm:styleLbl>
   <dgm:styleLbl name="node3">
-    <dgm:fillClrLst meth="repeat">
-      <a:schemeClr val="accent1"/>
+    <dgm:fillClrLst>
+      <a:schemeClr val="accent3"/>
     </dgm:fillClrLst>
     <dgm:linClrLst meth="repeat">
       <a:schemeClr val="lt1"/>
@@ -2141,8 +2172,8 @@
     <dgm:txEffectClrLst/>
   </dgm:styleLbl>
   <dgm:styleLbl name="node4">
-    <dgm:fillClrLst meth="repeat">
-      <a:schemeClr val="accent1"/>
+    <dgm:fillClrLst>
+      <a:schemeClr val="accent4"/>
     </dgm:fillClrLst>
     <dgm:linClrLst meth="repeat">
       <a:schemeClr val="lt1"/>
@@ -2154,7 +2185,19 @@
   </dgm:styleLbl>
   <dgm:styleLbl name="fgImgPlace1">
     <dgm:fillClrLst meth="repeat">
-      <a:schemeClr val="accent1">
+      <a:schemeClr val="accent2">
+        <a:tint val="50000"/>
+      </a:schemeClr>
+      <a:schemeClr val="accent3">
+        <a:tint val="50000"/>
+      </a:schemeClr>
+      <a:schemeClr val="accent4">
+        <a:tint val="50000"/>
+      </a:schemeClr>
+      <a:schemeClr val="accent5">
+        <a:tint val="50000"/>
+      </a:schemeClr>
+      <a:schemeClr val="accent6">
         <a:tint val="50000"/>
       </a:schemeClr>
     </dgm:fillClrLst>
@@ -2169,9 +2212,12 @@
     <dgm:txEffectClrLst/>
   </dgm:styleLbl>
   <dgm:styleLbl name="alignImgPlace1">
-    <dgm:fillClrLst meth="repeat">
+    <dgm:fillClrLst>
       <a:schemeClr val="accent1">
         <a:tint val="50000"/>
+      </a:schemeClr>
+      <a:schemeClr val="accent2">
+        <a:tint val="20000"/>
       </a:schemeClr>
     </dgm:fillClrLst>
     <dgm:linClrLst meth="repeat">
@@ -2185,9 +2231,12 @@
     <dgm:txEffectClrLst/>
   </dgm:styleLbl>
   <dgm:styleLbl name="bgImgPlace1">
-    <dgm:fillClrLst meth="repeat">
+    <dgm:fillClrLst>
       <a:schemeClr val="accent1">
         <a:tint val="50000"/>
+      </a:schemeClr>
+      <a:schemeClr val="accent2">
+        <a:tint val="20000"/>
       </a:schemeClr>
     </dgm:fillClrLst>
     <dgm:linClrLst meth="repeat">
@@ -2202,14 +2251,14 @@
   </dgm:styleLbl>
   <dgm:styleLbl name="sibTrans2D1">
     <dgm:fillClrLst meth="repeat">
-      <a:schemeClr val="accent1">
-        <a:tint val="60000"/>
-      </a:schemeClr>
+      <a:schemeClr val="accent2"/>
+      <a:schemeClr val="accent3"/>
+      <a:schemeClr val="accent4"/>
+      <a:schemeClr val="accent5"/>
+      <a:schemeClr val="accent6"/>
     </dgm:fillClrLst>
-    <dgm:linClrLst meth="repeat">
-      <a:schemeClr val="accent1">
-        <a:tint val="60000"/>
-      </a:schemeClr>
+    <dgm:linClrLst meth="cycle">
+      <a:schemeClr val="lt1"/>
     </dgm:linClrLst>
     <dgm:effectClrLst/>
     <dgm:txLinClrLst/>
@@ -2218,42 +2267,54 @@
   </dgm:styleLbl>
   <dgm:styleLbl name="fgSibTrans2D1">
     <dgm:fillClrLst meth="repeat">
-      <a:schemeClr val="accent1">
-        <a:tint val="60000"/>
-      </a:schemeClr>
+      <a:schemeClr val="accent2"/>
+      <a:schemeClr val="accent3"/>
+      <a:schemeClr val="accent4"/>
+      <a:schemeClr val="accent5"/>
+      <a:schemeClr val="accent6"/>
     </dgm:fillClrLst>
-    <dgm:linClrLst meth="repeat">
-      <a:schemeClr val="accent1">
-        <a:tint val="60000"/>
-      </a:schemeClr>
+    <dgm:linClrLst meth="cycle">
+      <a:schemeClr val="lt1"/>
     </dgm:linClrLst>
     <dgm:effectClrLst/>
     <dgm:txLinClrLst/>
-    <dgm:txFillClrLst/>
+    <dgm:txFillClrLst meth="repeat">
+      <a:schemeClr val="lt1"/>
+    </dgm:txFillClrLst>
     <dgm:txEffectClrLst/>
   </dgm:styleLbl>
   <dgm:styleLbl name="bgSibTrans2D1">
     <dgm:fillClrLst meth="repeat">
-      <a:schemeClr val="accent1">
-        <a:tint val="60000"/>
-      </a:schemeClr>
+      <a:schemeClr val="accent2"/>
+      <a:schemeClr val="accent3"/>
+      <a:schemeClr val="accent4"/>
+      <a:schemeClr val="accent5"/>
+      <a:schemeClr val="accent6"/>
     </dgm:fillClrLst>
-    <dgm:linClrLst meth="repeat">
-      <a:schemeClr val="accent1">
-        <a:tint val="60000"/>
-      </a:schemeClr>
+    <dgm:linClrLst meth="cycle">
+      <a:schemeClr val="lt1"/>
     </dgm:linClrLst>
     <dgm:effectClrLst/>
     <dgm:txLinClrLst/>
-    <dgm:txFillClrLst/>
+    <dgm:txFillClrLst meth="repeat">
+      <a:schemeClr val="lt1"/>
+    </dgm:txFillClrLst>
     <dgm:txEffectClrLst/>
   </dgm:styleLbl>
   <dgm:styleLbl name="sibTrans1D1">
     <dgm:fillClrLst meth="repeat">
-      <a:schemeClr val="accent1"/>
+      <a:schemeClr val="accent2"/>
+      <a:schemeClr val="accent3"/>
+      <a:schemeClr val="accent4"/>
+      <a:schemeClr val="accent5"/>
+      <a:schemeClr val="accent6"/>
     </dgm:fillClrLst>
     <dgm:linClrLst meth="repeat">
-      <a:schemeClr val="accent1"/>
+      <a:schemeClr val="accent2"/>
+      <a:schemeClr val="accent3"/>
+      <a:schemeClr val="accent4"/>
+      <a:schemeClr val="accent5"/>
+      <a:schemeClr val="accent6"/>
     </dgm:linClrLst>
     <dgm:effectClrLst/>
     <dgm:txLinClrLst/>
@@ -2264,10 +2325,10 @@
   </dgm:styleLbl>
   <dgm:styleLbl name="callout">
     <dgm:fillClrLst meth="repeat">
-      <a:schemeClr val="accent1"/>
+      <a:schemeClr val="accent2"/>
     </dgm:fillClrLst>
     <dgm:linClrLst meth="repeat">
-      <a:schemeClr val="accent1">
+      <a:schemeClr val="accent2">
         <a:tint val="50000"/>
       </a:schemeClr>
     </dgm:linClrLst>
@@ -2292,7 +2353,7 @@
   </dgm:styleLbl>
   <dgm:styleLbl name="asst1">
     <dgm:fillClrLst meth="repeat">
-      <a:schemeClr val="accent1"/>
+      <a:schemeClr val="accent2"/>
     </dgm:fillClrLst>
     <dgm:linClrLst meth="repeat">
       <a:schemeClr val="lt1"/>
@@ -2303,8 +2364,8 @@
     <dgm:txEffectClrLst/>
   </dgm:styleLbl>
   <dgm:styleLbl name="asst2">
-    <dgm:fillClrLst meth="repeat">
-      <a:schemeClr val="accent1"/>
+    <dgm:fillClrLst>
+      <a:schemeClr val="accent3"/>
     </dgm:fillClrLst>
     <dgm:linClrLst meth="repeat">
       <a:schemeClr val="lt1"/>
@@ -2315,8 +2376,8 @@
     <dgm:txEffectClrLst/>
   </dgm:styleLbl>
   <dgm:styleLbl name="asst3">
-    <dgm:fillClrLst meth="repeat">
-      <a:schemeClr val="accent1"/>
+    <dgm:fillClrLst>
+      <a:schemeClr val="accent4"/>
     </dgm:fillClrLst>
     <dgm:linClrLst meth="repeat">
       <a:schemeClr val="lt1"/>
@@ -2327,8 +2388,8 @@
     <dgm:txEffectClrLst/>
   </dgm:styleLbl>
   <dgm:styleLbl name="asst4">
-    <dgm:fillClrLst meth="repeat">
-      <a:schemeClr val="accent1"/>
+    <dgm:fillClrLst>
+      <a:schemeClr val="accent5"/>
     </dgm:fillClrLst>
     <dgm:linClrLst meth="repeat">
       <a:schemeClr val="lt1"/>
@@ -2340,14 +2401,10 @@
   </dgm:styleLbl>
   <dgm:styleLbl name="parChTrans2D1">
     <dgm:fillClrLst meth="repeat">
-      <a:schemeClr val="accent1">
-        <a:tint val="60000"/>
-      </a:schemeClr>
+      <a:schemeClr val="accent2"/>
     </dgm:fillClrLst>
     <dgm:linClrLst meth="repeat">
-      <a:schemeClr val="accent1">
-        <a:tint val="60000"/>
-      </a:schemeClr>
+      <a:schemeClr val="lt1"/>
     </dgm:linClrLst>
     <dgm:effectClrLst/>
     <dgm:txLinClrLst/>
@@ -2358,7 +2415,45 @@
   </dgm:styleLbl>
   <dgm:styleLbl name="parChTrans2D2">
     <dgm:fillClrLst meth="repeat">
-      <a:schemeClr val="accent1"/>
+      <a:schemeClr val="accent3"/>
+    </dgm:fillClrLst>
+    <dgm:linClrLst meth="repeat">
+      <a:schemeClr val="lt1"/>
+    </dgm:linClrLst>
+    <dgm:effectClrLst/>
+    <dgm:txLinClrLst/>
+    <dgm:txFillClrLst/>
+    <dgm:txEffectClrLst/>
+  </dgm:styleLbl>
+  <dgm:styleLbl name="parChTrans2D3">
+    <dgm:fillClrLst meth="repeat">
+      <a:schemeClr val="accent4"/>
+    </dgm:fillClrLst>
+    <dgm:linClrLst meth="repeat">
+      <a:schemeClr val="lt1"/>
+    </dgm:linClrLst>
+    <dgm:effectClrLst/>
+    <dgm:txLinClrLst/>
+    <dgm:txFillClrLst/>
+    <dgm:txEffectClrLst/>
+  </dgm:styleLbl>
+  <dgm:styleLbl name="parChTrans2D4">
+    <dgm:fillClrLst meth="repeat">
+      <a:schemeClr val="accent5"/>
+    </dgm:fillClrLst>
+    <dgm:linClrLst meth="repeat">
+      <a:schemeClr val="lt1"/>
+    </dgm:linClrLst>
+    <dgm:effectClrLst/>
+    <dgm:txLinClrLst/>
+    <dgm:txFillClrLst meth="repeat">
+      <a:schemeClr val="lt1"/>
+    </dgm:txFillClrLst>
+    <dgm:txEffectClrLst/>
+  </dgm:styleLbl>
+  <dgm:styleLbl name="parChTrans1D1">
+    <dgm:fillClrLst meth="repeat">
+      <a:schemeClr val="accent2"/>
     </dgm:fillClrLst>
     <dgm:linClrLst meth="repeat">
       <a:schemeClr val="accent1"/>
@@ -2366,46 +2461,18 @@
     <dgm:effectClrLst/>
     <dgm:txLinClrLst/>
     <dgm:txFillClrLst meth="repeat">
-      <a:schemeClr val="lt1"/>
+      <a:schemeClr val="tx1"/>
     </dgm:txFillClrLst>
     <dgm:txEffectClrLst/>
   </dgm:styleLbl>
-  <dgm:styleLbl name="parChTrans2D3">
+  <dgm:styleLbl name="parChTrans1D2">
     <dgm:fillClrLst meth="repeat">
-      <a:schemeClr val="accent1"/>
+      <a:schemeClr val="accent3">
+        <a:tint val="90000"/>
+      </a:schemeClr>
     </dgm:fillClrLst>
     <dgm:linClrLst meth="repeat">
-      <a:schemeClr val="accent1"/>
-    </dgm:linClrLst>
-    <dgm:effectClrLst/>
-    <dgm:txLinClrLst/>
-    <dgm:txFillClrLst meth="repeat">
-      <a:schemeClr val="lt1"/>
-    </dgm:txFillClrLst>
-    <dgm:txEffectClrLst/>
-  </dgm:styleLbl>
-  <dgm:styleLbl name="parChTrans2D4">
-    <dgm:fillClrLst meth="repeat">
-      <a:schemeClr val="accent1"/>
-    </dgm:fillClrLst>
-    <dgm:linClrLst meth="repeat">
-      <a:schemeClr val="accent1"/>
-    </dgm:linClrLst>
-    <dgm:effectClrLst/>
-    <dgm:txLinClrLst/>
-    <dgm:txFillClrLst meth="repeat">
-      <a:schemeClr val="lt1"/>
-    </dgm:txFillClrLst>
-    <dgm:txEffectClrLst/>
-  </dgm:styleLbl>
-  <dgm:styleLbl name="parChTrans1D1">
-    <dgm:fillClrLst meth="repeat">
-      <a:schemeClr val="accent1"/>
-    </dgm:fillClrLst>
-    <dgm:linClrLst meth="repeat">
-      <a:schemeClr val="accent1">
-        <a:shade val="60000"/>
-      </a:schemeClr>
+      <a:schemeClr val="accent2"/>
     </dgm:linClrLst>
     <dgm:effectClrLst/>
     <dgm:txLinClrLst/>
@@ -2414,14 +2481,14 @@
     </dgm:txFillClrLst>
     <dgm:txEffectClrLst/>
   </dgm:styleLbl>
-  <dgm:styleLbl name="parChTrans1D2">
+  <dgm:styleLbl name="parChTrans1D3">
     <dgm:fillClrLst meth="repeat">
-      <a:schemeClr val="accent1"/>
+      <a:schemeClr val="accent4">
+        <a:tint val="70000"/>
+      </a:schemeClr>
     </dgm:fillClrLst>
     <dgm:linClrLst meth="repeat">
-      <a:schemeClr val="accent1">
-        <a:shade val="60000"/>
-      </a:schemeClr>
+      <a:schemeClr val="accent3"/>
     </dgm:linClrLst>
     <dgm:effectClrLst/>
     <dgm:txLinClrLst/>
@@ -2430,14 +2497,14 @@
     </dgm:txFillClrLst>
     <dgm:txEffectClrLst/>
   </dgm:styleLbl>
-  <dgm:styleLbl name="parChTrans1D3">
+  <dgm:styleLbl name="parChTrans1D4">
     <dgm:fillClrLst meth="repeat">
-      <a:schemeClr val="accent1"/>
+      <a:schemeClr val="accent5">
+        <a:tint val="50000"/>
+      </a:schemeClr>
     </dgm:fillClrLst>
     <dgm:linClrLst meth="repeat">
-      <a:schemeClr val="accent1">
-        <a:shade val="80000"/>
-      </a:schemeClr>
+      <a:schemeClr val="accent4"/>
     </dgm:linClrLst>
     <dgm:effectClrLst/>
     <dgm:txLinClrLst/>
@@ -2446,22 +2513,6 @@
     </dgm:txFillClrLst>
     <dgm:txEffectClrLst/>
   </dgm:styleLbl>
-  <dgm:styleLbl name="parChTrans1D4">
-    <dgm:fillClrLst meth="repeat">
-      <a:schemeClr val="accent1"/>
-    </dgm:fillClrLst>
-    <dgm:linClrLst meth="repeat">
-      <a:schemeClr val="accent1">
-        <a:shade val="80000"/>
-      </a:schemeClr>
-    </dgm:linClrLst>
-    <dgm:effectClrLst/>
-    <dgm:txLinClrLst/>
-    <dgm:txFillClrLst meth="repeat">
-      <a:schemeClr val="tx1"/>
-    </dgm:txFillClrLst>
-    <dgm:txEffectClrLst/>
-  </dgm:styleLbl>
   <dgm:styleLbl name="fgAcc1">
     <dgm:fillClrLst meth="repeat">
       <a:schemeClr val="lt1">
@@ -2469,7 +2520,11 @@
       </a:schemeClr>
     </dgm:fillClrLst>
     <dgm:linClrLst meth="repeat">
-      <a:schemeClr val="accent1"/>
+      <a:schemeClr val="accent2"/>
+      <a:schemeClr val="accent3"/>
+      <a:schemeClr val="accent4"/>
+      <a:schemeClr val="accent5"/>
+      <a:schemeClr val="accent6"/>
     </dgm:linClrLst>
     <dgm:effectClrLst/>
     <dgm:txLinClrLst/>
@@ -2485,7 +2540,11 @@
       </a:schemeClr>
     </dgm:fillClrLst>
     <dgm:linClrLst meth="repeat">
-      <a:schemeClr val="accent1"/>
+      <a:schemeClr val="accent2"/>
+      <a:schemeClr val="accent3"/>
+      <a:schemeClr val="accent4"/>
+      <a:schemeClr val="accent5"/>
+      <a:schemeClr val="accent6"/>
     </dgm:linClrLst>
     <dgm:effectClrLst/>
     <dgm:txLinClrLst/>
@@ -2501,7 +2560,11 @@
       </a:schemeClr>
     </dgm:fillClrLst>
     <dgm:linClrLst meth="repeat">
-      <a:schemeClr val="accent1"/>
+      <a:schemeClr val="accent2"/>
+      <a:schemeClr val="accent3"/>
+      <a:schemeClr val="accent4"/>
+      <a:schemeClr val="accent5"/>
+      <a:schemeClr val="accent6"/>
     </dgm:linClrLst>
     <dgm:effectClrLst/>
     <dgm:txLinClrLst/>
@@ -2533,6 +2596,236 @@
       </a:schemeClr>
     </dgm:fillClrLst>
     <dgm:linClrLst meth="repeat">
+      <a:schemeClr val="accent2"/>
+      <a:schemeClr val="accent3"/>
+      <a:schemeClr val="accent4"/>
+      <a:schemeClr val="accent5"/>
+      <a:schemeClr val="accent6"/>
+    </dgm:linClrLst>
+    <dgm:effectClrLst/>
+    <dgm:txLinClrLst/>
+    <dgm:txFillClrLst meth="repeat">
+      <a:schemeClr val="dk1"/>
+    </dgm:txFillClrLst>
+    <dgm:txEffectClrLst/>
+  </dgm:styleLbl>
+  <dgm:styleLbl name="solidFgAcc1">
+    <dgm:fillClrLst meth="repeat">
+      <a:schemeClr val="lt1"/>
+    </dgm:fillClrLst>
+    <dgm:linClrLst meth="repeat">
+      <a:schemeClr val="accent2"/>
+      <a:schemeClr val="accent3"/>
+      <a:schemeClr val="accent4"/>
+      <a:schemeClr val="accent5"/>
+      <a:schemeClr val="accent6"/>
+    </dgm:linClrLst>
+    <dgm:effectClrLst/>
+    <dgm:txLinClrLst/>
+    <dgm:txFillClrLst meth="repeat">
+      <a:schemeClr val="dk1"/>
+    </dgm:txFillClrLst>
+    <dgm:txEffectClrLst/>
+  </dgm:styleLbl>
+  <dgm:styleLbl name="solidAlignAcc1">
+    <dgm:fillClrLst meth="repeat">
+      <a:schemeClr val="lt1"/>
+    </dgm:fillClrLst>
+    <dgm:linClrLst meth="repeat">
+      <a:schemeClr val="accent2"/>
+      <a:schemeClr val="accent3"/>
+      <a:schemeClr val="accent4"/>
+      <a:schemeClr val="accent5"/>
+      <a:schemeClr val="accent6"/>
+    </dgm:linClrLst>
+    <dgm:effectClrLst/>
+    <dgm:txLinClrLst/>
+    <dgm:txFillClrLst meth="repeat">
+      <a:schemeClr val="dk1"/>
+    </dgm:txFillClrLst>
+    <dgm:txEffectClrLst/>
+  </dgm:styleLbl>
+  <dgm:styleLbl name="solidBgAcc1">
+    <dgm:fillClrLst meth="repeat">
+      <a:schemeClr val="lt1"/>
+    </dgm:fillClrLst>
+    <dgm:linClrLst meth="repeat">
+      <a:schemeClr val="accent2"/>
+      <a:schemeClr val="accent3"/>
+      <a:schemeClr val="accent4"/>
+      <a:schemeClr val="accent5"/>
+      <a:schemeClr val="accent6"/>
+    </dgm:linClrLst>
+    <dgm:effectClrLst/>
+    <dgm:txLinClrLst/>
+    <dgm:txFillClrLst meth="repeat">
+      <a:schemeClr val="dk1"/>
+    </dgm:txFillClrLst>
+    <dgm:txEffectClrLst/>
+  </dgm:styleLbl>
+  <dgm:styleLbl name="fgAccFollowNode1">
+    <dgm:fillClrLst meth="repeat">
+      <a:schemeClr val="accent2">
+        <a:tint val="40000"/>
+        <a:alpha val="90000"/>
+      </a:schemeClr>
+      <a:schemeClr val="accent3">
+        <a:tint val="40000"/>
+        <a:alpha val="90000"/>
+      </a:schemeClr>
+      <a:schemeClr val="accent4">
+        <a:tint val="40000"/>
+        <a:alpha val="90000"/>
+      </a:schemeClr>
+      <a:schemeClr val="accent5">
+        <a:tint val="40000"/>
+        <a:alpha val="90000"/>
+      </a:schemeClr>
+      <a:schemeClr val="accent6">
+        <a:tint val="40000"/>
+        <a:alpha val="90000"/>
+      </a:schemeClr>
+    </dgm:fillClrLst>
+    <dgm:linClrLst meth="repeat">
+      <a:schemeClr val="accent2">
+        <a:tint val="40000"/>
+        <a:alpha val="90000"/>
+      </a:schemeClr>
+      <a:schemeClr val="accent3">
+        <a:tint val="40000"/>
+        <a:alpha val="90000"/>
+      </a:schemeClr>
+      <a:schemeClr val="accent4">
+        <a:tint val="40000"/>
+        <a:alpha val="90000"/>
+      </a:schemeClr>
+      <a:schemeClr val="accent5">
+        <a:tint val="40000"/>
+        <a:alpha val="90000"/>
+      </a:schemeClr>
+      <a:schemeClr val="accent6">
+        <a:tint val="40000"/>
+        <a:alpha val="90000"/>
+      </a:schemeClr>
+    </dgm:linClrLst>
+    <dgm:effectClrLst/>
+    <dgm:txLinClrLst/>
+    <dgm:txFillClrLst meth="repeat">
+      <a:schemeClr val="dk1"/>
+    </dgm:txFillClrLst>
+    <dgm:txEffectClrLst/>
+  </dgm:styleLbl>
+  <dgm:styleLbl name="alignAccFollowNode1">
+    <dgm:fillClrLst meth="repeat">
+      <a:schemeClr val="accent2">
+        <a:tint val="40000"/>
+        <a:alpha val="90000"/>
+      </a:schemeClr>
+      <a:schemeClr val="accent3">
+        <a:tint val="40000"/>
+        <a:alpha val="90000"/>
+      </a:schemeClr>
+      <a:schemeClr val="accent4">
+        <a:tint val="40000"/>
+        <a:alpha val="90000"/>
+      </a:schemeClr>
+      <a:schemeClr val="accent5">
+        <a:tint val="40000"/>
+        <a:alpha val="90000"/>
+      </a:schemeClr>
+      <a:schemeClr val="accent6">
+        <a:tint val="40000"/>
+        <a:alpha val="90000"/>
+      </a:schemeClr>
+    </dgm:fillClrLst>
+    <dgm:linClrLst meth="repeat">
+      <a:schemeClr val="accent2">
+        <a:tint val="40000"/>
+        <a:alpha val="90000"/>
+      </a:schemeClr>
+      <a:schemeClr val="accent3">
+        <a:tint val="40000"/>
+        <a:alpha val="90000"/>
+      </a:schemeClr>
+      <a:schemeClr val="accent4">
+        <a:tint val="40000"/>
+        <a:alpha val="90000"/>
+      </a:schemeClr>
+      <a:schemeClr val="accent5">
+        <a:tint val="40000"/>
+        <a:alpha val="90000"/>
+      </a:schemeClr>
+      <a:schemeClr val="accent6">
+        <a:tint val="40000"/>
+        <a:alpha val="90000"/>
+      </a:schemeClr>
+    </dgm:linClrLst>
+    <dgm:effectClrLst/>
+    <dgm:txLinClrLst/>
+    <dgm:txFillClrLst meth="repeat">
+      <a:schemeClr val="dk1"/>
+    </dgm:txFillClrLst>
+    <dgm:txEffectClrLst/>
+  </dgm:styleLbl>
+  <dgm:styleLbl name="bgAccFollowNode1">
+    <dgm:fillClrLst meth="repeat">
+      <a:schemeClr val="accent2">
+        <a:tint val="40000"/>
+        <a:alpha val="90000"/>
+      </a:schemeClr>
+      <a:schemeClr val="accent3">
+        <a:tint val="40000"/>
+        <a:alpha val="90000"/>
+      </a:schemeClr>
+      <a:schemeClr val="accent4">
+        <a:tint val="40000"/>
+        <a:alpha val="90000"/>
+      </a:schemeClr>
+      <a:schemeClr val="accent5">
+        <a:tint val="40000"/>
+        <a:alpha val="90000"/>
+      </a:schemeClr>
+      <a:schemeClr val="accent6">
+        <a:tint val="40000"/>
+        <a:alpha val="90000"/>
+      </a:schemeClr>
+    </dgm:fillClrLst>
+    <dgm:linClrLst meth="repeat">
+      <a:schemeClr val="accent2">
+        <a:tint val="40000"/>
+        <a:alpha val="90000"/>
+      </a:schemeClr>
+      <a:schemeClr val="accent3">
+        <a:tint val="40000"/>
+        <a:alpha val="90000"/>
+      </a:schemeClr>
+      <a:schemeClr val="accent4">
+        <a:tint val="40000"/>
+        <a:alpha val="90000"/>
+      </a:schemeClr>
+      <a:schemeClr val="accent5">
+        <a:tint val="40000"/>
+        <a:alpha val="90000"/>
+      </a:schemeClr>
+      <a:schemeClr val="accent6">
+        <a:tint val="40000"/>
+        <a:alpha val="90000"/>
+      </a:schemeClr>
+    </dgm:linClrLst>
+    <dgm:effectClrLst/>
+    <dgm:txLinClrLst/>
+    <dgm:txFillClrLst meth="repeat">
+      <a:schemeClr val="dk1"/>
+    </dgm:txFillClrLst>
+    <dgm:txEffectClrLst/>
+  </dgm:styleLbl>
+  <dgm:styleLbl name="fgAcc0">
+    <dgm:fillClrLst meth="repeat">
+      <a:schemeClr val="lt1">
+        <a:alpha val="90000"/>
+      </a:schemeClr>
+    </dgm:fillClrLst>
+    <dgm:linClrLst>
       <a:schemeClr val="accent1"/>
     </dgm:linClrLst>
     <dgm:effectClrLst/>
@@ -2542,12 +2835,14 @@
     </dgm:txFillClrLst>
     <dgm:txEffectClrLst/>
   </dgm:styleLbl>
-  <dgm:styleLbl name="solidFgAcc1">
+  <dgm:styleLbl name="fgAcc2">
     <dgm:fillClrLst meth="repeat">
-      <a:schemeClr val="lt1"/>
+      <a:schemeClr val="lt1">
+        <a:alpha val="90000"/>
+      </a:schemeClr>
     </dgm:fillClrLst>
-    <dgm:linClrLst meth="repeat">
-      <a:schemeClr val="accent1"/>
+    <dgm:linClrLst>
+      <a:schemeClr val="accent2"/>
     </dgm:linClrLst>
     <dgm:effectClrLst/>
     <dgm:txLinClrLst/>
@@ -2556,12 +2851,14 @@
     </dgm:txFillClrLst>
     <dgm:txEffectClrLst/>
   </dgm:styleLbl>
-  <dgm:styleLbl name="solidAlignAcc1">
+  <dgm:styleLbl name="fgAcc3">
     <dgm:fillClrLst meth="repeat">
-      <a:schemeClr val="lt1"/>
+      <a:schemeClr val="lt1">
+        <a:alpha val="90000"/>
+      </a:schemeClr>
     </dgm:fillClrLst>
-    <dgm:linClrLst meth="repeat">
-      <a:schemeClr val="accent1"/>
+    <dgm:linClrLst>
+      <a:schemeClr val="accent3"/>
     </dgm:linClrLst>
     <dgm:effectClrLst/>
     <dgm:txLinClrLst/>
@@ -2570,12 +2867,14 @@
     </dgm:txFillClrLst>
     <dgm:txEffectClrLst/>
   </dgm:styleLbl>
-  <dgm:styleLbl name="solidBgAcc1">
+  <dgm:styleLbl name="fgAcc4">
     <dgm:fillClrLst meth="repeat">
-      <a:schemeClr val="lt1"/>
+      <a:schemeClr val="lt1">
+        <a:alpha val="90000"/>
+      </a:schemeClr>
     </dgm:fillClrLst>
-    <dgm:linClrLst meth="repeat">
-      <a:schemeClr val="accent1"/>
+    <dgm:linClrLst>
+      <a:schemeClr val="accent4"/>
     </dgm:linClrLst>
     <dgm:effectClrLst/>
     <dgm:txLinClrLst/>
@@ -2584,18 +2883,14 @@
     </dgm:txFillClrLst>
     <dgm:txEffectClrLst/>
   </dgm:styleLbl>
-  <dgm:styleLbl name="fgAccFollowNode1">
+  <dgm:styleLbl name="bgShp">
     <dgm:fillClrLst meth="repeat">
-      <a:schemeClr val="accent1">
-        <a:alpha val="90000"/>
+      <a:schemeClr val="accent2">
         <a:tint val="40000"/>
       </a:schemeClr>
     </dgm:fillClrLst>
     <dgm:linClrLst meth="repeat">
-      <a:schemeClr val="accent1">
-        <a:alpha val="90000"/>
-        <a:tint val="40000"/>
-      </a:schemeClr>
+      <a:schemeClr val="dk1"/>
     </dgm:linClrLst>
     <dgm:effectClrLst/>
     <dgm:txLinClrLst/>
@@ -2604,134 +2899,14 @@
     </dgm:txFillClrLst>
     <dgm:txEffectClrLst/>
   </dgm:styleLbl>
-  <dgm:styleLbl name="alignAccFollowNode1">
+  <dgm:styleLbl name="dkBgShp">
     <dgm:fillClrLst meth="repeat">
-      <a:schemeClr val="accent1">
-        <a:alpha val="90000"/>
-        <a:tint val="40000"/>
+      <a:schemeClr val="accent2">
+        <a:shade val="90000"/>
       </a:schemeClr>
     </dgm:fillClrLst>
     <dgm:linClrLst meth="repeat">
-      <a:schemeClr val="accent1">
-        <a:alpha val="90000"/>
-        <a:tint val="40000"/>
-      </a:schemeClr>
-    </dgm:linClrLst>
-    <dgm:effectClrLst/>
-    <dgm:txLinClrLst/>
-    <dgm:txFillClrLst meth="repeat">
       <a:schemeClr val="dk1"/>
-    </dgm:txFillClrLst>
-    <dgm:txEffectClrLst/>
-  </dgm:styleLbl>
-  <dgm:styleLbl name="bgAccFollowNode1">
-    <dgm:fillClrLst meth="repeat">
-      <a:schemeClr val="accent1">
-        <a:alpha val="90000"/>
-        <a:tint val="40000"/>
-      </a:schemeClr>
-    </dgm:fillClrLst>
-    <dgm:linClrLst meth="repeat">
-      <a:schemeClr val="accent1">
-        <a:alpha val="90000"/>
-        <a:tint val="40000"/>
-      </a:schemeClr>
-    </dgm:linClrLst>
-    <dgm:effectClrLst/>
-    <dgm:txLinClrLst/>
-    <dgm:txFillClrLst meth="repeat">
-      <a:schemeClr val="dk1"/>
-    </dgm:txFillClrLst>
-    <dgm:txEffectClrLst/>
-  </dgm:styleLbl>
-  <dgm:styleLbl name="fgAcc0">
-    <dgm:fillClrLst meth="repeat">
-      <a:schemeClr val="lt1">
-        <a:alpha val="90000"/>
-      </a:schemeClr>
-    </dgm:fillClrLst>
-    <dgm:linClrLst meth="repeat">
-      <a:schemeClr val="accent1"/>
-    </dgm:linClrLst>
-    <dgm:effectClrLst/>
-    <dgm:txLinClrLst/>
-    <dgm:txFillClrLst meth="repeat">
-      <a:schemeClr val="dk1"/>
-    </dgm:txFillClrLst>
-    <dgm:txEffectClrLst/>
-  </dgm:styleLbl>
-  <dgm:styleLbl name="fgAcc2">
-    <dgm:fillClrLst meth="repeat">
-      <a:schemeClr val="lt1">
-        <a:alpha val="90000"/>
-      </a:schemeClr>
-    </dgm:fillClrLst>
-    <dgm:linClrLst meth="repeat">
-      <a:schemeClr val="accent1"/>
-    </dgm:linClrLst>
-    <dgm:effectClrLst/>
-    <dgm:txLinClrLst/>
-    <dgm:txFillClrLst meth="repeat">
-      <a:schemeClr val="dk1"/>
-    </dgm:txFillClrLst>
-    <dgm:txEffectClrLst/>
-  </dgm:styleLbl>
-  <dgm:styleLbl name="fgAcc3">
-    <dgm:fillClrLst meth="repeat">
-      <a:schemeClr val="lt1">
-        <a:alpha val="90000"/>
-      </a:schemeClr>
-    </dgm:fillClrLst>
-    <dgm:linClrLst meth="repeat">
-      <a:schemeClr val="accent1"/>
-    </dgm:linClrLst>
-    <dgm:effectClrLst/>
-    <dgm:txLinClrLst/>
-    <dgm:txFillClrLst meth="repeat">
-      <a:schemeClr val="dk1"/>
-    </dgm:txFillClrLst>
-    <dgm:txEffectClrLst/>
-  </dgm:styleLbl>
-  <dgm:styleLbl name="fgAcc4">
-    <dgm:fillClrLst meth="repeat">
-      <a:schemeClr val="lt1">
-        <a:alpha val="90000"/>
-      </a:schemeClr>
-    </dgm:fillClrLst>
-    <dgm:linClrLst meth="repeat">
-      <a:schemeClr val="accent1"/>
-    </dgm:linClrLst>
-    <dgm:effectClrLst/>
-    <dgm:txLinClrLst/>
-    <dgm:txFillClrLst meth="repeat">
-      <a:schemeClr val="dk1"/>
-    </dgm:txFillClrLst>
-    <dgm:txEffectClrLst/>
-  </dgm:styleLbl>
-  <dgm:styleLbl name="bgShp">
-    <dgm:fillClrLst meth="repeat">
-      <a:schemeClr val="accent1">
-        <a:tint val="40000"/>
-      </a:schemeClr>
-    </dgm:fillClrLst>
-    <dgm:linClrLst meth="repeat">
-      <a:schemeClr val="accent1"/>
-    </dgm:linClrLst>
-    <dgm:effectClrLst/>
-    <dgm:txLinClrLst/>
-    <dgm:txFillClrLst meth="repeat">
-      <a:schemeClr val="dk1"/>
-    </dgm:txFillClrLst>
-    <dgm:txEffectClrLst/>
-  </dgm:styleLbl>
-  <dgm:styleLbl name="dkBgShp">
-    <dgm:fillClrLst meth="repeat">
-      <a:schemeClr val="accent1">
-        <a:shade val="80000"/>
-      </a:schemeClr>
-    </dgm:fillClrLst>
-    <dgm:linClrLst meth="repeat">
-      <a:schemeClr val="accent1"/>
     </dgm:linClrLst>
     <dgm:effectClrLst/>
     <dgm:txLinClrLst/>
@@ -2748,7 +2923,7 @@
       </a:schemeClr>
     </dgm:fillClrLst>
     <dgm:linClrLst meth="repeat">
-      <a:schemeClr val="accent1"/>
+      <a:schemeClr val="accent2"/>
     </dgm:linClrLst>
     <dgm:effectClrLst/>
     <dgm:txLinClrLst/>
@@ -2759,8 +2934,8 @@
   </dgm:styleLbl>
   <dgm:styleLbl name="fgShp">
     <dgm:fillClrLst meth="repeat">
-      <a:schemeClr val="accent1">
-        <a:tint val="60000"/>
+      <a:schemeClr val="accent2">
+        <a:tint val="40000"/>
       </a:schemeClr>
     </dgm:fillClrLst>
     <dgm:linClrLst meth="repeat">
@@ -3542,6 +3717,753 @@
 </file>
 
 <file path=ppt/diagrams/colors4.xml><?xml version="1.0" encoding="utf-8"?>
+<dgm:colorsDef xmlns:dgm="http://schemas.openxmlformats.org/drawingml/2006/diagram" xmlns:a="http://schemas.openxmlformats.org/drawingml/2006/main" uniqueId="urn:microsoft.com/office/officeart/2005/8/colors/accent1_2">
+  <dgm:title val=""/>
+  <dgm:desc val=""/>
+  <dgm:catLst>
+    <dgm:cat type="accent1" pri="11200"/>
+  </dgm:catLst>
+  <dgm:styleLbl name="node0">
+    <dgm:fillClrLst meth="repeat">
+      <a:schemeClr val="accent1"/>
+    </dgm:fillClrLst>
+    <dgm:linClrLst meth="repeat">
+      <a:schemeClr val="lt1"/>
+    </dgm:linClrLst>
+    <dgm:effectClrLst/>
+    <dgm:txLinClrLst/>
+    <dgm:txFillClrLst/>
+    <dgm:txEffectClrLst/>
+  </dgm:styleLbl>
+  <dgm:styleLbl name="alignNode1">
+    <dgm:fillClrLst meth="repeat">
+      <a:schemeClr val="accent1"/>
+    </dgm:fillClrLst>
+    <dgm:linClrLst meth="repeat">
+      <a:schemeClr val="accent1"/>
+    </dgm:linClrLst>
+    <dgm:effectClrLst/>
+    <dgm:txLinClrLst/>
+    <dgm:txFillClrLst/>
+    <dgm:txEffectClrLst/>
+  </dgm:styleLbl>
+  <dgm:styleLbl name="node1">
+    <dgm:fillClrLst meth="repeat">
+      <a:schemeClr val="accent1"/>
+    </dgm:fillClrLst>
+    <dgm:linClrLst meth="repeat">
+      <a:schemeClr val="lt1"/>
+    </dgm:linClrLst>
+    <dgm:effectClrLst/>
+    <dgm:txLinClrLst/>
+    <dgm:txFillClrLst/>
+    <dgm:txEffectClrLst/>
+  </dgm:styleLbl>
+  <dgm:styleLbl name="lnNode1">
+    <dgm:fillClrLst meth="repeat">
+      <a:schemeClr val="accent1"/>
+    </dgm:fillClrLst>
+    <dgm:linClrLst meth="repeat">
+      <a:schemeClr val="lt1"/>
+    </dgm:linClrLst>
+    <dgm:effectClrLst/>
+    <dgm:txLinClrLst/>
+    <dgm:txFillClrLst/>
+    <dgm:txEffectClrLst/>
+  </dgm:styleLbl>
+  <dgm:styleLbl name="vennNode1">
+    <dgm:fillClrLst meth="repeat">
+      <a:schemeClr val="accent1">
+        <a:alpha val="50000"/>
+      </a:schemeClr>
+    </dgm:fillClrLst>
+    <dgm:linClrLst meth="repeat">
+      <a:schemeClr val="lt1"/>
+    </dgm:linClrLst>
+    <dgm:effectClrLst/>
+    <dgm:txLinClrLst/>
+    <dgm:txFillClrLst/>
+    <dgm:txEffectClrLst/>
+  </dgm:styleLbl>
+  <dgm:styleLbl name="node2">
+    <dgm:fillClrLst meth="repeat">
+      <a:schemeClr val="accent1"/>
+    </dgm:fillClrLst>
+    <dgm:linClrLst meth="repeat">
+      <a:schemeClr val="lt1"/>
+    </dgm:linClrLst>
+    <dgm:effectClrLst/>
+    <dgm:txLinClrLst/>
+    <dgm:txFillClrLst/>
+    <dgm:txEffectClrLst/>
+  </dgm:styleLbl>
+  <dgm:styleLbl name="node3">
+    <dgm:fillClrLst meth="repeat">
+      <a:schemeClr val="accent1"/>
+    </dgm:fillClrLst>
+    <dgm:linClrLst meth="repeat">
+      <a:schemeClr val="lt1"/>
+    </dgm:linClrLst>
+    <dgm:effectClrLst/>
+    <dgm:txLinClrLst/>
+    <dgm:txFillClrLst/>
+    <dgm:txEffectClrLst/>
+  </dgm:styleLbl>
+  <dgm:styleLbl name="node4">
+    <dgm:fillClrLst meth="repeat">
+      <a:schemeClr val="accent1"/>
+    </dgm:fillClrLst>
+    <dgm:linClrLst meth="repeat">
+      <a:schemeClr val="lt1"/>
+    </dgm:linClrLst>
+    <dgm:effectClrLst/>
+    <dgm:txLinClrLst/>
+    <dgm:txFillClrLst/>
+    <dgm:txEffectClrLst/>
+  </dgm:styleLbl>
+  <dgm:styleLbl name="fgImgPlace1">
+    <dgm:fillClrLst meth="repeat">
+      <a:schemeClr val="accent1">
+        <a:tint val="50000"/>
+      </a:schemeClr>
+    </dgm:fillClrLst>
+    <dgm:linClrLst meth="repeat">
+      <a:schemeClr val="lt1"/>
+    </dgm:linClrLst>
+    <dgm:effectClrLst/>
+    <dgm:txLinClrLst/>
+    <dgm:txFillClrLst meth="repeat">
+      <a:schemeClr val="lt1"/>
+    </dgm:txFillClrLst>
+    <dgm:txEffectClrLst/>
+  </dgm:styleLbl>
+  <dgm:styleLbl name="alignImgPlace1">
+    <dgm:fillClrLst meth="repeat">
+      <a:schemeClr val="accent1">
+        <a:tint val="50000"/>
+      </a:schemeClr>
+    </dgm:fillClrLst>
+    <dgm:linClrLst meth="repeat">
+      <a:schemeClr val="lt1"/>
+    </dgm:linClrLst>
+    <dgm:effectClrLst/>
+    <dgm:txLinClrLst/>
+    <dgm:txFillClrLst meth="repeat">
+      <a:schemeClr val="lt1"/>
+    </dgm:txFillClrLst>
+    <dgm:txEffectClrLst/>
+  </dgm:styleLbl>
+  <dgm:styleLbl name="bgImgPlace1">
+    <dgm:fillClrLst meth="repeat">
+      <a:schemeClr val="accent1">
+        <a:tint val="50000"/>
+      </a:schemeClr>
+    </dgm:fillClrLst>
+    <dgm:linClrLst meth="repeat">
+      <a:schemeClr val="lt1"/>
+    </dgm:linClrLst>
+    <dgm:effectClrLst/>
+    <dgm:txLinClrLst/>
+    <dgm:txFillClrLst meth="repeat">
+      <a:schemeClr val="lt1"/>
+    </dgm:txFillClrLst>
+    <dgm:txEffectClrLst/>
+  </dgm:styleLbl>
+  <dgm:styleLbl name="sibTrans2D1">
+    <dgm:fillClrLst meth="repeat">
+      <a:schemeClr val="accent1">
+        <a:tint val="60000"/>
+      </a:schemeClr>
+    </dgm:fillClrLst>
+    <dgm:linClrLst meth="repeat">
+      <a:schemeClr val="accent1">
+        <a:tint val="60000"/>
+      </a:schemeClr>
+    </dgm:linClrLst>
+    <dgm:effectClrLst/>
+    <dgm:txLinClrLst/>
+    <dgm:txFillClrLst/>
+    <dgm:txEffectClrLst/>
+  </dgm:styleLbl>
+  <dgm:styleLbl name="fgSibTrans2D1">
+    <dgm:fillClrLst meth="repeat">
+      <a:schemeClr val="accent1">
+        <a:tint val="60000"/>
+      </a:schemeClr>
+    </dgm:fillClrLst>
+    <dgm:linClrLst meth="repeat">
+      <a:schemeClr val="accent1">
+        <a:tint val="60000"/>
+      </a:schemeClr>
+    </dgm:linClrLst>
+    <dgm:effectClrLst/>
+    <dgm:txLinClrLst/>
+    <dgm:txFillClrLst/>
+    <dgm:txEffectClrLst/>
+  </dgm:styleLbl>
+  <dgm:styleLbl name="bgSibTrans2D1">
+    <dgm:fillClrLst meth="repeat">
+      <a:schemeClr val="accent1">
+        <a:tint val="60000"/>
+      </a:schemeClr>
+    </dgm:fillClrLst>
+    <dgm:linClrLst meth="repeat">
+      <a:schemeClr val="accent1">
+        <a:tint val="60000"/>
+      </a:schemeClr>
+    </dgm:linClrLst>
+    <dgm:effectClrLst/>
+    <dgm:txLinClrLst/>
+    <dgm:txFillClrLst/>
+    <dgm:txEffectClrLst/>
+  </dgm:styleLbl>
+  <dgm:styleLbl name="sibTrans1D1">
+    <dgm:fillClrLst meth="repeat">
+      <a:schemeClr val="accent1"/>
+    </dgm:fillClrLst>
+    <dgm:linClrLst meth="repeat">
+      <a:schemeClr val="accent1"/>
+    </dgm:linClrLst>
+    <dgm:effectClrLst/>
+    <dgm:txLinClrLst/>
+    <dgm:txFillClrLst meth="repeat">
+      <a:schemeClr val="tx1"/>
+    </dgm:txFillClrLst>
+    <dgm:txEffectClrLst/>
+  </dgm:styleLbl>
+  <dgm:styleLbl name="callout">
+    <dgm:fillClrLst meth="repeat">
+      <a:schemeClr val="accent1"/>
+    </dgm:fillClrLst>
+    <dgm:linClrLst meth="repeat">
+      <a:schemeClr val="accent1">
+        <a:tint val="50000"/>
+      </a:schemeClr>
+    </dgm:linClrLst>
+    <dgm:effectClrLst/>
+    <dgm:txLinClrLst/>
+    <dgm:txFillClrLst meth="repeat">
+      <a:schemeClr val="tx1"/>
+    </dgm:txFillClrLst>
+    <dgm:txEffectClrLst/>
+  </dgm:styleLbl>
+  <dgm:styleLbl name="asst0">
+    <dgm:fillClrLst meth="repeat">
+      <a:schemeClr val="accent1"/>
+    </dgm:fillClrLst>
+    <dgm:linClrLst meth="repeat">
+      <a:schemeClr val="lt1"/>
+    </dgm:linClrLst>
+    <dgm:effectClrLst/>
+    <dgm:txLinClrLst/>
+    <dgm:txFillClrLst/>
+    <dgm:txEffectClrLst/>
+  </dgm:styleLbl>
+  <dgm:styleLbl name="asst1">
+    <dgm:fillClrLst meth="repeat">
+      <a:schemeClr val="accent1"/>
+    </dgm:fillClrLst>
+    <dgm:linClrLst meth="repeat">
+      <a:schemeClr val="lt1"/>
+    </dgm:linClrLst>
+    <dgm:effectClrLst/>
+    <dgm:txLinClrLst/>
+    <dgm:txFillClrLst/>
+    <dgm:txEffectClrLst/>
+  </dgm:styleLbl>
+  <dgm:styleLbl name="asst2">
+    <dgm:fillClrLst meth="repeat">
+      <a:schemeClr val="accent1"/>
+    </dgm:fillClrLst>
+    <dgm:linClrLst meth="repeat">
+      <a:schemeClr val="lt1"/>
+    </dgm:linClrLst>
+    <dgm:effectClrLst/>
+    <dgm:txLinClrLst/>
+    <dgm:txFillClrLst/>
+    <dgm:txEffectClrLst/>
+  </dgm:styleLbl>
+  <dgm:styleLbl name="asst3">
+    <dgm:fillClrLst meth="repeat">
+      <a:schemeClr val="accent1"/>
+    </dgm:fillClrLst>
+    <dgm:linClrLst meth="repeat">
+      <a:schemeClr val="lt1"/>
+    </dgm:linClrLst>
+    <dgm:effectClrLst/>
+    <dgm:txLinClrLst/>
+    <dgm:txFillClrLst/>
+    <dgm:txEffectClrLst/>
+  </dgm:styleLbl>
+  <dgm:styleLbl name="asst4">
+    <dgm:fillClrLst meth="repeat">
+      <a:schemeClr val="accent1"/>
+    </dgm:fillClrLst>
+    <dgm:linClrLst meth="repeat">
+      <a:schemeClr val="lt1"/>
+    </dgm:linClrLst>
+    <dgm:effectClrLst/>
+    <dgm:txLinClrLst/>
+    <dgm:txFillClrLst/>
+    <dgm:txEffectClrLst/>
+  </dgm:styleLbl>
+  <dgm:styleLbl name="parChTrans2D1">
+    <dgm:fillClrLst meth="repeat">
+      <a:schemeClr val="accent1">
+        <a:tint val="60000"/>
+      </a:schemeClr>
+    </dgm:fillClrLst>
+    <dgm:linClrLst meth="repeat">
+      <a:schemeClr val="accent1">
+        <a:tint val="60000"/>
+      </a:schemeClr>
+    </dgm:linClrLst>
+    <dgm:effectClrLst/>
+    <dgm:txLinClrLst/>
+    <dgm:txFillClrLst meth="repeat">
+      <a:schemeClr val="lt1"/>
+    </dgm:txFillClrLst>
+    <dgm:txEffectClrLst/>
+  </dgm:styleLbl>
+  <dgm:styleLbl name="parChTrans2D2">
+    <dgm:fillClrLst meth="repeat">
+      <a:schemeClr val="accent1"/>
+    </dgm:fillClrLst>
+    <dgm:linClrLst meth="repeat">
+      <a:schemeClr val="accent1"/>
+    </dgm:linClrLst>
+    <dgm:effectClrLst/>
+    <dgm:txLinClrLst/>
+    <dgm:txFillClrLst meth="repeat">
+      <a:schemeClr val="lt1"/>
+    </dgm:txFillClrLst>
+    <dgm:txEffectClrLst/>
+  </dgm:styleLbl>
+  <dgm:styleLbl name="parChTrans2D3">
+    <dgm:fillClrLst meth="repeat">
+      <a:schemeClr val="accent1"/>
+    </dgm:fillClrLst>
+    <dgm:linClrLst meth="repeat">
+      <a:schemeClr val="accent1"/>
+    </dgm:linClrLst>
+    <dgm:effectClrLst/>
+    <dgm:txLinClrLst/>
+    <dgm:txFillClrLst meth="repeat">
+      <a:schemeClr val="lt1"/>
+    </dgm:txFillClrLst>
+    <dgm:txEffectClrLst/>
+  </dgm:styleLbl>
+  <dgm:styleLbl name="parChTrans2D4">
+    <dgm:fillClrLst meth="repeat">
+      <a:schemeClr val="accent1"/>
+    </dgm:fillClrLst>
+    <dgm:linClrLst meth="repeat">
+      <a:schemeClr val="accent1"/>
+    </dgm:linClrLst>
+    <dgm:effectClrLst/>
+    <dgm:txLinClrLst/>
+    <dgm:txFillClrLst meth="repeat">
+      <a:schemeClr val="lt1"/>
+    </dgm:txFillClrLst>
+    <dgm:txEffectClrLst/>
+  </dgm:styleLbl>
+  <dgm:styleLbl name="parChTrans1D1">
+    <dgm:fillClrLst meth="repeat">
+      <a:schemeClr val="accent1"/>
+    </dgm:fillClrLst>
+    <dgm:linClrLst meth="repeat">
+      <a:schemeClr val="accent1">
+        <a:shade val="60000"/>
+      </a:schemeClr>
+    </dgm:linClrLst>
+    <dgm:effectClrLst/>
+    <dgm:txLinClrLst/>
+    <dgm:txFillClrLst meth="repeat">
+      <a:schemeClr val="tx1"/>
+    </dgm:txFillClrLst>
+    <dgm:txEffectClrLst/>
+  </dgm:styleLbl>
+  <dgm:styleLbl name="parChTrans1D2">
+    <dgm:fillClrLst meth="repeat">
+      <a:schemeClr val="accent1"/>
+    </dgm:fillClrLst>
+    <dgm:linClrLst meth="repeat">
+      <a:schemeClr val="accent1">
+        <a:shade val="60000"/>
+      </a:schemeClr>
+    </dgm:linClrLst>
+    <dgm:effectClrLst/>
+    <dgm:txLinClrLst/>
+    <dgm:txFillClrLst meth="repeat">
+      <a:schemeClr val="tx1"/>
+    </dgm:txFillClrLst>
+    <dgm:txEffectClrLst/>
+  </dgm:styleLbl>
+  <dgm:styleLbl name="parChTrans1D3">
+    <dgm:fillClrLst meth="repeat">
+      <a:schemeClr val="accent1"/>
+    </dgm:fillClrLst>
+    <dgm:linClrLst meth="repeat">
+      <a:schemeClr val="accent1">
+        <a:shade val="80000"/>
+      </a:schemeClr>
+    </dgm:linClrLst>
+    <dgm:effectClrLst/>
+    <dgm:txLinClrLst/>
+    <dgm:txFillClrLst meth="repeat">
+      <a:schemeClr val="tx1"/>
+    </dgm:txFillClrLst>
+    <dgm:txEffectClrLst/>
+  </dgm:styleLbl>
+  <dgm:styleLbl name="parChTrans1D4">
+    <dgm:fillClrLst meth="repeat">
+      <a:schemeClr val="accent1"/>
+    </dgm:fillClrLst>
+    <dgm:linClrLst meth="repeat">
+      <a:schemeClr val="accent1">
+        <a:shade val="80000"/>
+      </a:schemeClr>
+    </dgm:linClrLst>
+    <dgm:effectClrLst/>
+    <dgm:txLinClrLst/>
+    <dgm:txFillClrLst meth="repeat">
+      <a:schemeClr val="tx1"/>
+    </dgm:txFillClrLst>
+    <dgm:txEffectClrLst/>
+  </dgm:styleLbl>
+  <dgm:styleLbl name="fgAcc1">
+    <dgm:fillClrLst meth="repeat">
+      <a:schemeClr val="lt1">
+        <a:alpha val="90000"/>
+      </a:schemeClr>
+    </dgm:fillClrLst>
+    <dgm:linClrLst meth="repeat">
+      <a:schemeClr val="accent1"/>
+    </dgm:linClrLst>
+    <dgm:effectClrLst/>
+    <dgm:txLinClrLst/>
+    <dgm:txFillClrLst meth="repeat">
+      <a:schemeClr val="dk1"/>
+    </dgm:txFillClrLst>
+    <dgm:txEffectClrLst/>
+  </dgm:styleLbl>
+  <dgm:styleLbl name="conFgAcc1">
+    <dgm:fillClrLst meth="repeat">
+      <a:schemeClr val="lt1">
+        <a:alpha val="90000"/>
+      </a:schemeClr>
+    </dgm:fillClrLst>
+    <dgm:linClrLst meth="repeat">
+      <a:schemeClr val="accent1"/>
+    </dgm:linClrLst>
+    <dgm:effectClrLst/>
+    <dgm:txLinClrLst/>
+    <dgm:txFillClrLst meth="repeat">
+      <a:schemeClr val="dk1"/>
+    </dgm:txFillClrLst>
+    <dgm:txEffectClrLst/>
+  </dgm:styleLbl>
+  <dgm:styleLbl name="alignAcc1">
+    <dgm:fillClrLst meth="repeat">
+      <a:schemeClr val="lt1">
+        <a:alpha val="90000"/>
+      </a:schemeClr>
+    </dgm:fillClrLst>
+    <dgm:linClrLst meth="repeat">
+      <a:schemeClr val="accent1"/>
+    </dgm:linClrLst>
+    <dgm:effectClrLst/>
+    <dgm:txLinClrLst/>
+    <dgm:txFillClrLst meth="repeat">
+      <a:schemeClr val="dk1"/>
+    </dgm:txFillClrLst>
+    <dgm:txEffectClrLst/>
+  </dgm:styleLbl>
+  <dgm:styleLbl name="trAlignAcc1">
+    <dgm:fillClrLst meth="repeat">
+      <a:schemeClr val="lt1">
+        <a:alpha val="40000"/>
+      </a:schemeClr>
+    </dgm:fillClrLst>
+    <dgm:linClrLst meth="repeat">
+      <a:schemeClr val="accent1"/>
+    </dgm:linClrLst>
+    <dgm:effectClrLst/>
+    <dgm:txLinClrLst/>
+    <dgm:txFillClrLst meth="repeat">
+      <a:schemeClr val="dk1"/>
+    </dgm:txFillClrLst>
+    <dgm:txEffectClrLst/>
+  </dgm:styleLbl>
+  <dgm:styleLbl name="bgAcc1">
+    <dgm:fillClrLst meth="repeat">
+      <a:schemeClr val="lt1">
+        <a:alpha val="90000"/>
+      </a:schemeClr>
+    </dgm:fillClrLst>
+    <dgm:linClrLst meth="repeat">
+      <a:schemeClr val="accent1"/>
+    </dgm:linClrLst>
+    <dgm:effectClrLst/>
+    <dgm:txLinClrLst/>
+    <dgm:txFillClrLst meth="repeat">
+      <a:schemeClr val="dk1"/>
+    </dgm:txFillClrLst>
+    <dgm:txEffectClrLst/>
+  </dgm:styleLbl>
+  <dgm:styleLbl name="solidFgAcc1">
+    <dgm:fillClrLst meth="repeat">
+      <a:schemeClr val="lt1"/>
+    </dgm:fillClrLst>
+    <dgm:linClrLst meth="repeat">
+      <a:schemeClr val="accent1"/>
+    </dgm:linClrLst>
+    <dgm:effectClrLst/>
+    <dgm:txLinClrLst/>
+    <dgm:txFillClrLst meth="repeat">
+      <a:schemeClr val="dk1"/>
+    </dgm:txFillClrLst>
+    <dgm:txEffectClrLst/>
+  </dgm:styleLbl>
+  <dgm:styleLbl name="solidAlignAcc1">
+    <dgm:fillClrLst meth="repeat">
+      <a:schemeClr val="lt1"/>
+    </dgm:fillClrLst>
+    <dgm:linClrLst meth="repeat">
+      <a:schemeClr val="accent1"/>
+    </dgm:linClrLst>
+    <dgm:effectClrLst/>
+    <dgm:txLinClrLst/>
+    <dgm:txFillClrLst meth="repeat">
+      <a:schemeClr val="dk1"/>
+    </dgm:txFillClrLst>
+    <dgm:txEffectClrLst/>
+  </dgm:styleLbl>
+  <dgm:styleLbl name="solidBgAcc1">
+    <dgm:fillClrLst meth="repeat">
+      <a:schemeClr val="lt1"/>
+    </dgm:fillClrLst>
+    <dgm:linClrLst meth="repeat">
+      <a:schemeClr val="accent1"/>
+    </dgm:linClrLst>
+    <dgm:effectClrLst/>
+    <dgm:txLinClrLst/>
+    <dgm:txFillClrLst meth="repeat">
+      <a:schemeClr val="dk1"/>
+    </dgm:txFillClrLst>
+    <dgm:txEffectClrLst/>
+  </dgm:styleLbl>
+  <dgm:styleLbl name="fgAccFollowNode1">
+    <dgm:fillClrLst meth="repeat">
+      <a:schemeClr val="accent1">
+        <a:alpha val="90000"/>
+        <a:tint val="40000"/>
+      </a:schemeClr>
+    </dgm:fillClrLst>
+    <dgm:linClrLst meth="repeat">
+      <a:schemeClr val="accent1">
+        <a:alpha val="90000"/>
+        <a:tint val="40000"/>
+      </a:schemeClr>
+    </dgm:linClrLst>
+    <dgm:effectClrLst/>
+    <dgm:txLinClrLst/>
+    <dgm:txFillClrLst meth="repeat">
+      <a:schemeClr val="dk1"/>
+    </dgm:txFillClrLst>
+    <dgm:txEffectClrLst/>
+  </dgm:styleLbl>
+  <dgm:styleLbl name="alignAccFollowNode1">
+    <dgm:fillClrLst meth="repeat">
+      <a:schemeClr val="accent1">
+        <a:alpha val="90000"/>
+        <a:tint val="40000"/>
+      </a:schemeClr>
+    </dgm:fillClrLst>
+    <dgm:linClrLst meth="repeat">
+      <a:schemeClr val="accent1">
+        <a:alpha val="90000"/>
+        <a:tint val="40000"/>
+      </a:schemeClr>
+    </dgm:linClrLst>
+    <dgm:effectClrLst/>
+    <dgm:txLinClrLst/>
+    <dgm:txFillClrLst meth="repeat">
+      <a:schemeClr val="dk1"/>
+    </dgm:txFillClrLst>
+    <dgm:txEffectClrLst/>
+  </dgm:styleLbl>
+  <dgm:styleLbl name="bgAccFollowNode1">
+    <dgm:fillClrLst meth="repeat">
+      <a:schemeClr val="accent1">
+        <a:alpha val="90000"/>
+        <a:tint val="40000"/>
+      </a:schemeClr>
+    </dgm:fillClrLst>
+    <dgm:linClrLst meth="repeat">
+      <a:schemeClr val="accent1">
+        <a:alpha val="90000"/>
+        <a:tint val="40000"/>
+      </a:schemeClr>
+    </dgm:linClrLst>
+    <dgm:effectClrLst/>
+    <dgm:txLinClrLst/>
+    <dgm:txFillClrLst meth="repeat">
+      <a:schemeClr val="dk1"/>
+    </dgm:txFillClrLst>
+    <dgm:txEffectClrLst/>
+  </dgm:styleLbl>
+  <dgm:styleLbl name="fgAcc0">
+    <dgm:fillClrLst meth="repeat">
+      <a:schemeClr val="lt1">
+        <a:alpha val="90000"/>
+      </a:schemeClr>
+    </dgm:fillClrLst>
+    <dgm:linClrLst meth="repeat">
+      <a:schemeClr val="accent1"/>
+    </dgm:linClrLst>
+    <dgm:effectClrLst/>
+    <dgm:txLinClrLst/>
+    <dgm:txFillClrLst meth="repeat">
+      <a:schemeClr val="dk1"/>
+    </dgm:txFillClrLst>
+    <dgm:txEffectClrLst/>
+  </dgm:styleLbl>
+  <dgm:styleLbl name="fgAcc2">
+    <dgm:fillClrLst meth="repeat">
+      <a:schemeClr val="lt1">
+        <a:alpha val="90000"/>
+      </a:schemeClr>
+    </dgm:fillClrLst>
+    <dgm:linClrLst meth="repeat">
+      <a:schemeClr val="accent1"/>
+    </dgm:linClrLst>
+    <dgm:effectClrLst/>
+    <dgm:txLinClrLst/>
+    <dgm:txFillClrLst meth="repeat">
+      <a:schemeClr val="dk1"/>
+    </dgm:txFillClrLst>
+    <dgm:txEffectClrLst/>
+  </dgm:styleLbl>
+  <dgm:styleLbl name="fgAcc3">
+    <dgm:fillClrLst meth="repeat">
+      <a:schemeClr val="lt1">
+        <a:alpha val="90000"/>
+      </a:schemeClr>
+    </dgm:fillClrLst>
+    <dgm:linClrLst meth="repeat">
+      <a:schemeClr val="accent1"/>
+    </dgm:linClrLst>
+    <dgm:effectClrLst/>
+    <dgm:txLinClrLst/>
+    <dgm:txFillClrLst meth="repeat">
+      <a:schemeClr val="dk1"/>
+    </dgm:txFillClrLst>
+    <dgm:txEffectClrLst/>
+  </dgm:styleLbl>
+  <dgm:styleLbl name="fgAcc4">
+    <dgm:fillClrLst meth="repeat">
+      <a:schemeClr val="lt1">
+        <a:alpha val="90000"/>
+      </a:schemeClr>
+    </dgm:fillClrLst>
+    <dgm:linClrLst meth="repeat">
+      <a:schemeClr val="accent1"/>
+    </dgm:linClrLst>
+    <dgm:effectClrLst/>
+    <dgm:txLinClrLst/>
+    <dgm:txFillClrLst meth="repeat">
+      <a:schemeClr val="dk1"/>
+    </dgm:txFillClrLst>
+    <dgm:txEffectClrLst/>
+  </dgm:styleLbl>
+  <dgm:styleLbl name="bgShp">
+    <dgm:fillClrLst meth="repeat">
+      <a:schemeClr val="accent1">
+        <a:tint val="40000"/>
+      </a:schemeClr>
+    </dgm:fillClrLst>
+    <dgm:linClrLst meth="repeat">
+      <a:schemeClr val="accent1"/>
+    </dgm:linClrLst>
+    <dgm:effectClrLst/>
+    <dgm:txLinClrLst/>
+    <dgm:txFillClrLst meth="repeat">
+      <a:schemeClr val="dk1"/>
+    </dgm:txFillClrLst>
+    <dgm:txEffectClrLst/>
+  </dgm:styleLbl>
+  <dgm:styleLbl name="dkBgShp">
+    <dgm:fillClrLst meth="repeat">
+      <a:schemeClr val="accent1">
+        <a:shade val="80000"/>
+      </a:schemeClr>
+    </dgm:fillClrLst>
+    <dgm:linClrLst meth="repeat">
+      <a:schemeClr val="accent1"/>
+    </dgm:linClrLst>
+    <dgm:effectClrLst/>
+    <dgm:txLinClrLst/>
+    <dgm:txFillClrLst meth="repeat">
+      <a:schemeClr val="lt1"/>
+    </dgm:txFillClrLst>
+    <dgm:txEffectClrLst/>
+  </dgm:styleLbl>
+  <dgm:styleLbl name="trBgShp">
+    <dgm:fillClrLst meth="repeat">
+      <a:schemeClr val="accent1">
+        <a:tint val="50000"/>
+        <a:alpha val="40000"/>
+      </a:schemeClr>
+    </dgm:fillClrLst>
+    <dgm:linClrLst meth="repeat">
+      <a:schemeClr val="accent1"/>
+    </dgm:linClrLst>
+    <dgm:effectClrLst/>
+    <dgm:txLinClrLst/>
+    <dgm:txFillClrLst meth="repeat">
+      <a:schemeClr val="lt1"/>
+    </dgm:txFillClrLst>
+    <dgm:txEffectClrLst/>
+  </dgm:styleLbl>
+  <dgm:styleLbl name="fgShp">
+    <dgm:fillClrLst meth="repeat">
+      <a:schemeClr val="accent1">
+        <a:tint val="60000"/>
+      </a:schemeClr>
+    </dgm:fillClrLst>
+    <dgm:linClrLst meth="repeat">
+      <a:schemeClr val="lt1"/>
+    </dgm:linClrLst>
+    <dgm:effectClrLst/>
+    <dgm:txLinClrLst/>
+    <dgm:txFillClrLst meth="repeat">
+      <a:schemeClr val="dk1"/>
+    </dgm:txFillClrLst>
+    <dgm:txEffectClrLst/>
+  </dgm:styleLbl>
+  <dgm:styleLbl name="revTx">
+    <dgm:fillClrLst meth="repeat">
+      <a:schemeClr val="lt1">
+        <a:alpha val="0"/>
+      </a:schemeClr>
+    </dgm:fillClrLst>
+    <dgm:linClrLst meth="repeat">
+      <a:schemeClr val="dk1">
+        <a:alpha val="0"/>
+      </a:schemeClr>
+    </dgm:linClrLst>
+    <dgm:effectClrLst/>
+    <dgm:txLinClrLst/>
+    <dgm:txFillClrLst meth="repeat">
+      <a:schemeClr val="tx1"/>
+    </dgm:txFillClrLst>
+    <dgm:txEffectClrLst/>
+  </dgm:styleLbl>
+</dgm:colorsDef>
+</file>
+
+<file path=ppt/diagrams/colors5.xml><?xml version="1.0" encoding="utf-8"?>
 <dgm:colorsDef xmlns:dgm="http://schemas.openxmlformats.org/drawingml/2006/diagram" xmlns:a="http://schemas.openxmlformats.org/drawingml/2006/main" uniqueId="urn:microsoft.com/office/officeart/2005/8/colors/colorful2">
   <dgm:title val=""/>
   <dgm:desc val=""/>
@@ -4323,7 +5245,7 @@
 </dgm:colorsDef>
 </file>
 
-<file path=ppt/diagrams/colors5.xml><?xml version="1.0" encoding="utf-8"?>
+<file path=ppt/diagrams/colors6.xml><?xml version="1.0" encoding="utf-8"?>
 <dgm:colorsDef xmlns:dgm="http://schemas.openxmlformats.org/drawingml/2006/diagram" xmlns:a="http://schemas.openxmlformats.org/drawingml/2006/main" uniqueId="urn:microsoft.com/office/officeart/2005/8/colors/colorful2">
   <dgm:title val=""/>
   <dgm:desc val=""/>
@@ -5108,8 +6030,372 @@
 <file path=ppt/diagrams/data1.xml><?xml version="1.0" encoding="utf-8"?>
 <dgm:dataModel xmlns:dgm="http://schemas.openxmlformats.org/drawingml/2006/diagram" xmlns:a="http://schemas.openxmlformats.org/drawingml/2006/main">
   <dgm:ptLst>
+    <dgm:pt modelId="{CD09E0E4-10D1-4850-A764-633F13E33876}" type="doc">
+      <dgm:prSet loTypeId="urn:microsoft.com/office/officeart/2008/layout/VerticalCurvedList" loCatId="list" qsTypeId="urn:microsoft.com/office/officeart/2005/8/quickstyle/simple1" qsCatId="simple" csTypeId="urn:microsoft.com/office/officeart/2005/8/colors/colorful1" csCatId="colorful"/>
+      <dgm:spPr/>
+      <dgm:t>
+        <a:bodyPr/>
+        <a:lstStyle/>
+        <a:p>
+          <a:endParaRPr lang="en-US"/>
+        </a:p>
+      </dgm:t>
+    </dgm:pt>
+    <dgm:pt modelId="{2B4373E8-8297-4403-94A9-AE74CCA8BF48}">
+      <dgm:prSet/>
+      <dgm:spPr/>
+      <dgm:t>
+        <a:bodyPr/>
+        <a:lstStyle/>
+        <a:p>
+          <a:pPr rtl="0"/>
+          <a:r>
+            <a:rPr lang="fr-FR"/>
+            <a:t>1. Introduction</a:t>
+          </a:r>
+          <a:endParaRPr lang="en-US"/>
+        </a:p>
+      </dgm:t>
+    </dgm:pt>
+    <dgm:pt modelId="{FCA5009F-61FC-4282-8FD0-2FAEC8EA3E4E}" type="parTrans" cxnId="{1B66FFAC-AF15-46D6-9344-80080005D71C}">
+      <dgm:prSet/>
+      <dgm:spPr/>
+      <dgm:t>
+        <a:bodyPr/>
+        <a:lstStyle/>
+        <a:p>
+          <a:endParaRPr lang="en-US"/>
+        </a:p>
+      </dgm:t>
+    </dgm:pt>
+    <dgm:pt modelId="{23828153-9F4E-4FCD-9A2A-C96A8358B67E}" type="sibTrans" cxnId="{1B66FFAC-AF15-46D6-9344-80080005D71C}">
+      <dgm:prSet/>
+      <dgm:spPr/>
+      <dgm:t>
+        <a:bodyPr/>
+        <a:lstStyle/>
+        <a:p>
+          <a:endParaRPr lang="en-US"/>
+        </a:p>
+      </dgm:t>
+    </dgm:pt>
+    <dgm:pt modelId="{891DA4E1-FD49-43A5-B9C9-94D771597EFF}">
+      <dgm:prSet/>
+      <dgm:spPr/>
+      <dgm:t>
+        <a:bodyPr/>
+        <a:lstStyle/>
+        <a:p>
+          <a:pPr rtl="0"/>
+          <a:r>
+            <a:rPr lang="fr-FR"/>
+            <a:t>2. Architecture d'Android</a:t>
+          </a:r>
+          <a:endParaRPr lang="en-US"/>
+        </a:p>
+      </dgm:t>
+    </dgm:pt>
+    <dgm:pt modelId="{0E13591C-37DF-4013-B828-5C5E905435CB}" type="parTrans" cxnId="{0E5EE64B-FC06-42C2-AA18-D62975439125}">
+      <dgm:prSet/>
+      <dgm:spPr/>
+      <dgm:t>
+        <a:bodyPr/>
+        <a:lstStyle/>
+        <a:p>
+          <a:endParaRPr lang="en-US"/>
+        </a:p>
+      </dgm:t>
+    </dgm:pt>
+    <dgm:pt modelId="{3E8A0B90-C623-471D-AF9E-C5AB7AD9F3CC}" type="sibTrans" cxnId="{0E5EE64B-FC06-42C2-AA18-D62975439125}">
+      <dgm:prSet/>
+      <dgm:spPr/>
+      <dgm:t>
+        <a:bodyPr/>
+        <a:lstStyle/>
+        <a:p>
+          <a:endParaRPr lang="en-US"/>
+        </a:p>
+      </dgm:t>
+    </dgm:pt>
+    <dgm:pt modelId="{62202A5D-966A-49E2-95AF-2EFB3399A7F2}">
+      <dgm:prSet/>
+      <dgm:spPr/>
+      <dgm:t>
+        <a:bodyPr/>
+        <a:lstStyle/>
+        <a:p>
+          <a:pPr rtl="0"/>
+          <a:r>
+            <a:rPr lang="fr-FR"/>
+            <a:t>3. Sécurité et confidentialité</a:t>
+          </a:r>
+          <a:endParaRPr lang="en-US"/>
+        </a:p>
+      </dgm:t>
+    </dgm:pt>
+    <dgm:pt modelId="{C0DB5874-4069-4548-BDAF-91CB1D7010BF}" type="parTrans" cxnId="{5521E23E-10E4-4132-8BBB-F20B3203F5EB}">
+      <dgm:prSet/>
+      <dgm:spPr/>
+      <dgm:t>
+        <a:bodyPr/>
+        <a:lstStyle/>
+        <a:p>
+          <a:endParaRPr lang="en-US"/>
+        </a:p>
+      </dgm:t>
+    </dgm:pt>
+    <dgm:pt modelId="{41CC5612-C562-4B6C-9D39-BE7868B4B5A7}" type="sibTrans" cxnId="{5521E23E-10E4-4132-8BBB-F20B3203F5EB}">
+      <dgm:prSet/>
+      <dgm:spPr/>
+      <dgm:t>
+        <a:bodyPr/>
+        <a:lstStyle/>
+        <a:p>
+          <a:endParaRPr lang="en-US"/>
+        </a:p>
+      </dgm:t>
+    </dgm:pt>
+    <dgm:pt modelId="{0EF47DFD-A1CB-4AC8-8EBB-54B3C7A719CE}">
+      <dgm:prSet/>
+      <dgm:spPr/>
+      <dgm:t>
+        <a:bodyPr/>
+        <a:lstStyle/>
+        <a:p>
+          <a:pPr rtl="0"/>
+          <a:r>
+            <a:rPr lang="fr-FR" dirty="0"/>
+            <a:t>4. Utilisation et support</a:t>
+          </a:r>
+          <a:endParaRPr lang="en-US" dirty="0"/>
+        </a:p>
+      </dgm:t>
+    </dgm:pt>
+    <dgm:pt modelId="{2959DD2C-8465-4AF3-A3DF-349B1C8BDD9F}" type="parTrans" cxnId="{2BD6837C-B1B1-4C05-9405-78DAA80DFCD0}">
+      <dgm:prSet/>
+      <dgm:spPr/>
+      <dgm:t>
+        <a:bodyPr/>
+        <a:lstStyle/>
+        <a:p>
+          <a:endParaRPr lang="en-US"/>
+        </a:p>
+      </dgm:t>
+    </dgm:pt>
+    <dgm:pt modelId="{E717E753-911E-410D-B236-E0E3C5176425}" type="sibTrans" cxnId="{2BD6837C-B1B1-4C05-9405-78DAA80DFCD0}">
+      <dgm:prSet/>
+      <dgm:spPr/>
+      <dgm:t>
+        <a:bodyPr/>
+        <a:lstStyle/>
+        <a:p>
+          <a:endParaRPr lang="en-US"/>
+        </a:p>
+      </dgm:t>
+    </dgm:pt>
+    <dgm:pt modelId="{192DB344-45D9-4B64-9B8B-D49EA2ACE039}">
+      <dgm:prSet/>
+      <dgm:spPr/>
+      <dgm:t>
+        <a:bodyPr/>
+        <a:lstStyle/>
+        <a:p>
+          <a:pPr rtl="0"/>
+          <a:r>
+            <a:rPr lang="fr-FR"/>
+            <a:t>5. Démo de développement</a:t>
+          </a:r>
+          <a:endParaRPr lang="en-US"/>
+        </a:p>
+      </dgm:t>
+    </dgm:pt>
+    <dgm:pt modelId="{742A4B7B-D9F5-45AF-956F-3C995604B39A}" type="parTrans" cxnId="{0C3673AB-68C8-4C51-8802-CAAAACD14E1F}">
+      <dgm:prSet/>
+      <dgm:spPr/>
+      <dgm:t>
+        <a:bodyPr/>
+        <a:lstStyle/>
+        <a:p>
+          <a:endParaRPr lang="en-US"/>
+        </a:p>
+      </dgm:t>
+    </dgm:pt>
+    <dgm:pt modelId="{4813411E-C19E-441B-9F51-E728F1C9E952}" type="sibTrans" cxnId="{0C3673AB-68C8-4C51-8802-CAAAACD14E1F}">
+      <dgm:prSet/>
+      <dgm:spPr/>
+      <dgm:t>
+        <a:bodyPr/>
+        <a:lstStyle/>
+        <a:p>
+          <a:endParaRPr lang="en-US"/>
+        </a:p>
+      </dgm:t>
+    </dgm:pt>
+    <dgm:pt modelId="{0A99436F-4FC1-49F5-AD1A-0076FEA4E4D7}" type="pres">
+      <dgm:prSet presAssocID="{CD09E0E4-10D1-4850-A764-633F13E33876}" presName="Name0" presStyleCnt="0">
+        <dgm:presLayoutVars>
+          <dgm:chMax val="7"/>
+          <dgm:chPref val="7"/>
+          <dgm:dir/>
+        </dgm:presLayoutVars>
+      </dgm:prSet>
+      <dgm:spPr/>
+    </dgm:pt>
+    <dgm:pt modelId="{7685B006-64F4-4284-A748-818580E66ABC}" type="pres">
+      <dgm:prSet presAssocID="{CD09E0E4-10D1-4850-A764-633F13E33876}" presName="Name1" presStyleCnt="0"/>
+      <dgm:spPr/>
+    </dgm:pt>
+    <dgm:pt modelId="{CDAFD944-7149-4D51-A18E-A3FDE9E3E38F}" type="pres">
+      <dgm:prSet presAssocID="{CD09E0E4-10D1-4850-A764-633F13E33876}" presName="cycle" presStyleCnt="0"/>
+      <dgm:spPr/>
+    </dgm:pt>
+    <dgm:pt modelId="{A1C42B42-6623-4935-B47F-247E509D7ADF}" type="pres">
+      <dgm:prSet presAssocID="{CD09E0E4-10D1-4850-A764-633F13E33876}" presName="srcNode" presStyleLbl="node1" presStyleIdx="0" presStyleCnt="5"/>
+      <dgm:spPr/>
+    </dgm:pt>
+    <dgm:pt modelId="{DB8FF220-C101-4179-8A22-78CA20B3D82E}" type="pres">
+      <dgm:prSet presAssocID="{CD09E0E4-10D1-4850-A764-633F13E33876}" presName="conn" presStyleLbl="parChTrans1D2" presStyleIdx="0" presStyleCnt="1"/>
+      <dgm:spPr/>
+    </dgm:pt>
+    <dgm:pt modelId="{BD246AA5-C63F-45CB-8FDF-72C4C4E04601}" type="pres">
+      <dgm:prSet presAssocID="{CD09E0E4-10D1-4850-A764-633F13E33876}" presName="extraNode" presStyleLbl="node1" presStyleIdx="0" presStyleCnt="5"/>
+      <dgm:spPr/>
+    </dgm:pt>
+    <dgm:pt modelId="{70A9E4C8-97B3-462C-9020-BD35DC1E7C38}" type="pres">
+      <dgm:prSet presAssocID="{CD09E0E4-10D1-4850-A764-633F13E33876}" presName="dstNode" presStyleLbl="node1" presStyleIdx="0" presStyleCnt="5"/>
+      <dgm:spPr/>
+    </dgm:pt>
+    <dgm:pt modelId="{65C8C5F6-5AC0-42A7-871D-6D77F2E13C69}" type="pres">
+      <dgm:prSet presAssocID="{2B4373E8-8297-4403-94A9-AE74CCA8BF48}" presName="text_1" presStyleLbl="node1" presStyleIdx="0" presStyleCnt="5">
+        <dgm:presLayoutVars>
+          <dgm:bulletEnabled val="1"/>
+        </dgm:presLayoutVars>
+      </dgm:prSet>
+      <dgm:spPr/>
+    </dgm:pt>
+    <dgm:pt modelId="{5ED735FD-C8E2-4C1C-826A-C84ED2DAA6E6}" type="pres">
+      <dgm:prSet presAssocID="{2B4373E8-8297-4403-94A9-AE74CCA8BF48}" presName="accent_1" presStyleCnt="0"/>
+      <dgm:spPr/>
+    </dgm:pt>
+    <dgm:pt modelId="{47F1CA37-E91F-4BF5-9B61-5E6906DACF28}" type="pres">
+      <dgm:prSet presAssocID="{2B4373E8-8297-4403-94A9-AE74CCA8BF48}" presName="accentRepeatNode" presStyleLbl="solidFgAcc1" presStyleIdx="0" presStyleCnt="5"/>
+      <dgm:spPr/>
+    </dgm:pt>
+    <dgm:pt modelId="{5D7E79B0-DD2E-4A5F-B5DD-90189D3C48AA}" type="pres">
+      <dgm:prSet presAssocID="{891DA4E1-FD49-43A5-B9C9-94D771597EFF}" presName="text_2" presStyleLbl="node1" presStyleIdx="1" presStyleCnt="5">
+        <dgm:presLayoutVars>
+          <dgm:bulletEnabled val="1"/>
+        </dgm:presLayoutVars>
+      </dgm:prSet>
+      <dgm:spPr/>
+    </dgm:pt>
+    <dgm:pt modelId="{CF0D2B05-8041-4CA6-8FE8-5E3BE1CBF2CB}" type="pres">
+      <dgm:prSet presAssocID="{891DA4E1-FD49-43A5-B9C9-94D771597EFF}" presName="accent_2" presStyleCnt="0"/>
+      <dgm:spPr/>
+    </dgm:pt>
+    <dgm:pt modelId="{45E0DA14-AAA7-40DB-BB73-60C9584CF2D7}" type="pres">
+      <dgm:prSet presAssocID="{891DA4E1-FD49-43A5-B9C9-94D771597EFF}" presName="accentRepeatNode" presStyleLbl="solidFgAcc1" presStyleIdx="1" presStyleCnt="5"/>
+      <dgm:spPr/>
+    </dgm:pt>
+    <dgm:pt modelId="{8186C3E3-E708-4D15-BC16-067D01054305}" type="pres">
+      <dgm:prSet presAssocID="{62202A5D-966A-49E2-95AF-2EFB3399A7F2}" presName="text_3" presStyleLbl="node1" presStyleIdx="2" presStyleCnt="5">
+        <dgm:presLayoutVars>
+          <dgm:bulletEnabled val="1"/>
+        </dgm:presLayoutVars>
+      </dgm:prSet>
+      <dgm:spPr/>
+    </dgm:pt>
+    <dgm:pt modelId="{039C46E8-D5AE-461F-BB2F-51349F548839}" type="pres">
+      <dgm:prSet presAssocID="{62202A5D-966A-49E2-95AF-2EFB3399A7F2}" presName="accent_3" presStyleCnt="0"/>
+      <dgm:spPr/>
+    </dgm:pt>
+    <dgm:pt modelId="{FFB397DD-BD5B-4780-830E-CECA5A90BEC1}" type="pres">
+      <dgm:prSet presAssocID="{62202A5D-966A-49E2-95AF-2EFB3399A7F2}" presName="accentRepeatNode" presStyleLbl="solidFgAcc1" presStyleIdx="2" presStyleCnt="5"/>
+      <dgm:spPr/>
+    </dgm:pt>
+    <dgm:pt modelId="{3B5FD968-2A7E-42B9-800A-1524C42E9B5E}" type="pres">
+      <dgm:prSet presAssocID="{0EF47DFD-A1CB-4AC8-8EBB-54B3C7A719CE}" presName="text_4" presStyleLbl="node1" presStyleIdx="3" presStyleCnt="5">
+        <dgm:presLayoutVars>
+          <dgm:bulletEnabled val="1"/>
+        </dgm:presLayoutVars>
+      </dgm:prSet>
+      <dgm:spPr/>
+    </dgm:pt>
+    <dgm:pt modelId="{22FF1B99-7150-425C-84CC-623940482FDC}" type="pres">
+      <dgm:prSet presAssocID="{0EF47DFD-A1CB-4AC8-8EBB-54B3C7A719CE}" presName="accent_4" presStyleCnt="0"/>
+      <dgm:spPr/>
+    </dgm:pt>
+    <dgm:pt modelId="{D9159049-189C-4FAD-9D15-956A869270DB}" type="pres">
+      <dgm:prSet presAssocID="{0EF47DFD-A1CB-4AC8-8EBB-54B3C7A719CE}" presName="accentRepeatNode" presStyleLbl="solidFgAcc1" presStyleIdx="3" presStyleCnt="5"/>
+      <dgm:spPr/>
+    </dgm:pt>
+    <dgm:pt modelId="{1DD5BF43-95C5-4966-A2AE-38D65E99D432}" type="pres">
+      <dgm:prSet presAssocID="{192DB344-45D9-4B64-9B8B-D49EA2ACE039}" presName="text_5" presStyleLbl="node1" presStyleIdx="4" presStyleCnt="5">
+        <dgm:presLayoutVars>
+          <dgm:bulletEnabled val="1"/>
+        </dgm:presLayoutVars>
+      </dgm:prSet>
+      <dgm:spPr/>
+    </dgm:pt>
+    <dgm:pt modelId="{96237E03-6250-4706-88B0-ECFFD6A03C09}" type="pres">
+      <dgm:prSet presAssocID="{192DB344-45D9-4B64-9B8B-D49EA2ACE039}" presName="accent_5" presStyleCnt="0"/>
+      <dgm:spPr/>
+    </dgm:pt>
+    <dgm:pt modelId="{9AB7DB3B-9189-43CA-A011-EBBD5A0641D1}" type="pres">
+      <dgm:prSet presAssocID="{192DB344-45D9-4B64-9B8B-D49EA2ACE039}" presName="accentRepeatNode" presStyleLbl="solidFgAcc1" presStyleIdx="4" presStyleCnt="5"/>
+      <dgm:spPr/>
+    </dgm:pt>
+  </dgm:ptLst>
+  <dgm:cxnLst>
+    <dgm:cxn modelId="{F4E15E53-2A33-4F1B-AC85-0EC1BD33B8BE}" type="presOf" srcId="{CD09E0E4-10D1-4850-A764-633F13E33876}" destId="{0A99436F-4FC1-49F5-AD1A-0076FEA4E4D7}" srcOrd="0" destOrd="0" presId="urn:microsoft.com/office/officeart/2008/layout/VerticalCurvedList"/>
+    <dgm:cxn modelId="{5521E23E-10E4-4132-8BBB-F20B3203F5EB}" srcId="{CD09E0E4-10D1-4850-A764-633F13E33876}" destId="{62202A5D-966A-49E2-95AF-2EFB3399A7F2}" srcOrd="2" destOrd="0" parTransId="{C0DB5874-4069-4548-BDAF-91CB1D7010BF}" sibTransId="{41CC5612-C562-4B6C-9D39-BE7868B4B5A7}"/>
+    <dgm:cxn modelId="{0E5EE64B-FC06-42C2-AA18-D62975439125}" srcId="{CD09E0E4-10D1-4850-A764-633F13E33876}" destId="{891DA4E1-FD49-43A5-B9C9-94D771597EFF}" srcOrd="1" destOrd="0" parTransId="{0E13591C-37DF-4013-B828-5C5E905435CB}" sibTransId="{3E8A0B90-C623-471D-AF9E-C5AB7AD9F3CC}"/>
+    <dgm:cxn modelId="{0C3673AB-68C8-4C51-8802-CAAAACD14E1F}" srcId="{CD09E0E4-10D1-4850-A764-633F13E33876}" destId="{192DB344-45D9-4B64-9B8B-D49EA2ACE039}" srcOrd="4" destOrd="0" parTransId="{742A4B7B-D9F5-45AF-956F-3C995604B39A}" sibTransId="{4813411E-C19E-441B-9F51-E728F1C9E952}"/>
+    <dgm:cxn modelId="{5565F2B1-B53B-46B0-9A9F-F6DBEE578E1B}" type="presOf" srcId="{2B4373E8-8297-4403-94A9-AE74CCA8BF48}" destId="{65C8C5F6-5AC0-42A7-871D-6D77F2E13C69}" srcOrd="0" destOrd="0" presId="urn:microsoft.com/office/officeart/2008/layout/VerticalCurvedList"/>
+    <dgm:cxn modelId="{9F3895A5-0490-415D-8AFB-737C91426508}" type="presOf" srcId="{0EF47DFD-A1CB-4AC8-8EBB-54B3C7A719CE}" destId="{3B5FD968-2A7E-42B9-800A-1524C42E9B5E}" srcOrd="0" destOrd="0" presId="urn:microsoft.com/office/officeart/2008/layout/VerticalCurvedList"/>
+    <dgm:cxn modelId="{D3CBB919-DC06-4EB6-8901-F5440BEBD880}" type="presOf" srcId="{62202A5D-966A-49E2-95AF-2EFB3399A7F2}" destId="{8186C3E3-E708-4D15-BC16-067D01054305}" srcOrd="0" destOrd="0" presId="urn:microsoft.com/office/officeart/2008/layout/VerticalCurvedList"/>
+    <dgm:cxn modelId="{1B66FFAC-AF15-46D6-9344-80080005D71C}" srcId="{CD09E0E4-10D1-4850-A764-633F13E33876}" destId="{2B4373E8-8297-4403-94A9-AE74CCA8BF48}" srcOrd="0" destOrd="0" parTransId="{FCA5009F-61FC-4282-8FD0-2FAEC8EA3E4E}" sibTransId="{23828153-9F4E-4FCD-9A2A-C96A8358B67E}"/>
+    <dgm:cxn modelId="{DF4A13DC-B3D0-467A-90F1-9E2AB9F391C9}" type="presOf" srcId="{192DB344-45D9-4B64-9B8B-D49EA2ACE039}" destId="{1DD5BF43-95C5-4966-A2AE-38D65E99D432}" srcOrd="0" destOrd="0" presId="urn:microsoft.com/office/officeart/2008/layout/VerticalCurvedList"/>
+    <dgm:cxn modelId="{2BD6837C-B1B1-4C05-9405-78DAA80DFCD0}" srcId="{CD09E0E4-10D1-4850-A764-633F13E33876}" destId="{0EF47DFD-A1CB-4AC8-8EBB-54B3C7A719CE}" srcOrd="3" destOrd="0" parTransId="{2959DD2C-8465-4AF3-A3DF-349B1C8BDD9F}" sibTransId="{E717E753-911E-410D-B236-E0E3C5176425}"/>
+    <dgm:cxn modelId="{7E01E6AA-A821-4EFF-8EA7-E1ACB1F6AD58}" type="presOf" srcId="{891DA4E1-FD49-43A5-B9C9-94D771597EFF}" destId="{5D7E79B0-DD2E-4A5F-B5DD-90189D3C48AA}" srcOrd="0" destOrd="0" presId="urn:microsoft.com/office/officeart/2008/layout/VerticalCurvedList"/>
+    <dgm:cxn modelId="{169B2FFA-6676-48F4-A23E-A03B9F3982B1}" type="presOf" srcId="{23828153-9F4E-4FCD-9A2A-C96A8358B67E}" destId="{DB8FF220-C101-4179-8A22-78CA20B3D82E}" srcOrd="0" destOrd="0" presId="urn:microsoft.com/office/officeart/2008/layout/VerticalCurvedList"/>
+    <dgm:cxn modelId="{A8EA9176-C7DE-4066-BFF4-AD679ABA168D}" type="presParOf" srcId="{0A99436F-4FC1-49F5-AD1A-0076FEA4E4D7}" destId="{7685B006-64F4-4284-A748-818580E66ABC}" srcOrd="0" destOrd="0" presId="urn:microsoft.com/office/officeart/2008/layout/VerticalCurvedList"/>
+    <dgm:cxn modelId="{045BC8CE-AA9D-489F-B166-B9492147814C}" type="presParOf" srcId="{7685B006-64F4-4284-A748-818580E66ABC}" destId="{CDAFD944-7149-4D51-A18E-A3FDE9E3E38F}" srcOrd="0" destOrd="0" presId="urn:microsoft.com/office/officeart/2008/layout/VerticalCurvedList"/>
+    <dgm:cxn modelId="{C3AA99EC-0F5E-4DAD-9C8D-58F38A47A614}" type="presParOf" srcId="{CDAFD944-7149-4D51-A18E-A3FDE9E3E38F}" destId="{A1C42B42-6623-4935-B47F-247E509D7ADF}" srcOrd="0" destOrd="0" presId="urn:microsoft.com/office/officeart/2008/layout/VerticalCurvedList"/>
+    <dgm:cxn modelId="{670E14D3-4BDA-4D10-BD17-C2F98CED17BF}" type="presParOf" srcId="{CDAFD944-7149-4D51-A18E-A3FDE9E3E38F}" destId="{DB8FF220-C101-4179-8A22-78CA20B3D82E}" srcOrd="1" destOrd="0" presId="urn:microsoft.com/office/officeart/2008/layout/VerticalCurvedList"/>
+    <dgm:cxn modelId="{C74A761F-395C-4BF5-9DA6-6F538DFF2729}" type="presParOf" srcId="{CDAFD944-7149-4D51-A18E-A3FDE9E3E38F}" destId="{BD246AA5-C63F-45CB-8FDF-72C4C4E04601}" srcOrd="2" destOrd="0" presId="urn:microsoft.com/office/officeart/2008/layout/VerticalCurvedList"/>
+    <dgm:cxn modelId="{AD50A1EB-70A1-452C-B3BD-136E62D8F629}" type="presParOf" srcId="{CDAFD944-7149-4D51-A18E-A3FDE9E3E38F}" destId="{70A9E4C8-97B3-462C-9020-BD35DC1E7C38}" srcOrd="3" destOrd="0" presId="urn:microsoft.com/office/officeart/2008/layout/VerticalCurvedList"/>
+    <dgm:cxn modelId="{2A6D0F5D-C5DB-4228-99F0-92321AC51ACB}" type="presParOf" srcId="{7685B006-64F4-4284-A748-818580E66ABC}" destId="{65C8C5F6-5AC0-42A7-871D-6D77F2E13C69}" srcOrd="1" destOrd="0" presId="urn:microsoft.com/office/officeart/2008/layout/VerticalCurvedList"/>
+    <dgm:cxn modelId="{D4B882A5-9F1C-41C4-8CE7-F7C98934F01E}" type="presParOf" srcId="{7685B006-64F4-4284-A748-818580E66ABC}" destId="{5ED735FD-C8E2-4C1C-826A-C84ED2DAA6E6}" srcOrd="2" destOrd="0" presId="urn:microsoft.com/office/officeart/2008/layout/VerticalCurvedList"/>
+    <dgm:cxn modelId="{57EA96D1-12FE-4221-A5AC-7E417802E8CE}" type="presParOf" srcId="{5ED735FD-C8E2-4C1C-826A-C84ED2DAA6E6}" destId="{47F1CA37-E91F-4BF5-9B61-5E6906DACF28}" srcOrd="0" destOrd="0" presId="urn:microsoft.com/office/officeart/2008/layout/VerticalCurvedList"/>
+    <dgm:cxn modelId="{5FB51B17-AC84-4A68-827E-FF71E9932605}" type="presParOf" srcId="{7685B006-64F4-4284-A748-818580E66ABC}" destId="{5D7E79B0-DD2E-4A5F-B5DD-90189D3C48AA}" srcOrd="3" destOrd="0" presId="urn:microsoft.com/office/officeart/2008/layout/VerticalCurvedList"/>
+    <dgm:cxn modelId="{ABFD9268-2A20-4A7C-B14D-049676769DFF}" type="presParOf" srcId="{7685B006-64F4-4284-A748-818580E66ABC}" destId="{CF0D2B05-8041-4CA6-8FE8-5E3BE1CBF2CB}" srcOrd="4" destOrd="0" presId="urn:microsoft.com/office/officeart/2008/layout/VerticalCurvedList"/>
+    <dgm:cxn modelId="{8F2534E3-FB01-478D-968F-1A76622AB7C9}" type="presParOf" srcId="{CF0D2B05-8041-4CA6-8FE8-5E3BE1CBF2CB}" destId="{45E0DA14-AAA7-40DB-BB73-60C9584CF2D7}" srcOrd="0" destOrd="0" presId="urn:microsoft.com/office/officeart/2008/layout/VerticalCurvedList"/>
+    <dgm:cxn modelId="{77B7CC00-4838-4875-AB3D-CE480C033413}" type="presParOf" srcId="{7685B006-64F4-4284-A748-818580E66ABC}" destId="{8186C3E3-E708-4D15-BC16-067D01054305}" srcOrd="5" destOrd="0" presId="urn:microsoft.com/office/officeart/2008/layout/VerticalCurvedList"/>
+    <dgm:cxn modelId="{4A7E90F4-D7E4-4FE7-B175-63E6A4A4E830}" type="presParOf" srcId="{7685B006-64F4-4284-A748-818580E66ABC}" destId="{039C46E8-D5AE-461F-BB2F-51349F548839}" srcOrd="6" destOrd="0" presId="urn:microsoft.com/office/officeart/2008/layout/VerticalCurvedList"/>
+    <dgm:cxn modelId="{3F7BC351-8092-48AB-BBB9-7F26CA870440}" type="presParOf" srcId="{039C46E8-D5AE-461F-BB2F-51349F548839}" destId="{FFB397DD-BD5B-4780-830E-CECA5A90BEC1}" srcOrd="0" destOrd="0" presId="urn:microsoft.com/office/officeart/2008/layout/VerticalCurvedList"/>
+    <dgm:cxn modelId="{D3F24641-FB7D-4B16-99C0-3D0C0AC3384B}" type="presParOf" srcId="{7685B006-64F4-4284-A748-818580E66ABC}" destId="{3B5FD968-2A7E-42B9-800A-1524C42E9B5E}" srcOrd="7" destOrd="0" presId="urn:microsoft.com/office/officeart/2008/layout/VerticalCurvedList"/>
+    <dgm:cxn modelId="{038C2043-C363-4E85-9917-42D5C28585FE}" type="presParOf" srcId="{7685B006-64F4-4284-A748-818580E66ABC}" destId="{22FF1B99-7150-425C-84CC-623940482FDC}" srcOrd="8" destOrd="0" presId="urn:microsoft.com/office/officeart/2008/layout/VerticalCurvedList"/>
+    <dgm:cxn modelId="{F8465743-899F-4C97-839D-4151EDB8FC76}" type="presParOf" srcId="{22FF1B99-7150-425C-84CC-623940482FDC}" destId="{D9159049-189C-4FAD-9D15-956A869270DB}" srcOrd="0" destOrd="0" presId="urn:microsoft.com/office/officeart/2008/layout/VerticalCurvedList"/>
+    <dgm:cxn modelId="{8594D8D8-487D-461A-BB76-CD48B13CCDF4}" type="presParOf" srcId="{7685B006-64F4-4284-A748-818580E66ABC}" destId="{1DD5BF43-95C5-4966-A2AE-38D65E99D432}" srcOrd="9" destOrd="0" presId="urn:microsoft.com/office/officeart/2008/layout/VerticalCurvedList"/>
+    <dgm:cxn modelId="{CE7CC6CF-25F4-4BD1-880A-3A29D2C835BA}" type="presParOf" srcId="{7685B006-64F4-4284-A748-818580E66ABC}" destId="{96237E03-6250-4706-88B0-ECFFD6A03C09}" srcOrd="10" destOrd="0" presId="urn:microsoft.com/office/officeart/2008/layout/VerticalCurvedList"/>
+    <dgm:cxn modelId="{B1DEA8D3-E115-4F3B-8ED8-43AB56FA7EA3}" type="presParOf" srcId="{96237E03-6250-4706-88B0-ECFFD6A03C09}" destId="{9AB7DB3B-9189-43CA-A011-EBBD5A0641D1}" srcOrd="0" destOrd="0" presId="urn:microsoft.com/office/officeart/2008/layout/VerticalCurvedList"/>
+  </dgm:cxnLst>
+  <dgm:bg/>
+  <dgm:whole/>
+  <dgm:extLst>
+    <a:ext uri="http://schemas.microsoft.com/office/drawing/2008/diagram">
+      <dsp:dataModelExt xmlns:dsp="http://schemas.microsoft.com/office/drawing/2008/diagram" relId="rId7" minVer="http://schemas.openxmlformats.org/drawingml/2006/diagram"/>
+    </a:ext>
+  </dgm:extLst>
+</dgm:dataModel>
+</file>
+
+<file path=ppt/diagrams/data2.xml><?xml version="1.0" encoding="utf-8"?>
+<dgm:dataModel xmlns:dgm="http://schemas.openxmlformats.org/drawingml/2006/diagram" xmlns:a="http://schemas.openxmlformats.org/drawingml/2006/main">
+  <dgm:ptLst>
     <dgm:pt modelId="{BED20E75-DB05-44A3-BC01-F382088C9089}" type="doc">
-      <dgm:prSet loTypeId="urn:microsoft.com/office/officeart/2005/8/layout/vList3" loCatId="list" qsTypeId="urn:microsoft.com/office/officeart/2005/8/quickstyle/simple1" qsCatId="simple" csTypeId="urn:microsoft.com/office/officeart/2005/8/colors/colorful1" csCatId="colorful"/>
+      <dgm:prSet loTypeId="urn:microsoft.com/office/officeart/2005/8/layout/vList3" loCatId="list" qsTypeId="urn:microsoft.com/office/officeart/2005/8/quickstyle/simple1" qsCatId="simple" csTypeId="urn:microsoft.com/office/officeart/2005/8/colors/colorful1" csCatId="colorful" phldr="1"/>
       <dgm:spPr/>
       <dgm:t>
         <a:bodyPr/>
@@ -5329,7 +6615,7 @@
 </dgm:dataModel>
 </file>
 
-<file path=ppt/diagrams/data2.xml><?xml version="1.0" encoding="utf-8"?>
+<file path=ppt/diagrams/data3.xml><?xml version="1.0" encoding="utf-8"?>
 <dgm:dataModel xmlns:dgm="http://schemas.openxmlformats.org/drawingml/2006/diagram" xmlns:a="http://schemas.openxmlformats.org/drawingml/2006/main">
   <dgm:ptLst>
     <dgm:pt modelId="{FE657698-FE88-4070-86AE-98811D8B98BE}" type="doc">
@@ -6064,7 +7350,7 @@
 </dgm:dataModel>
 </file>
 
-<file path=ppt/diagrams/data3.xml><?xml version="1.0" encoding="utf-8"?>
+<file path=ppt/diagrams/data4.xml><?xml version="1.0" encoding="utf-8"?>
 <dgm:dataModel xmlns:dgm="http://schemas.openxmlformats.org/drawingml/2006/diagram" xmlns:a="http://schemas.openxmlformats.org/drawingml/2006/main">
   <dgm:ptLst>
     <dgm:pt modelId="{AD2DAA3B-D2D0-4E2C-A8A5-E0AF8379C4CB}" type="doc">
@@ -6608,7 +7894,7 @@
 </dgm:dataModel>
 </file>
 
-<file path=ppt/diagrams/data4.xml><?xml version="1.0" encoding="utf-8"?>
+<file path=ppt/diagrams/data5.xml><?xml version="1.0" encoding="utf-8"?>
 <dgm:dataModel xmlns:dgm="http://schemas.openxmlformats.org/drawingml/2006/diagram" xmlns:a="http://schemas.openxmlformats.org/drawingml/2006/main">
   <dgm:ptLst>
     <dgm:pt modelId="{F2C0795F-262F-4FBF-87DD-63A8D5A68E21}" type="doc">
@@ -6991,7 +8277,7 @@
 </dgm:dataModel>
 </file>
 
-<file path=ppt/diagrams/data5.xml><?xml version="1.0" encoding="utf-8"?>
+<file path=ppt/diagrams/data6.xml><?xml version="1.0" encoding="utf-8"?>
 <dgm:dataModel xmlns:dgm="http://schemas.openxmlformats.org/drawingml/2006/diagram" xmlns:a="http://schemas.openxmlformats.org/drawingml/2006/main">
   <dgm:ptLst>
     <dgm:pt modelId="{C6F9AC7F-94A8-44D0-8F8A-2924CFE23692}" type="doc">
@@ -7583,6 +8869,682 @@
       <dsp:cNvGrpSpPr/>
     </dsp:nvGrpSpPr>
     <dsp:grpSpPr/>
+    <dsp:sp modelId="{DB8FF220-C101-4179-8A22-78CA20B3D82E}">
+      <dsp:nvSpPr>
+        <dsp:cNvPr id="0" name=""/>
+        <dsp:cNvSpPr/>
+      </dsp:nvSpPr>
+      <dsp:spPr>
+        <a:xfrm>
+          <a:off x="-5237085" y="-802122"/>
+          <a:ext cx="6236355" cy="6236355"/>
+        </a:xfrm>
+        <a:prstGeom prst="blockArc">
+          <a:avLst>
+            <a:gd name="adj1" fmla="val 18900000"/>
+            <a:gd name="adj2" fmla="val 2700000"/>
+            <a:gd name="adj3" fmla="val 346"/>
+          </a:avLst>
+        </a:prstGeom>
+        <a:noFill/>
+        <a:ln w="19050" cap="rnd" cmpd="sng" algn="ctr">
+          <a:solidFill>
+            <a:schemeClr val="accent2">
+              <a:hueOff val="0"/>
+              <a:satOff val="0"/>
+              <a:lumOff val="0"/>
+              <a:alphaOff val="0"/>
+            </a:schemeClr>
+          </a:solidFill>
+          <a:prstDash val="solid"/>
+        </a:ln>
+        <a:effectLst/>
+      </dsp:spPr>
+      <dsp:style>
+        <a:lnRef idx="2">
+          <a:scrgbClr r="0" g="0" b="0"/>
+        </a:lnRef>
+        <a:fillRef idx="0">
+          <a:scrgbClr r="0" g="0" b="0"/>
+        </a:fillRef>
+        <a:effectRef idx="0">
+          <a:scrgbClr r="0" g="0" b="0"/>
+        </a:effectRef>
+        <a:fontRef idx="minor"/>
+      </dsp:style>
+    </dsp:sp>
+    <dsp:sp modelId="{65C8C5F6-5AC0-42A7-871D-6D77F2E13C69}">
+      <dsp:nvSpPr>
+        <dsp:cNvPr id="0" name=""/>
+        <dsp:cNvSpPr/>
+      </dsp:nvSpPr>
+      <dsp:spPr>
+        <a:xfrm>
+          <a:off x="437035" y="289414"/>
+          <a:ext cx="8095473" cy="579199"/>
+        </a:xfrm>
+        <a:prstGeom prst="rect">
+          <a:avLst/>
+        </a:prstGeom>
+        <a:solidFill>
+          <a:schemeClr val="accent2">
+            <a:hueOff val="0"/>
+            <a:satOff val="0"/>
+            <a:lumOff val="0"/>
+            <a:alphaOff val="0"/>
+          </a:schemeClr>
+        </a:solidFill>
+        <a:ln w="19050" cap="rnd" cmpd="sng" algn="ctr">
+          <a:solidFill>
+            <a:schemeClr val="lt1">
+              <a:hueOff val="0"/>
+              <a:satOff val="0"/>
+              <a:lumOff val="0"/>
+              <a:alphaOff val="0"/>
+            </a:schemeClr>
+          </a:solidFill>
+          <a:prstDash val="solid"/>
+        </a:ln>
+        <a:effectLst/>
+      </dsp:spPr>
+      <dsp:style>
+        <a:lnRef idx="2">
+          <a:scrgbClr r="0" g="0" b="0"/>
+        </a:lnRef>
+        <a:fillRef idx="1">
+          <a:scrgbClr r="0" g="0" b="0"/>
+        </a:fillRef>
+        <a:effectRef idx="0">
+          <a:scrgbClr r="0" g="0" b="0"/>
+        </a:effectRef>
+        <a:fontRef idx="minor">
+          <a:schemeClr val="lt1"/>
+        </a:fontRef>
+      </dsp:style>
+      <dsp:txBody>
+        <a:bodyPr spcFirstLastPara="0" vert="horz" wrap="square" lIns="459739" tIns="78740" rIns="78740" bIns="78740" numCol="1" spcCol="1270" anchor="ctr" anchorCtr="0">
+          <a:noAutofit/>
+        </a:bodyPr>
+        <a:lstStyle/>
+        <a:p>
+          <a:pPr lvl="0" algn="l" defTabSz="1377950" rtl="0">
+            <a:lnSpc>
+              <a:spcPct val="90000"/>
+            </a:lnSpc>
+            <a:spcBef>
+              <a:spcPct val="0"/>
+            </a:spcBef>
+            <a:spcAft>
+              <a:spcPct val="35000"/>
+            </a:spcAft>
+          </a:pPr>
+          <a:r>
+            <a:rPr lang="fr-FR" sz="3100" kern="1200"/>
+            <a:t>1. Introduction</a:t>
+          </a:r>
+          <a:endParaRPr lang="en-US" sz="3100" kern="1200"/>
+        </a:p>
+      </dsp:txBody>
+      <dsp:txXfrm>
+        <a:off x="437035" y="289414"/>
+        <a:ext cx="8095473" cy="579199"/>
+      </dsp:txXfrm>
+    </dsp:sp>
+    <dsp:sp modelId="{47F1CA37-E91F-4BF5-9B61-5E6906DACF28}">
+      <dsp:nvSpPr>
+        <dsp:cNvPr id="0" name=""/>
+        <dsp:cNvSpPr/>
+      </dsp:nvSpPr>
+      <dsp:spPr>
+        <a:xfrm>
+          <a:off x="75035" y="217014"/>
+          <a:ext cx="723998" cy="723998"/>
+        </a:xfrm>
+        <a:prstGeom prst="ellipse">
+          <a:avLst/>
+        </a:prstGeom>
+        <a:solidFill>
+          <a:schemeClr val="lt1">
+            <a:hueOff val="0"/>
+            <a:satOff val="0"/>
+            <a:lumOff val="0"/>
+            <a:alphaOff val="0"/>
+          </a:schemeClr>
+        </a:solidFill>
+        <a:ln w="19050" cap="rnd" cmpd="sng" algn="ctr">
+          <a:solidFill>
+            <a:schemeClr val="accent2">
+              <a:hueOff val="0"/>
+              <a:satOff val="0"/>
+              <a:lumOff val="0"/>
+              <a:alphaOff val="0"/>
+            </a:schemeClr>
+          </a:solidFill>
+          <a:prstDash val="solid"/>
+        </a:ln>
+        <a:effectLst/>
+      </dsp:spPr>
+      <dsp:style>
+        <a:lnRef idx="2">
+          <a:scrgbClr r="0" g="0" b="0"/>
+        </a:lnRef>
+        <a:fillRef idx="1">
+          <a:scrgbClr r="0" g="0" b="0"/>
+        </a:fillRef>
+        <a:effectRef idx="0">
+          <a:scrgbClr r="0" g="0" b="0"/>
+        </a:effectRef>
+        <a:fontRef idx="minor"/>
+      </dsp:style>
+    </dsp:sp>
+    <dsp:sp modelId="{5D7E79B0-DD2E-4A5F-B5DD-90189D3C48AA}">
+      <dsp:nvSpPr>
+        <dsp:cNvPr id="0" name=""/>
+        <dsp:cNvSpPr/>
+      </dsp:nvSpPr>
+      <dsp:spPr>
+        <a:xfrm>
+          <a:off x="852072" y="1157934"/>
+          <a:ext cx="7680436" cy="579199"/>
+        </a:xfrm>
+        <a:prstGeom prst="rect">
+          <a:avLst/>
+        </a:prstGeom>
+        <a:solidFill>
+          <a:schemeClr val="accent3">
+            <a:hueOff val="0"/>
+            <a:satOff val="0"/>
+            <a:lumOff val="0"/>
+            <a:alphaOff val="0"/>
+          </a:schemeClr>
+        </a:solidFill>
+        <a:ln w="19050" cap="rnd" cmpd="sng" algn="ctr">
+          <a:solidFill>
+            <a:schemeClr val="lt1">
+              <a:hueOff val="0"/>
+              <a:satOff val="0"/>
+              <a:lumOff val="0"/>
+              <a:alphaOff val="0"/>
+            </a:schemeClr>
+          </a:solidFill>
+          <a:prstDash val="solid"/>
+        </a:ln>
+        <a:effectLst/>
+      </dsp:spPr>
+      <dsp:style>
+        <a:lnRef idx="2">
+          <a:scrgbClr r="0" g="0" b="0"/>
+        </a:lnRef>
+        <a:fillRef idx="1">
+          <a:scrgbClr r="0" g="0" b="0"/>
+        </a:fillRef>
+        <a:effectRef idx="0">
+          <a:scrgbClr r="0" g="0" b="0"/>
+        </a:effectRef>
+        <a:fontRef idx="minor">
+          <a:schemeClr val="lt1"/>
+        </a:fontRef>
+      </dsp:style>
+      <dsp:txBody>
+        <a:bodyPr spcFirstLastPara="0" vert="horz" wrap="square" lIns="459739" tIns="78740" rIns="78740" bIns="78740" numCol="1" spcCol="1270" anchor="ctr" anchorCtr="0">
+          <a:noAutofit/>
+        </a:bodyPr>
+        <a:lstStyle/>
+        <a:p>
+          <a:pPr lvl="0" algn="l" defTabSz="1377950" rtl="0">
+            <a:lnSpc>
+              <a:spcPct val="90000"/>
+            </a:lnSpc>
+            <a:spcBef>
+              <a:spcPct val="0"/>
+            </a:spcBef>
+            <a:spcAft>
+              <a:spcPct val="35000"/>
+            </a:spcAft>
+          </a:pPr>
+          <a:r>
+            <a:rPr lang="fr-FR" sz="3100" kern="1200"/>
+            <a:t>2. Architecture d'Android</a:t>
+          </a:r>
+          <a:endParaRPr lang="en-US" sz="3100" kern="1200"/>
+        </a:p>
+      </dsp:txBody>
+      <dsp:txXfrm>
+        <a:off x="852072" y="1157934"/>
+        <a:ext cx="7680436" cy="579199"/>
+      </dsp:txXfrm>
+    </dsp:sp>
+    <dsp:sp modelId="{45E0DA14-AAA7-40DB-BB73-60C9584CF2D7}">
+      <dsp:nvSpPr>
+        <dsp:cNvPr id="0" name=""/>
+        <dsp:cNvSpPr/>
+      </dsp:nvSpPr>
+      <dsp:spPr>
+        <a:xfrm>
+          <a:off x="490072" y="1085534"/>
+          <a:ext cx="723998" cy="723998"/>
+        </a:xfrm>
+        <a:prstGeom prst="ellipse">
+          <a:avLst/>
+        </a:prstGeom>
+        <a:solidFill>
+          <a:schemeClr val="lt1">
+            <a:hueOff val="0"/>
+            <a:satOff val="0"/>
+            <a:lumOff val="0"/>
+            <a:alphaOff val="0"/>
+          </a:schemeClr>
+        </a:solidFill>
+        <a:ln w="19050" cap="rnd" cmpd="sng" algn="ctr">
+          <a:solidFill>
+            <a:schemeClr val="accent3">
+              <a:hueOff val="0"/>
+              <a:satOff val="0"/>
+              <a:lumOff val="0"/>
+              <a:alphaOff val="0"/>
+            </a:schemeClr>
+          </a:solidFill>
+          <a:prstDash val="solid"/>
+        </a:ln>
+        <a:effectLst/>
+      </dsp:spPr>
+      <dsp:style>
+        <a:lnRef idx="2">
+          <a:scrgbClr r="0" g="0" b="0"/>
+        </a:lnRef>
+        <a:fillRef idx="1">
+          <a:scrgbClr r="0" g="0" b="0"/>
+        </a:fillRef>
+        <a:effectRef idx="0">
+          <a:scrgbClr r="0" g="0" b="0"/>
+        </a:effectRef>
+        <a:fontRef idx="minor"/>
+      </dsp:style>
+    </dsp:sp>
+    <dsp:sp modelId="{8186C3E3-E708-4D15-BC16-067D01054305}">
+      <dsp:nvSpPr>
+        <dsp:cNvPr id="0" name=""/>
+        <dsp:cNvSpPr/>
+      </dsp:nvSpPr>
+      <dsp:spPr>
+        <a:xfrm>
+          <a:off x="979455" y="2026455"/>
+          <a:ext cx="7553053" cy="579199"/>
+        </a:xfrm>
+        <a:prstGeom prst="rect">
+          <a:avLst/>
+        </a:prstGeom>
+        <a:solidFill>
+          <a:schemeClr val="accent4">
+            <a:hueOff val="0"/>
+            <a:satOff val="0"/>
+            <a:lumOff val="0"/>
+            <a:alphaOff val="0"/>
+          </a:schemeClr>
+        </a:solidFill>
+        <a:ln w="19050" cap="rnd" cmpd="sng" algn="ctr">
+          <a:solidFill>
+            <a:schemeClr val="lt1">
+              <a:hueOff val="0"/>
+              <a:satOff val="0"/>
+              <a:lumOff val="0"/>
+              <a:alphaOff val="0"/>
+            </a:schemeClr>
+          </a:solidFill>
+          <a:prstDash val="solid"/>
+        </a:ln>
+        <a:effectLst/>
+      </dsp:spPr>
+      <dsp:style>
+        <a:lnRef idx="2">
+          <a:scrgbClr r="0" g="0" b="0"/>
+        </a:lnRef>
+        <a:fillRef idx="1">
+          <a:scrgbClr r="0" g="0" b="0"/>
+        </a:fillRef>
+        <a:effectRef idx="0">
+          <a:scrgbClr r="0" g="0" b="0"/>
+        </a:effectRef>
+        <a:fontRef idx="minor">
+          <a:schemeClr val="lt1"/>
+        </a:fontRef>
+      </dsp:style>
+      <dsp:txBody>
+        <a:bodyPr spcFirstLastPara="0" vert="horz" wrap="square" lIns="459739" tIns="78740" rIns="78740" bIns="78740" numCol="1" spcCol="1270" anchor="ctr" anchorCtr="0">
+          <a:noAutofit/>
+        </a:bodyPr>
+        <a:lstStyle/>
+        <a:p>
+          <a:pPr lvl="0" algn="l" defTabSz="1377950" rtl="0">
+            <a:lnSpc>
+              <a:spcPct val="90000"/>
+            </a:lnSpc>
+            <a:spcBef>
+              <a:spcPct val="0"/>
+            </a:spcBef>
+            <a:spcAft>
+              <a:spcPct val="35000"/>
+            </a:spcAft>
+          </a:pPr>
+          <a:r>
+            <a:rPr lang="fr-FR" sz="3100" kern="1200"/>
+            <a:t>3. Sécurité et confidentialité</a:t>
+          </a:r>
+          <a:endParaRPr lang="en-US" sz="3100" kern="1200"/>
+        </a:p>
+      </dsp:txBody>
+      <dsp:txXfrm>
+        <a:off x="979455" y="2026455"/>
+        <a:ext cx="7553053" cy="579199"/>
+      </dsp:txXfrm>
+    </dsp:sp>
+    <dsp:sp modelId="{FFB397DD-BD5B-4780-830E-CECA5A90BEC1}">
+      <dsp:nvSpPr>
+        <dsp:cNvPr id="0" name=""/>
+        <dsp:cNvSpPr/>
+      </dsp:nvSpPr>
+      <dsp:spPr>
+        <a:xfrm>
+          <a:off x="617455" y="1954055"/>
+          <a:ext cx="723998" cy="723998"/>
+        </a:xfrm>
+        <a:prstGeom prst="ellipse">
+          <a:avLst/>
+        </a:prstGeom>
+        <a:solidFill>
+          <a:schemeClr val="lt1">
+            <a:hueOff val="0"/>
+            <a:satOff val="0"/>
+            <a:lumOff val="0"/>
+            <a:alphaOff val="0"/>
+          </a:schemeClr>
+        </a:solidFill>
+        <a:ln w="19050" cap="rnd" cmpd="sng" algn="ctr">
+          <a:solidFill>
+            <a:schemeClr val="accent4">
+              <a:hueOff val="0"/>
+              <a:satOff val="0"/>
+              <a:lumOff val="0"/>
+              <a:alphaOff val="0"/>
+            </a:schemeClr>
+          </a:solidFill>
+          <a:prstDash val="solid"/>
+        </a:ln>
+        <a:effectLst/>
+      </dsp:spPr>
+      <dsp:style>
+        <a:lnRef idx="2">
+          <a:scrgbClr r="0" g="0" b="0"/>
+        </a:lnRef>
+        <a:fillRef idx="1">
+          <a:scrgbClr r="0" g="0" b="0"/>
+        </a:fillRef>
+        <a:effectRef idx="0">
+          <a:scrgbClr r="0" g="0" b="0"/>
+        </a:effectRef>
+        <a:fontRef idx="minor"/>
+      </dsp:style>
+    </dsp:sp>
+    <dsp:sp modelId="{3B5FD968-2A7E-42B9-800A-1524C42E9B5E}">
+      <dsp:nvSpPr>
+        <dsp:cNvPr id="0" name=""/>
+        <dsp:cNvSpPr/>
+      </dsp:nvSpPr>
+      <dsp:spPr>
+        <a:xfrm>
+          <a:off x="852072" y="2894976"/>
+          <a:ext cx="7680436" cy="579199"/>
+        </a:xfrm>
+        <a:prstGeom prst="rect">
+          <a:avLst/>
+        </a:prstGeom>
+        <a:solidFill>
+          <a:schemeClr val="accent5">
+            <a:hueOff val="0"/>
+            <a:satOff val="0"/>
+            <a:lumOff val="0"/>
+            <a:alphaOff val="0"/>
+          </a:schemeClr>
+        </a:solidFill>
+        <a:ln w="19050" cap="rnd" cmpd="sng" algn="ctr">
+          <a:solidFill>
+            <a:schemeClr val="lt1">
+              <a:hueOff val="0"/>
+              <a:satOff val="0"/>
+              <a:lumOff val="0"/>
+              <a:alphaOff val="0"/>
+            </a:schemeClr>
+          </a:solidFill>
+          <a:prstDash val="solid"/>
+        </a:ln>
+        <a:effectLst/>
+      </dsp:spPr>
+      <dsp:style>
+        <a:lnRef idx="2">
+          <a:scrgbClr r="0" g="0" b="0"/>
+        </a:lnRef>
+        <a:fillRef idx="1">
+          <a:scrgbClr r="0" g="0" b="0"/>
+        </a:fillRef>
+        <a:effectRef idx="0">
+          <a:scrgbClr r="0" g="0" b="0"/>
+        </a:effectRef>
+        <a:fontRef idx="minor">
+          <a:schemeClr val="lt1"/>
+        </a:fontRef>
+      </dsp:style>
+      <dsp:txBody>
+        <a:bodyPr spcFirstLastPara="0" vert="horz" wrap="square" lIns="459739" tIns="78740" rIns="78740" bIns="78740" numCol="1" spcCol="1270" anchor="ctr" anchorCtr="0">
+          <a:noAutofit/>
+        </a:bodyPr>
+        <a:lstStyle/>
+        <a:p>
+          <a:pPr lvl="0" algn="l" defTabSz="1377950" rtl="0">
+            <a:lnSpc>
+              <a:spcPct val="90000"/>
+            </a:lnSpc>
+            <a:spcBef>
+              <a:spcPct val="0"/>
+            </a:spcBef>
+            <a:spcAft>
+              <a:spcPct val="35000"/>
+            </a:spcAft>
+          </a:pPr>
+          <a:r>
+            <a:rPr lang="fr-FR" sz="3100" kern="1200" dirty="0"/>
+            <a:t>4. Utilisation et support</a:t>
+          </a:r>
+          <a:endParaRPr lang="en-US" sz="3100" kern="1200" dirty="0"/>
+        </a:p>
+      </dsp:txBody>
+      <dsp:txXfrm>
+        <a:off x="852072" y="2894976"/>
+        <a:ext cx="7680436" cy="579199"/>
+      </dsp:txXfrm>
+    </dsp:sp>
+    <dsp:sp modelId="{D9159049-189C-4FAD-9D15-956A869270DB}">
+      <dsp:nvSpPr>
+        <dsp:cNvPr id="0" name=""/>
+        <dsp:cNvSpPr/>
+      </dsp:nvSpPr>
+      <dsp:spPr>
+        <a:xfrm>
+          <a:off x="490072" y="2822576"/>
+          <a:ext cx="723998" cy="723998"/>
+        </a:xfrm>
+        <a:prstGeom prst="ellipse">
+          <a:avLst/>
+        </a:prstGeom>
+        <a:solidFill>
+          <a:schemeClr val="lt1">
+            <a:hueOff val="0"/>
+            <a:satOff val="0"/>
+            <a:lumOff val="0"/>
+            <a:alphaOff val="0"/>
+          </a:schemeClr>
+        </a:solidFill>
+        <a:ln w="19050" cap="rnd" cmpd="sng" algn="ctr">
+          <a:solidFill>
+            <a:schemeClr val="accent5">
+              <a:hueOff val="0"/>
+              <a:satOff val="0"/>
+              <a:lumOff val="0"/>
+              <a:alphaOff val="0"/>
+            </a:schemeClr>
+          </a:solidFill>
+          <a:prstDash val="solid"/>
+        </a:ln>
+        <a:effectLst/>
+      </dsp:spPr>
+      <dsp:style>
+        <a:lnRef idx="2">
+          <a:scrgbClr r="0" g="0" b="0"/>
+        </a:lnRef>
+        <a:fillRef idx="1">
+          <a:scrgbClr r="0" g="0" b="0"/>
+        </a:fillRef>
+        <a:effectRef idx="0">
+          <a:scrgbClr r="0" g="0" b="0"/>
+        </a:effectRef>
+        <a:fontRef idx="minor"/>
+      </dsp:style>
+    </dsp:sp>
+    <dsp:sp modelId="{1DD5BF43-95C5-4966-A2AE-38D65E99D432}">
+      <dsp:nvSpPr>
+        <dsp:cNvPr id="0" name=""/>
+        <dsp:cNvSpPr/>
+      </dsp:nvSpPr>
+      <dsp:spPr>
+        <a:xfrm>
+          <a:off x="437035" y="3763496"/>
+          <a:ext cx="8095473" cy="579199"/>
+        </a:xfrm>
+        <a:prstGeom prst="rect">
+          <a:avLst/>
+        </a:prstGeom>
+        <a:solidFill>
+          <a:schemeClr val="accent6">
+            <a:hueOff val="0"/>
+            <a:satOff val="0"/>
+            <a:lumOff val="0"/>
+            <a:alphaOff val="0"/>
+          </a:schemeClr>
+        </a:solidFill>
+        <a:ln w="19050" cap="rnd" cmpd="sng" algn="ctr">
+          <a:solidFill>
+            <a:schemeClr val="lt1">
+              <a:hueOff val="0"/>
+              <a:satOff val="0"/>
+              <a:lumOff val="0"/>
+              <a:alphaOff val="0"/>
+            </a:schemeClr>
+          </a:solidFill>
+          <a:prstDash val="solid"/>
+        </a:ln>
+        <a:effectLst/>
+      </dsp:spPr>
+      <dsp:style>
+        <a:lnRef idx="2">
+          <a:scrgbClr r="0" g="0" b="0"/>
+        </a:lnRef>
+        <a:fillRef idx="1">
+          <a:scrgbClr r="0" g="0" b="0"/>
+        </a:fillRef>
+        <a:effectRef idx="0">
+          <a:scrgbClr r="0" g="0" b="0"/>
+        </a:effectRef>
+        <a:fontRef idx="minor">
+          <a:schemeClr val="lt1"/>
+        </a:fontRef>
+      </dsp:style>
+      <dsp:txBody>
+        <a:bodyPr spcFirstLastPara="0" vert="horz" wrap="square" lIns="459739" tIns="78740" rIns="78740" bIns="78740" numCol="1" spcCol="1270" anchor="ctr" anchorCtr="0">
+          <a:noAutofit/>
+        </a:bodyPr>
+        <a:lstStyle/>
+        <a:p>
+          <a:pPr lvl="0" algn="l" defTabSz="1377950" rtl="0">
+            <a:lnSpc>
+              <a:spcPct val="90000"/>
+            </a:lnSpc>
+            <a:spcBef>
+              <a:spcPct val="0"/>
+            </a:spcBef>
+            <a:spcAft>
+              <a:spcPct val="35000"/>
+            </a:spcAft>
+          </a:pPr>
+          <a:r>
+            <a:rPr lang="fr-FR" sz="3100" kern="1200"/>
+            <a:t>5. Démo de développement</a:t>
+          </a:r>
+          <a:endParaRPr lang="en-US" sz="3100" kern="1200"/>
+        </a:p>
+      </dsp:txBody>
+      <dsp:txXfrm>
+        <a:off x="437035" y="3763496"/>
+        <a:ext cx="8095473" cy="579199"/>
+      </dsp:txXfrm>
+    </dsp:sp>
+    <dsp:sp modelId="{9AB7DB3B-9189-43CA-A011-EBBD5A0641D1}">
+      <dsp:nvSpPr>
+        <dsp:cNvPr id="0" name=""/>
+        <dsp:cNvSpPr/>
+      </dsp:nvSpPr>
+      <dsp:spPr>
+        <a:xfrm>
+          <a:off x="75035" y="3691096"/>
+          <a:ext cx="723998" cy="723998"/>
+        </a:xfrm>
+        <a:prstGeom prst="ellipse">
+          <a:avLst/>
+        </a:prstGeom>
+        <a:solidFill>
+          <a:schemeClr val="lt1">
+            <a:hueOff val="0"/>
+            <a:satOff val="0"/>
+            <a:lumOff val="0"/>
+            <a:alphaOff val="0"/>
+          </a:schemeClr>
+        </a:solidFill>
+        <a:ln w="19050" cap="rnd" cmpd="sng" algn="ctr">
+          <a:solidFill>
+            <a:schemeClr val="accent6">
+              <a:hueOff val="0"/>
+              <a:satOff val="0"/>
+              <a:lumOff val="0"/>
+              <a:alphaOff val="0"/>
+            </a:schemeClr>
+          </a:solidFill>
+          <a:prstDash val="solid"/>
+        </a:ln>
+        <a:effectLst/>
+      </dsp:spPr>
+      <dsp:style>
+        <a:lnRef idx="2">
+          <a:scrgbClr r="0" g="0" b="0"/>
+        </a:lnRef>
+        <a:fillRef idx="1">
+          <a:scrgbClr r="0" g="0" b="0"/>
+        </a:fillRef>
+        <a:effectRef idx="0">
+          <a:scrgbClr r="0" g="0" b="0"/>
+        </a:effectRef>
+        <a:fontRef idx="minor"/>
+      </dsp:style>
+    </dsp:sp>
+  </dsp:spTree>
+</dsp:drawing>
+</file>
+
+<file path=ppt/diagrams/drawing2.xml><?xml version="1.0" encoding="utf-8"?>
+<dsp:drawing xmlns:dgm="http://schemas.openxmlformats.org/drawingml/2006/diagram" xmlns:dsp="http://schemas.microsoft.com/office/drawing/2008/diagram" xmlns:a="http://schemas.openxmlformats.org/drawingml/2006/main">
+  <dsp:spTree>
+    <dsp:nvGrpSpPr>
+      <dsp:cNvPr id="0" name=""/>
+      <dsp:cNvGrpSpPr/>
+    </dsp:nvGrpSpPr>
+    <dsp:grpSpPr/>
     <dsp:sp modelId="{3B2BF4FD-C391-45DA-8EEC-50B3D5A7D33A}">
       <dsp:nvSpPr>
         <dsp:cNvPr id="0" name=""/>
@@ -7962,7 +9924,7 @@
 </dsp:drawing>
 </file>
 
-<file path=ppt/diagrams/drawing2.xml><?xml version="1.0" encoding="utf-8"?>
+<file path=ppt/diagrams/drawing3.xml><?xml version="1.0" encoding="utf-8"?>
 <dsp:drawing xmlns:dgm="http://schemas.openxmlformats.org/drawingml/2006/diagram" xmlns:dsp="http://schemas.microsoft.com/office/drawing/2008/diagram" xmlns:a="http://schemas.openxmlformats.org/drawingml/2006/main">
   <dsp:spTree>
     <dsp:nvGrpSpPr>
@@ -8755,7 +10717,7 @@
 </dsp:drawing>
 </file>
 
-<file path=ppt/diagrams/drawing3.xml><?xml version="1.0" encoding="utf-8"?>
+<file path=ppt/diagrams/drawing4.xml><?xml version="1.0" encoding="utf-8"?>
 <dsp:drawing xmlns:dgm="http://schemas.openxmlformats.org/drawingml/2006/diagram" xmlns:dsp="http://schemas.microsoft.com/office/drawing/2008/diagram" xmlns:a="http://schemas.openxmlformats.org/drawingml/2006/main">
   <dsp:spTree>
     <dsp:nvGrpSpPr>
@@ -9610,7 +11572,7 @@
 </dsp:drawing>
 </file>
 
-<file path=ppt/diagrams/drawing4.xml><?xml version="1.0" encoding="utf-8"?>
+<file path=ppt/diagrams/drawing5.xml><?xml version="1.0" encoding="utf-8"?>
 <dsp:drawing xmlns:dgm="http://schemas.openxmlformats.org/drawingml/2006/diagram" xmlns:dsp="http://schemas.microsoft.com/office/drawing/2008/diagram" xmlns:a="http://schemas.openxmlformats.org/drawingml/2006/main">
   <dsp:spTree>
     <dsp:nvGrpSpPr>
@@ -10170,7 +12132,7 @@
 </dsp:drawing>
 </file>
 
-<file path=ppt/diagrams/drawing5.xml><?xml version="1.0" encoding="utf-8"?>
+<file path=ppt/diagrams/drawing6.xml><?xml version="1.0" encoding="utf-8"?>
 <dsp:drawing xmlns:dgm="http://schemas.openxmlformats.org/drawingml/2006/diagram" xmlns:dsp="http://schemas.microsoft.com/office/drawing/2008/diagram" xmlns:a="http://schemas.openxmlformats.org/drawingml/2006/main">
   <dsp:spTree>
     <dsp:nvGrpSpPr>
@@ -11497,6 +13459,1284 @@
 </file>
 
 <file path=ppt/diagrams/layout1.xml><?xml version="1.0" encoding="utf-8"?>
+<dgm:layoutDef xmlns:dgm="http://schemas.openxmlformats.org/drawingml/2006/diagram" xmlns:a="http://schemas.openxmlformats.org/drawingml/2006/main" uniqueId="urn:microsoft.com/office/officeart/2008/layout/VerticalCurvedList">
+  <dgm:title val=""/>
+  <dgm:desc val=""/>
+  <dgm:catLst>
+    <dgm:cat type="list" pri="20000"/>
+  </dgm:catLst>
+  <dgm:sampData>
+    <dgm:dataModel>
+      <dgm:ptLst>
+        <dgm:pt modelId="0" type="doc"/>
+        <dgm:pt modelId="1">
+          <dgm:prSet phldr="1"/>
+        </dgm:pt>
+        <dgm:pt modelId="2">
+          <dgm:prSet phldr="1"/>
+        </dgm:pt>
+        <dgm:pt modelId="3">
+          <dgm:prSet phldr="1"/>
+        </dgm:pt>
+      </dgm:ptLst>
+      <dgm:cxnLst>
+        <dgm:cxn modelId="4" srcId="0" destId="1" srcOrd="0" destOrd="0"/>
+        <dgm:cxn modelId="5" srcId="0" destId="2" srcOrd="1" destOrd="0"/>
+        <dgm:cxn modelId="6" srcId="0" destId="3" srcOrd="2" destOrd="0"/>
+      </dgm:cxnLst>
+      <dgm:bg/>
+      <dgm:whole/>
+    </dgm:dataModel>
+  </dgm:sampData>
+  <dgm:styleData>
+    <dgm:dataModel>
+      <dgm:ptLst>
+        <dgm:pt modelId="0" type="doc"/>
+        <dgm:pt modelId="1">
+          <dgm:prSet phldr="1"/>
+        </dgm:pt>
+        <dgm:pt modelId="2">
+          <dgm:prSet phldr="1"/>
+        </dgm:pt>
+      </dgm:ptLst>
+      <dgm:cxnLst>
+        <dgm:cxn modelId="3" srcId="0" destId="1" srcOrd="0" destOrd="0"/>
+        <dgm:cxn modelId="4" srcId="0" destId="2" srcOrd="1" destOrd="0"/>
+      </dgm:cxnLst>
+      <dgm:bg/>
+      <dgm:whole/>
+    </dgm:dataModel>
+  </dgm:styleData>
+  <dgm:clrData>
+    <dgm:dataModel>
+      <dgm:ptLst>
+        <dgm:pt modelId="0" type="doc"/>
+        <dgm:pt modelId="1">
+          <dgm:prSet phldr="1"/>
+        </dgm:pt>
+        <dgm:pt modelId="2">
+          <dgm:prSet phldr="1"/>
+        </dgm:pt>
+        <dgm:pt modelId="3">
+          <dgm:prSet phldr="1"/>
+        </dgm:pt>
+        <dgm:pt modelId="4">
+          <dgm:prSet phldr="1"/>
+        </dgm:pt>
+      </dgm:ptLst>
+      <dgm:cxnLst>
+        <dgm:cxn modelId="5" srcId="0" destId="1" srcOrd="0" destOrd="0"/>
+        <dgm:cxn modelId="6" srcId="0" destId="2" srcOrd="1" destOrd="0"/>
+        <dgm:cxn modelId="7" srcId="0" destId="3" srcOrd="2" destOrd="0"/>
+        <dgm:cxn modelId="8" srcId="0" destId="4" srcOrd="3" destOrd="0"/>
+      </dgm:cxnLst>
+      <dgm:bg/>
+      <dgm:whole/>
+    </dgm:dataModel>
+  </dgm:clrData>
+  <dgm:layoutNode name="Name0">
+    <dgm:varLst>
+      <dgm:chMax val="7"/>
+      <dgm:chPref val="7"/>
+      <dgm:dir/>
+    </dgm:varLst>
+    <dgm:alg type="composite"/>
+    <dgm:shape xmlns:r="http://schemas.openxmlformats.org/officeDocument/2006/relationships" r:blip="">
+      <dgm:adjLst/>
+    </dgm:shape>
+    <dgm:constrLst>
+      <dgm:constr type="w" for="ch" refType="h" refFor="ch" op="gte" fact="0.8"/>
+    </dgm:constrLst>
+    <dgm:layoutNode name="Name1">
+      <dgm:alg type="composite"/>
+      <dgm:shape xmlns:r="http://schemas.openxmlformats.org/officeDocument/2006/relationships" r:blip="">
+        <dgm:adjLst/>
+      </dgm:shape>
+      <dgm:choose name="Name2">
+        <dgm:if name="Name3" func="var" arg="dir" op="equ" val="norm">
+          <dgm:choose name="Name4">
+            <dgm:if name="Name5" axis="ch" ptType="node" func="cnt" op="equ" val="1">
+              <dgm:constrLst>
+                <dgm:constr type="h" for="ch" forName="cycle" refType="h"/>
+                <dgm:constr type="w" for="ch" forName="cycle" refType="h" refFor="ch" refForName="cycle" fact="0.26"/>
+                <dgm:constr type="l" for="ch" forName="cycle"/>
+                <dgm:constr type="ctrY" for="ch" forName="cycle" refType="h" fact="0.5"/>
+                <dgm:constr type="diam" for="ch" forName="cycle" refType="h" fact="1.344"/>
+                <dgm:constr type="h" for="ch" forName="accent_1" refType="h" fact="0.625"/>
+                <dgm:constr type="w" for="ch" forName="accent_1" refType="h" refFor="ch" refForName="accent_1" op="equ"/>
+                <dgm:constr type="ctrY" for="ch" forName="accent_1" refType="h" fact="0.5"/>
+                <dgm:constr type="ctrX" for="ch" forName="accent_1" refType="h" fact="0.2253"/>
+                <dgm:constr type="l" for="ch" forName="text_1" refType="ctrX" refFor="ch" refForName="accent_1"/>
+                <dgm:constr type="r" for="ch" forName="text_1" refType="w"/>
+                <dgm:constr type="w" for="ch" forName="text_1" refType="h" refFor="ch" refForName="text_1" op="gte"/>
+                <dgm:constr type="h" for="ch" forName="text_1" refType="h" refFor="ch" refForName="accent_1" fact="0.8"/>
+                <dgm:constr type="ctrY" for="ch" forName="text_1" refType="ctrY" refFor="ch" refForName="accent_1"/>
+                <dgm:constr type="lMarg" for="ch" forName="text_1" refType="w" refFor="ch" refForName="accent_1" fact="1.8"/>
+                <dgm:constr type="primFontSz" for="ch" ptType="node" op="equ" val="65"/>
+              </dgm:constrLst>
+            </dgm:if>
+            <dgm:if name="Name6" axis="ch" ptType="node" func="cnt" op="equ" val="2">
+              <dgm:constrLst>
+                <dgm:constr type="h" for="ch" forName="cycle" refType="h"/>
+                <dgm:constr type="w" for="ch" forName="cycle" refType="h" refFor="ch" refForName="cycle" fact="0.26"/>
+                <dgm:constr type="l" for="ch" forName="cycle"/>
+                <dgm:constr type="ctrY" for="ch" forName="cycle" refType="h" fact="0.5"/>
+                <dgm:constr type="diam" for="ch" forName="cycle" refType="h" fact="1.344"/>
+                <dgm:constr type="h" for="ch" forName="accent_1" refType="h" fact="0.3571"/>
+                <dgm:constr type="w" for="ch" forName="accent_1" refType="h" refFor="ch" refForName="accent_1" op="equ"/>
+                <dgm:constr type="ctrY" for="ch" forName="accent_1" refType="h" fact="0.2857"/>
+                <dgm:constr type="ctrX" for="ch" forName="accent_1" refType="h" fact="0.1891"/>
+                <dgm:constr type="l" for="ch" forName="text_1" refType="ctrX" refFor="ch" refForName="accent_1"/>
+                <dgm:constr type="r" for="ch" forName="text_1" refType="w"/>
+                <dgm:constr type="w" for="ch" forName="text_1" refType="h" refFor="ch" refForName="text_1" op="gte"/>
+                <dgm:constr type="h" for="ch" forName="text_1" refType="h" refFor="ch" refForName="accent_1" fact="0.8"/>
+                <dgm:constr type="ctrY" for="ch" forName="text_1" refType="ctrY" refFor="ch" refForName="accent_1"/>
+                <dgm:constr type="lMarg" for="ch" forName="text_1" refType="w" refFor="ch" refForName="accent_1" fact="1.8"/>
+                <dgm:constr type="h" for="ch" forName="accent_2" refType="h" fact="0.3571"/>
+                <dgm:constr type="w" for="ch" forName="accent_2" refType="h" refFor="ch" refForName="accent_2" op="equ"/>
+                <dgm:constr type="ctrY" for="ch" forName="accent_2" refType="h" fact="0.7143"/>
+                <dgm:constr type="ctrX" for="ch" forName="accent_2" refType="h" fact="0.1891"/>
+                <dgm:constr type="l" for="ch" forName="text_2" refType="ctrX" refFor="ch" refForName="accent_2"/>
+                <dgm:constr type="r" for="ch" forName="text_2" refType="w"/>
+                <dgm:constr type="w" for="ch" forName="text_2" refType="h" refFor="ch" refForName="text_2" op="gte"/>
+                <dgm:constr type="h" for="ch" forName="text_2" refType="h" refFor="ch" refForName="accent_2" fact="0.8"/>
+                <dgm:constr type="ctrY" for="ch" forName="text_2" refType="ctrY" refFor="ch" refForName="accent_2"/>
+                <dgm:constr type="lMarg" for="ch" forName="text_2" refType="w" refFor="ch" refForName="accent_2" fact="1.8"/>
+                <dgm:constr type="primFontSz" for="ch" ptType="node" op="equ" val="65"/>
+              </dgm:constrLst>
+            </dgm:if>
+            <dgm:if name="Name7" axis="ch" ptType="node" func="cnt" op="equ" val="3">
+              <dgm:constrLst>
+                <dgm:constr type="h" for="ch" forName="cycle" refType="h"/>
+                <dgm:constr type="w" for="ch" forName="cycle" refType="h" refFor="ch" refForName="cycle" fact="0.26"/>
+                <dgm:constr type="l" for="ch" forName="cycle"/>
+                <dgm:constr type="ctrY" for="ch" forName="cycle" refType="h" fact="0.5"/>
+                <dgm:constr type="diam" for="ch" forName="cycle" refType="h" fact="1.344"/>
+                <dgm:constr type="h" for="ch" forName="accent_1" refType="h" fact="0.25"/>
+                <dgm:constr type="w" for="ch" forName="accent_1" refType="h" refFor="ch" refForName="accent_1" op="equ"/>
+                <dgm:constr type="ctrY" for="ch" forName="accent_1" refType="h" fact="0.2"/>
+                <dgm:constr type="ctrX" for="ch" forName="accent_1" refType="h" fact="0.1526"/>
+                <dgm:constr type="l" for="ch" forName="text_1" refType="ctrX" refFor="ch" refForName="accent_1"/>
+                <dgm:constr type="r" for="ch" forName="text_1" refType="w"/>
+                <dgm:constr type="w" for="ch" forName="text_1" refType="h" refFor="ch" refForName="text_1" op="gte"/>
+                <dgm:constr type="h" for="ch" forName="text_1" refType="h" refFor="ch" refForName="accent_1" fact="0.8"/>
+                <dgm:constr type="ctrY" for="ch" forName="text_1" refType="ctrY" refFor="ch" refForName="accent_1"/>
+                <dgm:constr type="lMarg" for="ch" forName="text_1" refType="w" refFor="ch" refForName="accent_1" fact="1.8"/>
+                <dgm:constr type="h" for="ch" forName="accent_2" refType="h" fact="0.25"/>
+                <dgm:constr type="w" for="ch" forName="accent_2" refType="h" refFor="ch" refForName="accent_2" op="equ"/>
+                <dgm:constr type="ctrY" for="ch" forName="accent_2" refType="h" fact="0.5"/>
+                <dgm:constr type="ctrX" for="ch" forName="accent_2" refType="h" fact="0.2253"/>
+                <dgm:constr type="l" for="ch" forName="text_2" refType="ctrX" refFor="ch" refForName="accent_2"/>
+                <dgm:constr type="r" for="ch" forName="text_2" refType="w"/>
+                <dgm:constr type="w" for="ch" forName="text_2" refType="h" refFor="ch" refForName="text_2" op="gte"/>
+                <dgm:constr type="h" for="ch" forName="text_2" refType="h" refFor="ch" refForName="accent_2" fact="0.8"/>
+                <dgm:constr type="ctrY" for="ch" forName="text_2" refType="ctrY" refFor="ch" refForName="accent_2"/>
+                <dgm:constr type="lMarg" for="ch" forName="text_2" refType="w" refFor="ch" refForName="accent_2" fact="1.8"/>
+                <dgm:constr type="h" for="ch" forName="accent_3" refType="h" fact="0.25"/>
+                <dgm:constr type="w" for="ch" forName="accent_3" refType="h" refFor="ch" refForName="accent_3" op="equ"/>
+                <dgm:constr type="ctrY" for="ch" forName="accent_3" refType="h" fact="0.8"/>
+                <dgm:constr type="ctrX" for="ch" forName="accent_3" refType="h" fact="0.1526"/>
+                <dgm:constr type="l" for="ch" forName="text_3" refType="ctrX" refFor="ch" refForName="accent_3"/>
+                <dgm:constr type="r" for="ch" forName="text_3" refType="w"/>
+                <dgm:constr type="w" for="ch" forName="text_3" refType="h" refFor="ch" refForName="text_3" op="gte"/>
+                <dgm:constr type="h" for="ch" forName="text_3" refType="h" refFor="ch" refForName="accent_3" fact="0.8"/>
+                <dgm:constr type="ctrY" for="ch" forName="text_3" refType="ctrY" refFor="ch" refForName="accent_3"/>
+                <dgm:constr type="lMarg" for="ch" forName="text_3" refType="w" refFor="ch" refForName="accent_3" fact="1.8"/>
+                <dgm:constr type="primFontSz" for="ch" ptType="node" op="equ" val="65"/>
+              </dgm:constrLst>
+            </dgm:if>
+            <dgm:if name="Name8" axis="ch" ptType="node" func="cnt" op="equ" val="4">
+              <dgm:constrLst>
+                <dgm:constr type="h" for="ch" forName="cycle" refType="h"/>
+                <dgm:constr type="w" for="ch" forName="cycle" refType="h" refFor="ch" refForName="cycle" fact="0.26"/>
+                <dgm:constr type="l" for="ch" forName="cycle"/>
+                <dgm:constr type="ctrY" for="ch" forName="cycle" refType="h" fact="0.5"/>
+                <dgm:constr type="diam" for="ch" forName="cycle" refType="h" fact="1.344"/>
+                <dgm:constr type="h" for="ch" forName="accent_1" refType="h" fact="0.1923"/>
+                <dgm:constr type="w" for="ch" forName="accent_1" refType="h" refFor="ch" refForName="accent_1" op="equ"/>
+                <dgm:constr type="ctrY" for="ch" forName="accent_1" refType="h" fact="0.1538"/>
+                <dgm:constr type="ctrX" for="ch" forName="accent_1" refType="h" fact="0.1268"/>
+                <dgm:constr type="l" for="ch" forName="text_1" refType="ctrX" refFor="ch" refForName="accent_1"/>
+                <dgm:constr type="r" for="ch" forName="text_1" refType="w"/>
+                <dgm:constr type="w" for="ch" forName="text_1" refType="h" refFor="ch" refForName="text_1" op="gte"/>
+                <dgm:constr type="h" for="ch" forName="text_1" refType="h" refFor="ch" refForName="accent_1" fact="0.8"/>
+                <dgm:constr type="ctrY" for="ch" forName="text_1" refType="ctrY" refFor="ch" refForName="accent_1"/>
+                <dgm:constr type="lMarg" for="ch" forName="text_1" refType="w" refFor="ch" refForName="accent_1" fact="1.8"/>
+                <dgm:constr type="h" for="ch" forName="accent_2" refType="h" fact="0.1923"/>
+                <dgm:constr type="w" for="ch" forName="accent_2" refType="h" refFor="ch" refForName="accent_2" op="equ"/>
+                <dgm:constr type="ctrY" for="ch" forName="accent_2" refType="h" fact="0.3846"/>
+                <dgm:constr type="ctrX" for="ch" forName="accent_2" refType="h" fact="0.215"/>
+                <dgm:constr type="l" for="ch" forName="text_2" refType="ctrX" refFor="ch" refForName="accent_2"/>
+                <dgm:constr type="r" for="ch" forName="text_2" refType="w"/>
+                <dgm:constr type="w" for="ch" forName="text_2" refType="h" refFor="ch" refForName="text_2" op="gte"/>
+                <dgm:constr type="h" for="ch" forName="text_2" refType="h" refFor="ch" refForName="accent_2" fact="0.8"/>
+                <dgm:constr type="ctrY" for="ch" forName="text_2" refType="ctrY" refFor="ch" refForName="accent_2"/>
+                <dgm:constr type="lMarg" for="ch" forName="text_2" refType="w" refFor="ch" refForName="accent_2" fact="1.8"/>
+                <dgm:constr type="h" for="ch" forName="accent_3" refType="h" fact="0.1923"/>
+                <dgm:constr type="w" for="ch" forName="accent_3" refType="h" refFor="ch" refForName="accent_3" op="equ"/>
+                <dgm:constr type="ctrY" for="ch" forName="accent_3" refType="h" fact="0.6154"/>
+                <dgm:constr type="ctrX" for="ch" forName="accent_3" refType="h" fact="0.215"/>
+                <dgm:constr type="l" for="ch" forName="text_3" refType="ctrX" refFor="ch" refForName="accent_3"/>
+                <dgm:constr type="r" for="ch" forName="text_3" refType="w"/>
+                <dgm:constr type="w" for="ch" forName="text_3" refType="h" refFor="ch" refForName="text_3" op="gte"/>
+                <dgm:constr type="h" for="ch" forName="text_3" refType="h" refFor="ch" refForName="accent_3" fact="0.8"/>
+                <dgm:constr type="ctrY" for="ch" forName="text_3" refType="ctrY" refFor="ch" refForName="accent_3"/>
+                <dgm:constr type="lMarg" for="ch" forName="text_3" refType="w" refFor="ch" refForName="accent_3" fact="1.8"/>
+                <dgm:constr type="h" for="ch" forName="accent_4" refType="h" fact="0.1923"/>
+                <dgm:constr type="w" for="ch" forName="accent_4" refType="h" refFor="ch" refForName="accent_4" op="equ"/>
+                <dgm:constr type="ctrY" for="ch" forName="accent_4" refType="h" fact="0.8462"/>
+                <dgm:constr type="ctrX" for="ch" forName="accent_4" refType="h" fact="0.1268"/>
+                <dgm:constr type="l" for="ch" forName="text_4" refType="ctrX" refFor="ch" refForName="accent_4"/>
+                <dgm:constr type="r" for="ch" forName="text_4" refType="w"/>
+                <dgm:constr type="w" for="ch" forName="text_4" refType="h" refFor="ch" refForName="text_4" op="gte"/>
+                <dgm:constr type="h" for="ch" forName="text_4" refType="h" refFor="ch" refForName="accent_4" fact="0.8"/>
+                <dgm:constr type="ctrY" for="ch" forName="text_4" refType="ctrY" refFor="ch" refForName="accent_4"/>
+                <dgm:constr type="lMarg" for="ch" forName="text_4" refType="w" refFor="ch" refForName="accent_4" fact="1.8"/>
+                <dgm:constr type="primFontSz" for="ch" ptType="node" op="equ" val="65"/>
+              </dgm:constrLst>
+            </dgm:if>
+            <dgm:if name="Name9" axis="ch" ptType="node" func="cnt" op="equ" val="5">
+              <dgm:constrLst>
+                <dgm:constr type="h" for="ch" forName="cycle" refType="h"/>
+                <dgm:constr type="w" for="ch" forName="cycle" refType="h" refFor="ch" refForName="cycle" fact="0.26"/>
+                <dgm:constr type="l" for="ch" forName="cycle"/>
+                <dgm:constr type="ctrY" for="ch" forName="cycle" refType="h" fact="0.5"/>
+                <dgm:constr type="diam" for="ch" forName="cycle" refType="h" fact="1.344"/>
+                <dgm:constr type="h" for="ch" forName="accent_1" refType="h" fact="0.1563"/>
+                <dgm:constr type="w" for="ch" forName="accent_1" refType="h" refFor="ch" refForName="accent_1" op="equ"/>
+                <dgm:constr type="ctrY" for="ch" forName="accent_1" refType="h" fact="0.125"/>
+                <dgm:constr type="ctrX" for="ch" forName="accent_1" refType="h" fact="0.1082"/>
+                <dgm:constr type="l" for="ch" forName="text_1" refType="ctrX" refFor="ch" refForName="accent_1"/>
+                <dgm:constr type="r" for="ch" forName="text_1" refType="w"/>
+                <dgm:constr type="w" for="ch" forName="text_1" refType="h" refFor="ch" refForName="text_1" op="gte"/>
+                <dgm:constr type="h" for="ch" forName="text_1" refType="h" refFor="ch" refForName="accent_1" fact="0.8"/>
+                <dgm:constr type="ctrY" for="ch" forName="text_1" refType="ctrY" refFor="ch" refForName="accent_1"/>
+                <dgm:constr type="lMarg" for="ch" forName="text_1" refType="w" refFor="ch" refForName="accent_1" fact="1.8"/>
+                <dgm:constr type="h" for="ch" forName="accent_2" refType="h" fact="0.1563"/>
+                <dgm:constr type="w" for="ch" forName="accent_2" refType="h" refFor="ch" refForName="accent_2" op="equ"/>
+                <dgm:constr type="ctrY" for="ch" forName="accent_2" refType="h" fact="0.3125"/>
+                <dgm:constr type="ctrX" for="ch" forName="accent_2" refType="h" fact="0.1978"/>
+                <dgm:constr type="l" for="ch" forName="text_2" refType="ctrX" refFor="ch" refForName="accent_2"/>
+                <dgm:constr type="r" for="ch" forName="text_2" refType="w"/>
+                <dgm:constr type="w" for="ch" forName="text_2" refType="h" refFor="ch" refForName="text_2" op="gte"/>
+                <dgm:constr type="h" for="ch" forName="text_2" refType="h" refFor="ch" refForName="accent_2" fact="0.8"/>
+                <dgm:constr type="ctrY" for="ch" forName="text_2" refType="ctrY" refFor="ch" refForName="accent_2"/>
+                <dgm:constr type="lMarg" for="ch" forName="text_2" refType="w" refFor="ch" refForName="accent_2" fact="1.8"/>
+                <dgm:constr type="h" for="ch" forName="accent_3" refType="h" fact="0.1563"/>
+                <dgm:constr type="w" for="ch" forName="accent_3" refType="h" refFor="ch" refForName="accent_3" op="equ"/>
+                <dgm:constr type="ctrY" for="ch" forName="accent_3" refType="h" fact="0.5"/>
+                <dgm:constr type="ctrX" for="ch" forName="accent_3" refType="h" fact="0.2253"/>
+                <dgm:constr type="l" for="ch" forName="text_3" refType="ctrX" refFor="ch" refForName="accent_3"/>
+                <dgm:constr type="r" for="ch" forName="text_3" refType="w"/>
+                <dgm:constr type="w" for="ch" forName="text_3" refType="h" refFor="ch" refForName="text_3" op="gte"/>
+                <dgm:constr type="h" for="ch" forName="text_3" refType="h" refFor="ch" refForName="accent_3" fact="0.8"/>
+                <dgm:constr type="ctrY" for="ch" forName="text_3" refType="ctrY" refFor="ch" refForName="accent_3"/>
+                <dgm:constr type="lMarg" for="ch" forName="text_3" refType="w" refFor="ch" refForName="accent_3" fact="1.8"/>
+                <dgm:constr type="h" for="ch" forName="accent_4" refType="h" fact="0.1563"/>
+                <dgm:constr type="w" for="ch" forName="accent_4" refType="h" refFor="ch" refForName="accent_4" op="equ"/>
+                <dgm:constr type="ctrY" for="ch" forName="accent_4" refType="h" fact="0.6875"/>
+                <dgm:constr type="ctrX" for="ch" forName="accent_4" refType="h" fact="0.1978"/>
+                <dgm:constr type="l" for="ch" forName="text_4" refType="ctrX" refFor="ch" refForName="accent_4"/>
+                <dgm:constr type="r" for="ch" forName="text_4" refType="w"/>
+                <dgm:constr type="w" for="ch" forName="text_4" refType="h" refFor="ch" refForName="text_4" op="gte"/>
+                <dgm:constr type="h" for="ch" forName="text_4" refType="h" refFor="ch" refForName="accent_4" fact="0.8"/>
+                <dgm:constr type="ctrY" for="ch" forName="text_4" refType="ctrY" refFor="ch" refForName="accent_4"/>
+                <dgm:constr type="lMarg" for="ch" forName="text_4" refType="w" refFor="ch" refForName="accent_4" fact="1.8"/>
+                <dgm:constr type="h" for="ch" forName="accent_5" refType="h" fact="0.1563"/>
+                <dgm:constr type="w" for="ch" forName="accent_5" refType="h" refFor="ch" refForName="accent_5" op="equ"/>
+                <dgm:constr type="ctrY" for="ch" forName="accent_5" refType="h" fact="0.875"/>
+                <dgm:constr type="ctrX" for="ch" forName="accent_5" refType="h" fact="0.1082"/>
+                <dgm:constr type="l" for="ch" forName="text_5" refType="ctrX" refFor="ch" refForName="accent_5"/>
+                <dgm:constr type="r" for="ch" forName="text_5" refType="w"/>
+                <dgm:constr type="w" for="ch" forName="text_5" refType="h" refFor="ch" refForName="text_5" op="gte"/>
+                <dgm:constr type="h" for="ch" forName="text_5" refType="h" refFor="ch" refForName="accent_5" fact="0.8"/>
+                <dgm:constr type="ctrY" for="ch" forName="text_5" refType="ctrY" refFor="ch" refForName="accent_5"/>
+                <dgm:constr type="lMarg" for="ch" forName="text_5" refType="w" refFor="ch" refForName="accent_5" fact="1.8"/>
+                <dgm:constr type="primFontSz" for="ch" ptType="node" op="equ" val="65"/>
+              </dgm:constrLst>
+            </dgm:if>
+            <dgm:if name="Name10" axis="ch" ptType="node" func="cnt" op="equ" val="6">
+              <dgm:constrLst>
+                <dgm:constr type="h" for="ch" forName="cycle" refType="h"/>
+                <dgm:constr type="w" for="ch" forName="cycle" refType="h" refFor="ch" refForName="cycle" fact="0.26"/>
+                <dgm:constr type="l" for="ch" forName="cycle"/>
+                <dgm:constr type="ctrY" for="ch" forName="cycle" refType="h" fact="0.5"/>
+                <dgm:constr type="diam" for="ch" forName="cycle" refType="h" fact="1.344"/>
+                <dgm:constr type="h" for="ch" forName="accent_1" refType="h" fact="0.1316"/>
+                <dgm:constr type="w" for="ch" forName="accent_1" refType="h" refFor="ch" refForName="accent_1" op="equ"/>
+                <dgm:constr type="ctrY" for="ch" forName="accent_1" refType="h" fact="0.1053"/>
+                <dgm:constr type="ctrX" for="ch" forName="accent_1" refType="h" fact="0.0943"/>
+                <dgm:constr type="l" for="ch" forName="text_1" refType="ctrX" refFor="ch" refForName="accent_1"/>
+                <dgm:constr type="r" for="ch" forName="text_1" refType="w"/>
+                <dgm:constr type="w" for="ch" forName="text_1" refType="h" refFor="ch" refForName="text_1" op="gte"/>
+                <dgm:constr type="h" for="ch" forName="text_1" refType="h" refFor="ch" refForName="accent_1" fact="0.8"/>
+                <dgm:constr type="ctrY" for="ch" forName="text_1" refType="ctrY" refFor="ch" refForName="accent_1"/>
+                <dgm:constr type="lMarg" for="ch" forName="text_1" refType="w" refFor="ch" refForName="accent_1" fact="1.8"/>
+                <dgm:constr type="h" for="ch" forName="accent_2" refType="h" fact="0.1316"/>
+                <dgm:constr type="w" for="ch" forName="accent_2" refType="h" refFor="ch" refForName="accent_2" op="equ"/>
+                <dgm:constr type="ctrY" for="ch" forName="accent_2" refType="h" fact="0.2632"/>
+                <dgm:constr type="ctrX" for="ch" forName="accent_2" refType="h" fact="0.1809"/>
+                <dgm:constr type="l" for="ch" forName="text_2" refType="ctrX" refFor="ch" refForName="accent_2"/>
+                <dgm:constr type="r" for="ch" forName="text_2" refType="w"/>
+                <dgm:constr type="w" for="ch" forName="text_2" refType="h" refFor="ch" refForName="text_2" op="gte"/>
+                <dgm:constr type="h" for="ch" forName="text_2" refType="h" refFor="ch" refForName="accent_2" fact="0.8"/>
+                <dgm:constr type="ctrY" for="ch" forName="text_2" refType="ctrY" refFor="ch" refForName="accent_2"/>
+                <dgm:constr type="lMarg" for="ch" forName="text_2" refType="w" refFor="ch" refForName="accent_2" fact="1.8"/>
+                <dgm:constr type="h" for="ch" forName="accent_3" refType="h" fact="0.1316"/>
+                <dgm:constr type="w" for="ch" forName="accent_3" refType="h" refFor="ch" refForName="accent_3" op="equ"/>
+                <dgm:constr type="ctrY" for="ch" forName="accent_3" refType="h" fact="0.4211"/>
+                <dgm:constr type="ctrX" for="ch" forName="accent_3" refType="h" fact="0.2205"/>
+                <dgm:constr type="l" for="ch" forName="text_3" refType="ctrX" refFor="ch" refForName="accent_3"/>
+                <dgm:constr type="r" for="ch" forName="text_3" refType="w"/>
+                <dgm:constr type="w" for="ch" forName="text_3" refType="h" refFor="ch" refForName="text_3" op="gte"/>
+                <dgm:constr type="h" for="ch" forName="text_3" refType="h" refFor="ch" refForName="accent_3" fact="0.8"/>
+                <dgm:constr type="ctrY" for="ch" forName="text_3" refType="ctrY" refFor="ch" refForName="accent_3"/>
+                <dgm:constr type="lMarg" for="ch" forName="text_3" refType="w" refFor="ch" refForName="accent_3" fact="1.8"/>
+                <dgm:constr type="h" for="ch" forName="accent_4" refType="h" fact="0.1316"/>
+                <dgm:constr type="w" for="ch" forName="accent_4" refType="h" refFor="ch" refForName="accent_4" op="equ"/>
+                <dgm:constr type="ctrY" for="ch" forName="accent_4" refType="h" fact="0.5789"/>
+                <dgm:constr type="ctrX" for="ch" forName="accent_4" refType="h" fact="0.2205"/>
+                <dgm:constr type="l" for="ch" forName="text_4" refType="ctrX" refFor="ch" refForName="accent_4"/>
+                <dgm:constr type="r" for="ch" forName="text_4" refType="w"/>
+                <dgm:constr type="w" for="ch" forName="text_4" refType="h" refFor="ch" refForName="text_4" op="gte"/>
+                <dgm:constr type="h" for="ch" forName="text_4" refType="h" refFor="ch" refForName="accent_4" fact="0.8"/>
+                <dgm:constr type="ctrY" for="ch" forName="text_4" refType="ctrY" refFor="ch" refForName="accent_4"/>
+                <dgm:constr type="lMarg" for="ch" forName="text_4" refType="w" refFor="ch" refForName="accent_4" fact="1.8"/>
+                <dgm:constr type="h" for="ch" forName="accent_5" refType="h" fact="0.1316"/>
+                <dgm:constr type="w" for="ch" forName="accent_5" refType="h" refFor="ch" refForName="accent_5" op="equ"/>
+                <dgm:constr type="ctrY" for="ch" forName="accent_5" refType="h" fact="0.7368"/>
+                <dgm:constr type="ctrX" for="ch" forName="accent_5" refType="h" fact="0.1809"/>
+                <dgm:constr type="l" for="ch" forName="text_5" refType="ctrX" refFor="ch" refForName="accent_5"/>
+                <dgm:constr type="r" for="ch" forName="text_5" refType="w"/>
+                <dgm:constr type="w" for="ch" forName="text_5" refType="h" refFor="ch" refForName="text_5" op="gte"/>
+                <dgm:constr type="h" for="ch" forName="text_5" refType="h" refFor="ch" refForName="accent_5" fact="0.8"/>
+                <dgm:constr type="ctrY" for="ch" forName="text_5" refType="ctrY" refFor="ch" refForName="accent_5"/>
+                <dgm:constr type="lMarg" for="ch" forName="text_5" refType="w" refFor="ch" refForName="accent_5" fact="1.8"/>
+                <dgm:constr type="h" for="ch" forName="accent_6" refType="h" fact="0.1316"/>
+                <dgm:constr type="w" for="ch" forName="accent_6" refType="h" refFor="ch" refForName="accent_6" op="equ"/>
+                <dgm:constr type="ctrY" for="ch" forName="accent_6" refType="h" fact="0.8947"/>
+                <dgm:constr type="ctrX" for="ch" forName="accent_6" refType="h" fact="0.0943"/>
+                <dgm:constr type="l" for="ch" forName="text_6" refType="ctrX" refFor="ch" refForName="accent_6"/>
+                <dgm:constr type="r" for="ch" forName="text_6" refType="w"/>
+                <dgm:constr type="w" for="ch" forName="text_6" refType="h" refFor="ch" refForName="text_6" op="gte"/>
+                <dgm:constr type="h" for="ch" forName="text_6" refType="h" refFor="ch" refForName="accent_6" fact="0.8"/>
+                <dgm:constr type="ctrY" for="ch" forName="text_6" refType="ctrY" refFor="ch" refForName="accent_6"/>
+                <dgm:constr type="lMarg" for="ch" forName="text_6" refType="w" refFor="ch" refForName="accent_6" fact="1.8"/>
+                <dgm:constr type="primFontSz" for="ch" ptType="node" op="equ" val="65"/>
+              </dgm:constrLst>
+            </dgm:if>
+            <dgm:else name="Name11">
+              <dgm:constrLst>
+                <dgm:constr type="h" for="ch" forName="cycle" refType="h"/>
+                <dgm:constr type="w" for="ch" forName="cycle" refType="h" refFor="ch" refForName="cycle" fact="0.26"/>
+                <dgm:constr type="l" for="ch" forName="cycle"/>
+                <dgm:constr type="ctrY" for="ch" forName="cycle" refType="h" fact="0.5"/>
+                <dgm:constr type="diam" for="ch" forName="cycle" refType="h" fact="1.344"/>
+                <dgm:constr type="h" for="ch" forName="accent_1" refType="h" fact="0.1136"/>
+                <dgm:constr type="w" for="ch" forName="accent_1" refType="h" refFor="ch" refForName="accent_1" op="equ"/>
+                <dgm:constr type="ctrY" for="ch" forName="accent_1" refType="h" fact="0.0909"/>
+                <dgm:constr type="ctrX" for="ch" forName="accent_1" refType="h" fact="0.0835"/>
+                <dgm:constr type="l" for="ch" forName="text_1" refType="ctrX" refFor="ch" refForName="accent_1"/>
+                <dgm:constr type="r" for="ch" forName="text_1" refType="w"/>
+                <dgm:constr type="w" for="ch" forName="text_1" refType="h" refFor="ch" refForName="text_1" op="gte"/>
+                <dgm:constr type="h" for="ch" forName="text_1" refType="h" refFor="ch" refForName="accent_1" fact="0.8"/>
+                <dgm:constr type="ctrY" for="ch" forName="text_1" refType="ctrY" refFor="ch" refForName="accent_1"/>
+                <dgm:constr type="lMarg" for="ch" forName="text_1" refType="w" refFor="ch" refForName="accent_1" fact="1.8"/>
+                <dgm:constr type="h" for="ch" forName="accent_2" refType="h" fact="0.1136"/>
+                <dgm:constr type="w" for="ch" forName="accent_2" refType="h" refFor="ch" refForName="accent_2" op="equ"/>
+                <dgm:constr type="ctrY" for="ch" forName="accent_2" refType="h" fact="0.2273"/>
+                <dgm:constr type="ctrX" for="ch" forName="accent_2" refType="h" fact="0.1658"/>
+                <dgm:constr type="l" for="ch" forName="text_2" refType="ctrX" refFor="ch" refForName="accent_2"/>
+                <dgm:constr type="r" for="ch" forName="text_2" refType="w"/>
+                <dgm:constr type="w" for="ch" forName="text_2" refType="h" refFor="ch" refForName="text_2" op="gte"/>
+                <dgm:constr type="h" for="ch" forName="text_2" refType="h" refFor="ch" refForName="accent_2" fact="0.8"/>
+                <dgm:constr type="ctrY" for="ch" forName="text_2" refType="ctrY" refFor="ch" refForName="accent_2"/>
+                <dgm:constr type="lMarg" for="ch" forName="text_2" refType="w" refFor="ch" refForName="accent_2" fact="1.8"/>
+                <dgm:constr type="h" for="ch" forName="accent_3" refType="h" fact="0.1136"/>
+                <dgm:constr type="w" for="ch" forName="accent_3" refType="h" refFor="ch" refForName="accent_3" op="equ"/>
+                <dgm:constr type="ctrY" for="ch" forName="accent_3" refType="h" fact="0.3636"/>
+                <dgm:constr type="ctrX" for="ch" forName="accent_3" refType="h" fact="0.2109"/>
+                <dgm:constr type="l" for="ch" forName="text_3" refType="ctrX" refFor="ch" refForName="accent_3"/>
+                <dgm:constr type="r" for="ch" forName="text_3" refType="w"/>
+                <dgm:constr type="w" for="ch" forName="text_3" refType="h" refFor="ch" refForName="text_3" op="gte"/>
+                <dgm:constr type="h" for="ch" forName="text_3" refType="h" refFor="ch" refForName="accent_3" fact="0.8"/>
+                <dgm:constr type="ctrY" for="ch" forName="text_3" refType="ctrY" refFor="ch" refForName="accent_3"/>
+                <dgm:constr type="lMarg" for="ch" forName="text_3" refType="w" refFor="ch" refForName="accent_3" fact="1.8"/>
+                <dgm:constr type="h" for="ch" forName="accent_4" refType="h" fact="0.1136"/>
+                <dgm:constr type="w" for="ch" forName="accent_4" refType="h" refFor="ch" refForName="accent_4" op="equ"/>
+                <dgm:constr type="ctrY" for="ch" forName="accent_4" refType="h" fact="0.5"/>
+                <dgm:constr type="ctrX" for="ch" forName="accent_4" refType="h" fact="0.2253"/>
+                <dgm:constr type="l" for="ch" forName="text_4" refType="ctrX" refFor="ch" refForName="accent_4"/>
+                <dgm:constr type="r" for="ch" forName="text_4" refType="w"/>
+                <dgm:constr type="w" for="ch" forName="text_4" refType="h" refFor="ch" refForName="text_4" op="gte"/>
+                <dgm:constr type="h" for="ch" forName="text_4" refType="h" refFor="ch" refForName="accent_4" fact="0.8"/>
+                <dgm:constr type="ctrY" for="ch" forName="text_4" refType="ctrY" refFor="ch" refForName="accent_4"/>
+                <dgm:constr type="lMarg" for="ch" forName="text_4" refType="w" refFor="ch" refForName="accent_4" fact="1.8"/>
+                <dgm:constr type="h" for="ch" forName="accent_5" refType="h" fact="0.1136"/>
+                <dgm:constr type="w" for="ch" forName="accent_5" refType="h" refFor="ch" refForName="accent_5" op="equ"/>
+                <dgm:constr type="ctrY" for="ch" forName="accent_5" refType="h" fact="0.6364"/>
+                <dgm:constr type="ctrX" for="ch" forName="accent_5" refType="h" fact="0.2109"/>
+                <dgm:constr type="l" for="ch" forName="text_5" refType="ctrX" refFor="ch" refForName="accent_5"/>
+                <dgm:constr type="r" for="ch" forName="text_5" refType="w"/>
+                <dgm:constr type="w" for="ch" forName="text_5" refType="h" refFor="ch" refForName="text_5" op="gte"/>
+                <dgm:constr type="h" for="ch" forName="text_5" refType="h" refFor="ch" refForName="accent_5" fact="0.8"/>
+                <dgm:constr type="ctrY" for="ch" forName="text_5" refType="ctrY" refFor="ch" refForName="accent_5"/>
+                <dgm:constr type="lMarg" for="ch" forName="text_5" refType="w" refFor="ch" refForName="accent_5" fact="1.8"/>
+                <dgm:constr type="h" for="ch" forName="accent_6" refType="h" fact="0.1136"/>
+                <dgm:constr type="w" for="ch" forName="accent_6" refType="h" refFor="ch" refForName="accent_6" op="equ"/>
+                <dgm:constr type="ctrY" for="ch" forName="accent_6" refType="h" fact="0.7727"/>
+                <dgm:constr type="ctrX" for="ch" forName="accent_6" refType="h" fact="0.1658"/>
+                <dgm:constr type="l" for="ch" forName="text_6" refType="ctrX" refFor="ch" refForName="accent_6"/>
+                <dgm:constr type="r" for="ch" forName="text_6" refType="w"/>
+                <dgm:constr type="w" for="ch" forName="text_6" refType="h" refFor="ch" refForName="text_6" op="gte"/>
+                <dgm:constr type="h" for="ch" forName="text_6" refType="h" refFor="ch" refForName="accent_6" fact="0.8"/>
+                <dgm:constr type="ctrY" for="ch" forName="text_6" refType="ctrY" refFor="ch" refForName="accent_6"/>
+                <dgm:constr type="lMarg" for="ch" forName="text_6" refType="w" refFor="ch" refForName="accent_6" fact="1.8"/>
+                <dgm:constr type="h" for="ch" forName="accent_7" refType="h" fact="0.1136"/>
+                <dgm:constr type="w" for="ch" forName="accent_7" refType="h" refFor="ch" refForName="accent_7" op="equ"/>
+                <dgm:constr type="ctrY" for="ch" forName="accent_7" refType="h" fact="0.9091"/>
+                <dgm:constr type="ctrX" for="ch" forName="accent_7" refType="h" fact="0.0835"/>
+                <dgm:constr type="l" for="ch" forName="text_7" refType="ctrX" refFor="ch" refForName="accent_7"/>
+                <dgm:constr type="r" for="ch" forName="text_7" refType="w"/>
+                <dgm:constr type="w" for="ch" forName="text_7" refType="h" refFor="ch" refForName="text_7" op="gte"/>
+                <dgm:constr type="h" for="ch" forName="text_7" refType="h" refFor="ch" refForName="accent_7" fact="0.8"/>
+                <dgm:constr type="ctrY" for="ch" forName="text_7" refType="ctrY" refFor="ch" refForName="accent_7"/>
+                <dgm:constr type="lMarg" for="ch" forName="text_7" refType="w" refFor="ch" refForName="accent_7" fact="1.8"/>
+                <dgm:constr type="primFontSz" for="ch" ptType="node" op="equ" val="65"/>
+              </dgm:constrLst>
+            </dgm:else>
+          </dgm:choose>
+        </dgm:if>
+        <dgm:else name="Name12">
+          <dgm:choose name="Name13">
+            <dgm:if name="Name14" axis="ch" ptType="node" func="cnt" op="equ" val="1">
+              <dgm:constrLst>
+                <dgm:constr type="h" for="ch" forName="cycle" refType="h"/>
+                <dgm:constr type="w" for="ch" forName="cycle" refType="h" refFor="ch" refForName="cycle" fact="0.26"/>
+                <dgm:constr type="r" for="ch" forName="cycle" refType="w"/>
+                <dgm:constr type="ctrY" for="ch" forName="cycle" refType="h" fact="0.5"/>
+                <dgm:constr type="diam" for="ch" forName="cycle" refType="h" fact="1.344"/>
+                <dgm:constr type="h" for="ch" forName="accent_1" refType="h" fact="0.625"/>
+                <dgm:constr type="w" for="ch" forName="accent_1" refType="h" refFor="ch" refForName="accent_1" op="equ"/>
+                <dgm:constr type="ctrY" for="ch" forName="accent_1" refType="h" fact="0.5"/>
+                <dgm:constr type="ctrX" for="ch" forName="accent_1" refType="w"/>
+                <dgm:constr type="ctrXOff" for="ch" forName="accent_1" refType="h" fact="-0.2253"/>
+                <dgm:constr type="r" for="ch" forName="text_1" refType="ctrX" refFor="ch" refForName="accent_1"/>
+                <dgm:constr type="rOff" for="ch" forName="text_1" refType="ctrXOff" refFor="ch" refForName="accent_1"/>
+                <dgm:constr type="l" for="ch" forName="text_1"/>
+                <dgm:constr type="w" for="ch" forName="text_1" refType="h" refFor="ch" refForName="text_1" op="gte"/>
+                <dgm:constr type="h" for="ch" forName="text_1" refType="h" refFor="ch" refForName="accent_1" fact="0.8"/>
+                <dgm:constr type="ctrY" for="ch" forName="text_1" refType="ctrY" refFor="ch" refForName="accent_1"/>
+                <dgm:constr type="rMarg" for="ch" forName="text_1" refType="w" refFor="ch" refForName="accent_1" fact="1.8"/>
+                <dgm:constr type="primFontSz" for="ch" ptType="node" op="equ" val="65"/>
+              </dgm:constrLst>
+            </dgm:if>
+            <dgm:if name="Name15" axis="ch" ptType="node" func="cnt" op="equ" val="2">
+              <dgm:constrLst>
+                <dgm:constr type="h" for="ch" forName="cycle" refType="h"/>
+                <dgm:constr type="w" for="ch" forName="cycle" refType="h" refFor="ch" refForName="cycle" fact="0.26"/>
+                <dgm:constr type="r" for="ch" forName="cycle" refType="w"/>
+                <dgm:constr type="ctrY" for="ch" forName="cycle" refType="h" fact="0.5"/>
+                <dgm:constr type="diam" for="ch" forName="cycle" refType="h" fact="1.344"/>
+                <dgm:constr type="h" for="ch" forName="accent_1" refType="h" fact="0.3571"/>
+                <dgm:constr type="w" for="ch" forName="accent_1" refType="h" refFor="ch" refForName="accent_1" op="equ"/>
+                <dgm:constr type="ctrY" for="ch" forName="accent_1" refType="h" fact="0.2857"/>
+                <dgm:constr type="ctrX" for="ch" forName="accent_1" refType="w"/>
+                <dgm:constr type="ctrXOff" for="ch" forName="accent_1" refType="h" fact="-0.1891"/>
+                <dgm:constr type="r" for="ch" forName="text_1" refType="ctrX" refFor="ch" refForName="accent_1"/>
+                <dgm:constr type="rOff" for="ch" forName="text_1" refType="ctrXOff" refFor="ch" refForName="accent_1"/>
+                <dgm:constr type="l" for="ch" forName="text_1"/>
+                <dgm:constr type="w" for="ch" forName="text_1" refType="h" refFor="ch" refForName="text_1" op="gte"/>
+                <dgm:constr type="h" for="ch" forName="text_1" refType="h" refFor="ch" refForName="accent_1" fact="0.8"/>
+                <dgm:constr type="ctrY" for="ch" forName="text_1" refType="ctrY" refFor="ch" refForName="accent_1"/>
+                <dgm:constr type="rMarg" for="ch" forName="text_1" refType="w" refFor="ch" refForName="accent_1" fact="1.8"/>
+                <dgm:constr type="h" for="ch" forName="accent_2" refType="h" fact="0.3571"/>
+                <dgm:constr type="w" for="ch" forName="accent_2" refType="h" refFor="ch" refForName="accent_2" op="equ"/>
+                <dgm:constr type="ctrY" for="ch" forName="accent_2" refType="h" fact="0.7143"/>
+                <dgm:constr type="ctrX" for="ch" forName="accent_2" refType="w"/>
+                <dgm:constr type="ctrXOff" for="ch" forName="accent_2" refType="h" fact="-0.1891"/>
+                <dgm:constr type="r" for="ch" forName="text_2" refType="ctrX" refFor="ch" refForName="accent_2"/>
+                <dgm:constr type="rOff" for="ch" forName="text_2" refType="ctrXOff" refFor="ch" refForName="accent_2"/>
+                <dgm:constr type="l" for="ch" forName="text_2"/>
+                <dgm:constr type="w" for="ch" forName="text_2" refType="h" refFor="ch" refForName="text_2" op="gte"/>
+                <dgm:constr type="h" for="ch" forName="text_2" refType="h" refFor="ch" refForName="accent_2" fact="0.8"/>
+                <dgm:constr type="ctrY" for="ch" forName="text_2" refType="ctrY" refFor="ch" refForName="accent_2"/>
+                <dgm:constr type="rMarg" for="ch" forName="text_2" refType="w" refFor="ch" refForName="accent_2" fact="1.8"/>
+                <dgm:constr type="primFontSz" for="ch" ptType="node" op="equ" val="65"/>
+              </dgm:constrLst>
+            </dgm:if>
+            <dgm:if name="Name16" axis="ch" ptType="node" func="cnt" op="equ" val="3">
+              <dgm:constrLst>
+                <dgm:constr type="h" for="ch" forName="cycle" refType="h"/>
+                <dgm:constr type="w" for="ch" forName="cycle" refType="h" refFor="ch" refForName="cycle" fact="0.26"/>
+                <dgm:constr type="r" for="ch" forName="cycle" refType="w"/>
+                <dgm:constr type="ctrY" for="ch" forName="cycle" refType="h" fact="0.5"/>
+                <dgm:constr type="diam" for="ch" forName="cycle" refType="h" fact="1.344"/>
+                <dgm:constr type="h" for="ch" forName="accent_1" refType="h" fact="0.25"/>
+                <dgm:constr type="w" for="ch" forName="accent_1" refType="h" refFor="ch" refForName="accent_1" op="equ"/>
+                <dgm:constr type="ctrY" for="ch" forName="accent_1" refType="h" fact="0.2"/>
+                <dgm:constr type="ctrX" for="ch" forName="accent_1" refType="w"/>
+                <dgm:constr type="ctrXOff" for="ch" forName="accent_1" refType="h" fact="-0.1526"/>
+                <dgm:constr type="r" for="ch" forName="text_1" refType="ctrX" refFor="ch" refForName="accent_1"/>
+                <dgm:constr type="rOff" for="ch" forName="text_1" refType="ctrXOff" refFor="ch" refForName="accent_1"/>
+                <dgm:constr type="l" for="ch" forName="text_1"/>
+                <dgm:constr type="w" for="ch" forName="text_1" refType="h" refFor="ch" refForName="text_1" op="gte"/>
+                <dgm:constr type="h" for="ch" forName="text_1" refType="h" refFor="ch" refForName="accent_1" fact="0.8"/>
+                <dgm:constr type="ctrY" for="ch" forName="text_1" refType="ctrY" refFor="ch" refForName="accent_1"/>
+                <dgm:constr type="rMarg" for="ch" forName="text_1" refType="w" refFor="ch" refForName="accent_1" fact="1.8"/>
+                <dgm:constr type="h" for="ch" forName="accent_2" refType="h" fact="0.25"/>
+                <dgm:constr type="w" for="ch" forName="accent_2" refType="h" refFor="ch" refForName="accent_2" op="equ"/>
+                <dgm:constr type="ctrY" for="ch" forName="accent_2" refType="h" fact="0.5"/>
+                <dgm:constr type="ctrX" for="ch" forName="accent_2" refType="w"/>
+                <dgm:constr type="ctrXOff" for="ch" forName="accent_2" refType="h" fact="-0.2253"/>
+                <dgm:constr type="r" for="ch" forName="text_2" refType="ctrX" refFor="ch" refForName="accent_2"/>
+                <dgm:constr type="rOff" for="ch" forName="text_2" refType="ctrXOff" refFor="ch" refForName="accent_2"/>
+                <dgm:constr type="l" for="ch" forName="text_2"/>
+                <dgm:constr type="w" for="ch" forName="text_2" refType="h" refFor="ch" refForName="text_2" op="gte"/>
+                <dgm:constr type="h" for="ch" forName="text_2" refType="h" refFor="ch" refForName="accent_2" fact="0.8"/>
+                <dgm:constr type="ctrY" for="ch" forName="text_2" refType="ctrY" refFor="ch" refForName="accent_2"/>
+                <dgm:constr type="rMarg" for="ch" forName="text_2" refType="w" refFor="ch" refForName="accent_2" fact="1.8"/>
+                <dgm:constr type="h" for="ch" forName="accent_3" refType="h" fact="0.25"/>
+                <dgm:constr type="w" for="ch" forName="accent_3" refType="h" refFor="ch" refForName="accent_3" op="equ"/>
+                <dgm:constr type="ctrY" for="ch" forName="accent_3" refType="h" fact="0.8"/>
+                <dgm:constr type="ctrX" for="ch" forName="accent_3" refType="w"/>
+                <dgm:constr type="ctrXOff" for="ch" forName="accent_3" refType="h" fact="-0.1526"/>
+                <dgm:constr type="r" for="ch" forName="text_3" refType="ctrX" refFor="ch" refForName="accent_3"/>
+                <dgm:constr type="rOff" for="ch" forName="text_3" refType="ctrXOff" refFor="ch" refForName="accent_3"/>
+                <dgm:constr type="l" for="ch" forName="text_3"/>
+                <dgm:constr type="w" for="ch" forName="text_3" refType="h" refFor="ch" refForName="text_3" op="gte"/>
+                <dgm:constr type="h" for="ch" forName="text_3" refType="h" refFor="ch" refForName="accent_3" fact="0.8"/>
+                <dgm:constr type="ctrY" for="ch" forName="text_3" refType="ctrY" refFor="ch" refForName="accent_3"/>
+                <dgm:constr type="rMarg" for="ch" forName="text_3" refType="w" refFor="ch" refForName="accent_3" fact="1.8"/>
+                <dgm:constr type="primFontSz" for="ch" ptType="node" op="equ" val="65"/>
+              </dgm:constrLst>
+            </dgm:if>
+            <dgm:if name="Name17" axis="ch" ptType="node" func="cnt" op="equ" val="4">
+              <dgm:constrLst>
+                <dgm:constr type="h" for="ch" forName="cycle" refType="h"/>
+                <dgm:constr type="w" for="ch" forName="cycle" refType="h" refFor="ch" refForName="cycle" fact="0.26"/>
+                <dgm:constr type="r" for="ch" forName="cycle" refType="w"/>
+                <dgm:constr type="ctrY" for="ch" forName="cycle" refType="h" fact="0.5"/>
+                <dgm:constr type="diam" for="ch" forName="cycle" refType="h" fact="1.344"/>
+                <dgm:constr type="h" for="ch" forName="accent_1" refType="h" fact="0.1923"/>
+                <dgm:constr type="w" for="ch" forName="accent_1" refType="h" refFor="ch" refForName="accent_1" op="equ"/>
+                <dgm:constr type="ctrY" for="ch" forName="accent_1" refType="h" fact="0.1538"/>
+                <dgm:constr type="ctrX" for="ch" forName="accent_1" refType="w"/>
+                <dgm:constr type="ctrXOff" for="ch" forName="accent_1" refType="h" fact="-0.1268"/>
+                <dgm:constr type="r" for="ch" forName="text_1" refType="ctrX" refFor="ch" refForName="accent_1"/>
+                <dgm:constr type="rOff" for="ch" forName="text_1" refType="ctrXOff" refFor="ch" refForName="accent_1"/>
+                <dgm:constr type="l" for="ch" forName="text_1"/>
+                <dgm:constr type="w" for="ch" forName="text_1" refType="h" refFor="ch" refForName="text_1" op="gte"/>
+                <dgm:constr type="h" for="ch" forName="text_1" refType="h" refFor="ch" refForName="accent_1" fact="0.8"/>
+                <dgm:constr type="ctrY" for="ch" forName="text_1" refType="ctrY" refFor="ch" refForName="accent_1"/>
+                <dgm:constr type="rMarg" for="ch" forName="text_1" refType="w" refFor="ch" refForName="accent_1" fact="1.8"/>
+                <dgm:constr type="h" for="ch" forName="accent_2" refType="h" fact="0.1923"/>
+                <dgm:constr type="w" for="ch" forName="accent_2" refType="h" refFor="ch" refForName="accent_2" op="equ"/>
+                <dgm:constr type="ctrY" for="ch" forName="accent_2" refType="h" fact="0.3846"/>
+                <dgm:constr type="ctrX" for="ch" forName="accent_2" refType="w"/>
+                <dgm:constr type="ctrXOff" for="ch" forName="accent_2" refType="h" fact="-0.215"/>
+                <dgm:constr type="r" for="ch" forName="text_2" refType="ctrX" refFor="ch" refForName="accent_2"/>
+                <dgm:constr type="rOff" for="ch" forName="text_2" refType="ctrXOff" refFor="ch" refForName="accent_2"/>
+                <dgm:constr type="l" for="ch" forName="text_2"/>
+                <dgm:constr type="w" for="ch" forName="text_2" refType="h" refFor="ch" refForName="text_2" op="gte"/>
+                <dgm:constr type="h" for="ch" forName="text_2" refType="h" refFor="ch" refForName="accent_2" fact="0.8"/>
+                <dgm:constr type="ctrY" for="ch" forName="text_2" refType="ctrY" refFor="ch" refForName="accent_2"/>
+                <dgm:constr type="rMarg" for="ch" forName="text_2" refType="w" refFor="ch" refForName="accent_2" fact="1.8"/>
+                <dgm:constr type="h" for="ch" forName="accent_3" refType="h" fact="0.1923"/>
+                <dgm:constr type="w" for="ch" forName="accent_3" refType="h" refFor="ch" refForName="accent_3" op="equ"/>
+                <dgm:constr type="ctrY" for="ch" forName="accent_3" refType="h" fact="0.6154"/>
+                <dgm:constr type="ctrX" for="ch" forName="accent_3" refType="w"/>
+                <dgm:constr type="ctrXOff" for="ch" forName="accent_3" refType="h" fact="-0.215"/>
+                <dgm:constr type="r" for="ch" forName="text_3" refType="ctrX" refFor="ch" refForName="accent_3"/>
+                <dgm:constr type="rOff" for="ch" forName="text_3" refType="ctrXOff" refFor="ch" refForName="accent_3"/>
+                <dgm:constr type="l" for="ch" forName="text_3"/>
+                <dgm:constr type="w" for="ch" forName="text_3" refType="h" refFor="ch" refForName="text_3" op="gte"/>
+                <dgm:constr type="h" for="ch" forName="text_3" refType="h" refFor="ch" refForName="accent_3" fact="0.8"/>
+                <dgm:constr type="ctrY" for="ch" forName="text_3" refType="ctrY" refFor="ch" refForName="accent_3"/>
+                <dgm:constr type="rMarg" for="ch" forName="text_3" refType="w" refFor="ch" refForName="accent_3" fact="1.8"/>
+                <dgm:constr type="h" for="ch" forName="accent_4" refType="h" fact="0.1923"/>
+                <dgm:constr type="w" for="ch" forName="accent_4" refType="h" refFor="ch" refForName="accent_4" op="equ"/>
+                <dgm:constr type="ctrY" for="ch" forName="accent_4" refType="h" fact="0.8462"/>
+                <dgm:constr type="ctrX" for="ch" forName="accent_4" refType="w"/>
+                <dgm:constr type="ctrXOff" for="ch" forName="accent_4" refType="h" fact="-0.1268"/>
+                <dgm:constr type="r" for="ch" forName="text_4" refType="ctrX" refFor="ch" refForName="accent_4"/>
+                <dgm:constr type="rOff" for="ch" forName="text_4" refType="ctrXOff" refFor="ch" refForName="accent_4"/>
+                <dgm:constr type="l" for="ch" forName="text_4"/>
+                <dgm:constr type="w" for="ch" forName="text_4" refType="h" refFor="ch" refForName="text_4" op="gte"/>
+                <dgm:constr type="h" for="ch" forName="text_4" refType="h" refFor="ch" refForName="accent_4" fact="0.8"/>
+                <dgm:constr type="ctrY" for="ch" forName="text_4" refType="ctrY" refFor="ch" refForName="accent_4"/>
+                <dgm:constr type="rMarg" for="ch" forName="text_4" refType="w" refFor="ch" refForName="accent_4" fact="1.8"/>
+                <dgm:constr type="primFontSz" for="ch" ptType="node" op="equ" val="65"/>
+              </dgm:constrLst>
+            </dgm:if>
+            <dgm:if name="Name18" axis="ch" ptType="node" func="cnt" op="equ" val="5">
+              <dgm:constrLst>
+                <dgm:constr type="h" for="ch" forName="cycle" refType="h"/>
+                <dgm:constr type="w" for="ch" forName="cycle" refType="h" refFor="ch" refForName="cycle" fact="0.26"/>
+                <dgm:constr type="r" for="ch" forName="cycle" refType="w"/>
+                <dgm:constr type="ctrY" for="ch" forName="cycle" refType="h" fact="0.5"/>
+                <dgm:constr type="diam" for="ch" forName="cycle" refType="h" fact="1.344"/>
+                <dgm:constr type="h" for="ch" forName="accent_1" refType="h" fact="0.1563"/>
+                <dgm:constr type="w" for="ch" forName="accent_1" refType="h" refFor="ch" refForName="accent_1" op="equ"/>
+                <dgm:constr type="ctrY" for="ch" forName="accent_1" refType="h" fact="0.125"/>
+                <dgm:constr type="ctrX" for="ch" forName="accent_1" refType="w"/>
+                <dgm:constr type="ctrXOff" for="ch" forName="accent_1" refType="h" fact="-0.1082"/>
+                <dgm:constr type="r" for="ch" forName="text_1" refType="ctrX" refFor="ch" refForName="accent_1"/>
+                <dgm:constr type="rOff" for="ch" forName="text_1" refType="ctrXOff" refFor="ch" refForName="accent_1"/>
+                <dgm:constr type="l" for="ch" forName="text_1"/>
+                <dgm:constr type="w" for="ch" forName="text_1" refType="h" refFor="ch" refForName="text_1" op="gte"/>
+                <dgm:constr type="h" for="ch" forName="text_1" refType="h" refFor="ch" refForName="accent_1" fact="0.8"/>
+                <dgm:constr type="ctrY" for="ch" forName="text_1" refType="ctrY" refFor="ch" refForName="accent_1"/>
+                <dgm:constr type="rMarg" for="ch" forName="text_1" refType="w" refFor="ch" refForName="accent_1" fact="1.8"/>
+                <dgm:constr type="h" for="ch" forName="accent_2" refType="h" fact="0.1563"/>
+                <dgm:constr type="w" for="ch" forName="accent_2" refType="h" refFor="ch" refForName="accent_2" op="equ"/>
+                <dgm:constr type="ctrY" for="ch" forName="accent_2" refType="h" fact="0.3125"/>
+                <dgm:constr type="ctrX" for="ch" forName="accent_2" refType="w"/>
+                <dgm:constr type="ctrXOff" for="ch" forName="accent_2" refType="h" fact="-0.1978"/>
+                <dgm:constr type="r" for="ch" forName="text_2" refType="ctrX" refFor="ch" refForName="accent_2"/>
+                <dgm:constr type="rOff" for="ch" forName="text_2" refType="ctrXOff" refFor="ch" refForName="accent_2"/>
+                <dgm:constr type="l" for="ch" forName="text_2"/>
+                <dgm:constr type="w" for="ch" forName="text_2" refType="h" refFor="ch" refForName="text_2" op="gte"/>
+                <dgm:constr type="h" for="ch" forName="text_2" refType="h" refFor="ch" refForName="accent_2" fact="0.8"/>
+                <dgm:constr type="ctrY" for="ch" forName="text_2" refType="ctrY" refFor="ch" refForName="accent_2"/>
+                <dgm:constr type="rMarg" for="ch" forName="text_2" refType="w" refFor="ch" refForName="accent_2" fact="1.8"/>
+                <dgm:constr type="h" for="ch" forName="accent_3" refType="h" fact="0.1563"/>
+                <dgm:constr type="w" for="ch" forName="accent_3" refType="h" refFor="ch" refForName="accent_3" op="equ"/>
+                <dgm:constr type="ctrY" for="ch" forName="accent_3" refType="h" fact="0.5"/>
+                <dgm:constr type="ctrX" for="ch" forName="accent_3" refType="w"/>
+                <dgm:constr type="ctrXOff" for="ch" forName="accent_3" refType="h" fact="-0.2253"/>
+                <dgm:constr type="r" for="ch" forName="text_3" refType="ctrX" refFor="ch" refForName="accent_3"/>
+                <dgm:constr type="rOff" for="ch" forName="text_3" refType="ctrXOff" refFor="ch" refForName="accent_3"/>
+                <dgm:constr type="l" for="ch" forName="text_3"/>
+                <dgm:constr type="w" for="ch" forName="text_3" refType="h" refFor="ch" refForName="text_3" op="gte"/>
+                <dgm:constr type="h" for="ch" forName="text_3" refType="h" refFor="ch" refForName="accent_3" fact="0.8"/>
+                <dgm:constr type="ctrY" for="ch" forName="text_3" refType="ctrY" refFor="ch" refForName="accent_3"/>
+                <dgm:constr type="rMarg" for="ch" forName="text_3" refType="w" refFor="ch" refForName="accent_3" fact="1.8"/>
+                <dgm:constr type="h" for="ch" forName="accent_4" refType="h" fact="0.1563"/>
+                <dgm:constr type="w" for="ch" forName="accent_4" refType="h" refFor="ch" refForName="accent_4" op="equ"/>
+                <dgm:constr type="ctrY" for="ch" forName="accent_4" refType="h" fact="0.6875"/>
+                <dgm:constr type="ctrX" for="ch" forName="accent_4" refType="w"/>
+                <dgm:constr type="ctrXOff" for="ch" forName="accent_4" refType="h" fact="-0.1978"/>
+                <dgm:constr type="r" for="ch" forName="text_4" refType="ctrX" refFor="ch" refForName="accent_4"/>
+                <dgm:constr type="rOff" for="ch" forName="text_4" refType="ctrXOff" refFor="ch" refForName="accent_4"/>
+                <dgm:constr type="l" for="ch" forName="text_4"/>
+                <dgm:constr type="w" for="ch" forName="text_4" refType="h" refFor="ch" refForName="text_4" op="gte"/>
+                <dgm:constr type="h" for="ch" forName="text_4" refType="h" refFor="ch" refForName="accent_4" fact="0.8"/>
+                <dgm:constr type="ctrY" for="ch" forName="text_4" refType="ctrY" refFor="ch" refForName="accent_4"/>
+                <dgm:constr type="rMarg" for="ch" forName="text_4" refType="w" refFor="ch" refForName="accent_4" fact="1.8"/>
+                <dgm:constr type="h" for="ch" forName="accent_5" refType="h" fact="0.1563"/>
+                <dgm:constr type="w" for="ch" forName="accent_5" refType="h" refFor="ch" refForName="accent_5" op="equ"/>
+                <dgm:constr type="ctrY" for="ch" forName="accent_5" refType="h" fact="0.875"/>
+                <dgm:constr type="ctrX" for="ch" forName="accent_5" refType="w"/>
+                <dgm:constr type="ctrXOff" for="ch" forName="accent_5" refType="h" fact="-0.1082"/>
+                <dgm:constr type="r" for="ch" forName="text_5" refType="ctrX" refFor="ch" refForName="accent_5"/>
+                <dgm:constr type="rOff" for="ch" forName="text_5" refType="ctrXOff" refFor="ch" refForName="accent_5"/>
+                <dgm:constr type="l" for="ch" forName="text_5"/>
+                <dgm:constr type="w" for="ch" forName="text_5" refType="h" refFor="ch" refForName="text_5" op="gte"/>
+                <dgm:constr type="h" for="ch" forName="text_5" refType="h" refFor="ch" refForName="accent_5" fact="0.8"/>
+                <dgm:constr type="ctrY" for="ch" forName="text_5" refType="ctrY" refFor="ch" refForName="accent_5"/>
+                <dgm:constr type="rMarg" for="ch" forName="text_5" refType="w" refFor="ch" refForName="accent_5" fact="1.8"/>
+                <dgm:constr type="primFontSz" for="ch" ptType="node" op="equ" val="65"/>
+              </dgm:constrLst>
+            </dgm:if>
+            <dgm:if name="Name19" axis="ch" ptType="node" func="cnt" op="equ" val="6">
+              <dgm:constrLst>
+                <dgm:constr type="h" for="ch" forName="cycle" refType="h"/>
+                <dgm:constr type="w" for="ch" forName="cycle" refType="h" refFor="ch" refForName="cycle" fact="0.26"/>
+                <dgm:constr type="r" for="ch" forName="cycle" refType="w"/>
+                <dgm:constr type="ctrY" for="ch" forName="cycle" refType="h" fact="0.5"/>
+                <dgm:constr type="diam" for="ch" forName="cycle" refType="h" fact="1.344"/>
+                <dgm:constr type="h" for="ch" forName="accent_1" refType="h" fact="0.1316"/>
+                <dgm:constr type="w" for="ch" forName="accent_1" refType="h" refFor="ch" refForName="accent_1" op="equ"/>
+                <dgm:constr type="ctrY" for="ch" forName="accent_1" refType="h" fact="0.1053"/>
+                <dgm:constr type="ctrX" for="ch" forName="accent_1" refType="w"/>
+                <dgm:constr type="ctrXOff" for="ch" forName="accent_1" refType="h" fact="-0.0943"/>
+                <dgm:constr type="r" for="ch" forName="text_1" refType="ctrX" refFor="ch" refForName="accent_1"/>
+                <dgm:constr type="rOff" for="ch" forName="text_1" refType="ctrXOff" refFor="ch" refForName="accent_1"/>
+                <dgm:constr type="l" for="ch" forName="text_1"/>
+                <dgm:constr type="w" for="ch" forName="text_1" refType="h" refFor="ch" refForName="text_1" op="gte"/>
+                <dgm:constr type="h" for="ch" forName="text_1" refType="h" refFor="ch" refForName="accent_1" fact="0.8"/>
+                <dgm:constr type="ctrY" for="ch" forName="text_1" refType="ctrY" refFor="ch" refForName="accent_1"/>
+                <dgm:constr type="rMarg" for="ch" forName="text_1" refType="w" refFor="ch" refForName="accent_1" fact="1.8"/>
+                <dgm:constr type="h" for="ch" forName="accent_2" refType="h" fact="0.1316"/>
+                <dgm:constr type="w" for="ch" forName="accent_2" refType="h" refFor="ch" refForName="accent_2" op="equ"/>
+                <dgm:constr type="ctrY" for="ch" forName="accent_2" refType="h" fact="0.2632"/>
+                <dgm:constr type="ctrX" for="ch" forName="accent_2" refType="w"/>
+                <dgm:constr type="ctrXOff" for="ch" forName="accent_2" refType="h" fact="-0.1809"/>
+                <dgm:constr type="r" for="ch" forName="text_2" refType="ctrX" refFor="ch" refForName="accent_2"/>
+                <dgm:constr type="rOff" for="ch" forName="text_2" refType="ctrXOff" refFor="ch" refForName="accent_2"/>
+                <dgm:constr type="l" for="ch" forName="text_2"/>
+                <dgm:constr type="w" for="ch" forName="text_2" refType="h" refFor="ch" refForName="text_2" op="gte"/>
+                <dgm:constr type="h" for="ch" forName="text_2" refType="h" refFor="ch" refForName="accent_2" fact="0.8"/>
+                <dgm:constr type="ctrY" for="ch" forName="text_2" refType="ctrY" refFor="ch" refForName="accent_2"/>
+                <dgm:constr type="rMarg" for="ch" forName="text_2" refType="w" refFor="ch" refForName="accent_2" fact="1.8"/>
+                <dgm:constr type="h" for="ch" forName="accent_3" refType="h" fact="0.1316"/>
+                <dgm:constr type="w" for="ch" forName="accent_3" refType="h" refFor="ch" refForName="accent_3" op="equ"/>
+                <dgm:constr type="ctrY" for="ch" forName="accent_3" refType="h" fact="0.4211"/>
+                <dgm:constr type="ctrX" for="ch" forName="accent_3" refType="w"/>
+                <dgm:constr type="ctrXOff" for="ch" forName="accent_3" refType="h" fact="-0.2205"/>
+                <dgm:constr type="r" for="ch" forName="text_3" refType="ctrX" refFor="ch" refForName="accent_3"/>
+                <dgm:constr type="rOff" for="ch" forName="text_3" refType="ctrXOff" refFor="ch" refForName="accent_3"/>
+                <dgm:constr type="l" for="ch" forName="text_3"/>
+                <dgm:constr type="w" for="ch" forName="text_3" refType="h" refFor="ch" refForName="text_3" op="gte"/>
+                <dgm:constr type="h" for="ch" forName="text_3" refType="h" refFor="ch" refForName="accent_3" fact="0.8"/>
+                <dgm:constr type="ctrY" for="ch" forName="text_3" refType="ctrY" refFor="ch" refForName="accent_3"/>
+                <dgm:constr type="rMarg" for="ch" forName="text_3" refType="w" refFor="ch" refForName="accent_3" fact="1.8"/>
+                <dgm:constr type="h" for="ch" forName="accent_4" refType="h" fact="0.1316"/>
+                <dgm:constr type="w" for="ch" forName="accent_4" refType="h" refFor="ch" refForName="accent_4" op="equ"/>
+                <dgm:constr type="ctrY" for="ch" forName="accent_4" refType="h" fact="0.5789"/>
+                <dgm:constr type="ctrX" for="ch" forName="accent_4" refType="w"/>
+                <dgm:constr type="ctrXOff" for="ch" forName="accent_4" refType="h" fact="-0.2205"/>
+                <dgm:constr type="r" for="ch" forName="text_4" refType="ctrX" refFor="ch" refForName="accent_4"/>
+                <dgm:constr type="rOff" for="ch" forName="text_4" refType="ctrXOff" refFor="ch" refForName="accent_4"/>
+                <dgm:constr type="l" for="ch" forName="text_4"/>
+                <dgm:constr type="w" for="ch" forName="text_4" refType="h" refFor="ch" refForName="text_4" op="gte"/>
+                <dgm:constr type="h" for="ch" forName="text_4" refType="h" refFor="ch" refForName="accent_4" fact="0.8"/>
+                <dgm:constr type="ctrY" for="ch" forName="text_4" refType="ctrY" refFor="ch" refForName="accent_4"/>
+                <dgm:constr type="rMarg" for="ch" forName="text_4" refType="w" refFor="ch" refForName="accent_4" fact="1.8"/>
+                <dgm:constr type="h" for="ch" forName="accent_5" refType="h" fact="0.1316"/>
+                <dgm:constr type="w" for="ch" forName="accent_5" refType="h" refFor="ch" refForName="accent_5" op="equ"/>
+                <dgm:constr type="ctrY" for="ch" forName="accent_5" refType="h" fact="0.7368"/>
+                <dgm:constr type="ctrX" for="ch" forName="accent_5" refType="w"/>
+                <dgm:constr type="ctrXOff" for="ch" forName="accent_5" refType="h" fact="-0.1809"/>
+                <dgm:constr type="r" for="ch" forName="text_5" refType="ctrX" refFor="ch" refForName="accent_5"/>
+                <dgm:constr type="rOff" for="ch" forName="text_5" refType="ctrXOff" refFor="ch" refForName="accent_5"/>
+                <dgm:constr type="l" for="ch" forName="text_5"/>
+                <dgm:constr type="w" for="ch" forName="text_5" refType="h" refFor="ch" refForName="text_5" op="gte"/>
+                <dgm:constr type="h" for="ch" forName="text_5" refType="h" refFor="ch" refForName="accent_5" fact="0.8"/>
+                <dgm:constr type="ctrY" for="ch" forName="text_5" refType="ctrY" refFor="ch" refForName="accent_5"/>
+                <dgm:constr type="rMarg" for="ch" forName="text_5" refType="w" refFor="ch" refForName="accent_5" fact="1.8"/>
+                <dgm:constr type="h" for="ch" forName="accent_6" refType="h" fact="0.1316"/>
+                <dgm:constr type="w" for="ch" forName="accent_6" refType="h" refFor="ch" refForName="accent_6" op="equ"/>
+                <dgm:constr type="ctrY" for="ch" forName="accent_6" refType="h" fact="0.8947"/>
+                <dgm:constr type="ctrX" for="ch" forName="accent_6" refType="w"/>
+                <dgm:constr type="ctrXOff" for="ch" forName="accent_6" refType="h" fact="-0.0943"/>
+                <dgm:constr type="r" for="ch" forName="text_6" refType="ctrX" refFor="ch" refForName="accent_6"/>
+                <dgm:constr type="rOff" for="ch" forName="text_6" refType="ctrXOff" refFor="ch" refForName="accent_6"/>
+                <dgm:constr type="l" for="ch" forName="text_6"/>
+                <dgm:constr type="w" for="ch" forName="text_6" refType="h" refFor="ch" refForName="text_6" op="gte"/>
+                <dgm:constr type="h" for="ch" forName="text_6" refType="h" refFor="ch" refForName="accent_6" fact="0.8"/>
+                <dgm:constr type="ctrY" for="ch" forName="text_6" refType="ctrY" refFor="ch" refForName="accent_6"/>
+                <dgm:constr type="rMarg" for="ch" forName="text_6" refType="w" refFor="ch" refForName="accent_6" fact="1.8"/>
+                <dgm:constr type="primFontSz" for="ch" ptType="node" op="equ" val="65"/>
+              </dgm:constrLst>
+            </dgm:if>
+            <dgm:else name="Name20">
+              <dgm:constrLst>
+                <dgm:constr type="h" for="ch" forName="cycle" refType="h"/>
+                <dgm:constr type="w" for="ch" forName="cycle" refType="h" refFor="ch" refForName="cycle" fact="0.26"/>
+                <dgm:constr type="r" for="ch" forName="cycle" refType="w"/>
+                <dgm:constr type="ctrY" for="ch" forName="cycle" refType="h" fact="0.5"/>
+                <dgm:constr type="diam" for="ch" forName="cycle" refType="h" fact="1.344"/>
+                <dgm:constr type="h" for="ch" forName="accent_1" refType="h" fact="0.1136"/>
+                <dgm:constr type="w" for="ch" forName="accent_1" refType="h" refFor="ch" refForName="accent_1" op="equ"/>
+                <dgm:constr type="ctrY" for="ch" forName="accent_1" refType="h" fact="0.0909"/>
+                <dgm:constr type="ctrX" for="ch" forName="accent_1" refType="w"/>
+                <dgm:constr type="ctrXOff" for="ch" forName="accent_1" refType="h" fact="-0.0835"/>
+                <dgm:constr type="r" for="ch" forName="text_1" refType="ctrX" refFor="ch" refForName="accent_1"/>
+                <dgm:constr type="rOff" for="ch" forName="text_1" refType="ctrXOff" refFor="ch" refForName="accent_1"/>
+                <dgm:constr type="l" for="ch" forName="text_1"/>
+                <dgm:constr type="w" for="ch" forName="text_1" refType="h" refFor="ch" refForName="text_1" op="gte"/>
+                <dgm:constr type="h" for="ch" forName="text_1" refType="h" refFor="ch" refForName="accent_1" fact="0.8"/>
+                <dgm:constr type="ctrY" for="ch" forName="text_1" refType="ctrY" refFor="ch" refForName="accent_1"/>
+                <dgm:constr type="rMarg" for="ch" forName="text_1" refType="w" refFor="ch" refForName="accent_1" fact="1.8"/>
+                <dgm:constr type="h" for="ch" forName="accent_2" refType="h" fact="0.1136"/>
+                <dgm:constr type="w" for="ch" forName="accent_2" refType="h" refFor="ch" refForName="accent_2" op="equ"/>
+                <dgm:constr type="ctrY" for="ch" forName="accent_2" refType="h" fact="0.2273"/>
+                <dgm:constr type="ctrX" for="ch" forName="accent_2" refType="w"/>
+                <dgm:constr type="ctrXOff" for="ch" forName="accent_2" refType="h" fact="-0.1658"/>
+                <dgm:constr type="r" for="ch" forName="text_2" refType="ctrX" refFor="ch" refForName="accent_2"/>
+                <dgm:constr type="rOff" for="ch" forName="text_2" refType="ctrXOff" refFor="ch" refForName="accent_2"/>
+                <dgm:constr type="l" for="ch" forName="text_2"/>
+                <dgm:constr type="w" for="ch" forName="text_2" refType="h" refFor="ch" refForName="text_2" op="gte"/>
+                <dgm:constr type="h" for="ch" forName="text_2" refType="h" refFor="ch" refForName="accent_2" fact="0.8"/>
+                <dgm:constr type="ctrY" for="ch" forName="text_2" refType="ctrY" refFor="ch" refForName="accent_2"/>
+                <dgm:constr type="rMarg" for="ch" forName="text_2" refType="w" refFor="ch" refForName="accent_2" fact="1.8"/>
+                <dgm:constr type="h" for="ch" forName="accent_3" refType="h" fact="0.1136"/>
+                <dgm:constr type="w" for="ch" forName="accent_3" refType="h" refFor="ch" refForName="accent_3" op="equ"/>
+                <dgm:constr type="ctrY" for="ch" forName="accent_3" refType="h" fact="0.3636"/>
+                <dgm:constr type="ctrX" for="ch" forName="accent_3" refType="w"/>
+                <dgm:constr type="ctrXOff" for="ch" forName="accent_3" refType="h" fact="-0.2109"/>
+                <dgm:constr type="r" for="ch" forName="text_3" refType="ctrX" refFor="ch" refForName="accent_3"/>
+                <dgm:constr type="rOff" for="ch" forName="text_3" refType="ctrXOff" refFor="ch" refForName="accent_3"/>
+                <dgm:constr type="l" for="ch" forName="text_3"/>
+                <dgm:constr type="w" for="ch" forName="text_3" refType="h" refFor="ch" refForName="text_3" op="gte"/>
+                <dgm:constr type="h" for="ch" forName="text_3" refType="h" refFor="ch" refForName="accent_3" fact="0.8"/>
+                <dgm:constr type="ctrY" for="ch" forName="text_3" refType="ctrY" refFor="ch" refForName="accent_3"/>
+                <dgm:constr type="rMarg" for="ch" forName="text_3" refType="w" refFor="ch" refForName="accent_3" fact="1.8"/>
+                <dgm:constr type="h" for="ch" forName="accent_4" refType="h" fact="0.1136"/>
+                <dgm:constr type="w" for="ch" forName="accent_4" refType="h" refFor="ch" refForName="accent_4" op="equ"/>
+                <dgm:constr type="ctrY" for="ch" forName="accent_4" refType="h" fact="0.5"/>
+                <dgm:constr type="ctrX" for="ch" forName="accent_4" refType="w"/>
+                <dgm:constr type="ctrXOff" for="ch" forName="accent_4" refType="h" fact="-0.2253"/>
+                <dgm:constr type="r" for="ch" forName="text_4" refType="ctrX" refFor="ch" refForName="accent_4"/>
+                <dgm:constr type="rOff" for="ch" forName="text_4" refType="ctrXOff" refFor="ch" refForName="accent_4"/>
+                <dgm:constr type="l" for="ch" forName="text_4"/>
+                <dgm:constr type="w" for="ch" forName="text_4" refType="h" refFor="ch" refForName="text_4" op="gte"/>
+                <dgm:constr type="h" for="ch" forName="text_4" refType="h" refFor="ch" refForName="accent_4" fact="0.8"/>
+                <dgm:constr type="ctrY" for="ch" forName="text_4" refType="ctrY" refFor="ch" refForName="accent_4"/>
+                <dgm:constr type="rMarg" for="ch" forName="text_4" refType="w" refFor="ch" refForName="accent_4" fact="1.8"/>
+                <dgm:constr type="h" for="ch" forName="accent_5" refType="h" fact="0.1136"/>
+                <dgm:constr type="w" for="ch" forName="accent_5" refType="h" refFor="ch" refForName="accent_5" op="equ"/>
+                <dgm:constr type="ctrY" for="ch" forName="accent_5" refType="h" fact="0.6364"/>
+                <dgm:constr type="ctrX" for="ch" forName="accent_5" refType="w"/>
+                <dgm:constr type="ctrXOff" for="ch" forName="accent_5" refType="h" fact="-0.2109"/>
+                <dgm:constr type="r" for="ch" forName="text_5" refType="ctrX" refFor="ch" refForName="accent_5"/>
+                <dgm:constr type="rOff" for="ch" forName="text_5" refType="ctrXOff" refFor="ch" refForName="accent_5"/>
+                <dgm:constr type="l" for="ch" forName="text_5"/>
+                <dgm:constr type="w" for="ch" forName="text_5" refType="h" refFor="ch" refForName="text_5" op="gte"/>
+                <dgm:constr type="h" for="ch" forName="text_5" refType="h" refFor="ch" refForName="accent_5" fact="0.8"/>
+                <dgm:constr type="ctrY" for="ch" forName="text_5" refType="ctrY" refFor="ch" refForName="accent_5"/>
+                <dgm:constr type="rMarg" for="ch" forName="text_5" refType="w" refFor="ch" refForName="accent_5" fact="1.8"/>
+                <dgm:constr type="h" for="ch" forName="accent_6" refType="h" fact="0.1136"/>
+                <dgm:constr type="w" for="ch" forName="accent_6" refType="h" refFor="ch" refForName="accent_6" op="equ"/>
+                <dgm:constr type="ctrY" for="ch" forName="accent_6" refType="h" fact="0.7727"/>
+                <dgm:constr type="ctrX" for="ch" forName="accent_6" refType="w"/>
+                <dgm:constr type="ctrXOff" for="ch" forName="accent_6" refType="h" fact="-0.1658"/>
+                <dgm:constr type="r" for="ch" forName="text_6" refType="ctrX" refFor="ch" refForName="accent_6"/>
+                <dgm:constr type="rOff" for="ch" forName="text_6" refType="ctrXOff" refFor="ch" refForName="accent_6"/>
+                <dgm:constr type="l" for="ch" forName="text_6"/>
+                <dgm:constr type="w" for="ch" forName="text_6" refType="h" refFor="ch" refForName="text_6" op="gte"/>
+                <dgm:constr type="h" for="ch" forName="text_6" refType="h" refFor="ch" refForName="accent_6" fact="0.8"/>
+                <dgm:constr type="ctrY" for="ch" forName="text_6" refType="ctrY" refFor="ch" refForName="accent_6"/>
+                <dgm:constr type="rMarg" for="ch" forName="text_6" refType="w" refFor="ch" refForName="accent_6" fact="1.8"/>
+                <dgm:constr type="h" for="ch" forName="accent_7" refType="h" fact="0.1136"/>
+                <dgm:constr type="w" for="ch" forName="accent_7" refType="h" refFor="ch" refForName="accent_7" op="equ"/>
+                <dgm:constr type="ctrY" for="ch" forName="accent_7" refType="h" fact="0.9091"/>
+                <dgm:constr type="ctrX" for="ch" forName="accent_7" refType="w"/>
+                <dgm:constr type="ctrXOff" for="ch" forName="accent_7" refType="h" fact="-0.0835"/>
+                <dgm:constr type="r" for="ch" forName="text_7" refType="ctrX" refFor="ch" refForName="accent_7"/>
+                <dgm:constr type="rOff" for="ch" forName="text_7" refType="ctrXOff" refFor="ch" refForName="accent_7"/>
+                <dgm:constr type="l" for="ch" forName="text_7"/>
+                <dgm:constr type="w" for="ch" forName="text_7" refType="h" refFor="ch" refForName="text_7" op="gte"/>
+                <dgm:constr type="h" for="ch" forName="text_7" refType="h" refFor="ch" refForName="accent_7" fact="0.8"/>
+                <dgm:constr type="ctrY" for="ch" forName="text_7" refType="ctrY" refFor="ch" refForName="accent_7"/>
+                <dgm:constr type="rMarg" for="ch" forName="text_7" refType="w" refFor="ch" refForName="accent_7" fact="1.8"/>
+                <dgm:constr type="primFontSz" for="ch" ptType="node" op="equ" val="65"/>
+              </dgm:constrLst>
+            </dgm:else>
+          </dgm:choose>
+        </dgm:else>
+      </dgm:choose>
+      <dgm:layoutNode name="cycle">
+        <dgm:choose name="Name21">
+          <dgm:if name="Name22" func="var" arg="dir" op="equ" val="norm">
+            <dgm:alg type="cycle">
+              <dgm:param type="stAng" val="45"/>
+              <dgm:param type="spanAng" val="90"/>
+            </dgm:alg>
+          </dgm:if>
+          <dgm:else name="Name23">
+            <dgm:alg type="cycle">
+              <dgm:param type="stAng" val="225"/>
+              <dgm:param type="spanAng" val="90"/>
+            </dgm:alg>
+          </dgm:else>
+        </dgm:choose>
+        <dgm:shape xmlns:r="http://schemas.openxmlformats.org/officeDocument/2006/relationships" r:blip="">
+          <dgm:adjLst/>
+        </dgm:shape>
+        <dgm:presOf/>
+        <dgm:constrLst>
+          <dgm:constr type="w" for="ch" val="1"/>
+          <dgm:constr type="h" for="ch" val="1"/>
+          <dgm:constr type="diam" for="ch" forName="conn" refType="diam"/>
+        </dgm:constrLst>
+        <dgm:layoutNode name="srcNode">
+          <dgm:alg type="sp"/>
+          <dgm:shape xmlns:r="http://schemas.openxmlformats.org/officeDocument/2006/relationships" type="rect" r:blip="" hideGeom="1">
+            <dgm:adjLst/>
+          </dgm:shape>
+          <dgm:presOf/>
+        </dgm:layoutNode>
+        <dgm:layoutNode name="conn" styleLbl="parChTrans1D2">
+          <dgm:alg type="conn">
+            <dgm:param type="connRout" val="curve"/>
+            <dgm:param type="srcNode" val="srcNode"/>
+            <dgm:param type="dstNode" val="dstNode"/>
+            <dgm:param type="begPts" val="ctr"/>
+            <dgm:param type="endPts" val="ctr"/>
+            <dgm:param type="endSty" val="noArr"/>
+          </dgm:alg>
+          <dgm:shape xmlns:r="http://schemas.openxmlformats.org/officeDocument/2006/relationships" type="conn" r:blip="">
+            <dgm:adjLst/>
+          </dgm:shape>
+          <dgm:presOf axis="desOrSelf" ptType="sibTrans" hideLastTrans="0" st="0" cnt="1"/>
+          <dgm:constrLst>
+            <dgm:constr type="begPad"/>
+            <dgm:constr type="endPad"/>
+          </dgm:constrLst>
+        </dgm:layoutNode>
+        <dgm:layoutNode name="extraNode">
+          <dgm:alg type="sp"/>
+          <dgm:shape xmlns:r="http://schemas.openxmlformats.org/officeDocument/2006/relationships" type="rect" r:blip="" hideGeom="1">
+            <dgm:adjLst/>
+          </dgm:shape>
+          <dgm:presOf/>
+        </dgm:layoutNode>
+        <dgm:layoutNode name="dstNode">
+          <dgm:alg type="sp"/>
+          <dgm:shape xmlns:r="http://schemas.openxmlformats.org/officeDocument/2006/relationships" type="rect" r:blip="" hideGeom="1">
+            <dgm:adjLst/>
+          </dgm:shape>
+          <dgm:presOf/>
+        </dgm:layoutNode>
+      </dgm:layoutNode>
+      <dgm:forEach name="wrapper" axis="self" ptType="parTrans">
+        <dgm:forEach name="wrapper2" axis="self" ptType="sibTrans" st="2">
+          <dgm:forEach name="accentRepeat" axis="self">
+            <dgm:layoutNode name="accentRepeatNode" styleLbl="solidFgAcc1">
+              <dgm:alg type="sp"/>
+              <dgm:shape xmlns:r="http://schemas.openxmlformats.org/officeDocument/2006/relationships" type="ellipse" r:blip="">
+                <dgm:adjLst/>
+              </dgm:shape>
+              <dgm:presOf/>
+            </dgm:layoutNode>
+          </dgm:forEach>
+        </dgm:forEach>
+      </dgm:forEach>
+      <dgm:forEach name="Name24" axis="ch" ptType="node" cnt="1">
+        <dgm:layoutNode name="text_1" styleLbl="node1">
+          <dgm:varLst>
+            <dgm:bulletEnabled val="1"/>
+          </dgm:varLst>
+          <dgm:choose name="Name25">
+            <dgm:if name="Name26" func="var" arg="dir" op="equ" val="norm">
+              <dgm:alg type="tx">
+                <dgm:param type="parTxLTRAlign" val="l"/>
+                <dgm:param type="shpTxLTRAlignCh" val="l"/>
+                <dgm:param type="parTxRTLAlign" val="l"/>
+                <dgm:param type="shpTxRTLAlignCh" val="l"/>
+              </dgm:alg>
+            </dgm:if>
+            <dgm:else name="Name27">
+              <dgm:alg type="tx">
+                <dgm:param type="parTxLTRAlign" val="r"/>
+                <dgm:param type="shpTxLTRAlignCh" val="r"/>
+                <dgm:param type="parTxRTLAlign" val="r"/>
+                <dgm:param type="shpTxRTLAlignCh" val="r"/>
+              </dgm:alg>
+            </dgm:else>
+          </dgm:choose>
+          <dgm:shape xmlns:r="http://schemas.openxmlformats.org/officeDocument/2006/relationships" type="rect" r:blip="">
+            <dgm:adjLst/>
+          </dgm:shape>
+          <dgm:presOf axis="desOrSelf" ptType="node"/>
+          <dgm:constrLst>
+            <dgm:constr type="primFontSz" val="65"/>
+            <dgm:constr type="lMarg" refType="primFontSz" fact="0.2"/>
+            <dgm:constr type="rMarg" refType="primFontSz" fact="0.2"/>
+            <dgm:constr type="tMarg" refType="primFontSz" fact="0.2"/>
+            <dgm:constr type="bMarg" refType="primFontSz" fact="0.2"/>
+          </dgm:constrLst>
+          <dgm:ruleLst>
+            <dgm:rule type="primFontSz" val="5" fact="NaN" max="NaN"/>
+          </dgm:ruleLst>
+        </dgm:layoutNode>
+        <dgm:layoutNode name="accent_1">
+          <dgm:alg type="sp"/>
+          <dgm:shape xmlns:r="http://schemas.openxmlformats.org/officeDocument/2006/relationships" r:blip="">
+            <dgm:adjLst/>
+          </dgm:shape>
+          <dgm:presOf/>
+          <dgm:constrLst/>
+          <dgm:forEach name="Name28" ref="accentRepeat"/>
+        </dgm:layoutNode>
+      </dgm:forEach>
+      <dgm:forEach name="Name29" axis="ch" ptType="node" st="2" cnt="1">
+        <dgm:layoutNode name="text_2" styleLbl="node1">
+          <dgm:varLst>
+            <dgm:bulletEnabled val="1"/>
+          </dgm:varLst>
+          <dgm:choose name="Name30">
+            <dgm:if name="Name31" func="var" arg="dir" op="equ" val="norm">
+              <dgm:alg type="tx">
+                <dgm:param type="parTxLTRAlign" val="l"/>
+                <dgm:param type="shpTxLTRAlignCh" val="l"/>
+                <dgm:param type="parTxRTLAlign" val="l"/>
+                <dgm:param type="shpTxRTLAlignCh" val="l"/>
+              </dgm:alg>
+            </dgm:if>
+            <dgm:else name="Name32">
+              <dgm:alg type="tx">
+                <dgm:param type="parTxLTRAlign" val="r"/>
+                <dgm:param type="shpTxLTRAlignCh" val="r"/>
+                <dgm:param type="parTxRTLAlign" val="r"/>
+                <dgm:param type="shpTxRTLAlignCh" val="r"/>
+              </dgm:alg>
+            </dgm:else>
+          </dgm:choose>
+          <dgm:shape xmlns:r="http://schemas.openxmlformats.org/officeDocument/2006/relationships" type="rect" r:blip="">
+            <dgm:adjLst/>
+          </dgm:shape>
+          <dgm:presOf axis="desOrSelf" ptType="node"/>
+          <dgm:constrLst>
+            <dgm:constr type="primFontSz" val="65"/>
+            <dgm:constr type="lMarg" refType="primFontSz" fact="0.2"/>
+            <dgm:constr type="rMarg" refType="primFontSz" fact="0.2"/>
+            <dgm:constr type="tMarg" refType="primFontSz" fact="0.2"/>
+            <dgm:constr type="bMarg" refType="primFontSz" fact="0.2"/>
+          </dgm:constrLst>
+          <dgm:ruleLst>
+            <dgm:rule type="primFontSz" val="5" fact="NaN" max="NaN"/>
+          </dgm:ruleLst>
+        </dgm:layoutNode>
+        <dgm:layoutNode name="accent_2">
+          <dgm:alg type="sp"/>
+          <dgm:shape xmlns:r="http://schemas.openxmlformats.org/officeDocument/2006/relationships" r:blip="">
+            <dgm:adjLst/>
+          </dgm:shape>
+          <dgm:presOf/>
+          <dgm:constrLst/>
+          <dgm:forEach name="Name33" ref="accentRepeat"/>
+        </dgm:layoutNode>
+      </dgm:forEach>
+      <dgm:forEach name="Name34" axis="ch" ptType="node" st="3" cnt="1">
+        <dgm:layoutNode name="text_3" styleLbl="node1">
+          <dgm:varLst>
+            <dgm:bulletEnabled val="1"/>
+          </dgm:varLst>
+          <dgm:choose name="Name35">
+            <dgm:if name="Name36" func="var" arg="dir" op="equ" val="norm">
+              <dgm:alg type="tx">
+                <dgm:param type="parTxLTRAlign" val="l"/>
+                <dgm:param type="shpTxLTRAlignCh" val="l"/>
+                <dgm:param type="parTxRTLAlign" val="l"/>
+                <dgm:param type="shpTxRTLAlignCh" val="l"/>
+              </dgm:alg>
+            </dgm:if>
+            <dgm:else name="Name37">
+              <dgm:alg type="tx">
+                <dgm:param type="parTxLTRAlign" val="r"/>
+                <dgm:param type="shpTxLTRAlignCh" val="r"/>
+                <dgm:param type="parTxRTLAlign" val="r"/>
+                <dgm:param type="shpTxRTLAlignCh" val="r"/>
+              </dgm:alg>
+            </dgm:else>
+          </dgm:choose>
+          <dgm:shape xmlns:r="http://schemas.openxmlformats.org/officeDocument/2006/relationships" type="rect" r:blip="">
+            <dgm:adjLst/>
+          </dgm:shape>
+          <dgm:presOf axis="desOrSelf" ptType="node"/>
+          <dgm:constrLst>
+            <dgm:constr type="primFontSz" val="65"/>
+            <dgm:constr type="lMarg" refType="primFontSz" fact="0.2"/>
+            <dgm:constr type="rMarg" refType="primFontSz" fact="0.2"/>
+            <dgm:constr type="tMarg" refType="primFontSz" fact="0.2"/>
+            <dgm:constr type="bMarg" refType="primFontSz" fact="0.2"/>
+          </dgm:constrLst>
+          <dgm:ruleLst>
+            <dgm:rule type="primFontSz" val="5" fact="NaN" max="NaN"/>
+          </dgm:ruleLst>
+        </dgm:layoutNode>
+        <dgm:layoutNode name="accent_3">
+          <dgm:alg type="sp"/>
+          <dgm:shape xmlns:r="http://schemas.openxmlformats.org/officeDocument/2006/relationships" r:blip="">
+            <dgm:adjLst/>
+          </dgm:shape>
+          <dgm:presOf/>
+          <dgm:constrLst/>
+          <dgm:forEach name="Name38" ref="accentRepeat"/>
+        </dgm:layoutNode>
+      </dgm:forEach>
+      <dgm:forEach name="Name39" axis="ch" ptType="node" st="4" cnt="1">
+        <dgm:layoutNode name="text_4" styleLbl="node1">
+          <dgm:varLst>
+            <dgm:bulletEnabled val="1"/>
+          </dgm:varLst>
+          <dgm:choose name="Name40">
+            <dgm:if name="Name41" func="var" arg="dir" op="equ" val="norm">
+              <dgm:alg type="tx">
+                <dgm:param type="parTxLTRAlign" val="l"/>
+                <dgm:param type="shpTxLTRAlignCh" val="l"/>
+                <dgm:param type="parTxRTLAlign" val="l"/>
+                <dgm:param type="shpTxRTLAlignCh" val="l"/>
+              </dgm:alg>
+            </dgm:if>
+            <dgm:else name="Name42">
+              <dgm:alg type="tx">
+                <dgm:param type="parTxLTRAlign" val="r"/>
+                <dgm:param type="shpTxLTRAlignCh" val="r"/>
+                <dgm:param type="parTxRTLAlign" val="r"/>
+                <dgm:param type="shpTxRTLAlignCh" val="r"/>
+              </dgm:alg>
+            </dgm:else>
+          </dgm:choose>
+          <dgm:shape xmlns:r="http://schemas.openxmlformats.org/officeDocument/2006/relationships" type="rect" r:blip="">
+            <dgm:adjLst/>
+          </dgm:shape>
+          <dgm:presOf axis="desOrSelf" ptType="node"/>
+          <dgm:constrLst>
+            <dgm:constr type="primFontSz" val="65"/>
+            <dgm:constr type="lMarg" refType="primFontSz" fact="0.2"/>
+            <dgm:constr type="rMarg" refType="primFontSz" fact="0.2"/>
+            <dgm:constr type="tMarg" refType="primFontSz" fact="0.2"/>
+            <dgm:constr type="bMarg" refType="primFontSz" fact="0.2"/>
+          </dgm:constrLst>
+          <dgm:ruleLst>
+            <dgm:rule type="primFontSz" val="5" fact="NaN" max="NaN"/>
+          </dgm:ruleLst>
+        </dgm:layoutNode>
+        <dgm:layoutNode name="accent_4">
+          <dgm:alg type="sp"/>
+          <dgm:shape xmlns:r="http://schemas.openxmlformats.org/officeDocument/2006/relationships" r:blip="">
+            <dgm:adjLst/>
+          </dgm:shape>
+          <dgm:presOf/>
+          <dgm:constrLst/>
+          <dgm:forEach name="Name43" ref="accentRepeat"/>
+        </dgm:layoutNode>
+      </dgm:forEach>
+      <dgm:forEach name="Name44" axis="ch" ptType="node" st="5" cnt="1">
+        <dgm:layoutNode name="text_5" styleLbl="node1">
+          <dgm:varLst>
+            <dgm:bulletEnabled val="1"/>
+          </dgm:varLst>
+          <dgm:choose name="Name45">
+            <dgm:if name="Name46" func="var" arg="dir" op="equ" val="norm">
+              <dgm:alg type="tx">
+                <dgm:param type="parTxLTRAlign" val="l"/>
+                <dgm:param type="shpTxLTRAlignCh" val="l"/>
+                <dgm:param type="parTxRTLAlign" val="l"/>
+                <dgm:param type="shpTxRTLAlignCh" val="l"/>
+              </dgm:alg>
+            </dgm:if>
+            <dgm:else name="Name47">
+              <dgm:alg type="tx">
+                <dgm:param type="parTxLTRAlign" val="r"/>
+                <dgm:param type="shpTxLTRAlignCh" val="r"/>
+                <dgm:param type="parTxRTLAlign" val="r"/>
+                <dgm:param type="shpTxRTLAlignCh" val="r"/>
+              </dgm:alg>
+            </dgm:else>
+          </dgm:choose>
+          <dgm:shape xmlns:r="http://schemas.openxmlformats.org/officeDocument/2006/relationships" type="rect" r:blip="">
+            <dgm:adjLst/>
+          </dgm:shape>
+          <dgm:presOf axis="desOrSelf" ptType="node"/>
+          <dgm:constrLst>
+            <dgm:constr type="primFontSz" val="65"/>
+            <dgm:constr type="lMarg" refType="primFontSz" fact="0.2"/>
+            <dgm:constr type="rMarg" refType="primFontSz" fact="0.2"/>
+            <dgm:constr type="tMarg" refType="primFontSz" fact="0.2"/>
+            <dgm:constr type="bMarg" refType="primFontSz" fact="0.2"/>
+          </dgm:constrLst>
+          <dgm:ruleLst>
+            <dgm:rule type="primFontSz" val="5" fact="NaN" max="NaN"/>
+          </dgm:ruleLst>
+        </dgm:layoutNode>
+        <dgm:layoutNode name="accent_5">
+          <dgm:alg type="sp"/>
+          <dgm:shape xmlns:r="http://schemas.openxmlformats.org/officeDocument/2006/relationships" r:blip="">
+            <dgm:adjLst/>
+          </dgm:shape>
+          <dgm:presOf/>
+          <dgm:constrLst/>
+          <dgm:forEach name="Name48" ref="accentRepeat"/>
+        </dgm:layoutNode>
+      </dgm:forEach>
+      <dgm:forEach name="Name49" axis="ch" ptType="node" st="6" cnt="1">
+        <dgm:layoutNode name="text_6" styleLbl="node1">
+          <dgm:varLst>
+            <dgm:bulletEnabled val="1"/>
+          </dgm:varLst>
+          <dgm:choose name="Name50">
+            <dgm:if name="Name51" func="var" arg="dir" op="equ" val="norm">
+              <dgm:alg type="tx">
+                <dgm:param type="parTxLTRAlign" val="l"/>
+                <dgm:param type="shpTxLTRAlignCh" val="l"/>
+                <dgm:param type="parTxRTLAlign" val="l"/>
+                <dgm:param type="shpTxRTLAlignCh" val="l"/>
+              </dgm:alg>
+            </dgm:if>
+            <dgm:else name="Name52">
+              <dgm:alg type="tx">
+                <dgm:param type="parTxLTRAlign" val="r"/>
+                <dgm:param type="shpTxLTRAlignCh" val="r"/>
+                <dgm:param type="parTxRTLAlign" val="r"/>
+                <dgm:param type="shpTxRTLAlignCh" val="r"/>
+              </dgm:alg>
+            </dgm:else>
+          </dgm:choose>
+          <dgm:shape xmlns:r="http://schemas.openxmlformats.org/officeDocument/2006/relationships" type="rect" r:blip="">
+            <dgm:adjLst/>
+          </dgm:shape>
+          <dgm:presOf axis="desOrSelf" ptType="node"/>
+          <dgm:constrLst>
+            <dgm:constr type="primFontSz" val="65"/>
+            <dgm:constr type="lMarg" refType="primFontSz" fact="0.2"/>
+            <dgm:constr type="rMarg" refType="primFontSz" fact="0.2"/>
+            <dgm:constr type="tMarg" refType="primFontSz" fact="0.2"/>
+            <dgm:constr type="bMarg" refType="primFontSz" fact="0.2"/>
+          </dgm:constrLst>
+          <dgm:ruleLst>
+            <dgm:rule type="primFontSz" val="5" fact="NaN" max="NaN"/>
+          </dgm:ruleLst>
+        </dgm:layoutNode>
+        <dgm:layoutNode name="accent_6">
+          <dgm:alg type="sp"/>
+          <dgm:shape xmlns:r="http://schemas.openxmlformats.org/officeDocument/2006/relationships" r:blip="">
+            <dgm:adjLst/>
+          </dgm:shape>
+          <dgm:presOf/>
+          <dgm:constrLst/>
+          <dgm:forEach name="Name53" ref="accentRepeat"/>
+        </dgm:layoutNode>
+      </dgm:forEach>
+      <dgm:forEach name="Name54" axis="ch" ptType="node" st="7" cnt="1">
+        <dgm:layoutNode name="text_7" styleLbl="node1">
+          <dgm:varLst>
+            <dgm:bulletEnabled val="1"/>
+          </dgm:varLst>
+          <dgm:choose name="Name55">
+            <dgm:if name="Name56" func="var" arg="dir" op="equ" val="norm">
+              <dgm:alg type="tx">
+                <dgm:param type="parTxLTRAlign" val="l"/>
+                <dgm:param type="shpTxLTRAlignCh" val="l"/>
+                <dgm:param type="parTxRTLAlign" val="l"/>
+                <dgm:param type="shpTxRTLAlignCh" val="l"/>
+              </dgm:alg>
+            </dgm:if>
+            <dgm:else name="Name57">
+              <dgm:alg type="tx">
+                <dgm:param type="parTxLTRAlign" val="r"/>
+                <dgm:param type="shpTxLTRAlignCh" val="r"/>
+                <dgm:param type="parTxRTLAlign" val="r"/>
+                <dgm:param type="shpTxRTLAlignCh" val="r"/>
+              </dgm:alg>
+            </dgm:else>
+          </dgm:choose>
+          <dgm:shape xmlns:r="http://schemas.openxmlformats.org/officeDocument/2006/relationships" type="rect" r:blip="">
+            <dgm:adjLst/>
+          </dgm:shape>
+          <dgm:presOf axis="desOrSelf" ptType="node"/>
+          <dgm:constrLst>
+            <dgm:constr type="primFontSz" val="65"/>
+            <dgm:constr type="lMarg" refType="primFontSz" fact="0.2"/>
+            <dgm:constr type="rMarg" refType="primFontSz" fact="0.2"/>
+            <dgm:constr type="tMarg" refType="primFontSz" fact="0.2"/>
+            <dgm:constr type="bMarg" refType="primFontSz" fact="0.2"/>
+          </dgm:constrLst>
+          <dgm:ruleLst>
+            <dgm:rule type="primFontSz" val="5" fact="NaN" max="NaN"/>
+          </dgm:ruleLst>
+        </dgm:layoutNode>
+        <dgm:layoutNode name="accent_7">
+          <dgm:alg type="sp"/>
+          <dgm:shape xmlns:r="http://schemas.openxmlformats.org/officeDocument/2006/relationships" r:blip="">
+            <dgm:adjLst/>
+          </dgm:shape>
+          <dgm:presOf/>
+          <dgm:constrLst/>
+          <dgm:forEach name="Name58" ref="accentRepeat"/>
+        </dgm:layoutNode>
+      </dgm:forEach>
+    </dgm:layoutNode>
+  </dgm:layoutNode>
+</dgm:layoutDef>
+</file>
+
+<file path=ppt/diagrams/layout2.xml><?xml version="1.0" encoding="utf-8"?>
 <dgm:layoutDef xmlns:dgm="http://schemas.openxmlformats.org/drawingml/2006/diagram" xmlns:a="http://schemas.openxmlformats.org/drawingml/2006/main" uniqueId="urn:microsoft.com/office/officeart/2005/8/layout/vList3">
   <dgm:title val=""/>
   <dgm:desc val=""/>
@@ -11659,7 +14899,7 @@
 </dgm:layoutDef>
 </file>
 
-<file path=ppt/diagrams/layout2.xml><?xml version="1.0" encoding="utf-8"?>
+<file path=ppt/diagrams/layout3.xml><?xml version="1.0" encoding="utf-8"?>
 <dgm:layoutDef xmlns:dgm="http://schemas.openxmlformats.org/drawingml/2006/diagram" xmlns:a="http://schemas.openxmlformats.org/drawingml/2006/main" uniqueId="urn:microsoft.com/office/officeart/2005/8/layout/vList5">
   <dgm:title val=""/>
   <dgm:desc val=""/>
@@ -11892,7 +15132,7 @@
 </dgm:layoutDef>
 </file>
 
-<file path=ppt/diagrams/layout3.xml><?xml version="1.0" encoding="utf-8"?>
+<file path=ppt/diagrams/layout4.xml><?xml version="1.0" encoding="utf-8"?>
 <dgm:layoutDef xmlns:dgm="http://schemas.openxmlformats.org/drawingml/2006/diagram" xmlns:a="http://schemas.openxmlformats.org/drawingml/2006/main" uniqueId="urn:microsoft.com/office/officeart/2005/8/layout/process3">
   <dgm:title val=""/>
   <dgm:desc val=""/>
@@ -12193,7 +15433,7 @@
 </dgm:layoutDef>
 </file>
 
-<file path=ppt/diagrams/layout4.xml><?xml version="1.0" encoding="utf-8"?>
+<file path=ppt/diagrams/layout5.xml><?xml version="1.0" encoding="utf-8"?>
 <dgm:layoutDef xmlns:dgm="http://schemas.openxmlformats.org/drawingml/2006/diagram" xmlns:a="http://schemas.openxmlformats.org/drawingml/2006/main" uniqueId="urn:microsoft.com/office/officeart/2005/8/layout/hierarchy4">
   <dgm:title val=""/>
   <dgm:desc val=""/>
@@ -12715,7 +15955,7 @@
 </dgm:layoutDef>
 </file>
 
-<file path=ppt/diagrams/layout5.xml><?xml version="1.0" encoding="utf-8"?>
+<file path=ppt/diagrams/layout6.xml><?xml version="1.0" encoding="utf-8"?>
 <dgm:layoutDef xmlns:dgm="http://schemas.openxmlformats.org/drawingml/2006/diagram" xmlns:a="http://schemas.openxmlformats.org/drawingml/2006/main" uniqueId="urn:microsoft.com/office/officeart/2008/layout/HorizontalMultiLevelHierarchy">
   <dgm:title val=""/>
   <dgm:desc val=""/>
@@ -15107,11 +18347,11 @@
 </file>
 
 <file path=ppt/diagrams/quickStyle3.xml><?xml version="1.0" encoding="utf-8"?>
-<dgm:styleDef xmlns:dgm="http://schemas.openxmlformats.org/drawingml/2006/diagram" xmlns:a="http://schemas.openxmlformats.org/drawingml/2006/main" uniqueId="urn:microsoft.com/office/officeart/2005/8/quickstyle/simple5">
+<dgm:styleDef xmlns:dgm="http://schemas.openxmlformats.org/drawingml/2006/diagram" xmlns:a="http://schemas.openxmlformats.org/drawingml/2006/main" uniqueId="urn:microsoft.com/office/officeart/2005/8/quickstyle/simple1">
   <dgm:title val=""/>
   <dgm:desc val=""/>
   <dgm:catLst>
-    <dgm:cat type="simple" pri="10500"/>
+    <dgm:cat type="simple" pri="10100"/>
   </dgm:catLst>
   <dgm:scene3d>
     <a:camera prst="orthographicFront"/>
@@ -15125,13 +18365,13 @@
     <dgm:sp3d/>
     <dgm:txPr/>
     <dgm:style>
-      <a:lnRef idx="0">
+      <a:lnRef idx="2">
         <a:scrgbClr r="0" g="0" b="0"/>
       </a:lnRef>
-      <a:fillRef idx="3">
+      <a:fillRef idx="1">
         <a:scrgbClr r="0" g="0" b="0"/>
       </a:fillRef>
-      <a:effectRef idx="3">
+      <a:effectRef idx="0">
         <a:scrgbClr r="0" g="0" b="0"/>
       </a:effectRef>
       <a:fontRef idx="minor">
@@ -15147,13 +18387,13 @@
     <dgm:sp3d/>
     <dgm:txPr/>
     <dgm:style>
-      <a:lnRef idx="0">
+      <a:lnRef idx="2">
         <a:scrgbClr r="0" g="0" b="0"/>
       </a:lnRef>
-      <a:fillRef idx="3">
+      <a:fillRef idx="1">
         <a:scrgbClr r="0" g="0" b="0"/>
       </a:fillRef>
-      <a:effectRef idx="3">
+      <a:effectRef idx="0">
         <a:scrgbClr r="0" g="0" b="0"/>
       </a:effectRef>
       <a:fontRef idx="minor">
@@ -15169,13 +18409,13 @@
     <dgm:sp3d/>
     <dgm:txPr/>
     <dgm:style>
-      <a:lnRef idx="0">
+      <a:lnRef idx="2">
         <a:scrgbClr r="0" g="0" b="0"/>
       </a:lnRef>
-      <a:fillRef idx="3">
+      <a:fillRef idx="1">
         <a:scrgbClr r="0" g="0" b="0"/>
       </a:fillRef>
-      <a:effectRef idx="3">
+      <a:effectRef idx="0">
         <a:scrgbClr r="0" g="0" b="0"/>
       </a:effectRef>
       <a:fontRef idx="minor">
@@ -15191,13 +18431,13 @@
     <dgm:sp3d/>
     <dgm:txPr/>
     <dgm:style>
-      <a:lnRef idx="1">
+      <a:lnRef idx="2">
         <a:scrgbClr r="0" g="0" b="0"/>
       </a:lnRef>
-      <a:fillRef idx="3">
+      <a:fillRef idx="1">
         <a:scrgbClr r="0" g="0" b="0"/>
       </a:fillRef>
-      <a:effectRef idx="3">
+      <a:effectRef idx="0">
         <a:scrgbClr r="0" g="0" b="0"/>
       </a:effectRef>
       <a:fontRef idx="minor">
@@ -15213,13 +18453,13 @@
     <dgm:sp3d/>
     <dgm:txPr/>
     <dgm:style>
-      <a:lnRef idx="0">
+      <a:lnRef idx="2">
         <a:scrgbClr r="0" g="0" b="0"/>
       </a:lnRef>
-      <a:fillRef idx="3">
+      <a:fillRef idx="1">
         <a:scrgbClr r="0" g="0" b="0"/>
       </a:fillRef>
-      <a:effectRef idx="3">
+      <a:effectRef idx="0">
         <a:scrgbClr r="0" g="0" b="0"/>
       </a:effectRef>
       <a:fontRef idx="minor">
@@ -15235,13 +18475,13 @@
     <dgm:sp3d/>
     <dgm:txPr/>
     <dgm:style>
-      <a:lnRef idx="0">
+      <a:lnRef idx="2">
         <a:scrgbClr r="0" g="0" b="0"/>
       </a:lnRef>
-      <a:fillRef idx="3">
+      <a:fillRef idx="1">
         <a:scrgbClr r="0" g="0" b="0"/>
       </a:fillRef>
-      <a:effectRef idx="3">
+      <a:effectRef idx="0">
         <a:scrgbClr r="0" g="0" b="0"/>
       </a:effectRef>
       <a:fontRef idx="minor">
@@ -15257,13 +18497,13 @@
     <dgm:sp3d/>
     <dgm:txPr/>
     <dgm:style>
-      <a:lnRef idx="0">
+      <a:lnRef idx="2">
         <a:scrgbClr r="0" g="0" b="0"/>
       </a:lnRef>
-      <a:fillRef idx="3">
+      <a:fillRef idx="1">
         <a:scrgbClr r="0" g="0" b="0"/>
       </a:fillRef>
-      <a:effectRef idx="3">
+      <a:effectRef idx="0">
         <a:scrgbClr r="0" g="0" b="0"/>
       </a:effectRef>
       <a:fontRef idx="minor">
@@ -15279,13 +18519,13 @@
     <dgm:sp3d/>
     <dgm:txPr/>
     <dgm:style>
-      <a:lnRef idx="0">
+      <a:lnRef idx="2">
         <a:scrgbClr r="0" g="0" b="0"/>
       </a:lnRef>
-      <a:fillRef idx="3">
+      <a:fillRef idx="1">
         <a:scrgbClr r="0" g="0" b="0"/>
       </a:fillRef>
-      <a:effectRef idx="3">
+      <a:effectRef idx="0">
         <a:scrgbClr r="0" g="0" b="0"/>
       </a:effectRef>
       <a:fontRef idx="minor">
@@ -15301,13 +18541,13 @@
     <dgm:sp3d/>
     <dgm:txPr/>
     <dgm:style>
-      <a:lnRef idx="0">
+      <a:lnRef idx="2">
         <a:scrgbClr r="0" g="0" b="0"/>
       </a:lnRef>
       <a:fillRef idx="1">
         <a:scrgbClr r="0" g="0" b="0"/>
       </a:fillRef>
-      <a:effectRef idx="3">
+      <a:effectRef idx="0">
         <a:scrgbClr r="0" g="0" b="0"/>
       </a:effectRef>
       <a:fontRef idx="minor"/>
@@ -15321,13 +18561,13 @@
     <dgm:sp3d/>
     <dgm:txPr/>
     <dgm:style>
-      <a:lnRef idx="0">
+      <a:lnRef idx="2">
         <a:scrgbClr r="0" g="0" b="0"/>
       </a:lnRef>
       <a:fillRef idx="1">
         <a:scrgbClr r="0" g="0" b="0"/>
       </a:fillRef>
-      <a:effectRef idx="3">
+      <a:effectRef idx="0">
         <a:scrgbClr r="0" g="0" b="0"/>
       </a:effectRef>
       <a:fontRef idx="minor"/>
@@ -15341,13 +18581,13 @@
     <dgm:sp3d/>
     <dgm:txPr/>
     <dgm:style>
-      <a:lnRef idx="0">
+      <a:lnRef idx="2">
         <a:scrgbClr r="0" g="0" b="0"/>
       </a:lnRef>
       <a:fillRef idx="1">
         <a:scrgbClr r="0" g="0" b="0"/>
       </a:fillRef>
-      <a:effectRef idx="3">
+      <a:effectRef idx="0">
         <a:scrgbClr r="0" g="0" b="0"/>
       </a:effectRef>
       <a:fontRef idx="minor"/>
@@ -15364,10 +18604,10 @@
       <a:lnRef idx="0">
         <a:scrgbClr r="0" g="0" b="0"/>
       </a:lnRef>
-      <a:fillRef idx="3">
+      <a:fillRef idx="1">
         <a:scrgbClr r="0" g="0" b="0"/>
       </a:fillRef>
-      <a:effectRef idx="3">
+      <a:effectRef idx="0">
         <a:scrgbClr r="0" g="0" b="0"/>
       </a:effectRef>
       <a:fontRef idx="minor">
@@ -15386,10 +18626,10 @@
       <a:lnRef idx="0">
         <a:scrgbClr r="0" g="0" b="0"/>
       </a:lnRef>
-      <a:fillRef idx="3">
+      <a:fillRef idx="1">
         <a:scrgbClr r="0" g="0" b="0"/>
       </a:fillRef>
-      <a:effectRef idx="3">
+      <a:effectRef idx="0">
         <a:scrgbClr r="0" g="0" b="0"/>
       </a:effectRef>
       <a:fontRef idx="minor">
@@ -15408,10 +18648,10 @@
       <a:lnRef idx="0">
         <a:scrgbClr r="0" g="0" b="0"/>
       </a:lnRef>
-      <a:fillRef idx="3">
+      <a:fillRef idx="1">
         <a:scrgbClr r="0" g="0" b="0"/>
       </a:fillRef>
-      <a:effectRef idx="3">
+      <a:effectRef idx="0">
         <a:scrgbClr r="0" g="0" b="0"/>
       </a:effectRef>
       <a:fontRef idx="minor">
@@ -15447,13 +18687,13 @@
     <dgm:sp3d/>
     <dgm:txPr/>
     <dgm:style>
-      <a:lnRef idx="1">
+      <a:lnRef idx="2">
         <a:scrgbClr r="0" g="0" b="0"/>
       </a:lnRef>
-      <a:fillRef idx="0">
+      <a:fillRef idx="1">
         <a:scrgbClr r="0" g="0" b="0"/>
       </a:fillRef>
-      <a:effectRef idx="1">
+      <a:effectRef idx="0">
         <a:scrgbClr r="0" g="0" b="0"/>
       </a:effectRef>
       <a:fontRef idx="minor"/>
@@ -15467,13 +18707,13 @@
     <dgm:sp3d/>
     <dgm:txPr/>
     <dgm:style>
-      <a:lnRef idx="0">
+      <a:lnRef idx="2">
         <a:scrgbClr r="0" g="0" b="0"/>
       </a:lnRef>
-      <a:fillRef idx="3">
+      <a:fillRef idx="1">
         <a:scrgbClr r="0" g="0" b="0"/>
       </a:fillRef>
-      <a:effectRef idx="3">
+      <a:effectRef idx="0">
         <a:scrgbClr r="0" g="0" b="0"/>
       </a:effectRef>
       <a:fontRef idx="minor">
@@ -15489,13 +18729,13 @@
     <dgm:sp3d/>
     <dgm:txPr/>
     <dgm:style>
-      <a:lnRef idx="0">
+      <a:lnRef idx="2">
         <a:scrgbClr r="0" g="0" b="0"/>
       </a:lnRef>
-      <a:fillRef idx="3">
+      <a:fillRef idx="1">
         <a:scrgbClr r="0" g="0" b="0"/>
       </a:fillRef>
-      <a:effectRef idx="3">
+      <a:effectRef idx="0">
         <a:scrgbClr r="0" g="0" b="0"/>
       </a:effectRef>
       <a:fontRef idx="minor">
@@ -15511,13 +18751,13 @@
     <dgm:sp3d/>
     <dgm:txPr/>
     <dgm:style>
-      <a:lnRef idx="0">
+      <a:lnRef idx="2">
         <a:scrgbClr r="0" g="0" b="0"/>
       </a:lnRef>
-      <a:fillRef idx="3">
+      <a:fillRef idx="1">
         <a:scrgbClr r="0" g="0" b="0"/>
       </a:fillRef>
-      <a:effectRef idx="3">
+      <a:effectRef idx="0">
         <a:scrgbClr r="0" g="0" b="0"/>
       </a:effectRef>
       <a:fontRef idx="minor">
@@ -15533,13 +18773,13 @@
     <dgm:sp3d/>
     <dgm:txPr/>
     <dgm:style>
-      <a:lnRef idx="0">
+      <a:lnRef idx="2">
         <a:scrgbClr r="0" g="0" b="0"/>
       </a:lnRef>
-      <a:fillRef idx="3">
+      <a:fillRef idx="1">
         <a:scrgbClr r="0" g="0" b="0"/>
       </a:fillRef>
-      <a:effectRef idx="3">
+      <a:effectRef idx="0">
         <a:scrgbClr r="0" g="0" b="0"/>
       </a:effectRef>
       <a:fontRef idx="minor">
@@ -15555,13 +18795,13 @@
     <dgm:sp3d/>
     <dgm:txPr/>
     <dgm:style>
-      <a:lnRef idx="0">
+      <a:lnRef idx="2">
         <a:scrgbClr r="0" g="0" b="0"/>
       </a:lnRef>
-      <a:fillRef idx="3">
+      <a:fillRef idx="1">
         <a:scrgbClr r="0" g="0" b="0"/>
       </a:fillRef>
-      <a:effectRef idx="3">
+      <a:effectRef idx="0">
         <a:scrgbClr r="0" g="0" b="0"/>
       </a:effectRef>
       <a:fontRef idx="minor">
@@ -15577,13 +18817,13 @@
     <dgm:sp3d/>
     <dgm:txPr/>
     <dgm:style>
-      <a:lnRef idx="0">
+      <a:lnRef idx="2">
         <a:scrgbClr r="0" g="0" b="0"/>
       </a:lnRef>
-      <a:fillRef idx="3">
+      <a:fillRef idx="1">
         <a:scrgbClr r="0" g="0" b="0"/>
       </a:fillRef>
-      <a:effectRef idx="3">
+      <a:effectRef idx="0">
         <a:scrgbClr r="0" g="0" b="0"/>
       </a:effectRef>
       <a:fontRef idx="minor">
@@ -15599,13 +18839,13 @@
     <dgm:sp3d/>
     <dgm:txPr/>
     <dgm:style>
-      <a:lnRef idx="0">
+      <a:lnRef idx="2">
         <a:scrgbClr r="0" g="0" b="0"/>
       </a:lnRef>
-      <a:fillRef idx="3">
+      <a:fillRef idx="1">
         <a:scrgbClr r="0" g="0" b="0"/>
       </a:fillRef>
-      <a:effectRef idx="3">
+      <a:effectRef idx="0">
         <a:scrgbClr r="0" g="0" b="0"/>
       </a:effectRef>
       <a:fontRef idx="minor">
@@ -15621,13 +18861,13 @@
     <dgm:sp3d/>
     <dgm:txPr/>
     <dgm:style>
-      <a:lnRef idx="0">
+      <a:lnRef idx="2">
         <a:scrgbClr r="0" g="0" b="0"/>
       </a:lnRef>
-      <a:fillRef idx="3">
+      <a:fillRef idx="1">
         <a:scrgbClr r="0" g="0" b="0"/>
       </a:fillRef>
-      <a:effectRef idx="3">
+      <a:effectRef idx="0">
         <a:scrgbClr r="0" g="0" b="0"/>
       </a:effectRef>
       <a:fontRef idx="minor">
@@ -15643,13 +18883,13 @@
     <dgm:sp3d/>
     <dgm:txPr/>
     <dgm:style>
-      <a:lnRef idx="0">
+      <a:lnRef idx="2">
         <a:scrgbClr r="0" g="0" b="0"/>
       </a:lnRef>
-      <a:fillRef idx="3">
+      <a:fillRef idx="1">
         <a:scrgbClr r="0" g="0" b="0"/>
       </a:fillRef>
-      <a:effectRef idx="3">
+      <a:effectRef idx="0">
         <a:scrgbClr r="0" g="0" b="0"/>
       </a:effectRef>
       <a:fontRef idx="minor">
@@ -15745,13 +18985,13 @@
     <dgm:sp3d/>
     <dgm:txPr/>
     <dgm:style>
-      <a:lnRef idx="1">
+      <a:lnRef idx="2">
         <a:scrgbClr r="0" g="0" b="0"/>
       </a:lnRef>
       <a:fillRef idx="1">
         <a:scrgbClr r="0" g="0" b="0"/>
       </a:fillRef>
-      <a:effectRef idx="2">
+      <a:effectRef idx="0">
         <a:scrgbClr r="0" g="0" b="0"/>
       </a:effectRef>
       <a:fontRef idx="minor"/>
@@ -15765,13 +19005,13 @@
     <dgm:sp3d/>
     <dgm:txPr/>
     <dgm:style>
-      <a:lnRef idx="1">
+      <a:lnRef idx="2">
         <a:scrgbClr r="0" g="0" b="0"/>
       </a:lnRef>
       <a:fillRef idx="1">
         <a:scrgbClr r="0" g="0" b="0"/>
       </a:fillRef>
-      <a:effectRef idx="2">
+      <a:effectRef idx="0">
         <a:scrgbClr r="0" g="0" b="0"/>
       </a:effectRef>
       <a:fontRef idx="minor"/>
@@ -15785,13 +19025,13 @@
     <dgm:sp3d/>
     <dgm:txPr/>
     <dgm:style>
-      <a:lnRef idx="1">
+      <a:lnRef idx="2">
         <a:scrgbClr r="0" g="0" b="0"/>
       </a:lnRef>
       <a:fillRef idx="1">
         <a:scrgbClr r="0" g="0" b="0"/>
       </a:fillRef>
-      <a:effectRef idx="2">
+      <a:effectRef idx="0">
         <a:scrgbClr r="0" g="0" b="0"/>
       </a:effectRef>
       <a:fontRef idx="minor"/>
@@ -15825,13 +19065,13 @@
     <dgm:sp3d/>
     <dgm:txPr/>
     <dgm:style>
-      <a:lnRef idx="1">
+      <a:lnRef idx="2">
         <a:scrgbClr r="0" g="0" b="0"/>
       </a:lnRef>
       <a:fillRef idx="1">
         <a:scrgbClr r="0" g="0" b="0"/>
       </a:fillRef>
-      <a:effectRef idx="2">
+      <a:effectRef idx="0">
         <a:scrgbClr r="0" g="0" b="0"/>
       </a:effectRef>
       <a:fontRef idx="minor"/>
@@ -15845,13 +19085,13 @@
     <dgm:sp3d/>
     <dgm:txPr/>
     <dgm:style>
-      <a:lnRef idx="1">
+      <a:lnRef idx="2">
         <a:scrgbClr r="0" g="0" b="0"/>
       </a:lnRef>
       <a:fillRef idx="1">
         <a:scrgbClr r="0" g="0" b="0"/>
       </a:fillRef>
-      <a:effectRef idx="2">
+      <a:effectRef idx="0">
         <a:scrgbClr r="0" g="0" b="0"/>
       </a:effectRef>
       <a:fontRef idx="minor"/>
@@ -15865,13 +19105,13 @@
     <dgm:sp3d/>
     <dgm:txPr/>
     <dgm:style>
-      <a:lnRef idx="1">
+      <a:lnRef idx="2">
         <a:scrgbClr r="0" g="0" b="0"/>
       </a:lnRef>
       <a:fillRef idx="1">
         <a:scrgbClr r="0" g="0" b="0"/>
       </a:fillRef>
-      <a:effectRef idx="3">
+      <a:effectRef idx="0">
         <a:scrgbClr r="0" g="0" b="0"/>
       </a:effectRef>
       <a:fontRef idx="minor"/>
@@ -15885,13 +19125,13 @@
     <dgm:sp3d/>
     <dgm:txPr/>
     <dgm:style>
-      <a:lnRef idx="1">
+      <a:lnRef idx="2">
         <a:scrgbClr r="0" g="0" b="0"/>
       </a:lnRef>
       <a:fillRef idx="1">
         <a:scrgbClr r="0" g="0" b="0"/>
       </a:fillRef>
-      <a:effectRef idx="3">
+      <a:effectRef idx="0">
         <a:scrgbClr r="0" g="0" b="0"/>
       </a:effectRef>
       <a:fontRef idx="minor"/>
@@ -15905,13 +19145,13 @@
     <dgm:sp3d/>
     <dgm:txPr/>
     <dgm:style>
-      <a:lnRef idx="1">
+      <a:lnRef idx="2">
         <a:scrgbClr r="0" g="0" b="0"/>
       </a:lnRef>
       <a:fillRef idx="1">
         <a:scrgbClr r="0" g="0" b="0"/>
       </a:fillRef>
-      <a:effectRef idx="2">
+      <a:effectRef idx="0">
         <a:scrgbClr r="0" g="0" b="0"/>
       </a:effectRef>
       <a:fontRef idx="minor"/>
@@ -15925,13 +19165,13 @@
     <dgm:sp3d/>
     <dgm:txPr/>
     <dgm:style>
-      <a:lnRef idx="1">
+      <a:lnRef idx="2">
         <a:scrgbClr r="0" g="0" b="0"/>
       </a:lnRef>
       <a:fillRef idx="1">
         <a:scrgbClr r="0" g="0" b="0"/>
       </a:fillRef>
-      <a:effectRef idx="2">
+      <a:effectRef idx="0">
         <a:scrgbClr r="0" g="0" b="0"/>
       </a:effectRef>
       <a:fontRef idx="minor"/>
@@ -15945,13 +19185,13 @@
     <dgm:sp3d/>
     <dgm:txPr/>
     <dgm:style>
-      <a:lnRef idx="1">
+      <a:lnRef idx="2">
         <a:scrgbClr r="0" g="0" b="0"/>
       </a:lnRef>
       <a:fillRef idx="1">
         <a:scrgbClr r="0" g="0" b="0"/>
       </a:fillRef>
-      <a:effectRef idx="2">
+      <a:effectRef idx="0">
         <a:scrgbClr r="0" g="0" b="0"/>
       </a:effectRef>
       <a:fontRef idx="minor"/>
@@ -15965,13 +19205,13 @@
     <dgm:sp3d/>
     <dgm:txPr/>
     <dgm:style>
-      <a:lnRef idx="1">
+      <a:lnRef idx="2">
         <a:scrgbClr r="0" g="0" b="0"/>
       </a:lnRef>
       <a:fillRef idx="1">
         <a:scrgbClr r="0" g="0" b="0"/>
       </a:fillRef>
-      <a:effectRef idx="2">
+      <a:effectRef idx="0">
         <a:scrgbClr r="0" g="0" b="0"/>
       </a:effectRef>
       <a:fontRef idx="minor"/>
@@ -15985,13 +19225,13 @@
     <dgm:sp3d/>
     <dgm:txPr/>
     <dgm:style>
-      <a:lnRef idx="1">
+      <a:lnRef idx="2">
         <a:scrgbClr r="0" g="0" b="0"/>
       </a:lnRef>
       <a:fillRef idx="1">
         <a:scrgbClr r="0" g="0" b="0"/>
       </a:fillRef>
-      <a:effectRef idx="2">
+      <a:effectRef idx="0">
         <a:scrgbClr r="0" g="0" b="0"/>
       </a:effectRef>
       <a:fontRef idx="minor"/>
@@ -16005,13 +19245,13 @@
     <dgm:sp3d/>
     <dgm:txPr/>
     <dgm:style>
-      <a:lnRef idx="1">
+      <a:lnRef idx="2">
         <a:scrgbClr r="0" g="0" b="0"/>
       </a:lnRef>
       <a:fillRef idx="1">
         <a:scrgbClr r="0" g="0" b="0"/>
       </a:fillRef>
-      <a:effectRef idx="2">
+      <a:effectRef idx="0">
         <a:scrgbClr r="0" g="0" b="0"/>
       </a:effectRef>
       <a:fontRef idx="minor"/>
@@ -16025,13 +19265,13 @@
     <dgm:sp3d/>
     <dgm:txPr/>
     <dgm:style>
-      <a:lnRef idx="1">
+      <a:lnRef idx="2">
         <a:scrgbClr r="0" g="0" b="0"/>
       </a:lnRef>
       <a:fillRef idx="1">
         <a:scrgbClr r="0" g="0" b="0"/>
       </a:fillRef>
-      <a:effectRef idx="2">
+      <a:effectRef idx="0">
         <a:scrgbClr r="0" g="0" b="0"/>
       </a:effectRef>
       <a:fontRef idx="minor"/>
@@ -16051,7 +19291,7 @@
       <a:fillRef idx="1">
         <a:scrgbClr r="0" g="0" b="0"/>
       </a:fillRef>
-      <a:effectRef idx="2">
+      <a:effectRef idx="0">
         <a:scrgbClr r="0" g="0" b="0"/>
       </a:effectRef>
       <a:fontRef idx="minor"/>
@@ -16071,7 +19311,7 @@
       <a:fillRef idx="1">
         <a:scrgbClr r="0" g="0" b="0"/>
       </a:fillRef>
-      <a:effectRef idx="3">
+      <a:effectRef idx="0">
         <a:scrgbClr r="0" g="0" b="0"/>
       </a:effectRef>
       <a:fontRef idx="minor"/>
@@ -16105,13 +19345,13 @@
     <dgm:sp3d/>
     <dgm:txPr/>
     <dgm:style>
-      <a:lnRef idx="0">
+      <a:lnRef idx="2">
         <a:scrgbClr r="0" g="0" b="0"/>
       </a:lnRef>
-      <a:fillRef idx="3">
+      <a:fillRef idx="1">
         <a:scrgbClr r="0" g="0" b="0"/>
       </a:fillRef>
-      <a:effectRef idx="3">
+      <a:effectRef idx="0">
         <a:scrgbClr r="0" g="0" b="0"/>
       </a:effectRef>
       <a:fontRef idx="minor"/>
@@ -17175,6 +20415,1040 @@
 </file>
 
 <file path=ppt/diagrams/quickStyle5.xml><?xml version="1.0" encoding="utf-8"?>
+<dgm:styleDef xmlns:dgm="http://schemas.openxmlformats.org/drawingml/2006/diagram" xmlns:a="http://schemas.openxmlformats.org/drawingml/2006/main" uniqueId="urn:microsoft.com/office/officeart/2005/8/quickstyle/simple5">
+  <dgm:title val=""/>
+  <dgm:desc val=""/>
+  <dgm:catLst>
+    <dgm:cat type="simple" pri="10500"/>
+  </dgm:catLst>
+  <dgm:scene3d>
+    <a:camera prst="orthographicFront"/>
+    <a:lightRig rig="threePt" dir="t"/>
+  </dgm:scene3d>
+  <dgm:styleLbl name="node0">
+    <dgm:scene3d>
+      <a:camera prst="orthographicFront"/>
+      <a:lightRig rig="threePt" dir="t"/>
+    </dgm:scene3d>
+    <dgm:sp3d/>
+    <dgm:txPr/>
+    <dgm:style>
+      <a:lnRef idx="0">
+        <a:scrgbClr r="0" g="0" b="0"/>
+      </a:lnRef>
+      <a:fillRef idx="3">
+        <a:scrgbClr r="0" g="0" b="0"/>
+      </a:fillRef>
+      <a:effectRef idx="3">
+        <a:scrgbClr r="0" g="0" b="0"/>
+      </a:effectRef>
+      <a:fontRef idx="minor">
+        <a:schemeClr val="lt1"/>
+      </a:fontRef>
+    </dgm:style>
+  </dgm:styleLbl>
+  <dgm:styleLbl name="lnNode1">
+    <dgm:scene3d>
+      <a:camera prst="orthographicFront"/>
+      <a:lightRig rig="threePt" dir="t"/>
+    </dgm:scene3d>
+    <dgm:sp3d/>
+    <dgm:txPr/>
+    <dgm:style>
+      <a:lnRef idx="0">
+        <a:scrgbClr r="0" g="0" b="0"/>
+      </a:lnRef>
+      <a:fillRef idx="3">
+        <a:scrgbClr r="0" g="0" b="0"/>
+      </a:fillRef>
+      <a:effectRef idx="3">
+        <a:scrgbClr r="0" g="0" b="0"/>
+      </a:effectRef>
+      <a:fontRef idx="minor">
+        <a:schemeClr val="lt1"/>
+      </a:fontRef>
+    </dgm:style>
+  </dgm:styleLbl>
+  <dgm:styleLbl name="vennNode1">
+    <dgm:scene3d>
+      <a:camera prst="orthographicFront"/>
+      <a:lightRig rig="threePt" dir="t"/>
+    </dgm:scene3d>
+    <dgm:sp3d/>
+    <dgm:txPr/>
+    <dgm:style>
+      <a:lnRef idx="0">
+        <a:scrgbClr r="0" g="0" b="0"/>
+      </a:lnRef>
+      <a:fillRef idx="3">
+        <a:scrgbClr r="0" g="0" b="0"/>
+      </a:fillRef>
+      <a:effectRef idx="3">
+        <a:scrgbClr r="0" g="0" b="0"/>
+      </a:effectRef>
+      <a:fontRef idx="minor">
+        <a:schemeClr val="tx1"/>
+      </a:fontRef>
+    </dgm:style>
+  </dgm:styleLbl>
+  <dgm:styleLbl name="alignNode1">
+    <dgm:scene3d>
+      <a:camera prst="orthographicFront"/>
+      <a:lightRig rig="threePt" dir="t"/>
+    </dgm:scene3d>
+    <dgm:sp3d/>
+    <dgm:txPr/>
+    <dgm:style>
+      <a:lnRef idx="1">
+        <a:scrgbClr r="0" g="0" b="0"/>
+      </a:lnRef>
+      <a:fillRef idx="3">
+        <a:scrgbClr r="0" g="0" b="0"/>
+      </a:fillRef>
+      <a:effectRef idx="3">
+        <a:scrgbClr r="0" g="0" b="0"/>
+      </a:effectRef>
+      <a:fontRef idx="minor">
+        <a:schemeClr val="lt1"/>
+      </a:fontRef>
+    </dgm:style>
+  </dgm:styleLbl>
+  <dgm:styleLbl name="node1">
+    <dgm:scene3d>
+      <a:camera prst="orthographicFront"/>
+      <a:lightRig rig="threePt" dir="t"/>
+    </dgm:scene3d>
+    <dgm:sp3d/>
+    <dgm:txPr/>
+    <dgm:style>
+      <a:lnRef idx="0">
+        <a:scrgbClr r="0" g="0" b="0"/>
+      </a:lnRef>
+      <a:fillRef idx="3">
+        <a:scrgbClr r="0" g="0" b="0"/>
+      </a:fillRef>
+      <a:effectRef idx="3">
+        <a:scrgbClr r="0" g="0" b="0"/>
+      </a:effectRef>
+      <a:fontRef idx="minor">
+        <a:schemeClr val="lt1"/>
+      </a:fontRef>
+    </dgm:style>
+  </dgm:styleLbl>
+  <dgm:styleLbl name="node2">
+    <dgm:scene3d>
+      <a:camera prst="orthographicFront"/>
+      <a:lightRig rig="threePt" dir="t"/>
+    </dgm:scene3d>
+    <dgm:sp3d/>
+    <dgm:txPr/>
+    <dgm:style>
+      <a:lnRef idx="0">
+        <a:scrgbClr r="0" g="0" b="0"/>
+      </a:lnRef>
+      <a:fillRef idx="3">
+        <a:scrgbClr r="0" g="0" b="0"/>
+      </a:fillRef>
+      <a:effectRef idx="3">
+        <a:scrgbClr r="0" g="0" b="0"/>
+      </a:effectRef>
+      <a:fontRef idx="minor">
+        <a:schemeClr val="lt1"/>
+      </a:fontRef>
+    </dgm:style>
+  </dgm:styleLbl>
+  <dgm:styleLbl name="node3">
+    <dgm:scene3d>
+      <a:camera prst="orthographicFront"/>
+      <a:lightRig rig="threePt" dir="t"/>
+    </dgm:scene3d>
+    <dgm:sp3d/>
+    <dgm:txPr/>
+    <dgm:style>
+      <a:lnRef idx="0">
+        <a:scrgbClr r="0" g="0" b="0"/>
+      </a:lnRef>
+      <a:fillRef idx="3">
+        <a:scrgbClr r="0" g="0" b="0"/>
+      </a:fillRef>
+      <a:effectRef idx="3">
+        <a:scrgbClr r="0" g="0" b="0"/>
+      </a:effectRef>
+      <a:fontRef idx="minor">
+        <a:schemeClr val="lt1"/>
+      </a:fontRef>
+    </dgm:style>
+  </dgm:styleLbl>
+  <dgm:styleLbl name="node4">
+    <dgm:scene3d>
+      <a:camera prst="orthographicFront"/>
+      <a:lightRig rig="threePt" dir="t"/>
+    </dgm:scene3d>
+    <dgm:sp3d/>
+    <dgm:txPr/>
+    <dgm:style>
+      <a:lnRef idx="0">
+        <a:scrgbClr r="0" g="0" b="0"/>
+      </a:lnRef>
+      <a:fillRef idx="3">
+        <a:scrgbClr r="0" g="0" b="0"/>
+      </a:fillRef>
+      <a:effectRef idx="3">
+        <a:scrgbClr r="0" g="0" b="0"/>
+      </a:effectRef>
+      <a:fontRef idx="minor">
+        <a:schemeClr val="lt1"/>
+      </a:fontRef>
+    </dgm:style>
+  </dgm:styleLbl>
+  <dgm:styleLbl name="fgImgPlace1">
+    <dgm:scene3d>
+      <a:camera prst="orthographicFront"/>
+      <a:lightRig rig="threePt" dir="t"/>
+    </dgm:scene3d>
+    <dgm:sp3d/>
+    <dgm:txPr/>
+    <dgm:style>
+      <a:lnRef idx="0">
+        <a:scrgbClr r="0" g="0" b="0"/>
+      </a:lnRef>
+      <a:fillRef idx="1">
+        <a:scrgbClr r="0" g="0" b="0"/>
+      </a:fillRef>
+      <a:effectRef idx="3">
+        <a:scrgbClr r="0" g="0" b="0"/>
+      </a:effectRef>
+      <a:fontRef idx="minor"/>
+    </dgm:style>
+  </dgm:styleLbl>
+  <dgm:styleLbl name="alignImgPlace1">
+    <dgm:scene3d>
+      <a:camera prst="orthographicFront"/>
+      <a:lightRig rig="threePt" dir="t"/>
+    </dgm:scene3d>
+    <dgm:sp3d/>
+    <dgm:txPr/>
+    <dgm:style>
+      <a:lnRef idx="0">
+        <a:scrgbClr r="0" g="0" b="0"/>
+      </a:lnRef>
+      <a:fillRef idx="1">
+        <a:scrgbClr r="0" g="0" b="0"/>
+      </a:fillRef>
+      <a:effectRef idx="3">
+        <a:scrgbClr r="0" g="0" b="0"/>
+      </a:effectRef>
+      <a:fontRef idx="minor"/>
+    </dgm:style>
+  </dgm:styleLbl>
+  <dgm:styleLbl name="bgImgPlace1">
+    <dgm:scene3d>
+      <a:camera prst="orthographicFront"/>
+      <a:lightRig rig="threePt" dir="t"/>
+    </dgm:scene3d>
+    <dgm:sp3d/>
+    <dgm:txPr/>
+    <dgm:style>
+      <a:lnRef idx="0">
+        <a:scrgbClr r="0" g="0" b="0"/>
+      </a:lnRef>
+      <a:fillRef idx="1">
+        <a:scrgbClr r="0" g="0" b="0"/>
+      </a:fillRef>
+      <a:effectRef idx="3">
+        <a:scrgbClr r="0" g="0" b="0"/>
+      </a:effectRef>
+      <a:fontRef idx="minor"/>
+    </dgm:style>
+  </dgm:styleLbl>
+  <dgm:styleLbl name="sibTrans2D1">
+    <dgm:scene3d>
+      <a:camera prst="orthographicFront"/>
+      <a:lightRig rig="threePt" dir="t"/>
+    </dgm:scene3d>
+    <dgm:sp3d/>
+    <dgm:txPr/>
+    <dgm:style>
+      <a:lnRef idx="0">
+        <a:scrgbClr r="0" g="0" b="0"/>
+      </a:lnRef>
+      <a:fillRef idx="3">
+        <a:scrgbClr r="0" g="0" b="0"/>
+      </a:fillRef>
+      <a:effectRef idx="3">
+        <a:scrgbClr r="0" g="0" b="0"/>
+      </a:effectRef>
+      <a:fontRef idx="minor">
+        <a:schemeClr val="lt1"/>
+      </a:fontRef>
+    </dgm:style>
+  </dgm:styleLbl>
+  <dgm:styleLbl name="fgSibTrans2D1">
+    <dgm:scene3d>
+      <a:camera prst="orthographicFront"/>
+      <a:lightRig rig="threePt" dir="t"/>
+    </dgm:scene3d>
+    <dgm:sp3d/>
+    <dgm:txPr/>
+    <dgm:style>
+      <a:lnRef idx="0">
+        <a:scrgbClr r="0" g="0" b="0"/>
+      </a:lnRef>
+      <a:fillRef idx="3">
+        <a:scrgbClr r="0" g="0" b="0"/>
+      </a:fillRef>
+      <a:effectRef idx="3">
+        <a:scrgbClr r="0" g="0" b="0"/>
+      </a:effectRef>
+      <a:fontRef idx="minor">
+        <a:schemeClr val="lt1"/>
+      </a:fontRef>
+    </dgm:style>
+  </dgm:styleLbl>
+  <dgm:styleLbl name="bgSibTrans2D1">
+    <dgm:scene3d>
+      <a:camera prst="orthographicFront"/>
+      <a:lightRig rig="threePt" dir="t"/>
+    </dgm:scene3d>
+    <dgm:sp3d/>
+    <dgm:txPr/>
+    <dgm:style>
+      <a:lnRef idx="0">
+        <a:scrgbClr r="0" g="0" b="0"/>
+      </a:lnRef>
+      <a:fillRef idx="3">
+        <a:scrgbClr r="0" g="0" b="0"/>
+      </a:fillRef>
+      <a:effectRef idx="3">
+        <a:scrgbClr r="0" g="0" b="0"/>
+      </a:effectRef>
+      <a:fontRef idx="minor">
+        <a:schemeClr val="lt1"/>
+      </a:fontRef>
+    </dgm:style>
+  </dgm:styleLbl>
+  <dgm:styleLbl name="sibTrans1D1">
+    <dgm:scene3d>
+      <a:camera prst="orthographicFront"/>
+      <a:lightRig rig="threePt" dir="t"/>
+    </dgm:scene3d>
+    <dgm:sp3d/>
+    <dgm:txPr/>
+    <dgm:style>
+      <a:lnRef idx="1">
+        <a:scrgbClr r="0" g="0" b="0"/>
+      </a:lnRef>
+      <a:fillRef idx="0">
+        <a:scrgbClr r="0" g="0" b="0"/>
+      </a:fillRef>
+      <a:effectRef idx="0">
+        <a:scrgbClr r="0" g="0" b="0"/>
+      </a:effectRef>
+      <a:fontRef idx="minor"/>
+    </dgm:style>
+  </dgm:styleLbl>
+  <dgm:styleLbl name="callout">
+    <dgm:scene3d>
+      <a:camera prst="orthographicFront"/>
+      <a:lightRig rig="threePt" dir="t"/>
+    </dgm:scene3d>
+    <dgm:sp3d/>
+    <dgm:txPr/>
+    <dgm:style>
+      <a:lnRef idx="1">
+        <a:scrgbClr r="0" g="0" b="0"/>
+      </a:lnRef>
+      <a:fillRef idx="0">
+        <a:scrgbClr r="0" g="0" b="0"/>
+      </a:fillRef>
+      <a:effectRef idx="1">
+        <a:scrgbClr r="0" g="0" b="0"/>
+      </a:effectRef>
+      <a:fontRef idx="minor"/>
+    </dgm:style>
+  </dgm:styleLbl>
+  <dgm:styleLbl name="asst0">
+    <dgm:scene3d>
+      <a:camera prst="orthographicFront"/>
+      <a:lightRig rig="threePt" dir="t"/>
+    </dgm:scene3d>
+    <dgm:sp3d/>
+    <dgm:txPr/>
+    <dgm:style>
+      <a:lnRef idx="0">
+        <a:scrgbClr r="0" g="0" b="0"/>
+      </a:lnRef>
+      <a:fillRef idx="3">
+        <a:scrgbClr r="0" g="0" b="0"/>
+      </a:fillRef>
+      <a:effectRef idx="3">
+        <a:scrgbClr r="0" g="0" b="0"/>
+      </a:effectRef>
+      <a:fontRef idx="minor">
+        <a:schemeClr val="lt1"/>
+      </a:fontRef>
+    </dgm:style>
+  </dgm:styleLbl>
+  <dgm:styleLbl name="asst1">
+    <dgm:scene3d>
+      <a:camera prst="orthographicFront"/>
+      <a:lightRig rig="threePt" dir="t"/>
+    </dgm:scene3d>
+    <dgm:sp3d/>
+    <dgm:txPr/>
+    <dgm:style>
+      <a:lnRef idx="0">
+        <a:scrgbClr r="0" g="0" b="0"/>
+      </a:lnRef>
+      <a:fillRef idx="3">
+        <a:scrgbClr r="0" g="0" b="0"/>
+      </a:fillRef>
+      <a:effectRef idx="3">
+        <a:scrgbClr r="0" g="0" b="0"/>
+      </a:effectRef>
+      <a:fontRef idx="minor">
+        <a:schemeClr val="lt1"/>
+      </a:fontRef>
+    </dgm:style>
+  </dgm:styleLbl>
+  <dgm:styleLbl name="asst2">
+    <dgm:scene3d>
+      <a:camera prst="orthographicFront"/>
+      <a:lightRig rig="threePt" dir="t"/>
+    </dgm:scene3d>
+    <dgm:sp3d/>
+    <dgm:txPr/>
+    <dgm:style>
+      <a:lnRef idx="0">
+        <a:scrgbClr r="0" g="0" b="0"/>
+      </a:lnRef>
+      <a:fillRef idx="3">
+        <a:scrgbClr r="0" g="0" b="0"/>
+      </a:fillRef>
+      <a:effectRef idx="3">
+        <a:scrgbClr r="0" g="0" b="0"/>
+      </a:effectRef>
+      <a:fontRef idx="minor">
+        <a:schemeClr val="lt1"/>
+      </a:fontRef>
+    </dgm:style>
+  </dgm:styleLbl>
+  <dgm:styleLbl name="asst3">
+    <dgm:scene3d>
+      <a:camera prst="orthographicFront"/>
+      <a:lightRig rig="threePt" dir="t"/>
+    </dgm:scene3d>
+    <dgm:sp3d/>
+    <dgm:txPr/>
+    <dgm:style>
+      <a:lnRef idx="0">
+        <a:scrgbClr r="0" g="0" b="0"/>
+      </a:lnRef>
+      <a:fillRef idx="3">
+        <a:scrgbClr r="0" g="0" b="0"/>
+      </a:fillRef>
+      <a:effectRef idx="3">
+        <a:scrgbClr r="0" g="0" b="0"/>
+      </a:effectRef>
+      <a:fontRef idx="minor">
+        <a:schemeClr val="lt1"/>
+      </a:fontRef>
+    </dgm:style>
+  </dgm:styleLbl>
+  <dgm:styleLbl name="asst4">
+    <dgm:scene3d>
+      <a:camera prst="orthographicFront"/>
+      <a:lightRig rig="threePt" dir="t"/>
+    </dgm:scene3d>
+    <dgm:sp3d/>
+    <dgm:txPr/>
+    <dgm:style>
+      <a:lnRef idx="0">
+        <a:scrgbClr r="0" g="0" b="0"/>
+      </a:lnRef>
+      <a:fillRef idx="3">
+        <a:scrgbClr r="0" g="0" b="0"/>
+      </a:fillRef>
+      <a:effectRef idx="3">
+        <a:scrgbClr r="0" g="0" b="0"/>
+      </a:effectRef>
+      <a:fontRef idx="minor">
+        <a:schemeClr val="lt1"/>
+      </a:fontRef>
+    </dgm:style>
+  </dgm:styleLbl>
+  <dgm:styleLbl name="parChTrans2D1">
+    <dgm:scene3d>
+      <a:camera prst="orthographicFront"/>
+      <a:lightRig rig="threePt" dir="t"/>
+    </dgm:scene3d>
+    <dgm:sp3d/>
+    <dgm:txPr/>
+    <dgm:style>
+      <a:lnRef idx="0">
+        <a:scrgbClr r="0" g="0" b="0"/>
+      </a:lnRef>
+      <a:fillRef idx="3">
+        <a:scrgbClr r="0" g="0" b="0"/>
+      </a:fillRef>
+      <a:effectRef idx="3">
+        <a:scrgbClr r="0" g="0" b="0"/>
+      </a:effectRef>
+      <a:fontRef idx="minor">
+        <a:schemeClr val="lt1"/>
+      </a:fontRef>
+    </dgm:style>
+  </dgm:styleLbl>
+  <dgm:styleLbl name="parChTrans2D2">
+    <dgm:scene3d>
+      <a:camera prst="orthographicFront"/>
+      <a:lightRig rig="threePt" dir="t"/>
+    </dgm:scene3d>
+    <dgm:sp3d/>
+    <dgm:txPr/>
+    <dgm:style>
+      <a:lnRef idx="0">
+        <a:scrgbClr r="0" g="0" b="0"/>
+      </a:lnRef>
+      <a:fillRef idx="3">
+        <a:scrgbClr r="0" g="0" b="0"/>
+      </a:fillRef>
+      <a:effectRef idx="3">
+        <a:scrgbClr r="0" g="0" b="0"/>
+      </a:effectRef>
+      <a:fontRef idx="minor">
+        <a:schemeClr val="lt1"/>
+      </a:fontRef>
+    </dgm:style>
+  </dgm:styleLbl>
+  <dgm:styleLbl name="parChTrans2D3">
+    <dgm:scene3d>
+      <a:camera prst="orthographicFront"/>
+      <a:lightRig rig="threePt" dir="t"/>
+    </dgm:scene3d>
+    <dgm:sp3d/>
+    <dgm:txPr/>
+    <dgm:style>
+      <a:lnRef idx="0">
+        <a:scrgbClr r="0" g="0" b="0"/>
+      </a:lnRef>
+      <a:fillRef idx="3">
+        <a:scrgbClr r="0" g="0" b="0"/>
+      </a:fillRef>
+      <a:effectRef idx="3">
+        <a:scrgbClr r="0" g="0" b="0"/>
+      </a:effectRef>
+      <a:fontRef idx="minor">
+        <a:schemeClr val="lt1"/>
+      </a:fontRef>
+    </dgm:style>
+  </dgm:styleLbl>
+  <dgm:styleLbl name="parChTrans2D4">
+    <dgm:scene3d>
+      <a:camera prst="orthographicFront"/>
+      <a:lightRig rig="threePt" dir="t"/>
+    </dgm:scene3d>
+    <dgm:sp3d/>
+    <dgm:txPr/>
+    <dgm:style>
+      <a:lnRef idx="0">
+        <a:scrgbClr r="0" g="0" b="0"/>
+      </a:lnRef>
+      <a:fillRef idx="3">
+        <a:scrgbClr r="0" g="0" b="0"/>
+      </a:fillRef>
+      <a:effectRef idx="3">
+        <a:scrgbClr r="0" g="0" b="0"/>
+      </a:effectRef>
+      <a:fontRef idx="minor">
+        <a:schemeClr val="lt1"/>
+      </a:fontRef>
+    </dgm:style>
+  </dgm:styleLbl>
+  <dgm:styleLbl name="parChTrans1D1">
+    <dgm:scene3d>
+      <a:camera prst="orthographicFront"/>
+      <a:lightRig rig="threePt" dir="t"/>
+    </dgm:scene3d>
+    <dgm:sp3d/>
+    <dgm:txPr/>
+    <dgm:style>
+      <a:lnRef idx="2">
+        <a:scrgbClr r="0" g="0" b="0"/>
+      </a:lnRef>
+      <a:fillRef idx="0">
+        <a:scrgbClr r="0" g="0" b="0"/>
+      </a:fillRef>
+      <a:effectRef idx="0">
+        <a:scrgbClr r="0" g="0" b="0"/>
+      </a:effectRef>
+      <a:fontRef idx="minor"/>
+    </dgm:style>
+  </dgm:styleLbl>
+  <dgm:styleLbl name="parChTrans1D2">
+    <dgm:scene3d>
+      <a:camera prst="orthographicFront"/>
+      <a:lightRig rig="threePt" dir="t"/>
+    </dgm:scene3d>
+    <dgm:sp3d/>
+    <dgm:txPr/>
+    <dgm:style>
+      <a:lnRef idx="2">
+        <a:scrgbClr r="0" g="0" b="0"/>
+      </a:lnRef>
+      <a:fillRef idx="0">
+        <a:scrgbClr r="0" g="0" b="0"/>
+      </a:fillRef>
+      <a:effectRef idx="0">
+        <a:scrgbClr r="0" g="0" b="0"/>
+      </a:effectRef>
+      <a:fontRef idx="minor"/>
+    </dgm:style>
+  </dgm:styleLbl>
+  <dgm:styleLbl name="parChTrans1D3">
+    <dgm:scene3d>
+      <a:camera prst="orthographicFront"/>
+      <a:lightRig rig="threePt" dir="t"/>
+    </dgm:scene3d>
+    <dgm:sp3d/>
+    <dgm:txPr/>
+    <dgm:style>
+      <a:lnRef idx="2">
+        <a:scrgbClr r="0" g="0" b="0"/>
+      </a:lnRef>
+      <a:fillRef idx="0">
+        <a:scrgbClr r="0" g="0" b="0"/>
+      </a:fillRef>
+      <a:effectRef idx="0">
+        <a:scrgbClr r="0" g="0" b="0"/>
+      </a:effectRef>
+      <a:fontRef idx="minor"/>
+    </dgm:style>
+  </dgm:styleLbl>
+  <dgm:styleLbl name="parChTrans1D4">
+    <dgm:scene3d>
+      <a:camera prst="orthographicFront"/>
+      <a:lightRig rig="threePt" dir="t"/>
+    </dgm:scene3d>
+    <dgm:sp3d/>
+    <dgm:txPr/>
+    <dgm:style>
+      <a:lnRef idx="2">
+        <a:scrgbClr r="0" g="0" b="0"/>
+      </a:lnRef>
+      <a:fillRef idx="0">
+        <a:scrgbClr r="0" g="0" b="0"/>
+      </a:fillRef>
+      <a:effectRef idx="0">
+        <a:scrgbClr r="0" g="0" b="0"/>
+      </a:effectRef>
+      <a:fontRef idx="minor"/>
+    </dgm:style>
+  </dgm:styleLbl>
+  <dgm:styleLbl name="fgAcc1">
+    <dgm:scene3d>
+      <a:camera prst="orthographicFront"/>
+      <a:lightRig rig="threePt" dir="t"/>
+    </dgm:scene3d>
+    <dgm:sp3d/>
+    <dgm:txPr/>
+    <dgm:style>
+      <a:lnRef idx="1">
+        <a:scrgbClr r="0" g="0" b="0"/>
+      </a:lnRef>
+      <a:fillRef idx="1">
+        <a:scrgbClr r="0" g="0" b="0"/>
+      </a:fillRef>
+      <a:effectRef idx="2">
+        <a:scrgbClr r="0" g="0" b="0"/>
+      </a:effectRef>
+      <a:fontRef idx="minor"/>
+    </dgm:style>
+  </dgm:styleLbl>
+  <dgm:styleLbl name="conFgAcc1">
+    <dgm:scene3d>
+      <a:camera prst="orthographicFront"/>
+      <a:lightRig rig="threePt" dir="t"/>
+    </dgm:scene3d>
+    <dgm:sp3d/>
+    <dgm:txPr/>
+    <dgm:style>
+      <a:lnRef idx="1">
+        <a:scrgbClr r="0" g="0" b="0"/>
+      </a:lnRef>
+      <a:fillRef idx="1">
+        <a:scrgbClr r="0" g="0" b="0"/>
+      </a:fillRef>
+      <a:effectRef idx="2">
+        <a:scrgbClr r="0" g="0" b="0"/>
+      </a:effectRef>
+      <a:fontRef idx="minor"/>
+    </dgm:style>
+  </dgm:styleLbl>
+  <dgm:styleLbl name="alignAcc1">
+    <dgm:scene3d>
+      <a:camera prst="orthographicFront"/>
+      <a:lightRig rig="threePt" dir="t"/>
+    </dgm:scene3d>
+    <dgm:sp3d/>
+    <dgm:txPr/>
+    <dgm:style>
+      <a:lnRef idx="1">
+        <a:scrgbClr r="0" g="0" b="0"/>
+      </a:lnRef>
+      <a:fillRef idx="1">
+        <a:scrgbClr r="0" g="0" b="0"/>
+      </a:fillRef>
+      <a:effectRef idx="2">
+        <a:scrgbClr r="0" g="0" b="0"/>
+      </a:effectRef>
+      <a:fontRef idx="minor"/>
+    </dgm:style>
+  </dgm:styleLbl>
+  <dgm:styleLbl name="trAlignAcc1">
+    <dgm:scene3d>
+      <a:camera prst="orthographicFront"/>
+      <a:lightRig rig="threePt" dir="t"/>
+    </dgm:scene3d>
+    <dgm:sp3d/>
+    <dgm:txPr/>
+    <dgm:style>
+      <a:lnRef idx="1">
+        <a:scrgbClr r="0" g="0" b="0"/>
+      </a:lnRef>
+      <a:fillRef idx="1">
+        <a:scrgbClr r="0" g="0" b="0"/>
+      </a:fillRef>
+      <a:effectRef idx="0">
+        <a:scrgbClr r="0" g="0" b="0"/>
+      </a:effectRef>
+      <a:fontRef idx="minor"/>
+    </dgm:style>
+  </dgm:styleLbl>
+  <dgm:styleLbl name="bgAcc1">
+    <dgm:scene3d>
+      <a:camera prst="orthographicFront"/>
+      <a:lightRig rig="threePt" dir="t"/>
+    </dgm:scene3d>
+    <dgm:sp3d/>
+    <dgm:txPr/>
+    <dgm:style>
+      <a:lnRef idx="1">
+        <a:scrgbClr r="0" g="0" b="0"/>
+      </a:lnRef>
+      <a:fillRef idx="1">
+        <a:scrgbClr r="0" g="0" b="0"/>
+      </a:fillRef>
+      <a:effectRef idx="2">
+        <a:scrgbClr r="0" g="0" b="0"/>
+      </a:effectRef>
+      <a:fontRef idx="minor"/>
+    </dgm:style>
+  </dgm:styleLbl>
+  <dgm:styleLbl name="solidFgAcc1">
+    <dgm:scene3d>
+      <a:camera prst="orthographicFront"/>
+      <a:lightRig rig="threePt" dir="t"/>
+    </dgm:scene3d>
+    <dgm:sp3d/>
+    <dgm:txPr/>
+    <dgm:style>
+      <a:lnRef idx="1">
+        <a:scrgbClr r="0" g="0" b="0"/>
+      </a:lnRef>
+      <a:fillRef idx="1">
+        <a:scrgbClr r="0" g="0" b="0"/>
+      </a:fillRef>
+      <a:effectRef idx="2">
+        <a:scrgbClr r="0" g="0" b="0"/>
+      </a:effectRef>
+      <a:fontRef idx="minor"/>
+    </dgm:style>
+  </dgm:styleLbl>
+  <dgm:styleLbl name="solidAlignAcc1">
+    <dgm:scene3d>
+      <a:camera prst="orthographicFront"/>
+      <a:lightRig rig="threePt" dir="t"/>
+    </dgm:scene3d>
+    <dgm:sp3d/>
+    <dgm:txPr/>
+    <dgm:style>
+      <a:lnRef idx="1">
+        <a:scrgbClr r="0" g="0" b="0"/>
+      </a:lnRef>
+      <a:fillRef idx="1">
+        <a:scrgbClr r="0" g="0" b="0"/>
+      </a:fillRef>
+      <a:effectRef idx="3">
+        <a:scrgbClr r="0" g="0" b="0"/>
+      </a:effectRef>
+      <a:fontRef idx="minor"/>
+    </dgm:style>
+  </dgm:styleLbl>
+  <dgm:styleLbl name="solidBgAcc1">
+    <dgm:scene3d>
+      <a:camera prst="orthographicFront"/>
+      <a:lightRig rig="threePt" dir="t"/>
+    </dgm:scene3d>
+    <dgm:sp3d/>
+    <dgm:txPr/>
+    <dgm:style>
+      <a:lnRef idx="1">
+        <a:scrgbClr r="0" g="0" b="0"/>
+      </a:lnRef>
+      <a:fillRef idx="1">
+        <a:scrgbClr r="0" g="0" b="0"/>
+      </a:fillRef>
+      <a:effectRef idx="3">
+        <a:scrgbClr r="0" g="0" b="0"/>
+      </a:effectRef>
+      <a:fontRef idx="minor"/>
+    </dgm:style>
+  </dgm:styleLbl>
+  <dgm:styleLbl name="fgAccFollowNode1">
+    <dgm:scene3d>
+      <a:camera prst="orthographicFront"/>
+      <a:lightRig rig="threePt" dir="t"/>
+    </dgm:scene3d>
+    <dgm:sp3d/>
+    <dgm:txPr/>
+    <dgm:style>
+      <a:lnRef idx="1">
+        <a:scrgbClr r="0" g="0" b="0"/>
+      </a:lnRef>
+      <a:fillRef idx="1">
+        <a:scrgbClr r="0" g="0" b="0"/>
+      </a:fillRef>
+      <a:effectRef idx="2">
+        <a:scrgbClr r="0" g="0" b="0"/>
+      </a:effectRef>
+      <a:fontRef idx="minor"/>
+    </dgm:style>
+  </dgm:styleLbl>
+  <dgm:styleLbl name="alignAccFollowNode1">
+    <dgm:scene3d>
+      <a:camera prst="orthographicFront"/>
+      <a:lightRig rig="threePt" dir="t"/>
+    </dgm:scene3d>
+    <dgm:sp3d/>
+    <dgm:txPr/>
+    <dgm:style>
+      <a:lnRef idx="1">
+        <a:scrgbClr r="0" g="0" b="0"/>
+      </a:lnRef>
+      <a:fillRef idx="1">
+        <a:scrgbClr r="0" g="0" b="0"/>
+      </a:fillRef>
+      <a:effectRef idx="2">
+        <a:scrgbClr r="0" g="0" b="0"/>
+      </a:effectRef>
+      <a:fontRef idx="minor"/>
+    </dgm:style>
+  </dgm:styleLbl>
+  <dgm:styleLbl name="bgAccFollowNode1">
+    <dgm:scene3d>
+      <a:camera prst="orthographicFront"/>
+      <a:lightRig rig="threePt" dir="t"/>
+    </dgm:scene3d>
+    <dgm:sp3d/>
+    <dgm:txPr/>
+    <dgm:style>
+      <a:lnRef idx="1">
+        <a:scrgbClr r="0" g="0" b="0"/>
+      </a:lnRef>
+      <a:fillRef idx="1">
+        <a:scrgbClr r="0" g="0" b="0"/>
+      </a:fillRef>
+      <a:effectRef idx="2">
+        <a:scrgbClr r="0" g="0" b="0"/>
+      </a:effectRef>
+      <a:fontRef idx="minor"/>
+    </dgm:style>
+  </dgm:styleLbl>
+  <dgm:styleLbl name="fgAcc0">
+    <dgm:scene3d>
+      <a:camera prst="orthographicFront"/>
+      <a:lightRig rig="threePt" dir="t"/>
+    </dgm:scene3d>
+    <dgm:sp3d/>
+    <dgm:txPr/>
+    <dgm:style>
+      <a:lnRef idx="1">
+        <a:scrgbClr r="0" g="0" b="0"/>
+      </a:lnRef>
+      <a:fillRef idx="1">
+        <a:scrgbClr r="0" g="0" b="0"/>
+      </a:fillRef>
+      <a:effectRef idx="2">
+        <a:scrgbClr r="0" g="0" b="0"/>
+      </a:effectRef>
+      <a:fontRef idx="minor"/>
+    </dgm:style>
+  </dgm:styleLbl>
+  <dgm:styleLbl name="fgAcc2">
+    <dgm:scene3d>
+      <a:camera prst="orthographicFront"/>
+      <a:lightRig rig="threePt" dir="t"/>
+    </dgm:scene3d>
+    <dgm:sp3d/>
+    <dgm:txPr/>
+    <dgm:style>
+      <a:lnRef idx="1">
+        <a:scrgbClr r="0" g="0" b="0"/>
+      </a:lnRef>
+      <a:fillRef idx="1">
+        <a:scrgbClr r="0" g="0" b="0"/>
+      </a:fillRef>
+      <a:effectRef idx="2">
+        <a:scrgbClr r="0" g="0" b="0"/>
+      </a:effectRef>
+      <a:fontRef idx="minor"/>
+    </dgm:style>
+  </dgm:styleLbl>
+  <dgm:styleLbl name="fgAcc3">
+    <dgm:scene3d>
+      <a:camera prst="orthographicFront"/>
+      <a:lightRig rig="threePt" dir="t"/>
+    </dgm:scene3d>
+    <dgm:sp3d/>
+    <dgm:txPr/>
+    <dgm:style>
+      <a:lnRef idx="1">
+        <a:scrgbClr r="0" g="0" b="0"/>
+      </a:lnRef>
+      <a:fillRef idx="1">
+        <a:scrgbClr r="0" g="0" b="0"/>
+      </a:fillRef>
+      <a:effectRef idx="2">
+        <a:scrgbClr r="0" g="0" b="0"/>
+      </a:effectRef>
+      <a:fontRef idx="minor"/>
+    </dgm:style>
+  </dgm:styleLbl>
+  <dgm:styleLbl name="fgAcc4">
+    <dgm:scene3d>
+      <a:camera prst="orthographicFront"/>
+      <a:lightRig rig="threePt" dir="t"/>
+    </dgm:scene3d>
+    <dgm:sp3d/>
+    <dgm:txPr/>
+    <dgm:style>
+      <a:lnRef idx="1">
+        <a:scrgbClr r="0" g="0" b="0"/>
+      </a:lnRef>
+      <a:fillRef idx="1">
+        <a:scrgbClr r="0" g="0" b="0"/>
+      </a:fillRef>
+      <a:effectRef idx="2">
+        <a:scrgbClr r="0" g="0" b="0"/>
+      </a:effectRef>
+      <a:fontRef idx="minor"/>
+    </dgm:style>
+  </dgm:styleLbl>
+  <dgm:styleLbl name="bgShp">
+    <dgm:scene3d>
+      <a:camera prst="orthographicFront"/>
+      <a:lightRig rig="threePt" dir="t"/>
+    </dgm:scene3d>
+    <dgm:sp3d/>
+    <dgm:txPr/>
+    <dgm:style>
+      <a:lnRef idx="0">
+        <a:scrgbClr r="0" g="0" b="0"/>
+      </a:lnRef>
+      <a:fillRef idx="1">
+        <a:scrgbClr r="0" g="0" b="0"/>
+      </a:fillRef>
+      <a:effectRef idx="2">
+        <a:scrgbClr r="0" g="0" b="0"/>
+      </a:effectRef>
+      <a:fontRef idx="minor"/>
+    </dgm:style>
+  </dgm:styleLbl>
+  <dgm:styleLbl name="dkBgShp">
+    <dgm:scene3d>
+      <a:camera prst="orthographicFront"/>
+      <a:lightRig rig="threePt" dir="t"/>
+    </dgm:scene3d>
+    <dgm:sp3d/>
+    <dgm:txPr/>
+    <dgm:style>
+      <a:lnRef idx="0">
+        <a:scrgbClr r="0" g="0" b="0"/>
+      </a:lnRef>
+      <a:fillRef idx="1">
+        <a:scrgbClr r="0" g="0" b="0"/>
+      </a:fillRef>
+      <a:effectRef idx="3">
+        <a:scrgbClr r="0" g="0" b="0"/>
+      </a:effectRef>
+      <a:fontRef idx="minor"/>
+    </dgm:style>
+  </dgm:styleLbl>
+  <dgm:styleLbl name="trBgShp">
+    <dgm:scene3d>
+      <a:camera prst="orthographicFront"/>
+      <a:lightRig rig="threePt" dir="t"/>
+    </dgm:scene3d>
+    <dgm:sp3d/>
+    <dgm:txPr/>
+    <dgm:style>
+      <a:lnRef idx="0">
+        <a:scrgbClr r="0" g="0" b="0"/>
+      </a:lnRef>
+      <a:fillRef idx="1">
+        <a:scrgbClr r="0" g="0" b="0"/>
+      </a:fillRef>
+      <a:effectRef idx="0">
+        <a:scrgbClr r="0" g="0" b="0"/>
+      </a:effectRef>
+      <a:fontRef idx="minor"/>
+    </dgm:style>
+  </dgm:styleLbl>
+  <dgm:styleLbl name="fgShp">
+    <dgm:scene3d>
+      <a:camera prst="orthographicFront"/>
+      <a:lightRig rig="threePt" dir="t"/>
+    </dgm:scene3d>
+    <dgm:sp3d/>
+    <dgm:txPr/>
+    <dgm:style>
+      <a:lnRef idx="0">
+        <a:scrgbClr r="0" g="0" b="0"/>
+      </a:lnRef>
+      <a:fillRef idx="3">
+        <a:scrgbClr r="0" g="0" b="0"/>
+      </a:fillRef>
+      <a:effectRef idx="3">
+        <a:scrgbClr r="0" g="0" b="0"/>
+      </a:effectRef>
+      <a:fontRef idx="minor"/>
+    </dgm:style>
+  </dgm:styleLbl>
+  <dgm:styleLbl name="revTx">
+    <dgm:scene3d>
+      <a:camera prst="orthographicFront"/>
+      <a:lightRig rig="threePt" dir="t"/>
+    </dgm:scene3d>
+    <dgm:sp3d/>
+    <dgm:txPr/>
+    <dgm:style>
+      <a:lnRef idx="0">
+        <a:scrgbClr r="0" g="0" b="0"/>
+      </a:lnRef>
+      <a:fillRef idx="0">
+        <a:scrgbClr r="0" g="0" b="0"/>
+      </a:fillRef>
+      <a:effectRef idx="0">
+        <a:scrgbClr r="0" g="0" b="0"/>
+      </a:effectRef>
+      <a:fontRef idx="minor"/>
+    </dgm:style>
+  </dgm:styleLbl>
+</dgm:styleDef>
+</file>
+
+<file path=ppt/diagrams/quickStyle6.xml><?xml version="1.0" encoding="utf-8"?>
 <dgm:styleDef xmlns:dgm="http://schemas.openxmlformats.org/drawingml/2006/diagram" xmlns:a="http://schemas.openxmlformats.org/drawingml/2006/main" uniqueId="urn:microsoft.com/office/officeart/2005/8/quickstyle/simple4">
   <dgm:title val=""/>
   <dgm:desc val=""/>
@@ -18290,7 +22564,7 @@
           <a:p>
             <a:fld id="{FFE4F810-24D6-452B-9812-AA3DC03AE9D7}" type="datetimeFigureOut">
               <a:rPr lang="en-US" smtClean="0"/>
-              <a:t>3/13/2016</a:t>
+              <a:t>3/16/2016</a:t>
             </a:fld>
             <a:endParaRPr lang="en-US"/>
           </a:p>
@@ -18706,7 +22980,7 @@
           <a:p>
             <a:fld id="{0B1F3133-A7CF-4F36-885F-4377E195CD39}" type="slidenum">
               <a:rPr lang="en-US" smtClean="0"/>
-              <a:t>10</a:t>
+              <a:t>11</a:t>
             </a:fld>
             <a:endParaRPr lang="en-US"/>
           </a:p>
@@ -19453,7 +23727,7 @@
           <a:p>
             <a:fld id="{B5DD6361-C92D-4C5A-8B9C-FCEBB59FD080}" type="datetime1">
               <a:rPr lang="fr-FR" smtClean="0"/>
-              <a:t>13/03/2016</a:t>
+              <a:t>16/03/2016</a:t>
             </a:fld>
             <a:endParaRPr lang="en-US"/>
           </a:p>
@@ -19707,7 +23981,7 @@
           <a:p>
             <a:fld id="{3B1E6D9C-B5EE-40ED-959D-BE3A5D91F381}" type="datetime1">
               <a:rPr lang="fr-FR" smtClean="0"/>
-              <a:t>13/03/2016</a:t>
+              <a:t>16/03/2016</a:t>
             </a:fld>
             <a:endParaRPr lang="en-US"/>
           </a:p>
@@ -20024,7 +24298,7 @@
           <a:p>
             <a:fld id="{6E0AD30E-3312-4E9F-8A9B-D0ECAA0451DF}" type="datetime1">
               <a:rPr lang="fr-FR" smtClean="0"/>
-              <a:t>13/03/2016</a:t>
+              <a:t>16/03/2016</a:t>
             </a:fld>
             <a:endParaRPr lang="en-US"/>
           </a:p>
@@ -20368,7 +24642,7 @@
           <a:p>
             <a:fld id="{A89AB6BA-520A-4EBB-9D1F-A279C36AE225}" type="datetime1">
               <a:rPr lang="fr-FR" smtClean="0"/>
-              <a:t>13/03/2016</a:t>
+              <a:t>16/03/2016</a:t>
             </a:fld>
             <a:endParaRPr lang="en-US"/>
           </a:p>
@@ -20685,7 +24959,7 @@
           <a:p>
             <a:fld id="{61CCE366-E508-4365-A528-81810D997FF5}" type="datetime1">
               <a:rPr lang="fr-FR" smtClean="0"/>
-              <a:t>13/03/2016</a:t>
+              <a:t>16/03/2016</a:t>
             </a:fld>
             <a:endParaRPr lang="en-US"/>
           </a:p>
@@ -21081,7 +25355,7 @@
           <a:p>
             <a:fld id="{18535201-E68E-4629-B363-B4EC6B079F97}" type="datetime1">
               <a:rPr lang="fr-FR" smtClean="0"/>
-              <a:t>13/03/2016</a:t>
+              <a:t>16/03/2016</a:t>
             </a:fld>
             <a:endParaRPr lang="en-US"/>
           </a:p>
@@ -21254,7 +25528,7 @@
           <a:p>
             <a:fld id="{FAB0AFE1-2E12-4791-9791-6BCCB5973D1A}" type="datetime1">
               <a:rPr lang="fr-FR" smtClean="0"/>
-              <a:t>13/03/2016</a:t>
+              <a:t>16/03/2016</a:t>
             </a:fld>
             <a:endParaRPr lang="en-US"/>
           </a:p>
@@ -21437,7 +25711,7 @@
           <a:p>
             <a:fld id="{32C5EF55-AC71-4705-8FB2-0BF87D33A324}" type="datetime1">
               <a:rPr lang="fr-FR" smtClean="0"/>
-              <a:t>13/03/2016</a:t>
+              <a:t>16/03/2016</a:t>
             </a:fld>
             <a:endParaRPr lang="en-US"/>
           </a:p>
@@ -21642,7 +25916,7 @@
             <a:fld id="{CD77EECE-1F8F-4EFB-897C-4B2C2CB114C6}" type="datetime1">
               <a:rPr lang="fr-FR" smtClean="0"/>
               <a:pPr/>
-              <a:t>13/03/2016</a:t>
+              <a:t>16/03/2016</a:t>
             </a:fld>
             <a:endParaRPr lang="en-US" dirty="0"/>
           </a:p>
@@ -21918,7 +26192,7 @@
             <a:fld id="{CD52FDE6-6905-49BA-9321-7E2D4D45C25F}" type="datetime1">
               <a:rPr lang="fr-FR" smtClean="0"/>
               <a:pPr/>
-              <a:t>13/03/2016</a:t>
+              <a:t>16/03/2016</a:t>
             </a:fld>
             <a:endParaRPr lang="en-US"/>
           </a:p>
@@ -22162,7 +26436,7 @@
           <a:p>
             <a:fld id="{0A86D140-3D2A-4D92-8A3E-2CEF00AB6156}" type="datetime1">
               <a:rPr lang="fr-FR" smtClean="0"/>
-              <a:t>13/03/2016</a:t>
+              <a:t>16/03/2016</a:t>
             </a:fld>
             <a:endParaRPr lang="en-US"/>
           </a:p>
@@ -22539,7 +26813,7 @@
           <a:p>
             <a:fld id="{66110D82-C8F5-4D4A-9582-3CA0635F9328}" type="datetime1">
               <a:rPr lang="fr-FR" smtClean="0"/>
-              <a:t>13/03/2016</a:t>
+              <a:t>16/03/2016</a:t>
             </a:fld>
             <a:endParaRPr lang="en-US"/>
           </a:p>
@@ -22688,7 +26962,7 @@
             <a:fld id="{AB4809BD-7B7C-4B66-9065-D6920523D394}" type="datetime1">
               <a:rPr lang="fr-FR" smtClean="0"/>
               <a:pPr/>
-              <a:t>13/03/2016</a:t>
+              <a:t>16/03/2016</a:t>
             </a:fld>
             <a:endParaRPr lang="en-US"/>
           </a:p>
@@ -22795,7 +27069,7 @@
           <a:p>
             <a:fld id="{16AF6CF5-89ED-4575-91A3-4EB8DEE17208}" type="datetime1">
               <a:rPr lang="fr-FR" smtClean="0"/>
-              <a:t>13/03/2016</a:t>
+              <a:t>16/03/2016</a:t>
             </a:fld>
             <a:endParaRPr lang="en-US"/>
           </a:p>
@@ -23053,7 +27327,7 @@
           <a:p>
             <a:fld id="{05C261E9-2437-42FA-AB8A-1808812EEBCE}" type="datetime1">
               <a:rPr lang="fr-FR" smtClean="0"/>
-              <a:t>13/03/2016</a:t>
+              <a:t>16/03/2016</a:t>
             </a:fld>
             <a:endParaRPr lang="en-US"/>
           </a:p>
@@ -23319,7 +27593,7 @@
           <a:p>
             <a:fld id="{9D9BB8D0-5CB2-4A74-9917-95E881E38BAB}" type="datetime1">
               <a:rPr lang="fr-FR" smtClean="0"/>
-              <a:t>13/03/2016</a:t>
+              <a:t>16/03/2016</a:t>
             </a:fld>
             <a:endParaRPr lang="en-US"/>
           </a:p>
@@ -24065,7 +28339,7 @@
           <a:p>
             <a:fld id="{7EA18BA9-6328-4E4C-BEBF-327C59209EED}" type="datetime1">
               <a:rPr lang="fr-FR" smtClean="0"/>
-              <a:t>13/03/2016</a:t>
+              <a:t>16/03/2016</a:t>
             </a:fld>
             <a:endParaRPr lang="en-US"/>
           </a:p>
@@ -24680,6 +28954,149 @@
           <a:lstStyle/>
           <a:p>
             <a:r>
+              <a:rPr lang="fr-FR" dirty="0"/>
+              <a:t>Architecture - Pile logicielle</a:t>
+            </a:r>
+          </a:p>
+        </p:txBody>
+      </p:sp>
+      <p:graphicFrame>
+        <p:nvGraphicFramePr>
+          <p:cNvPr id="4" name="Diagram 3"/>
+          <p:cNvGraphicFramePr/>
+          <p:nvPr>
+            <p:extLst>
+              <p:ext uri="{D42A27DB-BD31-4B8C-83A1-F6EECF244321}">
+                <p14:modId xmlns:p14="http://schemas.microsoft.com/office/powerpoint/2010/main" val="2184007370"/>
+              </p:ext>
+            </p:extLst>
+          </p:nvPr>
+        </p:nvGraphicFramePr>
+        <p:xfrm>
+          <a:off x="677333" y="1419726"/>
+          <a:ext cx="8695267" cy="4621636"/>
+        </p:xfrm>
+        <a:graphic>
+          <a:graphicData uri="http://schemas.openxmlformats.org/drawingml/2006/diagram">
+            <dgm:relIds xmlns:dgm="http://schemas.openxmlformats.org/drawingml/2006/diagram" xmlns:r="http://schemas.openxmlformats.org/officeDocument/2006/relationships" r:dm="rId2" r:lo="rId3" r:qs="rId4" r:cs="rId5"/>
+          </a:graphicData>
+        </a:graphic>
+      </p:graphicFrame>
+      <p:sp>
+        <p:nvSpPr>
+          <p:cNvPr id="5" name="Date Placeholder 4"/>
+          <p:cNvSpPr>
+            <a:spLocks noGrp="1"/>
+          </p:cNvSpPr>
+          <p:nvPr>
+            <p:ph type="dt" sz="half" idx="10"/>
+          </p:nvPr>
+        </p:nvSpPr>
+        <p:spPr/>
+        <p:txBody>
+          <a:bodyPr/>
+          <a:lstStyle/>
+          <a:p>
+            <a:fld id="{062D72EB-0C3F-4CCC-A73C-9A65FD84E9FA}" type="datetime1">
+              <a:rPr lang="fr-FR" smtClean="0"/>
+              <a:t>16/03/2016</a:t>
+            </a:fld>
+            <a:endParaRPr lang="en-US"/>
+          </a:p>
+        </p:txBody>
+      </p:sp>
+      <p:sp>
+        <p:nvSpPr>
+          <p:cNvPr id="6" name="Footer Placeholder 5"/>
+          <p:cNvSpPr>
+            <a:spLocks noGrp="1"/>
+          </p:cNvSpPr>
+          <p:nvPr>
+            <p:ph type="ftr" sz="quarter" idx="11"/>
+          </p:nvPr>
+        </p:nvSpPr>
+        <p:spPr/>
+        <p:txBody>
+          <a:bodyPr/>
+          <a:lstStyle/>
+          <a:p>
+            <a:r>
+              <a:rPr lang="en-US"/>
+              <a:t>ANDROID – Ihab BERRO</a:t>
+            </a:r>
+            <a:endParaRPr lang="en-US" dirty="0"/>
+          </a:p>
+        </p:txBody>
+      </p:sp>
+      <p:sp>
+        <p:nvSpPr>
+          <p:cNvPr id="7" name="Slide Number Placeholder 6"/>
+          <p:cNvSpPr>
+            <a:spLocks noGrp="1"/>
+          </p:cNvSpPr>
+          <p:nvPr>
+            <p:ph type="sldNum" sz="quarter" idx="12"/>
+          </p:nvPr>
+        </p:nvSpPr>
+        <p:spPr/>
+        <p:txBody>
+          <a:bodyPr/>
+          <a:lstStyle/>
+          <a:p>
+            <a:fld id="{BA2DA46E-DB81-44BF-AEE2-1A0B022EF716}" type="slidenum">
+              <a:rPr lang="en-US" smtClean="0"/>
+              <a:t>10</a:t>
+            </a:fld>
+            <a:endParaRPr lang="en-US"/>
+          </a:p>
+        </p:txBody>
+      </p:sp>
+    </p:spTree>
+    <p:extLst>
+      <p:ext uri="{BB962C8B-B14F-4D97-AF65-F5344CB8AC3E}">
+        <p14:creationId xmlns:p14="http://schemas.microsoft.com/office/powerpoint/2010/main" val="990097029"/>
+      </p:ext>
+    </p:extLst>
+  </p:cSld>
+  <p:clrMapOvr>
+    <a:masterClrMapping/>
+  </p:clrMapOvr>
+</p:sld>
+</file>
+
+<file path=ppt/slides/slide11.xml><?xml version="1.0" encoding="utf-8"?>
+<p:sld xmlns:a="http://schemas.openxmlformats.org/drawingml/2006/main" xmlns:r="http://schemas.openxmlformats.org/officeDocument/2006/relationships" xmlns:p="http://schemas.openxmlformats.org/presentationml/2006/main">
+  <p:cSld>
+    <p:spTree>
+      <p:nvGrpSpPr>
+        <p:cNvPr id="1" name=""/>
+        <p:cNvGrpSpPr/>
+        <p:nvPr/>
+      </p:nvGrpSpPr>
+      <p:grpSpPr>
+        <a:xfrm>
+          <a:off x="0" y="0"/>
+          <a:ext cx="0" cy="0"/>
+          <a:chOff x="0" y="0"/>
+          <a:chExt cx="0" cy="0"/>
+        </a:xfrm>
+      </p:grpSpPr>
+      <p:sp>
+        <p:nvSpPr>
+          <p:cNvPr id="2" name="Title 1"/>
+          <p:cNvSpPr>
+            <a:spLocks noGrp="1"/>
+          </p:cNvSpPr>
+          <p:nvPr>
+            <p:ph type="title"/>
+          </p:nvPr>
+        </p:nvSpPr>
+        <p:spPr/>
+        <p:txBody>
+          <a:bodyPr/>
+          <a:lstStyle/>
+          <a:p>
+            <a:r>
               <a:rPr lang="en-US" dirty="0"/>
               <a:t>Architecture - Android et Java</a:t>
             </a:r>
@@ -24703,7 +29120,7 @@
           <a:p>
             <a:fld id="{97A9CFD6-E32B-4B7B-8DA5-04EDA5A7ECDC}" type="datetime1">
               <a:rPr lang="fr-FR" smtClean="0"/>
-              <a:t>13/03/2016</a:t>
+              <a:t>16/03/2016</a:t>
             </a:fld>
             <a:endParaRPr lang="en-US"/>
           </a:p>
@@ -24749,7 +29166,7 @@
           <a:p>
             <a:fld id="{BA2DA46E-DB81-44BF-AEE2-1A0B022EF716}" type="slidenum">
               <a:rPr lang="en-US" smtClean="0"/>
-              <a:t>10</a:t>
+              <a:t>11</a:t>
             </a:fld>
             <a:endParaRPr lang="en-US"/>
           </a:p>
@@ -24812,7 +29229,7 @@
 </p:sld>
 </file>
 
-<file path=ppt/slides/slide11.xml><?xml version="1.0" encoding="utf-8"?>
+<file path=ppt/slides/slide12.xml><?xml version="1.0" encoding="utf-8"?>
 <p:sld xmlns:a="http://schemas.openxmlformats.org/drawingml/2006/main" xmlns:r="http://schemas.openxmlformats.org/officeDocument/2006/relationships" xmlns:p="http://schemas.openxmlformats.org/presentationml/2006/main">
   <p:cSld>
     <p:spTree>
@@ -24945,7 +29362,7 @@
             <a:fld id="{CD77EECE-1F8F-4EFB-897C-4B2C2CB114C6}" type="datetime1">
               <a:rPr lang="fr-FR" smtClean="0"/>
               <a:pPr/>
-              <a:t>13/03/2016</a:t>
+              <a:t>16/03/2016</a:t>
             </a:fld>
             <a:endParaRPr lang="en-US" dirty="0"/>
           </a:p>
@@ -24992,7 +29409,7 @@
             <a:fld id="{BA2DA46E-DB81-44BF-AEE2-1A0B022EF716}" type="slidenum">
               <a:rPr lang="en-US" smtClean="0"/>
               <a:pPr/>
-              <a:t>11</a:t>
+              <a:t>12</a:t>
             </a:fld>
             <a:endParaRPr lang="en-US" dirty="0"/>
           </a:p>
@@ -25741,7 +30158,7 @@
 </p:sld>
 </file>
 
-<file path=ppt/slides/slide12.xml><?xml version="1.0" encoding="utf-8"?>
+<file path=ppt/slides/slide13.xml><?xml version="1.0" encoding="utf-8"?>
 <p:sld xmlns:a="http://schemas.openxmlformats.org/drawingml/2006/main" xmlns:r="http://schemas.openxmlformats.org/officeDocument/2006/relationships" xmlns:p="http://schemas.openxmlformats.org/presentationml/2006/main">
   <p:cSld>
     <p:spTree>
@@ -25839,7 +30256,7 @@
             <a:fld id="{CD77EECE-1F8F-4EFB-897C-4B2C2CB114C6}" type="datetime1">
               <a:rPr lang="fr-FR" smtClean="0"/>
               <a:pPr/>
-              <a:t>13/03/2016</a:t>
+              <a:t>16/03/2016</a:t>
             </a:fld>
             <a:endParaRPr lang="en-US" dirty="0"/>
           </a:p>
@@ -25886,7 +30303,7 @@
             <a:fld id="{BA2DA46E-DB81-44BF-AEE2-1A0B022EF716}" type="slidenum">
               <a:rPr lang="en-US" smtClean="0"/>
               <a:pPr/>
-              <a:t>12</a:t>
+              <a:t>13</a:t>
             </a:fld>
             <a:endParaRPr lang="en-US" dirty="0"/>
           </a:p>
@@ -25905,7 +30322,7 @@
 </p:sld>
 </file>
 
-<file path=ppt/slides/slide13.xml><?xml version="1.0" encoding="utf-8"?>
+<file path=ppt/slides/slide14.xml><?xml version="1.0" encoding="utf-8"?>
 <p:sld xmlns:a="http://schemas.openxmlformats.org/drawingml/2006/main" xmlns:r="http://schemas.openxmlformats.org/officeDocument/2006/relationships" xmlns:p="http://schemas.openxmlformats.org/presentationml/2006/main">
   <p:cSld>
     <p:spTree>
@@ -25962,7 +30379,7 @@
             <a:fld id="{CD77EECE-1F8F-4EFB-897C-4B2C2CB114C6}" type="datetime1">
               <a:rPr lang="fr-FR" smtClean="0"/>
               <a:pPr/>
-              <a:t>13/03/2016</a:t>
+              <a:t>16/03/2016</a:t>
             </a:fld>
             <a:endParaRPr lang="en-US" dirty="0"/>
           </a:p>
@@ -26009,7 +30426,7 @@
             <a:fld id="{BA2DA46E-DB81-44BF-AEE2-1A0B022EF716}" type="slidenum">
               <a:rPr lang="en-US" smtClean="0"/>
               <a:pPr/>
-              <a:t>13</a:t>
+              <a:t>14</a:t>
             </a:fld>
             <a:endParaRPr lang="en-US" dirty="0"/>
           </a:p>
@@ -26353,7 +30770,7 @@
 </p:sld>
 </file>
 
-<file path=ppt/slides/slide14.xml><?xml version="1.0" encoding="utf-8"?>
+<file path=ppt/slides/slide15.xml><?xml version="1.0" encoding="utf-8"?>
 <p:sld xmlns:a="http://schemas.openxmlformats.org/drawingml/2006/main" xmlns:r="http://schemas.openxmlformats.org/officeDocument/2006/relationships" xmlns:p="http://schemas.openxmlformats.org/presentationml/2006/main">
   <p:cSld>
     <p:spTree>
@@ -26410,7 +30827,7 @@
             <a:fld id="{CD77EECE-1F8F-4EFB-897C-4B2C2CB114C6}" type="datetime1">
               <a:rPr lang="fr-FR" smtClean="0"/>
               <a:pPr/>
-              <a:t>13/03/2016</a:t>
+              <a:t>16/03/2016</a:t>
             </a:fld>
             <a:endParaRPr lang="en-US" dirty="0"/>
           </a:p>
@@ -26457,7 +30874,7 @@
             <a:fld id="{BA2DA46E-DB81-44BF-AEE2-1A0B022EF716}" type="slidenum">
               <a:rPr lang="en-US" smtClean="0"/>
               <a:pPr/>
-              <a:t>14</a:t>
+              <a:t>15</a:t>
             </a:fld>
             <a:endParaRPr lang="en-US" dirty="0"/>
           </a:p>
@@ -26580,7 +30997,7 @@
 </p:sld>
 </file>
 
-<file path=ppt/slides/slide15.xml><?xml version="1.0" encoding="utf-8"?>
+<file path=ppt/slides/slide16.xml><?xml version="1.0" encoding="utf-8"?>
 <p:sld xmlns:a="http://schemas.openxmlformats.org/drawingml/2006/main" xmlns:r="http://schemas.openxmlformats.org/officeDocument/2006/relationships" xmlns:p="http://schemas.openxmlformats.org/presentationml/2006/main">
   <p:cSld>
     <p:spTree>
@@ -26637,7 +31054,7 @@
             <a:fld id="{CD77EECE-1F8F-4EFB-897C-4B2C2CB114C6}" type="datetime1">
               <a:rPr lang="fr-FR" smtClean="0"/>
               <a:pPr/>
-              <a:t>13/03/2016</a:t>
+              <a:t>16/03/2016</a:t>
             </a:fld>
             <a:endParaRPr lang="en-US" dirty="0"/>
           </a:p>
@@ -26683,7 +31100,7 @@
             <a:fld id="{BA2DA46E-DB81-44BF-AEE2-1A0B022EF716}" type="slidenum">
               <a:rPr lang="en-US" smtClean="0"/>
               <a:pPr/>
-              <a:t>15</a:t>
+              <a:t>16</a:t>
             </a:fld>
             <a:endParaRPr lang="en-US" dirty="0"/>
           </a:p>
@@ -27553,7 +31970,7 @@
 </p:sld>
 </file>
 
-<file path=ppt/slides/slide16.xml><?xml version="1.0" encoding="utf-8"?>
+<file path=ppt/slides/slide17.xml><?xml version="1.0" encoding="utf-8"?>
 <p:sld xmlns:a="http://schemas.openxmlformats.org/drawingml/2006/main" xmlns:r="http://schemas.openxmlformats.org/officeDocument/2006/relationships" xmlns:p="http://schemas.openxmlformats.org/presentationml/2006/main">
   <p:cSld>
     <p:spTree>
@@ -27610,7 +32027,7 @@
             <a:fld id="{CD77EECE-1F8F-4EFB-897C-4B2C2CB114C6}" type="datetime1">
               <a:rPr lang="fr-FR" smtClean="0"/>
               <a:pPr/>
-              <a:t>13/03/2016</a:t>
+              <a:t>16/03/2016</a:t>
             </a:fld>
             <a:endParaRPr lang="en-US" dirty="0"/>
           </a:p>
@@ -27657,7 +32074,7 @@
             <a:fld id="{BA2DA46E-DB81-44BF-AEE2-1A0B022EF716}" type="slidenum">
               <a:rPr lang="en-US" smtClean="0"/>
               <a:pPr/>
-              <a:t>16</a:t>
+              <a:t>17</a:t>
             </a:fld>
             <a:endParaRPr lang="en-US" dirty="0"/>
           </a:p>
@@ -28552,7 +32969,146 @@
 </p:sld>
 </file>
 
-<file path=ppt/slides/slide17.xml><?xml version="1.0" encoding="utf-8"?>
+<file path=ppt/slides/slide18.xml><?xml version="1.0" encoding="utf-8"?>
+<p:sld xmlns:a="http://schemas.openxmlformats.org/drawingml/2006/main" xmlns:r="http://schemas.openxmlformats.org/officeDocument/2006/relationships" xmlns:p="http://schemas.openxmlformats.org/presentationml/2006/main">
+  <p:cSld>
+    <p:spTree>
+      <p:nvGrpSpPr>
+        <p:cNvPr id="1" name=""/>
+        <p:cNvGrpSpPr/>
+        <p:nvPr/>
+      </p:nvGrpSpPr>
+      <p:grpSpPr>
+        <a:xfrm>
+          <a:off x="0" y="0"/>
+          <a:ext cx="0" cy="0"/>
+          <a:chOff x="0" y="0"/>
+          <a:chExt cx="0" cy="0"/>
+        </a:xfrm>
+      </p:grpSpPr>
+      <p:sp>
+        <p:nvSpPr>
+          <p:cNvPr id="2" name="Title 1"/>
+          <p:cNvSpPr>
+            <a:spLocks noGrp="1"/>
+          </p:cNvSpPr>
+          <p:nvPr>
+            <p:ph type="title"/>
+          </p:nvPr>
+        </p:nvSpPr>
+        <p:spPr/>
+        <p:txBody>
+          <a:bodyPr/>
+          <a:lstStyle/>
+          <a:p>
+            <a:endParaRPr lang="en-US"/>
+          </a:p>
+        </p:txBody>
+      </p:sp>
+      <p:sp>
+        <p:nvSpPr>
+          <p:cNvPr id="3" name="Content Placeholder 2"/>
+          <p:cNvSpPr>
+            <a:spLocks noGrp="1"/>
+          </p:cNvSpPr>
+          <p:nvPr>
+            <p:ph idx="1"/>
+          </p:nvPr>
+        </p:nvSpPr>
+        <p:spPr/>
+        <p:txBody>
+          <a:bodyPr/>
+          <a:lstStyle/>
+          <a:p>
+            <a:endParaRPr lang="en-US"/>
+          </a:p>
+        </p:txBody>
+      </p:sp>
+      <p:sp>
+        <p:nvSpPr>
+          <p:cNvPr id="4" name="Date Placeholder 3"/>
+          <p:cNvSpPr>
+            <a:spLocks noGrp="1"/>
+          </p:cNvSpPr>
+          <p:nvPr>
+            <p:ph type="dt" sz="half" idx="10"/>
+          </p:nvPr>
+        </p:nvSpPr>
+        <p:spPr/>
+        <p:txBody>
+          <a:bodyPr/>
+          <a:lstStyle/>
+          <a:p>
+            <a:fld id="{CD77EECE-1F8F-4EFB-897C-4B2C2CB114C6}" type="datetime1">
+              <a:rPr lang="fr-FR" smtClean="0"/>
+              <a:pPr/>
+              <a:t>17/03/2016</a:t>
+            </a:fld>
+            <a:endParaRPr lang="en-US" dirty="0"/>
+          </a:p>
+        </p:txBody>
+      </p:sp>
+      <p:sp>
+        <p:nvSpPr>
+          <p:cNvPr id="5" name="Footer Placeholder 4"/>
+          <p:cNvSpPr>
+            <a:spLocks noGrp="1"/>
+          </p:cNvSpPr>
+          <p:nvPr>
+            <p:ph type="ftr" sz="quarter" idx="11"/>
+          </p:nvPr>
+        </p:nvSpPr>
+        <p:spPr/>
+        <p:txBody>
+          <a:bodyPr/>
+          <a:lstStyle/>
+          <a:p>
+            <a:r>
+              <a:rPr lang="en-US"/>
+              <a:t>ANDROID – Ihab BERRO</a:t>
+            </a:r>
+            <a:endParaRPr lang="en-US" dirty="0"/>
+          </a:p>
+        </p:txBody>
+      </p:sp>
+      <p:sp>
+        <p:nvSpPr>
+          <p:cNvPr id="6" name="Slide Number Placeholder 5"/>
+          <p:cNvSpPr>
+            <a:spLocks noGrp="1"/>
+          </p:cNvSpPr>
+          <p:nvPr>
+            <p:ph type="sldNum" sz="quarter" idx="12"/>
+          </p:nvPr>
+        </p:nvSpPr>
+        <p:spPr/>
+        <p:txBody>
+          <a:bodyPr/>
+          <a:lstStyle/>
+          <a:p>
+            <a:fld id="{BA2DA46E-DB81-44BF-AEE2-1A0B022EF716}" type="slidenum">
+              <a:rPr lang="en-US" smtClean="0"/>
+              <a:pPr/>
+              <a:t>18</a:t>
+            </a:fld>
+            <a:endParaRPr lang="en-US" dirty="0"/>
+          </a:p>
+        </p:txBody>
+      </p:sp>
+    </p:spTree>
+    <p:extLst>
+      <p:ext uri="{BB962C8B-B14F-4D97-AF65-F5344CB8AC3E}">
+        <p14:creationId xmlns:p14="http://schemas.microsoft.com/office/powerpoint/2010/main" val="2104775769"/>
+      </p:ext>
+    </p:extLst>
+  </p:cSld>
+  <p:clrMapOvr>
+    <a:masterClrMapping/>
+  </p:clrMapOvr>
+</p:sld>
+</file>
+
+<file path=ppt/slides/slide19.xml><?xml version="1.0" encoding="utf-8"?>
 <p:sld xmlns:a="http://schemas.openxmlformats.org/drawingml/2006/main" xmlns:r="http://schemas.openxmlformats.org/officeDocument/2006/relationships" xmlns:p="http://schemas.openxmlformats.org/presentationml/2006/main">
   <p:cSld>
     <p:spTree>
@@ -28606,7 +33162,36 @@
           <a:bodyPr/>
           <a:lstStyle/>
           <a:p>
-            <a:endParaRPr lang="en-US"/>
+            <a:r>
+              <a:rPr lang="fr-FR" dirty="0"/>
+              <a:t>Identifiant unique d'utilisateur et de groupe</a:t>
+            </a:r>
+          </a:p>
+          <a:p>
+            <a:r>
+              <a:rPr lang="fr-FR" dirty="0"/>
+              <a:t>Chaque application Android a un propre processus</a:t>
+            </a:r>
+          </a:p>
+          <a:p>
+            <a:r>
+              <a:rPr lang="fr-FR" dirty="0"/>
+              <a:t>Chaque application est isolée des autres</a:t>
+            </a:r>
+          </a:p>
+          <a:p>
+            <a:r>
+              <a:rPr lang="fr-FR" dirty="0"/>
+              <a:t>Un service ou un fournisseur de contenu  pour partage</a:t>
+            </a:r>
+            <a:r>
+              <a:rPr lang="en-US" dirty="0"/>
+              <a:t> des </a:t>
+            </a:r>
+            <a:r>
+              <a:rPr lang="fr-FR" dirty="0"/>
+              <a:t>données</a:t>
+            </a:r>
           </a:p>
         </p:txBody>
       </p:sp>
@@ -28628,7 +33213,7 @@
             <a:fld id="{CD77EECE-1F8F-4EFB-897C-4B2C2CB114C6}" type="datetime1">
               <a:rPr lang="fr-FR" smtClean="0"/>
               <a:pPr/>
-              <a:t>13/03/2016</a:t>
+              <a:t>17/03/2016</a:t>
             </a:fld>
             <a:endParaRPr lang="en-US" dirty="0"/>
           </a:p>
@@ -28675,7 +33260,7 @@
             <a:fld id="{BA2DA46E-DB81-44BF-AEE2-1A0B022EF716}" type="slidenum">
               <a:rPr lang="en-US" smtClean="0"/>
               <a:pPr/>
-              <a:t>17</a:t>
+              <a:t>19</a:t>
             </a:fld>
             <a:endParaRPr lang="en-US" dirty="0"/>
           </a:p>
@@ -28733,105 +33318,31 @@
           </a:p>
         </p:txBody>
       </p:sp>
-      <p:sp>
-        <p:nvSpPr>
-          <p:cNvPr id="3" name="Content Placeholder 2"/>
-          <p:cNvSpPr>
-            <a:spLocks noGrp="1"/>
-          </p:cNvSpPr>
+      <p:graphicFrame>
+        <p:nvGraphicFramePr>
+          <p:cNvPr id="7" name="Content Placeholder 6"/>
+          <p:cNvGraphicFramePr>
+            <a:graphicFrameLocks noGrp="1"/>
+          </p:cNvGraphicFramePr>
           <p:nvPr>
             <p:ph idx="1"/>
+            <p:extLst>
+              <p:ext uri="{D42A27DB-BD31-4B8C-83A1-F6EECF244321}">
+                <p14:modId xmlns:p14="http://schemas.microsoft.com/office/powerpoint/2010/main" val="739642742"/>
+              </p:ext>
+            </p:extLst>
           </p:nvPr>
-        </p:nvSpPr>
-        <p:spPr/>
-        <p:txBody>
-          <a:bodyPr>
-            <a:normAutofit lnSpcReduction="10000"/>
-          </a:bodyPr>
-          <a:lstStyle/>
-          <a:p>
-            <a:r>
-              <a:rPr lang="fr-FR" dirty="0"/>
-              <a:t>1. Introduction</a:t>
-            </a:r>
-          </a:p>
-          <a:p>
-            <a:r>
-              <a:rPr lang="fr-FR" dirty="0"/>
-              <a:t>  1.1. Historique</a:t>
-            </a:r>
-          </a:p>
-          <a:p>
-            <a:r>
-              <a:rPr lang="fr-FR" dirty="0"/>
-              <a:t>  1.2. Quelques Chiffres</a:t>
-            </a:r>
-          </a:p>
-          <a:p>
-            <a:r>
-              <a:rPr lang="fr-FR" dirty="0"/>
-              <a:t>2. Architecture d'Android</a:t>
-            </a:r>
-          </a:p>
-          <a:p>
-            <a:r>
-              <a:rPr lang="fr-FR" dirty="0"/>
-              <a:t>  2.1. Pile logicielle</a:t>
-            </a:r>
-          </a:p>
-          <a:p>
-            <a:r>
-              <a:rPr lang="fr-FR" dirty="0"/>
-              <a:t>  2.2. Android et Javas</a:t>
-            </a:r>
-          </a:p>
-          <a:p>
-            <a:r>
-              <a:rPr lang="fr-FR" dirty="0"/>
-              <a:t>  2.3. Application Android</a:t>
-            </a:r>
-          </a:p>
-          <a:p>
-            <a:r>
-              <a:rPr lang="fr-FR" dirty="0"/>
-              <a:t>3. Sécurité et confidentialité</a:t>
-            </a:r>
-          </a:p>
-          <a:p>
-            <a:r>
-              <a:rPr lang="fr-FR" dirty="0"/>
-              <a:t>4. Utilisation et support</a:t>
-            </a:r>
-          </a:p>
-          <a:p>
-            <a:r>
-              <a:rPr lang="fr-FR" dirty="0"/>
-              <a:t>5. Développement</a:t>
-            </a:r>
-          </a:p>
-          <a:p>
-            <a:r>
-              <a:rPr lang="fr-FR" dirty="0"/>
-              <a:t>  5.1. </a:t>
-            </a:r>
-            <a:r>
-              <a:rPr lang="fr-FR" dirty="0">
-                <a:solidFill>
-                  <a:srgbClr val="FF0000"/>
-                </a:solidFill>
-              </a:rPr>
-              <a:t>Production de logiciel</a:t>
-            </a:r>
-          </a:p>
-          <a:p>
-            <a:r>
-              <a:rPr lang="fr-FR" dirty="0"/>
-              <a:t>  5.2. Exemple</a:t>
-            </a:r>
-            <a:endParaRPr lang="en-US" dirty="0"/>
-          </a:p>
-        </p:txBody>
-      </p:sp>
+        </p:nvGraphicFramePr>
+        <p:xfrm>
+          <a:off x="677334" y="1409253"/>
+          <a:ext cx="8596668" cy="4632110"/>
+        </p:xfrm>
+        <a:graphic>
+          <a:graphicData uri="http://schemas.openxmlformats.org/drawingml/2006/diagram">
+            <dgm:relIds xmlns:dgm="http://schemas.openxmlformats.org/drawingml/2006/diagram" xmlns:r="http://schemas.openxmlformats.org/officeDocument/2006/relationships" r:dm="rId3" r:lo="rId4" r:qs="rId5" r:cs="rId6"/>
+          </a:graphicData>
+        </a:graphic>
+      </p:graphicFrame>
       <p:sp>
         <p:nvSpPr>
           <p:cNvPr id="4" name="Date Placeholder 3"/>
@@ -28849,7 +33360,7 @@
           <a:p>
             <a:fld id="{0AF5EE8B-2B01-44AF-89CC-1E7078A6630F}" type="datetime1">
               <a:rPr lang="fr-FR" smtClean="0"/>
-              <a:t>13/03/2016</a:t>
+              <a:t>16/03/2016</a:t>
             </a:fld>
             <a:endParaRPr lang="en-US"/>
           </a:p>
@@ -28914,6 +33425,182 @@
 </p:sld>
 </file>
 
+<file path=ppt/slides/slide20.xml><?xml version="1.0" encoding="utf-8"?>
+<p:sld xmlns:a="http://schemas.openxmlformats.org/drawingml/2006/main" xmlns:r="http://schemas.openxmlformats.org/officeDocument/2006/relationships" xmlns:p="http://schemas.openxmlformats.org/presentationml/2006/main">
+  <p:cSld>
+    <p:spTree>
+      <p:nvGrpSpPr>
+        <p:cNvPr id="1" name=""/>
+        <p:cNvGrpSpPr/>
+        <p:nvPr/>
+      </p:nvGrpSpPr>
+      <p:grpSpPr>
+        <a:xfrm>
+          <a:off x="0" y="0"/>
+          <a:ext cx="0" cy="0"/>
+          <a:chOff x="0" y="0"/>
+          <a:chExt cx="0" cy="0"/>
+        </a:xfrm>
+      </p:grpSpPr>
+      <p:sp>
+        <p:nvSpPr>
+          <p:cNvPr id="2" name="Title 1"/>
+          <p:cNvSpPr>
+            <a:spLocks noGrp="1"/>
+          </p:cNvSpPr>
+          <p:nvPr>
+            <p:ph type="title"/>
+          </p:nvPr>
+        </p:nvSpPr>
+        <p:spPr/>
+        <p:txBody>
+          <a:bodyPr/>
+          <a:lstStyle/>
+          <a:p>
+            <a:r>
+              <a:rPr lang="en-US" dirty="0"/>
+              <a:t>Permissions</a:t>
+            </a:r>
+          </a:p>
+        </p:txBody>
+      </p:sp>
+      <p:sp>
+        <p:nvSpPr>
+          <p:cNvPr id="3" name="Content Placeholder 2"/>
+          <p:cNvSpPr>
+            <a:spLocks noGrp="1"/>
+          </p:cNvSpPr>
+          <p:nvPr>
+            <p:ph idx="1"/>
+          </p:nvPr>
+        </p:nvSpPr>
+        <p:spPr/>
+        <p:txBody>
+          <a:bodyPr/>
+          <a:lstStyle/>
+          <a:p>
+            <a:r>
+              <a:rPr lang="fr-FR" dirty="0"/>
+              <a:t>Système d'autorisation propre</a:t>
+            </a:r>
+          </a:p>
+          <a:p>
+            <a:r>
+              <a:rPr lang="fr-FR" dirty="0"/>
+              <a:t>Prédéfinit des autorisations pour certaines tâches</a:t>
+            </a:r>
+          </a:p>
+          <a:p>
+            <a:r>
+              <a:rPr lang="fr-FR" dirty="0"/>
+              <a:t>Différents niveaux de permissions</a:t>
+            </a:r>
+          </a:p>
+          <a:p>
+            <a:r>
+              <a:rPr lang="fr-FR" dirty="0"/>
+              <a:t>AndroidManifest.xml</a:t>
+            </a:r>
+          </a:p>
+          <a:p>
+            <a:endParaRPr lang="fr-FR" dirty="0"/>
+          </a:p>
+          <a:p>
+            <a:endParaRPr lang="fr-FR" dirty="0"/>
+          </a:p>
+          <a:p>
+            <a:r>
+              <a:rPr lang="fr-FR"/>
+              <a:t>http://vogella.developpez.com/tutoriels/android/developpement-androidstudio-eclipse/</a:t>
+            </a:r>
+            <a:endParaRPr lang="fr-FR" dirty="0"/>
+          </a:p>
+        </p:txBody>
+      </p:sp>
+      <p:sp>
+        <p:nvSpPr>
+          <p:cNvPr id="4" name="Date Placeholder 3"/>
+          <p:cNvSpPr>
+            <a:spLocks noGrp="1"/>
+          </p:cNvSpPr>
+          <p:nvPr>
+            <p:ph type="dt" sz="half" idx="10"/>
+          </p:nvPr>
+        </p:nvSpPr>
+        <p:spPr/>
+        <p:txBody>
+          <a:bodyPr/>
+          <a:lstStyle/>
+          <a:p>
+            <a:fld id="{CD77EECE-1F8F-4EFB-897C-4B2C2CB114C6}" type="datetime1">
+              <a:rPr lang="fr-FR" smtClean="0"/>
+              <a:pPr/>
+              <a:t>17/03/2016</a:t>
+            </a:fld>
+            <a:endParaRPr lang="en-US" dirty="0"/>
+          </a:p>
+        </p:txBody>
+      </p:sp>
+      <p:sp>
+        <p:nvSpPr>
+          <p:cNvPr id="5" name="Footer Placeholder 4"/>
+          <p:cNvSpPr>
+            <a:spLocks noGrp="1"/>
+          </p:cNvSpPr>
+          <p:nvPr>
+            <p:ph type="ftr" sz="quarter" idx="11"/>
+          </p:nvPr>
+        </p:nvSpPr>
+        <p:spPr/>
+        <p:txBody>
+          <a:bodyPr/>
+          <a:lstStyle/>
+          <a:p>
+            <a:r>
+              <a:rPr lang="en-US"/>
+              <a:t>ANDROID – Ihab BERRO</a:t>
+            </a:r>
+            <a:endParaRPr lang="en-US" dirty="0"/>
+          </a:p>
+        </p:txBody>
+      </p:sp>
+      <p:sp>
+        <p:nvSpPr>
+          <p:cNvPr id="6" name="Slide Number Placeholder 5"/>
+          <p:cNvSpPr>
+            <a:spLocks noGrp="1"/>
+          </p:cNvSpPr>
+          <p:nvPr>
+            <p:ph type="sldNum" sz="quarter" idx="12"/>
+          </p:nvPr>
+        </p:nvSpPr>
+        <p:spPr/>
+        <p:txBody>
+          <a:bodyPr/>
+          <a:lstStyle/>
+          <a:p>
+            <a:fld id="{BA2DA46E-DB81-44BF-AEE2-1A0B022EF716}" type="slidenum">
+              <a:rPr lang="en-US" smtClean="0"/>
+              <a:pPr/>
+              <a:t>20</a:t>
+            </a:fld>
+            <a:endParaRPr lang="en-US" dirty="0"/>
+          </a:p>
+        </p:txBody>
+      </p:sp>
+    </p:spTree>
+    <p:extLst>
+      <p:ext uri="{BB962C8B-B14F-4D97-AF65-F5344CB8AC3E}">
+        <p14:creationId xmlns:p14="http://schemas.microsoft.com/office/powerpoint/2010/main" val="3180567511"/>
+      </p:ext>
+    </p:extLst>
+  </p:cSld>
+  <p:clrMapOvr>
+    <a:masterClrMapping/>
+  </p:clrMapOvr>
+</p:sld>
+</file>
+
 <file path=ppt/slides/slide3.xml><?xml version="1.0" encoding="utf-8"?>
 <p:sld xmlns:a="http://schemas.openxmlformats.org/drawingml/2006/main" xmlns:r="http://schemas.openxmlformats.org/officeDocument/2006/relationships" xmlns:p="http://schemas.openxmlformats.org/presentationml/2006/main">
   <p:cSld>
@@ -28965,38 +33652,40 @@
         </p:nvSpPr>
         <p:spPr/>
         <p:txBody>
-          <a:bodyPr/>
+          <a:bodyPr>
+            <a:normAutofit/>
+          </a:bodyPr>
           <a:lstStyle/>
           <a:p>
             <a:r>
-              <a:rPr lang="fr-FR" dirty="0"/>
+              <a:rPr lang="fr-FR" sz="2400" dirty="0"/>
               <a:t>Un smartphone est un téléphone mobile évolué disposant des fonctions d'un assistant numérique personnel.</a:t>
             </a:r>
           </a:p>
           <a:p>
             <a:r>
-              <a:rPr lang="fr-FR" dirty="0"/>
-              <a:t>il peut exécuter divers logiciels/applications grâce à un système d'exploitation spécialement conçu pour mobiles.</a:t>
+              <a:rPr lang="fr-FR" sz="2400" dirty="0"/>
+              <a:t>Il peut exécuter divers logiciels/applications grâce à un système d'exploitation spécialement conçu pour mobiles.</a:t>
             </a:r>
           </a:p>
           <a:p>
             <a:r>
-              <a:rPr lang="fr-FR" dirty="0"/>
+              <a:rPr lang="fr-FR" sz="2400" dirty="0"/>
               <a:t>Il existe plusieurs systèmes d’exploitation dédiés aux smartphones.</a:t>
             </a:r>
           </a:p>
           <a:p>
             <a:r>
-              <a:rPr lang="fr-FR" dirty="0"/>
+              <a:rPr lang="fr-FR" sz="2400" dirty="0"/>
               <a:t>À partir de fin 2007 (lancement de l'iPhone), ce marché s'étend considérablement.</a:t>
             </a:r>
           </a:p>
           <a:p>
             <a:r>
-              <a:rPr lang="fr-FR" dirty="0"/>
+              <a:rPr lang="fr-FR" sz="2400" dirty="0"/>
               <a:t>En 2014, les ventes mondiales annuelles de smartphones dépassent le milliard.</a:t>
             </a:r>
-            <a:endParaRPr lang="en-US" dirty="0"/>
+            <a:endParaRPr lang="en-US" sz="2400" dirty="0"/>
           </a:p>
         </p:txBody>
       </p:sp>
@@ -29017,7 +33706,7 @@
           <a:p>
             <a:fld id="{C1F7EFDE-6FC3-4654-83AA-3BA88544F460}" type="datetime1">
               <a:rPr lang="fr-FR" smtClean="0"/>
-              <a:t>13/03/2016</a:t>
+              <a:t>16/03/2016</a:t>
             </a:fld>
             <a:endParaRPr lang="en-US"/>
           </a:p>
@@ -29138,7 +33827,7 @@
           <a:p>
             <a:fld id="{BEEC7EF6-2E67-45C5-AC46-1627D85F803B}" type="datetime1">
               <a:rPr lang="fr-FR" smtClean="0"/>
-              <a:t>13/03/2016</a:t>
+              <a:t>16/03/2016</a:t>
             </a:fld>
             <a:endParaRPr lang="en-US"/>
           </a:p>
@@ -29263,130 +33952,7 @@
           <a:lstStyle/>
           <a:p>
             <a:r>
-              <a:rPr lang="en-US" dirty="0"/>
-              <a:t>Part de Marché</a:t>
-            </a:r>
-          </a:p>
-        </p:txBody>
-      </p:sp>
-      <p:sp>
-        <p:nvSpPr>
-          <p:cNvPr id="4" name="Date Placeholder 3"/>
-          <p:cNvSpPr>
-            <a:spLocks noGrp="1"/>
-          </p:cNvSpPr>
-          <p:nvPr>
-            <p:ph type="dt" sz="half" idx="10"/>
-          </p:nvPr>
-        </p:nvSpPr>
-        <p:spPr/>
-        <p:txBody>
-          <a:bodyPr/>
-          <a:lstStyle/>
-          <a:p>
-            <a:fld id="{CD77EECE-1F8F-4EFB-897C-4B2C2CB114C6}" type="datetime1">
-              <a:rPr lang="fr-FR" smtClean="0"/>
-              <a:pPr/>
-              <a:t>13/03/2016</a:t>
-            </a:fld>
-            <a:endParaRPr lang="en-US" dirty="0"/>
-          </a:p>
-        </p:txBody>
-      </p:sp>
-      <p:sp>
-        <p:nvSpPr>
-          <p:cNvPr id="5" name="Footer Placeholder 4"/>
-          <p:cNvSpPr>
-            <a:spLocks noGrp="1"/>
-          </p:cNvSpPr>
-          <p:nvPr>
-            <p:ph type="ftr" sz="quarter" idx="11"/>
-          </p:nvPr>
-        </p:nvSpPr>
-        <p:spPr/>
-        <p:txBody>
-          <a:bodyPr/>
-          <a:lstStyle/>
-          <a:p>
-            <a:r>
-              <a:rPr lang="en-US"/>
-              <a:t>ANDROID – Ihab BERRO</a:t>
-            </a:r>
-            <a:endParaRPr lang="en-US" dirty="0"/>
-          </a:p>
-        </p:txBody>
-      </p:sp>
-      <p:sp>
-        <p:nvSpPr>
-          <p:cNvPr id="6" name="Slide Number Placeholder 5"/>
-          <p:cNvSpPr>
-            <a:spLocks noGrp="1"/>
-          </p:cNvSpPr>
-          <p:nvPr>
-            <p:ph type="sldNum" sz="quarter" idx="12"/>
-          </p:nvPr>
-        </p:nvSpPr>
-        <p:spPr/>
-        <p:txBody>
-          <a:bodyPr/>
-          <a:lstStyle/>
-          <a:p>
-            <a:fld id="{BA2DA46E-DB81-44BF-AEE2-1A0B022EF716}" type="slidenum">
-              <a:rPr lang="en-US" smtClean="0"/>
-              <a:pPr/>
-              <a:t>5</a:t>
-            </a:fld>
-            <a:endParaRPr lang="en-US" dirty="0"/>
-          </a:p>
-        </p:txBody>
-      </p:sp>
-    </p:spTree>
-    <p:extLst>
-      <p:ext uri="{BB962C8B-B14F-4D97-AF65-F5344CB8AC3E}">
-        <p14:creationId xmlns:p14="http://schemas.microsoft.com/office/powerpoint/2010/main" val="1175978788"/>
-      </p:ext>
-    </p:extLst>
-  </p:cSld>
-  <p:clrMapOvr>
-    <a:masterClrMapping/>
-  </p:clrMapOvr>
-</p:sld>
-</file>
-
-<file path=ppt/slides/slide6.xml><?xml version="1.0" encoding="utf-8"?>
-<p:sld xmlns:a="http://schemas.openxmlformats.org/drawingml/2006/main" xmlns:r="http://schemas.openxmlformats.org/officeDocument/2006/relationships" xmlns:p="http://schemas.openxmlformats.org/presentationml/2006/main">
-  <p:cSld>
-    <p:spTree>
-      <p:nvGrpSpPr>
-        <p:cNvPr id="1" name=""/>
-        <p:cNvGrpSpPr/>
-        <p:nvPr/>
-      </p:nvGrpSpPr>
-      <p:grpSpPr>
-        <a:xfrm>
-          <a:off x="0" y="0"/>
-          <a:ext cx="0" cy="0"/>
-          <a:chOff x="0" y="0"/>
-          <a:chExt cx="0" cy="0"/>
-        </a:xfrm>
-      </p:grpSpPr>
-      <p:sp>
-        <p:nvSpPr>
-          <p:cNvPr id="2" name="Title 1"/>
-          <p:cNvSpPr>
-            <a:spLocks noGrp="1"/>
-          </p:cNvSpPr>
-          <p:nvPr>
-            <p:ph type="title"/>
-          </p:nvPr>
-        </p:nvSpPr>
-        <p:spPr/>
-        <p:txBody>
-          <a:bodyPr/>
-          <a:lstStyle/>
-          <a:p>
-            <a:r>
-              <a:rPr lang="fr-FR"/>
+              <a:rPr lang="fr-FR" dirty="0"/>
               <a:t>Historique</a:t>
             </a:r>
             <a:endParaRPr lang="en-US" dirty="0"/>
@@ -29658,7 +34224,7 @@
           <a:p>
             <a:fld id="{EE19916E-2104-4ACC-96F4-77E755B75A74}" type="datetime1">
               <a:rPr lang="fr-FR" smtClean="0"/>
-              <a:t>13/03/2016</a:t>
+              <a:t>16/03/2016</a:t>
             </a:fld>
             <a:endParaRPr lang="en-US"/>
           </a:p>
@@ -29680,10 +34246,9 @@
           <a:lstStyle/>
           <a:p>
             <a:r>
-              <a:rPr lang="en-US"/>
+              <a:rPr lang="en-US" dirty="0"/>
               <a:t>ANDROID – Ihab BERRO</a:t>
             </a:r>
-            <a:endParaRPr lang="en-US" dirty="0"/>
           </a:p>
         </p:txBody>
       </p:sp>
@@ -29704,7 +34269,7 @@
           <a:p>
             <a:fld id="{BA2DA46E-DB81-44BF-AEE2-1A0B022EF716}" type="slidenum">
               <a:rPr lang="en-US" smtClean="0"/>
-              <a:t>6</a:t>
+              <a:t>5</a:t>
             </a:fld>
             <a:endParaRPr lang="en-US"/>
           </a:p>
@@ -29910,6 +34475,240 @@
           </a:p>
         </p:txBody>
       </p:sp>
+      <p:sp>
+        <p:nvSpPr>
+          <p:cNvPr id="19" name="TextBox 18"/>
+          <p:cNvSpPr txBox="1"/>
+          <p:nvPr/>
+        </p:nvSpPr>
+        <p:spPr>
+          <a:xfrm>
+            <a:off x="987862" y="3933228"/>
+            <a:ext cx="3704860" cy="400110"/>
+          </a:xfrm>
+          <a:prstGeom prst="rect">
+            <a:avLst/>
+          </a:prstGeom>
+          <a:noFill/>
+        </p:spPr>
+        <p:txBody>
+          <a:bodyPr wrap="none" rtlCol="0">
+            <a:spAutoFit/>
+          </a:bodyPr>
+          <a:lstStyle/>
+          <a:p>
+            <a:pPr marL="342900" indent="-342900">
+              <a:buFont typeface="Arial" panose="020B0604020202020204" pitchFamily="34" charset="0"/>
+              <a:buChar char="•"/>
+            </a:pPr>
+            <a:r>
+              <a:rPr lang="fr-FR" sz="2000" dirty="0"/>
+              <a:t>Quelques idées sur le sujet</a:t>
+            </a:r>
+            <a:endParaRPr lang="en-US" sz="2000" dirty="0"/>
+          </a:p>
+        </p:txBody>
+      </p:sp>
+      <p:sp>
+        <p:nvSpPr>
+          <p:cNvPr id="20" name="TextBox 19"/>
+          <p:cNvSpPr txBox="1"/>
+          <p:nvPr/>
+        </p:nvSpPr>
+        <p:spPr>
+          <a:xfrm>
+            <a:off x="987862" y="4661951"/>
+            <a:ext cx="4400564" cy="400110"/>
+          </a:xfrm>
+          <a:prstGeom prst="rect">
+            <a:avLst/>
+          </a:prstGeom>
+          <a:noFill/>
+        </p:spPr>
+        <p:txBody>
+          <a:bodyPr wrap="none" rtlCol="0">
+            <a:spAutoFit/>
+          </a:bodyPr>
+          <a:lstStyle/>
+          <a:p>
+            <a:pPr marL="342900" indent="-342900">
+              <a:buFont typeface="Arial" panose="020B0604020202020204" pitchFamily="34" charset="0"/>
+              <a:buChar char="•"/>
+            </a:pPr>
+            <a:r>
+              <a:rPr lang="fr-FR" sz="2000" dirty="0"/>
+              <a:t>IBM Simon le premier smartphone</a:t>
+            </a:r>
+            <a:endParaRPr lang="en-US" sz="2000" dirty="0"/>
+          </a:p>
+        </p:txBody>
+      </p:sp>
+      <p:sp>
+        <p:nvSpPr>
+          <p:cNvPr id="21" name="TextBox 20"/>
+          <p:cNvSpPr txBox="1"/>
+          <p:nvPr/>
+        </p:nvSpPr>
+        <p:spPr>
+          <a:xfrm>
+            <a:off x="1015593" y="5327391"/>
+            <a:ext cx="3931525" cy="400110"/>
+          </a:xfrm>
+          <a:prstGeom prst="rect">
+            <a:avLst/>
+          </a:prstGeom>
+          <a:noFill/>
+        </p:spPr>
+        <p:txBody>
+          <a:bodyPr wrap="none" rtlCol="0">
+            <a:spAutoFit/>
+          </a:bodyPr>
+          <a:lstStyle/>
+          <a:p>
+            <a:pPr marL="342900" indent="-342900">
+              <a:buFont typeface="Arial" panose="020B0604020202020204" pitchFamily="34" charset="0"/>
+              <a:buChar char="•"/>
+            </a:pPr>
+            <a:r>
+              <a:rPr lang="en-US" sz="2000" dirty="0"/>
+              <a:t>Andy Rubin </a:t>
+            </a:r>
+            <a:r>
+              <a:rPr lang="en-US" sz="2000" dirty="0" err="1"/>
+              <a:t>fonde</a:t>
+            </a:r>
+            <a:r>
+              <a:rPr lang="en-US" sz="2000" dirty="0"/>
+              <a:t> Dangers </a:t>
+            </a:r>
+            <a:r>
+              <a:rPr lang="en-US" sz="2000" dirty="0" err="1"/>
+              <a:t>inc</a:t>
+            </a:r>
+            <a:endParaRPr lang="en-US" sz="2000" dirty="0"/>
+          </a:p>
+        </p:txBody>
+      </p:sp>
+      <p:sp>
+        <p:nvSpPr>
+          <p:cNvPr id="22" name="TextBox 21"/>
+          <p:cNvSpPr txBox="1"/>
+          <p:nvPr/>
+        </p:nvSpPr>
+        <p:spPr>
+          <a:xfrm>
+            <a:off x="5327045" y="4016588"/>
+            <a:ext cx="4992072" cy="400110"/>
+          </a:xfrm>
+          <a:prstGeom prst="rect">
+            <a:avLst/>
+          </a:prstGeom>
+          <a:noFill/>
+        </p:spPr>
+        <p:txBody>
+          <a:bodyPr wrap="none" rtlCol="0">
+            <a:spAutoFit/>
+          </a:bodyPr>
+          <a:lstStyle/>
+          <a:p>
+            <a:pPr marL="342900" indent="-342900">
+              <a:buFont typeface="Arial" panose="020B0604020202020204" pitchFamily="34" charset="0"/>
+              <a:buChar char="•"/>
+            </a:pPr>
+            <a:r>
+              <a:rPr lang="fr-FR" sz="2000" dirty="0"/>
+              <a:t>Danger accouche le </a:t>
+            </a:r>
+            <a:r>
+              <a:rPr lang="fr-FR" sz="2000" dirty="0" err="1"/>
+              <a:t>Hiptop</a:t>
+            </a:r>
+            <a:r>
+              <a:rPr lang="fr-FR" sz="2000" dirty="0"/>
+              <a:t> ou </a:t>
+            </a:r>
+            <a:r>
+              <a:rPr lang="fr-FR" sz="2000" dirty="0" err="1"/>
+              <a:t>SideKick</a:t>
+            </a:r>
+            <a:endParaRPr lang="en-US" sz="2000" dirty="0"/>
+          </a:p>
+        </p:txBody>
+      </p:sp>
+      <p:sp>
+        <p:nvSpPr>
+          <p:cNvPr id="23" name="TextBox 22"/>
+          <p:cNvSpPr txBox="1"/>
+          <p:nvPr/>
+        </p:nvSpPr>
+        <p:spPr>
+          <a:xfrm>
+            <a:off x="5327045" y="4686725"/>
+            <a:ext cx="4145943" cy="400110"/>
+          </a:xfrm>
+          <a:prstGeom prst="rect">
+            <a:avLst/>
+          </a:prstGeom>
+          <a:noFill/>
+        </p:spPr>
+        <p:txBody>
+          <a:bodyPr wrap="none" rtlCol="0">
+            <a:spAutoFit/>
+          </a:bodyPr>
+          <a:lstStyle/>
+          <a:p>
+            <a:pPr marL="342900" indent="-342900">
+              <a:buFont typeface="Arial" panose="020B0604020202020204" pitchFamily="34" charset="0"/>
+              <a:buChar char="•"/>
+            </a:pPr>
+            <a:r>
+              <a:rPr lang="en-US" sz="2000" dirty="0"/>
+              <a:t>Naissance de la </a:t>
+            </a:r>
+            <a:r>
+              <a:rPr lang="en-US" sz="2000" dirty="0" err="1"/>
+              <a:t>société</a:t>
+            </a:r>
+            <a:r>
+              <a:rPr lang="en-US" sz="2000" dirty="0"/>
+              <a:t> Android</a:t>
+            </a:r>
+          </a:p>
+        </p:txBody>
+      </p:sp>
+      <p:sp>
+        <p:nvSpPr>
+          <p:cNvPr id="24" name="TextBox 23"/>
+          <p:cNvSpPr txBox="1"/>
+          <p:nvPr/>
+        </p:nvSpPr>
+        <p:spPr>
+          <a:xfrm>
+            <a:off x="5327045" y="5362712"/>
+            <a:ext cx="3129639" cy="400110"/>
+          </a:xfrm>
+          <a:prstGeom prst="rect">
+            <a:avLst/>
+          </a:prstGeom>
+          <a:noFill/>
+        </p:spPr>
+        <p:txBody>
+          <a:bodyPr wrap="none" rtlCol="0">
+            <a:spAutoFit/>
+          </a:bodyPr>
+          <a:lstStyle/>
+          <a:p>
+            <a:pPr marL="342900" indent="-342900">
+              <a:buFont typeface="Arial" panose="020B0604020202020204" pitchFamily="34" charset="0"/>
+              <a:buChar char="•"/>
+            </a:pPr>
+            <a:r>
+              <a:rPr lang="fr-FR" sz="2000" dirty="0"/>
+              <a:t>Google achète Android</a:t>
+            </a:r>
+          </a:p>
+        </p:txBody>
+      </p:sp>
     </p:spTree>
     <p:extLst>
       <p:ext uri="{BB962C8B-B14F-4D97-AF65-F5344CB8AC3E}">
@@ -29920,10 +34719,798 @@
   <p:clrMapOvr>
     <a:masterClrMapping/>
   </p:clrMapOvr>
+  <p:timing>
+    <p:tnLst>
+      <p:par>
+        <p:cTn id="1" dur="indefinite" restart="never" nodeType="tmRoot">
+          <p:childTnLst>
+            <p:seq concurrent="1" nextAc="seek">
+              <p:cTn id="2" dur="indefinite" nodeType="mainSeq">
+                <p:childTnLst>
+                  <p:par>
+                    <p:cTn id="3" fill="hold">
+                      <p:stCondLst>
+                        <p:cond delay="indefinite"/>
+                      </p:stCondLst>
+                      <p:childTnLst>
+                        <p:par>
+                          <p:cTn id="4" fill="hold">
+                            <p:stCondLst>
+                              <p:cond delay="0"/>
+                            </p:stCondLst>
+                            <p:childTnLst>
+                              <p:par>
+                                <p:cTn id="5" presetID="10" presetClass="entr" presetSubtype="0" fill="hold" grpId="0" nodeType="clickEffect">
+                                  <p:stCondLst>
+                                    <p:cond delay="0"/>
+                                  </p:stCondLst>
+                                  <p:childTnLst>
+                                    <p:set>
+                                      <p:cBhvr>
+                                        <p:cTn id="6" dur="1" fill="hold">
+                                          <p:stCondLst>
+                                            <p:cond delay="0"/>
+                                          </p:stCondLst>
+                                        </p:cTn>
+                                        <p:tgtEl>
+                                          <p:spTgt spid="3"/>
+                                        </p:tgtEl>
+                                        <p:attrNameLst>
+                                          <p:attrName>style.visibility</p:attrName>
+                                        </p:attrNameLst>
+                                      </p:cBhvr>
+                                      <p:to>
+                                        <p:strVal val="visible"/>
+                                      </p:to>
+                                    </p:set>
+                                    <p:animEffect transition="in" filter="fade">
+                                      <p:cBhvr>
+                                        <p:cTn id="7" dur="500"/>
+                                        <p:tgtEl>
+                                          <p:spTgt spid="3"/>
+                                        </p:tgtEl>
+                                      </p:cBhvr>
+                                    </p:animEffect>
+                                  </p:childTnLst>
+                                </p:cTn>
+                              </p:par>
+                              <p:par>
+                                <p:cTn id="8" presetID="10" presetClass="entr" presetSubtype="0" fill="hold" grpId="0" nodeType="withEffect">
+                                  <p:stCondLst>
+                                    <p:cond delay="0"/>
+                                  </p:stCondLst>
+                                  <p:childTnLst>
+                                    <p:set>
+                                      <p:cBhvr>
+                                        <p:cTn id="9" dur="1" fill="hold">
+                                          <p:stCondLst>
+                                            <p:cond delay="0"/>
+                                          </p:stCondLst>
+                                        </p:cTn>
+                                        <p:tgtEl>
+                                          <p:spTgt spid="4"/>
+                                        </p:tgtEl>
+                                        <p:attrNameLst>
+                                          <p:attrName>style.visibility</p:attrName>
+                                        </p:attrNameLst>
+                                      </p:cBhvr>
+                                      <p:to>
+                                        <p:strVal val="visible"/>
+                                      </p:to>
+                                    </p:set>
+                                    <p:animEffect transition="in" filter="fade">
+                                      <p:cBhvr>
+                                        <p:cTn id="10" dur="500"/>
+                                        <p:tgtEl>
+                                          <p:spTgt spid="4"/>
+                                        </p:tgtEl>
+                                      </p:cBhvr>
+                                    </p:animEffect>
+                                  </p:childTnLst>
+                                </p:cTn>
+                              </p:par>
+                              <p:par>
+                                <p:cTn id="11" presetID="10" presetClass="entr" presetSubtype="0" fill="hold" grpId="0" nodeType="withEffect">
+                                  <p:stCondLst>
+                                    <p:cond delay="0"/>
+                                  </p:stCondLst>
+                                  <p:childTnLst>
+                                    <p:set>
+                                      <p:cBhvr>
+                                        <p:cTn id="12" dur="1" fill="hold">
+                                          <p:stCondLst>
+                                            <p:cond delay="0"/>
+                                          </p:stCondLst>
+                                        </p:cTn>
+                                        <p:tgtEl>
+                                          <p:spTgt spid="19"/>
+                                        </p:tgtEl>
+                                        <p:attrNameLst>
+                                          <p:attrName>style.visibility</p:attrName>
+                                        </p:attrNameLst>
+                                      </p:cBhvr>
+                                      <p:to>
+                                        <p:strVal val="visible"/>
+                                      </p:to>
+                                    </p:set>
+                                    <p:animEffect transition="in" filter="fade">
+                                      <p:cBhvr>
+                                        <p:cTn id="13" dur="500"/>
+                                        <p:tgtEl>
+                                          <p:spTgt spid="19"/>
+                                        </p:tgtEl>
+                                      </p:cBhvr>
+                                    </p:animEffect>
+                                  </p:childTnLst>
+                                </p:cTn>
+                              </p:par>
+                            </p:childTnLst>
+                          </p:cTn>
+                        </p:par>
+                      </p:childTnLst>
+                    </p:cTn>
+                  </p:par>
+                  <p:par>
+                    <p:cTn id="14" fill="hold">
+                      <p:stCondLst>
+                        <p:cond delay="indefinite"/>
+                      </p:stCondLst>
+                      <p:childTnLst>
+                        <p:par>
+                          <p:cTn id="15" fill="hold">
+                            <p:stCondLst>
+                              <p:cond delay="0"/>
+                            </p:stCondLst>
+                            <p:childTnLst>
+                              <p:par>
+                                <p:cTn id="16" presetID="10" presetClass="entr" presetSubtype="0" fill="hold" grpId="0" nodeType="clickEffect">
+                                  <p:stCondLst>
+                                    <p:cond delay="0"/>
+                                  </p:stCondLst>
+                                  <p:childTnLst>
+                                    <p:set>
+                                      <p:cBhvr>
+                                        <p:cTn id="17" dur="1" fill="hold">
+                                          <p:stCondLst>
+                                            <p:cond delay="0"/>
+                                          </p:stCondLst>
+                                        </p:cTn>
+                                        <p:tgtEl>
+                                          <p:spTgt spid="6"/>
+                                        </p:tgtEl>
+                                        <p:attrNameLst>
+                                          <p:attrName>style.visibility</p:attrName>
+                                        </p:attrNameLst>
+                                      </p:cBhvr>
+                                      <p:to>
+                                        <p:strVal val="visible"/>
+                                      </p:to>
+                                    </p:set>
+                                    <p:animEffect transition="in" filter="fade">
+                                      <p:cBhvr>
+                                        <p:cTn id="18" dur="500"/>
+                                        <p:tgtEl>
+                                          <p:spTgt spid="6"/>
+                                        </p:tgtEl>
+                                      </p:cBhvr>
+                                    </p:animEffect>
+                                  </p:childTnLst>
+                                </p:cTn>
+                              </p:par>
+                              <p:par>
+                                <p:cTn id="19" presetID="10" presetClass="entr" presetSubtype="0" fill="hold" grpId="0" nodeType="withEffect">
+                                  <p:stCondLst>
+                                    <p:cond delay="0"/>
+                                  </p:stCondLst>
+                                  <p:childTnLst>
+                                    <p:set>
+                                      <p:cBhvr>
+                                        <p:cTn id="20" dur="1" fill="hold">
+                                          <p:stCondLst>
+                                            <p:cond delay="0"/>
+                                          </p:stCondLst>
+                                        </p:cTn>
+                                        <p:tgtEl>
+                                          <p:spTgt spid="14"/>
+                                        </p:tgtEl>
+                                        <p:attrNameLst>
+                                          <p:attrName>style.visibility</p:attrName>
+                                        </p:attrNameLst>
+                                      </p:cBhvr>
+                                      <p:to>
+                                        <p:strVal val="visible"/>
+                                      </p:to>
+                                    </p:set>
+                                    <p:animEffect transition="in" filter="fade">
+                                      <p:cBhvr>
+                                        <p:cTn id="21" dur="500"/>
+                                        <p:tgtEl>
+                                          <p:spTgt spid="14"/>
+                                        </p:tgtEl>
+                                      </p:cBhvr>
+                                    </p:animEffect>
+                                  </p:childTnLst>
+                                </p:cTn>
+                              </p:par>
+                              <p:par>
+                                <p:cTn id="22" presetID="10" presetClass="entr" presetSubtype="0" fill="hold" grpId="0" nodeType="withEffect">
+                                  <p:stCondLst>
+                                    <p:cond delay="0"/>
+                                  </p:stCondLst>
+                                  <p:childTnLst>
+                                    <p:set>
+                                      <p:cBhvr>
+                                        <p:cTn id="23" dur="1" fill="hold">
+                                          <p:stCondLst>
+                                            <p:cond delay="0"/>
+                                          </p:stCondLst>
+                                        </p:cTn>
+                                        <p:tgtEl>
+                                          <p:spTgt spid="20"/>
+                                        </p:tgtEl>
+                                        <p:attrNameLst>
+                                          <p:attrName>style.visibility</p:attrName>
+                                        </p:attrNameLst>
+                                      </p:cBhvr>
+                                      <p:to>
+                                        <p:strVal val="visible"/>
+                                      </p:to>
+                                    </p:set>
+                                    <p:animEffect transition="in" filter="fade">
+                                      <p:cBhvr>
+                                        <p:cTn id="24" dur="500"/>
+                                        <p:tgtEl>
+                                          <p:spTgt spid="20"/>
+                                        </p:tgtEl>
+                                      </p:cBhvr>
+                                    </p:animEffect>
+                                  </p:childTnLst>
+                                </p:cTn>
+                              </p:par>
+                            </p:childTnLst>
+                          </p:cTn>
+                        </p:par>
+                      </p:childTnLst>
+                    </p:cTn>
+                  </p:par>
+                  <p:par>
+                    <p:cTn id="25" fill="hold">
+                      <p:stCondLst>
+                        <p:cond delay="indefinite"/>
+                      </p:stCondLst>
+                      <p:childTnLst>
+                        <p:par>
+                          <p:cTn id="26" fill="hold">
+                            <p:stCondLst>
+                              <p:cond delay="0"/>
+                            </p:stCondLst>
+                            <p:childTnLst>
+                              <p:par>
+                                <p:cTn id="27" presetID="10" presetClass="entr" presetSubtype="0" fill="hold" grpId="0" nodeType="clickEffect">
+                                  <p:stCondLst>
+                                    <p:cond delay="0"/>
+                                  </p:stCondLst>
+                                  <p:childTnLst>
+                                    <p:set>
+                                      <p:cBhvr>
+                                        <p:cTn id="28" dur="1" fill="hold">
+                                          <p:stCondLst>
+                                            <p:cond delay="0"/>
+                                          </p:stCondLst>
+                                        </p:cTn>
+                                        <p:tgtEl>
+                                          <p:spTgt spid="7"/>
+                                        </p:tgtEl>
+                                        <p:attrNameLst>
+                                          <p:attrName>style.visibility</p:attrName>
+                                        </p:attrNameLst>
+                                      </p:cBhvr>
+                                      <p:to>
+                                        <p:strVal val="visible"/>
+                                      </p:to>
+                                    </p:set>
+                                    <p:animEffect transition="in" filter="fade">
+                                      <p:cBhvr>
+                                        <p:cTn id="29" dur="500"/>
+                                        <p:tgtEl>
+                                          <p:spTgt spid="7"/>
+                                        </p:tgtEl>
+                                      </p:cBhvr>
+                                    </p:animEffect>
+                                  </p:childTnLst>
+                                </p:cTn>
+                              </p:par>
+                              <p:par>
+                                <p:cTn id="30" presetID="10" presetClass="entr" presetSubtype="0" fill="hold" grpId="0" nodeType="withEffect">
+                                  <p:stCondLst>
+                                    <p:cond delay="0"/>
+                                  </p:stCondLst>
+                                  <p:childTnLst>
+                                    <p:set>
+                                      <p:cBhvr>
+                                        <p:cTn id="31" dur="1" fill="hold">
+                                          <p:stCondLst>
+                                            <p:cond delay="0"/>
+                                          </p:stCondLst>
+                                        </p:cTn>
+                                        <p:tgtEl>
+                                          <p:spTgt spid="15"/>
+                                        </p:tgtEl>
+                                        <p:attrNameLst>
+                                          <p:attrName>style.visibility</p:attrName>
+                                        </p:attrNameLst>
+                                      </p:cBhvr>
+                                      <p:to>
+                                        <p:strVal val="visible"/>
+                                      </p:to>
+                                    </p:set>
+                                    <p:animEffect transition="in" filter="fade">
+                                      <p:cBhvr>
+                                        <p:cTn id="32" dur="500"/>
+                                        <p:tgtEl>
+                                          <p:spTgt spid="15"/>
+                                        </p:tgtEl>
+                                      </p:cBhvr>
+                                    </p:animEffect>
+                                  </p:childTnLst>
+                                </p:cTn>
+                              </p:par>
+                              <p:par>
+                                <p:cTn id="33" presetID="10" presetClass="entr" presetSubtype="0" fill="hold" grpId="0" nodeType="withEffect">
+                                  <p:stCondLst>
+                                    <p:cond delay="0"/>
+                                  </p:stCondLst>
+                                  <p:childTnLst>
+                                    <p:set>
+                                      <p:cBhvr>
+                                        <p:cTn id="34" dur="1" fill="hold">
+                                          <p:stCondLst>
+                                            <p:cond delay="0"/>
+                                          </p:stCondLst>
+                                        </p:cTn>
+                                        <p:tgtEl>
+                                          <p:spTgt spid="21"/>
+                                        </p:tgtEl>
+                                        <p:attrNameLst>
+                                          <p:attrName>style.visibility</p:attrName>
+                                        </p:attrNameLst>
+                                      </p:cBhvr>
+                                      <p:to>
+                                        <p:strVal val="visible"/>
+                                      </p:to>
+                                    </p:set>
+                                    <p:animEffect transition="in" filter="fade">
+                                      <p:cBhvr>
+                                        <p:cTn id="35" dur="500"/>
+                                        <p:tgtEl>
+                                          <p:spTgt spid="21"/>
+                                        </p:tgtEl>
+                                      </p:cBhvr>
+                                    </p:animEffect>
+                                  </p:childTnLst>
+                                </p:cTn>
+                              </p:par>
+                            </p:childTnLst>
+                          </p:cTn>
+                        </p:par>
+                      </p:childTnLst>
+                    </p:cTn>
+                  </p:par>
+                  <p:par>
+                    <p:cTn id="36" fill="hold">
+                      <p:stCondLst>
+                        <p:cond delay="indefinite"/>
+                      </p:stCondLst>
+                      <p:childTnLst>
+                        <p:par>
+                          <p:cTn id="37" fill="hold">
+                            <p:stCondLst>
+                              <p:cond delay="0"/>
+                            </p:stCondLst>
+                            <p:childTnLst>
+                              <p:par>
+                                <p:cTn id="38" presetID="10" presetClass="entr" presetSubtype="0" fill="hold" grpId="0" nodeType="clickEffect">
+                                  <p:stCondLst>
+                                    <p:cond delay="0"/>
+                                  </p:stCondLst>
+                                  <p:childTnLst>
+                                    <p:set>
+                                      <p:cBhvr>
+                                        <p:cTn id="39" dur="1" fill="hold">
+                                          <p:stCondLst>
+                                            <p:cond delay="0"/>
+                                          </p:stCondLst>
+                                        </p:cTn>
+                                        <p:tgtEl>
+                                          <p:spTgt spid="8"/>
+                                        </p:tgtEl>
+                                        <p:attrNameLst>
+                                          <p:attrName>style.visibility</p:attrName>
+                                        </p:attrNameLst>
+                                      </p:cBhvr>
+                                      <p:to>
+                                        <p:strVal val="visible"/>
+                                      </p:to>
+                                    </p:set>
+                                    <p:animEffect transition="in" filter="fade">
+                                      <p:cBhvr>
+                                        <p:cTn id="40" dur="500"/>
+                                        <p:tgtEl>
+                                          <p:spTgt spid="8"/>
+                                        </p:tgtEl>
+                                      </p:cBhvr>
+                                    </p:animEffect>
+                                  </p:childTnLst>
+                                </p:cTn>
+                              </p:par>
+                              <p:par>
+                                <p:cTn id="41" presetID="10" presetClass="entr" presetSubtype="0" fill="hold" grpId="0" nodeType="withEffect">
+                                  <p:stCondLst>
+                                    <p:cond delay="0"/>
+                                  </p:stCondLst>
+                                  <p:childTnLst>
+                                    <p:set>
+                                      <p:cBhvr>
+                                        <p:cTn id="42" dur="1" fill="hold">
+                                          <p:stCondLst>
+                                            <p:cond delay="0"/>
+                                          </p:stCondLst>
+                                        </p:cTn>
+                                        <p:tgtEl>
+                                          <p:spTgt spid="16"/>
+                                        </p:tgtEl>
+                                        <p:attrNameLst>
+                                          <p:attrName>style.visibility</p:attrName>
+                                        </p:attrNameLst>
+                                      </p:cBhvr>
+                                      <p:to>
+                                        <p:strVal val="visible"/>
+                                      </p:to>
+                                    </p:set>
+                                    <p:animEffect transition="in" filter="fade">
+                                      <p:cBhvr>
+                                        <p:cTn id="43" dur="500"/>
+                                        <p:tgtEl>
+                                          <p:spTgt spid="16"/>
+                                        </p:tgtEl>
+                                      </p:cBhvr>
+                                    </p:animEffect>
+                                  </p:childTnLst>
+                                </p:cTn>
+                              </p:par>
+                              <p:par>
+                                <p:cTn id="44" presetID="10" presetClass="entr" presetSubtype="0" fill="hold" grpId="0" nodeType="withEffect">
+                                  <p:stCondLst>
+                                    <p:cond delay="0"/>
+                                  </p:stCondLst>
+                                  <p:childTnLst>
+                                    <p:set>
+                                      <p:cBhvr>
+                                        <p:cTn id="45" dur="1" fill="hold">
+                                          <p:stCondLst>
+                                            <p:cond delay="0"/>
+                                          </p:stCondLst>
+                                        </p:cTn>
+                                        <p:tgtEl>
+                                          <p:spTgt spid="22"/>
+                                        </p:tgtEl>
+                                        <p:attrNameLst>
+                                          <p:attrName>style.visibility</p:attrName>
+                                        </p:attrNameLst>
+                                      </p:cBhvr>
+                                      <p:to>
+                                        <p:strVal val="visible"/>
+                                      </p:to>
+                                    </p:set>
+                                    <p:animEffect transition="in" filter="fade">
+                                      <p:cBhvr>
+                                        <p:cTn id="46" dur="500"/>
+                                        <p:tgtEl>
+                                          <p:spTgt spid="22"/>
+                                        </p:tgtEl>
+                                      </p:cBhvr>
+                                    </p:animEffect>
+                                  </p:childTnLst>
+                                </p:cTn>
+                              </p:par>
+                            </p:childTnLst>
+                          </p:cTn>
+                        </p:par>
+                      </p:childTnLst>
+                    </p:cTn>
+                  </p:par>
+                  <p:par>
+                    <p:cTn id="47" fill="hold">
+                      <p:stCondLst>
+                        <p:cond delay="indefinite"/>
+                      </p:stCondLst>
+                      <p:childTnLst>
+                        <p:par>
+                          <p:cTn id="48" fill="hold">
+                            <p:stCondLst>
+                              <p:cond delay="0"/>
+                            </p:stCondLst>
+                            <p:childTnLst>
+                              <p:par>
+                                <p:cTn id="49" presetID="10" presetClass="entr" presetSubtype="0" fill="hold" grpId="0" nodeType="clickEffect">
+                                  <p:stCondLst>
+                                    <p:cond delay="0"/>
+                                  </p:stCondLst>
+                                  <p:childTnLst>
+                                    <p:set>
+                                      <p:cBhvr>
+                                        <p:cTn id="50" dur="1" fill="hold">
+                                          <p:stCondLst>
+                                            <p:cond delay="0"/>
+                                          </p:stCondLst>
+                                        </p:cTn>
+                                        <p:tgtEl>
+                                          <p:spTgt spid="9"/>
+                                        </p:tgtEl>
+                                        <p:attrNameLst>
+                                          <p:attrName>style.visibility</p:attrName>
+                                        </p:attrNameLst>
+                                      </p:cBhvr>
+                                      <p:to>
+                                        <p:strVal val="visible"/>
+                                      </p:to>
+                                    </p:set>
+                                    <p:animEffect transition="in" filter="fade">
+                                      <p:cBhvr>
+                                        <p:cTn id="51" dur="500"/>
+                                        <p:tgtEl>
+                                          <p:spTgt spid="9"/>
+                                        </p:tgtEl>
+                                      </p:cBhvr>
+                                    </p:animEffect>
+                                  </p:childTnLst>
+                                </p:cTn>
+                              </p:par>
+                              <p:par>
+                                <p:cTn id="52" presetID="10" presetClass="entr" presetSubtype="0" fill="hold" grpId="0" nodeType="withEffect">
+                                  <p:stCondLst>
+                                    <p:cond delay="0"/>
+                                  </p:stCondLst>
+                                  <p:childTnLst>
+                                    <p:set>
+                                      <p:cBhvr>
+                                        <p:cTn id="53" dur="1" fill="hold">
+                                          <p:stCondLst>
+                                            <p:cond delay="0"/>
+                                          </p:stCondLst>
+                                        </p:cTn>
+                                        <p:tgtEl>
+                                          <p:spTgt spid="17"/>
+                                        </p:tgtEl>
+                                        <p:attrNameLst>
+                                          <p:attrName>style.visibility</p:attrName>
+                                        </p:attrNameLst>
+                                      </p:cBhvr>
+                                      <p:to>
+                                        <p:strVal val="visible"/>
+                                      </p:to>
+                                    </p:set>
+                                    <p:animEffect transition="in" filter="fade">
+                                      <p:cBhvr>
+                                        <p:cTn id="54" dur="500"/>
+                                        <p:tgtEl>
+                                          <p:spTgt spid="17"/>
+                                        </p:tgtEl>
+                                      </p:cBhvr>
+                                    </p:animEffect>
+                                  </p:childTnLst>
+                                </p:cTn>
+                              </p:par>
+                              <p:par>
+                                <p:cTn id="55" presetID="10" presetClass="entr" presetSubtype="0" fill="hold" grpId="0" nodeType="withEffect">
+                                  <p:stCondLst>
+                                    <p:cond delay="0"/>
+                                  </p:stCondLst>
+                                  <p:childTnLst>
+                                    <p:set>
+                                      <p:cBhvr>
+                                        <p:cTn id="56" dur="1" fill="hold">
+                                          <p:stCondLst>
+                                            <p:cond delay="0"/>
+                                          </p:stCondLst>
+                                        </p:cTn>
+                                        <p:tgtEl>
+                                          <p:spTgt spid="23"/>
+                                        </p:tgtEl>
+                                        <p:attrNameLst>
+                                          <p:attrName>style.visibility</p:attrName>
+                                        </p:attrNameLst>
+                                      </p:cBhvr>
+                                      <p:to>
+                                        <p:strVal val="visible"/>
+                                      </p:to>
+                                    </p:set>
+                                    <p:animEffect transition="in" filter="fade">
+                                      <p:cBhvr>
+                                        <p:cTn id="57" dur="500"/>
+                                        <p:tgtEl>
+                                          <p:spTgt spid="23"/>
+                                        </p:tgtEl>
+                                      </p:cBhvr>
+                                    </p:animEffect>
+                                  </p:childTnLst>
+                                </p:cTn>
+                              </p:par>
+                            </p:childTnLst>
+                          </p:cTn>
+                        </p:par>
+                      </p:childTnLst>
+                    </p:cTn>
+                  </p:par>
+                  <p:par>
+                    <p:cTn id="58" fill="hold">
+                      <p:stCondLst>
+                        <p:cond delay="indefinite"/>
+                      </p:stCondLst>
+                      <p:childTnLst>
+                        <p:par>
+                          <p:cTn id="59" fill="hold">
+                            <p:stCondLst>
+                              <p:cond delay="0"/>
+                            </p:stCondLst>
+                            <p:childTnLst>
+                              <p:par>
+                                <p:cTn id="60" presetID="10" presetClass="entr" presetSubtype="0" fill="hold" grpId="0" nodeType="clickEffect">
+                                  <p:stCondLst>
+                                    <p:cond delay="0"/>
+                                  </p:stCondLst>
+                                  <p:childTnLst>
+                                    <p:set>
+                                      <p:cBhvr>
+                                        <p:cTn id="61" dur="1" fill="hold">
+                                          <p:stCondLst>
+                                            <p:cond delay="0"/>
+                                          </p:stCondLst>
+                                        </p:cTn>
+                                        <p:tgtEl>
+                                          <p:spTgt spid="10"/>
+                                        </p:tgtEl>
+                                        <p:attrNameLst>
+                                          <p:attrName>style.visibility</p:attrName>
+                                        </p:attrNameLst>
+                                      </p:cBhvr>
+                                      <p:to>
+                                        <p:strVal val="visible"/>
+                                      </p:to>
+                                    </p:set>
+                                    <p:animEffect transition="in" filter="fade">
+                                      <p:cBhvr>
+                                        <p:cTn id="62" dur="500"/>
+                                        <p:tgtEl>
+                                          <p:spTgt spid="10"/>
+                                        </p:tgtEl>
+                                      </p:cBhvr>
+                                    </p:animEffect>
+                                  </p:childTnLst>
+                                </p:cTn>
+                              </p:par>
+                              <p:par>
+                                <p:cTn id="63" presetID="10" presetClass="entr" presetSubtype="0" fill="hold" grpId="0" nodeType="withEffect">
+                                  <p:stCondLst>
+                                    <p:cond delay="0"/>
+                                  </p:stCondLst>
+                                  <p:childTnLst>
+                                    <p:set>
+                                      <p:cBhvr>
+                                        <p:cTn id="64" dur="1" fill="hold">
+                                          <p:stCondLst>
+                                            <p:cond delay="0"/>
+                                          </p:stCondLst>
+                                        </p:cTn>
+                                        <p:tgtEl>
+                                          <p:spTgt spid="18"/>
+                                        </p:tgtEl>
+                                        <p:attrNameLst>
+                                          <p:attrName>style.visibility</p:attrName>
+                                        </p:attrNameLst>
+                                      </p:cBhvr>
+                                      <p:to>
+                                        <p:strVal val="visible"/>
+                                      </p:to>
+                                    </p:set>
+                                    <p:animEffect transition="in" filter="fade">
+                                      <p:cBhvr>
+                                        <p:cTn id="65" dur="500"/>
+                                        <p:tgtEl>
+                                          <p:spTgt spid="18"/>
+                                        </p:tgtEl>
+                                      </p:cBhvr>
+                                    </p:animEffect>
+                                  </p:childTnLst>
+                                </p:cTn>
+                              </p:par>
+                              <p:par>
+                                <p:cTn id="66" presetID="10" presetClass="entr" presetSubtype="0" fill="hold" grpId="0" nodeType="withEffect">
+                                  <p:stCondLst>
+                                    <p:cond delay="0"/>
+                                  </p:stCondLst>
+                                  <p:childTnLst>
+                                    <p:set>
+                                      <p:cBhvr>
+                                        <p:cTn id="67" dur="1" fill="hold">
+                                          <p:stCondLst>
+                                            <p:cond delay="0"/>
+                                          </p:stCondLst>
+                                        </p:cTn>
+                                        <p:tgtEl>
+                                          <p:spTgt spid="24"/>
+                                        </p:tgtEl>
+                                        <p:attrNameLst>
+                                          <p:attrName>style.visibility</p:attrName>
+                                        </p:attrNameLst>
+                                      </p:cBhvr>
+                                      <p:to>
+                                        <p:strVal val="visible"/>
+                                      </p:to>
+                                    </p:set>
+                                    <p:animEffect transition="in" filter="fade">
+                                      <p:cBhvr>
+                                        <p:cTn id="68" dur="500"/>
+                                        <p:tgtEl>
+                                          <p:spTgt spid="24"/>
+                                        </p:tgtEl>
+                                      </p:cBhvr>
+                                    </p:animEffect>
+                                  </p:childTnLst>
+                                </p:cTn>
+                              </p:par>
+                            </p:childTnLst>
+                          </p:cTn>
+                        </p:par>
+                      </p:childTnLst>
+                    </p:cTn>
+                  </p:par>
+                </p:childTnLst>
+              </p:cTn>
+              <p:prevCondLst>
+                <p:cond evt="onPrev" delay="0">
+                  <p:tgtEl>
+                    <p:sldTgt/>
+                  </p:tgtEl>
+                </p:cond>
+              </p:prevCondLst>
+              <p:nextCondLst>
+                <p:cond evt="onNext" delay="0">
+                  <p:tgtEl>
+                    <p:sldTgt/>
+                  </p:tgtEl>
+                </p:cond>
+              </p:nextCondLst>
+            </p:seq>
+          </p:childTnLst>
+        </p:cTn>
+      </p:par>
+    </p:tnLst>
+    <p:bldLst>
+      <p:bldP spid="3" grpId="0" animBg="1"/>
+      <p:bldP spid="4" grpId="0"/>
+      <p:bldP spid="6" grpId="0"/>
+      <p:bldP spid="7" grpId="0"/>
+      <p:bldP spid="8" grpId="0"/>
+      <p:bldP spid="9" grpId="0"/>
+      <p:bldP spid="10" grpId="0"/>
+      <p:bldP spid="14" grpId="0" animBg="1"/>
+      <p:bldP spid="15" grpId="0" animBg="1"/>
+      <p:bldP spid="16" grpId="0" animBg="1"/>
+      <p:bldP spid="17" grpId="0" animBg="1"/>
+      <p:bldP spid="18" grpId="0" animBg="1"/>
+      <p:bldP spid="19" grpId="0"/>
+      <p:bldP spid="20" grpId="0"/>
+      <p:bldP spid="21" grpId="0"/>
+      <p:bldP spid="22" grpId="0"/>
+      <p:bldP spid="23" grpId="0"/>
+      <p:bldP spid="24" grpId="0"/>
+    </p:bldLst>
+  </p:timing>
 </p:sld>
 </file>
 
-<file path=ppt/slides/slide7.xml><?xml version="1.0" encoding="utf-8"?>
+<file path=ppt/slides/slide6.xml><?xml version="1.0" encoding="utf-8"?>
 <p:sld xmlns:a="http://schemas.openxmlformats.org/drawingml/2006/main" xmlns:r="http://schemas.openxmlformats.org/officeDocument/2006/relationships" xmlns:p="http://schemas.openxmlformats.org/presentationml/2006/main">
   <p:cSld>
     <p:spTree>
@@ -29974,10 +35561,66 @@
         </p:nvSpPr>
         <p:spPr/>
         <p:txBody>
-          <a:bodyPr/>
+          <a:bodyPr>
+            <a:normAutofit/>
+          </a:bodyPr>
           <a:lstStyle/>
           <a:p>
-            <a:endParaRPr lang="en-US"/>
+            <a:r>
+              <a:rPr lang="fr-FR" sz="2000" dirty="0"/>
+              <a:t>+4,000 modèles d’appareil Android</a:t>
+            </a:r>
+          </a:p>
+          <a:p>
+            <a:r>
+              <a:rPr lang="fr-FR" sz="2000" dirty="0"/>
+              <a:t>+400 fabricants des appareil Android</a:t>
+            </a:r>
+          </a:p>
+          <a:p>
+            <a:r>
+              <a:rPr lang="fr-FR" sz="2000" dirty="0"/>
+              <a:t>31 milliards $ revenue de Android OS à Google</a:t>
+            </a:r>
+          </a:p>
+          <a:p>
+            <a:r>
+              <a:rPr lang="fr-FR" sz="2000" dirty="0"/>
+              <a:t>1.28 milliards appareils vendue en 2014</a:t>
+            </a:r>
+          </a:p>
+          <a:p>
+            <a:r>
+              <a:rPr lang="fr-FR" sz="2000" dirty="0"/>
+              <a:t>1 milliards utilisateurs actives dont 386 millions en Chine</a:t>
+            </a:r>
+          </a:p>
+          <a:p>
+            <a:r>
+              <a:rPr lang="fr-FR" sz="2000" dirty="0"/>
+              <a:t>1.5 millions d’applications sur Google Play (48 milliards installations)</a:t>
+            </a:r>
+          </a:p>
+          <a:p>
+            <a:r>
+              <a:rPr lang="fr-FR" sz="2000" dirty="0"/>
+              <a:t>388 milles développeurs sur Google Play</a:t>
+            </a:r>
+          </a:p>
+          <a:p>
+            <a:r>
+              <a:rPr lang="fr-FR" sz="2000" dirty="0"/>
+              <a:t>97% des malwares sont porté par Android (2013)</a:t>
+            </a:r>
+          </a:p>
+          <a:p>
+            <a:r>
+              <a:rPr lang="fr-FR" sz="2000" dirty="0"/>
+              <a:t>93 millions de selfie par jours sur Android</a:t>
+            </a:r>
+          </a:p>
+          <a:p>
+            <a:endParaRPr lang="fr-FR" dirty="0"/>
           </a:p>
         </p:txBody>
       </p:sp>
@@ -29998,7 +35641,735 @@
           <a:p>
             <a:fld id="{070FCE37-005A-41C1-8FDF-A13600E24672}" type="datetime1">
               <a:rPr lang="fr-FR" smtClean="0"/>
-              <a:t>13/03/2016</a:t>
+              <a:t>16/03/2016</a:t>
+            </a:fld>
+            <a:endParaRPr lang="en-US"/>
+          </a:p>
+        </p:txBody>
+      </p:sp>
+      <p:sp>
+        <p:nvSpPr>
+          <p:cNvPr id="5" name="Footer Placeholder 4"/>
+          <p:cNvSpPr>
+            <a:spLocks noGrp="1"/>
+          </p:cNvSpPr>
+          <p:nvPr>
+            <p:ph type="ftr" sz="quarter" idx="11"/>
+          </p:nvPr>
+        </p:nvSpPr>
+        <p:spPr/>
+        <p:txBody>
+          <a:bodyPr/>
+          <a:lstStyle/>
+          <a:p>
+            <a:r>
+              <a:rPr lang="en-US"/>
+              <a:t>ANDROID – Ihab BERRO</a:t>
+            </a:r>
+            <a:endParaRPr lang="en-US" dirty="0"/>
+          </a:p>
+        </p:txBody>
+      </p:sp>
+      <p:sp>
+        <p:nvSpPr>
+          <p:cNvPr id="6" name="Slide Number Placeholder 5"/>
+          <p:cNvSpPr>
+            <a:spLocks noGrp="1"/>
+          </p:cNvSpPr>
+          <p:nvPr>
+            <p:ph type="sldNum" sz="quarter" idx="12"/>
+          </p:nvPr>
+        </p:nvSpPr>
+        <p:spPr/>
+        <p:txBody>
+          <a:bodyPr/>
+          <a:lstStyle/>
+          <a:p>
+            <a:fld id="{BA2DA46E-DB81-44BF-AEE2-1A0B022EF716}" type="slidenum">
+              <a:rPr lang="en-US" smtClean="0"/>
+              <a:t>6</a:t>
+            </a:fld>
+            <a:endParaRPr lang="en-US"/>
+          </a:p>
+        </p:txBody>
+      </p:sp>
+    </p:spTree>
+    <p:extLst>
+      <p:ext uri="{BB962C8B-B14F-4D97-AF65-F5344CB8AC3E}">
+        <p14:creationId xmlns:p14="http://schemas.microsoft.com/office/powerpoint/2010/main" val="4227856211"/>
+      </p:ext>
+    </p:extLst>
+  </p:cSld>
+  <p:clrMapOvr>
+    <a:masterClrMapping/>
+  </p:clrMapOvr>
+  <p:timing>
+    <p:tnLst>
+      <p:par>
+        <p:cTn id="1" dur="indefinite" restart="never" nodeType="tmRoot">
+          <p:childTnLst>
+            <p:seq concurrent="1" nextAc="seek">
+              <p:cTn id="2" dur="indefinite" nodeType="mainSeq">
+                <p:childTnLst>
+                  <p:par>
+                    <p:cTn id="3" fill="hold">
+                      <p:stCondLst>
+                        <p:cond delay="indefinite"/>
+                      </p:stCondLst>
+                      <p:childTnLst>
+                        <p:par>
+                          <p:cTn id="4" fill="hold">
+                            <p:stCondLst>
+                              <p:cond delay="0"/>
+                            </p:stCondLst>
+                            <p:childTnLst>
+                              <p:par>
+                                <p:cTn id="5" presetID="10" presetClass="entr" presetSubtype="0" fill="hold" grpId="0" nodeType="clickEffect">
+                                  <p:stCondLst>
+                                    <p:cond delay="0"/>
+                                  </p:stCondLst>
+                                  <p:childTnLst>
+                                    <p:set>
+                                      <p:cBhvr>
+                                        <p:cTn id="6" dur="1" fill="hold">
+                                          <p:stCondLst>
+                                            <p:cond delay="0"/>
+                                          </p:stCondLst>
+                                        </p:cTn>
+                                        <p:tgtEl>
+                                          <p:spTgt spid="3">
+                                            <p:txEl>
+                                              <p:pRg st="0" end="0"/>
+                                            </p:txEl>
+                                          </p:spTgt>
+                                        </p:tgtEl>
+                                        <p:attrNameLst>
+                                          <p:attrName>style.visibility</p:attrName>
+                                        </p:attrNameLst>
+                                      </p:cBhvr>
+                                      <p:to>
+                                        <p:strVal val="visible"/>
+                                      </p:to>
+                                    </p:set>
+                                    <p:animEffect transition="in" filter="fade">
+                                      <p:cBhvr>
+                                        <p:cTn id="7" dur="500"/>
+                                        <p:tgtEl>
+                                          <p:spTgt spid="3">
+                                            <p:txEl>
+                                              <p:pRg st="0" end="0"/>
+                                            </p:txEl>
+                                          </p:spTgt>
+                                        </p:tgtEl>
+                                      </p:cBhvr>
+                                    </p:animEffect>
+                                  </p:childTnLst>
+                                </p:cTn>
+                              </p:par>
+                            </p:childTnLst>
+                          </p:cTn>
+                        </p:par>
+                      </p:childTnLst>
+                    </p:cTn>
+                  </p:par>
+                  <p:par>
+                    <p:cTn id="8" fill="hold">
+                      <p:stCondLst>
+                        <p:cond delay="indefinite"/>
+                      </p:stCondLst>
+                      <p:childTnLst>
+                        <p:par>
+                          <p:cTn id="9" fill="hold">
+                            <p:stCondLst>
+                              <p:cond delay="0"/>
+                            </p:stCondLst>
+                            <p:childTnLst>
+                              <p:par>
+                                <p:cTn id="10" presetID="10" presetClass="entr" presetSubtype="0" fill="hold" grpId="0" nodeType="clickEffect">
+                                  <p:stCondLst>
+                                    <p:cond delay="0"/>
+                                  </p:stCondLst>
+                                  <p:childTnLst>
+                                    <p:set>
+                                      <p:cBhvr>
+                                        <p:cTn id="11" dur="1" fill="hold">
+                                          <p:stCondLst>
+                                            <p:cond delay="0"/>
+                                          </p:stCondLst>
+                                        </p:cTn>
+                                        <p:tgtEl>
+                                          <p:spTgt spid="3">
+                                            <p:txEl>
+                                              <p:pRg st="1" end="1"/>
+                                            </p:txEl>
+                                          </p:spTgt>
+                                        </p:tgtEl>
+                                        <p:attrNameLst>
+                                          <p:attrName>style.visibility</p:attrName>
+                                        </p:attrNameLst>
+                                      </p:cBhvr>
+                                      <p:to>
+                                        <p:strVal val="visible"/>
+                                      </p:to>
+                                    </p:set>
+                                    <p:animEffect transition="in" filter="fade">
+                                      <p:cBhvr>
+                                        <p:cTn id="12" dur="500"/>
+                                        <p:tgtEl>
+                                          <p:spTgt spid="3">
+                                            <p:txEl>
+                                              <p:pRg st="1" end="1"/>
+                                            </p:txEl>
+                                          </p:spTgt>
+                                        </p:tgtEl>
+                                      </p:cBhvr>
+                                    </p:animEffect>
+                                  </p:childTnLst>
+                                </p:cTn>
+                              </p:par>
+                            </p:childTnLst>
+                          </p:cTn>
+                        </p:par>
+                      </p:childTnLst>
+                    </p:cTn>
+                  </p:par>
+                  <p:par>
+                    <p:cTn id="13" fill="hold">
+                      <p:stCondLst>
+                        <p:cond delay="indefinite"/>
+                      </p:stCondLst>
+                      <p:childTnLst>
+                        <p:par>
+                          <p:cTn id="14" fill="hold">
+                            <p:stCondLst>
+                              <p:cond delay="0"/>
+                            </p:stCondLst>
+                            <p:childTnLst>
+                              <p:par>
+                                <p:cTn id="15" presetID="10" presetClass="entr" presetSubtype="0" fill="hold" grpId="0" nodeType="clickEffect">
+                                  <p:stCondLst>
+                                    <p:cond delay="0"/>
+                                  </p:stCondLst>
+                                  <p:childTnLst>
+                                    <p:set>
+                                      <p:cBhvr>
+                                        <p:cTn id="16" dur="1" fill="hold">
+                                          <p:stCondLst>
+                                            <p:cond delay="0"/>
+                                          </p:stCondLst>
+                                        </p:cTn>
+                                        <p:tgtEl>
+                                          <p:spTgt spid="3">
+                                            <p:txEl>
+                                              <p:pRg st="2" end="2"/>
+                                            </p:txEl>
+                                          </p:spTgt>
+                                        </p:tgtEl>
+                                        <p:attrNameLst>
+                                          <p:attrName>style.visibility</p:attrName>
+                                        </p:attrNameLst>
+                                      </p:cBhvr>
+                                      <p:to>
+                                        <p:strVal val="visible"/>
+                                      </p:to>
+                                    </p:set>
+                                    <p:animEffect transition="in" filter="fade">
+                                      <p:cBhvr>
+                                        <p:cTn id="17" dur="500"/>
+                                        <p:tgtEl>
+                                          <p:spTgt spid="3">
+                                            <p:txEl>
+                                              <p:pRg st="2" end="2"/>
+                                            </p:txEl>
+                                          </p:spTgt>
+                                        </p:tgtEl>
+                                      </p:cBhvr>
+                                    </p:animEffect>
+                                  </p:childTnLst>
+                                </p:cTn>
+                              </p:par>
+                            </p:childTnLst>
+                          </p:cTn>
+                        </p:par>
+                      </p:childTnLst>
+                    </p:cTn>
+                  </p:par>
+                  <p:par>
+                    <p:cTn id="18" fill="hold">
+                      <p:stCondLst>
+                        <p:cond delay="indefinite"/>
+                      </p:stCondLst>
+                      <p:childTnLst>
+                        <p:par>
+                          <p:cTn id="19" fill="hold">
+                            <p:stCondLst>
+                              <p:cond delay="0"/>
+                            </p:stCondLst>
+                            <p:childTnLst>
+                              <p:par>
+                                <p:cTn id="20" presetID="10" presetClass="entr" presetSubtype="0" fill="hold" grpId="0" nodeType="clickEffect">
+                                  <p:stCondLst>
+                                    <p:cond delay="0"/>
+                                  </p:stCondLst>
+                                  <p:childTnLst>
+                                    <p:set>
+                                      <p:cBhvr>
+                                        <p:cTn id="21" dur="1" fill="hold">
+                                          <p:stCondLst>
+                                            <p:cond delay="0"/>
+                                          </p:stCondLst>
+                                        </p:cTn>
+                                        <p:tgtEl>
+                                          <p:spTgt spid="3">
+                                            <p:txEl>
+                                              <p:pRg st="3" end="3"/>
+                                            </p:txEl>
+                                          </p:spTgt>
+                                        </p:tgtEl>
+                                        <p:attrNameLst>
+                                          <p:attrName>style.visibility</p:attrName>
+                                        </p:attrNameLst>
+                                      </p:cBhvr>
+                                      <p:to>
+                                        <p:strVal val="visible"/>
+                                      </p:to>
+                                    </p:set>
+                                    <p:animEffect transition="in" filter="fade">
+                                      <p:cBhvr>
+                                        <p:cTn id="22" dur="500"/>
+                                        <p:tgtEl>
+                                          <p:spTgt spid="3">
+                                            <p:txEl>
+                                              <p:pRg st="3" end="3"/>
+                                            </p:txEl>
+                                          </p:spTgt>
+                                        </p:tgtEl>
+                                      </p:cBhvr>
+                                    </p:animEffect>
+                                  </p:childTnLst>
+                                </p:cTn>
+                              </p:par>
+                            </p:childTnLst>
+                          </p:cTn>
+                        </p:par>
+                      </p:childTnLst>
+                    </p:cTn>
+                  </p:par>
+                  <p:par>
+                    <p:cTn id="23" fill="hold">
+                      <p:stCondLst>
+                        <p:cond delay="indefinite"/>
+                      </p:stCondLst>
+                      <p:childTnLst>
+                        <p:par>
+                          <p:cTn id="24" fill="hold">
+                            <p:stCondLst>
+                              <p:cond delay="0"/>
+                            </p:stCondLst>
+                            <p:childTnLst>
+                              <p:par>
+                                <p:cTn id="25" presetID="10" presetClass="entr" presetSubtype="0" fill="hold" grpId="0" nodeType="clickEffect">
+                                  <p:stCondLst>
+                                    <p:cond delay="0"/>
+                                  </p:stCondLst>
+                                  <p:childTnLst>
+                                    <p:set>
+                                      <p:cBhvr>
+                                        <p:cTn id="26" dur="1" fill="hold">
+                                          <p:stCondLst>
+                                            <p:cond delay="0"/>
+                                          </p:stCondLst>
+                                        </p:cTn>
+                                        <p:tgtEl>
+                                          <p:spTgt spid="3">
+                                            <p:txEl>
+                                              <p:pRg st="4" end="4"/>
+                                            </p:txEl>
+                                          </p:spTgt>
+                                        </p:tgtEl>
+                                        <p:attrNameLst>
+                                          <p:attrName>style.visibility</p:attrName>
+                                        </p:attrNameLst>
+                                      </p:cBhvr>
+                                      <p:to>
+                                        <p:strVal val="visible"/>
+                                      </p:to>
+                                    </p:set>
+                                    <p:animEffect transition="in" filter="fade">
+                                      <p:cBhvr>
+                                        <p:cTn id="27" dur="500"/>
+                                        <p:tgtEl>
+                                          <p:spTgt spid="3">
+                                            <p:txEl>
+                                              <p:pRg st="4" end="4"/>
+                                            </p:txEl>
+                                          </p:spTgt>
+                                        </p:tgtEl>
+                                      </p:cBhvr>
+                                    </p:animEffect>
+                                  </p:childTnLst>
+                                </p:cTn>
+                              </p:par>
+                            </p:childTnLst>
+                          </p:cTn>
+                        </p:par>
+                      </p:childTnLst>
+                    </p:cTn>
+                  </p:par>
+                  <p:par>
+                    <p:cTn id="28" fill="hold">
+                      <p:stCondLst>
+                        <p:cond delay="indefinite"/>
+                      </p:stCondLst>
+                      <p:childTnLst>
+                        <p:par>
+                          <p:cTn id="29" fill="hold">
+                            <p:stCondLst>
+                              <p:cond delay="0"/>
+                            </p:stCondLst>
+                            <p:childTnLst>
+                              <p:par>
+                                <p:cTn id="30" presetID="10" presetClass="entr" presetSubtype="0" fill="hold" grpId="0" nodeType="clickEffect">
+                                  <p:stCondLst>
+                                    <p:cond delay="0"/>
+                                  </p:stCondLst>
+                                  <p:childTnLst>
+                                    <p:set>
+                                      <p:cBhvr>
+                                        <p:cTn id="31" dur="1" fill="hold">
+                                          <p:stCondLst>
+                                            <p:cond delay="0"/>
+                                          </p:stCondLst>
+                                        </p:cTn>
+                                        <p:tgtEl>
+                                          <p:spTgt spid="3">
+                                            <p:txEl>
+                                              <p:pRg st="5" end="5"/>
+                                            </p:txEl>
+                                          </p:spTgt>
+                                        </p:tgtEl>
+                                        <p:attrNameLst>
+                                          <p:attrName>style.visibility</p:attrName>
+                                        </p:attrNameLst>
+                                      </p:cBhvr>
+                                      <p:to>
+                                        <p:strVal val="visible"/>
+                                      </p:to>
+                                    </p:set>
+                                    <p:animEffect transition="in" filter="fade">
+                                      <p:cBhvr>
+                                        <p:cTn id="32" dur="500"/>
+                                        <p:tgtEl>
+                                          <p:spTgt spid="3">
+                                            <p:txEl>
+                                              <p:pRg st="5" end="5"/>
+                                            </p:txEl>
+                                          </p:spTgt>
+                                        </p:tgtEl>
+                                      </p:cBhvr>
+                                    </p:animEffect>
+                                  </p:childTnLst>
+                                </p:cTn>
+                              </p:par>
+                            </p:childTnLst>
+                          </p:cTn>
+                        </p:par>
+                      </p:childTnLst>
+                    </p:cTn>
+                  </p:par>
+                  <p:par>
+                    <p:cTn id="33" fill="hold">
+                      <p:stCondLst>
+                        <p:cond delay="indefinite"/>
+                      </p:stCondLst>
+                      <p:childTnLst>
+                        <p:par>
+                          <p:cTn id="34" fill="hold">
+                            <p:stCondLst>
+                              <p:cond delay="0"/>
+                            </p:stCondLst>
+                            <p:childTnLst>
+                              <p:par>
+                                <p:cTn id="35" presetID="10" presetClass="entr" presetSubtype="0" fill="hold" grpId="0" nodeType="clickEffect">
+                                  <p:stCondLst>
+                                    <p:cond delay="0"/>
+                                  </p:stCondLst>
+                                  <p:childTnLst>
+                                    <p:set>
+                                      <p:cBhvr>
+                                        <p:cTn id="36" dur="1" fill="hold">
+                                          <p:stCondLst>
+                                            <p:cond delay="0"/>
+                                          </p:stCondLst>
+                                        </p:cTn>
+                                        <p:tgtEl>
+                                          <p:spTgt spid="3">
+                                            <p:txEl>
+                                              <p:pRg st="6" end="6"/>
+                                            </p:txEl>
+                                          </p:spTgt>
+                                        </p:tgtEl>
+                                        <p:attrNameLst>
+                                          <p:attrName>style.visibility</p:attrName>
+                                        </p:attrNameLst>
+                                      </p:cBhvr>
+                                      <p:to>
+                                        <p:strVal val="visible"/>
+                                      </p:to>
+                                    </p:set>
+                                    <p:animEffect transition="in" filter="fade">
+                                      <p:cBhvr>
+                                        <p:cTn id="37" dur="500"/>
+                                        <p:tgtEl>
+                                          <p:spTgt spid="3">
+                                            <p:txEl>
+                                              <p:pRg st="6" end="6"/>
+                                            </p:txEl>
+                                          </p:spTgt>
+                                        </p:tgtEl>
+                                      </p:cBhvr>
+                                    </p:animEffect>
+                                  </p:childTnLst>
+                                </p:cTn>
+                              </p:par>
+                            </p:childTnLst>
+                          </p:cTn>
+                        </p:par>
+                      </p:childTnLst>
+                    </p:cTn>
+                  </p:par>
+                  <p:par>
+                    <p:cTn id="38" fill="hold">
+                      <p:stCondLst>
+                        <p:cond delay="indefinite"/>
+                      </p:stCondLst>
+                      <p:childTnLst>
+                        <p:par>
+                          <p:cTn id="39" fill="hold">
+                            <p:stCondLst>
+                              <p:cond delay="0"/>
+                            </p:stCondLst>
+                            <p:childTnLst>
+                              <p:par>
+                                <p:cTn id="40" presetID="10" presetClass="entr" presetSubtype="0" fill="hold" grpId="0" nodeType="clickEffect">
+                                  <p:stCondLst>
+                                    <p:cond delay="0"/>
+                                  </p:stCondLst>
+                                  <p:childTnLst>
+                                    <p:set>
+                                      <p:cBhvr>
+                                        <p:cTn id="41" dur="1" fill="hold">
+                                          <p:stCondLst>
+                                            <p:cond delay="0"/>
+                                          </p:stCondLst>
+                                        </p:cTn>
+                                        <p:tgtEl>
+                                          <p:spTgt spid="3">
+                                            <p:txEl>
+                                              <p:pRg st="7" end="7"/>
+                                            </p:txEl>
+                                          </p:spTgt>
+                                        </p:tgtEl>
+                                        <p:attrNameLst>
+                                          <p:attrName>style.visibility</p:attrName>
+                                        </p:attrNameLst>
+                                      </p:cBhvr>
+                                      <p:to>
+                                        <p:strVal val="visible"/>
+                                      </p:to>
+                                    </p:set>
+                                    <p:animEffect transition="in" filter="fade">
+                                      <p:cBhvr>
+                                        <p:cTn id="42" dur="500"/>
+                                        <p:tgtEl>
+                                          <p:spTgt spid="3">
+                                            <p:txEl>
+                                              <p:pRg st="7" end="7"/>
+                                            </p:txEl>
+                                          </p:spTgt>
+                                        </p:tgtEl>
+                                      </p:cBhvr>
+                                    </p:animEffect>
+                                  </p:childTnLst>
+                                </p:cTn>
+                              </p:par>
+                            </p:childTnLst>
+                          </p:cTn>
+                        </p:par>
+                      </p:childTnLst>
+                    </p:cTn>
+                  </p:par>
+                  <p:par>
+                    <p:cTn id="43" fill="hold">
+                      <p:stCondLst>
+                        <p:cond delay="indefinite"/>
+                      </p:stCondLst>
+                      <p:childTnLst>
+                        <p:par>
+                          <p:cTn id="44" fill="hold">
+                            <p:stCondLst>
+                              <p:cond delay="0"/>
+                            </p:stCondLst>
+                            <p:childTnLst>
+                              <p:par>
+                                <p:cTn id="45" presetID="10" presetClass="entr" presetSubtype="0" fill="hold" grpId="0" nodeType="clickEffect">
+                                  <p:stCondLst>
+                                    <p:cond delay="0"/>
+                                  </p:stCondLst>
+                                  <p:childTnLst>
+                                    <p:set>
+                                      <p:cBhvr>
+                                        <p:cTn id="46" dur="1" fill="hold">
+                                          <p:stCondLst>
+                                            <p:cond delay="0"/>
+                                          </p:stCondLst>
+                                        </p:cTn>
+                                        <p:tgtEl>
+                                          <p:spTgt spid="3">
+                                            <p:txEl>
+                                              <p:pRg st="8" end="8"/>
+                                            </p:txEl>
+                                          </p:spTgt>
+                                        </p:tgtEl>
+                                        <p:attrNameLst>
+                                          <p:attrName>style.visibility</p:attrName>
+                                        </p:attrNameLst>
+                                      </p:cBhvr>
+                                      <p:to>
+                                        <p:strVal val="visible"/>
+                                      </p:to>
+                                    </p:set>
+                                    <p:animEffect transition="in" filter="fade">
+                                      <p:cBhvr>
+                                        <p:cTn id="47" dur="500"/>
+                                        <p:tgtEl>
+                                          <p:spTgt spid="3">
+                                            <p:txEl>
+                                              <p:pRg st="8" end="8"/>
+                                            </p:txEl>
+                                          </p:spTgt>
+                                        </p:tgtEl>
+                                      </p:cBhvr>
+                                    </p:animEffect>
+                                  </p:childTnLst>
+                                </p:cTn>
+                              </p:par>
+                            </p:childTnLst>
+                          </p:cTn>
+                        </p:par>
+                      </p:childTnLst>
+                    </p:cTn>
+                  </p:par>
+                </p:childTnLst>
+              </p:cTn>
+              <p:prevCondLst>
+                <p:cond evt="onPrev" delay="0">
+                  <p:tgtEl>
+                    <p:sldTgt/>
+                  </p:tgtEl>
+                </p:cond>
+              </p:prevCondLst>
+              <p:nextCondLst>
+                <p:cond evt="onNext" delay="0">
+                  <p:tgtEl>
+                    <p:sldTgt/>
+                  </p:tgtEl>
+                </p:cond>
+              </p:nextCondLst>
+            </p:seq>
+          </p:childTnLst>
+        </p:cTn>
+      </p:par>
+    </p:tnLst>
+    <p:bldLst>
+      <p:bldP spid="3" grpId="0" build="p"/>
+    </p:bldLst>
+  </p:timing>
+</p:sld>
+</file>
+
+<file path=ppt/slides/slide7.xml><?xml version="1.0" encoding="utf-8"?>
+<p:sld xmlns:a="http://schemas.openxmlformats.org/drawingml/2006/main" xmlns:r="http://schemas.openxmlformats.org/officeDocument/2006/relationships" xmlns:p="http://schemas.openxmlformats.org/presentationml/2006/main">
+  <p:cSld>
+    <p:spTree>
+      <p:nvGrpSpPr>
+        <p:cNvPr id="1" name=""/>
+        <p:cNvGrpSpPr/>
+        <p:nvPr/>
+      </p:nvGrpSpPr>
+      <p:grpSpPr>
+        <a:xfrm>
+          <a:off x="0" y="0"/>
+          <a:ext cx="0" cy="0"/>
+          <a:chOff x="0" y="0"/>
+          <a:chExt cx="0" cy="0"/>
+        </a:xfrm>
+      </p:grpSpPr>
+      <p:sp>
+        <p:nvSpPr>
+          <p:cNvPr id="2" name="Title 1"/>
+          <p:cNvSpPr>
+            <a:spLocks noGrp="1"/>
+          </p:cNvSpPr>
+          <p:nvPr>
+            <p:ph type="title"/>
+          </p:nvPr>
+        </p:nvSpPr>
+        <p:spPr/>
+        <p:txBody>
+          <a:bodyPr/>
+          <a:lstStyle/>
+          <a:p>
+            <a:r>
+              <a:rPr lang="en-US" dirty="0"/>
+              <a:t>Architecture</a:t>
+            </a:r>
+          </a:p>
+        </p:txBody>
+      </p:sp>
+      <p:graphicFrame>
+        <p:nvGraphicFramePr>
+          <p:cNvPr id="7" name="Content Placeholder 6"/>
+          <p:cNvGraphicFramePr>
+            <a:graphicFrameLocks noGrp="1"/>
+          </p:cNvGraphicFramePr>
+          <p:nvPr>
+            <p:ph idx="1"/>
+            <p:extLst>
+              <p:ext uri="{D42A27DB-BD31-4B8C-83A1-F6EECF244321}">
+                <p14:modId xmlns:p14="http://schemas.microsoft.com/office/powerpoint/2010/main" val="243111306"/>
+              </p:ext>
+            </p:extLst>
+          </p:nvPr>
+        </p:nvGraphicFramePr>
+        <p:xfrm>
+          <a:off x="1279545" y="1765398"/>
+          <a:ext cx="7392246" cy="3779967"/>
+        </p:xfrm>
+        <a:graphic>
+          <a:graphicData uri="http://schemas.openxmlformats.org/drawingml/2006/diagram">
+            <dgm:relIds xmlns:dgm="http://schemas.openxmlformats.org/drawingml/2006/diagram" xmlns:r="http://schemas.openxmlformats.org/officeDocument/2006/relationships" r:dm="rId2" r:lo="rId3" r:qs="rId4" r:cs="rId5"/>
+          </a:graphicData>
+        </a:graphic>
+      </p:graphicFrame>
+      <p:sp>
+        <p:nvSpPr>
+          <p:cNvPr id="4" name="Date Placeholder 3"/>
+          <p:cNvSpPr>
+            <a:spLocks noGrp="1"/>
+          </p:cNvSpPr>
+          <p:nvPr>
+            <p:ph type="dt" sz="half" idx="10"/>
+          </p:nvPr>
+        </p:nvSpPr>
+        <p:spPr/>
+        <p:txBody>
+          <a:bodyPr/>
+          <a:lstStyle/>
+          <a:p>
+            <a:fld id="{5441D31A-35F7-4224-85D0-6CA06F077EDF}" type="datetime1">
+              <a:rPr lang="fr-FR" smtClean="0"/>
+              <a:t>16/03/2016</a:t>
             </a:fld>
             <a:endParaRPr lang="en-US"/>
           </a:p>
@@ -30053,13 +36424,362 @@
     </p:spTree>
     <p:extLst>
       <p:ext uri="{BB962C8B-B14F-4D97-AF65-F5344CB8AC3E}">
-        <p14:creationId xmlns:p14="http://schemas.microsoft.com/office/powerpoint/2010/main" val="4227856211"/>
+        <p14:creationId xmlns:p14="http://schemas.microsoft.com/office/powerpoint/2010/main" val="3964933128"/>
       </p:ext>
     </p:extLst>
   </p:cSld>
   <p:clrMapOvr>
     <a:masterClrMapping/>
   </p:clrMapOvr>
+  <p:timing>
+    <p:tnLst>
+      <p:par>
+        <p:cTn id="1" dur="indefinite" restart="never" nodeType="tmRoot">
+          <p:childTnLst>
+            <p:seq concurrent="1" nextAc="seek">
+              <p:cTn id="2" dur="indefinite" nodeType="mainSeq">
+                <p:childTnLst>
+                  <p:par>
+                    <p:cTn id="3" fill="hold">
+                      <p:stCondLst>
+                        <p:cond delay="indefinite"/>
+                      </p:stCondLst>
+                      <p:childTnLst>
+                        <p:par>
+                          <p:cTn id="4" fill="hold">
+                            <p:stCondLst>
+                              <p:cond delay="0"/>
+                            </p:stCondLst>
+                            <p:childTnLst>
+                              <p:par>
+                                <p:cTn id="5" presetID="10" presetClass="entr" presetSubtype="0" fill="hold" grpId="0" nodeType="clickEffect">
+                                  <p:stCondLst>
+                                    <p:cond delay="0"/>
+                                  </p:stCondLst>
+                                  <p:childTnLst>
+                                    <p:set>
+                                      <p:cBhvr>
+                                        <p:cTn id="6" dur="1" fill="hold">
+                                          <p:stCondLst>
+                                            <p:cond delay="0"/>
+                                          </p:stCondLst>
+                                        </p:cTn>
+                                        <p:tgtEl>
+                                          <p:spTgt spid="7">
+                                            <p:graphicEl>
+                                              <a:dgm id="{E7D59945-3994-40FE-B76A-07CBB227F618}"/>
+                                            </p:graphicEl>
+                                          </p:spTgt>
+                                        </p:tgtEl>
+                                        <p:attrNameLst>
+                                          <p:attrName>style.visibility</p:attrName>
+                                        </p:attrNameLst>
+                                      </p:cBhvr>
+                                      <p:to>
+                                        <p:strVal val="visible"/>
+                                      </p:to>
+                                    </p:set>
+                                    <p:animEffect transition="in" filter="fade">
+                                      <p:cBhvr>
+                                        <p:cTn id="7" dur="500"/>
+                                        <p:tgtEl>
+                                          <p:spTgt spid="7">
+                                            <p:graphicEl>
+                                              <a:dgm id="{E7D59945-3994-40FE-B76A-07CBB227F618}"/>
+                                            </p:graphicEl>
+                                          </p:spTgt>
+                                        </p:tgtEl>
+                                      </p:cBhvr>
+                                    </p:animEffect>
+                                  </p:childTnLst>
+                                </p:cTn>
+                              </p:par>
+                              <p:par>
+                                <p:cTn id="8" presetID="10" presetClass="entr" presetSubtype="0" fill="hold" grpId="0" nodeType="withEffect">
+                                  <p:stCondLst>
+                                    <p:cond delay="0"/>
+                                  </p:stCondLst>
+                                  <p:childTnLst>
+                                    <p:set>
+                                      <p:cBhvr>
+                                        <p:cTn id="9" dur="1" fill="hold">
+                                          <p:stCondLst>
+                                            <p:cond delay="0"/>
+                                          </p:stCondLst>
+                                        </p:cTn>
+                                        <p:tgtEl>
+                                          <p:spTgt spid="7">
+                                            <p:graphicEl>
+                                              <a:dgm id="{3B2BF4FD-C391-45DA-8EEC-50B3D5A7D33A}"/>
+                                            </p:graphicEl>
+                                          </p:spTgt>
+                                        </p:tgtEl>
+                                        <p:attrNameLst>
+                                          <p:attrName>style.visibility</p:attrName>
+                                        </p:attrNameLst>
+                                      </p:cBhvr>
+                                      <p:to>
+                                        <p:strVal val="visible"/>
+                                      </p:to>
+                                    </p:set>
+                                    <p:animEffect transition="in" filter="fade">
+                                      <p:cBhvr>
+                                        <p:cTn id="10" dur="500"/>
+                                        <p:tgtEl>
+                                          <p:spTgt spid="7">
+                                            <p:graphicEl>
+                                              <a:dgm id="{3B2BF4FD-C391-45DA-8EEC-50B3D5A7D33A}"/>
+                                            </p:graphicEl>
+                                          </p:spTgt>
+                                        </p:tgtEl>
+                                      </p:cBhvr>
+                                    </p:animEffect>
+                                  </p:childTnLst>
+                                </p:cTn>
+                              </p:par>
+                            </p:childTnLst>
+                          </p:cTn>
+                        </p:par>
+                      </p:childTnLst>
+                    </p:cTn>
+                  </p:par>
+                  <p:par>
+                    <p:cTn id="11" fill="hold">
+                      <p:stCondLst>
+                        <p:cond delay="indefinite"/>
+                      </p:stCondLst>
+                      <p:childTnLst>
+                        <p:par>
+                          <p:cTn id="12" fill="hold">
+                            <p:stCondLst>
+                              <p:cond delay="0"/>
+                            </p:stCondLst>
+                            <p:childTnLst>
+                              <p:par>
+                                <p:cTn id="13" presetID="10" presetClass="entr" presetSubtype="0" fill="hold" grpId="0" nodeType="clickEffect">
+                                  <p:stCondLst>
+                                    <p:cond delay="0"/>
+                                  </p:stCondLst>
+                                  <p:childTnLst>
+                                    <p:set>
+                                      <p:cBhvr>
+                                        <p:cTn id="14" dur="1" fill="hold">
+                                          <p:stCondLst>
+                                            <p:cond delay="0"/>
+                                          </p:stCondLst>
+                                        </p:cTn>
+                                        <p:tgtEl>
+                                          <p:spTgt spid="7">
+                                            <p:graphicEl>
+                                              <a:dgm id="{F56982A3-92F7-4949-B7DF-633EDAF18C81}"/>
+                                            </p:graphicEl>
+                                          </p:spTgt>
+                                        </p:tgtEl>
+                                        <p:attrNameLst>
+                                          <p:attrName>style.visibility</p:attrName>
+                                        </p:attrNameLst>
+                                      </p:cBhvr>
+                                      <p:to>
+                                        <p:strVal val="visible"/>
+                                      </p:to>
+                                    </p:set>
+                                    <p:animEffect transition="in" filter="fade">
+                                      <p:cBhvr>
+                                        <p:cTn id="15" dur="500"/>
+                                        <p:tgtEl>
+                                          <p:spTgt spid="7">
+                                            <p:graphicEl>
+                                              <a:dgm id="{F56982A3-92F7-4949-B7DF-633EDAF18C81}"/>
+                                            </p:graphicEl>
+                                          </p:spTgt>
+                                        </p:tgtEl>
+                                      </p:cBhvr>
+                                    </p:animEffect>
+                                  </p:childTnLst>
+                                </p:cTn>
+                              </p:par>
+                              <p:par>
+                                <p:cTn id="16" presetID="10" presetClass="entr" presetSubtype="0" fill="hold" grpId="0" nodeType="withEffect">
+                                  <p:stCondLst>
+                                    <p:cond delay="0"/>
+                                  </p:stCondLst>
+                                  <p:childTnLst>
+                                    <p:set>
+                                      <p:cBhvr>
+                                        <p:cTn id="17" dur="1" fill="hold">
+                                          <p:stCondLst>
+                                            <p:cond delay="0"/>
+                                          </p:stCondLst>
+                                        </p:cTn>
+                                        <p:tgtEl>
+                                          <p:spTgt spid="7">
+                                            <p:graphicEl>
+                                              <a:dgm id="{A81435B0-AE1C-4F25-A77B-12766F8CD31A}"/>
+                                            </p:graphicEl>
+                                          </p:spTgt>
+                                        </p:tgtEl>
+                                        <p:attrNameLst>
+                                          <p:attrName>style.visibility</p:attrName>
+                                        </p:attrNameLst>
+                                      </p:cBhvr>
+                                      <p:to>
+                                        <p:strVal val="visible"/>
+                                      </p:to>
+                                    </p:set>
+                                    <p:animEffect transition="in" filter="fade">
+                                      <p:cBhvr>
+                                        <p:cTn id="18" dur="500"/>
+                                        <p:tgtEl>
+                                          <p:spTgt spid="7">
+                                            <p:graphicEl>
+                                              <a:dgm id="{A81435B0-AE1C-4F25-A77B-12766F8CD31A}"/>
+                                            </p:graphicEl>
+                                          </p:spTgt>
+                                        </p:tgtEl>
+                                      </p:cBhvr>
+                                    </p:animEffect>
+                                  </p:childTnLst>
+                                </p:cTn>
+                              </p:par>
+                            </p:childTnLst>
+                          </p:cTn>
+                        </p:par>
+                      </p:childTnLst>
+                    </p:cTn>
+                  </p:par>
+                  <p:par>
+                    <p:cTn id="19" fill="hold">
+                      <p:stCondLst>
+                        <p:cond delay="indefinite"/>
+                      </p:stCondLst>
+                      <p:childTnLst>
+                        <p:par>
+                          <p:cTn id="20" fill="hold">
+                            <p:stCondLst>
+                              <p:cond delay="0"/>
+                            </p:stCondLst>
+                            <p:childTnLst>
+                              <p:par>
+                                <p:cTn id="21" presetID="10" presetClass="entr" presetSubtype="0" fill="hold" grpId="0" nodeType="clickEffect">
+                                  <p:stCondLst>
+                                    <p:cond delay="0"/>
+                                  </p:stCondLst>
+                                  <p:childTnLst>
+                                    <p:set>
+                                      <p:cBhvr>
+                                        <p:cTn id="22" dur="1" fill="hold">
+                                          <p:stCondLst>
+                                            <p:cond delay="0"/>
+                                          </p:stCondLst>
+                                        </p:cTn>
+                                        <p:tgtEl>
+                                          <p:spTgt spid="7">
+                                            <p:graphicEl>
+                                              <a:dgm id="{A7862A87-9EA8-4E2E-BB86-39F60F8EEA5F}"/>
+                                            </p:graphicEl>
+                                          </p:spTgt>
+                                        </p:tgtEl>
+                                        <p:attrNameLst>
+                                          <p:attrName>style.visibility</p:attrName>
+                                        </p:attrNameLst>
+                                      </p:cBhvr>
+                                      <p:to>
+                                        <p:strVal val="visible"/>
+                                      </p:to>
+                                    </p:set>
+                                    <p:animEffect transition="in" filter="fade">
+                                      <p:cBhvr>
+                                        <p:cTn id="23" dur="500"/>
+                                        <p:tgtEl>
+                                          <p:spTgt spid="7">
+                                            <p:graphicEl>
+                                              <a:dgm id="{A7862A87-9EA8-4E2E-BB86-39F60F8EEA5F}"/>
+                                            </p:graphicEl>
+                                          </p:spTgt>
+                                        </p:tgtEl>
+                                      </p:cBhvr>
+                                    </p:animEffect>
+                                  </p:childTnLst>
+                                </p:cTn>
+                              </p:par>
+                              <p:par>
+                                <p:cTn id="24" presetID="10" presetClass="entr" presetSubtype="0" fill="hold" grpId="0" nodeType="withEffect">
+                                  <p:stCondLst>
+                                    <p:cond delay="0"/>
+                                  </p:stCondLst>
+                                  <p:childTnLst>
+                                    <p:set>
+                                      <p:cBhvr>
+                                        <p:cTn id="25" dur="1" fill="hold">
+                                          <p:stCondLst>
+                                            <p:cond delay="0"/>
+                                          </p:stCondLst>
+                                        </p:cTn>
+                                        <p:tgtEl>
+                                          <p:spTgt spid="7">
+                                            <p:graphicEl>
+                                              <a:dgm id="{BA045687-1389-48F5-B145-7E2B66C12323}"/>
+                                            </p:graphicEl>
+                                          </p:spTgt>
+                                        </p:tgtEl>
+                                        <p:attrNameLst>
+                                          <p:attrName>style.visibility</p:attrName>
+                                        </p:attrNameLst>
+                                      </p:cBhvr>
+                                      <p:to>
+                                        <p:strVal val="visible"/>
+                                      </p:to>
+                                    </p:set>
+                                    <p:animEffect transition="in" filter="fade">
+                                      <p:cBhvr>
+                                        <p:cTn id="26" dur="500"/>
+                                        <p:tgtEl>
+                                          <p:spTgt spid="7">
+                                            <p:graphicEl>
+                                              <a:dgm id="{BA045687-1389-48F5-B145-7E2B66C12323}"/>
+                                            </p:graphicEl>
+                                          </p:spTgt>
+                                        </p:tgtEl>
+                                      </p:cBhvr>
+                                    </p:animEffect>
+                                  </p:childTnLst>
+                                </p:cTn>
+                              </p:par>
+                            </p:childTnLst>
+                          </p:cTn>
+                        </p:par>
+                      </p:childTnLst>
+                    </p:cTn>
+                  </p:par>
+                </p:childTnLst>
+              </p:cTn>
+              <p:prevCondLst>
+                <p:cond evt="onPrev" delay="0">
+                  <p:tgtEl>
+                    <p:sldTgt/>
+                  </p:tgtEl>
+                </p:cond>
+              </p:prevCondLst>
+              <p:nextCondLst>
+                <p:cond evt="onNext" delay="0">
+                  <p:tgtEl>
+                    <p:sldTgt/>
+                  </p:tgtEl>
+                </p:cond>
+              </p:nextCondLst>
+            </p:seq>
+          </p:childTnLst>
+        </p:cTn>
+      </p:par>
+    </p:tnLst>
+    <p:bldLst>
+      <p:bldGraphic spid="7" grpId="0">
+        <p:bldSub>
+          <a:bldDgm bld="one"/>
+        </p:bldSub>
+      </p:bldGraphic>
+    </p:bldLst>
+  </p:timing>
 </p:sld>
 </file>
 
@@ -30097,36 +36817,97 @@
           <a:p>
             <a:r>
               <a:rPr lang="en-US" dirty="0"/>
-              <a:t>Architecture</a:t>
+              <a:t>Android et Linux</a:t>
             </a:r>
           </a:p>
         </p:txBody>
       </p:sp>
-      <p:graphicFrame>
-        <p:nvGraphicFramePr>
-          <p:cNvPr id="7" name="Content Placeholder 6"/>
-          <p:cNvGraphicFramePr>
-            <a:graphicFrameLocks noGrp="1"/>
-          </p:cNvGraphicFramePr>
+      <p:sp>
+        <p:nvSpPr>
+          <p:cNvPr id="3" name="Content Placeholder 2"/>
+          <p:cNvSpPr>
+            <a:spLocks noGrp="1"/>
+          </p:cNvSpPr>
           <p:nvPr>
             <p:ph idx="1"/>
-            <p:extLst>
-              <p:ext uri="{D42A27DB-BD31-4B8C-83A1-F6EECF244321}">
-                <p14:modId xmlns:p14="http://schemas.microsoft.com/office/powerpoint/2010/main" val="159569526"/>
-              </p:ext>
-            </p:extLst>
           </p:nvPr>
-        </p:nvGraphicFramePr>
-        <p:xfrm>
-          <a:off x="1279545" y="1765398"/>
-          <a:ext cx="7392246" cy="3779967"/>
-        </p:xfrm>
-        <a:graphic>
-          <a:graphicData uri="http://schemas.openxmlformats.org/drawingml/2006/diagram">
-            <dgm:relIds xmlns:dgm="http://schemas.openxmlformats.org/drawingml/2006/diagram" xmlns:r="http://schemas.openxmlformats.org/officeDocument/2006/relationships" r:dm="rId2" r:lo="rId3" r:qs="rId4" r:cs="rId5"/>
-          </a:graphicData>
-        </a:graphic>
-      </p:graphicFrame>
+        </p:nvSpPr>
+        <p:spPr/>
+        <p:txBody>
+          <a:bodyPr>
+            <a:noAutofit/>
+          </a:bodyPr>
+          <a:lstStyle/>
+          <a:p>
+            <a:r>
+              <a:rPr lang="fr-FR" sz="2400" dirty="0"/>
+              <a:t>Android est un système basé sur Linux mais</a:t>
+            </a:r>
+          </a:p>
+          <a:p>
+            <a:pPr lvl="1"/>
+            <a:r>
+              <a:rPr lang="fr-FR" sz="2000" dirty="0"/>
+              <a:t>Il a été beaucoup modifié</a:t>
+            </a:r>
+          </a:p>
+          <a:p>
+            <a:pPr lvl="1"/>
+            <a:r>
+              <a:rPr lang="fr-FR" sz="2000" dirty="0"/>
+              <a:t>GNU/Linux ne convient pas aux appareils mobiles. Android n'est pas un OS GNU/Linux</a:t>
+            </a:r>
+          </a:p>
+          <a:p>
+            <a:r>
+              <a:rPr lang="fr-FR" sz="2400" dirty="0"/>
+              <a:t>Difficulté de porter les applications Linux</a:t>
+            </a:r>
+          </a:p>
+          <a:p>
+            <a:r>
+              <a:rPr lang="fr-FR" sz="2400" dirty="0"/>
+              <a:t>Java VM != </a:t>
+            </a:r>
+            <a:r>
+              <a:rPr lang="fr-FR" sz="2400" dirty="0" err="1"/>
+              <a:t>Dalvik</a:t>
+            </a:r>
+            <a:r>
+              <a:rPr lang="fr-FR" sz="2400" dirty="0"/>
+              <a:t> VM</a:t>
+            </a:r>
+          </a:p>
+          <a:p>
+            <a:r>
+              <a:rPr lang="fr-FR" sz="2400" dirty="0"/>
+              <a:t>.</a:t>
+            </a:r>
+            <a:r>
+              <a:rPr lang="fr-FR" sz="2400" dirty="0" err="1"/>
+              <a:t>dex</a:t>
+            </a:r>
+            <a:r>
+              <a:rPr lang="fr-FR" sz="2400" dirty="0"/>
+              <a:t> est adapté pour les systèmes qui sont limités en:</a:t>
+            </a:r>
+          </a:p>
+          <a:p>
+            <a:pPr lvl="1"/>
+            <a:r>
+              <a:rPr lang="fr-FR" sz="2000" dirty="0"/>
+              <a:t>mémoire</a:t>
+            </a:r>
+          </a:p>
+          <a:p>
+            <a:pPr lvl="1"/>
+            <a:r>
+              <a:rPr lang="fr-FR" sz="2000" dirty="0"/>
+              <a:t>vitesse d'exécution du processeur</a:t>
+            </a:r>
+          </a:p>
+        </p:txBody>
+      </p:sp>
       <p:sp>
         <p:nvSpPr>
           <p:cNvPr id="4" name="Date Placeholder 3"/>
@@ -30142,11 +36923,12 @@
           <a:bodyPr/>
           <a:lstStyle/>
           <a:p>
-            <a:fld id="{5441D31A-35F7-4224-85D0-6CA06F077EDF}" type="datetime1">
+            <a:fld id="{CD77EECE-1F8F-4EFB-897C-4B2C2CB114C6}" type="datetime1">
               <a:rPr lang="fr-FR" smtClean="0"/>
-              <a:t>13/03/2016</a:t>
+              <a:pPr/>
+              <a:t>16/03/2016</a:t>
             </a:fld>
-            <a:endParaRPr lang="en-US"/>
+            <a:endParaRPr lang="en-US" dirty="0"/>
           </a:p>
         </p:txBody>
       </p:sp>
@@ -30190,16 +36972,17 @@
           <a:p>
             <a:fld id="{BA2DA46E-DB81-44BF-AEE2-1A0B022EF716}" type="slidenum">
               <a:rPr lang="en-US" smtClean="0"/>
+              <a:pPr/>
               <a:t>8</a:t>
             </a:fld>
-            <a:endParaRPr lang="en-US"/>
+            <a:endParaRPr lang="en-US" dirty="0"/>
           </a:p>
         </p:txBody>
       </p:sp>
     </p:spTree>
     <p:extLst>
       <p:ext uri="{BB962C8B-B14F-4D97-AF65-F5344CB8AC3E}">
-        <p14:creationId xmlns:p14="http://schemas.microsoft.com/office/powerpoint/2010/main" val="3964933128"/>
+        <p14:creationId xmlns:p14="http://schemas.microsoft.com/office/powerpoint/2010/main" val="730747896"/>
       </p:ext>
     </p:extLst>
   </p:cSld>
@@ -30242,37 +37025,35 @@
           <a:lstStyle/>
           <a:p>
             <a:r>
-              <a:rPr lang="fr-FR" dirty="0"/>
-              <a:t>Architecture - Pile logicielle</a:t>
+              <a:rPr lang="en-US" dirty="0" err="1"/>
+              <a:t>Dalvik</a:t>
             </a:r>
+            <a:endParaRPr lang="en-US" dirty="0"/>
           </a:p>
         </p:txBody>
       </p:sp>
-      <p:graphicFrame>
-        <p:nvGraphicFramePr>
-          <p:cNvPr id="4" name="Diagram 3"/>
-          <p:cNvGraphicFramePr/>
-          <p:nvPr>
-            <p:extLst>
-              <p:ext uri="{D42A27DB-BD31-4B8C-83A1-F6EECF244321}">
-                <p14:modId xmlns:p14="http://schemas.microsoft.com/office/powerpoint/2010/main" val="2184007370"/>
-              </p:ext>
-            </p:extLst>
-          </p:nvPr>
-        </p:nvGraphicFramePr>
-        <p:xfrm>
-          <a:off x="677333" y="1419726"/>
-          <a:ext cx="8695267" cy="4621636"/>
-        </p:xfrm>
-        <a:graphic>
-          <a:graphicData uri="http://schemas.openxmlformats.org/drawingml/2006/diagram">
-            <dgm:relIds xmlns:dgm="http://schemas.openxmlformats.org/drawingml/2006/diagram" xmlns:r="http://schemas.openxmlformats.org/officeDocument/2006/relationships" r:dm="rId2" r:lo="rId3" r:qs="rId4" r:cs="rId5"/>
-          </a:graphicData>
-        </a:graphic>
-      </p:graphicFrame>
       <p:sp>
         <p:nvSpPr>
-          <p:cNvPr id="5" name="Date Placeholder 4"/>
+          <p:cNvPr id="3" name="Content Placeholder 2"/>
+          <p:cNvSpPr>
+            <a:spLocks noGrp="1"/>
+          </p:cNvSpPr>
+          <p:nvPr>
+            <p:ph idx="1"/>
+          </p:nvPr>
+        </p:nvSpPr>
+        <p:spPr/>
+        <p:txBody>
+          <a:bodyPr/>
+          <a:lstStyle/>
+          <a:p>
+            <a:endParaRPr lang="en-US"/>
+          </a:p>
+        </p:txBody>
+      </p:sp>
+      <p:sp>
+        <p:nvSpPr>
+          <p:cNvPr id="4" name="Date Placeholder 3"/>
           <p:cNvSpPr>
             <a:spLocks noGrp="1"/>
           </p:cNvSpPr>
@@ -30285,17 +37066,18 @@
           <a:bodyPr/>
           <a:lstStyle/>
           <a:p>
-            <a:fld id="{062D72EB-0C3F-4CCC-A73C-9A65FD84E9FA}" type="datetime1">
+            <a:fld id="{CD77EECE-1F8F-4EFB-897C-4B2C2CB114C6}" type="datetime1">
               <a:rPr lang="fr-FR" smtClean="0"/>
-              <a:t>13/03/2016</a:t>
+              <a:pPr/>
+              <a:t>16/03/2016</a:t>
             </a:fld>
-            <a:endParaRPr lang="en-US"/>
+            <a:endParaRPr lang="en-US" dirty="0"/>
           </a:p>
         </p:txBody>
       </p:sp>
       <p:sp>
         <p:nvSpPr>
-          <p:cNvPr id="6" name="Footer Placeholder 5"/>
+          <p:cNvPr id="5" name="Footer Placeholder 4"/>
           <p:cNvSpPr>
             <a:spLocks noGrp="1"/>
           </p:cNvSpPr>
@@ -30318,7 +37100,7 @@
       </p:sp>
       <p:sp>
         <p:nvSpPr>
-          <p:cNvPr id="7" name="Slide Number Placeholder 6"/>
+          <p:cNvPr id="6" name="Slide Number Placeholder 5"/>
           <p:cNvSpPr>
             <a:spLocks noGrp="1"/>
           </p:cNvSpPr>
@@ -30333,16 +37115,17 @@
           <a:p>
             <a:fld id="{BA2DA46E-DB81-44BF-AEE2-1A0B022EF716}" type="slidenum">
               <a:rPr lang="en-US" smtClean="0"/>
+              <a:pPr/>
               <a:t>9</a:t>
             </a:fld>
-            <a:endParaRPr lang="en-US"/>
+            <a:endParaRPr lang="en-US" dirty="0"/>
           </a:p>
         </p:txBody>
       </p:sp>
     </p:spTree>
     <p:extLst>
       <p:ext uri="{BB962C8B-B14F-4D97-AF65-F5344CB8AC3E}">
-        <p14:creationId xmlns:p14="http://schemas.microsoft.com/office/powerpoint/2010/main" val="990097029"/>
+        <p14:creationId xmlns:p14="http://schemas.microsoft.com/office/powerpoint/2010/main" val="3080857116"/>
       </p:ext>
     </p:extLst>
   </p:cSld>

--- a/Android.pptx
+++ b/Android.pptx
@@ -16,18 +16,18 @@
     <p:sldId id="261" r:id="rId7"/>
     <p:sldId id="262" r:id="rId8"/>
     <p:sldId id="274" r:id="rId9"/>
-    <p:sldId id="275" r:id="rId10"/>
-    <p:sldId id="263" r:id="rId11"/>
-    <p:sldId id="264" r:id="rId12"/>
+    <p:sldId id="263" r:id="rId10"/>
+    <p:sldId id="264" r:id="rId11"/>
+    <p:sldId id="275" r:id="rId12"/>
     <p:sldId id="265" r:id="rId13"/>
-    <p:sldId id="266" r:id="rId14"/>
-    <p:sldId id="268" r:id="rId15"/>
-    <p:sldId id="272" r:id="rId16"/>
-    <p:sldId id="267" r:id="rId17"/>
-    <p:sldId id="271" r:id="rId18"/>
-    <p:sldId id="277" r:id="rId19"/>
-    <p:sldId id="273" r:id="rId20"/>
-    <p:sldId id="276" r:id="rId21"/>
+    <p:sldId id="268" r:id="rId14"/>
+    <p:sldId id="272" r:id="rId15"/>
+    <p:sldId id="267" r:id="rId16"/>
+    <p:sldId id="271" r:id="rId17"/>
+    <p:sldId id="277" r:id="rId18"/>
+    <p:sldId id="273" r:id="rId19"/>
+    <p:sldId id="276" r:id="rId20"/>
+    <p:sldId id="278" r:id="rId21"/>
   </p:sldIdLst>
   <p:sldSz cx="12192000" cy="6858000"/>
   <p:notesSz cx="6858000" cy="9144000"/>
@@ -22564,7 +22564,7 @@
           <a:p>
             <a:fld id="{FFE4F810-24D6-452B-9812-AA3DC03AE9D7}" type="datetimeFigureOut">
               <a:rPr lang="en-US" smtClean="0"/>
-              <a:t>3/16/2016</a:t>
+              <a:t>3/22/2016</a:t>
             </a:fld>
             <a:endParaRPr lang="en-US"/>
           </a:p>
@@ -22980,7 +22980,7 @@
           <a:p>
             <a:fld id="{0B1F3133-A7CF-4F36-885F-4377E195CD39}" type="slidenum">
               <a:rPr lang="en-US" smtClean="0"/>
-              <a:t>11</a:t>
+              <a:t>10</a:t>
             </a:fld>
             <a:endParaRPr lang="en-US"/>
           </a:p>
@@ -23727,7 +23727,7 @@
           <a:p>
             <a:fld id="{B5DD6361-C92D-4C5A-8B9C-FCEBB59FD080}" type="datetime1">
               <a:rPr lang="fr-FR" smtClean="0"/>
-              <a:t>16/03/2016</a:t>
+              <a:t>22/03/2016</a:t>
             </a:fld>
             <a:endParaRPr lang="en-US"/>
           </a:p>
@@ -23981,7 +23981,7 @@
           <a:p>
             <a:fld id="{3B1E6D9C-B5EE-40ED-959D-BE3A5D91F381}" type="datetime1">
               <a:rPr lang="fr-FR" smtClean="0"/>
-              <a:t>16/03/2016</a:t>
+              <a:t>22/03/2016</a:t>
             </a:fld>
             <a:endParaRPr lang="en-US"/>
           </a:p>
@@ -24298,7 +24298,7 @@
           <a:p>
             <a:fld id="{6E0AD30E-3312-4E9F-8A9B-D0ECAA0451DF}" type="datetime1">
               <a:rPr lang="fr-FR" smtClean="0"/>
-              <a:t>16/03/2016</a:t>
+              <a:t>22/03/2016</a:t>
             </a:fld>
             <a:endParaRPr lang="en-US"/>
           </a:p>
@@ -24642,7 +24642,7 @@
           <a:p>
             <a:fld id="{A89AB6BA-520A-4EBB-9D1F-A279C36AE225}" type="datetime1">
               <a:rPr lang="fr-FR" smtClean="0"/>
-              <a:t>16/03/2016</a:t>
+              <a:t>22/03/2016</a:t>
             </a:fld>
             <a:endParaRPr lang="en-US"/>
           </a:p>
@@ -24959,7 +24959,7 @@
           <a:p>
             <a:fld id="{61CCE366-E508-4365-A528-81810D997FF5}" type="datetime1">
               <a:rPr lang="fr-FR" smtClean="0"/>
-              <a:t>16/03/2016</a:t>
+              <a:t>22/03/2016</a:t>
             </a:fld>
             <a:endParaRPr lang="en-US"/>
           </a:p>
@@ -25355,7 +25355,7 @@
           <a:p>
             <a:fld id="{18535201-E68E-4629-B363-B4EC6B079F97}" type="datetime1">
               <a:rPr lang="fr-FR" smtClean="0"/>
-              <a:t>16/03/2016</a:t>
+              <a:t>22/03/2016</a:t>
             </a:fld>
             <a:endParaRPr lang="en-US"/>
           </a:p>
@@ -25528,7 +25528,7 @@
           <a:p>
             <a:fld id="{FAB0AFE1-2E12-4791-9791-6BCCB5973D1A}" type="datetime1">
               <a:rPr lang="fr-FR" smtClean="0"/>
-              <a:t>16/03/2016</a:t>
+              <a:t>22/03/2016</a:t>
             </a:fld>
             <a:endParaRPr lang="en-US"/>
           </a:p>
@@ -25711,7 +25711,7 @@
           <a:p>
             <a:fld id="{32C5EF55-AC71-4705-8FB2-0BF87D33A324}" type="datetime1">
               <a:rPr lang="fr-FR" smtClean="0"/>
-              <a:t>16/03/2016</a:t>
+              <a:t>22/03/2016</a:t>
             </a:fld>
             <a:endParaRPr lang="en-US"/>
           </a:p>
@@ -25916,7 +25916,7 @@
             <a:fld id="{CD77EECE-1F8F-4EFB-897C-4B2C2CB114C6}" type="datetime1">
               <a:rPr lang="fr-FR" smtClean="0"/>
               <a:pPr/>
-              <a:t>16/03/2016</a:t>
+              <a:t>22/03/2016</a:t>
             </a:fld>
             <a:endParaRPr lang="en-US" dirty="0"/>
           </a:p>
@@ -26192,7 +26192,7 @@
             <a:fld id="{CD52FDE6-6905-49BA-9321-7E2D4D45C25F}" type="datetime1">
               <a:rPr lang="fr-FR" smtClean="0"/>
               <a:pPr/>
-              <a:t>16/03/2016</a:t>
+              <a:t>22/03/2016</a:t>
             </a:fld>
             <a:endParaRPr lang="en-US"/>
           </a:p>
@@ -26436,7 +26436,7 @@
           <a:p>
             <a:fld id="{0A86D140-3D2A-4D92-8A3E-2CEF00AB6156}" type="datetime1">
               <a:rPr lang="fr-FR" smtClean="0"/>
-              <a:t>16/03/2016</a:t>
+              <a:t>22/03/2016</a:t>
             </a:fld>
             <a:endParaRPr lang="en-US"/>
           </a:p>
@@ -26813,7 +26813,7 @@
           <a:p>
             <a:fld id="{66110D82-C8F5-4D4A-9582-3CA0635F9328}" type="datetime1">
               <a:rPr lang="fr-FR" smtClean="0"/>
-              <a:t>16/03/2016</a:t>
+              <a:t>22/03/2016</a:t>
             </a:fld>
             <a:endParaRPr lang="en-US"/>
           </a:p>
@@ -26962,7 +26962,7 @@
             <a:fld id="{AB4809BD-7B7C-4B66-9065-D6920523D394}" type="datetime1">
               <a:rPr lang="fr-FR" smtClean="0"/>
               <a:pPr/>
-              <a:t>16/03/2016</a:t>
+              <a:t>22/03/2016</a:t>
             </a:fld>
             <a:endParaRPr lang="en-US"/>
           </a:p>
@@ -27069,7 +27069,7 @@
           <a:p>
             <a:fld id="{16AF6CF5-89ED-4575-91A3-4EB8DEE17208}" type="datetime1">
               <a:rPr lang="fr-FR" smtClean="0"/>
-              <a:t>16/03/2016</a:t>
+              <a:t>22/03/2016</a:t>
             </a:fld>
             <a:endParaRPr lang="en-US"/>
           </a:p>
@@ -27327,7 +27327,7 @@
           <a:p>
             <a:fld id="{05C261E9-2437-42FA-AB8A-1808812EEBCE}" type="datetime1">
               <a:rPr lang="fr-FR" smtClean="0"/>
-              <a:t>16/03/2016</a:t>
+              <a:t>22/03/2016</a:t>
             </a:fld>
             <a:endParaRPr lang="en-US"/>
           </a:p>
@@ -27593,7 +27593,7 @@
           <a:p>
             <a:fld id="{9D9BB8D0-5CB2-4A74-9917-95E881E38BAB}" type="datetime1">
               <a:rPr lang="fr-FR" smtClean="0"/>
-              <a:t>16/03/2016</a:t>
+              <a:t>22/03/2016</a:t>
             </a:fld>
             <a:endParaRPr lang="en-US"/>
           </a:p>
@@ -28339,7 +28339,7 @@
           <a:p>
             <a:fld id="{7EA18BA9-6328-4E4C-BEBF-327C59209EED}" type="datetime1">
               <a:rPr lang="fr-FR" smtClean="0"/>
-              <a:t>16/03/2016</a:t>
+              <a:t>22/03/2016</a:t>
             </a:fld>
             <a:endParaRPr lang="en-US"/>
           </a:p>
@@ -28904,10 +28904,59 @@
           <a:bodyPr/>
           <a:lstStyle/>
           <a:p>
+            <a:r>
+              <a:rPr lang="en-US" dirty="0"/>
+              <a:t>Ihab </a:t>
+            </a:r>
+            <a:r>
+              <a:rPr lang="en-US" dirty="0" err="1"/>
+              <a:t>Berro</a:t>
+            </a:r>
             <a:endParaRPr lang="en-US" dirty="0"/>
           </a:p>
         </p:txBody>
       </p:sp>
+      <p:pic>
+        <p:nvPicPr>
+          <p:cNvPr id="1026" name="Picture 2" descr="http://www.canon.fr/Images/Android-logo_tcm79-1232684.png"/>
+          <p:cNvPicPr>
+            <a:picLocks noChangeAspect="1" noChangeArrowheads="1"/>
+          </p:cNvPicPr>
+          <p:nvPr/>
+        </p:nvPicPr>
+        <p:blipFill>
+          <a:blip r:embed="rId2" cstate="print">
+            <a:extLst>
+              <a:ext uri="{28A0092B-C50C-407E-A947-70E740481C1C}">
+                <a14:useLocalDpi xmlns:a14="http://schemas.microsoft.com/office/drawing/2010/main" val="0"/>
+              </a:ext>
+            </a:extLst>
+          </a:blip>
+          <a:srcRect/>
+          <a:stretch>
+            <a:fillRect/>
+          </a:stretch>
+        </p:blipFill>
+        <p:spPr bwMode="auto">
+          <a:xfrm>
+            <a:off x="1043850" y="1218114"/>
+            <a:ext cx="4019141" cy="4019142"/>
+          </a:xfrm>
+          <a:prstGeom prst="rect">
+            <a:avLst/>
+          </a:prstGeom>
+          <a:noFill/>
+          <a:extLst>
+            <a:ext uri="{909E8E84-426E-40DD-AFC4-6F175D3DCCD1}">
+              <a14:hiddenFill xmlns:a14="http://schemas.microsoft.com/office/drawing/2010/main">
+                <a:solidFill>
+                  <a:srgbClr val="FFFFFF"/>
+                </a:solidFill>
+              </a14:hiddenFill>
+            </a:ext>
+          </a:extLst>
+        </p:spPr>
+      </p:pic>
     </p:spTree>
     <p:extLst>
       <p:ext uri="{BB962C8B-B14F-4D97-AF65-F5344CB8AC3E}">
@@ -28922,149 +28971,6 @@
 </file>
 
 <file path=ppt/slides/slide10.xml><?xml version="1.0" encoding="utf-8"?>
-<p:sld xmlns:a="http://schemas.openxmlformats.org/drawingml/2006/main" xmlns:r="http://schemas.openxmlformats.org/officeDocument/2006/relationships" xmlns:p="http://schemas.openxmlformats.org/presentationml/2006/main">
-  <p:cSld>
-    <p:spTree>
-      <p:nvGrpSpPr>
-        <p:cNvPr id="1" name=""/>
-        <p:cNvGrpSpPr/>
-        <p:nvPr/>
-      </p:nvGrpSpPr>
-      <p:grpSpPr>
-        <a:xfrm>
-          <a:off x="0" y="0"/>
-          <a:ext cx="0" cy="0"/>
-          <a:chOff x="0" y="0"/>
-          <a:chExt cx="0" cy="0"/>
-        </a:xfrm>
-      </p:grpSpPr>
-      <p:sp>
-        <p:nvSpPr>
-          <p:cNvPr id="2" name="Title 1"/>
-          <p:cNvSpPr>
-            <a:spLocks noGrp="1"/>
-          </p:cNvSpPr>
-          <p:nvPr>
-            <p:ph type="title"/>
-          </p:nvPr>
-        </p:nvSpPr>
-        <p:spPr/>
-        <p:txBody>
-          <a:bodyPr/>
-          <a:lstStyle/>
-          <a:p>
-            <a:r>
-              <a:rPr lang="fr-FR" dirty="0"/>
-              <a:t>Architecture - Pile logicielle</a:t>
-            </a:r>
-          </a:p>
-        </p:txBody>
-      </p:sp>
-      <p:graphicFrame>
-        <p:nvGraphicFramePr>
-          <p:cNvPr id="4" name="Diagram 3"/>
-          <p:cNvGraphicFramePr/>
-          <p:nvPr>
-            <p:extLst>
-              <p:ext uri="{D42A27DB-BD31-4B8C-83A1-F6EECF244321}">
-                <p14:modId xmlns:p14="http://schemas.microsoft.com/office/powerpoint/2010/main" val="2184007370"/>
-              </p:ext>
-            </p:extLst>
-          </p:nvPr>
-        </p:nvGraphicFramePr>
-        <p:xfrm>
-          <a:off x="677333" y="1419726"/>
-          <a:ext cx="8695267" cy="4621636"/>
-        </p:xfrm>
-        <a:graphic>
-          <a:graphicData uri="http://schemas.openxmlformats.org/drawingml/2006/diagram">
-            <dgm:relIds xmlns:dgm="http://schemas.openxmlformats.org/drawingml/2006/diagram" xmlns:r="http://schemas.openxmlformats.org/officeDocument/2006/relationships" r:dm="rId2" r:lo="rId3" r:qs="rId4" r:cs="rId5"/>
-          </a:graphicData>
-        </a:graphic>
-      </p:graphicFrame>
-      <p:sp>
-        <p:nvSpPr>
-          <p:cNvPr id="5" name="Date Placeholder 4"/>
-          <p:cNvSpPr>
-            <a:spLocks noGrp="1"/>
-          </p:cNvSpPr>
-          <p:nvPr>
-            <p:ph type="dt" sz="half" idx="10"/>
-          </p:nvPr>
-        </p:nvSpPr>
-        <p:spPr/>
-        <p:txBody>
-          <a:bodyPr/>
-          <a:lstStyle/>
-          <a:p>
-            <a:fld id="{062D72EB-0C3F-4CCC-A73C-9A65FD84E9FA}" type="datetime1">
-              <a:rPr lang="fr-FR" smtClean="0"/>
-              <a:t>16/03/2016</a:t>
-            </a:fld>
-            <a:endParaRPr lang="en-US"/>
-          </a:p>
-        </p:txBody>
-      </p:sp>
-      <p:sp>
-        <p:nvSpPr>
-          <p:cNvPr id="6" name="Footer Placeholder 5"/>
-          <p:cNvSpPr>
-            <a:spLocks noGrp="1"/>
-          </p:cNvSpPr>
-          <p:nvPr>
-            <p:ph type="ftr" sz="quarter" idx="11"/>
-          </p:nvPr>
-        </p:nvSpPr>
-        <p:spPr/>
-        <p:txBody>
-          <a:bodyPr/>
-          <a:lstStyle/>
-          <a:p>
-            <a:r>
-              <a:rPr lang="en-US"/>
-              <a:t>ANDROID – Ihab BERRO</a:t>
-            </a:r>
-            <a:endParaRPr lang="en-US" dirty="0"/>
-          </a:p>
-        </p:txBody>
-      </p:sp>
-      <p:sp>
-        <p:nvSpPr>
-          <p:cNvPr id="7" name="Slide Number Placeholder 6"/>
-          <p:cNvSpPr>
-            <a:spLocks noGrp="1"/>
-          </p:cNvSpPr>
-          <p:nvPr>
-            <p:ph type="sldNum" sz="quarter" idx="12"/>
-          </p:nvPr>
-        </p:nvSpPr>
-        <p:spPr/>
-        <p:txBody>
-          <a:bodyPr/>
-          <a:lstStyle/>
-          <a:p>
-            <a:fld id="{BA2DA46E-DB81-44BF-AEE2-1A0B022EF716}" type="slidenum">
-              <a:rPr lang="en-US" smtClean="0"/>
-              <a:t>10</a:t>
-            </a:fld>
-            <a:endParaRPr lang="en-US"/>
-          </a:p>
-        </p:txBody>
-      </p:sp>
-    </p:spTree>
-    <p:extLst>
-      <p:ext uri="{BB962C8B-B14F-4D97-AF65-F5344CB8AC3E}">
-        <p14:creationId xmlns:p14="http://schemas.microsoft.com/office/powerpoint/2010/main" val="990097029"/>
-      </p:ext>
-    </p:extLst>
-  </p:cSld>
-  <p:clrMapOvr>
-    <a:masterClrMapping/>
-  </p:clrMapOvr>
-</p:sld>
-</file>
-
-<file path=ppt/slides/slide11.xml><?xml version="1.0" encoding="utf-8"?>
 <p:sld xmlns:a="http://schemas.openxmlformats.org/drawingml/2006/main" xmlns:r="http://schemas.openxmlformats.org/officeDocument/2006/relationships" xmlns:p="http://schemas.openxmlformats.org/presentationml/2006/main">
   <p:cSld>
     <p:spTree>
@@ -29120,7 +29026,7 @@
           <a:p>
             <a:fld id="{97A9CFD6-E32B-4B7B-8DA5-04EDA5A7ECDC}" type="datetime1">
               <a:rPr lang="fr-FR" smtClean="0"/>
-              <a:t>16/03/2016</a:t>
+              <a:t>22/03/2016</a:t>
             </a:fld>
             <a:endParaRPr lang="en-US"/>
           </a:p>
@@ -29166,7 +29072,7 @@
           <a:p>
             <a:fld id="{BA2DA46E-DB81-44BF-AEE2-1A0B022EF716}" type="slidenum">
               <a:rPr lang="en-US" smtClean="0"/>
-              <a:t>11</a:t>
+              <a:t>10</a:t>
             </a:fld>
             <a:endParaRPr lang="en-US"/>
           </a:p>
@@ -29220,6 +29126,220 @@
     <p:extLst>
       <p:ext uri="{BB962C8B-B14F-4D97-AF65-F5344CB8AC3E}">
         <p14:creationId xmlns:p14="http://schemas.microsoft.com/office/powerpoint/2010/main" val="3039478905"/>
+      </p:ext>
+    </p:extLst>
+  </p:cSld>
+  <p:clrMapOvr>
+    <a:masterClrMapping/>
+  </p:clrMapOvr>
+</p:sld>
+</file>
+
+<file path=ppt/slides/slide11.xml><?xml version="1.0" encoding="utf-8"?>
+<p:sld xmlns:a="http://schemas.openxmlformats.org/drawingml/2006/main" xmlns:r="http://schemas.openxmlformats.org/officeDocument/2006/relationships" xmlns:p="http://schemas.openxmlformats.org/presentationml/2006/main">
+  <p:cSld>
+    <p:spTree>
+      <p:nvGrpSpPr>
+        <p:cNvPr id="1" name=""/>
+        <p:cNvGrpSpPr/>
+        <p:nvPr/>
+      </p:nvGrpSpPr>
+      <p:grpSpPr>
+        <a:xfrm>
+          <a:off x="0" y="0"/>
+          <a:ext cx="0" cy="0"/>
+          <a:chOff x="0" y="0"/>
+          <a:chExt cx="0" cy="0"/>
+        </a:xfrm>
+      </p:grpSpPr>
+      <p:sp>
+        <p:nvSpPr>
+          <p:cNvPr id="2" name="Title 1"/>
+          <p:cNvSpPr>
+            <a:spLocks noGrp="1"/>
+          </p:cNvSpPr>
+          <p:nvPr>
+            <p:ph type="title"/>
+          </p:nvPr>
+        </p:nvSpPr>
+        <p:spPr/>
+        <p:txBody>
+          <a:bodyPr/>
+          <a:lstStyle/>
+          <a:p>
+            <a:r>
+              <a:rPr lang="en-US" dirty="0" err="1"/>
+              <a:t>Dalvik</a:t>
+            </a:r>
+            <a:endParaRPr lang="en-US" dirty="0"/>
+          </a:p>
+        </p:txBody>
+      </p:sp>
+      <p:sp>
+        <p:nvSpPr>
+          <p:cNvPr id="3" name="Content Placeholder 2"/>
+          <p:cNvSpPr>
+            <a:spLocks noGrp="1"/>
+          </p:cNvSpPr>
+          <p:nvPr>
+            <p:ph idx="1"/>
+          </p:nvPr>
+        </p:nvSpPr>
+        <p:spPr/>
+        <p:txBody>
+          <a:bodyPr>
+            <a:noAutofit/>
+          </a:bodyPr>
+          <a:lstStyle/>
+          <a:p>
+            <a:r>
+              <a:rPr lang="fr-FR" sz="2000" dirty="0"/>
+              <a:t>Une sorte de JVM optimisée pour les systèmes limités en mémoire et en puissance</a:t>
+            </a:r>
+          </a:p>
+          <a:p>
+            <a:r>
+              <a:rPr lang="fr-FR" sz="2000" dirty="0"/>
+              <a:t>Exécute les applications “.</a:t>
+            </a:r>
+            <a:r>
+              <a:rPr lang="fr-FR" sz="2000" dirty="0" err="1"/>
+              <a:t>dex</a:t>
+            </a:r>
+            <a:r>
+              <a:rPr lang="fr-FR" sz="2000" dirty="0"/>
+              <a:t>” compilés par le SDK avec l’outil “dx”</a:t>
+            </a:r>
+          </a:p>
+          <a:p>
+            <a:r>
+              <a:rPr lang="fr-FR" sz="2000" dirty="0"/>
+              <a:t>Optimisée pour être “multi-instance” sur un seul terminal</a:t>
+            </a:r>
+          </a:p>
+          <a:p>
+            <a:r>
+              <a:rPr lang="fr-FR" sz="2000" dirty="0"/>
+              <a:t>Optimisation mémoire</a:t>
+            </a:r>
+          </a:p>
+          <a:p>
+            <a:pPr lvl="1"/>
+            <a:r>
+              <a:rPr lang="fr-FR" sz="1800" dirty="0"/>
+              <a:t>Réutilisation des informations dupliquées dans différentes classes</a:t>
+            </a:r>
+          </a:p>
+          <a:p>
+            <a:pPr lvl="1"/>
+            <a:r>
+              <a:rPr lang="fr-FR" sz="1800" dirty="0"/>
+              <a:t>réduit la taille des fichiers en moitié par rapport à un fichier jar </a:t>
+            </a:r>
+          </a:p>
+          <a:p>
+            <a:r>
+              <a:rPr lang="fr-FR" sz="2000" dirty="0"/>
+              <a:t>Architecture</a:t>
+            </a:r>
+          </a:p>
+          <a:p>
+            <a:pPr lvl="1"/>
+            <a:r>
+              <a:rPr lang="fr-FR" sz="1800" dirty="0"/>
+              <a:t>La JVM est un processeur basé sur la pile</a:t>
+            </a:r>
+          </a:p>
+          <a:p>
+            <a:pPr lvl="1"/>
+            <a:r>
+              <a:rPr lang="fr-FR" sz="1800" dirty="0"/>
+              <a:t>La DVM est une machine à registres illimités</a:t>
+            </a:r>
+          </a:p>
+          <a:p>
+            <a:endParaRPr lang="fr-FR" sz="2000" dirty="0"/>
+          </a:p>
+          <a:p>
+            <a:endParaRPr lang="en-US" sz="2000" dirty="0"/>
+          </a:p>
+        </p:txBody>
+      </p:sp>
+      <p:sp>
+        <p:nvSpPr>
+          <p:cNvPr id="4" name="Date Placeholder 3"/>
+          <p:cNvSpPr>
+            <a:spLocks noGrp="1"/>
+          </p:cNvSpPr>
+          <p:nvPr>
+            <p:ph type="dt" sz="half" idx="10"/>
+          </p:nvPr>
+        </p:nvSpPr>
+        <p:spPr/>
+        <p:txBody>
+          <a:bodyPr/>
+          <a:lstStyle/>
+          <a:p>
+            <a:fld id="{CD77EECE-1F8F-4EFB-897C-4B2C2CB114C6}" type="datetime1">
+              <a:rPr lang="fr-FR" smtClean="0"/>
+              <a:pPr/>
+              <a:t>22/03/2016</a:t>
+            </a:fld>
+            <a:endParaRPr lang="en-US" dirty="0"/>
+          </a:p>
+        </p:txBody>
+      </p:sp>
+      <p:sp>
+        <p:nvSpPr>
+          <p:cNvPr id="5" name="Footer Placeholder 4"/>
+          <p:cNvSpPr>
+            <a:spLocks noGrp="1"/>
+          </p:cNvSpPr>
+          <p:nvPr>
+            <p:ph type="ftr" sz="quarter" idx="11"/>
+          </p:nvPr>
+        </p:nvSpPr>
+        <p:spPr/>
+        <p:txBody>
+          <a:bodyPr/>
+          <a:lstStyle/>
+          <a:p>
+            <a:r>
+              <a:rPr lang="en-US"/>
+              <a:t>ANDROID – Ihab BERRO</a:t>
+            </a:r>
+            <a:endParaRPr lang="en-US" dirty="0"/>
+          </a:p>
+        </p:txBody>
+      </p:sp>
+      <p:sp>
+        <p:nvSpPr>
+          <p:cNvPr id="6" name="Slide Number Placeholder 5"/>
+          <p:cNvSpPr>
+            <a:spLocks noGrp="1"/>
+          </p:cNvSpPr>
+          <p:nvPr>
+            <p:ph type="sldNum" sz="quarter" idx="12"/>
+          </p:nvPr>
+        </p:nvSpPr>
+        <p:spPr/>
+        <p:txBody>
+          <a:bodyPr/>
+          <a:lstStyle/>
+          <a:p>
+            <a:fld id="{BA2DA46E-DB81-44BF-AEE2-1A0B022EF716}" type="slidenum">
+              <a:rPr lang="en-US" smtClean="0"/>
+              <a:pPr/>
+              <a:t>11</a:t>
+            </a:fld>
+            <a:endParaRPr lang="en-US" dirty="0"/>
+          </a:p>
+        </p:txBody>
+      </p:sp>
+    </p:spTree>
+    <p:extLst>
+      <p:ext uri="{BB962C8B-B14F-4D97-AF65-F5344CB8AC3E}">
+        <p14:creationId xmlns:p14="http://schemas.microsoft.com/office/powerpoint/2010/main" val="3080857116"/>
       </p:ext>
     </p:extLst>
   </p:cSld>
@@ -29362,7 +29482,7 @@
             <a:fld id="{CD77EECE-1F8F-4EFB-897C-4B2C2CB114C6}" type="datetime1">
               <a:rPr lang="fr-FR" smtClean="0"/>
               <a:pPr/>
-              <a:t>16/03/2016</a:t>
+              <a:t>22/03/2016</a:t>
             </a:fld>
             <a:endParaRPr lang="en-US" dirty="0"/>
           </a:p>
@@ -30199,47 +30319,6 @@
       </p:sp>
       <p:sp>
         <p:nvSpPr>
-          <p:cNvPr id="3" name="Content Placeholder 2"/>
-          <p:cNvSpPr>
-            <a:spLocks noGrp="1"/>
-          </p:cNvSpPr>
-          <p:nvPr>
-            <p:ph idx="1"/>
-          </p:nvPr>
-        </p:nvSpPr>
-        <p:spPr/>
-        <p:txBody>
-          <a:bodyPr/>
-          <a:lstStyle/>
-          <a:p>
-            <a:r>
-              <a:rPr lang="en-US" dirty="0" err="1"/>
-              <a:t>Processus</a:t>
-            </a:r>
-            <a:r>
-              <a:rPr lang="en-US" dirty="0"/>
-              <a:t> &amp; threads</a:t>
-            </a:r>
-          </a:p>
-          <a:p>
-            <a:endParaRPr lang="en-US" dirty="0"/>
-          </a:p>
-          <a:p>
-            <a:endParaRPr lang="en-US" dirty="0"/>
-          </a:p>
-          <a:p>
-            <a:endParaRPr lang="en-US" dirty="0"/>
-          </a:p>
-          <a:p>
-            <a:r>
-              <a:rPr lang="en-US" dirty="0"/>
-              <a:t>https://vladnevzorov.files.wordpress.com/2011/05/classes4.png</a:t>
-            </a:r>
-          </a:p>
-        </p:txBody>
-      </p:sp>
-      <p:sp>
-        <p:nvSpPr>
           <p:cNvPr id="4" name="Date Placeholder 3"/>
           <p:cNvSpPr>
             <a:spLocks noGrp="1"/>
@@ -30256,7 +30335,7 @@
             <a:fld id="{CD77EECE-1F8F-4EFB-897C-4B2C2CB114C6}" type="datetime1">
               <a:rPr lang="fr-FR" smtClean="0"/>
               <a:pPr/>
-              <a:t>16/03/2016</a:t>
+              <a:t>22/03/2016</a:t>
             </a:fld>
             <a:endParaRPr lang="en-US" dirty="0"/>
           </a:p>
@@ -30304,129 +30383,6 @@
               <a:rPr lang="en-US" smtClean="0"/>
               <a:pPr/>
               <a:t>13</a:t>
-            </a:fld>
-            <a:endParaRPr lang="en-US" dirty="0"/>
-          </a:p>
-        </p:txBody>
-      </p:sp>
-    </p:spTree>
-    <p:extLst>
-      <p:ext uri="{BB962C8B-B14F-4D97-AF65-F5344CB8AC3E}">
-        <p14:creationId xmlns:p14="http://schemas.microsoft.com/office/powerpoint/2010/main" val="4042618695"/>
-      </p:ext>
-    </p:extLst>
-  </p:cSld>
-  <p:clrMapOvr>
-    <a:masterClrMapping/>
-  </p:clrMapOvr>
-</p:sld>
-</file>
-
-<file path=ppt/slides/slide14.xml><?xml version="1.0" encoding="utf-8"?>
-<p:sld xmlns:a="http://schemas.openxmlformats.org/drawingml/2006/main" xmlns:r="http://schemas.openxmlformats.org/officeDocument/2006/relationships" xmlns:p="http://schemas.openxmlformats.org/presentationml/2006/main">
-  <p:cSld>
-    <p:spTree>
-      <p:nvGrpSpPr>
-        <p:cNvPr id="1" name=""/>
-        <p:cNvGrpSpPr/>
-        <p:nvPr/>
-      </p:nvGrpSpPr>
-      <p:grpSpPr>
-        <a:xfrm>
-          <a:off x="0" y="0"/>
-          <a:ext cx="0" cy="0"/>
-          <a:chOff x="0" y="0"/>
-          <a:chExt cx="0" cy="0"/>
-        </a:xfrm>
-      </p:grpSpPr>
-      <p:sp>
-        <p:nvSpPr>
-          <p:cNvPr id="2" name="Title 1"/>
-          <p:cNvSpPr>
-            <a:spLocks noGrp="1"/>
-          </p:cNvSpPr>
-          <p:nvPr>
-            <p:ph type="title"/>
-          </p:nvPr>
-        </p:nvSpPr>
-        <p:spPr/>
-        <p:txBody>
-          <a:bodyPr/>
-          <a:lstStyle/>
-          <a:p>
-            <a:r>
-              <a:rPr lang="en-US" dirty="0"/>
-              <a:t>Architecture - Application Android</a:t>
-            </a:r>
-          </a:p>
-        </p:txBody>
-      </p:sp>
-      <p:sp>
-        <p:nvSpPr>
-          <p:cNvPr id="4" name="Date Placeholder 3"/>
-          <p:cNvSpPr>
-            <a:spLocks noGrp="1"/>
-          </p:cNvSpPr>
-          <p:nvPr>
-            <p:ph type="dt" sz="half" idx="10"/>
-          </p:nvPr>
-        </p:nvSpPr>
-        <p:spPr/>
-        <p:txBody>
-          <a:bodyPr/>
-          <a:lstStyle/>
-          <a:p>
-            <a:fld id="{CD77EECE-1F8F-4EFB-897C-4B2C2CB114C6}" type="datetime1">
-              <a:rPr lang="fr-FR" smtClean="0"/>
-              <a:pPr/>
-              <a:t>16/03/2016</a:t>
-            </a:fld>
-            <a:endParaRPr lang="en-US" dirty="0"/>
-          </a:p>
-        </p:txBody>
-      </p:sp>
-      <p:sp>
-        <p:nvSpPr>
-          <p:cNvPr id="5" name="Footer Placeholder 4"/>
-          <p:cNvSpPr>
-            <a:spLocks noGrp="1"/>
-          </p:cNvSpPr>
-          <p:nvPr>
-            <p:ph type="ftr" sz="quarter" idx="11"/>
-          </p:nvPr>
-        </p:nvSpPr>
-        <p:spPr/>
-        <p:txBody>
-          <a:bodyPr/>
-          <a:lstStyle/>
-          <a:p>
-            <a:r>
-              <a:rPr lang="en-US"/>
-              <a:t>ANDROID – Ihab BERRO</a:t>
-            </a:r>
-            <a:endParaRPr lang="en-US" dirty="0"/>
-          </a:p>
-        </p:txBody>
-      </p:sp>
-      <p:sp>
-        <p:nvSpPr>
-          <p:cNvPr id="6" name="Slide Number Placeholder 5"/>
-          <p:cNvSpPr>
-            <a:spLocks noGrp="1"/>
-          </p:cNvSpPr>
-          <p:nvPr>
-            <p:ph type="sldNum" sz="quarter" idx="12"/>
-          </p:nvPr>
-        </p:nvSpPr>
-        <p:spPr/>
-        <p:txBody>
-          <a:bodyPr/>
-          <a:lstStyle/>
-          <a:p>
-            <a:fld id="{BA2DA46E-DB81-44BF-AEE2-1A0B022EF716}" type="slidenum">
-              <a:rPr lang="en-US" smtClean="0"/>
-              <a:pPr/>
-              <a:t>14</a:t>
             </a:fld>
             <a:endParaRPr lang="en-US" dirty="0"/>
           </a:p>
@@ -30770,7 +30726,7 @@
 </p:sld>
 </file>
 
-<file path=ppt/slides/slide15.xml><?xml version="1.0" encoding="utf-8"?>
+<file path=ppt/slides/slide14.xml><?xml version="1.0" encoding="utf-8"?>
 <p:sld xmlns:a="http://schemas.openxmlformats.org/drawingml/2006/main" xmlns:r="http://schemas.openxmlformats.org/officeDocument/2006/relationships" xmlns:p="http://schemas.openxmlformats.org/presentationml/2006/main">
   <p:cSld>
     <p:spTree>
@@ -30827,7 +30783,7 @@
             <a:fld id="{CD77EECE-1F8F-4EFB-897C-4B2C2CB114C6}" type="datetime1">
               <a:rPr lang="fr-FR" smtClean="0"/>
               <a:pPr/>
-              <a:t>16/03/2016</a:t>
+              <a:t>22/03/2016</a:t>
             </a:fld>
             <a:endParaRPr lang="en-US" dirty="0"/>
           </a:p>
@@ -30874,7 +30830,7 @@
             <a:fld id="{BA2DA46E-DB81-44BF-AEE2-1A0B022EF716}" type="slidenum">
               <a:rPr lang="en-US" smtClean="0"/>
               <a:pPr/>
-              <a:t>15</a:t>
+              <a:t>14</a:t>
             </a:fld>
             <a:endParaRPr lang="en-US" dirty="0"/>
           </a:p>
@@ -30997,7 +30953,7 @@
 </p:sld>
 </file>
 
-<file path=ppt/slides/slide16.xml><?xml version="1.0" encoding="utf-8"?>
+<file path=ppt/slides/slide15.xml><?xml version="1.0" encoding="utf-8"?>
 <p:sld xmlns:a="http://schemas.openxmlformats.org/drawingml/2006/main" xmlns:r="http://schemas.openxmlformats.org/officeDocument/2006/relationships" xmlns:p="http://schemas.openxmlformats.org/presentationml/2006/main">
   <p:cSld>
     <p:spTree>
@@ -31054,7 +31010,7 @@
             <a:fld id="{CD77EECE-1F8F-4EFB-897C-4B2C2CB114C6}" type="datetime1">
               <a:rPr lang="fr-FR" smtClean="0"/>
               <a:pPr/>
-              <a:t>16/03/2016</a:t>
+              <a:t>22/03/2016</a:t>
             </a:fld>
             <a:endParaRPr lang="en-US" dirty="0"/>
           </a:p>
@@ -31100,7 +31056,7 @@
             <a:fld id="{BA2DA46E-DB81-44BF-AEE2-1A0B022EF716}" type="slidenum">
               <a:rPr lang="en-US" smtClean="0"/>
               <a:pPr/>
-              <a:t>16</a:t>
+              <a:t>15</a:t>
             </a:fld>
             <a:endParaRPr lang="en-US" dirty="0"/>
           </a:p>
@@ -31970,7 +31926,7 @@
 </p:sld>
 </file>
 
-<file path=ppt/slides/slide17.xml><?xml version="1.0" encoding="utf-8"?>
+<file path=ppt/slides/slide16.xml><?xml version="1.0" encoding="utf-8"?>
 <p:sld xmlns:a="http://schemas.openxmlformats.org/drawingml/2006/main" xmlns:r="http://schemas.openxmlformats.org/officeDocument/2006/relationships" xmlns:p="http://schemas.openxmlformats.org/presentationml/2006/main">
   <p:cSld>
     <p:spTree>
@@ -32027,7 +31983,7 @@
             <a:fld id="{CD77EECE-1F8F-4EFB-897C-4B2C2CB114C6}" type="datetime1">
               <a:rPr lang="fr-FR" smtClean="0"/>
               <a:pPr/>
-              <a:t>16/03/2016</a:t>
+              <a:t>22/03/2016</a:t>
             </a:fld>
             <a:endParaRPr lang="en-US" dirty="0"/>
           </a:p>
@@ -32074,7 +32030,7 @@
             <a:fld id="{BA2DA46E-DB81-44BF-AEE2-1A0B022EF716}" type="slidenum">
               <a:rPr lang="en-US" smtClean="0"/>
               <a:pPr/>
-              <a:t>17</a:t>
+              <a:t>16</a:t>
             </a:fld>
             <a:endParaRPr lang="en-US" dirty="0"/>
           </a:p>
@@ -32969,6 +32925,217 @@
 </p:sld>
 </file>
 
+<file path=ppt/slides/slide17.xml><?xml version="1.0" encoding="utf-8"?>
+<p:sld xmlns:a="http://schemas.openxmlformats.org/drawingml/2006/main" xmlns:r="http://schemas.openxmlformats.org/officeDocument/2006/relationships" xmlns:p="http://schemas.openxmlformats.org/presentationml/2006/main">
+  <p:cSld>
+    <p:spTree>
+      <p:nvGrpSpPr>
+        <p:cNvPr id="1" name=""/>
+        <p:cNvGrpSpPr/>
+        <p:nvPr/>
+      </p:nvGrpSpPr>
+      <p:grpSpPr>
+        <a:xfrm>
+          <a:off x="0" y="0"/>
+          <a:ext cx="0" cy="0"/>
+          <a:chOff x="0" y="0"/>
+          <a:chExt cx="0" cy="0"/>
+        </a:xfrm>
+      </p:grpSpPr>
+      <p:sp>
+        <p:nvSpPr>
+          <p:cNvPr id="2" name="Title 1"/>
+          <p:cNvSpPr>
+            <a:spLocks noGrp="1"/>
+          </p:cNvSpPr>
+          <p:nvPr>
+            <p:ph type="title"/>
+          </p:nvPr>
+        </p:nvSpPr>
+        <p:spPr/>
+        <p:txBody>
+          <a:bodyPr/>
+          <a:lstStyle/>
+          <a:p>
+            <a:r>
+              <a:rPr lang="fr-FR" dirty="0"/>
+              <a:t>Utilisation et support</a:t>
+            </a:r>
+            <a:br>
+              <a:rPr lang="fr-FR" dirty="0"/>
+            </a:br>
+            <a:endParaRPr lang="fr-FR" dirty="0"/>
+          </a:p>
+        </p:txBody>
+      </p:sp>
+      <p:sp>
+        <p:nvSpPr>
+          <p:cNvPr id="3" name="Content Placeholder 2"/>
+          <p:cNvSpPr>
+            <a:spLocks noGrp="1"/>
+          </p:cNvSpPr>
+          <p:nvPr>
+            <p:ph idx="1"/>
+          </p:nvPr>
+        </p:nvSpPr>
+        <p:spPr/>
+        <p:txBody>
+          <a:bodyPr>
+            <a:normAutofit/>
+          </a:bodyPr>
+          <a:lstStyle/>
+          <a:p>
+            <a:r>
+              <a:rPr lang="fr-FR" sz="2000" dirty="0"/>
+              <a:t>Fournir un environnement cohérent de matériels et d’applications</a:t>
+            </a:r>
+          </a:p>
+          <a:p>
+            <a:r>
+              <a:rPr lang="fr-FR" sz="2000" dirty="0"/>
+              <a:t>Fournir aux utilisateurs un environnement applicatif cohérent</a:t>
+            </a:r>
+          </a:p>
+          <a:p>
+            <a:r>
+              <a:rPr lang="fr-FR" sz="2000" dirty="0"/>
+              <a:t>Permettre aux fabricants de se différencier tout en restant compatibles</a:t>
+            </a:r>
+          </a:p>
+          <a:p>
+            <a:r>
+              <a:rPr lang="fr-FR" sz="2000" dirty="0"/>
+              <a:t>Minimiser les coûts associés au respect de la compatibilité</a:t>
+            </a:r>
+            <a:endParaRPr lang="en-US" sz="2000" dirty="0"/>
+          </a:p>
+          <a:p>
+            <a:r>
+              <a:rPr lang="en-US" sz="2000" dirty="0"/>
+              <a:t>Support</a:t>
+            </a:r>
+          </a:p>
+          <a:p>
+            <a:pPr lvl="1"/>
+            <a:r>
+              <a:rPr lang="fr-FR" sz="1800" dirty="0"/>
+              <a:t>Smartphones</a:t>
+            </a:r>
+          </a:p>
+          <a:p>
+            <a:pPr lvl="1"/>
+            <a:r>
+              <a:rPr lang="fr-FR" sz="1800" dirty="0"/>
+              <a:t>Téléviseurs</a:t>
+            </a:r>
+          </a:p>
+          <a:p>
+            <a:pPr lvl="1"/>
+            <a:r>
+              <a:rPr lang="fr-FR" sz="1800" dirty="0"/>
+              <a:t>Tablettes</a:t>
+            </a:r>
+          </a:p>
+          <a:p>
+            <a:pPr lvl="1"/>
+            <a:r>
+              <a:rPr lang="fr-FR" sz="1800" dirty="0"/>
+              <a:t>Console de jeux vidéo</a:t>
+            </a:r>
+          </a:p>
+          <a:p>
+            <a:pPr lvl="1"/>
+            <a:r>
+              <a:rPr lang="fr-FR" sz="1800" dirty="0"/>
+              <a:t>Montres</a:t>
+            </a:r>
+          </a:p>
+        </p:txBody>
+      </p:sp>
+      <p:sp>
+        <p:nvSpPr>
+          <p:cNvPr id="4" name="Date Placeholder 3"/>
+          <p:cNvSpPr>
+            <a:spLocks noGrp="1"/>
+          </p:cNvSpPr>
+          <p:nvPr>
+            <p:ph type="dt" sz="half" idx="10"/>
+          </p:nvPr>
+        </p:nvSpPr>
+        <p:spPr/>
+        <p:txBody>
+          <a:bodyPr/>
+          <a:lstStyle/>
+          <a:p>
+            <a:fld id="{CD77EECE-1F8F-4EFB-897C-4B2C2CB114C6}" type="datetime1">
+              <a:rPr lang="fr-FR" smtClean="0"/>
+              <a:pPr/>
+              <a:t>22/03/2016</a:t>
+            </a:fld>
+            <a:endParaRPr lang="en-US" dirty="0"/>
+          </a:p>
+        </p:txBody>
+      </p:sp>
+      <p:sp>
+        <p:nvSpPr>
+          <p:cNvPr id="5" name="Footer Placeholder 4"/>
+          <p:cNvSpPr>
+            <a:spLocks noGrp="1"/>
+          </p:cNvSpPr>
+          <p:nvPr>
+            <p:ph type="ftr" sz="quarter" idx="11"/>
+          </p:nvPr>
+        </p:nvSpPr>
+        <p:spPr/>
+        <p:txBody>
+          <a:bodyPr/>
+          <a:lstStyle/>
+          <a:p>
+            <a:r>
+              <a:rPr lang="en-US"/>
+              <a:t>ANDROID – Ihab BERRO</a:t>
+            </a:r>
+            <a:endParaRPr lang="en-US" dirty="0"/>
+          </a:p>
+        </p:txBody>
+      </p:sp>
+      <p:sp>
+        <p:nvSpPr>
+          <p:cNvPr id="6" name="Slide Number Placeholder 5"/>
+          <p:cNvSpPr>
+            <a:spLocks noGrp="1"/>
+          </p:cNvSpPr>
+          <p:nvPr>
+            <p:ph type="sldNum" sz="quarter" idx="12"/>
+          </p:nvPr>
+        </p:nvSpPr>
+        <p:spPr/>
+        <p:txBody>
+          <a:bodyPr/>
+          <a:lstStyle/>
+          <a:p>
+            <a:fld id="{BA2DA46E-DB81-44BF-AEE2-1A0B022EF716}" type="slidenum">
+              <a:rPr lang="en-US" smtClean="0"/>
+              <a:pPr/>
+              <a:t>17</a:t>
+            </a:fld>
+            <a:endParaRPr lang="en-US" dirty="0"/>
+          </a:p>
+        </p:txBody>
+      </p:sp>
+    </p:spTree>
+    <p:extLst>
+      <p:ext uri="{BB962C8B-B14F-4D97-AF65-F5344CB8AC3E}">
+        <p14:creationId xmlns:p14="http://schemas.microsoft.com/office/powerpoint/2010/main" val="2104775769"/>
+      </p:ext>
+    </p:extLst>
+  </p:cSld>
+  <p:clrMapOvr>
+    <a:masterClrMapping/>
+  </p:clrMapOvr>
+</p:sld>
+</file>
+
 <file path=ppt/slides/slide18.xml><?xml version="1.0" encoding="utf-8"?>
 <p:sld xmlns:a="http://schemas.openxmlformats.org/drawingml/2006/main" xmlns:r="http://schemas.openxmlformats.org/officeDocument/2006/relationships" xmlns:p="http://schemas.openxmlformats.org/presentationml/2006/main">
   <p:cSld>
@@ -33001,7 +33168,10 @@
           <a:bodyPr/>
           <a:lstStyle/>
           <a:p>
-            <a:endParaRPr lang="en-US"/>
+            <a:r>
+              <a:rPr lang="fr-FR" dirty="0"/>
+              <a:t>Sécurité et confidentialité</a:t>
+            </a:r>
           </a:p>
         </p:txBody>
       </p:sp>
@@ -33017,10 +33187,41 @@
         </p:nvSpPr>
         <p:spPr/>
         <p:txBody>
-          <a:bodyPr/>
+          <a:bodyPr>
+            <a:normAutofit/>
+          </a:bodyPr>
           <a:lstStyle/>
           <a:p>
-            <a:endParaRPr lang="en-US"/>
+            <a:r>
+              <a:rPr lang="fr-FR" sz="2400" dirty="0"/>
+              <a:t>Identifiant unique d'utilisateur et de groupe</a:t>
+            </a:r>
+          </a:p>
+          <a:p>
+            <a:r>
+              <a:rPr lang="fr-FR" sz="2400" dirty="0"/>
+              <a:t>Chaque application Android a un propre processus</a:t>
+            </a:r>
+          </a:p>
+          <a:p>
+            <a:r>
+              <a:rPr lang="fr-FR" sz="2400" dirty="0"/>
+              <a:t>Chaque application est isolée des autres</a:t>
+            </a:r>
+          </a:p>
+          <a:p>
+            <a:r>
+              <a:rPr lang="fr-FR" sz="2400" dirty="0"/>
+              <a:t>Un service ou un fournisseur de contenu  pour partage</a:t>
+            </a:r>
+            <a:r>
+              <a:rPr lang="en-US" sz="2400" dirty="0"/>
+              <a:t> des </a:t>
+            </a:r>
+            <a:r>
+              <a:rPr lang="fr-FR" sz="2400" dirty="0"/>
+              <a:t>données</a:t>
+            </a:r>
           </a:p>
         </p:txBody>
       </p:sp>
@@ -33042,7 +33243,7 @@
             <a:fld id="{CD77EECE-1F8F-4EFB-897C-4B2C2CB114C6}" type="datetime1">
               <a:rPr lang="fr-FR" smtClean="0"/>
               <a:pPr/>
-              <a:t>17/03/2016</a:t>
+              <a:t>22/03/2016</a:t>
             </a:fld>
             <a:endParaRPr lang="en-US" dirty="0"/>
           </a:p>
@@ -33098,7 +33299,7 @@
     </p:spTree>
     <p:extLst>
       <p:ext uri="{BB962C8B-B14F-4D97-AF65-F5344CB8AC3E}">
-        <p14:creationId xmlns:p14="http://schemas.microsoft.com/office/powerpoint/2010/main" val="2104775769"/>
+        <p14:creationId xmlns:p14="http://schemas.microsoft.com/office/powerpoint/2010/main" val="3129851882"/>
       </p:ext>
     </p:extLst>
   </p:cSld>
@@ -33141,8 +33342,8 @@
           <a:lstStyle/>
           <a:p>
             <a:r>
-              <a:rPr lang="fr-FR" dirty="0"/>
-              <a:t>Sécurité et confidentialité</a:t>
+              <a:rPr lang="en-US" dirty="0"/>
+              <a:t>Permissions</a:t>
             </a:r>
           </a:p>
         </p:txBody>
@@ -33163,35 +33364,39 @@
           <a:lstStyle/>
           <a:p>
             <a:r>
-              <a:rPr lang="fr-FR" dirty="0"/>
-              <a:t>Identifiant unique d'utilisateur et de groupe</a:t>
+              <a:rPr lang="fr-FR" sz="2400" dirty="0"/>
+              <a:t>Système d'autorisation</a:t>
             </a:r>
           </a:p>
           <a:p>
             <a:r>
-              <a:rPr lang="fr-FR" dirty="0"/>
-              <a:t>Chaque application Android a un propre processus</a:t>
+              <a:rPr lang="fr-FR" sz="2400" dirty="0"/>
+              <a:t>Prédéfinit des autorisations pour certaines tâches</a:t>
             </a:r>
           </a:p>
           <a:p>
             <a:r>
-              <a:rPr lang="fr-FR" dirty="0"/>
-              <a:t>Chaque application est isolée des autres</a:t>
+              <a:rPr lang="fr-FR" sz="2400" dirty="0"/>
+              <a:t>Différents niveaux de permissions</a:t>
             </a:r>
           </a:p>
           <a:p>
             <a:r>
-              <a:rPr lang="fr-FR" dirty="0"/>
-              <a:t>Un service ou un fournisseur de contenu  pour partage</a:t>
+              <a:rPr lang="fr-FR" sz="2400" dirty="0"/>
+              <a:t>L’utilisateur décide d’accepter les permissions des applications</a:t>
             </a:r>
+          </a:p>
+          <a:p>
             <a:r>
-              <a:rPr lang="en-US" dirty="0"/>
-              <a:t> des </a:t>
+              <a:rPr lang="fr-FR" sz="2400" dirty="0"/>
+              <a:t>AndroidManifest.xml</a:t>
             </a:r>
-            <a:r>
-              <a:rPr lang="fr-FR" dirty="0"/>
-              <a:t>données</a:t>
-            </a:r>
+          </a:p>
+          <a:p>
+            <a:pPr marL="0" indent="0">
+              <a:buNone/>
+            </a:pPr>
+            <a:endParaRPr lang="fr-FR" dirty="0"/>
           </a:p>
         </p:txBody>
       </p:sp>
@@ -33213,7 +33418,7 @@
             <a:fld id="{CD77EECE-1F8F-4EFB-897C-4B2C2CB114C6}" type="datetime1">
               <a:rPr lang="fr-FR" smtClean="0"/>
               <a:pPr/>
-              <a:t>17/03/2016</a:t>
+              <a:t>22/03/2016</a:t>
             </a:fld>
             <a:endParaRPr lang="en-US" dirty="0"/>
           </a:p>
@@ -33269,7 +33474,7 @@
     </p:spTree>
     <p:extLst>
       <p:ext uri="{BB962C8B-B14F-4D97-AF65-F5344CB8AC3E}">
-        <p14:creationId xmlns:p14="http://schemas.microsoft.com/office/powerpoint/2010/main" val="3129851882"/>
+        <p14:creationId xmlns:p14="http://schemas.microsoft.com/office/powerpoint/2010/main" val="3180567511"/>
       </p:ext>
     </p:extLst>
   </p:cSld>
@@ -33360,7 +33565,7 @@
           <a:p>
             <a:fld id="{0AF5EE8B-2B01-44AF-89CC-1E7078A6630F}" type="datetime1">
               <a:rPr lang="fr-FR" smtClean="0"/>
-              <a:t>16/03/2016</a:t>
+              <a:t>22/03/2016</a:t>
             </a:fld>
             <a:endParaRPr lang="en-US"/>
           </a:p>
@@ -33459,7 +33664,7 @@
           <a:p>
             <a:r>
               <a:rPr lang="en-US" dirty="0"/>
-              <a:t>Permissions</a:t>
+              <a:t>Conclusion</a:t>
             </a:r>
           </a:p>
         </p:txBody>
@@ -33481,38 +33686,33 @@
           <a:p>
             <a:r>
               <a:rPr lang="fr-FR" dirty="0"/>
-              <a:t>Système d'autorisation propre</a:t>
+              <a:t>Passage aux objets connectés</a:t>
             </a:r>
           </a:p>
           <a:p>
             <a:r>
               <a:rPr lang="fr-FR" dirty="0"/>
-              <a:t>Prédéfinit des autorisations pour certaines tâches</a:t>
+              <a:t>Chance de vente des App très élevé</a:t>
             </a:r>
           </a:p>
           <a:p>
             <a:r>
               <a:rPr lang="fr-FR" dirty="0"/>
-              <a:t>Différents niveaux de permissions</a:t>
+              <a:t>Très grand nombre des librairies ouvertes pour tout le monde</a:t>
             </a:r>
           </a:p>
           <a:p>
             <a:r>
               <a:rPr lang="fr-FR" dirty="0"/>
-              <a:t>AndroidManifest.xml</a:t>
+              <a:t>Les </a:t>
             </a:r>
-          </a:p>
-          <a:p>
+            <a:r>
+              <a:rPr lang="fr-FR"/>
+              <a:t>webservers</a:t>
+            </a:r>
             <a:endParaRPr lang="fr-FR" dirty="0"/>
           </a:p>
           <a:p>
-            <a:endParaRPr lang="fr-FR" dirty="0"/>
-          </a:p>
-          <a:p>
-            <a:r>
-              <a:rPr lang="fr-FR"/>
-              <a:t>http://vogella.developpez.com/tutoriels/android/developpement-androidstudio-eclipse/</a:t>
-            </a:r>
             <a:endParaRPr lang="fr-FR" dirty="0"/>
           </a:p>
         </p:txBody>
@@ -33535,7 +33735,7 @@
             <a:fld id="{CD77EECE-1F8F-4EFB-897C-4B2C2CB114C6}" type="datetime1">
               <a:rPr lang="fr-FR" smtClean="0"/>
               <a:pPr/>
-              <a:t>17/03/2016</a:t>
+              <a:t>22/03/2016</a:t>
             </a:fld>
             <a:endParaRPr lang="en-US" dirty="0"/>
           </a:p>
@@ -33591,7 +33791,7 @@
     </p:spTree>
     <p:extLst>
       <p:ext uri="{BB962C8B-B14F-4D97-AF65-F5344CB8AC3E}">
-        <p14:creationId xmlns:p14="http://schemas.microsoft.com/office/powerpoint/2010/main" val="3180567511"/>
+        <p14:creationId xmlns:p14="http://schemas.microsoft.com/office/powerpoint/2010/main" val="4028679895"/>
       </p:ext>
     </p:extLst>
   </p:cSld>
@@ -33671,12 +33871,6 @@
           <a:p>
             <a:r>
               <a:rPr lang="fr-FR" sz="2400" dirty="0"/>
-              <a:t>Il existe plusieurs systèmes d’exploitation dédiés aux smartphones.</a:t>
-            </a:r>
-          </a:p>
-          <a:p>
-            <a:r>
-              <a:rPr lang="fr-FR" sz="2400" dirty="0"/>
               <a:t>À partir de fin 2007 (lancement de l'iPhone), ce marché s'étend considérablement.</a:t>
             </a:r>
           </a:p>
@@ -33706,7 +33900,7 @@
           <a:p>
             <a:fld id="{C1F7EFDE-6FC3-4654-83AA-3BA88544F460}" type="datetime1">
               <a:rPr lang="fr-FR" smtClean="0"/>
-              <a:t>16/03/2016</a:t>
+              <a:t>22/03/2016</a:t>
             </a:fld>
             <a:endParaRPr lang="en-US"/>
           </a:p>
@@ -33827,7 +34021,7 @@
           <a:p>
             <a:fld id="{BEEC7EF6-2E67-45C5-AC46-1627D85F803B}" type="datetime1">
               <a:rPr lang="fr-FR" smtClean="0"/>
-              <a:t>16/03/2016</a:t>
+              <a:t>22/03/2016</a:t>
             </a:fld>
             <a:endParaRPr lang="en-US"/>
           </a:p>
@@ -34224,7 +34418,7 @@
           <a:p>
             <a:fld id="{EE19916E-2104-4ACC-96F4-77E755B75A74}" type="datetime1">
               <a:rPr lang="fr-FR" smtClean="0"/>
-              <a:t>16/03/2016</a:t>
+              <a:t>22/03/2016</a:t>
             </a:fld>
             <a:endParaRPr lang="en-US"/>
           </a:p>
@@ -35641,7 +35835,7 @@
           <a:p>
             <a:fld id="{070FCE37-005A-41C1-8FDF-A13600E24672}" type="datetime1">
               <a:rPr lang="fr-FR" smtClean="0"/>
-              <a:t>16/03/2016</a:t>
+              <a:t>22/03/2016</a:t>
             </a:fld>
             <a:endParaRPr lang="en-US"/>
           </a:p>
@@ -36369,7 +36563,7 @@
           <a:p>
             <a:fld id="{5441D31A-35F7-4224-85D0-6CA06F077EDF}" type="datetime1">
               <a:rPr lang="fr-FR" smtClean="0"/>
-              <a:t>16/03/2016</a:t>
+              <a:t>22/03/2016</a:t>
             </a:fld>
             <a:endParaRPr lang="en-US"/>
           </a:p>
@@ -36926,7 +37120,7 @@
             <a:fld id="{CD77EECE-1F8F-4EFB-897C-4B2C2CB114C6}" type="datetime1">
               <a:rPr lang="fr-FR" smtClean="0"/>
               <a:pPr/>
-              <a:t>16/03/2016</a:t>
+              <a:t>22/03/2016</a:t>
             </a:fld>
             <a:endParaRPr lang="en-US" dirty="0"/>
           </a:p>
@@ -36989,6 +37183,455 @@
   <p:clrMapOvr>
     <a:masterClrMapping/>
   </p:clrMapOvr>
+  <p:timing>
+    <p:tnLst>
+      <p:par>
+        <p:cTn id="1" dur="indefinite" restart="never" nodeType="tmRoot">
+          <p:childTnLst>
+            <p:seq concurrent="1" nextAc="seek">
+              <p:cTn id="2" dur="indefinite" nodeType="mainSeq">
+                <p:childTnLst>
+                  <p:par>
+                    <p:cTn id="3" fill="hold">
+                      <p:stCondLst>
+                        <p:cond delay="indefinite"/>
+                      </p:stCondLst>
+                      <p:childTnLst>
+                        <p:par>
+                          <p:cTn id="4" fill="hold">
+                            <p:stCondLst>
+                              <p:cond delay="0"/>
+                            </p:stCondLst>
+                            <p:childTnLst>
+                              <p:par>
+                                <p:cTn id="5" presetID="10" presetClass="entr" presetSubtype="0" fill="hold" grpId="0" nodeType="clickEffect">
+                                  <p:stCondLst>
+                                    <p:cond delay="0"/>
+                                  </p:stCondLst>
+                                  <p:childTnLst>
+                                    <p:set>
+                                      <p:cBhvr>
+                                        <p:cTn id="6" dur="1" fill="hold">
+                                          <p:stCondLst>
+                                            <p:cond delay="0"/>
+                                          </p:stCondLst>
+                                        </p:cTn>
+                                        <p:tgtEl>
+                                          <p:spTgt spid="3">
+                                            <p:txEl>
+                                              <p:pRg st="0" end="0"/>
+                                            </p:txEl>
+                                          </p:spTgt>
+                                        </p:tgtEl>
+                                        <p:attrNameLst>
+                                          <p:attrName>style.visibility</p:attrName>
+                                        </p:attrNameLst>
+                                      </p:cBhvr>
+                                      <p:to>
+                                        <p:strVal val="visible"/>
+                                      </p:to>
+                                    </p:set>
+                                    <p:animEffect transition="in" filter="fade">
+                                      <p:cBhvr>
+                                        <p:cTn id="7" dur="500"/>
+                                        <p:tgtEl>
+                                          <p:spTgt spid="3">
+                                            <p:txEl>
+                                              <p:pRg st="0" end="0"/>
+                                            </p:txEl>
+                                          </p:spTgt>
+                                        </p:tgtEl>
+                                      </p:cBhvr>
+                                    </p:animEffect>
+                                  </p:childTnLst>
+                                </p:cTn>
+                              </p:par>
+                              <p:par>
+                                <p:cTn id="8" presetID="10" presetClass="entr" presetSubtype="0" fill="hold" grpId="0" nodeType="withEffect">
+                                  <p:stCondLst>
+                                    <p:cond delay="0"/>
+                                  </p:stCondLst>
+                                  <p:childTnLst>
+                                    <p:set>
+                                      <p:cBhvr>
+                                        <p:cTn id="9" dur="1" fill="hold">
+                                          <p:stCondLst>
+                                            <p:cond delay="0"/>
+                                          </p:stCondLst>
+                                        </p:cTn>
+                                        <p:tgtEl>
+                                          <p:spTgt spid="3">
+                                            <p:txEl>
+                                              <p:pRg st="1" end="1"/>
+                                            </p:txEl>
+                                          </p:spTgt>
+                                        </p:tgtEl>
+                                        <p:attrNameLst>
+                                          <p:attrName>style.visibility</p:attrName>
+                                        </p:attrNameLst>
+                                      </p:cBhvr>
+                                      <p:to>
+                                        <p:strVal val="visible"/>
+                                      </p:to>
+                                    </p:set>
+                                    <p:animEffect transition="in" filter="fade">
+                                      <p:cBhvr>
+                                        <p:cTn id="10" dur="500"/>
+                                        <p:tgtEl>
+                                          <p:spTgt spid="3">
+                                            <p:txEl>
+                                              <p:pRg st="1" end="1"/>
+                                            </p:txEl>
+                                          </p:spTgt>
+                                        </p:tgtEl>
+                                      </p:cBhvr>
+                                    </p:animEffect>
+                                  </p:childTnLst>
+                                </p:cTn>
+                              </p:par>
+                              <p:par>
+                                <p:cTn id="11" presetID="10" presetClass="entr" presetSubtype="0" fill="hold" grpId="0" nodeType="withEffect">
+                                  <p:stCondLst>
+                                    <p:cond delay="0"/>
+                                  </p:stCondLst>
+                                  <p:childTnLst>
+                                    <p:set>
+                                      <p:cBhvr>
+                                        <p:cTn id="12" dur="1" fill="hold">
+                                          <p:stCondLst>
+                                            <p:cond delay="0"/>
+                                          </p:stCondLst>
+                                        </p:cTn>
+                                        <p:tgtEl>
+                                          <p:spTgt spid="3">
+                                            <p:txEl>
+                                              <p:pRg st="2" end="2"/>
+                                            </p:txEl>
+                                          </p:spTgt>
+                                        </p:tgtEl>
+                                        <p:attrNameLst>
+                                          <p:attrName>style.visibility</p:attrName>
+                                        </p:attrNameLst>
+                                      </p:cBhvr>
+                                      <p:to>
+                                        <p:strVal val="visible"/>
+                                      </p:to>
+                                    </p:set>
+                                    <p:animEffect transition="in" filter="fade">
+                                      <p:cBhvr>
+                                        <p:cTn id="13" dur="500"/>
+                                        <p:tgtEl>
+                                          <p:spTgt spid="3">
+                                            <p:txEl>
+                                              <p:pRg st="2" end="2"/>
+                                            </p:txEl>
+                                          </p:spTgt>
+                                        </p:tgtEl>
+                                      </p:cBhvr>
+                                    </p:animEffect>
+                                  </p:childTnLst>
+                                </p:cTn>
+                              </p:par>
+                            </p:childTnLst>
+                          </p:cTn>
+                        </p:par>
+                      </p:childTnLst>
+                    </p:cTn>
+                  </p:par>
+                  <p:par>
+                    <p:cTn id="14" fill="hold">
+                      <p:stCondLst>
+                        <p:cond delay="indefinite"/>
+                      </p:stCondLst>
+                      <p:childTnLst>
+                        <p:par>
+                          <p:cTn id="15" fill="hold">
+                            <p:stCondLst>
+                              <p:cond delay="0"/>
+                            </p:stCondLst>
+                            <p:childTnLst>
+                              <p:par>
+                                <p:cTn id="16" presetID="10" presetClass="entr" presetSubtype="0" fill="hold" grpId="0" nodeType="clickEffect">
+                                  <p:stCondLst>
+                                    <p:cond delay="0"/>
+                                  </p:stCondLst>
+                                  <p:childTnLst>
+                                    <p:set>
+                                      <p:cBhvr>
+                                        <p:cTn id="17" dur="1" fill="hold">
+                                          <p:stCondLst>
+                                            <p:cond delay="0"/>
+                                          </p:stCondLst>
+                                        </p:cTn>
+                                        <p:tgtEl>
+                                          <p:spTgt spid="3">
+                                            <p:txEl>
+                                              <p:pRg st="3" end="3"/>
+                                            </p:txEl>
+                                          </p:spTgt>
+                                        </p:tgtEl>
+                                        <p:attrNameLst>
+                                          <p:attrName>style.visibility</p:attrName>
+                                        </p:attrNameLst>
+                                      </p:cBhvr>
+                                      <p:to>
+                                        <p:strVal val="visible"/>
+                                      </p:to>
+                                    </p:set>
+                                    <p:animEffect transition="in" filter="fade">
+                                      <p:cBhvr>
+                                        <p:cTn id="18" dur="500"/>
+                                        <p:tgtEl>
+                                          <p:spTgt spid="3">
+                                            <p:txEl>
+                                              <p:pRg st="3" end="3"/>
+                                            </p:txEl>
+                                          </p:spTgt>
+                                        </p:tgtEl>
+                                      </p:cBhvr>
+                                    </p:animEffect>
+                                  </p:childTnLst>
+                                </p:cTn>
+                              </p:par>
+                            </p:childTnLst>
+                          </p:cTn>
+                        </p:par>
+                      </p:childTnLst>
+                    </p:cTn>
+                  </p:par>
+                  <p:par>
+                    <p:cTn id="19" fill="hold">
+                      <p:stCondLst>
+                        <p:cond delay="indefinite"/>
+                      </p:stCondLst>
+                      <p:childTnLst>
+                        <p:par>
+                          <p:cTn id="20" fill="hold">
+                            <p:stCondLst>
+                              <p:cond delay="0"/>
+                            </p:stCondLst>
+                            <p:childTnLst>
+                              <p:par>
+                                <p:cTn id="21" presetID="10" presetClass="entr" presetSubtype="0" fill="hold" grpId="0" nodeType="clickEffect">
+                                  <p:stCondLst>
+                                    <p:cond delay="0"/>
+                                  </p:stCondLst>
+                                  <p:childTnLst>
+                                    <p:set>
+                                      <p:cBhvr>
+                                        <p:cTn id="22" dur="1" fill="hold">
+                                          <p:stCondLst>
+                                            <p:cond delay="0"/>
+                                          </p:stCondLst>
+                                        </p:cTn>
+                                        <p:tgtEl>
+                                          <p:spTgt spid="3">
+                                            <p:txEl>
+                                              <p:pRg st="4" end="4"/>
+                                            </p:txEl>
+                                          </p:spTgt>
+                                        </p:tgtEl>
+                                        <p:attrNameLst>
+                                          <p:attrName>style.visibility</p:attrName>
+                                        </p:attrNameLst>
+                                      </p:cBhvr>
+                                      <p:to>
+                                        <p:strVal val="visible"/>
+                                      </p:to>
+                                    </p:set>
+                                    <p:animEffect transition="in" filter="fade">
+                                      <p:cBhvr>
+                                        <p:cTn id="23" dur="500"/>
+                                        <p:tgtEl>
+                                          <p:spTgt spid="3">
+                                            <p:txEl>
+                                              <p:pRg st="4" end="4"/>
+                                            </p:txEl>
+                                          </p:spTgt>
+                                        </p:tgtEl>
+                                      </p:cBhvr>
+                                    </p:animEffect>
+                                  </p:childTnLst>
+                                </p:cTn>
+                              </p:par>
+                            </p:childTnLst>
+                          </p:cTn>
+                        </p:par>
+                      </p:childTnLst>
+                    </p:cTn>
+                  </p:par>
+                  <p:par>
+                    <p:cTn id="24" fill="hold">
+                      <p:stCondLst>
+                        <p:cond delay="indefinite"/>
+                      </p:stCondLst>
+                      <p:childTnLst>
+                        <p:par>
+                          <p:cTn id="25" fill="hold">
+                            <p:stCondLst>
+                              <p:cond delay="0"/>
+                            </p:stCondLst>
+                            <p:childTnLst>
+                              <p:par>
+                                <p:cTn id="26" presetID="10" presetClass="entr" presetSubtype="0" fill="hold" grpId="0" nodeType="clickEffect">
+                                  <p:stCondLst>
+                                    <p:cond delay="0"/>
+                                  </p:stCondLst>
+                                  <p:childTnLst>
+                                    <p:set>
+                                      <p:cBhvr>
+                                        <p:cTn id="27" dur="1" fill="hold">
+                                          <p:stCondLst>
+                                            <p:cond delay="0"/>
+                                          </p:stCondLst>
+                                        </p:cTn>
+                                        <p:tgtEl>
+                                          <p:spTgt spid="3">
+                                            <p:txEl>
+                                              <p:pRg st="5" end="5"/>
+                                            </p:txEl>
+                                          </p:spTgt>
+                                        </p:tgtEl>
+                                        <p:attrNameLst>
+                                          <p:attrName>style.visibility</p:attrName>
+                                        </p:attrNameLst>
+                                      </p:cBhvr>
+                                      <p:to>
+                                        <p:strVal val="visible"/>
+                                      </p:to>
+                                    </p:set>
+                                    <p:animEffect transition="in" filter="fade">
+                                      <p:cBhvr>
+                                        <p:cTn id="28" dur="500"/>
+                                        <p:tgtEl>
+                                          <p:spTgt spid="3">
+                                            <p:txEl>
+                                              <p:pRg st="5" end="5"/>
+                                            </p:txEl>
+                                          </p:spTgt>
+                                        </p:tgtEl>
+                                      </p:cBhvr>
+                                    </p:animEffect>
+                                  </p:childTnLst>
+                                </p:cTn>
+                              </p:par>
+                              <p:par>
+                                <p:cTn id="29" presetID="10" presetClass="entr" presetSubtype="0" fill="hold" grpId="0" nodeType="withEffect">
+                                  <p:stCondLst>
+                                    <p:cond delay="0"/>
+                                  </p:stCondLst>
+                                  <p:childTnLst>
+                                    <p:set>
+                                      <p:cBhvr>
+                                        <p:cTn id="30" dur="1" fill="hold">
+                                          <p:stCondLst>
+                                            <p:cond delay="0"/>
+                                          </p:stCondLst>
+                                        </p:cTn>
+                                        <p:tgtEl>
+                                          <p:spTgt spid="3">
+                                            <p:txEl>
+                                              <p:pRg st="6" end="6"/>
+                                            </p:txEl>
+                                          </p:spTgt>
+                                        </p:tgtEl>
+                                        <p:attrNameLst>
+                                          <p:attrName>style.visibility</p:attrName>
+                                        </p:attrNameLst>
+                                      </p:cBhvr>
+                                      <p:to>
+                                        <p:strVal val="visible"/>
+                                      </p:to>
+                                    </p:set>
+                                    <p:animEffect transition="in" filter="fade">
+                                      <p:cBhvr>
+                                        <p:cTn id="31" dur="500"/>
+                                        <p:tgtEl>
+                                          <p:spTgt spid="3">
+                                            <p:txEl>
+                                              <p:pRg st="6" end="6"/>
+                                            </p:txEl>
+                                          </p:spTgt>
+                                        </p:tgtEl>
+                                      </p:cBhvr>
+                                    </p:animEffect>
+                                  </p:childTnLst>
+                                </p:cTn>
+                              </p:par>
+                              <p:par>
+                                <p:cTn id="32" presetID="10" presetClass="entr" presetSubtype="0" fill="hold" grpId="0" nodeType="withEffect">
+                                  <p:stCondLst>
+                                    <p:cond delay="0"/>
+                                  </p:stCondLst>
+                                  <p:childTnLst>
+                                    <p:set>
+                                      <p:cBhvr>
+                                        <p:cTn id="33" dur="1" fill="hold">
+                                          <p:stCondLst>
+                                            <p:cond delay="0"/>
+                                          </p:stCondLst>
+                                        </p:cTn>
+                                        <p:tgtEl>
+                                          <p:spTgt spid="3">
+                                            <p:txEl>
+                                              <p:pRg st="7" end="7"/>
+                                            </p:txEl>
+                                          </p:spTgt>
+                                        </p:tgtEl>
+                                        <p:attrNameLst>
+                                          <p:attrName>style.visibility</p:attrName>
+                                        </p:attrNameLst>
+                                      </p:cBhvr>
+                                      <p:to>
+                                        <p:strVal val="visible"/>
+                                      </p:to>
+                                    </p:set>
+                                    <p:animEffect transition="in" filter="fade">
+                                      <p:cBhvr>
+                                        <p:cTn id="34" dur="500"/>
+                                        <p:tgtEl>
+                                          <p:spTgt spid="3">
+                                            <p:txEl>
+                                              <p:pRg st="7" end="7"/>
+                                            </p:txEl>
+                                          </p:spTgt>
+                                        </p:tgtEl>
+                                      </p:cBhvr>
+                                    </p:animEffect>
+                                  </p:childTnLst>
+                                </p:cTn>
+                              </p:par>
+                            </p:childTnLst>
+                          </p:cTn>
+                        </p:par>
+                      </p:childTnLst>
+                    </p:cTn>
+                  </p:par>
+                </p:childTnLst>
+              </p:cTn>
+              <p:prevCondLst>
+                <p:cond evt="onPrev" delay="0">
+                  <p:tgtEl>
+                    <p:sldTgt/>
+                  </p:tgtEl>
+                </p:cond>
+              </p:prevCondLst>
+              <p:nextCondLst>
+                <p:cond evt="onNext" delay="0">
+                  <p:tgtEl>
+                    <p:sldTgt/>
+                  </p:tgtEl>
+                </p:cond>
+              </p:nextCondLst>
+            </p:seq>
+          </p:childTnLst>
+        </p:cTn>
+      </p:par>
+    </p:tnLst>
+    <p:bldLst>
+      <p:bldP spid="3" grpId="0" build="p"/>
+    </p:bldLst>
+  </p:timing>
 </p:sld>
 </file>
 
@@ -37025,35 +37668,37 @@
           <a:lstStyle/>
           <a:p>
             <a:r>
-              <a:rPr lang="en-US" dirty="0" err="1"/>
-              <a:t>Dalvik</a:t>
+              <a:rPr lang="fr-FR" dirty="0"/>
+              <a:t>Architecture - Pile logicielle</a:t>
             </a:r>
-            <a:endParaRPr lang="en-US" dirty="0"/>
           </a:p>
         </p:txBody>
       </p:sp>
+      <p:graphicFrame>
+        <p:nvGraphicFramePr>
+          <p:cNvPr id="4" name="Diagram 3"/>
+          <p:cNvGraphicFramePr/>
+          <p:nvPr>
+            <p:extLst>
+              <p:ext uri="{D42A27DB-BD31-4B8C-83A1-F6EECF244321}">
+                <p14:modId xmlns:p14="http://schemas.microsoft.com/office/powerpoint/2010/main" val="2184007370"/>
+              </p:ext>
+            </p:extLst>
+          </p:nvPr>
+        </p:nvGraphicFramePr>
+        <p:xfrm>
+          <a:off x="677333" y="1419726"/>
+          <a:ext cx="8695267" cy="4621636"/>
+        </p:xfrm>
+        <a:graphic>
+          <a:graphicData uri="http://schemas.openxmlformats.org/drawingml/2006/diagram">
+            <dgm:relIds xmlns:dgm="http://schemas.openxmlformats.org/drawingml/2006/diagram" xmlns:r="http://schemas.openxmlformats.org/officeDocument/2006/relationships" r:dm="rId2" r:lo="rId3" r:qs="rId4" r:cs="rId5"/>
+          </a:graphicData>
+        </a:graphic>
+      </p:graphicFrame>
       <p:sp>
         <p:nvSpPr>
-          <p:cNvPr id="3" name="Content Placeholder 2"/>
-          <p:cNvSpPr>
-            <a:spLocks noGrp="1"/>
-          </p:cNvSpPr>
-          <p:nvPr>
-            <p:ph idx="1"/>
-          </p:nvPr>
-        </p:nvSpPr>
-        <p:spPr/>
-        <p:txBody>
-          <a:bodyPr/>
-          <a:lstStyle/>
-          <a:p>
-            <a:endParaRPr lang="en-US"/>
-          </a:p>
-        </p:txBody>
-      </p:sp>
-      <p:sp>
-        <p:nvSpPr>
-          <p:cNvPr id="4" name="Date Placeholder 3"/>
+          <p:cNvPr id="5" name="Date Placeholder 4"/>
           <p:cNvSpPr>
             <a:spLocks noGrp="1"/>
           </p:cNvSpPr>
@@ -37066,18 +37711,17 @@
           <a:bodyPr/>
           <a:lstStyle/>
           <a:p>
-            <a:fld id="{CD77EECE-1F8F-4EFB-897C-4B2C2CB114C6}" type="datetime1">
+            <a:fld id="{062D72EB-0C3F-4CCC-A73C-9A65FD84E9FA}" type="datetime1">
               <a:rPr lang="fr-FR" smtClean="0"/>
-              <a:pPr/>
-              <a:t>16/03/2016</a:t>
+              <a:t>22/03/2016</a:t>
             </a:fld>
-            <a:endParaRPr lang="en-US" dirty="0"/>
+            <a:endParaRPr lang="en-US"/>
           </a:p>
         </p:txBody>
       </p:sp>
       <p:sp>
         <p:nvSpPr>
-          <p:cNvPr id="5" name="Footer Placeholder 4"/>
+          <p:cNvPr id="6" name="Footer Placeholder 5"/>
           <p:cNvSpPr>
             <a:spLocks noGrp="1"/>
           </p:cNvSpPr>
@@ -37100,7 +37744,7 @@
       </p:sp>
       <p:sp>
         <p:nvSpPr>
-          <p:cNvPr id="6" name="Slide Number Placeholder 5"/>
+          <p:cNvPr id="7" name="Slide Number Placeholder 6"/>
           <p:cNvSpPr>
             <a:spLocks noGrp="1"/>
           </p:cNvSpPr>
@@ -37115,17 +37759,16 @@
           <a:p>
             <a:fld id="{BA2DA46E-DB81-44BF-AEE2-1A0B022EF716}" type="slidenum">
               <a:rPr lang="en-US" smtClean="0"/>
-              <a:pPr/>
               <a:t>9</a:t>
             </a:fld>
-            <a:endParaRPr lang="en-US" dirty="0"/>
+            <a:endParaRPr lang="en-US"/>
           </a:p>
         </p:txBody>
       </p:sp>
     </p:spTree>
     <p:extLst>
       <p:ext uri="{BB962C8B-B14F-4D97-AF65-F5344CB8AC3E}">
-        <p14:creationId xmlns:p14="http://schemas.microsoft.com/office/powerpoint/2010/main" val="3080857116"/>
+        <p14:creationId xmlns:p14="http://schemas.microsoft.com/office/powerpoint/2010/main" val="990097029"/>
       </p:ext>
     </p:extLst>
   </p:cSld>

--- a/Android.pptx
+++ b/Android.pptx
@@ -33681,39 +33681,33 @@
         </p:nvSpPr>
         <p:spPr/>
         <p:txBody>
-          <a:bodyPr/>
+          <a:bodyPr>
+            <a:normAutofit/>
+          </a:bodyPr>
           <a:lstStyle/>
           <a:p>
             <a:r>
-              <a:rPr lang="fr-FR" dirty="0"/>
+              <a:rPr lang="fr-FR" sz="2400" dirty="0"/>
               <a:t>Passage aux objets connectés</a:t>
             </a:r>
           </a:p>
           <a:p>
             <a:r>
-              <a:rPr lang="fr-FR" dirty="0"/>
+              <a:rPr lang="fr-FR" sz="2400" dirty="0"/>
               <a:t>Chance de vente des App très élevé</a:t>
             </a:r>
           </a:p>
           <a:p>
             <a:r>
-              <a:rPr lang="fr-FR" dirty="0"/>
+              <a:rPr lang="fr-FR" sz="2400" dirty="0"/>
               <a:t>Très grand nombre des librairies ouvertes pour tout le monde</a:t>
             </a:r>
           </a:p>
           <a:p>
             <a:r>
-              <a:rPr lang="fr-FR" dirty="0"/>
-              <a:t>Les </a:t>
+              <a:rPr lang="fr-FR" sz="2400" dirty="0"/>
+              <a:t>Le rôle des services web</a:t>
             </a:r>
-            <a:r>
-              <a:rPr lang="fr-FR"/>
-              <a:t>webservers</a:t>
-            </a:r>
-            <a:endParaRPr lang="fr-FR" dirty="0"/>
-          </a:p>
-          <a:p>
-            <a:endParaRPr lang="fr-FR" dirty="0"/>
           </a:p>
         </p:txBody>
       </p:sp>
